--- a/Final Assignments/파라노이드 팀 발표용 PPT.pptx
+++ b/Final Assignments/파라노이드 팀 발표용 PPT.pptx
@@ -273,7 +273,7 @@
                 </a:solidFill>
               </a:rPr>
               <a:pPr/>
-              <a:t>2022-05-10</a:t>
+              <a:t>2022-05-12</a:t>
             </a:fld>
             <a:endParaRPr lang="ko-KR" altLang="en-US">
               <a:solidFill>
@@ -503,7 +503,7 @@
                 </a:solidFill>
               </a:rPr>
               <a:pPr/>
-              <a:t>2022-05-10</a:t>
+              <a:t>2022-05-12</a:t>
             </a:fld>
             <a:endParaRPr lang="ko-KR" altLang="en-US">
               <a:solidFill>
@@ -743,7 +743,7 @@
                 </a:solidFill>
               </a:rPr>
               <a:pPr/>
-              <a:t>2022-05-10</a:t>
+              <a:t>2022-05-12</a:t>
             </a:fld>
             <a:endParaRPr lang="ko-KR" altLang="en-US">
               <a:solidFill>
@@ -973,7 +973,7 @@
                 </a:solidFill>
               </a:rPr>
               <a:pPr/>
-              <a:t>2022-05-10</a:t>
+              <a:t>2022-05-12</a:t>
             </a:fld>
             <a:endParaRPr lang="ko-KR" altLang="en-US">
               <a:solidFill>
@@ -1280,7 +1280,7 @@
                 </a:solidFill>
               </a:rPr>
               <a:pPr/>
-              <a:t>2022-05-10</a:t>
+              <a:t>2022-05-12</a:t>
             </a:fld>
             <a:endParaRPr lang="ko-KR" altLang="en-US">
               <a:solidFill>
@@ -1577,7 +1577,7 @@
                 </a:solidFill>
               </a:rPr>
               <a:pPr/>
-              <a:t>2022-05-10</a:t>
+              <a:t>2022-05-12</a:t>
             </a:fld>
             <a:endParaRPr lang="ko-KR" altLang="en-US">
               <a:solidFill>
@@ -2021,7 +2021,7 @@
                 </a:solidFill>
               </a:rPr>
               <a:pPr/>
-              <a:t>2022-05-10</a:t>
+              <a:t>2022-05-12</a:t>
             </a:fld>
             <a:endParaRPr lang="ko-KR" altLang="en-US">
               <a:solidFill>
@@ -2194,7 +2194,7 @@
                 </a:solidFill>
               </a:rPr>
               <a:pPr/>
-              <a:t>2022-05-10</a:t>
+              <a:t>2022-05-12</a:t>
             </a:fld>
             <a:endParaRPr lang="ko-KR" altLang="en-US">
               <a:solidFill>
@@ -2339,7 +2339,7 @@
                 </a:solidFill>
               </a:rPr>
               <a:pPr/>
-              <a:t>2022-05-10</a:t>
+              <a:t>2022-05-12</a:t>
             </a:fld>
             <a:endParaRPr lang="ko-KR" altLang="en-US">
               <a:solidFill>
@@ -2682,7 +2682,7 @@
                 </a:solidFill>
               </a:rPr>
               <a:pPr/>
-              <a:t>2022-05-10</a:t>
+              <a:t>2022-05-12</a:t>
             </a:fld>
             <a:endParaRPr lang="ko-KR" altLang="en-US">
               <a:solidFill>
@@ -3002,7 +3002,7 @@
                 </a:solidFill>
               </a:rPr>
               <a:pPr/>
-              <a:t>2022-05-10</a:t>
+              <a:t>2022-05-12</a:t>
             </a:fld>
             <a:endParaRPr lang="ko-KR" altLang="en-US">
               <a:solidFill>
@@ -3275,7 +3275,7 @@
                 </a:solidFill>
               </a:rPr>
               <a:pPr/>
-              <a:t>2022-05-10</a:t>
+              <a:t>2022-05-12</a:t>
             </a:fld>
             <a:endParaRPr lang="ko-KR" altLang="en-US">
               <a:solidFill>
@@ -3909,31 +3909,9 @@
                   </a:prstClr>
                 </a:solidFill>
               </a:rPr>
-              <a:t>팀 </a:t>
-            </a:r>
-            <a:r>
-              <a:rPr lang="en-US" altLang="ko-KR" sz="3200" b="1" i="1" kern="0" smtClean="0">
-                <a:solidFill>
-                  <a:prstClr val="black">
-                    <a:lumMod val="75000"/>
-                    <a:lumOff val="25000"/>
-                  </a:prstClr>
-                </a:solidFill>
-              </a:rPr>
-              <a:t>: </a:t>
-            </a:r>
-            <a:r>
-              <a:rPr lang="ko-KR" altLang="en-US" sz="3200" b="1" i="1" kern="0" smtClean="0">
-                <a:solidFill>
-                  <a:prstClr val="black">
-                    <a:lumMod val="75000"/>
-                    <a:lumOff val="25000"/>
-                  </a:prstClr>
-                </a:solidFill>
-              </a:rPr>
-              <a:t>파라노이드</a:t>
-            </a:r>
-            <a:endParaRPr lang="en-US" altLang="ko-KR" sz="3200" b="1" i="1" kern="0">
+              <a:t>파라노이드 팀</a:t>
+            </a:r>
+            <a:endParaRPr lang="en-US" altLang="ko-KR" sz="3200" b="1" i="1" kern="0" smtClean="0">
               <a:solidFill>
                 <a:prstClr val="black">
                   <a:lumMod val="75000"/>
@@ -4007,7 +3985,18 @@
                   </a:prstClr>
                 </a:solidFill>
               </a:rPr>
-              <a:t>                    콘텐츠 </a:t>
+              <a:t>                    </a:t>
+            </a:r>
+            <a:r>
+              <a:rPr lang="ko-KR" altLang="en-US" sz="1500" b="1" kern="0" smtClean="0">
+                <a:solidFill>
+                  <a:prstClr val="black">
+                    <a:lumMod val="75000"/>
+                    <a:lumOff val="25000"/>
+                  </a:prstClr>
+                </a:solidFill>
+              </a:rPr>
+              <a:t>콘텐츠 </a:t>
             </a:r>
             <a:r>
               <a:rPr lang="en-US" altLang="ko-KR" sz="1500" b="1" kern="0" smtClean="0">
@@ -6018,166 +6007,14 @@
       </p:cxnSp>
       <p:sp>
         <p:nvSpPr>
-          <p:cNvPr id="30" name="원호 29"/>
-          <p:cNvSpPr/>
-          <p:nvPr/>
-        </p:nvSpPr>
-        <p:spPr>
-          <a:xfrm>
-            <a:off x="1854242" y="2494356"/>
-            <a:ext cx="1698171" cy="1698171"/>
-          </a:xfrm>
-          <a:prstGeom prst="arc">
-            <a:avLst>
-              <a:gd name="adj1" fmla="val 11000853"/>
-              <a:gd name="adj2" fmla="val 0"/>
-            </a:avLst>
-          </a:prstGeom>
-          <a:ln w="130175" cap="rnd">
-            <a:solidFill>
-              <a:schemeClr val="bg1">
-                <a:lumMod val="85000"/>
-              </a:schemeClr>
-            </a:solidFill>
-          </a:ln>
-        </p:spPr>
-        <p:style>
-          <a:lnRef idx="1">
-            <a:schemeClr val="accent1"/>
-          </a:lnRef>
-          <a:fillRef idx="0">
-            <a:schemeClr val="accent1"/>
-          </a:fillRef>
-          <a:effectRef idx="0">
-            <a:schemeClr val="accent1"/>
-          </a:effectRef>
-          <a:fontRef idx="minor">
-            <a:schemeClr val="tx1"/>
-          </a:fontRef>
-        </p:style>
-        <p:txBody>
-          <a:bodyPr rtlCol="0" anchor="ctr"/>
-          <a:lstStyle/>
-          <a:p>
-            <a:pPr algn="ctr"/>
-            <a:endParaRPr lang="ko-KR" altLang="en-US">
-              <a:solidFill>
-                <a:prstClr val="black"/>
-              </a:solidFill>
-            </a:endParaRPr>
-          </a:p>
-        </p:txBody>
-      </p:sp>
-      <p:sp>
-        <p:nvSpPr>
-          <p:cNvPr id="31" name="원호 30"/>
-          <p:cNvSpPr/>
-          <p:nvPr/>
-        </p:nvSpPr>
-        <p:spPr>
-          <a:xfrm>
-            <a:off x="1840592" y="2494355"/>
-            <a:ext cx="1698171" cy="1698171"/>
-          </a:xfrm>
-          <a:prstGeom prst="arc">
-            <a:avLst>
-              <a:gd name="adj1" fmla="val 11000853"/>
-              <a:gd name="adj2" fmla="val 19194418"/>
-            </a:avLst>
-          </a:prstGeom>
-          <a:ln w="130175" cap="rnd">
-            <a:solidFill>
-              <a:srgbClr val="01A7CE"/>
-            </a:solidFill>
-          </a:ln>
-        </p:spPr>
-        <p:style>
-          <a:lnRef idx="1">
-            <a:schemeClr val="accent1"/>
-          </a:lnRef>
-          <a:fillRef idx="0">
-            <a:schemeClr val="accent1"/>
-          </a:fillRef>
-          <a:effectRef idx="0">
-            <a:schemeClr val="accent1"/>
-          </a:effectRef>
-          <a:fontRef idx="minor">
-            <a:schemeClr val="tx1"/>
-          </a:fontRef>
-        </p:style>
-        <p:txBody>
-          <a:bodyPr rtlCol="0" anchor="ctr"/>
-          <a:lstStyle/>
-          <a:p>
-            <a:pPr algn="ctr"/>
-            <a:endParaRPr lang="ko-KR" altLang="en-US">
-              <a:solidFill>
-                <a:prstClr val="black"/>
-              </a:solidFill>
-            </a:endParaRPr>
-          </a:p>
-        </p:txBody>
-      </p:sp>
-      <p:sp>
-        <p:nvSpPr>
-          <p:cNvPr id="32" name="타원 31"/>
-          <p:cNvSpPr/>
-          <p:nvPr/>
-        </p:nvSpPr>
-        <p:spPr>
-          <a:xfrm>
-            <a:off x="3516413" y="2683511"/>
-            <a:ext cx="72000" cy="72000"/>
-          </a:xfrm>
-          <a:prstGeom prst="ellipse">
-            <a:avLst/>
-          </a:prstGeom>
-          <a:solidFill>
-            <a:srgbClr val="01A7CE"/>
-          </a:solidFill>
-          <a:ln>
-            <a:noFill/>
-          </a:ln>
-        </p:spPr>
-        <p:style>
-          <a:lnRef idx="2">
-            <a:schemeClr val="accent1">
-              <a:shade val="50000"/>
-            </a:schemeClr>
-          </a:lnRef>
-          <a:fillRef idx="1">
-            <a:schemeClr val="accent1"/>
-          </a:fillRef>
-          <a:effectRef idx="0">
-            <a:schemeClr val="accent1"/>
-          </a:effectRef>
-          <a:fontRef idx="minor">
-            <a:schemeClr val="lt1"/>
-          </a:fontRef>
-        </p:style>
-        <p:txBody>
-          <a:bodyPr rtlCol="0" anchor="ctr"/>
-          <a:lstStyle/>
-          <a:p>
-            <a:pPr algn="ctr"/>
-            <a:endParaRPr lang="ko-KR" altLang="en-US">
-              <a:solidFill>
-                <a:prstClr val="white"/>
-              </a:solidFill>
-            </a:endParaRPr>
-          </a:p>
-        </p:txBody>
-      </p:sp>
-      <p:sp>
-        <p:nvSpPr>
           <p:cNvPr id="33" name="TextBox 32"/>
           <p:cNvSpPr txBox="1"/>
           <p:nvPr/>
         </p:nvSpPr>
         <p:spPr>
           <a:xfrm>
-            <a:off x="2208976" y="2885231"/>
-            <a:ext cx="988701" cy="523220"/>
+            <a:off x="1955868" y="2919652"/>
+            <a:ext cx="1467616" cy="523220"/>
           </a:xfrm>
           <a:prstGeom prst="rect">
             <a:avLst/>
@@ -6192,7 +6029,7 @@
           <a:p>
             <a:pPr algn="ctr"/>
             <a:r>
-              <a:rPr lang="en-US" altLang="ko-KR" sz="2800" b="1" dirty="0">
+              <a:rPr lang="en-US" altLang="ko-KR" sz="2800" b="1" smtClean="0">
                 <a:solidFill>
                   <a:prstClr val="black">
                     <a:lumMod val="75000"/>
@@ -6200,10 +6037,10 @@
                   </a:prstClr>
                 </a:solidFill>
               </a:rPr>
-              <a:t>70</a:t>
-            </a:r>
-            <a:r>
-              <a:rPr lang="en-US" altLang="ko-KR" dirty="0">
+              <a:t>1. </a:t>
+            </a:r>
+            <a:r>
+              <a:rPr lang="ko-KR" altLang="en-US" sz="2800" b="1" smtClean="0">
                 <a:solidFill>
                   <a:prstClr val="black">
                     <a:lumMod val="75000"/>
@@ -6211,7 +6048,7 @@
                   </a:prstClr>
                 </a:solidFill>
               </a:rPr>
-              <a:t>%</a:t>
+              <a:t>개요</a:t>
             </a:r>
             <a:endParaRPr lang="en-US" altLang="ko-KR" sz="700" dirty="0">
               <a:solidFill>
@@ -6238,8 +6075,8 @@
         </p:nvSpPr>
         <p:spPr>
           <a:xfrm>
-            <a:off x="1192300" y="3715143"/>
-            <a:ext cx="2994752" cy="2192908"/>
+            <a:off x="1022617" y="3715143"/>
+            <a:ext cx="3397986" cy="2077492"/>
           </a:xfrm>
           <a:prstGeom prst="rect">
             <a:avLst/>
@@ -6257,7 +6094,7 @@
               </a:lnSpc>
             </a:pPr>
             <a:r>
-              <a:rPr lang="en-US" altLang="ko-KR" dirty="0">
+              <a:rPr lang="ko-KR" altLang="en-US" b="1" smtClean="0">
                 <a:solidFill>
                   <a:prstClr val="black">
                     <a:lumMod val="75000"/>
@@ -6265,16 +6102,9 @@
                   </a:prstClr>
                 </a:solidFill>
               </a:rPr>
-              <a:t>CONTENTS</a:t>
-            </a:r>
-          </a:p>
-          <a:p>
-            <a:pPr algn="ctr">
-              <a:lnSpc>
-                <a:spcPct val="150000"/>
-              </a:lnSpc>
-            </a:pPr>
-            <a:endParaRPr lang="en-US" altLang="ko-KR" b="1" dirty="0">
+              <a:t>개발 이유 및 목표</a:t>
+            </a:r>
+            <a:endParaRPr lang="en-US" altLang="ko-KR" b="1" smtClean="0">
               <a:solidFill>
                 <a:prstClr val="black">
                   <a:lumMod val="75000"/>
@@ -6289,7 +6119,7 @@
                 <a:spcPct val="150000"/>
               </a:lnSpc>
             </a:pPr>
-            <a:endParaRPr lang="en-US" altLang="ko-KR" b="1" dirty="0">
+            <a:endParaRPr lang="en-US" altLang="ko-KR" b="1">
               <a:solidFill>
                 <a:prstClr val="black">
                   <a:lumMod val="75000"/>
@@ -6304,18 +6134,7 @@
                 <a:spcPct val="150000"/>
               </a:lnSpc>
             </a:pPr>
-            <a:r>
-              <a:rPr lang="ko-KR" altLang="en-US" sz="1600" dirty="0">
-                <a:solidFill>
-                  <a:prstClr val="black">
-                    <a:lumMod val="75000"/>
-                    <a:lumOff val="25000"/>
-                  </a:prstClr>
-                </a:solidFill>
-              </a:rPr>
-              <a:t>컨텐츠에 대한 내용을 적어요</a:t>
-            </a:r>
-            <a:endParaRPr lang="en-US" altLang="ko-KR" sz="1600" dirty="0">
+            <a:endParaRPr lang="ko-KR" altLang="en-US" b="1" smtClean="0">
               <a:solidFill>
                 <a:prstClr val="black">
                   <a:lumMod val="75000"/>
@@ -6331,7 +6150,7 @@
               </a:lnSpc>
             </a:pPr>
             <a:r>
-              <a:rPr lang="ko-KR" altLang="en-US" sz="1050" dirty="0">
+              <a:rPr lang="ko-KR" altLang="en-US" sz="1600" smtClean="0">
                 <a:solidFill>
                   <a:prstClr val="black">
                     <a:lumMod val="75000"/>
@@ -6339,8 +6158,16 @@
                   </a:prstClr>
                 </a:solidFill>
               </a:rPr>
-              <a:t>Enjoy your stylish business and campus life with BIZCAM </a:t>
-            </a:r>
+              <a:t>본 프로젝트를 시작하게 된 이유와 목표</a:t>
+            </a:r>
+            <a:endParaRPr lang="ko-KR" altLang="en-US" sz="1600" dirty="0">
+              <a:solidFill>
+                <a:prstClr val="black">
+                  <a:lumMod val="75000"/>
+                  <a:lumOff val="25000"/>
+                </a:prstClr>
+              </a:solidFill>
+            </a:endParaRPr>
           </a:p>
         </p:txBody>
       </p:sp>
@@ -6444,166 +6271,14 @@
       </p:cxnSp>
       <p:sp>
         <p:nvSpPr>
-          <p:cNvPr id="51" name="원호 50"/>
-          <p:cNvSpPr/>
-          <p:nvPr/>
-        </p:nvSpPr>
-        <p:spPr>
-          <a:xfrm>
-            <a:off x="5203728" y="2494356"/>
-            <a:ext cx="1698171" cy="1698171"/>
-          </a:xfrm>
-          <a:prstGeom prst="arc">
-            <a:avLst>
-              <a:gd name="adj1" fmla="val 11000853"/>
-              <a:gd name="adj2" fmla="val 0"/>
-            </a:avLst>
-          </a:prstGeom>
-          <a:ln w="130175" cap="rnd">
-            <a:solidFill>
-              <a:schemeClr val="bg1">
-                <a:lumMod val="85000"/>
-              </a:schemeClr>
-            </a:solidFill>
-          </a:ln>
-        </p:spPr>
-        <p:style>
-          <a:lnRef idx="1">
-            <a:schemeClr val="accent1"/>
-          </a:lnRef>
-          <a:fillRef idx="0">
-            <a:schemeClr val="accent1"/>
-          </a:fillRef>
-          <a:effectRef idx="0">
-            <a:schemeClr val="accent1"/>
-          </a:effectRef>
-          <a:fontRef idx="minor">
-            <a:schemeClr val="tx1"/>
-          </a:fontRef>
-        </p:style>
-        <p:txBody>
-          <a:bodyPr rtlCol="0" anchor="ctr"/>
-          <a:lstStyle/>
-          <a:p>
-            <a:pPr algn="ctr"/>
-            <a:endParaRPr lang="ko-KR" altLang="en-US">
-              <a:solidFill>
-                <a:prstClr val="black"/>
-              </a:solidFill>
-            </a:endParaRPr>
-          </a:p>
-        </p:txBody>
-      </p:sp>
-      <p:sp>
-        <p:nvSpPr>
-          <p:cNvPr id="52" name="원호 51"/>
-          <p:cNvSpPr/>
-          <p:nvPr/>
-        </p:nvSpPr>
-        <p:spPr>
-          <a:xfrm>
-            <a:off x="5190078" y="2494355"/>
-            <a:ext cx="1698171" cy="1698171"/>
-          </a:xfrm>
-          <a:prstGeom prst="arc">
-            <a:avLst>
-              <a:gd name="adj1" fmla="val 11000853"/>
-              <a:gd name="adj2" fmla="val 19194418"/>
-            </a:avLst>
-          </a:prstGeom>
-          <a:ln w="130175" cap="rnd">
-            <a:solidFill>
-              <a:srgbClr val="01A7CE"/>
-            </a:solidFill>
-          </a:ln>
-        </p:spPr>
-        <p:style>
-          <a:lnRef idx="1">
-            <a:schemeClr val="accent1"/>
-          </a:lnRef>
-          <a:fillRef idx="0">
-            <a:schemeClr val="accent1"/>
-          </a:fillRef>
-          <a:effectRef idx="0">
-            <a:schemeClr val="accent1"/>
-          </a:effectRef>
-          <a:fontRef idx="minor">
-            <a:schemeClr val="tx1"/>
-          </a:fontRef>
-        </p:style>
-        <p:txBody>
-          <a:bodyPr rtlCol="0" anchor="ctr"/>
-          <a:lstStyle/>
-          <a:p>
-            <a:pPr algn="ctr"/>
-            <a:endParaRPr lang="ko-KR" altLang="en-US">
-              <a:solidFill>
-                <a:prstClr val="black"/>
-              </a:solidFill>
-            </a:endParaRPr>
-          </a:p>
-        </p:txBody>
-      </p:sp>
-      <p:sp>
-        <p:nvSpPr>
-          <p:cNvPr id="53" name="타원 52"/>
-          <p:cNvSpPr/>
-          <p:nvPr/>
-        </p:nvSpPr>
-        <p:spPr>
-          <a:xfrm>
-            <a:off x="6865899" y="2683511"/>
-            <a:ext cx="72000" cy="72000"/>
-          </a:xfrm>
-          <a:prstGeom prst="ellipse">
-            <a:avLst/>
-          </a:prstGeom>
-          <a:solidFill>
-            <a:srgbClr val="01A7CE"/>
-          </a:solidFill>
-          <a:ln>
-            <a:noFill/>
-          </a:ln>
-        </p:spPr>
-        <p:style>
-          <a:lnRef idx="2">
-            <a:schemeClr val="accent1">
-              <a:shade val="50000"/>
-            </a:schemeClr>
-          </a:lnRef>
-          <a:fillRef idx="1">
-            <a:schemeClr val="accent1"/>
-          </a:fillRef>
-          <a:effectRef idx="0">
-            <a:schemeClr val="accent1"/>
-          </a:effectRef>
-          <a:fontRef idx="minor">
-            <a:schemeClr val="lt1"/>
-          </a:fontRef>
-        </p:style>
-        <p:txBody>
-          <a:bodyPr rtlCol="0" anchor="ctr"/>
-          <a:lstStyle/>
-          <a:p>
-            <a:pPr algn="ctr"/>
-            <a:endParaRPr lang="ko-KR" altLang="en-US">
-              <a:solidFill>
-                <a:prstClr val="white"/>
-              </a:solidFill>
-            </a:endParaRPr>
-          </a:p>
-        </p:txBody>
-      </p:sp>
-      <p:sp>
-        <p:nvSpPr>
           <p:cNvPr id="54" name="TextBox 53"/>
           <p:cNvSpPr txBox="1"/>
           <p:nvPr/>
         </p:nvSpPr>
         <p:spPr>
           <a:xfrm>
-            <a:off x="5558462" y="2885231"/>
-            <a:ext cx="988701" cy="523220"/>
+            <a:off x="4431715" y="2971874"/>
+            <a:ext cx="3349486" cy="523220"/>
           </a:xfrm>
           <a:prstGeom prst="rect">
             <a:avLst/>
@@ -6618,7 +6293,7 @@
           <a:p>
             <a:pPr algn="ctr"/>
             <a:r>
-              <a:rPr lang="en-US" altLang="ko-KR" sz="2800" b="1" dirty="0">
+              <a:rPr lang="en-US" altLang="ko-KR" sz="2800" b="1" smtClean="0">
                 <a:solidFill>
                   <a:prstClr val="black">
                     <a:lumMod val="75000"/>
@@ -6626,10 +6301,10 @@
                   </a:prstClr>
                 </a:solidFill>
               </a:rPr>
-              <a:t>70</a:t>
-            </a:r>
-            <a:r>
-              <a:rPr lang="en-US" altLang="ko-KR" dirty="0">
+              <a:t>2. </a:t>
+            </a:r>
+            <a:r>
+              <a:rPr lang="ko-KR" altLang="en-US" sz="2800" b="1" smtClean="0">
                 <a:solidFill>
                   <a:prstClr val="black">
                     <a:lumMod val="75000"/>
@@ -6637,7 +6312,7 @@
                   </a:prstClr>
                 </a:solidFill>
               </a:rPr>
-              <a:t>%</a:t>
+              <a:t>프로젝트 내용</a:t>
             </a:r>
             <a:endParaRPr lang="en-US" altLang="ko-KR" sz="700" dirty="0">
               <a:solidFill>
@@ -6664,8 +6339,8 @@
         </p:nvSpPr>
         <p:spPr>
           <a:xfrm>
-            <a:off x="4541786" y="3715143"/>
-            <a:ext cx="2994752" cy="2192908"/>
+            <a:off x="4541786" y="3771705"/>
+            <a:ext cx="2994752" cy="1661993"/>
           </a:xfrm>
           <a:prstGeom prst="rect">
             <a:avLst/>
@@ -6683,7 +6358,7 @@
               </a:lnSpc>
             </a:pPr>
             <a:r>
-              <a:rPr lang="en-US" altLang="ko-KR" dirty="0">
+              <a:rPr lang="ko-KR" altLang="en-US" b="1" smtClean="0">
                 <a:solidFill>
                   <a:prstClr val="black">
                     <a:lumMod val="75000"/>
@@ -6691,8 +6366,16 @@
                   </a:prstClr>
                 </a:solidFill>
               </a:rPr>
-              <a:t>CONTENTS</a:t>
-            </a:r>
+              <a:t>프로젝트 내용 구성 </a:t>
+            </a:r>
+            <a:endParaRPr lang="en-US" altLang="ko-KR" b="1" smtClean="0">
+              <a:solidFill>
+                <a:prstClr val="black">
+                  <a:lumMod val="75000"/>
+                  <a:lumOff val="25000"/>
+                </a:prstClr>
+              </a:solidFill>
+            </a:endParaRPr>
           </a:p>
           <a:p>
             <a:pPr algn="ctr">
@@ -6715,7 +6398,7 @@
                 <a:spcPct val="150000"/>
               </a:lnSpc>
             </a:pPr>
-            <a:endParaRPr lang="en-US" altLang="ko-KR" b="1" dirty="0">
+            <a:endParaRPr lang="en-US" altLang="ko-KR" sz="1600" smtClean="0">
               <a:solidFill>
                 <a:prstClr val="black">
                   <a:lumMod val="75000"/>
@@ -6731,7 +6414,7 @@
               </a:lnSpc>
             </a:pPr>
             <a:r>
-              <a:rPr lang="ko-KR" altLang="en-US" sz="1600" dirty="0">
+              <a:rPr lang="ko-KR" altLang="en-US" sz="1600" smtClean="0">
                 <a:solidFill>
                   <a:prstClr val="black">
                     <a:lumMod val="75000"/>
@@ -6739,9 +6422,9 @@
                   </a:prstClr>
                 </a:solidFill>
               </a:rPr>
-              <a:t>컨텐츠에 대한 내용을 적어요</a:t>
-            </a:r>
-            <a:endParaRPr lang="en-US" altLang="ko-KR" sz="1600" dirty="0">
+              <a:t>유니티 및 프로젝트의 구성</a:t>
+            </a:r>
+            <a:endParaRPr lang="ko-KR" altLang="en-US" sz="1050" dirty="0">
               <a:solidFill>
                 <a:prstClr val="black">
                   <a:lumMod val="75000"/>
@@ -6749,24 +6432,6 @@
                 </a:prstClr>
               </a:solidFill>
             </a:endParaRPr>
-          </a:p>
-          <a:p>
-            <a:pPr algn="ctr">
-              <a:lnSpc>
-                <a:spcPct val="150000"/>
-              </a:lnSpc>
-            </a:pPr>
-            <a:r>
-              <a:rPr lang="ko-KR" altLang="en-US" sz="1050" dirty="0">
-                <a:solidFill>
-                  <a:prstClr val="black">
-                    <a:lumMod val="75000"/>
-                    <a:lumOff val="25000"/>
-                  </a:prstClr>
-                </a:solidFill>
-              </a:rPr>
-              <a:t>Enjoy your stylish business and campus life with BIZCAM </a:t>
-            </a:r>
           </a:p>
         </p:txBody>
       </p:sp>
@@ -6870,166 +6535,14 @@
       </p:cxnSp>
       <p:sp>
         <p:nvSpPr>
-          <p:cNvPr id="58" name="원호 57"/>
-          <p:cNvSpPr/>
-          <p:nvPr/>
-        </p:nvSpPr>
-        <p:spPr>
-          <a:xfrm>
-            <a:off x="8553214" y="2494356"/>
-            <a:ext cx="1698171" cy="1698171"/>
-          </a:xfrm>
-          <a:prstGeom prst="arc">
-            <a:avLst>
-              <a:gd name="adj1" fmla="val 11000853"/>
-              <a:gd name="adj2" fmla="val 0"/>
-            </a:avLst>
-          </a:prstGeom>
-          <a:ln w="130175" cap="rnd">
-            <a:solidFill>
-              <a:schemeClr val="bg1">
-                <a:lumMod val="85000"/>
-              </a:schemeClr>
-            </a:solidFill>
-          </a:ln>
-        </p:spPr>
-        <p:style>
-          <a:lnRef idx="1">
-            <a:schemeClr val="accent1"/>
-          </a:lnRef>
-          <a:fillRef idx="0">
-            <a:schemeClr val="accent1"/>
-          </a:fillRef>
-          <a:effectRef idx="0">
-            <a:schemeClr val="accent1"/>
-          </a:effectRef>
-          <a:fontRef idx="minor">
-            <a:schemeClr val="tx1"/>
-          </a:fontRef>
-        </p:style>
-        <p:txBody>
-          <a:bodyPr rtlCol="0" anchor="ctr"/>
-          <a:lstStyle/>
-          <a:p>
-            <a:pPr algn="ctr"/>
-            <a:endParaRPr lang="ko-KR" altLang="en-US">
-              <a:solidFill>
-                <a:prstClr val="black"/>
-              </a:solidFill>
-            </a:endParaRPr>
-          </a:p>
-        </p:txBody>
-      </p:sp>
-      <p:sp>
-        <p:nvSpPr>
-          <p:cNvPr id="59" name="원호 58"/>
-          <p:cNvSpPr/>
-          <p:nvPr/>
-        </p:nvSpPr>
-        <p:spPr>
-          <a:xfrm>
-            <a:off x="8539564" y="2494355"/>
-            <a:ext cx="1698171" cy="1698171"/>
-          </a:xfrm>
-          <a:prstGeom prst="arc">
-            <a:avLst>
-              <a:gd name="adj1" fmla="val 11000853"/>
-              <a:gd name="adj2" fmla="val 19194418"/>
-            </a:avLst>
-          </a:prstGeom>
-          <a:ln w="130175" cap="rnd">
-            <a:solidFill>
-              <a:srgbClr val="01A7CE"/>
-            </a:solidFill>
-          </a:ln>
-        </p:spPr>
-        <p:style>
-          <a:lnRef idx="1">
-            <a:schemeClr val="accent1"/>
-          </a:lnRef>
-          <a:fillRef idx="0">
-            <a:schemeClr val="accent1"/>
-          </a:fillRef>
-          <a:effectRef idx="0">
-            <a:schemeClr val="accent1"/>
-          </a:effectRef>
-          <a:fontRef idx="minor">
-            <a:schemeClr val="tx1"/>
-          </a:fontRef>
-        </p:style>
-        <p:txBody>
-          <a:bodyPr rtlCol="0" anchor="ctr"/>
-          <a:lstStyle/>
-          <a:p>
-            <a:pPr algn="ctr"/>
-            <a:endParaRPr lang="ko-KR" altLang="en-US">
-              <a:solidFill>
-                <a:prstClr val="black"/>
-              </a:solidFill>
-            </a:endParaRPr>
-          </a:p>
-        </p:txBody>
-      </p:sp>
-      <p:sp>
-        <p:nvSpPr>
-          <p:cNvPr id="60" name="타원 59"/>
-          <p:cNvSpPr/>
-          <p:nvPr/>
-        </p:nvSpPr>
-        <p:spPr>
-          <a:xfrm>
-            <a:off x="10215385" y="2683511"/>
-            <a:ext cx="72000" cy="72000"/>
-          </a:xfrm>
-          <a:prstGeom prst="ellipse">
-            <a:avLst/>
-          </a:prstGeom>
-          <a:solidFill>
-            <a:srgbClr val="01A7CE"/>
-          </a:solidFill>
-          <a:ln>
-            <a:noFill/>
-          </a:ln>
-        </p:spPr>
-        <p:style>
-          <a:lnRef idx="2">
-            <a:schemeClr val="accent1">
-              <a:shade val="50000"/>
-            </a:schemeClr>
-          </a:lnRef>
-          <a:fillRef idx="1">
-            <a:schemeClr val="accent1"/>
-          </a:fillRef>
-          <a:effectRef idx="0">
-            <a:schemeClr val="accent1"/>
-          </a:effectRef>
-          <a:fontRef idx="minor">
-            <a:schemeClr val="lt1"/>
-          </a:fontRef>
-        </p:style>
-        <p:txBody>
-          <a:bodyPr rtlCol="0" anchor="ctr"/>
-          <a:lstStyle/>
-          <a:p>
-            <a:pPr algn="ctr"/>
-            <a:endParaRPr lang="ko-KR" altLang="en-US">
-              <a:solidFill>
-                <a:prstClr val="white"/>
-              </a:solidFill>
-            </a:endParaRPr>
-          </a:p>
-        </p:txBody>
-      </p:sp>
-      <p:sp>
-        <p:nvSpPr>
           <p:cNvPr id="61" name="TextBox 60"/>
           <p:cNvSpPr txBox="1"/>
           <p:nvPr/>
         </p:nvSpPr>
         <p:spPr>
           <a:xfrm>
-            <a:off x="8907948" y="2885231"/>
-            <a:ext cx="988701" cy="523220"/>
+            <a:off x="7961090" y="2919652"/>
+            <a:ext cx="2976510" cy="523220"/>
           </a:xfrm>
           <a:prstGeom prst="rect">
             <a:avLst/>
@@ -7044,7 +6557,7 @@
           <a:p>
             <a:pPr algn="ctr"/>
             <a:r>
-              <a:rPr lang="en-US" altLang="ko-KR" sz="2800" b="1" dirty="0">
+              <a:rPr lang="en-US" altLang="ko-KR" sz="2800" b="1" smtClean="0">
                 <a:solidFill>
                   <a:prstClr val="black">
                     <a:lumMod val="75000"/>
@@ -7052,10 +6565,10 @@
                   </a:prstClr>
                 </a:solidFill>
               </a:rPr>
-              <a:t>70</a:t>
-            </a:r>
-            <a:r>
-              <a:rPr lang="en-US" altLang="ko-KR" dirty="0">
+              <a:t>3. </a:t>
+            </a:r>
+            <a:r>
+              <a:rPr lang="ko-KR" altLang="en-US" sz="2800" b="1" smtClean="0">
                 <a:solidFill>
                   <a:prstClr val="black">
                     <a:lumMod val="75000"/>
@@ -7063,7 +6576,7 @@
                   </a:prstClr>
                 </a:solidFill>
               </a:rPr>
-              <a:t>%</a:t>
+              <a:t>앞으로의 계획</a:t>
             </a:r>
             <a:endParaRPr lang="en-US" altLang="ko-KR" sz="700" dirty="0">
               <a:solidFill>
@@ -7090,8 +6603,8 @@
         </p:nvSpPr>
         <p:spPr>
           <a:xfrm>
-            <a:off x="7891272" y="3715143"/>
-            <a:ext cx="2994752" cy="2192908"/>
+            <a:off x="7891272" y="3781138"/>
+            <a:ext cx="2994752" cy="1535036"/>
           </a:xfrm>
           <a:prstGeom prst="rect">
             <a:avLst/>
@@ -7109,7 +6622,7 @@
               </a:lnSpc>
             </a:pPr>
             <a:r>
-              <a:rPr lang="en-US" altLang="ko-KR" dirty="0">
+              <a:rPr lang="ko-KR" altLang="en-US" b="1" smtClean="0">
                 <a:solidFill>
                   <a:prstClr val="black">
                     <a:lumMod val="75000"/>
@@ -7117,8 +6630,16 @@
                   </a:prstClr>
                 </a:solidFill>
               </a:rPr>
-              <a:t>CONTENTS</a:t>
-            </a:r>
+              <a:t>추후 목표 및 계획</a:t>
+            </a:r>
+            <a:endParaRPr lang="en-US" altLang="ko-KR" b="1" dirty="0">
+              <a:solidFill>
+                <a:prstClr val="black">
+                  <a:lumMod val="75000"/>
+                  <a:lumOff val="25000"/>
+                </a:prstClr>
+              </a:solidFill>
+            </a:endParaRPr>
           </a:p>
           <a:p>
             <a:pPr algn="ctr">
@@ -7141,7 +6662,7 @@
                 <a:spcPct val="150000"/>
               </a:lnSpc>
             </a:pPr>
-            <a:endParaRPr lang="en-US" altLang="ko-KR" b="1" dirty="0">
+            <a:endParaRPr lang="en-US" altLang="ko-KR" sz="1050">
               <a:solidFill>
                 <a:prstClr val="black">
                   <a:lumMod val="75000"/>
@@ -7157,7 +6678,7 @@
               </a:lnSpc>
             </a:pPr>
             <a:r>
-              <a:rPr lang="ko-KR" altLang="en-US" sz="1600" dirty="0">
+              <a:rPr lang="ko-KR" altLang="en-US" sz="1600" smtClean="0">
                 <a:solidFill>
                   <a:prstClr val="black">
                     <a:lumMod val="75000"/>
@@ -7165,9 +6686,9 @@
                   </a:prstClr>
                 </a:solidFill>
               </a:rPr>
-              <a:t>컨텐츠에 대한 내용을 적어요</a:t>
-            </a:r>
-            <a:endParaRPr lang="en-US" altLang="ko-KR" sz="1600" dirty="0">
+              <a:t>본 프로젝트 이후의 계획</a:t>
+            </a:r>
+            <a:endParaRPr lang="ko-KR" altLang="en-US" sz="1600" dirty="0">
               <a:solidFill>
                 <a:prstClr val="black">
                   <a:lumMod val="75000"/>
@@ -7175,24 +6696,6 @@
                 </a:prstClr>
               </a:solidFill>
             </a:endParaRPr>
-          </a:p>
-          <a:p>
-            <a:pPr algn="ctr">
-              <a:lnSpc>
-                <a:spcPct val="150000"/>
-              </a:lnSpc>
-            </a:pPr>
-            <a:r>
-              <a:rPr lang="ko-KR" altLang="en-US" sz="1050" dirty="0">
-                <a:solidFill>
-                  <a:prstClr val="black">
-                    <a:lumMod val="75000"/>
-                    <a:lumOff val="25000"/>
-                  </a:prstClr>
-                </a:solidFill>
-              </a:rPr>
-              <a:t>Enjoy your stylish business and campus life with BIZCAM </a:t>
-            </a:r>
           </a:p>
         </p:txBody>
       </p:sp>
@@ -7365,7 +6868,31 @@
                   <a:prstClr val="white"/>
                 </a:solidFill>
               </a:rPr>
-              <a:t>개요</a:t>
+              <a:t>개요 </a:t>
+            </a:r>
+            <a:r>
+              <a:rPr lang="en-US" altLang="ko-KR" sz="2800" b="1" i="1" kern="0">
+                <a:solidFill>
+                  <a:prstClr val="white"/>
+                </a:solidFill>
+              </a:rPr>
+              <a:t>-</a:t>
+            </a:r>
+            <a:r>
+              <a:rPr lang="en-US" altLang="ko-KR" sz="2800" b="1" i="1" kern="0" smtClean="0">
+                <a:solidFill>
+                  <a:prstClr val="white"/>
+                </a:solidFill>
+              </a:rPr>
+              <a:t> </a:t>
+            </a:r>
+            <a:r>
+              <a:rPr lang="ko-KR" altLang="en-US" sz="2800" b="1" i="1" kern="0" smtClean="0">
+                <a:solidFill>
+                  <a:prstClr val="white"/>
+                </a:solidFill>
+              </a:rPr>
+              <a:t>본 프로젝트 선정 이유</a:t>
             </a:r>
             <a:endParaRPr lang="en-US" altLang="ko-KR" sz="1400" i="1" kern="0" smtClean="0">
               <a:solidFill>
@@ -7425,6 +6952,14 @@
           <a:lstStyle/>
           <a:p>
             <a:pPr algn="ctr"/>
+            <a:r>
+              <a:rPr lang="ko-KR" altLang="en-US" smtClean="0">
+                <a:solidFill>
+                  <a:prstClr val="white"/>
+                </a:solidFill>
+              </a:rPr>
+              <a:t>ㅋ</a:t>
+            </a:r>
             <a:endParaRPr lang="ko-KR" altLang="en-US">
               <a:solidFill>
                 <a:prstClr val="white"/>
@@ -8187,538 +7722,70 @@
         </p:nvGrpSpPr>
         <p:grpSpPr>
           <a:xfrm>
-            <a:off x="1321851" y="1845000"/>
-            <a:ext cx="9705172" cy="4227893"/>
-            <a:chOff x="937177" y="1449702"/>
-            <a:chExt cx="10649027" cy="4639067"/>
+            <a:off x="328961" y="1062051"/>
+            <a:ext cx="11322569" cy="4236960"/>
+            <a:chOff x="-152276" y="590609"/>
+            <a:chExt cx="12423723" cy="4649021"/>
           </a:xfrm>
         </p:grpSpPr>
-        <p:grpSp>
-          <p:nvGrpSpPr>
-            <p:cNvPr id="35" name="그룹 34"/>
-            <p:cNvGrpSpPr/>
+        <p:sp>
+          <p:nvSpPr>
+            <p:cNvPr id="48" name="직사각형 47"/>
+            <p:cNvSpPr/>
             <p:nvPr/>
-          </p:nvGrpSpPr>
-          <p:grpSpPr>
+          </p:nvSpPr>
+          <p:spPr>
             <a:xfrm>
-              <a:off x="1489084" y="2897469"/>
-              <a:ext cx="8907820" cy="1974936"/>
-              <a:chOff x="1489084" y="2897469"/>
-              <a:chExt cx="8907820" cy="1974936"/>
+              <a:off x="-152276" y="590609"/>
+              <a:ext cx="3176551" cy="455906"/>
             </a:xfrm>
-          </p:grpSpPr>
-          <p:sp>
-            <p:nvSpPr>
-              <p:cNvPr id="36" name="타원 35"/>
-              <p:cNvSpPr/>
-              <p:nvPr/>
-            </p:nvSpPr>
-            <p:spPr>
-              <a:xfrm>
-                <a:off x="1489084" y="4728796"/>
-                <a:ext cx="143609" cy="143609"/>
-              </a:xfrm>
-              <a:prstGeom prst="ellipse">
-                <a:avLst/>
-              </a:prstGeom>
-              <a:solidFill>
-                <a:schemeClr val="bg1">
-                  <a:lumMod val="95000"/>
-                </a:schemeClr>
-              </a:solidFill>
-              <a:ln>
-                <a:solidFill>
-                  <a:schemeClr val="tx1">
-                    <a:lumMod val="75000"/>
-                    <a:lumOff val="25000"/>
-                  </a:schemeClr>
-                </a:solidFill>
-              </a:ln>
-            </p:spPr>
-            <p:style>
-              <a:lnRef idx="2">
-                <a:schemeClr val="accent1">
-                  <a:shade val="50000"/>
-                </a:schemeClr>
-              </a:lnRef>
-              <a:fillRef idx="1">
-                <a:schemeClr val="accent1"/>
-              </a:fillRef>
-              <a:effectRef idx="0">
-                <a:schemeClr val="accent1"/>
-              </a:effectRef>
-              <a:fontRef idx="minor">
-                <a:schemeClr val="lt1"/>
-              </a:fontRef>
-            </p:style>
-            <p:txBody>
-              <a:bodyPr rtlCol="0" anchor="ctr"/>
-              <a:lstStyle/>
-              <a:p>
-                <a:pPr algn="ctr"/>
-                <a:endParaRPr lang="ko-KR" altLang="en-US" sz="1600">
+            <a:prstGeom prst="rect">
+              <a:avLst/>
+            </a:prstGeom>
+          </p:spPr>
+          <p:txBody>
+            <a:bodyPr wrap="square">
+              <a:spAutoFit/>
+            </a:bodyPr>
+            <a:lstStyle/>
+            <a:p>
+              <a:pPr algn="ctr">
+                <a:lnSpc>
+                  <a:spcPct val="150000"/>
+                </a:lnSpc>
+              </a:pPr>
+              <a:r>
+                <a:rPr lang="ko-KR" altLang="en-US" sz="1400" b="1" smtClean="0">
                   <a:solidFill>
                     <a:prstClr val="black">
                       <a:lumMod val="75000"/>
                       <a:lumOff val="25000"/>
                     </a:prstClr>
                   </a:solidFill>
-                </a:endParaRPr>
-              </a:p>
-            </p:txBody>
-          </p:sp>
-          <p:sp>
-            <p:nvSpPr>
-              <p:cNvPr id="37" name="타원 36"/>
-              <p:cNvSpPr/>
-              <p:nvPr/>
-            </p:nvSpPr>
-            <p:spPr>
-              <a:xfrm>
-                <a:off x="5202571" y="2897469"/>
-                <a:ext cx="143609" cy="143609"/>
-              </a:xfrm>
-              <a:prstGeom prst="ellipse">
-                <a:avLst/>
-              </a:prstGeom>
-              <a:solidFill>
-                <a:schemeClr val="bg1">
-                  <a:lumMod val="95000"/>
-                </a:schemeClr>
-              </a:solidFill>
-              <a:ln>
-                <a:solidFill>
-                  <a:schemeClr val="tx1">
+                </a:rPr>
+                <a:t>본 프로젝트 선정 이유 및 목표</a:t>
+              </a:r>
+              <a:endParaRPr lang="en-US" altLang="ko-KR" sz="1400" b="1" dirty="0">
+                <a:solidFill>
+                  <a:prstClr val="black">
                     <a:lumMod val="75000"/>
                     <a:lumOff val="25000"/>
-                  </a:schemeClr>
-                </a:solidFill>
-              </a:ln>
-            </p:spPr>
-            <p:style>
-              <a:lnRef idx="2">
-                <a:schemeClr val="accent1">
-                  <a:shade val="50000"/>
-                </a:schemeClr>
-              </a:lnRef>
-              <a:fillRef idx="1">
-                <a:schemeClr val="accent1"/>
-              </a:fillRef>
-              <a:effectRef idx="0">
-                <a:schemeClr val="accent1"/>
-              </a:effectRef>
-              <a:fontRef idx="minor">
-                <a:schemeClr val="lt1"/>
-              </a:fontRef>
-            </p:style>
-            <p:txBody>
-              <a:bodyPr rtlCol="0" anchor="ctr"/>
-              <a:lstStyle/>
-              <a:p>
-                <a:pPr algn="ctr"/>
-                <a:endParaRPr lang="ko-KR" altLang="en-US" sz="1600">
-                  <a:solidFill>
-                    <a:prstClr val="black">
-                      <a:lumMod val="75000"/>
-                      <a:lumOff val="25000"/>
-                    </a:prstClr>
-                  </a:solidFill>
-                </a:endParaRPr>
-              </a:p>
-            </p:txBody>
-          </p:sp>
-          <p:sp>
-            <p:nvSpPr>
-              <p:cNvPr id="38" name="타원 37"/>
-              <p:cNvSpPr/>
-              <p:nvPr/>
-            </p:nvSpPr>
-            <p:spPr>
-              <a:xfrm>
-                <a:off x="6760794" y="4494486"/>
-                <a:ext cx="143609" cy="143609"/>
-              </a:xfrm>
-              <a:prstGeom prst="ellipse">
-                <a:avLst/>
-              </a:prstGeom>
-              <a:solidFill>
-                <a:schemeClr val="bg1">
-                  <a:lumMod val="95000"/>
-                </a:schemeClr>
-              </a:solidFill>
-              <a:ln>
-                <a:solidFill>
-                  <a:schemeClr val="tx1">
-                    <a:lumMod val="75000"/>
-                    <a:lumOff val="25000"/>
-                  </a:schemeClr>
-                </a:solidFill>
-              </a:ln>
-            </p:spPr>
-            <p:style>
-              <a:lnRef idx="2">
-                <a:schemeClr val="accent1">
-                  <a:shade val="50000"/>
-                </a:schemeClr>
-              </a:lnRef>
-              <a:fillRef idx="1">
-                <a:schemeClr val="accent1"/>
-              </a:fillRef>
-              <a:effectRef idx="0">
-                <a:schemeClr val="accent1"/>
-              </a:effectRef>
-              <a:fontRef idx="minor">
-                <a:schemeClr val="lt1"/>
-              </a:fontRef>
-            </p:style>
-            <p:txBody>
-              <a:bodyPr rtlCol="0" anchor="ctr"/>
-              <a:lstStyle/>
-              <a:p>
-                <a:pPr algn="ctr"/>
-                <a:endParaRPr lang="ko-KR" altLang="en-US" sz="1600">
-                  <a:solidFill>
-                    <a:prstClr val="black">
-                      <a:lumMod val="75000"/>
-                      <a:lumOff val="25000"/>
-                    </a:prstClr>
-                  </a:solidFill>
-                </a:endParaRPr>
-              </a:p>
-            </p:txBody>
-          </p:sp>
-          <p:sp>
-            <p:nvSpPr>
-              <p:cNvPr id="39" name="타원 38"/>
-              <p:cNvSpPr/>
-              <p:nvPr/>
-            </p:nvSpPr>
-            <p:spPr>
-              <a:xfrm>
-                <a:off x="10253295" y="2901390"/>
-                <a:ext cx="143609" cy="143609"/>
-              </a:xfrm>
-              <a:prstGeom prst="ellipse">
-                <a:avLst/>
-              </a:prstGeom>
-              <a:solidFill>
-                <a:schemeClr val="bg1">
-                  <a:lumMod val="95000"/>
-                </a:schemeClr>
-              </a:solidFill>
-              <a:ln>
-                <a:solidFill>
-                  <a:schemeClr val="tx1">
-                    <a:lumMod val="75000"/>
-                    <a:lumOff val="25000"/>
-                  </a:schemeClr>
-                </a:solidFill>
-              </a:ln>
-            </p:spPr>
-            <p:style>
-              <a:lnRef idx="2">
-                <a:schemeClr val="accent1">
-                  <a:shade val="50000"/>
-                </a:schemeClr>
-              </a:lnRef>
-              <a:fillRef idx="1">
-                <a:schemeClr val="accent1"/>
-              </a:fillRef>
-              <a:effectRef idx="0">
-                <a:schemeClr val="accent1"/>
-              </a:effectRef>
-              <a:fontRef idx="minor">
-                <a:schemeClr val="lt1"/>
-              </a:fontRef>
-            </p:style>
-            <p:txBody>
-              <a:bodyPr rtlCol="0" anchor="ctr"/>
-              <a:lstStyle/>
-              <a:p>
-                <a:pPr algn="ctr"/>
-                <a:endParaRPr lang="ko-KR" altLang="en-US" sz="1600">
-                  <a:solidFill>
-                    <a:prstClr val="black">
-                      <a:lumMod val="75000"/>
-                      <a:lumOff val="25000"/>
-                    </a:prstClr>
-                  </a:solidFill>
-                </a:endParaRPr>
-              </a:p>
-            </p:txBody>
-          </p:sp>
-          <p:cxnSp>
-            <p:nvCxnSpPr>
-              <p:cNvPr id="40" name="직선 연결선 39"/>
-              <p:cNvCxnSpPr/>
-              <p:nvPr/>
-            </p:nvCxnSpPr>
-            <p:spPr>
-              <a:xfrm flipV="1">
-                <a:off x="1560890" y="2979226"/>
-                <a:ext cx="1859662" cy="1821375"/>
-              </a:xfrm>
-              <a:prstGeom prst="line">
-                <a:avLst/>
-              </a:prstGeom>
-              <a:ln>
-                <a:solidFill>
-                  <a:schemeClr val="tx1"/>
-                </a:solidFill>
-                <a:headEnd type="oval"/>
-                <a:tailEnd type="none"/>
-              </a:ln>
-            </p:spPr>
-            <p:style>
-              <a:lnRef idx="1">
-                <a:schemeClr val="accent1"/>
-              </a:lnRef>
-              <a:fillRef idx="0">
-                <a:schemeClr val="accent1"/>
-              </a:fillRef>
-              <a:effectRef idx="0">
-                <a:schemeClr val="accent1"/>
-              </a:effectRef>
-              <a:fontRef idx="minor">
-                <a:schemeClr val="tx1"/>
-              </a:fontRef>
-            </p:style>
-          </p:cxnSp>
-          <p:cxnSp>
-            <p:nvCxnSpPr>
-              <p:cNvPr id="41" name="직선 연결선 40"/>
-              <p:cNvCxnSpPr/>
-              <p:nvPr/>
-            </p:nvCxnSpPr>
-            <p:spPr>
-              <a:xfrm rot="16200000" flipV="1">
-                <a:off x="3416275" y="2983503"/>
-                <a:ext cx="932377" cy="923820"/>
-              </a:xfrm>
-              <a:prstGeom prst="line">
-                <a:avLst/>
-              </a:prstGeom>
-              <a:ln>
-                <a:solidFill>
-                  <a:schemeClr val="tx1"/>
-                </a:solidFill>
-                <a:prstDash val="dash"/>
-                <a:headEnd type="oval"/>
-                <a:tailEnd type="oval"/>
-              </a:ln>
-            </p:spPr>
-            <p:style>
-              <a:lnRef idx="1">
-                <a:schemeClr val="accent1"/>
-              </a:lnRef>
-              <a:fillRef idx="0">
-                <a:schemeClr val="accent1"/>
-              </a:fillRef>
-              <a:effectRef idx="0">
-                <a:schemeClr val="accent1"/>
-              </a:effectRef>
-              <a:fontRef idx="minor">
-                <a:schemeClr val="tx1"/>
-              </a:fontRef>
-            </p:style>
-          </p:cxnSp>
-          <p:cxnSp>
-            <p:nvCxnSpPr>
-              <p:cNvPr id="42" name="직선 연결선 41"/>
-              <p:cNvCxnSpPr/>
-              <p:nvPr/>
-            </p:nvCxnSpPr>
-            <p:spPr>
-              <a:xfrm flipV="1">
-                <a:off x="4344372" y="2973196"/>
-                <a:ext cx="929832" cy="926348"/>
-              </a:xfrm>
-              <a:prstGeom prst="line">
-                <a:avLst/>
-              </a:prstGeom>
-              <a:ln>
-                <a:solidFill>
-                  <a:schemeClr val="tx1"/>
-                </a:solidFill>
-                <a:prstDash val="dash"/>
-                <a:headEnd type="none"/>
-                <a:tailEnd type="oval"/>
-              </a:ln>
-            </p:spPr>
-            <p:style>
-              <a:lnRef idx="1">
-                <a:schemeClr val="accent1"/>
-              </a:lnRef>
-              <a:fillRef idx="0">
-                <a:schemeClr val="accent1"/>
-              </a:fillRef>
-              <a:effectRef idx="0">
-                <a:schemeClr val="accent1"/>
-              </a:effectRef>
-              <a:fontRef idx="minor">
-                <a:schemeClr val="tx1"/>
-              </a:fontRef>
-            </p:style>
-          </p:cxnSp>
-          <p:cxnSp>
-            <p:nvCxnSpPr>
-              <p:cNvPr id="43" name="직선 연결선 42"/>
-              <p:cNvCxnSpPr/>
-              <p:nvPr/>
-            </p:nvCxnSpPr>
-            <p:spPr>
-              <a:xfrm flipH="1" flipV="1">
-                <a:off x="5274206" y="2973195"/>
-                <a:ext cx="1558394" cy="1598805"/>
-              </a:xfrm>
-              <a:prstGeom prst="line">
-                <a:avLst/>
-              </a:prstGeom>
-              <a:ln>
-                <a:solidFill>
-                  <a:schemeClr val="tx1"/>
-                </a:solidFill>
-                <a:headEnd type="oval"/>
-                <a:tailEnd type="oval"/>
-              </a:ln>
-            </p:spPr>
-            <p:style>
-              <a:lnRef idx="1">
-                <a:schemeClr val="accent1"/>
-              </a:lnRef>
-              <a:fillRef idx="0">
-                <a:schemeClr val="accent1"/>
-              </a:fillRef>
-              <a:effectRef idx="0">
-                <a:schemeClr val="accent1"/>
-              </a:effectRef>
-              <a:fontRef idx="minor">
-                <a:schemeClr val="tx1"/>
-              </a:fontRef>
-            </p:style>
-          </p:cxnSp>
-          <p:cxnSp>
-            <p:nvCxnSpPr>
-              <p:cNvPr id="44" name="직선 연결선 43"/>
-              <p:cNvCxnSpPr/>
-              <p:nvPr/>
-            </p:nvCxnSpPr>
-            <p:spPr>
-              <a:xfrm flipV="1">
-                <a:off x="6832599" y="3639621"/>
-                <a:ext cx="929832" cy="926348"/>
-              </a:xfrm>
-              <a:prstGeom prst="line">
-                <a:avLst/>
-              </a:prstGeom>
-              <a:ln>
-                <a:solidFill>
-                  <a:schemeClr val="tx1"/>
-                </a:solidFill>
-                <a:prstDash val="dash"/>
-                <a:headEnd type="oval" w="med" len="med"/>
-                <a:tailEnd type="oval" w="med" len="med"/>
-              </a:ln>
-            </p:spPr>
-            <p:style>
-              <a:lnRef idx="1">
-                <a:schemeClr val="accent1"/>
-              </a:lnRef>
-              <a:fillRef idx="0">
-                <a:schemeClr val="accent1"/>
-              </a:fillRef>
-              <a:effectRef idx="0">
-                <a:schemeClr val="accent1"/>
-              </a:effectRef>
-              <a:fontRef idx="minor">
-                <a:schemeClr val="tx1"/>
-              </a:fontRef>
-            </p:style>
-          </p:cxnSp>
-          <p:cxnSp>
-            <p:nvCxnSpPr>
-              <p:cNvPr id="45" name="직선 연결선 44"/>
-              <p:cNvCxnSpPr/>
-              <p:nvPr/>
-            </p:nvCxnSpPr>
-            <p:spPr>
-              <a:xfrm rot="16200000" flipV="1">
-                <a:off x="7758154" y="3643901"/>
-                <a:ext cx="932377" cy="923820"/>
-              </a:xfrm>
-              <a:prstGeom prst="line">
-                <a:avLst/>
-              </a:prstGeom>
-              <a:ln>
-                <a:solidFill>
-                  <a:schemeClr val="tx1"/>
-                </a:solidFill>
-                <a:prstDash val="dash"/>
-              </a:ln>
-            </p:spPr>
-            <p:style>
-              <a:lnRef idx="1">
-                <a:schemeClr val="accent1"/>
-              </a:lnRef>
-              <a:fillRef idx="0">
-                <a:schemeClr val="accent1"/>
-              </a:fillRef>
-              <a:effectRef idx="0">
-                <a:schemeClr val="accent1"/>
-              </a:effectRef>
-              <a:fontRef idx="minor">
-                <a:schemeClr val="tx1"/>
-              </a:fontRef>
-            </p:style>
-          </p:cxnSp>
-          <p:cxnSp>
-            <p:nvCxnSpPr>
-              <p:cNvPr id="46" name="직선 연결선 45"/>
-              <p:cNvCxnSpPr/>
-              <p:nvPr/>
-            </p:nvCxnSpPr>
-            <p:spPr>
-              <a:xfrm flipV="1">
-                <a:off x="8686253" y="2973195"/>
-                <a:ext cx="1638847" cy="1586746"/>
-              </a:xfrm>
-              <a:prstGeom prst="line">
-                <a:avLst/>
-              </a:prstGeom>
-              <a:ln>
-                <a:solidFill>
-                  <a:schemeClr val="tx1"/>
-                </a:solidFill>
-                <a:headEnd type="oval" w="med" len="med"/>
-                <a:tailEnd type="oval" w="med" len="med"/>
-              </a:ln>
-            </p:spPr>
-            <p:style>
-              <a:lnRef idx="1">
-                <a:schemeClr val="accent1"/>
-              </a:lnRef>
-              <a:fillRef idx="0">
-                <a:schemeClr val="accent1"/>
-              </a:fillRef>
-              <a:effectRef idx="0">
-                <a:schemeClr val="accent1"/>
-              </a:effectRef>
-              <a:fontRef idx="minor">
-                <a:schemeClr val="tx1"/>
-              </a:fontRef>
-            </p:style>
-          </p:cxnSp>
-        </p:grpSp>
+                  </a:prstClr>
+                </a:solidFill>
+              </a:endParaRPr>
+            </a:p>
+          </p:txBody>
+        </p:sp>
         <p:sp>
           <p:nvSpPr>
-            <p:cNvPr id="47" name="직사각형 46"/>
+            <p:cNvPr id="63" name="직사각형 62"/>
             <p:cNvSpPr/>
             <p:nvPr/>
           </p:nvSpPr>
           <p:spPr>
             <a:xfrm>
-              <a:off x="1357018" y="5151627"/>
-              <a:ext cx="3223774" cy="937142"/>
+              <a:off x="7407873" y="1541720"/>
+              <a:ext cx="4863574" cy="3697910"/>
             </a:xfrm>
             <a:prstGeom prst="rect">
               <a:avLst/>
@@ -8736,15 +7803,48 @@
                 </a:lnSpc>
               </a:pPr>
               <a:r>
-                <a:rPr lang="en-US" altLang="ko-KR" sz="1400" b="1" dirty="0">
-                  <a:solidFill>
-                    <a:prstClr val="black">
-                      <a:lumMod val="75000"/>
-                      <a:lumOff val="25000"/>
-                    </a:prstClr>
-                  </a:solidFill>
-                </a:rPr>
-                <a:t>CONTENTS A</a:t>
+                <a:rPr lang="en-US" altLang="ko-KR" sz="1600" b="1" smtClean="0"/>
+                <a:t>2021</a:t>
+              </a:r>
+              <a:r>
+                <a:rPr lang="ko-KR" altLang="en-US" sz="1600" b="1" smtClean="0"/>
+                <a:t>년 대한민국의 대표 방 계약 애플리케이션 직방의 설문조사에 따르면 </a:t>
+              </a:r>
+              <a:r>
+                <a:rPr lang="ko-KR" altLang="en-US" sz="1600" b="1"/>
+                <a:t>직접 방문 없이 </a:t>
+              </a:r>
+              <a:r>
+                <a:rPr lang="en-US" altLang="ko-KR" sz="1600" b="1"/>
+                <a:t>3D·VR </a:t>
+              </a:r>
+              <a:r>
+                <a:rPr lang="ko-KR" altLang="en-US" sz="1600" b="1"/>
+                <a:t>부동산정보만 확인하고 계약할 의사가 </a:t>
+              </a:r>
+              <a:r>
+                <a:rPr lang="ko-KR" altLang="en-US" sz="1600" b="1"/>
+                <a:t>있다는 </a:t>
+              </a:r>
+              <a:r>
+                <a:rPr lang="ko-KR" altLang="en-US" sz="1600" b="1" smtClean="0"/>
+                <a:t>응답이 </a:t>
+              </a:r>
+              <a:r>
+                <a:rPr lang="en-US" altLang="ko-KR" sz="1600" b="1"/>
+                <a:t>70%</a:t>
+              </a:r>
+              <a:r>
+                <a:rPr lang="ko-KR" altLang="en-US" sz="1600" b="1"/>
+                <a:t>를 </a:t>
+              </a:r>
+              <a:r>
+                <a:rPr lang="ko-KR" altLang="en-US" sz="1600" b="1"/>
+                <a:t>넘겼다</a:t>
+              </a:r>
+              <a:r>
+                <a:rPr lang="en-US" altLang="ko-KR" sz="1600" b="1" smtClean="0"/>
+                <a:t>.</a:t>
               </a:r>
             </a:p>
             <a:p>
@@ -8754,24 +7854,41 @@
                 </a:lnSpc>
               </a:pPr>
               <a:r>
-                <a:rPr lang="ko-KR" altLang="en-US" sz="1100" dirty="0">
-                  <a:solidFill>
-                    <a:prstClr val="black">
-                      <a:lumMod val="75000"/>
-                      <a:lumOff val="25000"/>
-                    </a:prstClr>
-                  </a:solidFill>
-                </a:rPr>
-                <a:t>컨텐츠에 대한 내용을 적어요</a:t>
+                <a:rPr lang="ko-KR" altLang="en-US" sz="1600"/>
+                <a:t/>
               </a:r>
-              <a:endParaRPr lang="en-US" altLang="ko-KR" sz="1100" dirty="0">
-                <a:solidFill>
-                  <a:prstClr val="black">
-                    <a:lumMod val="75000"/>
-                    <a:lumOff val="25000"/>
-                  </a:prstClr>
-                </a:solidFill>
-              </a:endParaRPr>
+              <a:br>
+                <a:rPr lang="ko-KR" altLang="en-US" sz="1600"/>
+              </a:br>
+              <a:r>
+                <a:rPr lang="ko-KR" altLang="en-US" sz="1600" b="1" smtClean="0"/>
+                <a:t>또한</a:t>
+              </a:r>
+              <a:r>
+                <a:rPr lang="ko-KR" altLang="en-US" sz="1600" smtClean="0"/>
+                <a:t> </a:t>
+              </a:r>
+              <a:r>
+                <a:rPr lang="en-US" altLang="ko-KR" sz="1600" b="1" smtClean="0"/>
+                <a:t>3D, VR </a:t>
+              </a:r>
+              <a:r>
+                <a:rPr lang="ko-KR" altLang="en-US" sz="1600" b="1" smtClean="0"/>
+                <a:t>부동산 정보 서비스를 이용해 볼 의향을 물어보는 질문에는 </a:t>
+              </a:r>
+              <a:r>
+                <a:rPr lang="en-US" altLang="ko-KR" sz="1600" b="1" smtClean="0"/>
+                <a:t>90%</a:t>
+              </a:r>
+              <a:r>
+                <a:rPr lang="ko-KR" altLang="en-US" sz="1600" b="1" smtClean="0"/>
+                <a:t>에 육박하는 비율로 이용해 볼 것이라고 응답을 기록했다</a:t>
+              </a:r>
+              <a:r>
+                <a:rPr lang="en-US" altLang="ko-KR" sz="1600" b="1" smtClean="0"/>
+                <a:t>.</a:t>
+              </a:r>
+              <a:endParaRPr lang="ko-KR" altLang="en-US" sz="1600" b="1" smtClean="0"/>
             </a:p>
             <a:p>
               <a:pPr>
@@ -8779,492 +7896,7 @@
                   <a:spcPct val="150000"/>
                 </a:lnSpc>
               </a:pPr>
-              <a:r>
-                <a:rPr lang="ko-KR" altLang="en-US" sz="800" dirty="0">
-                  <a:solidFill>
-                    <a:prstClr val="black">
-                      <a:lumMod val="75000"/>
-                      <a:lumOff val="25000"/>
-                    </a:prstClr>
-                  </a:solidFill>
-                </a:rPr>
-                <a:t>Enjoy your stylish business and campus life with BIZCAM </a:t>
-              </a:r>
-            </a:p>
-          </p:txBody>
-        </p:sp>
-        <p:sp>
-          <p:nvSpPr>
-            <p:cNvPr id="48" name="직사각형 47"/>
-            <p:cNvSpPr/>
-            <p:nvPr/>
-          </p:nvSpPr>
-          <p:spPr>
-            <a:xfrm>
-              <a:off x="4041290" y="1449702"/>
-              <a:ext cx="2609780" cy="1139767"/>
-            </a:xfrm>
-            <a:prstGeom prst="rect">
-              <a:avLst/>
-            </a:prstGeom>
-          </p:spPr>
-          <p:txBody>
-            <a:bodyPr wrap="square">
-              <a:spAutoFit/>
-            </a:bodyPr>
-            <a:lstStyle/>
-            <a:p>
-              <a:pPr algn="ctr">
-                <a:lnSpc>
-                  <a:spcPct val="150000"/>
-                </a:lnSpc>
-              </a:pPr>
-              <a:r>
-                <a:rPr lang="en-US" altLang="ko-KR" sz="1400" b="1" dirty="0">
-                  <a:solidFill>
-                    <a:prstClr val="black">
-                      <a:lumMod val="75000"/>
-                      <a:lumOff val="25000"/>
-                    </a:prstClr>
-                  </a:solidFill>
-                </a:rPr>
-                <a:t>CONTENTS A</a:t>
-              </a:r>
-            </a:p>
-            <a:p>
-              <a:pPr algn="ctr">
-                <a:lnSpc>
-                  <a:spcPct val="150000"/>
-                </a:lnSpc>
-              </a:pPr>
-              <a:r>
-                <a:rPr lang="ko-KR" altLang="en-US" sz="1100" dirty="0">
-                  <a:solidFill>
-                    <a:prstClr val="black">
-                      <a:lumMod val="75000"/>
-                      <a:lumOff val="25000"/>
-                    </a:prstClr>
-                  </a:solidFill>
-                </a:rPr>
-                <a:t>컨텐츠에 대한 내용을 적어요</a:t>
-              </a:r>
-              <a:endParaRPr lang="en-US" altLang="ko-KR" sz="1100" dirty="0">
-                <a:solidFill>
-                  <a:prstClr val="black">
-                    <a:lumMod val="75000"/>
-                    <a:lumOff val="25000"/>
-                  </a:prstClr>
-                </a:solidFill>
-              </a:endParaRPr>
-            </a:p>
-            <a:p>
-              <a:pPr algn="ctr">
-                <a:lnSpc>
-                  <a:spcPct val="150000"/>
-                </a:lnSpc>
-              </a:pPr>
-              <a:r>
-                <a:rPr lang="ko-KR" altLang="en-US" sz="800" dirty="0">
-                  <a:solidFill>
-                    <a:prstClr val="black">
-                      <a:lumMod val="75000"/>
-                      <a:lumOff val="25000"/>
-                    </a:prstClr>
-                  </a:solidFill>
-                </a:rPr>
-                <a:t>Enjoy your stylish business and campus life with BIZCAM </a:t>
-              </a:r>
-            </a:p>
-          </p:txBody>
-        </p:sp>
-        <p:sp>
-          <p:nvSpPr>
-            <p:cNvPr id="63" name="직사각형 62"/>
-            <p:cNvSpPr/>
-            <p:nvPr/>
-          </p:nvSpPr>
-          <p:spPr>
-            <a:xfrm>
-              <a:off x="6466136" y="5151627"/>
-              <a:ext cx="3223774" cy="937142"/>
-            </a:xfrm>
-            <a:prstGeom prst="rect">
-              <a:avLst/>
-            </a:prstGeom>
-          </p:spPr>
-          <p:txBody>
-            <a:bodyPr wrap="square">
-              <a:spAutoFit/>
-            </a:bodyPr>
-            <a:lstStyle/>
-            <a:p>
-              <a:pPr>
-                <a:lnSpc>
-                  <a:spcPct val="150000"/>
-                </a:lnSpc>
-              </a:pPr>
-              <a:r>
-                <a:rPr lang="en-US" altLang="ko-KR" sz="1400" b="1" dirty="0">
-                  <a:solidFill>
-                    <a:prstClr val="black">
-                      <a:lumMod val="75000"/>
-                      <a:lumOff val="25000"/>
-                    </a:prstClr>
-                  </a:solidFill>
-                </a:rPr>
-                <a:t>CONTENTS A</a:t>
-              </a:r>
-            </a:p>
-            <a:p>
-              <a:pPr>
-                <a:lnSpc>
-                  <a:spcPct val="150000"/>
-                </a:lnSpc>
-              </a:pPr>
-              <a:r>
-                <a:rPr lang="ko-KR" altLang="en-US" sz="1100" dirty="0">
-                  <a:solidFill>
-                    <a:prstClr val="black">
-                      <a:lumMod val="75000"/>
-                      <a:lumOff val="25000"/>
-                    </a:prstClr>
-                  </a:solidFill>
-                </a:rPr>
-                <a:t>컨텐츠에 대한 내용을 적어요</a:t>
-              </a:r>
-              <a:endParaRPr lang="en-US" altLang="ko-KR" sz="1100" dirty="0">
-                <a:solidFill>
-                  <a:prstClr val="black">
-                    <a:lumMod val="75000"/>
-                    <a:lumOff val="25000"/>
-                  </a:prstClr>
-                </a:solidFill>
-              </a:endParaRPr>
-            </a:p>
-            <a:p>
-              <a:pPr>
-                <a:lnSpc>
-                  <a:spcPct val="150000"/>
-                </a:lnSpc>
-              </a:pPr>
-              <a:r>
-                <a:rPr lang="ko-KR" altLang="en-US" sz="800" dirty="0">
-                  <a:solidFill>
-                    <a:prstClr val="black">
-                      <a:lumMod val="75000"/>
-                      <a:lumOff val="25000"/>
-                    </a:prstClr>
-                  </a:solidFill>
-                </a:rPr>
-                <a:t>Enjoy your stylish business and campus life with BIZCAM </a:t>
-              </a:r>
-            </a:p>
-          </p:txBody>
-        </p:sp>
-        <p:sp>
-          <p:nvSpPr>
-            <p:cNvPr id="64" name="직사각형 63"/>
-            <p:cNvSpPr/>
-            <p:nvPr/>
-          </p:nvSpPr>
-          <p:spPr>
-            <a:xfrm>
-              <a:off x="8962189" y="1489454"/>
-              <a:ext cx="2624015" cy="1139767"/>
-            </a:xfrm>
-            <a:prstGeom prst="rect">
-              <a:avLst/>
-            </a:prstGeom>
-          </p:spPr>
-          <p:txBody>
-            <a:bodyPr wrap="square">
-              <a:spAutoFit/>
-            </a:bodyPr>
-            <a:lstStyle/>
-            <a:p>
-              <a:pPr algn="ctr">
-                <a:lnSpc>
-                  <a:spcPct val="150000"/>
-                </a:lnSpc>
-              </a:pPr>
-              <a:r>
-                <a:rPr lang="en-US" altLang="ko-KR" sz="1400" b="1" dirty="0">
-                  <a:solidFill>
-                    <a:prstClr val="black">
-                      <a:lumMod val="75000"/>
-                      <a:lumOff val="25000"/>
-                    </a:prstClr>
-                  </a:solidFill>
-                </a:rPr>
-                <a:t>CONTENTS A</a:t>
-              </a:r>
-            </a:p>
-            <a:p>
-              <a:pPr algn="ctr">
-                <a:lnSpc>
-                  <a:spcPct val="150000"/>
-                </a:lnSpc>
-              </a:pPr>
-              <a:r>
-                <a:rPr lang="ko-KR" altLang="en-US" sz="1100" dirty="0">
-                  <a:solidFill>
-                    <a:prstClr val="black">
-                      <a:lumMod val="75000"/>
-                      <a:lumOff val="25000"/>
-                    </a:prstClr>
-                  </a:solidFill>
-                </a:rPr>
-                <a:t>컨텐츠에 대한 내용을 적어요</a:t>
-              </a:r>
-              <a:endParaRPr lang="en-US" altLang="ko-KR" sz="1100" dirty="0">
-                <a:solidFill>
-                  <a:prstClr val="black">
-                    <a:lumMod val="75000"/>
-                    <a:lumOff val="25000"/>
-                  </a:prstClr>
-                </a:solidFill>
-              </a:endParaRPr>
-            </a:p>
-            <a:p>
-              <a:pPr algn="ctr">
-                <a:lnSpc>
-                  <a:spcPct val="150000"/>
-                </a:lnSpc>
-              </a:pPr>
-              <a:r>
-                <a:rPr lang="ko-KR" altLang="en-US" sz="800" dirty="0">
-                  <a:solidFill>
-                    <a:prstClr val="black">
-                      <a:lumMod val="75000"/>
-                      <a:lumOff val="25000"/>
-                    </a:prstClr>
-                  </a:solidFill>
-                </a:rPr>
-                <a:t>Enjoy your stylish business and campus life with BIZCAM </a:t>
-              </a:r>
-            </a:p>
-          </p:txBody>
-        </p:sp>
-        <p:sp>
-          <p:nvSpPr>
-            <p:cNvPr id="65" name="원호 64"/>
-            <p:cNvSpPr/>
-            <p:nvPr/>
-          </p:nvSpPr>
-          <p:spPr>
-            <a:xfrm>
-              <a:off x="937177" y="1572792"/>
-              <a:ext cx="1315898" cy="1315898"/>
-            </a:xfrm>
-            <a:prstGeom prst="arc">
-              <a:avLst>
-                <a:gd name="adj1" fmla="val 21384239"/>
-                <a:gd name="adj2" fmla="val 16375048"/>
-              </a:avLst>
-            </a:prstGeom>
-            <a:ln w="38100">
-              <a:solidFill>
-                <a:srgbClr val="01A7CE"/>
-              </a:solidFill>
-            </a:ln>
-          </p:spPr>
-          <p:style>
-            <a:lnRef idx="1">
-              <a:schemeClr val="accent1"/>
-            </a:lnRef>
-            <a:fillRef idx="0">
-              <a:schemeClr val="accent1"/>
-            </a:fillRef>
-            <a:effectRef idx="0">
-              <a:schemeClr val="accent1"/>
-            </a:effectRef>
-            <a:fontRef idx="minor">
-              <a:schemeClr val="tx1"/>
-            </a:fontRef>
-          </p:style>
-          <p:txBody>
-            <a:bodyPr rtlCol="0" anchor="ctr"/>
-            <a:lstStyle/>
-            <a:p>
-              <a:pPr algn="ctr"/>
-              <a:endParaRPr lang="ko-KR" altLang="en-US" sz="1600">
-                <a:solidFill>
-                  <a:prstClr val="black">
-                    <a:lumMod val="75000"/>
-                    <a:lumOff val="25000"/>
-                  </a:prstClr>
-                </a:solidFill>
-              </a:endParaRPr>
-            </a:p>
-          </p:txBody>
-        </p:sp>
-        <p:sp>
-          <p:nvSpPr>
-            <p:cNvPr id="66" name="TextBox 65"/>
-            <p:cNvSpPr txBox="1"/>
-            <p:nvPr/>
-          </p:nvSpPr>
-          <p:spPr>
-            <a:xfrm>
-              <a:off x="1777836" y="1489454"/>
-              <a:ext cx="783107" cy="523220"/>
-            </a:xfrm>
-            <a:prstGeom prst="rect">
-              <a:avLst/>
-            </a:prstGeom>
-            <a:noFill/>
-          </p:spPr>
-          <p:txBody>
-            <a:bodyPr wrap="square" rtlCol="0">
-              <a:spAutoFit/>
-            </a:bodyPr>
-            <a:lstStyle/>
-            <a:p>
-              <a:pPr algn="ctr"/>
-              <a:r>
-                <a:rPr lang="en-US" altLang="ko-KR" sz="2400" b="1" dirty="0">
-                  <a:solidFill>
-                    <a:srgbClr val="01A7CE"/>
-                  </a:solidFill>
-                </a:rPr>
-                <a:t>75</a:t>
-              </a:r>
-              <a:r>
-                <a:rPr lang="en-US" altLang="ko-KR" sz="1400" b="1" dirty="0">
-                  <a:solidFill>
-                    <a:srgbClr val="01A7CE"/>
-                  </a:solidFill>
-                </a:rPr>
-                <a:t>%</a:t>
-              </a:r>
-              <a:endParaRPr lang="en-US" altLang="ko-KR" sz="900" b="1" dirty="0">
-                <a:solidFill>
-                  <a:srgbClr val="01A7CE"/>
-                </a:solidFill>
-              </a:endParaRPr>
-            </a:p>
-          </p:txBody>
-        </p:sp>
-        <p:sp>
-          <p:nvSpPr>
-            <p:cNvPr id="67" name="직사각형 66"/>
-            <p:cNvSpPr/>
-            <p:nvPr/>
-          </p:nvSpPr>
-          <p:spPr>
-            <a:xfrm>
-              <a:off x="978982" y="2030286"/>
-              <a:ext cx="1225192" cy="332995"/>
-            </a:xfrm>
-            <a:prstGeom prst="rect">
-              <a:avLst/>
-            </a:prstGeom>
-          </p:spPr>
-          <p:txBody>
-            <a:bodyPr wrap="square">
-              <a:spAutoFit/>
-            </a:bodyPr>
-            <a:lstStyle/>
-            <a:p>
-              <a:pPr algn="ctr">
-                <a:lnSpc>
-                  <a:spcPct val="150000"/>
-                </a:lnSpc>
-              </a:pPr>
-              <a:r>
-                <a:rPr lang="en-US" altLang="ko-KR" sz="1050" b="1" dirty="0">
-                  <a:solidFill>
-                    <a:srgbClr val="01A7CE"/>
-                  </a:solidFill>
-                </a:rPr>
-                <a:t>CONTENTS B</a:t>
-              </a:r>
-            </a:p>
-          </p:txBody>
-        </p:sp>
-        <p:cxnSp>
-          <p:nvCxnSpPr>
-            <p:cNvPr id="68" name="직선 화살표 연결선 67"/>
-            <p:cNvCxnSpPr/>
-            <p:nvPr/>
-          </p:nvCxnSpPr>
-          <p:spPr>
-            <a:xfrm flipH="1" flipV="1">
-              <a:off x="2560943" y="2130657"/>
-              <a:ext cx="744965" cy="758033"/>
-            </a:xfrm>
-            <a:prstGeom prst="straightConnector1">
-              <a:avLst/>
-            </a:prstGeom>
-            <a:ln>
-              <a:solidFill>
-                <a:srgbClr val="01A7CE"/>
-              </a:solidFill>
-              <a:tailEnd type="triangle"/>
-            </a:ln>
-          </p:spPr>
-          <p:style>
-            <a:lnRef idx="1">
-              <a:schemeClr val="accent1"/>
-            </a:lnRef>
-            <a:fillRef idx="0">
-              <a:schemeClr val="accent1"/>
-            </a:fillRef>
-            <a:effectRef idx="0">
-              <a:schemeClr val="accent1"/>
-            </a:effectRef>
-            <a:fontRef idx="minor">
-              <a:schemeClr val="tx1"/>
-            </a:fontRef>
-          </p:style>
-        </p:cxnSp>
-        <p:sp>
-          <p:nvSpPr>
-            <p:cNvPr id="69" name="타원 68"/>
-            <p:cNvSpPr/>
-            <p:nvPr/>
-          </p:nvSpPr>
-          <p:spPr>
-            <a:xfrm>
-              <a:off x="3351078" y="2945519"/>
-              <a:ext cx="143609" cy="143609"/>
-            </a:xfrm>
-            <a:prstGeom prst="ellipse">
-              <a:avLst/>
-            </a:prstGeom>
-            <a:solidFill>
-              <a:schemeClr val="bg1">
-                <a:lumMod val="95000"/>
-              </a:schemeClr>
-            </a:solidFill>
-            <a:ln w="28575">
-              <a:solidFill>
-                <a:srgbClr val="01A7CE"/>
-              </a:solidFill>
-            </a:ln>
-          </p:spPr>
-          <p:style>
-            <a:lnRef idx="2">
-              <a:schemeClr val="accent1">
-                <a:shade val="50000"/>
-              </a:schemeClr>
-            </a:lnRef>
-            <a:fillRef idx="1">
-              <a:schemeClr val="accent1"/>
-            </a:fillRef>
-            <a:effectRef idx="0">
-              <a:schemeClr val="accent1"/>
-            </a:effectRef>
-            <a:fontRef idx="minor">
-              <a:schemeClr val="lt1"/>
-            </a:fontRef>
-          </p:style>
-          <p:txBody>
-            <a:bodyPr rtlCol="0" anchor="ctr"/>
-            <a:lstStyle/>
-            <a:p>
-              <a:pPr algn="ctr"/>
-              <a:endParaRPr lang="ko-KR" altLang="en-US" sz="1600">
+              <a:endParaRPr lang="en-US" altLang="ko-KR" sz="1400" b="1" dirty="0">
                 <a:solidFill>
                   <a:prstClr val="black">
                     <a:lumMod val="75000"/>
@@ -9276,6 +7908,178 @@
           </p:txBody>
         </p:sp>
       </p:grpSp>
+      <p:pic>
+        <p:nvPicPr>
+          <p:cNvPr id="1026" name="Picture 2" descr="모바일 3D·VR 부동산정보 이용 의향. (자료=직방)"/>
+          <p:cNvPicPr>
+            <a:picLocks noChangeAspect="1" noChangeArrowheads="1"/>
+          </p:cNvPicPr>
+          <p:nvPr/>
+        </p:nvPicPr>
+        <p:blipFill>
+          <a:blip r:embed="rId2">
+            <a:extLst>
+              <a:ext uri="{28A0092B-C50C-407E-A947-70E740481C1C}">
+                <a14:useLocalDpi xmlns:a14="http://schemas.microsoft.com/office/drawing/2010/main" val="0"/>
+              </a:ext>
+            </a:extLst>
+          </a:blip>
+          <a:srcRect/>
+          <a:stretch>
+            <a:fillRect/>
+          </a:stretch>
+        </p:blipFill>
+        <p:spPr bwMode="auto">
+          <a:xfrm>
+            <a:off x="513795" y="1454328"/>
+            <a:ext cx="6301783" cy="4363343"/>
+          </a:xfrm>
+          <a:prstGeom prst="rect">
+            <a:avLst/>
+          </a:prstGeom>
+          <a:noFill/>
+          <a:extLst>
+            <a:ext uri="{909E8E84-426E-40DD-AFC4-6F175D3DCCD1}">
+              <a14:hiddenFill xmlns:a14="http://schemas.microsoft.com/office/drawing/2010/main">
+                <a:solidFill>
+                  <a:srgbClr val="FFFFFF"/>
+                </a:solidFill>
+              </a14:hiddenFill>
+            </a:ext>
+          </a:extLst>
+        </p:spPr>
+      </p:pic>
+      <p:cxnSp>
+        <p:nvCxnSpPr>
+          <p:cNvPr id="4" name="직선 연결선 3"/>
+          <p:cNvCxnSpPr/>
+          <p:nvPr/>
+        </p:nvCxnSpPr>
+        <p:spPr>
+          <a:xfrm>
+            <a:off x="7060676" y="1062051"/>
+            <a:ext cx="0" cy="4680000"/>
+          </a:xfrm>
+          <a:prstGeom prst="line">
+            <a:avLst/>
+          </a:prstGeom>
+          <a:ln>
+            <a:solidFill>
+              <a:srgbClr val="FF0000"/>
+            </a:solidFill>
+          </a:ln>
+        </p:spPr>
+        <p:style>
+          <a:lnRef idx="1">
+            <a:schemeClr val="accent1"/>
+          </a:lnRef>
+          <a:fillRef idx="0">
+            <a:schemeClr val="accent1"/>
+          </a:fillRef>
+          <a:effectRef idx="0">
+            <a:schemeClr val="accent1"/>
+          </a:effectRef>
+          <a:fontRef idx="minor">
+            <a:schemeClr val="tx1"/>
+          </a:fontRef>
+        </p:style>
+      </p:cxnSp>
+      <p:sp>
+        <p:nvSpPr>
+          <p:cNvPr id="49" name="직사각형 48"/>
+          <p:cNvSpPr/>
+          <p:nvPr/>
+        </p:nvSpPr>
+        <p:spPr>
+          <a:xfrm>
+            <a:off x="438379" y="5817671"/>
+            <a:ext cx="6301783" cy="481029"/>
+          </a:xfrm>
+          <a:prstGeom prst="rect">
+            <a:avLst/>
+          </a:prstGeom>
+        </p:spPr>
+        <p:txBody>
+          <a:bodyPr wrap="square">
+            <a:spAutoFit/>
+          </a:bodyPr>
+          <a:lstStyle/>
+          <a:p>
+            <a:pPr>
+              <a:lnSpc>
+                <a:spcPct val="150000"/>
+              </a:lnSpc>
+            </a:pPr>
+            <a:r>
+              <a:rPr lang="ko-KR" altLang="en-US" sz="900"/>
+              <a:t>모바일 </a:t>
+            </a:r>
+            <a:r>
+              <a:rPr lang="en-US" altLang="ko-KR" sz="900"/>
+              <a:t>3D·VR </a:t>
+            </a:r>
+            <a:r>
+              <a:rPr lang="ko-KR" altLang="en-US" sz="900"/>
+              <a:t>부동산정보 이용 의향</a:t>
+            </a:r>
+            <a:r>
+              <a:rPr lang="en-US" altLang="ko-KR" sz="900"/>
+              <a:t>. (</a:t>
+            </a:r>
+            <a:r>
+              <a:rPr lang="ko-KR" altLang="en-US" sz="900"/>
+              <a:t>자료</a:t>
+            </a:r>
+            <a:r>
+              <a:rPr lang="en-US" altLang="ko-KR" sz="900"/>
+              <a:t>=</a:t>
+            </a:r>
+            <a:r>
+              <a:rPr lang="ko-KR" altLang="en-US" sz="900"/>
+              <a:t>직방</a:t>
+            </a:r>
+            <a:r>
+              <a:rPr lang="en-US" altLang="ko-KR" sz="900" smtClean="0"/>
+              <a:t>)</a:t>
+            </a:r>
+            <a:r>
+              <a:rPr lang="ko-KR" altLang="en-US" sz="900"/>
+              <a:t/>
+            </a:r>
+            <a:br>
+              <a:rPr lang="ko-KR" altLang="en-US" sz="900"/>
+            </a:br>
+            <a:r>
+              <a:rPr lang="ko-KR" altLang="en-US" sz="900"/>
+              <a:t>출처 </a:t>
+            </a:r>
+            <a:r>
+              <a:rPr lang="en-US" altLang="ko-KR" sz="900"/>
+              <a:t>: </a:t>
+            </a:r>
+            <a:r>
+              <a:rPr lang="ko-KR" altLang="en-US" sz="900">
+                <a:hlinkClick r:id="rId3"/>
+              </a:rPr>
+              <a:t>신아일보</a:t>
+            </a:r>
+            <a:r>
+              <a:rPr lang="en-US" altLang="ko-KR" sz="900">
+                <a:hlinkClick r:id="rId3"/>
+              </a:rPr>
+              <a:t>(http://www.shinailbo.co.kr)</a:t>
+            </a:r>
+            <a:endParaRPr lang="ko-KR" altLang="en-US" sz="900" dirty="0">
+              <a:solidFill>
+                <a:prstClr val="black">
+                  <a:lumMod val="75000"/>
+                  <a:lumOff val="25000"/>
+                </a:prstClr>
+              </a:solidFill>
+            </a:endParaRPr>
+          </a:p>
+        </p:txBody>
+      </p:sp>
     </p:spTree>
     <p:extLst>
       <p:ext uri="{BB962C8B-B14F-4D97-AF65-F5344CB8AC3E}">
@@ -9432,28 +8236,36 @@
               <a:defRPr/>
             </a:pPr>
             <a:r>
-              <a:rPr lang="en-US" altLang="ko-KR" sz="2800" b="1" i="1" kern="0" dirty="0">
+              <a:rPr lang="en-US" altLang="ko-KR" sz="2800" b="1" i="1" kern="0" smtClean="0">
                 <a:solidFill>
                   <a:prstClr val="white"/>
                 </a:solidFill>
               </a:rPr>
-              <a:t>PPT PRESENTATION </a:t>
-            </a:r>
-            <a:r>
-              <a:rPr lang="en-US" altLang="ko-KR" sz="800" kern="0" dirty="0">
+              <a:t>1. </a:t>
+            </a:r>
+            <a:r>
+              <a:rPr lang="ko-KR" altLang="en-US" sz="2800" b="1" i="1" kern="0" smtClean="0">
                 <a:solidFill>
                   <a:prstClr val="white"/>
                 </a:solidFill>
               </a:rPr>
-              <a:t>Enjoy your stylish business and campus life with BIZCAM</a:t>
-            </a:r>
-            <a:r>
-              <a:rPr lang="en-US" altLang="ko-KR" sz="800" i="1" kern="0" dirty="0">
+              <a:t>개요 </a:t>
+            </a:r>
+            <a:r>
+              <a:rPr lang="en-US" altLang="ko-KR" sz="2800" b="1" i="1" kern="0" smtClean="0">
                 <a:solidFill>
                   <a:prstClr val="white"/>
                 </a:solidFill>
               </a:rPr>
-              <a:t> </a:t>
+              <a:t>- </a:t>
+            </a:r>
+            <a:r>
+              <a:rPr lang="ko-KR" altLang="en-US" sz="2800" b="1" i="1" kern="0" smtClean="0">
+                <a:solidFill>
+                  <a:prstClr val="white"/>
+                </a:solidFill>
+              </a:rPr>
+              <a:t>목표</a:t>
             </a:r>
             <a:endParaRPr lang="en-US" altLang="ko-KR" sz="1400" i="1" kern="0" dirty="0">
               <a:solidFill>
@@ -10267,530 +9079,6 @@
           </a:p>
         </p:txBody>
       </p:sp>
-      <p:grpSp>
-        <p:nvGrpSpPr>
-          <p:cNvPr id="31" name="그룹 30"/>
-          <p:cNvGrpSpPr/>
-          <p:nvPr/>
-        </p:nvGrpSpPr>
-        <p:grpSpPr>
-          <a:xfrm rot="16200000">
-            <a:off x="5180936" y="1429812"/>
-            <a:ext cx="1866710" cy="3778522"/>
-            <a:chOff x="5033983" y="1690686"/>
-            <a:chExt cx="2132115" cy="4315738"/>
-          </a:xfrm>
-        </p:grpSpPr>
-        <p:grpSp>
-          <p:nvGrpSpPr>
-            <p:cNvPr id="32" name="그룹 31"/>
-            <p:cNvGrpSpPr/>
-            <p:nvPr/>
-          </p:nvGrpSpPr>
-          <p:grpSpPr>
-            <a:xfrm>
-              <a:off x="5033983" y="2381317"/>
-              <a:ext cx="2132115" cy="867485"/>
-              <a:chOff x="3497283" y="2025717"/>
-              <a:chExt cx="2132115" cy="867485"/>
-            </a:xfrm>
-          </p:grpSpPr>
-          <p:sp>
-            <p:nvSpPr>
-              <p:cNvPr id="49" name="양쪽 모서리가 둥근 사각형 48"/>
-              <p:cNvSpPr/>
-              <p:nvPr/>
-            </p:nvSpPr>
-            <p:spPr>
-              <a:xfrm rot="16200000">
-                <a:off x="3417179" y="2105821"/>
-                <a:ext cx="252001" cy="91793"/>
-              </a:xfrm>
-              <a:prstGeom prst="round2SameRect">
-                <a:avLst>
-                  <a:gd name="adj1" fmla="val 22901"/>
-                  <a:gd name="adj2" fmla="val 0"/>
-                </a:avLst>
-              </a:prstGeom>
-              <a:solidFill>
-                <a:schemeClr val="tx1"/>
-              </a:solidFill>
-              <a:ln>
-                <a:noFill/>
-              </a:ln>
-            </p:spPr>
-            <p:style>
-              <a:lnRef idx="2">
-                <a:schemeClr val="accent1">
-                  <a:shade val="50000"/>
-                </a:schemeClr>
-              </a:lnRef>
-              <a:fillRef idx="1">
-                <a:schemeClr val="accent1"/>
-              </a:fillRef>
-              <a:effectRef idx="0">
-                <a:schemeClr val="accent1"/>
-              </a:effectRef>
-              <a:fontRef idx="minor">
-                <a:schemeClr val="lt1"/>
-              </a:fontRef>
-            </p:style>
-            <p:txBody>
-              <a:bodyPr rtlCol="0" anchor="ctr"/>
-              <a:lstStyle/>
-              <a:p>
-                <a:pPr algn="ctr"/>
-                <a:endParaRPr lang="ko-KR" altLang="en-US">
-                  <a:solidFill>
-                    <a:prstClr val="white"/>
-                  </a:solidFill>
-                </a:endParaRPr>
-              </a:p>
-            </p:txBody>
-          </p:sp>
-          <p:sp>
-            <p:nvSpPr>
-              <p:cNvPr id="50" name="양쪽 모서리가 둥근 사각형 49"/>
-              <p:cNvSpPr/>
-              <p:nvPr/>
-            </p:nvSpPr>
-            <p:spPr>
-              <a:xfrm rot="16200000">
-                <a:off x="3417179" y="2413562"/>
-                <a:ext cx="252001" cy="91793"/>
-              </a:xfrm>
-              <a:prstGeom prst="round2SameRect">
-                <a:avLst>
-                  <a:gd name="adj1" fmla="val 22901"/>
-                  <a:gd name="adj2" fmla="val 0"/>
-                </a:avLst>
-              </a:prstGeom>
-              <a:solidFill>
-                <a:schemeClr val="tx1"/>
-              </a:solidFill>
-              <a:ln>
-                <a:noFill/>
-              </a:ln>
-            </p:spPr>
-            <p:style>
-              <a:lnRef idx="2">
-                <a:schemeClr val="accent1">
-                  <a:shade val="50000"/>
-                </a:schemeClr>
-              </a:lnRef>
-              <a:fillRef idx="1">
-                <a:schemeClr val="accent1"/>
-              </a:fillRef>
-              <a:effectRef idx="0">
-                <a:schemeClr val="accent1"/>
-              </a:effectRef>
-              <a:fontRef idx="minor">
-                <a:schemeClr val="lt1"/>
-              </a:fontRef>
-            </p:style>
-            <p:txBody>
-              <a:bodyPr rtlCol="0" anchor="ctr"/>
-              <a:lstStyle/>
-              <a:p>
-                <a:pPr algn="ctr"/>
-                <a:endParaRPr lang="ko-KR" altLang="en-US">
-                  <a:solidFill>
-                    <a:prstClr val="white"/>
-                  </a:solidFill>
-                </a:endParaRPr>
-              </a:p>
-            </p:txBody>
-          </p:sp>
-          <p:sp>
-            <p:nvSpPr>
-              <p:cNvPr id="51" name="양쪽 모서리가 둥근 사각형 50"/>
-              <p:cNvSpPr/>
-              <p:nvPr/>
-            </p:nvSpPr>
-            <p:spPr>
-              <a:xfrm rot="16200000">
-                <a:off x="3417179" y="2721305"/>
-                <a:ext cx="252001" cy="91793"/>
-              </a:xfrm>
-              <a:prstGeom prst="round2SameRect">
-                <a:avLst>
-                  <a:gd name="adj1" fmla="val 22901"/>
-                  <a:gd name="adj2" fmla="val 0"/>
-                </a:avLst>
-              </a:prstGeom>
-              <a:solidFill>
-                <a:schemeClr val="tx1"/>
-              </a:solidFill>
-              <a:ln>
-                <a:noFill/>
-              </a:ln>
-            </p:spPr>
-            <p:style>
-              <a:lnRef idx="2">
-                <a:schemeClr val="accent1">
-                  <a:shade val="50000"/>
-                </a:schemeClr>
-              </a:lnRef>
-              <a:fillRef idx="1">
-                <a:schemeClr val="accent1"/>
-              </a:fillRef>
-              <a:effectRef idx="0">
-                <a:schemeClr val="accent1"/>
-              </a:effectRef>
-              <a:fontRef idx="minor">
-                <a:schemeClr val="lt1"/>
-              </a:fontRef>
-            </p:style>
-            <p:txBody>
-              <a:bodyPr rtlCol="0" anchor="ctr"/>
-              <a:lstStyle/>
-              <a:p>
-                <a:pPr algn="ctr"/>
-                <a:endParaRPr lang="ko-KR" altLang="en-US">
-                  <a:solidFill>
-                    <a:prstClr val="white"/>
-                  </a:solidFill>
-                </a:endParaRPr>
-              </a:p>
-            </p:txBody>
-          </p:sp>
-          <p:sp>
-            <p:nvSpPr>
-              <p:cNvPr id="52" name="양쪽 모서리가 둥근 사각형 51"/>
-              <p:cNvSpPr/>
-              <p:nvPr/>
-            </p:nvSpPr>
-            <p:spPr>
-              <a:xfrm rot="16200000">
-                <a:off x="5237417" y="2335737"/>
-                <a:ext cx="576000" cy="207963"/>
-              </a:xfrm>
-              <a:prstGeom prst="round2SameRect">
-                <a:avLst>
-                  <a:gd name="adj1" fmla="val 0"/>
-                  <a:gd name="adj2" fmla="val 33962"/>
-                </a:avLst>
-              </a:prstGeom>
-              <a:solidFill>
-                <a:schemeClr val="tx1"/>
-              </a:solidFill>
-              <a:ln>
-                <a:noFill/>
-              </a:ln>
-            </p:spPr>
-            <p:style>
-              <a:lnRef idx="2">
-                <a:schemeClr val="accent1">
-                  <a:shade val="50000"/>
-                </a:schemeClr>
-              </a:lnRef>
-              <a:fillRef idx="1">
-                <a:schemeClr val="accent1"/>
-              </a:fillRef>
-              <a:effectRef idx="0">
-                <a:schemeClr val="accent1"/>
-              </a:effectRef>
-              <a:fontRef idx="minor">
-                <a:schemeClr val="lt1"/>
-              </a:fontRef>
-            </p:style>
-            <p:txBody>
-              <a:bodyPr rtlCol="0" anchor="ctr"/>
-              <a:lstStyle/>
-              <a:p>
-                <a:pPr algn="ctr"/>
-                <a:endParaRPr lang="ko-KR" altLang="en-US">
-                  <a:solidFill>
-                    <a:prstClr val="white"/>
-                  </a:solidFill>
-                </a:endParaRPr>
-              </a:p>
-            </p:txBody>
-          </p:sp>
-        </p:grpSp>
-        <p:sp>
-          <p:nvSpPr>
-            <p:cNvPr id="33" name="모서리가 둥근 직사각형 32"/>
-            <p:cNvSpPr/>
-            <p:nvPr/>
-          </p:nvSpPr>
-          <p:spPr>
-            <a:xfrm>
-              <a:off x="5071500" y="1702462"/>
-              <a:ext cx="2017824" cy="4303962"/>
-            </a:xfrm>
-            <a:prstGeom prst="roundRect">
-              <a:avLst>
-                <a:gd name="adj" fmla="val 12658"/>
-              </a:avLst>
-            </a:prstGeom>
-            <a:solidFill>
-              <a:schemeClr val="tx2">
-                <a:lumMod val="75000"/>
-              </a:schemeClr>
-            </a:solidFill>
-            <a:ln w="28575">
-              <a:solidFill>
-                <a:schemeClr val="tx1">
-                  <a:lumMod val="85000"/>
-                  <a:lumOff val="15000"/>
-                </a:schemeClr>
-              </a:solidFill>
-            </a:ln>
-          </p:spPr>
-          <p:style>
-            <a:lnRef idx="2">
-              <a:schemeClr val="accent1">
-                <a:shade val="50000"/>
-              </a:schemeClr>
-            </a:lnRef>
-            <a:fillRef idx="1">
-              <a:schemeClr val="accent1"/>
-            </a:fillRef>
-            <a:effectRef idx="0">
-              <a:schemeClr val="accent1"/>
-            </a:effectRef>
-            <a:fontRef idx="minor">
-              <a:schemeClr val="lt1"/>
-            </a:fontRef>
-          </p:style>
-          <p:txBody>
-            <a:bodyPr rtlCol="0" anchor="ctr"/>
-            <a:lstStyle/>
-            <a:p>
-              <a:pPr algn="ctr"/>
-              <a:endParaRPr lang="ko-KR" altLang="en-US">
-                <a:solidFill>
-                  <a:prstClr val="white"/>
-                </a:solidFill>
-              </a:endParaRPr>
-            </a:p>
-          </p:txBody>
-        </p:sp>
-        <p:sp>
-          <p:nvSpPr>
-            <p:cNvPr id="34" name="양쪽 모서리가 둥근 사각형 33"/>
-            <p:cNvSpPr/>
-            <p:nvPr/>
-          </p:nvSpPr>
-          <p:spPr>
-            <a:xfrm>
-              <a:off x="5557382" y="1690686"/>
-              <a:ext cx="1052514" cy="252412"/>
-            </a:xfrm>
-            <a:prstGeom prst="round2SameRect">
-              <a:avLst>
-                <a:gd name="adj1" fmla="val 0"/>
-                <a:gd name="adj2" fmla="val 33962"/>
-              </a:avLst>
-            </a:prstGeom>
-            <a:solidFill>
-              <a:schemeClr val="tx1">
-                <a:lumMod val="95000"/>
-                <a:lumOff val="5000"/>
-              </a:schemeClr>
-            </a:solidFill>
-            <a:ln>
-              <a:noFill/>
-            </a:ln>
-          </p:spPr>
-          <p:style>
-            <a:lnRef idx="2">
-              <a:schemeClr val="accent1">
-                <a:shade val="50000"/>
-              </a:schemeClr>
-            </a:lnRef>
-            <a:fillRef idx="1">
-              <a:schemeClr val="accent1"/>
-            </a:fillRef>
-            <a:effectRef idx="0">
-              <a:schemeClr val="accent1"/>
-            </a:effectRef>
-            <a:fontRef idx="minor">
-              <a:schemeClr val="lt1"/>
-            </a:fontRef>
-          </p:style>
-          <p:txBody>
-            <a:bodyPr rtlCol="0" anchor="ctr"/>
-            <a:lstStyle/>
-            <a:p>
-              <a:pPr algn="ctr"/>
-              <a:endParaRPr lang="ko-KR" altLang="en-US">
-                <a:solidFill>
-                  <a:prstClr val="white"/>
-                </a:solidFill>
-              </a:endParaRPr>
-            </a:p>
-          </p:txBody>
-        </p:sp>
-      </p:grpSp>
-      <p:sp>
-        <p:nvSpPr>
-          <p:cNvPr id="54" name="모서리가 둥근 직사각형 53"/>
-          <p:cNvSpPr/>
-          <p:nvPr/>
-        </p:nvSpPr>
-        <p:spPr>
-          <a:xfrm>
-            <a:off x="4646860" y="1659907"/>
-            <a:ext cx="1082304" cy="267700"/>
-          </a:xfrm>
-          <a:prstGeom prst="roundRect">
-            <a:avLst>
-              <a:gd name="adj" fmla="val 50000"/>
-            </a:avLst>
-          </a:prstGeom>
-          <a:solidFill>
-            <a:srgbClr val="01A7CE"/>
-          </a:solidFill>
-          <a:ln>
-            <a:noFill/>
-          </a:ln>
-        </p:spPr>
-        <p:style>
-          <a:lnRef idx="2">
-            <a:schemeClr val="accent1">
-              <a:shade val="50000"/>
-            </a:schemeClr>
-          </a:lnRef>
-          <a:fillRef idx="1">
-            <a:schemeClr val="accent1"/>
-          </a:fillRef>
-          <a:effectRef idx="0">
-            <a:schemeClr val="accent1"/>
-          </a:effectRef>
-          <a:fontRef idx="minor">
-            <a:schemeClr val="lt1"/>
-          </a:fontRef>
-        </p:style>
-        <p:txBody>
-          <a:bodyPr rtlCol="0" anchor="ctr"/>
-          <a:lstStyle/>
-          <a:p>
-            <a:pPr algn="ctr"/>
-            <a:r>
-              <a:rPr lang="en-US" altLang="ko-KR" sz="1000" dirty="0">
-                <a:solidFill>
-                  <a:prstClr val="white"/>
-                </a:solidFill>
-              </a:rPr>
-              <a:t>CONTENTS A</a:t>
-            </a:r>
-          </a:p>
-        </p:txBody>
-      </p:sp>
-      <p:sp>
-        <p:nvSpPr>
-          <p:cNvPr id="55" name="직사각형 54"/>
-          <p:cNvSpPr/>
-          <p:nvPr/>
-        </p:nvSpPr>
-        <p:spPr>
-          <a:xfrm>
-            <a:off x="4367339" y="4889289"/>
-            <a:ext cx="1680881" cy="1414691"/>
-          </a:xfrm>
-          <a:prstGeom prst="rect">
-            <a:avLst/>
-          </a:prstGeom>
-        </p:spPr>
-        <p:txBody>
-          <a:bodyPr wrap="square">
-            <a:spAutoFit/>
-          </a:bodyPr>
-          <a:lstStyle/>
-          <a:p>
-            <a:pPr marL="90488" algn="ctr">
-              <a:lnSpc>
-                <a:spcPct val="150000"/>
-              </a:lnSpc>
-            </a:pPr>
-            <a:r>
-              <a:rPr lang="en-US" altLang="ko-KR" b="1" u="sng" dirty="0">
-                <a:solidFill>
-                  <a:srgbClr val="44546A">
-                    <a:lumMod val="50000"/>
-                  </a:srgbClr>
-                </a:solidFill>
-              </a:rPr>
-              <a:t>STEP. 1</a:t>
-            </a:r>
-          </a:p>
-          <a:p>
-            <a:pPr marL="90488" algn="ctr">
-              <a:lnSpc>
-                <a:spcPct val="150000"/>
-              </a:lnSpc>
-            </a:pPr>
-            <a:r>
-              <a:rPr lang="en-US" altLang="ko-KR" sz="1200" dirty="0">
-                <a:solidFill>
-                  <a:srgbClr val="44546A">
-                    <a:lumMod val="50000"/>
-                  </a:srgbClr>
-                </a:solidFill>
-              </a:rPr>
-              <a:t>PowerPoint is a computer program created by Microsoft Office</a:t>
-            </a:r>
-          </a:p>
-        </p:txBody>
-      </p:sp>
-      <p:sp>
-        <p:nvSpPr>
-          <p:cNvPr id="56" name="직사각형 55"/>
-          <p:cNvSpPr/>
-          <p:nvPr/>
-        </p:nvSpPr>
-        <p:spPr>
-          <a:xfrm>
-            <a:off x="1600200" y="4889289"/>
-            <a:ext cx="2545451" cy="1338828"/>
-          </a:xfrm>
-          <a:prstGeom prst="rect">
-            <a:avLst/>
-          </a:prstGeom>
-        </p:spPr>
-        <p:txBody>
-          <a:bodyPr wrap="square">
-            <a:spAutoFit/>
-          </a:bodyPr>
-          <a:lstStyle/>
-          <a:p>
-            <a:pPr marL="90488" algn="ctr">
-              <a:lnSpc>
-                <a:spcPct val="150000"/>
-              </a:lnSpc>
-            </a:pPr>
-            <a:r>
-              <a:rPr lang="en-US" altLang="ko-KR" b="1" u="sng" dirty="0">
-                <a:solidFill>
-                  <a:srgbClr val="44546A">
-                    <a:lumMod val="50000"/>
-                  </a:srgbClr>
-                </a:solidFill>
-              </a:rPr>
-              <a:t>STEP. 1</a:t>
-            </a:r>
-          </a:p>
-          <a:p>
-            <a:pPr marL="90488" algn="ctr">
-              <a:lnSpc>
-                <a:spcPct val="150000"/>
-              </a:lnSpc>
-            </a:pPr>
-            <a:r>
-              <a:rPr lang="en-US" altLang="ko-KR" sz="1200" dirty="0">
-                <a:solidFill>
-                  <a:srgbClr val="44546A">
-                    <a:lumMod val="50000"/>
-                  </a:srgbClr>
-                </a:solidFill>
-              </a:rPr>
-              <a:t>PowerPoint is a computer program created by Microsoft Office</a:t>
-            </a:r>
-          </a:p>
-        </p:txBody>
-      </p:sp>
       <p:sp>
         <p:nvSpPr>
           <p:cNvPr id="57" name="직사각형 56"/>
@@ -10799,7 +9087,7 @@
         </p:nvSpPr>
         <p:spPr>
           <a:xfrm>
-            <a:off x="6161187" y="4889289"/>
+            <a:off x="1061286" y="3963171"/>
             <a:ext cx="2404096" cy="1338828"/>
           </a:xfrm>
           <a:prstGeom prst="rect">
@@ -10847,257 +9135,6 @@
           </a:p>
         </p:txBody>
       </p:sp>
-      <p:cxnSp>
-        <p:nvCxnSpPr>
-          <p:cNvPr id="58" name="직선 화살표 연결선 57"/>
-          <p:cNvCxnSpPr>
-            <a:stCxn id="50" idx="3"/>
-            <a:endCxn id="55" idx="0"/>
-          </p:cNvCxnSpPr>
-          <p:nvPr/>
-        </p:nvCxnSpPr>
-        <p:spPr>
-          <a:xfrm flipH="1">
-            <a:off x="5207780" y="4252429"/>
-            <a:ext cx="1662" cy="636860"/>
-          </a:xfrm>
-          <a:prstGeom prst="straightConnector1">
-            <a:avLst/>
-          </a:prstGeom>
-          <a:ln>
-            <a:solidFill>
-              <a:schemeClr val="tx1">
-                <a:lumMod val="50000"/>
-                <a:lumOff val="50000"/>
-              </a:schemeClr>
-            </a:solidFill>
-            <a:prstDash val="dash"/>
-            <a:tailEnd type="triangle"/>
-          </a:ln>
-        </p:spPr>
-        <p:style>
-          <a:lnRef idx="1">
-            <a:schemeClr val="accent1"/>
-          </a:lnRef>
-          <a:fillRef idx="0">
-            <a:schemeClr val="accent1"/>
-          </a:fillRef>
-          <a:effectRef idx="0">
-            <a:schemeClr val="accent1"/>
-          </a:effectRef>
-          <a:fontRef idx="minor">
-            <a:schemeClr val="tx1"/>
-          </a:fontRef>
-        </p:style>
-      </p:cxnSp>
-      <p:cxnSp>
-        <p:nvCxnSpPr>
-          <p:cNvPr id="59" name="꺾인 연결선 58"/>
-          <p:cNvCxnSpPr>
-            <a:stCxn id="49" idx="3"/>
-            <a:endCxn id="56" idx="0"/>
-          </p:cNvCxnSpPr>
-          <p:nvPr/>
-        </p:nvCxnSpPr>
-        <p:spPr>
-          <a:xfrm rot="5400000">
-            <a:off x="3588038" y="3537318"/>
-            <a:ext cx="636860" cy="2067083"/>
-          </a:xfrm>
-          <a:prstGeom prst="bentConnector3">
-            <a:avLst/>
-          </a:prstGeom>
-          <a:ln>
-            <a:solidFill>
-              <a:schemeClr val="tx1">
-                <a:lumMod val="50000"/>
-                <a:lumOff val="50000"/>
-              </a:schemeClr>
-            </a:solidFill>
-            <a:prstDash val="dash"/>
-            <a:tailEnd type="triangle"/>
-          </a:ln>
-        </p:spPr>
-        <p:style>
-          <a:lnRef idx="1">
-            <a:schemeClr val="accent1"/>
-          </a:lnRef>
-          <a:fillRef idx="0">
-            <a:schemeClr val="accent1"/>
-          </a:fillRef>
-          <a:effectRef idx="0">
-            <a:schemeClr val="accent1"/>
-          </a:effectRef>
-          <a:fontRef idx="minor">
-            <a:schemeClr val="tx1"/>
-          </a:fontRef>
-        </p:style>
-      </p:cxnSp>
-      <p:cxnSp>
-        <p:nvCxnSpPr>
-          <p:cNvPr id="60" name="꺾인 연결선 59"/>
-          <p:cNvCxnSpPr>
-            <a:stCxn id="51" idx="3"/>
-            <a:endCxn id="57" idx="0"/>
-          </p:cNvCxnSpPr>
-          <p:nvPr/>
-        </p:nvCxnSpPr>
-        <p:spPr>
-          <a:xfrm rot="16200000" flipH="1">
-            <a:off x="6102626" y="3628679"/>
-            <a:ext cx="636861" cy="1884357"/>
-          </a:xfrm>
-          <a:prstGeom prst="bentConnector3">
-            <a:avLst>
-              <a:gd name="adj1" fmla="val 50000"/>
-            </a:avLst>
-          </a:prstGeom>
-          <a:ln>
-            <a:solidFill>
-              <a:schemeClr val="tx1">
-                <a:lumMod val="50000"/>
-                <a:lumOff val="50000"/>
-              </a:schemeClr>
-            </a:solidFill>
-            <a:prstDash val="dash"/>
-            <a:tailEnd type="triangle"/>
-          </a:ln>
-        </p:spPr>
-        <p:style>
-          <a:lnRef idx="1">
-            <a:schemeClr val="accent1"/>
-          </a:lnRef>
-          <a:fillRef idx="0">
-            <a:schemeClr val="accent1"/>
-          </a:fillRef>
-          <a:effectRef idx="0">
-            <a:schemeClr val="accent1"/>
-          </a:effectRef>
-          <a:fontRef idx="minor">
-            <a:schemeClr val="tx1"/>
-          </a:fontRef>
-        </p:style>
-      </p:cxnSp>
-      <p:sp>
-        <p:nvSpPr>
-          <p:cNvPr id="61" name="직사각형 60"/>
-          <p:cNvSpPr/>
-          <p:nvPr/>
-        </p:nvSpPr>
-        <p:spPr>
-          <a:xfrm>
-            <a:off x="5929616" y="1589036"/>
-            <a:ext cx="3416244" cy="505247"/>
-          </a:xfrm>
-          <a:prstGeom prst="rect">
-            <a:avLst/>
-          </a:prstGeom>
-        </p:spPr>
-        <p:txBody>
-          <a:bodyPr wrap="square">
-            <a:spAutoFit/>
-          </a:bodyPr>
-          <a:lstStyle/>
-          <a:p>
-            <a:pPr>
-              <a:lnSpc>
-                <a:spcPct val="150000"/>
-              </a:lnSpc>
-            </a:pPr>
-            <a:r>
-              <a:rPr lang="ko-KR" altLang="en-US" sz="1100" dirty="0" err="1">
-                <a:solidFill>
-                  <a:prstClr val="black">
-                    <a:lumMod val="75000"/>
-                    <a:lumOff val="25000"/>
-                  </a:prstClr>
-                </a:solidFill>
-              </a:rPr>
-              <a:t>컨텐츠에</a:t>
-            </a:r>
-            <a:r>
-              <a:rPr lang="ko-KR" altLang="en-US" sz="1100" dirty="0">
-                <a:solidFill>
-                  <a:prstClr val="black">
-                    <a:lumMod val="75000"/>
-                    <a:lumOff val="25000"/>
-                  </a:prstClr>
-                </a:solidFill>
-              </a:rPr>
-              <a:t> 대한 내용을 적어요</a:t>
-            </a:r>
-            <a:endParaRPr lang="en-US" altLang="ko-KR" sz="1100" dirty="0">
-              <a:solidFill>
-                <a:prstClr val="black">
-                  <a:lumMod val="75000"/>
-                  <a:lumOff val="25000"/>
-                </a:prstClr>
-              </a:solidFill>
-            </a:endParaRPr>
-          </a:p>
-          <a:p>
-            <a:pPr>
-              <a:lnSpc>
-                <a:spcPct val="150000"/>
-              </a:lnSpc>
-            </a:pPr>
-            <a:r>
-              <a:rPr lang="ko-KR" altLang="en-US" sz="1000" dirty="0">
-                <a:solidFill>
-                  <a:prstClr val="black">
-                    <a:lumMod val="75000"/>
-                    <a:lumOff val="25000"/>
-                  </a:prstClr>
-                </a:solidFill>
-              </a:rPr>
-              <a:t>Enjoy your stylish business and campus life with BIZCAM </a:t>
-            </a:r>
-          </a:p>
-        </p:txBody>
-      </p:sp>
-      <p:cxnSp>
-        <p:nvCxnSpPr>
-          <p:cNvPr id="62" name="직선 화살표 연결선 61"/>
-          <p:cNvCxnSpPr>
-            <a:stCxn id="52" idx="1"/>
-            <a:endCxn id="54" idx="2"/>
-          </p:cNvCxnSpPr>
-          <p:nvPr/>
-        </p:nvCxnSpPr>
-        <p:spPr>
-          <a:xfrm flipH="1" flipV="1">
-            <a:off x="5188012" y="1927607"/>
-            <a:ext cx="4147" cy="458107"/>
-          </a:xfrm>
-          <a:prstGeom prst="straightConnector1">
-            <a:avLst/>
-          </a:prstGeom>
-          <a:ln>
-            <a:solidFill>
-              <a:schemeClr val="tx1">
-                <a:lumMod val="50000"/>
-                <a:lumOff val="50000"/>
-              </a:schemeClr>
-            </a:solidFill>
-            <a:prstDash val="dash"/>
-            <a:tailEnd type="triangle"/>
-          </a:ln>
-        </p:spPr>
-        <p:style>
-          <a:lnRef idx="1">
-            <a:schemeClr val="accent1"/>
-          </a:lnRef>
-          <a:fillRef idx="0">
-            <a:schemeClr val="accent1"/>
-          </a:fillRef>
-          <a:effectRef idx="0">
-            <a:schemeClr val="accent1"/>
-          </a:effectRef>
-          <a:fontRef idx="minor">
-            <a:schemeClr val="tx1"/>
-          </a:fontRef>
-        </p:style>
-      </p:cxnSp>
       <p:sp>
         <p:nvSpPr>
           <p:cNvPr id="70" name="직사각형 69"/>
@@ -11106,7 +9143,7 @@
         </p:nvSpPr>
         <p:spPr>
           <a:xfrm>
-            <a:off x="8834719" y="4889289"/>
+            <a:off x="1232051" y="1446464"/>
             <a:ext cx="2233331" cy="1338828"/>
           </a:xfrm>
           <a:prstGeom prst="rect">
@@ -11154,48 +9191,6 @@
           </a:p>
         </p:txBody>
       </p:sp>
-      <p:cxnSp>
-        <p:nvCxnSpPr>
-          <p:cNvPr id="71" name="꺾인 연결선 70"/>
-          <p:cNvCxnSpPr>
-            <a:endCxn id="70" idx="0"/>
-          </p:cNvCxnSpPr>
-          <p:nvPr/>
-        </p:nvCxnSpPr>
-        <p:spPr>
-          <a:xfrm>
-            <a:off x="8035414" y="3333421"/>
-            <a:ext cx="1915971" cy="1555868"/>
-          </a:xfrm>
-          <a:prstGeom prst="bentConnector2">
-            <a:avLst/>
-          </a:prstGeom>
-          <a:ln>
-            <a:solidFill>
-              <a:schemeClr val="tx1">
-                <a:lumMod val="50000"/>
-                <a:lumOff val="50000"/>
-              </a:schemeClr>
-            </a:solidFill>
-            <a:prstDash val="dash"/>
-            <a:tailEnd type="triangle"/>
-          </a:ln>
-        </p:spPr>
-        <p:style>
-          <a:lnRef idx="1">
-            <a:schemeClr val="accent1"/>
-          </a:lnRef>
-          <a:fillRef idx="0">
-            <a:schemeClr val="accent1"/>
-          </a:fillRef>
-          <a:effectRef idx="0">
-            <a:schemeClr val="accent1"/>
-          </a:effectRef>
-          <a:fontRef idx="minor">
-            <a:schemeClr val="tx1"/>
-          </a:fontRef>
-        </p:style>
-      </p:cxnSp>
       <p:sp>
         <p:nvSpPr>
           <p:cNvPr id="72" name="직사각형 71"/>

--- a/Final Assignments/파라노이드 팀 발표용 PPT.pptx
+++ b/Final Assignments/파라노이드 팀 발표용 PPT.pptx
@@ -10,9 +10,12 @@
     <p:sldId id="259" r:id="rId4"/>
     <p:sldId id="260" r:id="rId5"/>
     <p:sldId id="261" r:id="rId6"/>
-    <p:sldId id="262" r:id="rId7"/>
-    <p:sldId id="263" r:id="rId8"/>
-    <p:sldId id="264" r:id="rId9"/>
+    <p:sldId id="265" r:id="rId7"/>
+    <p:sldId id="266" r:id="rId8"/>
+    <p:sldId id="267" r:id="rId9"/>
+    <p:sldId id="262" r:id="rId10"/>
+    <p:sldId id="263" r:id="rId11"/>
+    <p:sldId id="264" r:id="rId12"/>
   </p:sldIdLst>
   <p:sldSz cx="12192000" cy="6858000"/>
   <p:notesSz cx="6858000" cy="9144000"/>
@@ -3985,18 +3988,7 @@
                   </a:prstClr>
                 </a:solidFill>
               </a:rPr>
-              <a:t>                    </a:t>
-            </a:r>
-            <a:r>
-              <a:rPr lang="ko-KR" altLang="en-US" sz="1500" b="1" kern="0" smtClean="0">
-                <a:solidFill>
-                  <a:prstClr val="black">
-                    <a:lumMod val="75000"/>
-                    <a:lumOff val="25000"/>
-                  </a:prstClr>
-                </a:solidFill>
-              </a:rPr>
-              <a:t>콘텐츠 </a:t>
+              <a:t>                    콘텐츠 </a:t>
             </a:r>
             <a:r>
               <a:rPr lang="en-US" altLang="ko-KR" sz="1500" b="1" kern="0" smtClean="0">
@@ -4952,6 +4944,947 @@
 </p:sld>
 </file>
 
+<file path=ppt/slides/slide10.xml><?xml version="1.0" encoding="utf-8"?>
+<p:sld xmlns:a="http://schemas.openxmlformats.org/drawingml/2006/main" xmlns:r="http://schemas.openxmlformats.org/officeDocument/2006/relationships" xmlns:p="http://schemas.openxmlformats.org/presentationml/2006/main">
+  <p:cSld>
+    <p:spTree>
+      <p:nvGrpSpPr>
+        <p:cNvPr id="1" name=""/>
+        <p:cNvGrpSpPr/>
+        <p:nvPr/>
+      </p:nvGrpSpPr>
+      <p:grpSpPr>
+        <a:xfrm>
+          <a:off x="0" y="0"/>
+          <a:ext cx="0" cy="0"/>
+          <a:chOff x="0" y="0"/>
+          <a:chExt cx="0" cy="0"/>
+        </a:xfrm>
+      </p:grpSpPr>
+      <p:sp>
+        <p:nvSpPr>
+          <p:cNvPr id="4" name="직사각형 3"/>
+          <p:cNvSpPr/>
+          <p:nvPr/>
+        </p:nvSpPr>
+        <p:spPr>
+          <a:xfrm>
+            <a:off x="3988947" y="461016"/>
+            <a:ext cx="4236842" cy="655372"/>
+          </a:xfrm>
+          <a:prstGeom prst="rect">
+            <a:avLst/>
+          </a:prstGeom>
+        </p:spPr>
+        <p:txBody>
+          <a:bodyPr wrap="square">
+            <a:spAutoFit/>
+          </a:bodyPr>
+          <a:lstStyle/>
+          <a:p>
+            <a:pPr algn="ctr">
+              <a:lnSpc>
+                <a:spcPct val="150000"/>
+              </a:lnSpc>
+            </a:pPr>
+            <a:r>
+              <a:rPr lang="ko-KR" altLang="en-US" sz="2800" b="1" dirty="0">
+                <a:solidFill>
+                  <a:prstClr val="black">
+                    <a:lumMod val="75000"/>
+                    <a:lumOff val="25000"/>
+                  </a:prstClr>
+                </a:solidFill>
+              </a:rPr>
+              <a:t>오늘 사용한 색상은</a:t>
+            </a:r>
+            <a:r>
+              <a:rPr lang="en-US" altLang="ko-KR" sz="2800" b="1" dirty="0">
+                <a:solidFill>
+                  <a:prstClr val="black">
+                    <a:lumMod val="75000"/>
+                    <a:lumOff val="25000"/>
+                  </a:prstClr>
+                </a:solidFill>
+              </a:rPr>
+              <a:t>?</a:t>
+            </a:r>
+            <a:endParaRPr lang="ko-KR" altLang="en-US" sz="2000" dirty="0">
+              <a:solidFill>
+                <a:prstClr val="black">
+                  <a:lumMod val="75000"/>
+                  <a:lumOff val="25000"/>
+                </a:prstClr>
+              </a:solidFill>
+            </a:endParaRPr>
+          </a:p>
+        </p:txBody>
+      </p:sp>
+      <p:sp>
+        <p:nvSpPr>
+          <p:cNvPr id="5" name="직사각형 4"/>
+          <p:cNvSpPr/>
+          <p:nvPr/>
+        </p:nvSpPr>
+        <p:spPr>
+          <a:xfrm>
+            <a:off x="2456131" y="5524135"/>
+            <a:ext cx="7302474" cy="738664"/>
+          </a:xfrm>
+          <a:prstGeom prst="rect">
+            <a:avLst/>
+          </a:prstGeom>
+        </p:spPr>
+        <p:txBody>
+          <a:bodyPr wrap="square">
+            <a:spAutoFit/>
+          </a:bodyPr>
+          <a:lstStyle/>
+          <a:p>
+            <a:pPr algn="ctr">
+              <a:lnSpc>
+                <a:spcPct val="150000"/>
+              </a:lnSpc>
+            </a:pPr>
+            <a:r>
+              <a:rPr lang="en-US" altLang="ko-KR" sz="1400" dirty="0">
+                <a:solidFill>
+                  <a:prstClr val="black">
+                    <a:lumMod val="75000"/>
+                    <a:lumOff val="25000"/>
+                  </a:prstClr>
+                </a:solidFill>
+              </a:rPr>
+              <a:t>2013 </a:t>
+            </a:r>
+            <a:r>
+              <a:rPr lang="ko-KR" altLang="en-US" sz="1400" dirty="0">
+                <a:solidFill>
+                  <a:prstClr val="black">
+                    <a:lumMod val="75000"/>
+                    <a:lumOff val="25000"/>
+                  </a:prstClr>
+                </a:solidFill>
+              </a:rPr>
+              <a:t>버전 이상 사용자께서는 스포이트 기능을 이용하시면 </a:t>
+            </a:r>
+            <a:r>
+              <a:rPr lang="ko-KR" altLang="en-US" sz="1400" dirty="0" err="1">
+                <a:solidFill>
+                  <a:prstClr val="black">
+                    <a:lumMod val="75000"/>
+                    <a:lumOff val="25000"/>
+                  </a:prstClr>
+                </a:solidFill>
+              </a:rPr>
+              <a:t>편하구요</a:t>
+            </a:r>
+            <a:r>
+              <a:rPr lang="en-US" altLang="ko-KR" sz="1400" dirty="0">
+                <a:solidFill>
+                  <a:prstClr val="black">
+                    <a:lumMod val="75000"/>
+                    <a:lumOff val="25000"/>
+                  </a:prstClr>
+                </a:solidFill>
+              </a:rPr>
+              <a:t>.</a:t>
+            </a:r>
+          </a:p>
+          <a:p>
+            <a:pPr algn="ctr">
+              <a:lnSpc>
+                <a:spcPct val="150000"/>
+              </a:lnSpc>
+            </a:pPr>
+            <a:r>
+              <a:rPr lang="en-US" altLang="ko-KR" sz="1400" dirty="0">
+                <a:solidFill>
+                  <a:prstClr val="black">
+                    <a:lumMod val="75000"/>
+                    <a:lumOff val="25000"/>
+                  </a:prstClr>
+                </a:solidFill>
+              </a:rPr>
+              <a:t>2010 </a:t>
+            </a:r>
+            <a:r>
+              <a:rPr lang="ko-KR" altLang="en-US" sz="1400" dirty="0">
+                <a:solidFill>
+                  <a:prstClr val="black">
+                    <a:lumMod val="75000"/>
+                    <a:lumOff val="25000"/>
+                  </a:prstClr>
+                </a:solidFill>
+              </a:rPr>
+              <a:t>이하 버전 사용자 께서는 다른 채우기 색 </a:t>
+            </a:r>
+            <a:r>
+              <a:rPr lang="en-US" altLang="ko-KR" sz="1400" dirty="0">
+                <a:solidFill>
+                  <a:prstClr val="black">
+                    <a:lumMod val="75000"/>
+                    <a:lumOff val="25000"/>
+                  </a:prstClr>
+                </a:solidFill>
+              </a:rPr>
+              <a:t>&gt;</a:t>
+            </a:r>
+            <a:r>
+              <a:rPr lang="ko-KR" altLang="en-US" sz="1400" dirty="0">
+                <a:solidFill>
+                  <a:prstClr val="black">
+                    <a:lumMod val="75000"/>
+                    <a:lumOff val="25000"/>
+                  </a:prstClr>
+                </a:solidFill>
+              </a:rPr>
+              <a:t> 사용자 지정 탭 </a:t>
+            </a:r>
+            <a:r>
+              <a:rPr lang="en-US" altLang="ko-KR" sz="1400" dirty="0">
+                <a:solidFill>
+                  <a:prstClr val="black">
+                    <a:lumMod val="75000"/>
+                    <a:lumOff val="25000"/>
+                  </a:prstClr>
+                </a:solidFill>
+              </a:rPr>
+              <a:t>&gt; RGB </a:t>
+            </a:r>
+            <a:r>
+              <a:rPr lang="ko-KR" altLang="en-US" sz="1400" dirty="0">
+                <a:solidFill>
+                  <a:prstClr val="black">
+                    <a:lumMod val="75000"/>
+                    <a:lumOff val="25000"/>
+                  </a:prstClr>
+                </a:solidFill>
+              </a:rPr>
+              <a:t>색상 값 입력</a:t>
+            </a:r>
+            <a:endParaRPr lang="en-US" altLang="ko-KR" sz="1400" dirty="0">
+              <a:solidFill>
+                <a:prstClr val="black">
+                  <a:lumMod val="75000"/>
+                  <a:lumOff val="25000"/>
+                </a:prstClr>
+              </a:solidFill>
+            </a:endParaRPr>
+          </a:p>
+        </p:txBody>
+      </p:sp>
+      <p:sp>
+        <p:nvSpPr>
+          <p:cNvPr id="6" name="타원 5"/>
+          <p:cNvSpPr/>
+          <p:nvPr/>
+        </p:nvSpPr>
+        <p:spPr>
+          <a:xfrm>
+            <a:off x="7804849" y="2051510"/>
+            <a:ext cx="2537503" cy="2537503"/>
+          </a:xfrm>
+          <a:prstGeom prst="ellipse">
+            <a:avLst/>
+          </a:prstGeom>
+          <a:solidFill>
+            <a:srgbClr val="00D0AC"/>
+          </a:solidFill>
+          <a:ln>
+            <a:noFill/>
+          </a:ln>
+        </p:spPr>
+        <p:style>
+          <a:lnRef idx="2">
+            <a:schemeClr val="accent1">
+              <a:shade val="50000"/>
+            </a:schemeClr>
+          </a:lnRef>
+          <a:fillRef idx="1">
+            <a:schemeClr val="accent1"/>
+          </a:fillRef>
+          <a:effectRef idx="0">
+            <a:schemeClr val="accent1"/>
+          </a:effectRef>
+          <a:fontRef idx="minor">
+            <a:schemeClr val="lt1"/>
+          </a:fontRef>
+        </p:style>
+        <p:txBody>
+          <a:bodyPr rtlCol="0" anchor="ctr"/>
+          <a:lstStyle/>
+          <a:p>
+            <a:pPr algn="ctr">
+              <a:lnSpc>
+                <a:spcPct val="150000"/>
+              </a:lnSpc>
+            </a:pPr>
+            <a:r>
+              <a:rPr lang="en-US" altLang="ko-KR" sz="2400" b="1" dirty="0">
+                <a:solidFill>
+                  <a:prstClr val="white"/>
+                </a:solidFill>
+              </a:rPr>
+              <a:t>R 0</a:t>
+            </a:r>
+          </a:p>
+          <a:p>
+            <a:pPr algn="ctr">
+              <a:lnSpc>
+                <a:spcPct val="150000"/>
+              </a:lnSpc>
+            </a:pPr>
+            <a:r>
+              <a:rPr lang="en-US" altLang="ko-KR" sz="2400" b="1" dirty="0">
+                <a:solidFill>
+                  <a:prstClr val="white"/>
+                </a:solidFill>
+              </a:rPr>
+              <a:t>G 208</a:t>
+            </a:r>
+          </a:p>
+          <a:p>
+            <a:pPr algn="ctr">
+              <a:lnSpc>
+                <a:spcPct val="150000"/>
+              </a:lnSpc>
+            </a:pPr>
+            <a:r>
+              <a:rPr lang="en-US" altLang="ko-KR" sz="2400" b="1" dirty="0">
+                <a:solidFill>
+                  <a:prstClr val="white"/>
+                </a:solidFill>
+              </a:rPr>
+              <a:t>B 172</a:t>
+            </a:r>
+          </a:p>
+        </p:txBody>
+      </p:sp>
+      <p:sp>
+        <p:nvSpPr>
+          <p:cNvPr id="7" name="타원 6"/>
+          <p:cNvSpPr/>
+          <p:nvPr/>
+        </p:nvSpPr>
+        <p:spPr>
+          <a:xfrm>
+            <a:off x="4799979" y="2051510"/>
+            <a:ext cx="2537503" cy="2537503"/>
+          </a:xfrm>
+          <a:prstGeom prst="ellipse">
+            <a:avLst/>
+          </a:prstGeom>
+          <a:solidFill>
+            <a:srgbClr val="01A7CE"/>
+          </a:solidFill>
+          <a:ln>
+            <a:noFill/>
+          </a:ln>
+        </p:spPr>
+        <p:style>
+          <a:lnRef idx="2">
+            <a:schemeClr val="accent1">
+              <a:shade val="50000"/>
+            </a:schemeClr>
+          </a:lnRef>
+          <a:fillRef idx="1">
+            <a:schemeClr val="accent1"/>
+          </a:fillRef>
+          <a:effectRef idx="0">
+            <a:schemeClr val="accent1"/>
+          </a:effectRef>
+          <a:fontRef idx="minor">
+            <a:schemeClr val="lt1"/>
+          </a:fontRef>
+        </p:style>
+        <p:txBody>
+          <a:bodyPr rtlCol="0" anchor="ctr"/>
+          <a:lstStyle/>
+          <a:p>
+            <a:pPr algn="ctr">
+              <a:lnSpc>
+                <a:spcPct val="150000"/>
+              </a:lnSpc>
+            </a:pPr>
+            <a:r>
+              <a:rPr lang="en-US" altLang="ko-KR" sz="2400" b="1" dirty="0">
+                <a:solidFill>
+                  <a:prstClr val="white"/>
+                </a:solidFill>
+              </a:rPr>
+              <a:t>R 1</a:t>
+            </a:r>
+          </a:p>
+          <a:p>
+            <a:pPr algn="ctr">
+              <a:lnSpc>
+                <a:spcPct val="150000"/>
+              </a:lnSpc>
+            </a:pPr>
+            <a:r>
+              <a:rPr lang="en-US" altLang="ko-KR" sz="2400" b="1" dirty="0">
+                <a:solidFill>
+                  <a:prstClr val="white"/>
+                </a:solidFill>
+              </a:rPr>
+              <a:t>G 167</a:t>
+            </a:r>
+          </a:p>
+          <a:p>
+            <a:pPr algn="ctr">
+              <a:lnSpc>
+                <a:spcPct val="150000"/>
+              </a:lnSpc>
+            </a:pPr>
+            <a:r>
+              <a:rPr lang="en-US" altLang="ko-KR" sz="2400" b="1" dirty="0">
+                <a:solidFill>
+                  <a:prstClr val="white"/>
+                </a:solidFill>
+              </a:rPr>
+              <a:t>B 206</a:t>
+            </a:r>
+          </a:p>
+        </p:txBody>
+      </p:sp>
+      <p:sp>
+        <p:nvSpPr>
+          <p:cNvPr id="8" name="타원 7"/>
+          <p:cNvSpPr/>
+          <p:nvPr/>
+        </p:nvSpPr>
+        <p:spPr>
+          <a:xfrm>
+            <a:off x="1795109" y="2051510"/>
+            <a:ext cx="2537503" cy="2537503"/>
+          </a:xfrm>
+          <a:prstGeom prst="ellipse">
+            <a:avLst/>
+          </a:prstGeom>
+          <a:solidFill>
+            <a:srgbClr val="FFEAD1"/>
+          </a:solidFill>
+          <a:ln>
+            <a:noFill/>
+          </a:ln>
+        </p:spPr>
+        <p:style>
+          <a:lnRef idx="2">
+            <a:schemeClr val="accent1">
+              <a:shade val="50000"/>
+            </a:schemeClr>
+          </a:lnRef>
+          <a:fillRef idx="1">
+            <a:schemeClr val="accent1"/>
+          </a:fillRef>
+          <a:effectRef idx="0">
+            <a:schemeClr val="accent1"/>
+          </a:effectRef>
+          <a:fontRef idx="minor">
+            <a:schemeClr val="lt1"/>
+          </a:fontRef>
+        </p:style>
+        <p:txBody>
+          <a:bodyPr rtlCol="0" anchor="ctr"/>
+          <a:lstStyle/>
+          <a:p>
+            <a:pPr algn="ctr">
+              <a:lnSpc>
+                <a:spcPct val="150000"/>
+              </a:lnSpc>
+            </a:pPr>
+            <a:r>
+              <a:rPr lang="en-US" altLang="ko-KR" sz="2400" b="1" dirty="0">
+                <a:solidFill>
+                  <a:prstClr val="black">
+                    <a:lumMod val="75000"/>
+                    <a:lumOff val="25000"/>
+                  </a:prstClr>
+                </a:solidFill>
+              </a:rPr>
+              <a:t>R 255</a:t>
+            </a:r>
+          </a:p>
+          <a:p>
+            <a:pPr algn="ctr">
+              <a:lnSpc>
+                <a:spcPct val="150000"/>
+              </a:lnSpc>
+            </a:pPr>
+            <a:r>
+              <a:rPr lang="en-US" altLang="ko-KR" sz="2400" b="1" dirty="0">
+                <a:solidFill>
+                  <a:prstClr val="black">
+                    <a:lumMod val="75000"/>
+                    <a:lumOff val="25000"/>
+                  </a:prstClr>
+                </a:solidFill>
+              </a:rPr>
+              <a:t>G 234</a:t>
+            </a:r>
+          </a:p>
+          <a:p>
+            <a:pPr algn="ctr">
+              <a:lnSpc>
+                <a:spcPct val="150000"/>
+              </a:lnSpc>
+            </a:pPr>
+            <a:r>
+              <a:rPr lang="en-US" altLang="ko-KR" sz="2400" b="1" dirty="0">
+                <a:solidFill>
+                  <a:prstClr val="black">
+                    <a:lumMod val="75000"/>
+                    <a:lumOff val="25000"/>
+                  </a:prstClr>
+                </a:solidFill>
+              </a:rPr>
+              <a:t>B 209</a:t>
+            </a:r>
+          </a:p>
+        </p:txBody>
+      </p:sp>
+    </p:spTree>
+    <p:extLst>
+      <p:ext uri="{BB962C8B-B14F-4D97-AF65-F5344CB8AC3E}">
+        <p14:creationId xmlns:p14="http://schemas.microsoft.com/office/powerpoint/2010/main" val="1506371567"/>
+      </p:ext>
+    </p:extLst>
+  </p:cSld>
+  <p:clrMapOvr>
+    <a:masterClrMapping/>
+  </p:clrMapOvr>
+  <p:timing>
+    <p:tnLst>
+      <p:par>
+        <p:cTn id="1" dur="indefinite" restart="never" nodeType="tmRoot"/>
+      </p:par>
+    </p:tnLst>
+  </p:timing>
+</p:sld>
+</file>
+
+<file path=ppt/slides/slide11.xml><?xml version="1.0" encoding="utf-8"?>
+<p:sld xmlns:a="http://schemas.openxmlformats.org/drawingml/2006/main" xmlns:r="http://schemas.openxmlformats.org/officeDocument/2006/relationships" xmlns:p="http://schemas.openxmlformats.org/presentationml/2006/main">
+  <p:cSld>
+    <p:spTree>
+      <p:nvGrpSpPr>
+        <p:cNvPr id="1" name=""/>
+        <p:cNvGrpSpPr/>
+        <p:nvPr/>
+      </p:nvGrpSpPr>
+      <p:grpSpPr>
+        <a:xfrm>
+          <a:off x="0" y="0"/>
+          <a:ext cx="0" cy="0"/>
+          <a:chOff x="0" y="0"/>
+          <a:chExt cx="0" cy="0"/>
+        </a:xfrm>
+      </p:grpSpPr>
+      <p:sp>
+        <p:nvSpPr>
+          <p:cNvPr id="4" name="TextBox 3"/>
+          <p:cNvSpPr txBox="1"/>
+          <p:nvPr/>
+        </p:nvSpPr>
+        <p:spPr>
+          <a:xfrm>
+            <a:off x="254000" y="342900"/>
+            <a:ext cx="11811000" cy="6278642"/>
+          </a:xfrm>
+          <a:prstGeom prst="rect">
+            <a:avLst/>
+          </a:prstGeom>
+          <a:noFill/>
+        </p:spPr>
+        <p:txBody>
+          <a:bodyPr wrap="square" rtlCol="0">
+            <a:spAutoFit/>
+          </a:bodyPr>
+          <a:lstStyle/>
+          <a:p>
+            <a:r>
+              <a:rPr lang="ko-KR" altLang="en-US" sz="2400" b="1" dirty="0">
+                <a:solidFill>
+                  <a:srgbClr val="FF0000"/>
+                </a:solidFill>
+              </a:rPr>
+              <a:t>최근 저의 자료를 카페 등에 무단으로 </a:t>
+            </a:r>
+            <a:r>
+              <a:rPr lang="ko-KR" altLang="en-US" sz="2400" b="1" dirty="0" err="1">
+                <a:solidFill>
+                  <a:srgbClr val="FF0000"/>
+                </a:solidFill>
+              </a:rPr>
+              <a:t>재배포</a:t>
+            </a:r>
+            <a:r>
+              <a:rPr lang="ko-KR" altLang="en-US" sz="2400" b="1" dirty="0">
+                <a:solidFill>
+                  <a:srgbClr val="FF0000"/>
+                </a:solidFill>
+              </a:rPr>
+              <a:t> 하는 일이 자주 발생하고 있습니다</a:t>
+            </a:r>
+            <a:r>
+              <a:rPr lang="en-US" altLang="ko-KR" sz="2400" b="1" dirty="0">
+                <a:solidFill>
+                  <a:srgbClr val="FF0000"/>
+                </a:solidFill>
+              </a:rPr>
+              <a:t>.</a:t>
+            </a:r>
+          </a:p>
+          <a:p>
+            <a:endParaRPr lang="en-US" altLang="ko-KR" dirty="0">
+              <a:solidFill>
+                <a:prstClr val="black"/>
+              </a:solidFill>
+            </a:endParaRPr>
+          </a:p>
+          <a:p>
+            <a:r>
+              <a:rPr lang="ko-KR" altLang="en-US" dirty="0">
+                <a:solidFill>
+                  <a:prstClr val="black"/>
+                </a:solidFill>
+              </a:rPr>
+              <a:t>이에 대해 굉장히 심각한 문제로 받아 들이고 있으며</a:t>
+            </a:r>
+            <a:r>
+              <a:rPr lang="en-US" altLang="ko-KR" dirty="0">
+                <a:solidFill>
+                  <a:prstClr val="black"/>
+                </a:solidFill>
+              </a:rPr>
+              <a:t>,</a:t>
+            </a:r>
+          </a:p>
+          <a:p>
+            <a:endParaRPr lang="en-US" altLang="ko-KR" dirty="0">
+              <a:solidFill>
+                <a:prstClr val="black"/>
+              </a:solidFill>
+            </a:endParaRPr>
+          </a:p>
+          <a:p>
+            <a:r>
+              <a:rPr lang="ko-KR" altLang="en-US" dirty="0">
+                <a:solidFill>
+                  <a:prstClr val="black"/>
+                </a:solidFill>
+              </a:rPr>
+              <a:t>해당 문제가 반복될 경우</a:t>
+            </a:r>
+            <a:r>
+              <a:rPr lang="en-US" altLang="ko-KR" dirty="0">
+                <a:solidFill>
+                  <a:prstClr val="black"/>
+                </a:solidFill>
+              </a:rPr>
+              <a:t>, </a:t>
+            </a:r>
+            <a:r>
+              <a:rPr lang="ko-KR" altLang="en-US" dirty="0" err="1">
+                <a:solidFill>
+                  <a:prstClr val="black"/>
+                </a:solidFill>
+              </a:rPr>
+              <a:t>재배포한</a:t>
+            </a:r>
+            <a:r>
+              <a:rPr lang="ko-KR" altLang="en-US" dirty="0">
+                <a:solidFill>
+                  <a:prstClr val="black"/>
+                </a:solidFill>
+              </a:rPr>
+              <a:t> 자에 대해서는 그에 대한 책임을 반드시 물을 것입니다</a:t>
+            </a:r>
+            <a:r>
+              <a:rPr lang="en-US" altLang="ko-KR" dirty="0">
+                <a:solidFill>
+                  <a:prstClr val="black"/>
+                </a:solidFill>
+              </a:rPr>
+              <a:t>.</a:t>
+            </a:r>
+          </a:p>
+          <a:p>
+            <a:endParaRPr lang="en-US" altLang="ko-KR" dirty="0">
+              <a:solidFill>
+                <a:prstClr val="black"/>
+              </a:solidFill>
+            </a:endParaRPr>
+          </a:p>
+          <a:p>
+            <a:endParaRPr lang="en-US" altLang="ko-KR" dirty="0">
+              <a:solidFill>
+                <a:prstClr val="black"/>
+              </a:solidFill>
+            </a:endParaRPr>
+          </a:p>
+          <a:p>
+            <a:r>
+              <a:rPr lang="ko-KR" altLang="en-US" dirty="0">
+                <a:solidFill>
+                  <a:prstClr val="black"/>
+                </a:solidFill>
+              </a:rPr>
+              <a:t>저작권을 존중하지 않는 극히 소수의 사용자로 인해 다수가 피해를 보지 않도록 주의해 주시면 감사하겠으며</a:t>
+            </a:r>
+            <a:endParaRPr lang="en-US" altLang="ko-KR" dirty="0">
+              <a:solidFill>
+                <a:prstClr val="black"/>
+              </a:solidFill>
+            </a:endParaRPr>
+          </a:p>
+          <a:p>
+            <a:endParaRPr lang="en-US" altLang="ko-KR" dirty="0">
+              <a:solidFill>
+                <a:prstClr val="black"/>
+              </a:solidFill>
+            </a:endParaRPr>
+          </a:p>
+          <a:p>
+            <a:r>
+              <a:rPr lang="ko-KR" altLang="en-US" dirty="0">
+                <a:solidFill>
+                  <a:prstClr val="black"/>
+                </a:solidFill>
+              </a:rPr>
+              <a:t>제 자료가 업로드 된 곳이 있다면 저에게 알려주시면 감사하겠습니다</a:t>
+            </a:r>
+            <a:r>
+              <a:rPr lang="en-US" altLang="ko-KR" dirty="0">
+                <a:solidFill>
+                  <a:prstClr val="black"/>
+                </a:solidFill>
+              </a:rPr>
+              <a:t>.</a:t>
+            </a:r>
+          </a:p>
+          <a:p>
+            <a:endParaRPr lang="en-US" altLang="ko-KR" dirty="0">
+              <a:solidFill>
+                <a:prstClr val="black"/>
+              </a:solidFill>
+            </a:endParaRPr>
+          </a:p>
+          <a:p>
+            <a:endParaRPr lang="en-US" altLang="ko-KR" dirty="0">
+              <a:solidFill>
+                <a:prstClr val="black"/>
+              </a:solidFill>
+            </a:endParaRPr>
+          </a:p>
+          <a:p>
+            <a:r>
+              <a:rPr lang="ko-KR" altLang="en-US" dirty="0">
+                <a:solidFill>
+                  <a:prstClr val="black"/>
+                </a:solidFill>
+              </a:rPr>
+              <a:t>제 자료를 소개하고자 할 경우에는</a:t>
+            </a:r>
+            <a:endParaRPr lang="en-US" altLang="ko-KR" dirty="0">
+              <a:solidFill>
+                <a:prstClr val="black"/>
+              </a:solidFill>
+            </a:endParaRPr>
+          </a:p>
+          <a:p>
+            <a:endParaRPr lang="en-US" altLang="ko-KR" dirty="0">
+              <a:solidFill>
+                <a:prstClr val="black"/>
+              </a:solidFill>
+            </a:endParaRPr>
+          </a:p>
+          <a:p>
+            <a:r>
+              <a:rPr lang="en-US" altLang="ko-KR" dirty="0" err="1">
+                <a:solidFill>
+                  <a:prstClr val="black"/>
+                </a:solidFill>
+              </a:rPr>
+              <a:t>pptbizcam</a:t>
+            </a:r>
+            <a:r>
+              <a:rPr lang="en-US" altLang="ko-KR" dirty="0">
+                <a:solidFill>
+                  <a:prstClr val="black"/>
+                </a:solidFill>
+              </a:rPr>
+              <a:t> </a:t>
+            </a:r>
+            <a:r>
+              <a:rPr lang="ko-KR" altLang="en-US" dirty="0">
+                <a:solidFill>
+                  <a:prstClr val="black"/>
+                </a:solidFill>
+              </a:rPr>
+              <a:t>사이트로의 링크 처리로만 가능하며 </a:t>
+            </a:r>
+            <a:endParaRPr lang="en-US" altLang="ko-KR" dirty="0">
+              <a:solidFill>
+                <a:prstClr val="black"/>
+              </a:solidFill>
+            </a:endParaRPr>
+          </a:p>
+          <a:p>
+            <a:endParaRPr lang="en-US" altLang="ko-KR" dirty="0">
+              <a:solidFill>
+                <a:prstClr val="black"/>
+              </a:solidFill>
+            </a:endParaRPr>
+          </a:p>
+          <a:p>
+            <a:r>
+              <a:rPr lang="ko-KR" altLang="en-US" dirty="0">
+                <a:solidFill>
+                  <a:prstClr val="black"/>
+                </a:solidFill>
+              </a:rPr>
+              <a:t>파일 자체를 업로드 하는 것은 불가한 점 유의해 주시면 감사하겠습니다</a:t>
+            </a:r>
+            <a:r>
+              <a:rPr lang="en-US" altLang="ko-KR" dirty="0">
+                <a:solidFill>
+                  <a:prstClr val="black"/>
+                </a:solidFill>
+              </a:rPr>
+              <a:t>.</a:t>
+            </a:r>
+          </a:p>
+          <a:p>
+            <a:endParaRPr lang="en-US" altLang="ko-KR" dirty="0">
+              <a:solidFill>
+                <a:prstClr val="black"/>
+              </a:solidFill>
+            </a:endParaRPr>
+          </a:p>
+          <a:p>
+            <a:r>
+              <a:rPr lang="ko-KR" altLang="en-US" sz="2400" b="1" dirty="0">
+                <a:solidFill>
+                  <a:srgbClr val="FF0000"/>
+                </a:solidFill>
+              </a:rPr>
+              <a:t>홍보</a:t>
+            </a:r>
+            <a:r>
+              <a:rPr lang="en-US" altLang="ko-KR" sz="2400" b="1" dirty="0">
+                <a:solidFill>
+                  <a:srgbClr val="FF0000"/>
+                </a:solidFill>
+              </a:rPr>
+              <a:t>, </a:t>
+            </a:r>
+            <a:r>
+              <a:rPr lang="ko-KR" altLang="en-US" sz="2400" b="1" dirty="0">
+                <a:solidFill>
+                  <a:srgbClr val="FF0000"/>
+                </a:solidFill>
+              </a:rPr>
+              <a:t>경제적 이익을 취하는 행위 또한 불가합니다</a:t>
+            </a:r>
+            <a:r>
+              <a:rPr lang="en-US" altLang="ko-KR" sz="2400" b="1" dirty="0">
+                <a:solidFill>
+                  <a:srgbClr val="FF0000"/>
+                </a:solidFill>
+              </a:rPr>
+              <a:t>.</a:t>
+            </a:r>
+          </a:p>
+          <a:p>
+            <a:endParaRPr lang="en-US" altLang="ko-KR" sz="2400" b="1" dirty="0">
+              <a:solidFill>
+                <a:srgbClr val="FF0000"/>
+              </a:solidFill>
+            </a:endParaRPr>
+          </a:p>
+          <a:p>
+            <a:r>
+              <a:rPr lang="en-US" altLang="ko-KR" sz="2000" b="1" dirty="0">
+                <a:solidFill>
+                  <a:srgbClr val="4472C4">
+                    <a:lumMod val="75000"/>
+                  </a:srgbClr>
+                </a:solidFill>
+              </a:rPr>
+              <a:t>※</a:t>
+            </a:r>
+            <a:r>
+              <a:rPr lang="ko-KR" altLang="en-US" sz="2000" b="1" dirty="0">
+                <a:solidFill>
+                  <a:srgbClr val="4472C4">
+                    <a:lumMod val="75000"/>
+                  </a:srgbClr>
+                </a:solidFill>
+              </a:rPr>
+              <a:t>기타 활용 가능 범위는 공유 사이트 </a:t>
+            </a:r>
+            <a:r>
+              <a:rPr lang="en-US" altLang="ko-KR" sz="2000" b="1" dirty="0">
+                <a:solidFill>
+                  <a:srgbClr val="4472C4">
+                    <a:lumMod val="75000"/>
+                  </a:srgbClr>
+                </a:solidFill>
+              </a:rPr>
+              <a:t>-&gt; </a:t>
+            </a:r>
+            <a:r>
+              <a:rPr lang="ko-KR" altLang="en-US" sz="2000" b="1" dirty="0" err="1">
+                <a:solidFill>
+                  <a:srgbClr val="4472C4">
+                    <a:lumMod val="75000"/>
+                  </a:srgbClr>
+                </a:solidFill>
+              </a:rPr>
+              <a:t>수다방</a:t>
+            </a:r>
+            <a:r>
+              <a:rPr lang="ko-KR" altLang="en-US" sz="2000" b="1" dirty="0">
+                <a:solidFill>
+                  <a:srgbClr val="4472C4">
+                    <a:lumMod val="75000"/>
+                  </a:srgbClr>
+                </a:solidFill>
+              </a:rPr>
+              <a:t> 게시판 공지사항 참고</a:t>
+            </a:r>
+            <a:endParaRPr lang="en-US" altLang="ko-KR" sz="2000" b="1" dirty="0">
+              <a:solidFill>
+                <a:srgbClr val="4472C4">
+                  <a:lumMod val="75000"/>
+                </a:srgbClr>
+              </a:solidFill>
+            </a:endParaRPr>
+          </a:p>
+        </p:txBody>
+      </p:sp>
+    </p:spTree>
+    <p:extLst>
+      <p:ext uri="{BB962C8B-B14F-4D97-AF65-F5344CB8AC3E}">
+        <p14:creationId xmlns:p14="http://schemas.microsoft.com/office/powerpoint/2010/main" val="3123200241"/>
+      </p:ext>
+    </p:extLst>
+  </p:cSld>
+  <p:clrMapOvr>
+    <a:masterClrMapping/>
+  </p:clrMapOvr>
+  <p:timing>
+    <p:tnLst>
+      <p:par>
+        <p:cTn id="1" dur="indefinite" restart="never" nodeType="tmRoot"/>
+      </p:par>
+    </p:tnLst>
+  </p:timing>
+</p:sld>
+</file>
+
 <file path=ppt/slides/slide2.xml><?xml version="1.0" encoding="utf-8"?>
 <p:sld xmlns:a="http://schemas.openxmlformats.org/drawingml/2006/main" xmlns:r="http://schemas.openxmlformats.org/officeDocument/2006/relationships" xmlns:p="http://schemas.openxmlformats.org/presentationml/2006/main">
   <p:cSld>
@@ -7804,7 +8737,7 @@
               </a:pPr>
               <a:r>
                 <a:rPr lang="en-US" altLang="ko-KR" sz="1600" b="1" smtClean="0"/>
-                <a:t>2021</a:t>
+                <a:t> 2021</a:t>
               </a:r>
               <a:r>
                 <a:rPr lang="ko-KR" altLang="en-US" sz="1600" b="1" smtClean="0"/>
@@ -7820,11 +8753,7 @@
               </a:r>
               <a:r>
                 <a:rPr lang="ko-KR" altLang="en-US" sz="1600" b="1"/>
-                <a:t>부동산정보만 확인하고 계약할 의사가 </a:t>
-              </a:r>
-              <a:r>
-                <a:rPr lang="ko-KR" altLang="en-US" sz="1600" b="1"/>
-                <a:t>있다는 </a:t>
+                <a:t>부동산정보만 확인하고 계약할 의사가 있다는 </a:t>
               </a:r>
               <a:r>
                 <a:rPr lang="ko-KR" altLang="en-US" sz="1600" b="1" smtClean="0"/>
@@ -7836,11 +8765,7 @@
               </a:r>
               <a:r>
                 <a:rPr lang="ko-KR" altLang="en-US" sz="1600" b="1"/>
-                <a:t>를 </a:t>
-              </a:r>
-              <a:r>
-                <a:rPr lang="ko-KR" altLang="en-US" sz="1600" b="1"/>
-                <a:t>넘겼다</a:t>
+                <a:t>를 넘겼다</a:t>
               </a:r>
               <a:r>
                 <a:rPr lang="en-US" altLang="ko-KR" sz="1600" b="1" smtClean="0"/>
@@ -7860,6 +8785,10 @@
               <a:br>
                 <a:rPr lang="ko-KR" altLang="en-US" sz="1600"/>
               </a:br>
+              <a:r>
+                <a:rPr lang="ko-KR" altLang="en-US" sz="1600" smtClean="0"/>
+                <a:t> </a:t>
+              </a:r>
               <a:r>
                 <a:rPr lang="ko-KR" altLang="en-US" sz="1600" b="1" smtClean="0"/>
                 <a:t>또한</a:t>
@@ -7963,7 +8892,7 @@
           <a:prstGeom prst="line">
             <a:avLst/>
           </a:prstGeom>
-          <a:ln>
+          <a:ln w="19050">
             <a:solidFill>
               <a:srgbClr val="FF0000"/>
             </a:solidFill>
@@ -7992,8 +8921,8 @@
         </p:nvSpPr>
         <p:spPr>
           <a:xfrm>
-            <a:off x="438379" y="5817671"/>
-            <a:ext cx="6301783" cy="481029"/>
+            <a:off x="438379" y="5817670"/>
+            <a:ext cx="5123435" cy="300325"/>
           </a:xfrm>
           <a:prstGeom prst="rect">
             <a:avLst/>
@@ -8011,7 +8940,11 @@
               </a:lnSpc>
             </a:pPr>
             <a:r>
-              <a:rPr lang="ko-KR" altLang="en-US" sz="900"/>
+              <a:rPr lang="en-US" altLang="ko-KR" sz="900" smtClean="0"/>
+              <a:t>* </a:t>
+            </a:r>
+            <a:r>
+              <a:rPr lang="ko-KR" altLang="en-US" sz="900" smtClean="0"/>
               <a:t>모바일 </a:t>
             </a:r>
             <a:r>
@@ -8044,13 +8977,10 @@
             </a:r>
             <a:r>
               <a:rPr lang="ko-KR" altLang="en-US" sz="900"/>
-              <a:t/>
-            </a:r>
-            <a:br>
-              <a:rPr lang="ko-KR" altLang="en-US" sz="900"/>
-            </a:br>
-            <a:r>
-              <a:rPr lang="ko-KR" altLang="en-US" sz="900"/>
+              <a:t> </a:t>
+            </a:r>
+            <a:r>
+              <a:rPr lang="ko-KR" altLang="en-US" sz="900" smtClean="0"/>
               <a:t>출처 </a:t>
             </a:r>
             <a:r>
@@ -9081,14 +10011,14 @@
       </p:sp>
       <p:sp>
         <p:nvSpPr>
-          <p:cNvPr id="57" name="직사각형 56"/>
+          <p:cNvPr id="70" name="직사각형 69"/>
           <p:cNvSpPr/>
           <p:nvPr/>
         </p:nvSpPr>
         <p:spPr>
           <a:xfrm>
-            <a:off x="1061286" y="3963171"/>
-            <a:ext cx="2404096" cy="1338828"/>
+            <a:off x="7210647" y="1618012"/>
+            <a:ext cx="4523841" cy="3416320"/>
           </a:xfrm>
           <a:prstGeom prst="rect">
             <a:avLst/>
@@ -9100,51 +10030,138 @@
           </a:bodyPr>
           <a:lstStyle/>
           <a:p>
-            <a:pPr marL="90488" algn="ctr">
-              <a:lnSpc>
-                <a:spcPct val="150000"/>
-              </a:lnSpc>
-            </a:pPr>
-            <a:r>
-              <a:rPr lang="en-US" altLang="ko-KR" b="1" u="sng" dirty="0">
-                <a:solidFill>
-                  <a:srgbClr val="44546A">
-                    <a:lumMod val="50000"/>
-                  </a:srgbClr>
-                </a:solidFill>
-              </a:rPr>
-              <a:t>STEP. 1</a:t>
-            </a:r>
-          </a:p>
-          <a:p>
-            <a:pPr marL="90488" algn="ctr">
-              <a:lnSpc>
-                <a:spcPct val="150000"/>
-              </a:lnSpc>
-            </a:pPr>
-            <a:r>
-              <a:rPr lang="en-US" altLang="ko-KR" sz="1200" dirty="0">
-                <a:solidFill>
-                  <a:srgbClr val="44546A">
-                    <a:lumMod val="50000"/>
-                  </a:srgbClr>
-                </a:solidFill>
-              </a:rPr>
-              <a:t>PowerPoint is a computer program created by Microsoft Office</a:t>
-            </a:r>
+            <a:pPr fontAlgn="base"/>
+            <a:r>
+              <a:rPr lang="ko-KR" altLang="en-US" b="1" smtClean="0"/>
+              <a:t> 요컨대 온라인 </a:t>
+            </a:r>
+            <a:r>
+              <a:rPr lang="ko-KR" altLang="en-US" b="1"/>
+              <a:t>서비스가 늘어나는 추세에서 소비자가 </a:t>
+            </a:r>
+            <a:r>
+              <a:rPr lang="en-US" altLang="ko-KR" b="1"/>
+              <a:t>VR</a:t>
+            </a:r>
+            <a:r>
+              <a:rPr lang="ko-KR" altLang="en-US" b="1"/>
+              <a:t>을 통해 직접 방을 구경하고 둘러보면서 하자 부분을 찾도록 하고</a:t>
+            </a:r>
+            <a:r>
+              <a:rPr lang="en-US" altLang="ko-KR" b="1"/>
+              <a:t>, </a:t>
+            </a:r>
+            <a:r>
+              <a:rPr lang="ko-KR" altLang="en-US" b="1"/>
+              <a:t>계약과 관련된 퀴즈를 풀면서 소비자가 방을 구할 때 필요한 지식을 교육하는 것이 본 시뮬레이터의 목적이다</a:t>
+            </a:r>
+            <a:r>
+              <a:rPr lang="en-US" altLang="ko-KR" b="1"/>
+              <a:t>. </a:t>
+            </a:r>
+            <a:endParaRPr lang="en-US" altLang="ko-KR" b="1" smtClean="0"/>
+          </a:p>
+          <a:p>
+            <a:pPr fontAlgn="base"/>
+            <a:endParaRPr lang="en-US" altLang="ko-KR" b="1"/>
+          </a:p>
+          <a:p>
+            <a:pPr fontAlgn="base"/>
+            <a:r>
+              <a:rPr lang="ko-KR" altLang="en-US" b="1" smtClean="0"/>
+              <a:t> 이를 통해 </a:t>
+            </a:r>
+            <a:r>
+              <a:rPr lang="ko-KR" altLang="en-US" b="1"/>
+              <a:t>직접 자취방을 구하러 갔을 </a:t>
+            </a:r>
+            <a:r>
+              <a:rPr lang="ko-KR" altLang="en-US" b="1"/>
+              <a:t>때 </a:t>
+            </a:r>
+            <a:r>
+              <a:rPr lang="ko-KR" altLang="en-US" b="1" smtClean="0"/>
+              <a:t>확인해야 하는 방의 핵심 부분과 계약 사항 등 사전에 </a:t>
+            </a:r>
+            <a:r>
+              <a:rPr lang="ko-KR" altLang="en-US" b="1"/>
+              <a:t>교육하여 </a:t>
+            </a:r>
+            <a:r>
+              <a:rPr lang="ko-KR" altLang="en-US" b="1" smtClean="0"/>
+              <a:t>자취 </a:t>
+            </a:r>
+            <a:r>
+              <a:rPr lang="ko-KR" altLang="en-US" b="1"/>
+              <a:t>시 생길 수 있는 피해들을 최소화하고 </a:t>
+            </a:r>
+            <a:r>
+              <a:rPr lang="ko-KR" altLang="en-US" b="1"/>
+              <a:t>방지하고자 </a:t>
+            </a:r>
+            <a:r>
+              <a:rPr lang="ko-KR" altLang="en-US" b="1" smtClean="0"/>
+              <a:t>하는 효과를 기대할 수 있다</a:t>
+            </a:r>
+            <a:r>
+              <a:rPr lang="en-US" altLang="ko-KR" b="1" smtClean="0"/>
+              <a:t>.</a:t>
+            </a:r>
+            <a:endParaRPr lang="ko-KR" altLang="en-US" b="1"/>
           </a:p>
         </p:txBody>
       </p:sp>
+      <p:pic>
+        <p:nvPicPr>
+          <p:cNvPr id="1026" name="Picture 2" descr="자취방 인테리어 가상으로 꾸미기 / 무료 사이트 : 네이버 블로그"/>
+          <p:cNvPicPr>
+            <a:picLocks noChangeAspect="1" noChangeArrowheads="1"/>
+          </p:cNvPicPr>
+          <p:nvPr/>
+        </p:nvPicPr>
+        <p:blipFill>
+          <a:blip r:embed="rId2">
+            <a:extLst>
+              <a:ext uri="{28A0092B-C50C-407E-A947-70E740481C1C}">
+                <a14:useLocalDpi xmlns:a14="http://schemas.microsoft.com/office/drawing/2010/main" val="0"/>
+              </a:ext>
+            </a:extLst>
+          </a:blip>
+          <a:srcRect/>
+          <a:stretch>
+            <a:fillRect/>
+          </a:stretch>
+        </p:blipFill>
+        <p:spPr bwMode="auto">
+          <a:xfrm>
+            <a:off x="438380" y="1470581"/>
+            <a:ext cx="6113249" cy="3525626"/>
+          </a:xfrm>
+          <a:prstGeom prst="rect">
+            <a:avLst/>
+          </a:prstGeom>
+          <a:noFill/>
+          <a:extLst>
+            <a:ext uri="{909E8E84-426E-40DD-AFC4-6F175D3DCCD1}">
+              <a14:hiddenFill xmlns:a14="http://schemas.microsoft.com/office/drawing/2010/main">
+                <a:solidFill>
+                  <a:srgbClr val="FFFFFF"/>
+                </a:solidFill>
+              </a14:hiddenFill>
+            </a:ext>
+          </a:extLst>
+        </p:spPr>
+      </p:pic>
       <p:sp>
         <p:nvSpPr>
-          <p:cNvPr id="70" name="직사각형 69"/>
+          <p:cNvPr id="13" name="직사각형 12"/>
           <p:cNvSpPr/>
           <p:nvPr/>
         </p:nvSpPr>
         <p:spPr>
           <a:xfrm>
-            <a:off x="1232051" y="1446464"/>
-            <a:ext cx="2233331" cy="1338828"/>
+            <a:off x="438379" y="5817670"/>
+            <a:ext cx="5472228" cy="507831"/>
           </a:xfrm>
           <a:prstGeom prst="rect">
             <a:avLst/>
@@ -9156,98 +10173,101 @@
           </a:bodyPr>
           <a:lstStyle/>
           <a:p>
-            <a:pPr marL="90488" algn="ctr">
+            <a:pPr>
               <a:lnSpc>
                 <a:spcPct val="150000"/>
               </a:lnSpc>
             </a:pPr>
             <a:r>
-              <a:rPr lang="en-US" altLang="ko-KR" b="1" u="sng" dirty="0">
-                <a:solidFill>
-                  <a:srgbClr val="44546A">
-                    <a:lumMod val="50000"/>
-                  </a:srgbClr>
-                </a:solidFill>
-              </a:rPr>
-              <a:t>STEP. 1</a:t>
-            </a:r>
-          </a:p>
-          <a:p>
-            <a:pPr marL="90488" algn="ctr">
-              <a:lnSpc>
-                <a:spcPct val="150000"/>
-              </a:lnSpc>
-            </a:pPr>
-            <a:r>
-              <a:rPr lang="en-US" altLang="ko-KR" sz="1200" dirty="0">
-                <a:solidFill>
-                  <a:srgbClr val="44546A">
-                    <a:lumMod val="50000"/>
-                  </a:srgbClr>
-                </a:solidFill>
-              </a:rPr>
-              <a:t>PowerPoint is a computer program created by Microsoft Office</a:t>
-            </a:r>
+              <a:rPr lang="en-US" altLang="ko-KR" sz="900" smtClean="0"/>
+              <a:t>* </a:t>
+            </a:r>
+            <a:r>
+              <a:rPr lang="ko-KR" altLang="en-US" sz="900" smtClean="0"/>
+              <a:t>자취방 인테리어 가상으로 꾸미기 </a:t>
+            </a:r>
+            <a:r>
+              <a:rPr lang="en-US" altLang="ko-KR" sz="900" smtClean="0"/>
+              <a:t>/ </a:t>
+            </a:r>
+            <a:r>
+              <a:rPr lang="ko-KR" altLang="en-US" sz="900" smtClean="0"/>
+              <a:t>무료 사이트 출처 </a:t>
+            </a:r>
+            <a:r>
+              <a:rPr lang="en-US" altLang="ko-KR" sz="900"/>
+              <a:t>: </a:t>
+            </a:r>
+            <a:r>
+              <a:rPr lang="ko-KR" altLang="en-US" sz="900" smtClean="0"/>
+              <a:t>네이버 블로그 이삭디자인 </a:t>
+            </a:r>
+            <a:r>
+              <a:rPr lang="en-US" altLang="ko-KR" sz="900" smtClean="0"/>
+              <a:t>(</a:t>
+            </a:r>
+            <a:r>
+              <a:rPr lang="en-US" altLang="ko-KR" sz="900" smtClean="0"/>
+              <a:t>https</a:t>
+            </a:r>
+            <a:r>
+              <a:rPr lang="en-US" altLang="ko-KR" sz="900"/>
+              <a:t>://</a:t>
+            </a:r>
+            <a:r>
+              <a:rPr lang="en-US" altLang="ko-KR" sz="900" smtClean="0"/>
+              <a:t>m.blog.naver.com/ghktghkt1/22185742394</a:t>
+            </a:r>
+            <a:r>
+              <a:rPr lang="en-US" altLang="ko-KR" sz="900"/>
+              <a:t>)</a:t>
+            </a:r>
+            <a:endParaRPr lang="ko-KR" altLang="en-US" sz="900" dirty="0">
+              <a:solidFill>
+                <a:prstClr val="black">
+                  <a:lumMod val="75000"/>
+                  <a:lumOff val="25000"/>
+                </a:prstClr>
+              </a:solidFill>
+            </a:endParaRPr>
           </a:p>
         </p:txBody>
       </p:sp>
-      <p:sp>
-        <p:nvSpPr>
-          <p:cNvPr id="72" name="직사각형 71"/>
-          <p:cNvSpPr/>
+      <p:cxnSp>
+        <p:nvCxnSpPr>
+          <p:cNvPr id="14" name="직선 연결선 13"/>
+          <p:cNvCxnSpPr/>
           <p:nvPr/>
-        </p:nvSpPr>
+        </p:nvCxnSpPr>
         <p:spPr>
           <a:xfrm>
-            <a:off x="1158495" y="2785292"/>
-            <a:ext cx="2393402" cy="946413"/>
+            <a:off x="7060676" y="1062051"/>
+            <a:ext cx="0" cy="4680000"/>
           </a:xfrm>
-          <a:prstGeom prst="rect">
+          <a:prstGeom prst="line">
             <a:avLst/>
           </a:prstGeom>
+          <a:ln w="19050">
+            <a:solidFill>
+              <a:srgbClr val="FF0000"/>
+            </a:solidFill>
+          </a:ln>
         </p:spPr>
-        <p:txBody>
-          <a:bodyPr wrap="square">
-            <a:spAutoFit/>
-          </a:bodyPr>
-          <a:lstStyle/>
-          <a:p>
-            <a:pPr algn="ctr">
-              <a:lnSpc>
-                <a:spcPct val="150000"/>
-              </a:lnSpc>
-            </a:pPr>
-            <a:r>
-              <a:rPr lang="en-US" altLang="ko-KR" sz="3200" b="1" i="1" dirty="0">
-                <a:solidFill>
-                  <a:srgbClr val="313745"/>
-                </a:solidFill>
-              </a:rPr>
-              <a:t>CONTENTS</a:t>
-            </a:r>
-          </a:p>
-          <a:p>
-            <a:pPr algn="ctr">
-              <a:lnSpc>
-                <a:spcPct val="150000"/>
-              </a:lnSpc>
-            </a:pPr>
-            <a:r>
-              <a:rPr lang="en-US" altLang="ko-KR" sz="500" dirty="0">
-                <a:solidFill>
-                  <a:srgbClr val="313745"/>
-                </a:solidFill>
-              </a:rPr>
-              <a:t>Enjoy your stylish business and campus life with BIZCAM</a:t>
-            </a:r>
-            <a:endParaRPr lang="ko-KR" altLang="en-US" sz="1400" dirty="0">
-              <a:solidFill>
-                <a:srgbClr val="313745"/>
-              </a:solidFill>
-            </a:endParaRPr>
-          </a:p>
-        </p:txBody>
-      </p:sp>
+        <p:style>
+          <a:lnRef idx="1">
+            <a:schemeClr val="accent1"/>
+          </a:lnRef>
+          <a:fillRef idx="0">
+            <a:schemeClr val="accent1"/>
+          </a:fillRef>
+          <a:effectRef idx="0">
+            <a:schemeClr val="accent1"/>
+          </a:effectRef>
+          <a:fontRef idx="minor">
+            <a:schemeClr val="tx1"/>
+          </a:fontRef>
+        </p:style>
+      </p:cxnSp>
     </p:spTree>
     <p:extLst>
       <p:ext uri="{BB962C8B-B14F-4D97-AF65-F5344CB8AC3E}">
@@ -9404,28 +10424,44 @@
               <a:defRPr/>
             </a:pPr>
             <a:r>
-              <a:rPr lang="en-US" altLang="ko-KR" sz="2800" b="1" i="1" kern="0" dirty="0">
+              <a:rPr lang="en-US" altLang="ko-KR" sz="2800" b="1" i="1" kern="0" smtClean="0">
                 <a:solidFill>
                   <a:prstClr val="white"/>
                 </a:solidFill>
               </a:rPr>
-              <a:t>PPT PRESENTATION </a:t>
-            </a:r>
-            <a:r>
-              <a:rPr lang="en-US" altLang="ko-KR" sz="800" kern="0" dirty="0">
+              <a:t>2. </a:t>
+            </a:r>
+            <a:r>
+              <a:rPr lang="ko-KR" altLang="en-US" sz="2800" b="1" i="1" kern="0" smtClean="0">
                 <a:solidFill>
                   <a:prstClr val="white"/>
                 </a:solidFill>
               </a:rPr>
-              <a:t>Enjoy your stylish business and campus life with BIZCAM</a:t>
-            </a:r>
-            <a:r>
-              <a:rPr lang="en-US" altLang="ko-KR" sz="800" i="1" kern="0" dirty="0">
+              <a:t>프로젝트 내용 </a:t>
+            </a:r>
+            <a:r>
+              <a:rPr lang="en-US" altLang="ko-KR" sz="2800" b="1" i="1" kern="0">
                 <a:solidFill>
                   <a:prstClr val="white"/>
                 </a:solidFill>
               </a:rPr>
+              <a:t>-</a:t>
+            </a:r>
+            <a:r>
+              <a:rPr lang="en-US" altLang="ko-KR" sz="2800" b="1" i="1" kern="0" smtClean="0">
+                <a:solidFill>
+                  <a:prstClr val="white"/>
+                </a:solidFill>
+              </a:rPr>
               <a:t> </a:t>
+            </a:r>
+            <a:r>
+              <a:rPr lang="ko-KR" altLang="en-US" sz="2800" b="1" i="1" kern="0" smtClean="0">
+                <a:solidFill>
+                  <a:prstClr val="white"/>
+                </a:solidFill>
+              </a:rPr>
+              <a:t>실제 방 사진</a:t>
             </a:r>
             <a:endParaRPr lang="en-US" altLang="ko-KR" sz="1400" i="1" kern="0" dirty="0">
               <a:solidFill>
@@ -10241,27 +11277,450 @@
       </p:sp>
       <p:sp>
         <p:nvSpPr>
-          <p:cNvPr id="30" name="직사각형 29"/>
+          <p:cNvPr id="40" name="직사각형 39">
+            <a:extLst>
+              <a:ext uri="{FF2B5EF4-FFF2-40B4-BE49-F238E27FC236}">
+                <a16:creationId xmlns:a16="http://schemas.microsoft.com/office/drawing/2014/main" id="{3FA00699-5178-465A-9F3F-130CF1431F70}"/>
+              </a:ext>
+            </a:extLst>
+          </p:cNvPr>
           <p:cNvSpPr/>
           <p:nvPr/>
         </p:nvSpPr>
         <p:spPr>
           <a:xfrm>
-            <a:off x="1206227" y="2283283"/>
-            <a:ext cx="5400000" cy="393700"/>
+            <a:off x="490297" y="5061520"/>
+            <a:ext cx="3950459" cy="373885"/>
+          </a:xfrm>
+          <a:prstGeom prst="rect">
+            <a:avLst/>
+          </a:prstGeom>
+        </p:spPr>
+        <p:txBody>
+          <a:bodyPr wrap="square">
+            <a:spAutoFit/>
+          </a:bodyPr>
+          <a:lstStyle/>
+          <a:p>
+            <a:pPr>
+              <a:lnSpc>
+                <a:spcPct val="150000"/>
+              </a:lnSpc>
+            </a:pPr>
+            <a:r>
+              <a:rPr lang="en-US" altLang="ko-KR" sz="1400" b="1" smtClean="0">
+                <a:solidFill>
+                  <a:srgbClr val="44546A">
+                    <a:lumMod val="75000"/>
+                  </a:srgbClr>
+                </a:solidFill>
+              </a:rPr>
+              <a:t>* 360</a:t>
+            </a:r>
+            <a:r>
+              <a:rPr lang="ko-KR" altLang="en-US" sz="1400" b="1" smtClean="0">
+                <a:solidFill>
+                  <a:srgbClr val="44546A">
+                    <a:lumMod val="75000"/>
+                  </a:srgbClr>
+                </a:solidFill>
+              </a:rPr>
+              <a:t>도 카메라를 통해 촬영한 실제 방의 모습</a:t>
+            </a:r>
+            <a:endParaRPr lang="ko-KR" altLang="en-US" sz="1000" dirty="0">
+              <a:solidFill>
+                <a:prstClr val="black">
+                  <a:lumMod val="65000"/>
+                  <a:lumOff val="35000"/>
+                </a:prstClr>
+              </a:solidFill>
+            </a:endParaRPr>
+          </a:p>
+        </p:txBody>
+      </p:sp>
+      <p:sp>
+        <p:nvSpPr>
+          <p:cNvPr id="47" name="직사각형 46">
+            <a:extLst>
+              <a:ext uri="{FF2B5EF4-FFF2-40B4-BE49-F238E27FC236}">
+                <a16:creationId xmlns:a16="http://schemas.microsoft.com/office/drawing/2014/main" id="{3FA00699-5178-465A-9F3F-130CF1431F70}"/>
+              </a:ext>
+            </a:extLst>
+          </p:cNvPr>
+          <p:cNvSpPr/>
+          <p:nvPr/>
+        </p:nvSpPr>
+        <p:spPr>
+          <a:xfrm>
+            <a:off x="6273997" y="5068611"/>
+            <a:ext cx="4469818" cy="415498"/>
+          </a:xfrm>
+          <a:prstGeom prst="rect">
+            <a:avLst/>
+          </a:prstGeom>
+        </p:spPr>
+        <p:txBody>
+          <a:bodyPr wrap="square">
+            <a:spAutoFit/>
+          </a:bodyPr>
+          <a:lstStyle/>
+          <a:p>
+            <a:pPr>
+              <a:lnSpc>
+                <a:spcPct val="150000"/>
+              </a:lnSpc>
+            </a:pPr>
+            <a:r>
+              <a:rPr lang="en-US" altLang="ko-KR" sz="1400" b="1">
+                <a:solidFill>
+                  <a:srgbClr val="44546A">
+                    <a:lumMod val="75000"/>
+                  </a:srgbClr>
+                </a:solidFill>
+              </a:rPr>
+              <a:t>* 360</a:t>
+            </a:r>
+            <a:r>
+              <a:rPr lang="ko-KR" altLang="en-US" sz="1400" b="1">
+                <a:solidFill>
+                  <a:srgbClr val="44546A">
+                    <a:lumMod val="75000"/>
+                  </a:srgbClr>
+                </a:solidFill>
+              </a:rPr>
+              <a:t>도 카메라를 통해 촬영한 </a:t>
+            </a:r>
+            <a:r>
+              <a:rPr lang="ko-KR" altLang="en-US" sz="1400" b="1">
+                <a:solidFill>
+                  <a:srgbClr val="44546A">
+                    <a:lumMod val="75000"/>
+                  </a:srgbClr>
+                </a:solidFill>
+              </a:rPr>
+              <a:t>실제 </a:t>
+            </a:r>
+            <a:r>
+              <a:rPr lang="ko-KR" altLang="en-US" sz="1400" b="1" smtClean="0">
+                <a:solidFill>
+                  <a:srgbClr val="44546A">
+                    <a:lumMod val="75000"/>
+                  </a:srgbClr>
+                </a:solidFill>
+              </a:rPr>
+              <a:t>화장실의 </a:t>
+            </a:r>
+            <a:r>
+              <a:rPr lang="ko-KR" altLang="en-US" sz="1400" b="1">
+                <a:solidFill>
+                  <a:srgbClr val="44546A">
+                    <a:lumMod val="75000"/>
+                  </a:srgbClr>
+                </a:solidFill>
+              </a:rPr>
+              <a:t>모습</a:t>
+            </a:r>
+            <a:endParaRPr lang="ko-KR" altLang="en-US" sz="1000" dirty="0">
+              <a:solidFill>
+                <a:prstClr val="black">
+                  <a:lumMod val="65000"/>
+                  <a:lumOff val="35000"/>
+                </a:prstClr>
+              </a:solidFill>
+            </a:endParaRPr>
+          </a:p>
+        </p:txBody>
+      </p:sp>
+      <p:pic>
+        <p:nvPicPr>
+          <p:cNvPr id="2" name="그림 1"/>
+          <p:cNvPicPr>
+            <a:picLocks noChangeAspect="1"/>
+          </p:cNvPicPr>
+          <p:nvPr/>
+        </p:nvPicPr>
+        <p:blipFill>
+          <a:blip r:embed="rId2">
+            <a:extLst>
+              <a:ext uri="{28A0092B-C50C-407E-A947-70E740481C1C}">
+                <a14:useLocalDpi xmlns:a14="http://schemas.microsoft.com/office/drawing/2010/main" val="0"/>
+              </a:ext>
+            </a:extLst>
+          </a:blip>
+          <a:stretch>
+            <a:fillRect/>
+          </a:stretch>
+        </p:blipFill>
+        <p:spPr>
+          <a:xfrm>
+            <a:off x="6374079" y="1519622"/>
+            <a:ext cx="5267195" cy="3464504"/>
+          </a:xfrm>
+          <a:prstGeom prst="rect">
+            <a:avLst/>
+          </a:prstGeom>
+        </p:spPr>
+      </p:pic>
+      <p:pic>
+        <p:nvPicPr>
+          <p:cNvPr id="3" name="그림 2"/>
+          <p:cNvPicPr>
+            <a:picLocks noChangeAspect="1"/>
+          </p:cNvPicPr>
+          <p:nvPr/>
+        </p:nvPicPr>
+        <p:blipFill>
+          <a:blip r:embed="rId3">
+            <a:extLst>
+              <a:ext uri="{28A0092B-C50C-407E-A947-70E740481C1C}">
+                <a14:useLocalDpi xmlns:a14="http://schemas.microsoft.com/office/drawing/2010/main" val="0"/>
+              </a:ext>
+            </a:extLst>
+          </a:blip>
+          <a:stretch>
+            <a:fillRect/>
+          </a:stretch>
+        </p:blipFill>
+        <p:spPr>
+          <a:xfrm>
+            <a:off x="565711" y="1519622"/>
+            <a:ext cx="5267195" cy="3464504"/>
+          </a:xfrm>
+          <a:prstGeom prst="rect">
+            <a:avLst/>
+          </a:prstGeom>
+        </p:spPr>
+      </p:pic>
+    </p:spTree>
+    <p:extLst>
+      <p:ext uri="{BB962C8B-B14F-4D97-AF65-F5344CB8AC3E}">
+        <p14:creationId xmlns:p14="http://schemas.microsoft.com/office/powerpoint/2010/main" val="2714526069"/>
+      </p:ext>
+    </p:extLst>
+  </p:cSld>
+  <p:clrMapOvr>
+    <a:masterClrMapping/>
+  </p:clrMapOvr>
+  <p:timing>
+    <p:tnLst>
+      <p:par>
+        <p:cTn id="1" dur="indefinite" restart="never" nodeType="tmRoot"/>
+      </p:par>
+    </p:tnLst>
+  </p:timing>
+</p:sld>
+</file>
+
+<file path=ppt/slides/slide6.xml><?xml version="1.0" encoding="utf-8"?>
+<p:sld xmlns:a="http://schemas.openxmlformats.org/drawingml/2006/main" xmlns:r="http://schemas.openxmlformats.org/officeDocument/2006/relationships" xmlns:p="http://schemas.openxmlformats.org/presentationml/2006/main">
+  <p:cSld>
+    <p:bg>
+      <p:bgPr>
+        <a:solidFill>
+          <a:srgbClr val="FFEAD1"/>
+        </a:solidFill>
+        <a:effectLst/>
+      </p:bgPr>
+    </p:bg>
+    <p:spTree>
+      <p:nvGrpSpPr>
+        <p:cNvPr id="1" name=""/>
+        <p:cNvGrpSpPr/>
+        <p:nvPr/>
+      </p:nvGrpSpPr>
+      <p:grpSpPr>
+        <a:xfrm>
+          <a:off x="0" y="0"/>
+          <a:ext cx="0" cy="0"/>
+          <a:chOff x="0" y="0"/>
+          <a:chExt cx="0" cy="0"/>
+        </a:xfrm>
+      </p:grpSpPr>
+      <p:sp>
+        <p:nvSpPr>
+          <p:cNvPr id="5" name="양쪽 모서리가 둥근 사각형 4"/>
+          <p:cNvSpPr/>
+          <p:nvPr/>
+        </p:nvSpPr>
+        <p:spPr>
+          <a:xfrm>
+            <a:off x="274458" y="348343"/>
+            <a:ext cx="11664000" cy="6509657"/>
+          </a:xfrm>
+          <a:prstGeom prst="round2SameRect">
+            <a:avLst>
+              <a:gd name="adj1" fmla="val 5233"/>
+              <a:gd name="adj2" fmla="val 0"/>
+            </a:avLst>
+          </a:prstGeom>
+          <a:solidFill>
+            <a:schemeClr val="tx1">
+              <a:lumMod val="75000"/>
+              <a:lumOff val="25000"/>
+            </a:schemeClr>
+          </a:solidFill>
+          <a:ln>
+            <a:noFill/>
+          </a:ln>
+          <a:effectLst>
+            <a:outerShdw dist="38100" algn="l" rotWithShape="0">
+              <a:prstClr val="black">
+                <a:alpha val="40000"/>
+              </a:prstClr>
+            </a:outerShdw>
+          </a:effectLst>
+        </p:spPr>
+        <p:style>
+          <a:lnRef idx="2">
+            <a:schemeClr val="accent1">
+              <a:shade val="50000"/>
+            </a:schemeClr>
+          </a:lnRef>
+          <a:fillRef idx="1">
+            <a:schemeClr val="accent1"/>
+          </a:fillRef>
+          <a:effectRef idx="0">
+            <a:schemeClr val="accent1"/>
+          </a:effectRef>
+          <a:fontRef idx="minor">
+            <a:schemeClr val="lt1"/>
+          </a:fontRef>
+        </p:style>
+        <p:txBody>
+          <a:bodyPr rtlCol="0" anchor="ctr"/>
+          <a:lstStyle/>
+          <a:p>
+            <a:pPr algn="ctr"/>
+            <a:endParaRPr lang="ko-KR" altLang="en-US">
+              <a:solidFill>
+                <a:prstClr val="white"/>
+              </a:solidFill>
+            </a:endParaRPr>
+          </a:p>
+        </p:txBody>
+      </p:sp>
+      <p:sp>
+        <p:nvSpPr>
+          <p:cNvPr id="6" name="양쪽 모서리가 둥근 사각형 5"/>
+          <p:cNvSpPr/>
+          <p:nvPr/>
+        </p:nvSpPr>
+        <p:spPr>
+          <a:xfrm>
+            <a:off x="328458" y="414000"/>
+            <a:ext cx="11556000" cy="6444000"/>
+          </a:xfrm>
+          <a:prstGeom prst="round2SameRect">
+            <a:avLst>
+              <a:gd name="adj1" fmla="val 4913"/>
+              <a:gd name="adj2" fmla="val 0"/>
+            </a:avLst>
+          </a:prstGeom>
+          <a:solidFill>
+            <a:srgbClr val="01A7CE"/>
+          </a:solidFill>
+          <a:ln>
+            <a:noFill/>
+          </a:ln>
+        </p:spPr>
+        <p:style>
+          <a:lnRef idx="2">
+            <a:schemeClr val="accent1">
+              <a:shade val="50000"/>
+            </a:schemeClr>
+          </a:lnRef>
+          <a:fillRef idx="1">
+            <a:schemeClr val="accent1"/>
+          </a:fillRef>
+          <a:effectRef idx="0">
+            <a:schemeClr val="accent1"/>
+          </a:effectRef>
+          <a:fontRef idx="minor">
+            <a:schemeClr val="lt1"/>
+          </a:fontRef>
+        </p:style>
+        <p:txBody>
+          <a:bodyPr rtlCol="0" anchor="t"/>
+          <a:lstStyle/>
+          <a:p>
+            <a:pPr lvl="1" latinLnBrk="0">
+              <a:defRPr/>
+            </a:pPr>
+            <a:r>
+              <a:rPr lang="en-US" altLang="ko-KR" sz="2800" b="1" i="1" kern="0" smtClean="0">
+                <a:solidFill>
+                  <a:prstClr val="white"/>
+                </a:solidFill>
+              </a:rPr>
+              <a:t>2. </a:t>
+            </a:r>
+            <a:r>
+              <a:rPr lang="ko-KR" altLang="en-US" sz="2800" b="1" i="1" kern="0" smtClean="0">
+                <a:solidFill>
+                  <a:prstClr val="white"/>
+                </a:solidFill>
+              </a:rPr>
+              <a:t>프로젝트 내용 </a:t>
+            </a:r>
+            <a:r>
+              <a:rPr lang="en-US" altLang="ko-KR" sz="2800" b="1" i="1" kern="0">
+                <a:solidFill>
+                  <a:prstClr val="white"/>
+                </a:solidFill>
+              </a:rPr>
+              <a:t>-</a:t>
+            </a:r>
+            <a:r>
+              <a:rPr lang="en-US" altLang="ko-KR" sz="2800" b="1" i="1" kern="0" smtClean="0">
+                <a:solidFill>
+                  <a:prstClr val="white"/>
+                </a:solidFill>
+              </a:rPr>
+              <a:t> </a:t>
+            </a:r>
+            <a:r>
+              <a:rPr lang="ko-KR" altLang="en-US" sz="2800" b="1" i="1" kern="0" smtClean="0">
+                <a:solidFill>
+                  <a:prstClr val="white"/>
+                </a:solidFill>
+              </a:rPr>
+              <a:t>실제 방 사진</a:t>
+            </a:r>
+            <a:endParaRPr lang="en-US" altLang="ko-KR" sz="1400" i="1" kern="0" dirty="0">
+              <a:solidFill>
+                <a:prstClr val="white"/>
+              </a:solidFill>
+            </a:endParaRPr>
+          </a:p>
+          <a:p>
+            <a:pPr algn="ctr"/>
+            <a:endParaRPr lang="ko-KR" altLang="en-US" sz="1000" dirty="0">
+              <a:solidFill>
+                <a:prstClr val="white"/>
+              </a:solidFill>
+            </a:endParaRPr>
+          </a:p>
+        </p:txBody>
+      </p:sp>
+      <p:sp>
+        <p:nvSpPr>
+          <p:cNvPr id="7" name="직사각형 6"/>
+          <p:cNvSpPr/>
+          <p:nvPr/>
+        </p:nvSpPr>
+        <p:spPr>
+          <a:xfrm>
+            <a:off x="328458" y="1068343"/>
+            <a:ext cx="11556000" cy="5789657"/>
           </a:xfrm>
           <a:prstGeom prst="rect">
             <a:avLst/>
           </a:prstGeom>
           <a:solidFill>
-            <a:schemeClr val="bg1">
-              <a:lumMod val="95000"/>
-            </a:schemeClr>
+            <a:schemeClr val="bg1"/>
           </a:solidFill>
           <a:ln>
-            <a:solidFill>
-              <a:srgbClr val="D0D0D8"/>
-            </a:solidFill>
+            <a:noFill/>
           </a:ln>
         </p:spPr>
         <p:style>
@@ -10284,23 +11743,10 @@
           <a:bodyPr rtlCol="0" anchor="ctr"/>
           <a:lstStyle/>
           <a:p>
-            <a:pPr algn="r"/>
-            <a:r>
-              <a:rPr lang="en-US" altLang="ko-KR" sz="1100" dirty="0">
-                <a:solidFill>
-                  <a:prstClr val="black">
-                    <a:lumMod val="65000"/>
-                    <a:lumOff val="35000"/>
-                  </a:prstClr>
-                </a:solidFill>
-              </a:rPr>
-              <a:t>49.7%</a:t>
-            </a:r>
-            <a:endParaRPr lang="ko-KR" altLang="en-US" sz="1100" dirty="0">
+            <a:pPr algn="ctr"/>
+            <a:endParaRPr lang="ko-KR" altLang="en-US">
               <a:solidFill>
-                <a:prstClr val="white">
-                  <a:lumMod val="75000"/>
-                </a:prstClr>
+                <a:prstClr val="white"/>
               </a:solidFill>
             </a:endParaRPr>
           </a:p>
@@ -10308,25 +11754,1196 @@
       </p:sp>
       <p:sp>
         <p:nvSpPr>
-          <p:cNvPr id="35" name="직사각형 34"/>
+          <p:cNvPr id="10" name="사각형: 둥근 모서리 5">
+            <a:extLst>
+              <a:ext uri="{FF2B5EF4-FFF2-40B4-BE49-F238E27FC236}">
+                <a16:creationId xmlns:a16="http://schemas.microsoft.com/office/drawing/2014/main" id="{29433077-90B3-4432-AB1E-87BD95D8FF5C}"/>
+              </a:ext>
+            </a:extLst>
+          </p:cNvPr>
           <p:cNvSpPr/>
           <p:nvPr/>
         </p:nvSpPr>
         <p:spPr>
           <a:xfrm>
-            <a:off x="1206229" y="2283283"/>
-            <a:ext cx="2682000" cy="393700"/>
+            <a:off x="11281274" y="215219"/>
+            <a:ext cx="720000" cy="720000"/>
+          </a:xfrm>
+          <a:prstGeom prst="ellipse">
+            <a:avLst/>
+          </a:prstGeom>
+          <a:gradFill flip="none" rotWithShape="1">
+            <a:gsLst>
+              <a:gs pos="0">
+                <a:srgbClr val="01A7CE"/>
+              </a:gs>
+              <a:gs pos="100000">
+                <a:srgbClr val="00D0AC"/>
+              </a:gs>
+            </a:gsLst>
+            <a:path path="circle">
+              <a:fillToRect l="100000" t="100000"/>
+            </a:path>
+            <a:tileRect r="-100000" b="-100000"/>
+          </a:gradFill>
+          <a:ln>
+            <a:noFill/>
+          </a:ln>
+          <a:effectLst>
+            <a:outerShdw blurRad="50800" dist="38100" dir="2700000" algn="tl" rotWithShape="0">
+              <a:prstClr val="black">
+                <a:alpha val="40000"/>
+              </a:prstClr>
+            </a:outerShdw>
+          </a:effectLst>
+        </p:spPr>
+        <p:style>
+          <a:lnRef idx="2">
+            <a:schemeClr val="accent1">
+              <a:shade val="50000"/>
+            </a:schemeClr>
+          </a:lnRef>
+          <a:fillRef idx="1">
+            <a:schemeClr val="accent1"/>
+          </a:fillRef>
+          <a:effectRef idx="0">
+            <a:schemeClr val="accent1"/>
+          </a:effectRef>
+          <a:fontRef idx="minor">
+            <a:schemeClr val="lt1"/>
+          </a:fontRef>
+        </p:style>
+        <p:txBody>
+          <a:bodyPr lIns="216000" rtlCol="0" anchor="ctr"/>
+          <a:lstStyle/>
+          <a:p>
+            <a:pPr>
+              <a:defRPr/>
+            </a:pPr>
+            <a:endParaRPr lang="en-US" altLang="ko-KR" sz="400" kern="0" dirty="0">
+              <a:solidFill>
+                <a:prstClr val="white"/>
+              </a:solidFill>
+            </a:endParaRPr>
+          </a:p>
+        </p:txBody>
+      </p:sp>
+      <p:sp>
+        <p:nvSpPr>
+          <p:cNvPr id="15" name="Freeform 36">
+            <a:extLst>
+              <a:ext uri="{FF2B5EF4-FFF2-40B4-BE49-F238E27FC236}">
+                <a16:creationId xmlns:a16="http://schemas.microsoft.com/office/drawing/2014/main" id="{10D33EC3-8543-4845-97A2-D38BE89D3A5F}"/>
+              </a:ext>
+            </a:extLst>
+          </p:cNvPr>
+          <p:cNvSpPr>
+            <a:spLocks noEditPoints="1"/>
+          </p:cNvSpPr>
+          <p:nvPr/>
+        </p:nvSpPr>
+        <p:spPr bwMode="auto">
+          <a:xfrm>
+            <a:off x="11521180" y="372566"/>
+            <a:ext cx="240188" cy="403979"/>
+          </a:xfrm>
+          <a:custGeom>
+            <a:avLst/>
+            <a:gdLst>
+              <a:gd name="T0" fmla="*/ 937 w 1926"/>
+              <a:gd name="T1" fmla="*/ 3639 h 4045"/>
+              <a:gd name="T2" fmla="*/ 893 w 1926"/>
+              <a:gd name="T3" fmla="*/ 3665 h 4045"/>
+              <a:gd name="T4" fmla="*/ 863 w 1926"/>
+              <a:gd name="T5" fmla="*/ 3712 h 4045"/>
+              <a:gd name="T6" fmla="*/ 851 w 1926"/>
+              <a:gd name="T7" fmla="*/ 3772 h 4045"/>
+              <a:gd name="T8" fmla="*/ 863 w 1926"/>
+              <a:gd name="T9" fmla="*/ 3832 h 4045"/>
+              <a:gd name="T10" fmla="*/ 893 w 1926"/>
+              <a:gd name="T11" fmla="*/ 3878 h 4045"/>
+              <a:gd name="T12" fmla="*/ 937 w 1926"/>
+              <a:gd name="T13" fmla="*/ 3905 h 4045"/>
+              <a:gd name="T14" fmla="*/ 988 w 1926"/>
+              <a:gd name="T15" fmla="*/ 3905 h 4045"/>
+              <a:gd name="T16" fmla="*/ 1033 w 1926"/>
+              <a:gd name="T17" fmla="*/ 3878 h 4045"/>
+              <a:gd name="T18" fmla="*/ 1064 w 1926"/>
+              <a:gd name="T19" fmla="*/ 3832 h 4045"/>
+              <a:gd name="T20" fmla="*/ 1075 w 1926"/>
+              <a:gd name="T21" fmla="*/ 3772 h 4045"/>
+              <a:gd name="T22" fmla="*/ 1064 w 1926"/>
+              <a:gd name="T23" fmla="*/ 3712 h 4045"/>
+              <a:gd name="T24" fmla="*/ 1033 w 1926"/>
+              <a:gd name="T25" fmla="*/ 3665 h 4045"/>
+              <a:gd name="T26" fmla="*/ 988 w 1926"/>
+              <a:gd name="T27" fmla="*/ 3639 h 4045"/>
+              <a:gd name="T28" fmla="*/ 156 w 1926"/>
+              <a:gd name="T29" fmla="*/ 434 h 4045"/>
+              <a:gd name="T30" fmla="*/ 1770 w 1926"/>
+              <a:gd name="T31" fmla="*/ 3540 h 4045"/>
+              <a:gd name="T32" fmla="*/ 156 w 1926"/>
+              <a:gd name="T33" fmla="*/ 434 h 4045"/>
+              <a:gd name="T34" fmla="*/ 716 w 1926"/>
+              <a:gd name="T35" fmla="*/ 200 h 4045"/>
+              <a:gd name="T36" fmla="*/ 701 w 1926"/>
+              <a:gd name="T37" fmla="*/ 217 h 4045"/>
+              <a:gd name="T38" fmla="*/ 701 w 1926"/>
+              <a:gd name="T39" fmla="*/ 243 h 4045"/>
+              <a:gd name="T40" fmla="*/ 716 w 1926"/>
+              <a:gd name="T41" fmla="*/ 260 h 4045"/>
+              <a:gd name="T42" fmla="*/ 1199 w 1926"/>
+              <a:gd name="T43" fmla="*/ 262 h 4045"/>
+              <a:gd name="T44" fmla="*/ 1218 w 1926"/>
+              <a:gd name="T45" fmla="*/ 254 h 4045"/>
+              <a:gd name="T46" fmla="*/ 1226 w 1926"/>
+              <a:gd name="T47" fmla="*/ 230 h 4045"/>
+              <a:gd name="T48" fmla="*/ 1218 w 1926"/>
+              <a:gd name="T49" fmla="*/ 207 h 4045"/>
+              <a:gd name="T50" fmla="*/ 1199 w 1926"/>
+              <a:gd name="T51" fmla="*/ 197 h 4045"/>
+              <a:gd name="T52" fmla="*/ 224 w 1926"/>
+              <a:gd name="T53" fmla="*/ 0 h 4045"/>
+              <a:gd name="T54" fmla="*/ 1738 w 1926"/>
+              <a:gd name="T55" fmla="*/ 4 h 4045"/>
+              <a:gd name="T56" fmla="*/ 1805 w 1926"/>
+              <a:gd name="T57" fmla="*/ 31 h 4045"/>
+              <a:gd name="T58" fmla="*/ 1860 w 1926"/>
+              <a:gd name="T59" fmla="*/ 81 h 4045"/>
+              <a:gd name="T60" fmla="*/ 1900 w 1926"/>
+              <a:gd name="T61" fmla="*/ 148 h 4045"/>
+              <a:gd name="T62" fmla="*/ 1923 w 1926"/>
+              <a:gd name="T63" fmla="*/ 229 h 4045"/>
+              <a:gd name="T64" fmla="*/ 1926 w 1926"/>
+              <a:gd name="T65" fmla="*/ 3772 h 4045"/>
+              <a:gd name="T66" fmla="*/ 1915 w 1926"/>
+              <a:gd name="T67" fmla="*/ 3857 h 4045"/>
+              <a:gd name="T68" fmla="*/ 1882 w 1926"/>
+              <a:gd name="T69" fmla="*/ 3932 h 4045"/>
+              <a:gd name="T70" fmla="*/ 1834 w 1926"/>
+              <a:gd name="T71" fmla="*/ 3992 h 4045"/>
+              <a:gd name="T72" fmla="*/ 1773 w 1926"/>
+              <a:gd name="T73" fmla="*/ 4032 h 4045"/>
+              <a:gd name="T74" fmla="*/ 1702 w 1926"/>
+              <a:gd name="T75" fmla="*/ 4045 h 4045"/>
+              <a:gd name="T76" fmla="*/ 188 w 1926"/>
+              <a:gd name="T77" fmla="*/ 4041 h 4045"/>
+              <a:gd name="T78" fmla="*/ 122 w 1926"/>
+              <a:gd name="T79" fmla="*/ 4014 h 4045"/>
+              <a:gd name="T80" fmla="*/ 66 w 1926"/>
+              <a:gd name="T81" fmla="*/ 3964 h 4045"/>
+              <a:gd name="T82" fmla="*/ 25 w 1926"/>
+              <a:gd name="T83" fmla="*/ 3897 h 4045"/>
+              <a:gd name="T84" fmla="*/ 3 w 1926"/>
+              <a:gd name="T85" fmla="*/ 3816 h 4045"/>
+              <a:gd name="T86" fmla="*/ 0 w 1926"/>
+              <a:gd name="T87" fmla="*/ 273 h 4045"/>
+              <a:gd name="T88" fmla="*/ 12 w 1926"/>
+              <a:gd name="T89" fmla="*/ 188 h 4045"/>
+              <a:gd name="T90" fmla="*/ 43 w 1926"/>
+              <a:gd name="T91" fmla="*/ 113 h 4045"/>
+              <a:gd name="T92" fmla="*/ 92 w 1926"/>
+              <a:gd name="T93" fmla="*/ 53 h 4045"/>
+              <a:gd name="T94" fmla="*/ 154 w 1926"/>
+              <a:gd name="T95" fmla="*/ 13 h 4045"/>
+              <a:gd name="T96" fmla="*/ 224 w 1926"/>
+              <a:gd name="T97" fmla="*/ 0 h 4045"/>
+            </a:gdLst>
+            <a:ahLst/>
+            <a:cxnLst>
+              <a:cxn ang="0">
+                <a:pos x="T0" y="T1"/>
+              </a:cxn>
+              <a:cxn ang="0">
+                <a:pos x="T2" y="T3"/>
+              </a:cxn>
+              <a:cxn ang="0">
+                <a:pos x="T4" y="T5"/>
+              </a:cxn>
+              <a:cxn ang="0">
+                <a:pos x="T6" y="T7"/>
+              </a:cxn>
+              <a:cxn ang="0">
+                <a:pos x="T8" y="T9"/>
+              </a:cxn>
+              <a:cxn ang="0">
+                <a:pos x="T10" y="T11"/>
+              </a:cxn>
+              <a:cxn ang="0">
+                <a:pos x="T12" y="T13"/>
+              </a:cxn>
+              <a:cxn ang="0">
+                <a:pos x="T14" y="T15"/>
+              </a:cxn>
+              <a:cxn ang="0">
+                <a:pos x="T16" y="T17"/>
+              </a:cxn>
+              <a:cxn ang="0">
+                <a:pos x="T18" y="T19"/>
+              </a:cxn>
+              <a:cxn ang="0">
+                <a:pos x="T20" y="T21"/>
+              </a:cxn>
+              <a:cxn ang="0">
+                <a:pos x="T22" y="T23"/>
+              </a:cxn>
+              <a:cxn ang="0">
+                <a:pos x="T24" y="T25"/>
+              </a:cxn>
+              <a:cxn ang="0">
+                <a:pos x="T26" y="T27"/>
+              </a:cxn>
+              <a:cxn ang="0">
+                <a:pos x="T28" y="T29"/>
+              </a:cxn>
+              <a:cxn ang="0">
+                <a:pos x="T30" y="T31"/>
+              </a:cxn>
+              <a:cxn ang="0">
+                <a:pos x="T32" y="T33"/>
+              </a:cxn>
+              <a:cxn ang="0">
+                <a:pos x="T34" y="T35"/>
+              </a:cxn>
+              <a:cxn ang="0">
+                <a:pos x="T36" y="T37"/>
+              </a:cxn>
+              <a:cxn ang="0">
+                <a:pos x="T38" y="T39"/>
+              </a:cxn>
+              <a:cxn ang="0">
+                <a:pos x="T40" y="T41"/>
+              </a:cxn>
+              <a:cxn ang="0">
+                <a:pos x="T42" y="T43"/>
+              </a:cxn>
+              <a:cxn ang="0">
+                <a:pos x="T44" y="T45"/>
+              </a:cxn>
+              <a:cxn ang="0">
+                <a:pos x="T46" y="T47"/>
+              </a:cxn>
+              <a:cxn ang="0">
+                <a:pos x="T48" y="T49"/>
+              </a:cxn>
+              <a:cxn ang="0">
+                <a:pos x="T50" y="T51"/>
+              </a:cxn>
+              <a:cxn ang="0">
+                <a:pos x="T52" y="T53"/>
+              </a:cxn>
+              <a:cxn ang="0">
+                <a:pos x="T54" y="T55"/>
+              </a:cxn>
+              <a:cxn ang="0">
+                <a:pos x="T56" y="T57"/>
+              </a:cxn>
+              <a:cxn ang="0">
+                <a:pos x="T58" y="T59"/>
+              </a:cxn>
+              <a:cxn ang="0">
+                <a:pos x="T60" y="T61"/>
+              </a:cxn>
+              <a:cxn ang="0">
+                <a:pos x="T62" y="T63"/>
+              </a:cxn>
+              <a:cxn ang="0">
+                <a:pos x="T64" y="T65"/>
+              </a:cxn>
+              <a:cxn ang="0">
+                <a:pos x="T66" y="T67"/>
+              </a:cxn>
+              <a:cxn ang="0">
+                <a:pos x="T68" y="T69"/>
+              </a:cxn>
+              <a:cxn ang="0">
+                <a:pos x="T70" y="T71"/>
+              </a:cxn>
+              <a:cxn ang="0">
+                <a:pos x="T72" y="T73"/>
+              </a:cxn>
+              <a:cxn ang="0">
+                <a:pos x="T74" y="T75"/>
+              </a:cxn>
+              <a:cxn ang="0">
+                <a:pos x="T76" y="T77"/>
+              </a:cxn>
+              <a:cxn ang="0">
+                <a:pos x="T78" y="T79"/>
+              </a:cxn>
+              <a:cxn ang="0">
+                <a:pos x="T80" y="T81"/>
+              </a:cxn>
+              <a:cxn ang="0">
+                <a:pos x="T82" y="T83"/>
+              </a:cxn>
+              <a:cxn ang="0">
+                <a:pos x="T84" y="T85"/>
+              </a:cxn>
+              <a:cxn ang="0">
+                <a:pos x="T86" y="T87"/>
+              </a:cxn>
+              <a:cxn ang="0">
+                <a:pos x="T88" y="T89"/>
+              </a:cxn>
+              <a:cxn ang="0">
+                <a:pos x="T90" y="T91"/>
+              </a:cxn>
+              <a:cxn ang="0">
+                <a:pos x="T92" y="T93"/>
+              </a:cxn>
+              <a:cxn ang="0">
+                <a:pos x="T94" y="T95"/>
+              </a:cxn>
+              <a:cxn ang="0">
+                <a:pos x="T96" y="T97"/>
+              </a:cxn>
+            </a:cxnLst>
+            <a:rect l="0" t="0" r="r" b="b"/>
+            <a:pathLst>
+              <a:path w="1926" h="4045">
+                <a:moveTo>
+                  <a:pt x="963" y="3636"/>
+                </a:moveTo>
+                <a:lnTo>
+                  <a:pt x="937" y="3639"/>
+                </a:lnTo>
+                <a:lnTo>
+                  <a:pt x="914" y="3649"/>
+                </a:lnTo>
+                <a:lnTo>
+                  <a:pt x="893" y="3665"/>
+                </a:lnTo>
+                <a:lnTo>
+                  <a:pt x="876" y="3686"/>
+                </a:lnTo>
+                <a:lnTo>
+                  <a:pt x="863" y="3712"/>
+                </a:lnTo>
+                <a:lnTo>
+                  <a:pt x="854" y="3741"/>
+                </a:lnTo>
+                <a:lnTo>
+                  <a:pt x="851" y="3772"/>
+                </a:lnTo>
+                <a:lnTo>
+                  <a:pt x="854" y="3804"/>
+                </a:lnTo>
+                <a:lnTo>
+                  <a:pt x="863" y="3832"/>
+                </a:lnTo>
+                <a:lnTo>
+                  <a:pt x="876" y="3857"/>
+                </a:lnTo>
+                <a:lnTo>
+                  <a:pt x="893" y="3878"/>
+                </a:lnTo>
+                <a:lnTo>
+                  <a:pt x="914" y="3894"/>
+                </a:lnTo>
+                <a:lnTo>
+                  <a:pt x="937" y="3905"/>
+                </a:lnTo>
+                <a:lnTo>
+                  <a:pt x="963" y="3909"/>
+                </a:lnTo>
+                <a:lnTo>
+                  <a:pt x="988" y="3905"/>
+                </a:lnTo>
+                <a:lnTo>
+                  <a:pt x="1013" y="3894"/>
+                </a:lnTo>
+                <a:lnTo>
+                  <a:pt x="1033" y="3878"/>
+                </a:lnTo>
+                <a:lnTo>
+                  <a:pt x="1051" y="3857"/>
+                </a:lnTo>
+                <a:lnTo>
+                  <a:pt x="1064" y="3832"/>
+                </a:lnTo>
+                <a:lnTo>
+                  <a:pt x="1072" y="3804"/>
+                </a:lnTo>
+                <a:lnTo>
+                  <a:pt x="1075" y="3772"/>
+                </a:lnTo>
+                <a:lnTo>
+                  <a:pt x="1072" y="3741"/>
+                </a:lnTo>
+                <a:lnTo>
+                  <a:pt x="1064" y="3712"/>
+                </a:lnTo>
+                <a:lnTo>
+                  <a:pt x="1051" y="3686"/>
+                </a:lnTo>
+                <a:lnTo>
+                  <a:pt x="1033" y="3665"/>
+                </a:lnTo>
+                <a:lnTo>
+                  <a:pt x="1013" y="3649"/>
+                </a:lnTo>
+                <a:lnTo>
+                  <a:pt x="988" y="3639"/>
+                </a:lnTo>
+                <a:lnTo>
+                  <a:pt x="963" y="3636"/>
+                </a:lnTo>
+                <a:close/>
+                <a:moveTo>
+                  <a:pt x="156" y="434"/>
+                </a:moveTo>
+                <a:lnTo>
+                  <a:pt x="156" y="3540"/>
+                </a:lnTo>
+                <a:lnTo>
+                  <a:pt x="1770" y="3540"/>
+                </a:lnTo>
+                <a:lnTo>
+                  <a:pt x="1770" y="434"/>
+                </a:lnTo>
+                <a:lnTo>
+                  <a:pt x="156" y="434"/>
+                </a:lnTo>
+                <a:close/>
+                <a:moveTo>
+                  <a:pt x="727" y="197"/>
+                </a:moveTo>
+                <a:lnTo>
+                  <a:pt x="716" y="200"/>
+                </a:lnTo>
+                <a:lnTo>
+                  <a:pt x="707" y="207"/>
+                </a:lnTo>
+                <a:lnTo>
+                  <a:pt x="701" y="217"/>
+                </a:lnTo>
+                <a:lnTo>
+                  <a:pt x="699" y="230"/>
+                </a:lnTo>
+                <a:lnTo>
+                  <a:pt x="701" y="243"/>
+                </a:lnTo>
+                <a:lnTo>
+                  <a:pt x="707" y="254"/>
+                </a:lnTo>
+                <a:lnTo>
+                  <a:pt x="716" y="260"/>
+                </a:lnTo>
+                <a:lnTo>
+                  <a:pt x="727" y="262"/>
+                </a:lnTo>
+                <a:lnTo>
+                  <a:pt x="1199" y="262"/>
+                </a:lnTo>
+                <a:lnTo>
+                  <a:pt x="1210" y="260"/>
+                </a:lnTo>
+                <a:lnTo>
+                  <a:pt x="1218" y="254"/>
+                </a:lnTo>
+                <a:lnTo>
+                  <a:pt x="1224" y="243"/>
+                </a:lnTo>
+                <a:lnTo>
+                  <a:pt x="1226" y="230"/>
+                </a:lnTo>
+                <a:lnTo>
+                  <a:pt x="1224" y="217"/>
+                </a:lnTo>
+                <a:lnTo>
+                  <a:pt x="1218" y="207"/>
+                </a:lnTo>
+                <a:lnTo>
+                  <a:pt x="1210" y="200"/>
+                </a:lnTo>
+                <a:lnTo>
+                  <a:pt x="1199" y="197"/>
+                </a:lnTo>
+                <a:lnTo>
+                  <a:pt x="727" y="197"/>
+                </a:lnTo>
+                <a:close/>
+                <a:moveTo>
+                  <a:pt x="224" y="0"/>
+                </a:moveTo>
+                <a:lnTo>
+                  <a:pt x="1702" y="0"/>
+                </a:lnTo>
+                <a:lnTo>
+                  <a:pt x="1738" y="4"/>
+                </a:lnTo>
+                <a:lnTo>
+                  <a:pt x="1773" y="13"/>
+                </a:lnTo>
+                <a:lnTo>
+                  <a:pt x="1805" y="31"/>
+                </a:lnTo>
+                <a:lnTo>
+                  <a:pt x="1834" y="53"/>
+                </a:lnTo>
+                <a:lnTo>
+                  <a:pt x="1860" y="81"/>
+                </a:lnTo>
+                <a:lnTo>
+                  <a:pt x="1882" y="113"/>
+                </a:lnTo>
+                <a:lnTo>
+                  <a:pt x="1900" y="148"/>
+                </a:lnTo>
+                <a:lnTo>
+                  <a:pt x="1915" y="188"/>
+                </a:lnTo>
+                <a:lnTo>
+                  <a:pt x="1923" y="229"/>
+                </a:lnTo>
+                <a:lnTo>
+                  <a:pt x="1926" y="273"/>
+                </a:lnTo>
+                <a:lnTo>
+                  <a:pt x="1926" y="3772"/>
+                </a:lnTo>
+                <a:lnTo>
+                  <a:pt x="1923" y="3816"/>
+                </a:lnTo>
+                <a:lnTo>
+                  <a:pt x="1915" y="3857"/>
+                </a:lnTo>
+                <a:lnTo>
+                  <a:pt x="1900" y="3897"/>
+                </a:lnTo>
+                <a:lnTo>
+                  <a:pt x="1882" y="3932"/>
+                </a:lnTo>
+                <a:lnTo>
+                  <a:pt x="1860" y="3964"/>
+                </a:lnTo>
+                <a:lnTo>
+                  <a:pt x="1834" y="3992"/>
+                </a:lnTo>
+                <a:lnTo>
+                  <a:pt x="1805" y="4014"/>
+                </a:lnTo>
+                <a:lnTo>
+                  <a:pt x="1773" y="4032"/>
+                </a:lnTo>
+                <a:lnTo>
+                  <a:pt x="1738" y="4041"/>
+                </a:lnTo>
+                <a:lnTo>
+                  <a:pt x="1702" y="4045"/>
+                </a:lnTo>
+                <a:lnTo>
+                  <a:pt x="224" y="4045"/>
+                </a:lnTo>
+                <a:lnTo>
+                  <a:pt x="188" y="4041"/>
+                </a:lnTo>
+                <a:lnTo>
+                  <a:pt x="154" y="4032"/>
+                </a:lnTo>
+                <a:lnTo>
+                  <a:pt x="122" y="4014"/>
+                </a:lnTo>
+                <a:lnTo>
+                  <a:pt x="92" y="3992"/>
+                </a:lnTo>
+                <a:lnTo>
+                  <a:pt x="66" y="3964"/>
+                </a:lnTo>
+                <a:lnTo>
+                  <a:pt x="43" y="3932"/>
+                </a:lnTo>
+                <a:lnTo>
+                  <a:pt x="25" y="3897"/>
+                </a:lnTo>
+                <a:lnTo>
+                  <a:pt x="12" y="3857"/>
+                </a:lnTo>
+                <a:lnTo>
+                  <a:pt x="3" y="3816"/>
+                </a:lnTo>
+                <a:lnTo>
+                  <a:pt x="0" y="3772"/>
+                </a:lnTo>
+                <a:lnTo>
+                  <a:pt x="0" y="273"/>
+                </a:lnTo>
+                <a:lnTo>
+                  <a:pt x="3" y="229"/>
+                </a:lnTo>
+                <a:lnTo>
+                  <a:pt x="12" y="188"/>
+                </a:lnTo>
+                <a:lnTo>
+                  <a:pt x="25" y="148"/>
+                </a:lnTo>
+                <a:lnTo>
+                  <a:pt x="43" y="113"/>
+                </a:lnTo>
+                <a:lnTo>
+                  <a:pt x="66" y="81"/>
+                </a:lnTo>
+                <a:lnTo>
+                  <a:pt x="92" y="53"/>
+                </a:lnTo>
+                <a:lnTo>
+                  <a:pt x="122" y="31"/>
+                </a:lnTo>
+                <a:lnTo>
+                  <a:pt x="154" y="13"/>
+                </a:lnTo>
+                <a:lnTo>
+                  <a:pt x="188" y="4"/>
+                </a:lnTo>
+                <a:lnTo>
+                  <a:pt x="224" y="0"/>
+                </a:lnTo>
+                <a:close/>
+              </a:path>
+            </a:pathLst>
+          </a:custGeom>
+          <a:solidFill>
+            <a:schemeClr val="bg1"/>
+          </a:solidFill>
+          <a:ln w="0">
+            <a:noFill/>
+            <a:prstDash val="solid"/>
+            <a:round/>
+            <a:headEnd/>
+            <a:tailEnd/>
+          </a:ln>
+        </p:spPr>
+        <p:txBody>
+          <a:bodyPr vert="horz" wrap="square" lIns="91440" tIns="45720" rIns="91440" bIns="45720" numCol="1" anchor="t" anchorCtr="0" compatLnSpc="1">
+            <a:prstTxWarp prst="textNoShape">
+              <a:avLst/>
+            </a:prstTxWarp>
+          </a:bodyPr>
+          <a:lstStyle/>
+          <a:p>
+            <a:endParaRPr lang="ko-KR" altLang="en-US">
+              <a:solidFill>
+                <a:prstClr val="black"/>
+              </a:solidFill>
+            </a:endParaRPr>
+          </a:p>
+        </p:txBody>
+      </p:sp>
+      <p:sp>
+        <p:nvSpPr>
+          <p:cNvPr id="11" name="사각형: 둥근 모서리 5">
+            <a:extLst>
+              <a:ext uri="{FF2B5EF4-FFF2-40B4-BE49-F238E27FC236}">
+                <a16:creationId xmlns:a16="http://schemas.microsoft.com/office/drawing/2014/main" id="{29433077-90B3-4432-AB1E-87BD95D8FF5C}"/>
+              </a:ext>
+            </a:extLst>
+          </p:cNvPr>
+          <p:cNvSpPr/>
+          <p:nvPr/>
+        </p:nvSpPr>
+        <p:spPr>
+          <a:xfrm>
+            <a:off x="11735345" y="131353"/>
+            <a:ext cx="241213" cy="241213"/>
+          </a:xfrm>
+          <a:prstGeom prst="ellipse">
+            <a:avLst/>
+          </a:prstGeom>
+          <a:solidFill>
+            <a:srgbClr val="CC0000"/>
+          </a:solidFill>
+          <a:ln>
+            <a:noFill/>
+          </a:ln>
+          <a:effectLst>
+            <a:outerShdw dist="38100" dir="5400000" algn="t" rotWithShape="0">
+              <a:prstClr val="black">
+                <a:alpha val="40000"/>
+              </a:prstClr>
+            </a:outerShdw>
+          </a:effectLst>
+        </p:spPr>
+        <p:style>
+          <a:lnRef idx="2">
+            <a:schemeClr val="accent1">
+              <a:shade val="50000"/>
+            </a:schemeClr>
+          </a:lnRef>
+          <a:fillRef idx="1">
+            <a:schemeClr val="accent1"/>
+          </a:fillRef>
+          <a:effectRef idx="0">
+            <a:schemeClr val="accent1"/>
+          </a:effectRef>
+          <a:fontRef idx="minor">
+            <a:schemeClr val="lt1"/>
+          </a:fontRef>
+        </p:style>
+        <p:txBody>
+          <a:bodyPr wrap="none" lIns="0" tIns="0" rIns="0" bIns="0" rtlCol="0" anchor="ctr"/>
+          <a:lstStyle/>
+          <a:p>
+            <a:pPr algn="ctr">
+              <a:defRPr/>
+            </a:pPr>
+            <a:r>
+              <a:rPr lang="en-US" altLang="ko-KR" sz="1400" b="1" kern="0" dirty="0">
+                <a:solidFill>
+                  <a:prstClr val="white"/>
+                </a:solidFill>
+              </a:rPr>
+              <a:t>1</a:t>
+            </a:r>
+          </a:p>
+        </p:txBody>
+      </p:sp>
+      <p:sp>
+        <p:nvSpPr>
+          <p:cNvPr id="40" name="직사각형 39">
+            <a:extLst>
+              <a:ext uri="{FF2B5EF4-FFF2-40B4-BE49-F238E27FC236}">
+                <a16:creationId xmlns:a16="http://schemas.microsoft.com/office/drawing/2014/main" id="{3FA00699-5178-465A-9F3F-130CF1431F70}"/>
+              </a:ext>
+            </a:extLst>
+          </p:cNvPr>
+          <p:cNvSpPr/>
+          <p:nvPr/>
+        </p:nvSpPr>
+        <p:spPr>
+          <a:xfrm>
+            <a:off x="490297" y="5061520"/>
+            <a:ext cx="3950459" cy="373885"/>
+          </a:xfrm>
+          <a:prstGeom prst="rect">
+            <a:avLst/>
+          </a:prstGeom>
+        </p:spPr>
+        <p:txBody>
+          <a:bodyPr wrap="square">
+            <a:spAutoFit/>
+          </a:bodyPr>
+          <a:lstStyle/>
+          <a:p>
+            <a:pPr>
+              <a:lnSpc>
+                <a:spcPct val="150000"/>
+              </a:lnSpc>
+            </a:pPr>
+            <a:r>
+              <a:rPr lang="en-US" altLang="ko-KR" sz="1400" b="1" smtClean="0">
+                <a:solidFill>
+                  <a:srgbClr val="44546A">
+                    <a:lumMod val="75000"/>
+                  </a:srgbClr>
+                </a:solidFill>
+              </a:rPr>
+              <a:t>* 360</a:t>
+            </a:r>
+            <a:r>
+              <a:rPr lang="ko-KR" altLang="en-US" sz="1400" b="1" smtClean="0">
+                <a:solidFill>
+                  <a:srgbClr val="44546A">
+                    <a:lumMod val="75000"/>
+                  </a:srgbClr>
+                </a:solidFill>
+              </a:rPr>
+              <a:t>도 카메라를 통해 촬영한 실제 방의 모습</a:t>
+            </a:r>
+            <a:endParaRPr lang="ko-KR" altLang="en-US" sz="1000" dirty="0">
+              <a:solidFill>
+                <a:prstClr val="black">
+                  <a:lumMod val="65000"/>
+                  <a:lumOff val="35000"/>
+                </a:prstClr>
+              </a:solidFill>
+            </a:endParaRPr>
+          </a:p>
+        </p:txBody>
+      </p:sp>
+      <p:sp>
+        <p:nvSpPr>
+          <p:cNvPr id="47" name="직사각형 46">
+            <a:extLst>
+              <a:ext uri="{FF2B5EF4-FFF2-40B4-BE49-F238E27FC236}">
+                <a16:creationId xmlns:a16="http://schemas.microsoft.com/office/drawing/2014/main" id="{3FA00699-5178-465A-9F3F-130CF1431F70}"/>
+              </a:ext>
+            </a:extLst>
+          </p:cNvPr>
+          <p:cNvSpPr/>
+          <p:nvPr/>
+        </p:nvSpPr>
+        <p:spPr>
+          <a:xfrm>
+            <a:off x="6273997" y="5068611"/>
+            <a:ext cx="4469818" cy="415498"/>
+          </a:xfrm>
+          <a:prstGeom prst="rect">
+            <a:avLst/>
+          </a:prstGeom>
+        </p:spPr>
+        <p:txBody>
+          <a:bodyPr wrap="square">
+            <a:spAutoFit/>
+          </a:bodyPr>
+          <a:lstStyle/>
+          <a:p>
+            <a:pPr>
+              <a:lnSpc>
+                <a:spcPct val="150000"/>
+              </a:lnSpc>
+            </a:pPr>
+            <a:r>
+              <a:rPr lang="en-US" altLang="ko-KR" sz="1400" b="1">
+                <a:solidFill>
+                  <a:srgbClr val="44546A">
+                    <a:lumMod val="75000"/>
+                  </a:srgbClr>
+                </a:solidFill>
+              </a:rPr>
+              <a:t>* 360</a:t>
+            </a:r>
+            <a:r>
+              <a:rPr lang="ko-KR" altLang="en-US" sz="1400" b="1">
+                <a:solidFill>
+                  <a:srgbClr val="44546A">
+                    <a:lumMod val="75000"/>
+                  </a:srgbClr>
+                </a:solidFill>
+              </a:rPr>
+              <a:t>도 카메라를 통해 촬영한 </a:t>
+            </a:r>
+            <a:r>
+              <a:rPr lang="ko-KR" altLang="en-US" sz="1400" b="1">
+                <a:solidFill>
+                  <a:srgbClr val="44546A">
+                    <a:lumMod val="75000"/>
+                  </a:srgbClr>
+                </a:solidFill>
+              </a:rPr>
+              <a:t>실제 </a:t>
+            </a:r>
+            <a:r>
+              <a:rPr lang="ko-KR" altLang="en-US" sz="1400" b="1" smtClean="0">
+                <a:solidFill>
+                  <a:srgbClr val="44546A">
+                    <a:lumMod val="75000"/>
+                  </a:srgbClr>
+                </a:solidFill>
+              </a:rPr>
+              <a:t>화장실의 </a:t>
+            </a:r>
+            <a:r>
+              <a:rPr lang="ko-KR" altLang="en-US" sz="1400" b="1">
+                <a:solidFill>
+                  <a:srgbClr val="44546A">
+                    <a:lumMod val="75000"/>
+                  </a:srgbClr>
+                </a:solidFill>
+              </a:rPr>
+              <a:t>모습</a:t>
+            </a:r>
+            <a:endParaRPr lang="ko-KR" altLang="en-US" sz="1000" dirty="0">
+              <a:solidFill>
+                <a:prstClr val="black">
+                  <a:lumMod val="65000"/>
+                  <a:lumOff val="35000"/>
+                </a:prstClr>
+              </a:solidFill>
+            </a:endParaRPr>
+          </a:p>
+        </p:txBody>
+      </p:sp>
+      <p:pic>
+        <p:nvPicPr>
+          <p:cNvPr id="4" name="그림 3"/>
+          <p:cNvPicPr>
+            <a:picLocks noChangeAspect="1"/>
+          </p:cNvPicPr>
+          <p:nvPr/>
+        </p:nvPicPr>
+        <p:blipFill>
+          <a:blip r:embed="rId2">
+            <a:extLst>
+              <a:ext uri="{28A0092B-C50C-407E-A947-70E740481C1C}">
+                <a14:useLocalDpi xmlns:a14="http://schemas.microsoft.com/office/drawing/2010/main" val="0"/>
+              </a:ext>
+            </a:extLst>
+          </a:blip>
+          <a:stretch>
+            <a:fillRect/>
+          </a:stretch>
+        </p:blipFill>
+        <p:spPr>
+          <a:xfrm>
+            <a:off x="575035" y="1543026"/>
+            <a:ext cx="5344998" cy="3504868"/>
+          </a:xfrm>
+          <a:prstGeom prst="rect">
+            <a:avLst/>
+          </a:prstGeom>
+        </p:spPr>
+      </p:pic>
+      <p:pic>
+        <p:nvPicPr>
+          <p:cNvPr id="8" name="그림 7"/>
+          <p:cNvPicPr>
+            <a:picLocks noChangeAspect="1"/>
+          </p:cNvPicPr>
+          <p:nvPr/>
+        </p:nvPicPr>
+        <p:blipFill>
+          <a:blip r:embed="rId3">
+            <a:extLst>
+              <a:ext uri="{28A0092B-C50C-407E-A947-70E740481C1C}">
+                <a14:useLocalDpi xmlns:a14="http://schemas.microsoft.com/office/drawing/2010/main" val="0"/>
+              </a:ext>
+            </a:extLst>
+          </a:blip>
+          <a:stretch>
+            <a:fillRect/>
+          </a:stretch>
+        </p:blipFill>
+        <p:spPr>
+          <a:xfrm>
+            <a:off x="6363093" y="1543026"/>
+            <a:ext cx="5372252" cy="3504868"/>
+          </a:xfrm>
+          <a:prstGeom prst="rect">
+            <a:avLst/>
+          </a:prstGeom>
+        </p:spPr>
+      </p:pic>
+    </p:spTree>
+    <p:extLst>
+      <p:ext uri="{BB962C8B-B14F-4D97-AF65-F5344CB8AC3E}">
+        <p14:creationId xmlns:p14="http://schemas.microsoft.com/office/powerpoint/2010/main" val="4159711062"/>
+      </p:ext>
+    </p:extLst>
+  </p:cSld>
+  <p:clrMapOvr>
+    <a:masterClrMapping/>
+  </p:clrMapOvr>
+  <p:timing>
+    <p:tnLst>
+      <p:par>
+        <p:cTn id="1" dur="indefinite" restart="never" nodeType="tmRoot"/>
+      </p:par>
+    </p:tnLst>
+  </p:timing>
+</p:sld>
+</file>
+
+<file path=ppt/slides/slide7.xml><?xml version="1.0" encoding="utf-8"?>
+<p:sld xmlns:a="http://schemas.openxmlformats.org/drawingml/2006/main" xmlns:r="http://schemas.openxmlformats.org/officeDocument/2006/relationships" xmlns:p="http://schemas.openxmlformats.org/presentationml/2006/main">
+  <p:cSld>
+    <p:bg>
+      <p:bgPr>
+        <a:solidFill>
+          <a:srgbClr val="FFEAD1"/>
+        </a:solidFill>
+        <a:effectLst/>
+      </p:bgPr>
+    </p:bg>
+    <p:spTree>
+      <p:nvGrpSpPr>
+        <p:cNvPr id="1" name=""/>
+        <p:cNvGrpSpPr/>
+        <p:nvPr/>
+      </p:nvGrpSpPr>
+      <p:grpSpPr>
+        <a:xfrm>
+          <a:off x="0" y="0"/>
+          <a:ext cx="0" cy="0"/>
+          <a:chOff x="0" y="0"/>
+          <a:chExt cx="0" cy="0"/>
+        </a:xfrm>
+      </p:grpSpPr>
+      <p:sp>
+        <p:nvSpPr>
+          <p:cNvPr id="5" name="양쪽 모서리가 둥근 사각형 4"/>
+          <p:cNvSpPr/>
+          <p:nvPr/>
+        </p:nvSpPr>
+        <p:spPr>
+          <a:xfrm>
+            <a:off x="274458" y="348343"/>
+            <a:ext cx="11664000" cy="6509657"/>
+          </a:xfrm>
+          <a:prstGeom prst="round2SameRect">
+            <a:avLst>
+              <a:gd name="adj1" fmla="val 5233"/>
+              <a:gd name="adj2" fmla="val 0"/>
+            </a:avLst>
+          </a:prstGeom>
+          <a:solidFill>
+            <a:schemeClr val="tx1">
+              <a:lumMod val="75000"/>
+              <a:lumOff val="25000"/>
+            </a:schemeClr>
+          </a:solidFill>
+          <a:ln>
+            <a:noFill/>
+          </a:ln>
+          <a:effectLst>
+            <a:outerShdw dist="38100" algn="l" rotWithShape="0">
+              <a:prstClr val="black">
+                <a:alpha val="40000"/>
+              </a:prstClr>
+            </a:outerShdw>
+          </a:effectLst>
+        </p:spPr>
+        <p:style>
+          <a:lnRef idx="2">
+            <a:schemeClr val="accent1">
+              <a:shade val="50000"/>
+            </a:schemeClr>
+          </a:lnRef>
+          <a:fillRef idx="1">
+            <a:schemeClr val="accent1"/>
+          </a:fillRef>
+          <a:effectRef idx="0">
+            <a:schemeClr val="accent1"/>
+          </a:effectRef>
+          <a:fontRef idx="minor">
+            <a:schemeClr val="lt1"/>
+          </a:fontRef>
+        </p:style>
+        <p:txBody>
+          <a:bodyPr rtlCol="0" anchor="ctr"/>
+          <a:lstStyle/>
+          <a:p>
+            <a:pPr algn="ctr"/>
+            <a:endParaRPr lang="ko-KR" altLang="en-US">
+              <a:solidFill>
+                <a:prstClr val="white"/>
+              </a:solidFill>
+            </a:endParaRPr>
+          </a:p>
+        </p:txBody>
+      </p:sp>
+      <p:sp>
+        <p:nvSpPr>
+          <p:cNvPr id="6" name="양쪽 모서리가 둥근 사각형 5"/>
+          <p:cNvSpPr/>
+          <p:nvPr/>
+        </p:nvSpPr>
+        <p:spPr>
+          <a:xfrm>
+            <a:off x="328458" y="414000"/>
+            <a:ext cx="11556000" cy="6444000"/>
+          </a:xfrm>
+          <a:prstGeom prst="round2SameRect">
+            <a:avLst>
+              <a:gd name="adj1" fmla="val 4913"/>
+              <a:gd name="adj2" fmla="val 0"/>
+            </a:avLst>
+          </a:prstGeom>
+          <a:solidFill>
+            <a:srgbClr val="01A7CE"/>
+          </a:solidFill>
+          <a:ln>
+            <a:noFill/>
+          </a:ln>
+        </p:spPr>
+        <p:style>
+          <a:lnRef idx="2">
+            <a:schemeClr val="accent1">
+              <a:shade val="50000"/>
+            </a:schemeClr>
+          </a:lnRef>
+          <a:fillRef idx="1">
+            <a:schemeClr val="accent1"/>
+          </a:fillRef>
+          <a:effectRef idx="0">
+            <a:schemeClr val="accent1"/>
+          </a:effectRef>
+          <a:fontRef idx="minor">
+            <a:schemeClr val="lt1"/>
+          </a:fontRef>
+        </p:style>
+        <p:txBody>
+          <a:bodyPr rtlCol="0" anchor="t"/>
+          <a:lstStyle/>
+          <a:p>
+            <a:pPr lvl="1" latinLnBrk="0">
+              <a:defRPr/>
+            </a:pPr>
+            <a:r>
+              <a:rPr lang="en-US" altLang="ko-KR" sz="2800" b="1" i="1" kern="0" smtClean="0">
+                <a:solidFill>
+                  <a:prstClr val="white"/>
+                </a:solidFill>
+              </a:rPr>
+              <a:t>2. </a:t>
+            </a:r>
+            <a:r>
+              <a:rPr lang="ko-KR" altLang="en-US" sz="2800" b="1" i="1" kern="0" smtClean="0">
+                <a:solidFill>
+                  <a:prstClr val="white"/>
+                </a:solidFill>
+              </a:rPr>
+              <a:t>프로젝트 내용 </a:t>
+            </a:r>
+            <a:r>
+              <a:rPr lang="en-US" altLang="ko-KR" sz="2800" b="1" i="1" kern="0">
+                <a:solidFill>
+                  <a:prstClr val="white"/>
+                </a:solidFill>
+              </a:rPr>
+              <a:t>-</a:t>
+            </a:r>
+            <a:r>
+              <a:rPr lang="en-US" altLang="ko-KR" sz="2800" b="1" i="1" kern="0" smtClean="0">
+                <a:solidFill>
+                  <a:prstClr val="white"/>
+                </a:solidFill>
+              </a:rPr>
+              <a:t> </a:t>
+            </a:r>
+            <a:r>
+              <a:rPr lang="ko-KR" altLang="en-US" sz="2800" b="1" i="1" kern="0" smtClean="0">
+                <a:solidFill>
+                  <a:prstClr val="white"/>
+                </a:solidFill>
+              </a:rPr>
+              <a:t>실제 방 사진</a:t>
+            </a:r>
+            <a:endParaRPr lang="en-US" altLang="ko-KR" sz="1400" i="1" kern="0" dirty="0">
+              <a:solidFill>
+                <a:prstClr val="white"/>
+              </a:solidFill>
+            </a:endParaRPr>
+          </a:p>
+          <a:p>
+            <a:pPr algn="ctr"/>
+            <a:endParaRPr lang="ko-KR" altLang="en-US" sz="1000" dirty="0">
+              <a:solidFill>
+                <a:prstClr val="white"/>
+              </a:solidFill>
+            </a:endParaRPr>
+          </a:p>
+        </p:txBody>
+      </p:sp>
+      <p:sp>
+        <p:nvSpPr>
+          <p:cNvPr id="7" name="직사각형 6"/>
+          <p:cNvSpPr/>
+          <p:nvPr/>
+        </p:nvSpPr>
+        <p:spPr>
+          <a:xfrm>
+            <a:off x="328458" y="1068343"/>
+            <a:ext cx="11556000" cy="5789657"/>
           </a:xfrm>
           <a:prstGeom prst="rect">
             <a:avLst/>
           </a:prstGeom>
           <a:solidFill>
-            <a:srgbClr val="B0E796"/>
+            <a:schemeClr val="bg1"/>
           </a:solidFill>
           <a:ln>
-            <a:solidFill>
-              <a:srgbClr val="D0D0D8"/>
-            </a:solidFill>
+            <a:noFill/>
           </a:ln>
         </p:spPr>
         <p:style>
@@ -10349,15 +12966,8 @@
           <a:bodyPr rtlCol="0" anchor="ctr"/>
           <a:lstStyle/>
           <a:p>
-            <a:r>
-              <a:rPr lang="en-US" altLang="ko-KR" sz="1000" b="1" dirty="0">
-                <a:solidFill>
-                  <a:prstClr val="white"/>
-                </a:solidFill>
-              </a:rPr>
-              <a:t>CONTENT</a:t>
-            </a:r>
-            <a:endParaRPr lang="ko-KR" altLang="en-US" sz="1200" b="1" dirty="0">
+            <a:pPr algn="ctr"/>
+            <a:endParaRPr lang="ko-KR" altLang="en-US">
               <a:solidFill>
                 <a:prstClr val="white"/>
               </a:solidFill>
@@ -10367,27 +12977,1172 @@
       </p:sp>
       <p:sp>
         <p:nvSpPr>
-          <p:cNvPr id="36" name="직사각형 35"/>
+          <p:cNvPr id="10" name="사각형: 둥근 모서리 5">
+            <a:extLst>
+              <a:ext uri="{FF2B5EF4-FFF2-40B4-BE49-F238E27FC236}">
+                <a16:creationId xmlns:a16="http://schemas.microsoft.com/office/drawing/2014/main" id="{29433077-90B3-4432-AB1E-87BD95D8FF5C}"/>
+              </a:ext>
+            </a:extLst>
+          </p:cNvPr>
           <p:cNvSpPr/>
           <p:nvPr/>
         </p:nvSpPr>
         <p:spPr>
           <a:xfrm>
-            <a:off x="1206229" y="2821010"/>
-            <a:ext cx="5400000" cy="393700"/>
+            <a:off x="11281274" y="215219"/>
+            <a:ext cx="720000" cy="720000"/>
+          </a:xfrm>
+          <a:prstGeom prst="ellipse">
+            <a:avLst/>
+          </a:prstGeom>
+          <a:gradFill flip="none" rotWithShape="1">
+            <a:gsLst>
+              <a:gs pos="0">
+                <a:srgbClr val="01A7CE"/>
+              </a:gs>
+              <a:gs pos="100000">
+                <a:srgbClr val="00D0AC"/>
+              </a:gs>
+            </a:gsLst>
+            <a:path path="circle">
+              <a:fillToRect l="100000" t="100000"/>
+            </a:path>
+            <a:tileRect r="-100000" b="-100000"/>
+          </a:gradFill>
+          <a:ln>
+            <a:noFill/>
+          </a:ln>
+          <a:effectLst>
+            <a:outerShdw blurRad="50800" dist="38100" dir="2700000" algn="tl" rotWithShape="0">
+              <a:prstClr val="black">
+                <a:alpha val="40000"/>
+              </a:prstClr>
+            </a:outerShdw>
+          </a:effectLst>
+        </p:spPr>
+        <p:style>
+          <a:lnRef idx="2">
+            <a:schemeClr val="accent1">
+              <a:shade val="50000"/>
+            </a:schemeClr>
+          </a:lnRef>
+          <a:fillRef idx="1">
+            <a:schemeClr val="accent1"/>
+          </a:fillRef>
+          <a:effectRef idx="0">
+            <a:schemeClr val="accent1"/>
+          </a:effectRef>
+          <a:fontRef idx="minor">
+            <a:schemeClr val="lt1"/>
+          </a:fontRef>
+        </p:style>
+        <p:txBody>
+          <a:bodyPr lIns="216000" rtlCol="0" anchor="ctr"/>
+          <a:lstStyle/>
+          <a:p>
+            <a:pPr>
+              <a:defRPr/>
+            </a:pPr>
+            <a:endParaRPr lang="en-US" altLang="ko-KR" sz="400" kern="0" dirty="0">
+              <a:solidFill>
+                <a:prstClr val="white"/>
+              </a:solidFill>
+            </a:endParaRPr>
+          </a:p>
+        </p:txBody>
+      </p:sp>
+      <p:sp>
+        <p:nvSpPr>
+          <p:cNvPr id="15" name="Freeform 36">
+            <a:extLst>
+              <a:ext uri="{FF2B5EF4-FFF2-40B4-BE49-F238E27FC236}">
+                <a16:creationId xmlns:a16="http://schemas.microsoft.com/office/drawing/2014/main" id="{10D33EC3-8543-4845-97A2-D38BE89D3A5F}"/>
+              </a:ext>
+            </a:extLst>
+          </p:cNvPr>
+          <p:cNvSpPr>
+            <a:spLocks noEditPoints="1"/>
+          </p:cNvSpPr>
+          <p:nvPr/>
+        </p:nvSpPr>
+        <p:spPr bwMode="auto">
+          <a:xfrm>
+            <a:off x="11521180" y="372566"/>
+            <a:ext cx="240188" cy="403979"/>
+          </a:xfrm>
+          <a:custGeom>
+            <a:avLst/>
+            <a:gdLst>
+              <a:gd name="T0" fmla="*/ 937 w 1926"/>
+              <a:gd name="T1" fmla="*/ 3639 h 4045"/>
+              <a:gd name="T2" fmla="*/ 893 w 1926"/>
+              <a:gd name="T3" fmla="*/ 3665 h 4045"/>
+              <a:gd name="T4" fmla="*/ 863 w 1926"/>
+              <a:gd name="T5" fmla="*/ 3712 h 4045"/>
+              <a:gd name="T6" fmla="*/ 851 w 1926"/>
+              <a:gd name="T7" fmla="*/ 3772 h 4045"/>
+              <a:gd name="T8" fmla="*/ 863 w 1926"/>
+              <a:gd name="T9" fmla="*/ 3832 h 4045"/>
+              <a:gd name="T10" fmla="*/ 893 w 1926"/>
+              <a:gd name="T11" fmla="*/ 3878 h 4045"/>
+              <a:gd name="T12" fmla="*/ 937 w 1926"/>
+              <a:gd name="T13" fmla="*/ 3905 h 4045"/>
+              <a:gd name="T14" fmla="*/ 988 w 1926"/>
+              <a:gd name="T15" fmla="*/ 3905 h 4045"/>
+              <a:gd name="T16" fmla="*/ 1033 w 1926"/>
+              <a:gd name="T17" fmla="*/ 3878 h 4045"/>
+              <a:gd name="T18" fmla="*/ 1064 w 1926"/>
+              <a:gd name="T19" fmla="*/ 3832 h 4045"/>
+              <a:gd name="T20" fmla="*/ 1075 w 1926"/>
+              <a:gd name="T21" fmla="*/ 3772 h 4045"/>
+              <a:gd name="T22" fmla="*/ 1064 w 1926"/>
+              <a:gd name="T23" fmla="*/ 3712 h 4045"/>
+              <a:gd name="T24" fmla="*/ 1033 w 1926"/>
+              <a:gd name="T25" fmla="*/ 3665 h 4045"/>
+              <a:gd name="T26" fmla="*/ 988 w 1926"/>
+              <a:gd name="T27" fmla="*/ 3639 h 4045"/>
+              <a:gd name="T28" fmla="*/ 156 w 1926"/>
+              <a:gd name="T29" fmla="*/ 434 h 4045"/>
+              <a:gd name="T30" fmla="*/ 1770 w 1926"/>
+              <a:gd name="T31" fmla="*/ 3540 h 4045"/>
+              <a:gd name="T32" fmla="*/ 156 w 1926"/>
+              <a:gd name="T33" fmla="*/ 434 h 4045"/>
+              <a:gd name="T34" fmla="*/ 716 w 1926"/>
+              <a:gd name="T35" fmla="*/ 200 h 4045"/>
+              <a:gd name="T36" fmla="*/ 701 w 1926"/>
+              <a:gd name="T37" fmla="*/ 217 h 4045"/>
+              <a:gd name="T38" fmla="*/ 701 w 1926"/>
+              <a:gd name="T39" fmla="*/ 243 h 4045"/>
+              <a:gd name="T40" fmla="*/ 716 w 1926"/>
+              <a:gd name="T41" fmla="*/ 260 h 4045"/>
+              <a:gd name="T42" fmla="*/ 1199 w 1926"/>
+              <a:gd name="T43" fmla="*/ 262 h 4045"/>
+              <a:gd name="T44" fmla="*/ 1218 w 1926"/>
+              <a:gd name="T45" fmla="*/ 254 h 4045"/>
+              <a:gd name="T46" fmla="*/ 1226 w 1926"/>
+              <a:gd name="T47" fmla="*/ 230 h 4045"/>
+              <a:gd name="T48" fmla="*/ 1218 w 1926"/>
+              <a:gd name="T49" fmla="*/ 207 h 4045"/>
+              <a:gd name="T50" fmla="*/ 1199 w 1926"/>
+              <a:gd name="T51" fmla="*/ 197 h 4045"/>
+              <a:gd name="T52" fmla="*/ 224 w 1926"/>
+              <a:gd name="T53" fmla="*/ 0 h 4045"/>
+              <a:gd name="T54" fmla="*/ 1738 w 1926"/>
+              <a:gd name="T55" fmla="*/ 4 h 4045"/>
+              <a:gd name="T56" fmla="*/ 1805 w 1926"/>
+              <a:gd name="T57" fmla="*/ 31 h 4045"/>
+              <a:gd name="T58" fmla="*/ 1860 w 1926"/>
+              <a:gd name="T59" fmla="*/ 81 h 4045"/>
+              <a:gd name="T60" fmla="*/ 1900 w 1926"/>
+              <a:gd name="T61" fmla="*/ 148 h 4045"/>
+              <a:gd name="T62" fmla="*/ 1923 w 1926"/>
+              <a:gd name="T63" fmla="*/ 229 h 4045"/>
+              <a:gd name="T64" fmla="*/ 1926 w 1926"/>
+              <a:gd name="T65" fmla="*/ 3772 h 4045"/>
+              <a:gd name="T66" fmla="*/ 1915 w 1926"/>
+              <a:gd name="T67" fmla="*/ 3857 h 4045"/>
+              <a:gd name="T68" fmla="*/ 1882 w 1926"/>
+              <a:gd name="T69" fmla="*/ 3932 h 4045"/>
+              <a:gd name="T70" fmla="*/ 1834 w 1926"/>
+              <a:gd name="T71" fmla="*/ 3992 h 4045"/>
+              <a:gd name="T72" fmla="*/ 1773 w 1926"/>
+              <a:gd name="T73" fmla="*/ 4032 h 4045"/>
+              <a:gd name="T74" fmla="*/ 1702 w 1926"/>
+              <a:gd name="T75" fmla="*/ 4045 h 4045"/>
+              <a:gd name="T76" fmla="*/ 188 w 1926"/>
+              <a:gd name="T77" fmla="*/ 4041 h 4045"/>
+              <a:gd name="T78" fmla="*/ 122 w 1926"/>
+              <a:gd name="T79" fmla="*/ 4014 h 4045"/>
+              <a:gd name="T80" fmla="*/ 66 w 1926"/>
+              <a:gd name="T81" fmla="*/ 3964 h 4045"/>
+              <a:gd name="T82" fmla="*/ 25 w 1926"/>
+              <a:gd name="T83" fmla="*/ 3897 h 4045"/>
+              <a:gd name="T84" fmla="*/ 3 w 1926"/>
+              <a:gd name="T85" fmla="*/ 3816 h 4045"/>
+              <a:gd name="T86" fmla="*/ 0 w 1926"/>
+              <a:gd name="T87" fmla="*/ 273 h 4045"/>
+              <a:gd name="T88" fmla="*/ 12 w 1926"/>
+              <a:gd name="T89" fmla="*/ 188 h 4045"/>
+              <a:gd name="T90" fmla="*/ 43 w 1926"/>
+              <a:gd name="T91" fmla="*/ 113 h 4045"/>
+              <a:gd name="T92" fmla="*/ 92 w 1926"/>
+              <a:gd name="T93" fmla="*/ 53 h 4045"/>
+              <a:gd name="T94" fmla="*/ 154 w 1926"/>
+              <a:gd name="T95" fmla="*/ 13 h 4045"/>
+              <a:gd name="T96" fmla="*/ 224 w 1926"/>
+              <a:gd name="T97" fmla="*/ 0 h 4045"/>
+            </a:gdLst>
+            <a:ahLst/>
+            <a:cxnLst>
+              <a:cxn ang="0">
+                <a:pos x="T0" y="T1"/>
+              </a:cxn>
+              <a:cxn ang="0">
+                <a:pos x="T2" y="T3"/>
+              </a:cxn>
+              <a:cxn ang="0">
+                <a:pos x="T4" y="T5"/>
+              </a:cxn>
+              <a:cxn ang="0">
+                <a:pos x="T6" y="T7"/>
+              </a:cxn>
+              <a:cxn ang="0">
+                <a:pos x="T8" y="T9"/>
+              </a:cxn>
+              <a:cxn ang="0">
+                <a:pos x="T10" y="T11"/>
+              </a:cxn>
+              <a:cxn ang="0">
+                <a:pos x="T12" y="T13"/>
+              </a:cxn>
+              <a:cxn ang="0">
+                <a:pos x="T14" y="T15"/>
+              </a:cxn>
+              <a:cxn ang="0">
+                <a:pos x="T16" y="T17"/>
+              </a:cxn>
+              <a:cxn ang="0">
+                <a:pos x="T18" y="T19"/>
+              </a:cxn>
+              <a:cxn ang="0">
+                <a:pos x="T20" y="T21"/>
+              </a:cxn>
+              <a:cxn ang="0">
+                <a:pos x="T22" y="T23"/>
+              </a:cxn>
+              <a:cxn ang="0">
+                <a:pos x="T24" y="T25"/>
+              </a:cxn>
+              <a:cxn ang="0">
+                <a:pos x="T26" y="T27"/>
+              </a:cxn>
+              <a:cxn ang="0">
+                <a:pos x="T28" y="T29"/>
+              </a:cxn>
+              <a:cxn ang="0">
+                <a:pos x="T30" y="T31"/>
+              </a:cxn>
+              <a:cxn ang="0">
+                <a:pos x="T32" y="T33"/>
+              </a:cxn>
+              <a:cxn ang="0">
+                <a:pos x="T34" y="T35"/>
+              </a:cxn>
+              <a:cxn ang="0">
+                <a:pos x="T36" y="T37"/>
+              </a:cxn>
+              <a:cxn ang="0">
+                <a:pos x="T38" y="T39"/>
+              </a:cxn>
+              <a:cxn ang="0">
+                <a:pos x="T40" y="T41"/>
+              </a:cxn>
+              <a:cxn ang="0">
+                <a:pos x="T42" y="T43"/>
+              </a:cxn>
+              <a:cxn ang="0">
+                <a:pos x="T44" y="T45"/>
+              </a:cxn>
+              <a:cxn ang="0">
+                <a:pos x="T46" y="T47"/>
+              </a:cxn>
+              <a:cxn ang="0">
+                <a:pos x="T48" y="T49"/>
+              </a:cxn>
+              <a:cxn ang="0">
+                <a:pos x="T50" y="T51"/>
+              </a:cxn>
+              <a:cxn ang="0">
+                <a:pos x="T52" y="T53"/>
+              </a:cxn>
+              <a:cxn ang="0">
+                <a:pos x="T54" y="T55"/>
+              </a:cxn>
+              <a:cxn ang="0">
+                <a:pos x="T56" y="T57"/>
+              </a:cxn>
+              <a:cxn ang="0">
+                <a:pos x="T58" y="T59"/>
+              </a:cxn>
+              <a:cxn ang="0">
+                <a:pos x="T60" y="T61"/>
+              </a:cxn>
+              <a:cxn ang="0">
+                <a:pos x="T62" y="T63"/>
+              </a:cxn>
+              <a:cxn ang="0">
+                <a:pos x="T64" y="T65"/>
+              </a:cxn>
+              <a:cxn ang="0">
+                <a:pos x="T66" y="T67"/>
+              </a:cxn>
+              <a:cxn ang="0">
+                <a:pos x="T68" y="T69"/>
+              </a:cxn>
+              <a:cxn ang="0">
+                <a:pos x="T70" y="T71"/>
+              </a:cxn>
+              <a:cxn ang="0">
+                <a:pos x="T72" y="T73"/>
+              </a:cxn>
+              <a:cxn ang="0">
+                <a:pos x="T74" y="T75"/>
+              </a:cxn>
+              <a:cxn ang="0">
+                <a:pos x="T76" y="T77"/>
+              </a:cxn>
+              <a:cxn ang="0">
+                <a:pos x="T78" y="T79"/>
+              </a:cxn>
+              <a:cxn ang="0">
+                <a:pos x="T80" y="T81"/>
+              </a:cxn>
+              <a:cxn ang="0">
+                <a:pos x="T82" y="T83"/>
+              </a:cxn>
+              <a:cxn ang="0">
+                <a:pos x="T84" y="T85"/>
+              </a:cxn>
+              <a:cxn ang="0">
+                <a:pos x="T86" y="T87"/>
+              </a:cxn>
+              <a:cxn ang="0">
+                <a:pos x="T88" y="T89"/>
+              </a:cxn>
+              <a:cxn ang="0">
+                <a:pos x="T90" y="T91"/>
+              </a:cxn>
+              <a:cxn ang="0">
+                <a:pos x="T92" y="T93"/>
+              </a:cxn>
+              <a:cxn ang="0">
+                <a:pos x="T94" y="T95"/>
+              </a:cxn>
+              <a:cxn ang="0">
+                <a:pos x="T96" y="T97"/>
+              </a:cxn>
+            </a:cxnLst>
+            <a:rect l="0" t="0" r="r" b="b"/>
+            <a:pathLst>
+              <a:path w="1926" h="4045">
+                <a:moveTo>
+                  <a:pt x="963" y="3636"/>
+                </a:moveTo>
+                <a:lnTo>
+                  <a:pt x="937" y="3639"/>
+                </a:lnTo>
+                <a:lnTo>
+                  <a:pt x="914" y="3649"/>
+                </a:lnTo>
+                <a:lnTo>
+                  <a:pt x="893" y="3665"/>
+                </a:lnTo>
+                <a:lnTo>
+                  <a:pt x="876" y="3686"/>
+                </a:lnTo>
+                <a:lnTo>
+                  <a:pt x="863" y="3712"/>
+                </a:lnTo>
+                <a:lnTo>
+                  <a:pt x="854" y="3741"/>
+                </a:lnTo>
+                <a:lnTo>
+                  <a:pt x="851" y="3772"/>
+                </a:lnTo>
+                <a:lnTo>
+                  <a:pt x="854" y="3804"/>
+                </a:lnTo>
+                <a:lnTo>
+                  <a:pt x="863" y="3832"/>
+                </a:lnTo>
+                <a:lnTo>
+                  <a:pt x="876" y="3857"/>
+                </a:lnTo>
+                <a:lnTo>
+                  <a:pt x="893" y="3878"/>
+                </a:lnTo>
+                <a:lnTo>
+                  <a:pt x="914" y="3894"/>
+                </a:lnTo>
+                <a:lnTo>
+                  <a:pt x="937" y="3905"/>
+                </a:lnTo>
+                <a:lnTo>
+                  <a:pt x="963" y="3909"/>
+                </a:lnTo>
+                <a:lnTo>
+                  <a:pt x="988" y="3905"/>
+                </a:lnTo>
+                <a:lnTo>
+                  <a:pt x="1013" y="3894"/>
+                </a:lnTo>
+                <a:lnTo>
+                  <a:pt x="1033" y="3878"/>
+                </a:lnTo>
+                <a:lnTo>
+                  <a:pt x="1051" y="3857"/>
+                </a:lnTo>
+                <a:lnTo>
+                  <a:pt x="1064" y="3832"/>
+                </a:lnTo>
+                <a:lnTo>
+                  <a:pt x="1072" y="3804"/>
+                </a:lnTo>
+                <a:lnTo>
+                  <a:pt x="1075" y="3772"/>
+                </a:lnTo>
+                <a:lnTo>
+                  <a:pt x="1072" y="3741"/>
+                </a:lnTo>
+                <a:lnTo>
+                  <a:pt x="1064" y="3712"/>
+                </a:lnTo>
+                <a:lnTo>
+                  <a:pt x="1051" y="3686"/>
+                </a:lnTo>
+                <a:lnTo>
+                  <a:pt x="1033" y="3665"/>
+                </a:lnTo>
+                <a:lnTo>
+                  <a:pt x="1013" y="3649"/>
+                </a:lnTo>
+                <a:lnTo>
+                  <a:pt x="988" y="3639"/>
+                </a:lnTo>
+                <a:lnTo>
+                  <a:pt x="963" y="3636"/>
+                </a:lnTo>
+                <a:close/>
+                <a:moveTo>
+                  <a:pt x="156" y="434"/>
+                </a:moveTo>
+                <a:lnTo>
+                  <a:pt x="156" y="3540"/>
+                </a:lnTo>
+                <a:lnTo>
+                  <a:pt x="1770" y="3540"/>
+                </a:lnTo>
+                <a:lnTo>
+                  <a:pt x="1770" y="434"/>
+                </a:lnTo>
+                <a:lnTo>
+                  <a:pt x="156" y="434"/>
+                </a:lnTo>
+                <a:close/>
+                <a:moveTo>
+                  <a:pt x="727" y="197"/>
+                </a:moveTo>
+                <a:lnTo>
+                  <a:pt x="716" y="200"/>
+                </a:lnTo>
+                <a:lnTo>
+                  <a:pt x="707" y="207"/>
+                </a:lnTo>
+                <a:lnTo>
+                  <a:pt x="701" y="217"/>
+                </a:lnTo>
+                <a:lnTo>
+                  <a:pt x="699" y="230"/>
+                </a:lnTo>
+                <a:lnTo>
+                  <a:pt x="701" y="243"/>
+                </a:lnTo>
+                <a:lnTo>
+                  <a:pt x="707" y="254"/>
+                </a:lnTo>
+                <a:lnTo>
+                  <a:pt x="716" y="260"/>
+                </a:lnTo>
+                <a:lnTo>
+                  <a:pt x="727" y="262"/>
+                </a:lnTo>
+                <a:lnTo>
+                  <a:pt x="1199" y="262"/>
+                </a:lnTo>
+                <a:lnTo>
+                  <a:pt x="1210" y="260"/>
+                </a:lnTo>
+                <a:lnTo>
+                  <a:pt x="1218" y="254"/>
+                </a:lnTo>
+                <a:lnTo>
+                  <a:pt x="1224" y="243"/>
+                </a:lnTo>
+                <a:lnTo>
+                  <a:pt x="1226" y="230"/>
+                </a:lnTo>
+                <a:lnTo>
+                  <a:pt x="1224" y="217"/>
+                </a:lnTo>
+                <a:lnTo>
+                  <a:pt x="1218" y="207"/>
+                </a:lnTo>
+                <a:lnTo>
+                  <a:pt x="1210" y="200"/>
+                </a:lnTo>
+                <a:lnTo>
+                  <a:pt x="1199" y="197"/>
+                </a:lnTo>
+                <a:lnTo>
+                  <a:pt x="727" y="197"/>
+                </a:lnTo>
+                <a:close/>
+                <a:moveTo>
+                  <a:pt x="224" y="0"/>
+                </a:moveTo>
+                <a:lnTo>
+                  <a:pt x="1702" y="0"/>
+                </a:lnTo>
+                <a:lnTo>
+                  <a:pt x="1738" y="4"/>
+                </a:lnTo>
+                <a:lnTo>
+                  <a:pt x="1773" y="13"/>
+                </a:lnTo>
+                <a:lnTo>
+                  <a:pt x="1805" y="31"/>
+                </a:lnTo>
+                <a:lnTo>
+                  <a:pt x="1834" y="53"/>
+                </a:lnTo>
+                <a:lnTo>
+                  <a:pt x="1860" y="81"/>
+                </a:lnTo>
+                <a:lnTo>
+                  <a:pt x="1882" y="113"/>
+                </a:lnTo>
+                <a:lnTo>
+                  <a:pt x="1900" y="148"/>
+                </a:lnTo>
+                <a:lnTo>
+                  <a:pt x="1915" y="188"/>
+                </a:lnTo>
+                <a:lnTo>
+                  <a:pt x="1923" y="229"/>
+                </a:lnTo>
+                <a:lnTo>
+                  <a:pt x="1926" y="273"/>
+                </a:lnTo>
+                <a:lnTo>
+                  <a:pt x="1926" y="3772"/>
+                </a:lnTo>
+                <a:lnTo>
+                  <a:pt x="1923" y="3816"/>
+                </a:lnTo>
+                <a:lnTo>
+                  <a:pt x="1915" y="3857"/>
+                </a:lnTo>
+                <a:lnTo>
+                  <a:pt x="1900" y="3897"/>
+                </a:lnTo>
+                <a:lnTo>
+                  <a:pt x="1882" y="3932"/>
+                </a:lnTo>
+                <a:lnTo>
+                  <a:pt x="1860" y="3964"/>
+                </a:lnTo>
+                <a:lnTo>
+                  <a:pt x="1834" y="3992"/>
+                </a:lnTo>
+                <a:lnTo>
+                  <a:pt x="1805" y="4014"/>
+                </a:lnTo>
+                <a:lnTo>
+                  <a:pt x="1773" y="4032"/>
+                </a:lnTo>
+                <a:lnTo>
+                  <a:pt x="1738" y="4041"/>
+                </a:lnTo>
+                <a:lnTo>
+                  <a:pt x="1702" y="4045"/>
+                </a:lnTo>
+                <a:lnTo>
+                  <a:pt x="224" y="4045"/>
+                </a:lnTo>
+                <a:lnTo>
+                  <a:pt x="188" y="4041"/>
+                </a:lnTo>
+                <a:lnTo>
+                  <a:pt x="154" y="4032"/>
+                </a:lnTo>
+                <a:lnTo>
+                  <a:pt x="122" y="4014"/>
+                </a:lnTo>
+                <a:lnTo>
+                  <a:pt x="92" y="3992"/>
+                </a:lnTo>
+                <a:lnTo>
+                  <a:pt x="66" y="3964"/>
+                </a:lnTo>
+                <a:lnTo>
+                  <a:pt x="43" y="3932"/>
+                </a:lnTo>
+                <a:lnTo>
+                  <a:pt x="25" y="3897"/>
+                </a:lnTo>
+                <a:lnTo>
+                  <a:pt x="12" y="3857"/>
+                </a:lnTo>
+                <a:lnTo>
+                  <a:pt x="3" y="3816"/>
+                </a:lnTo>
+                <a:lnTo>
+                  <a:pt x="0" y="3772"/>
+                </a:lnTo>
+                <a:lnTo>
+                  <a:pt x="0" y="273"/>
+                </a:lnTo>
+                <a:lnTo>
+                  <a:pt x="3" y="229"/>
+                </a:lnTo>
+                <a:lnTo>
+                  <a:pt x="12" y="188"/>
+                </a:lnTo>
+                <a:lnTo>
+                  <a:pt x="25" y="148"/>
+                </a:lnTo>
+                <a:lnTo>
+                  <a:pt x="43" y="113"/>
+                </a:lnTo>
+                <a:lnTo>
+                  <a:pt x="66" y="81"/>
+                </a:lnTo>
+                <a:lnTo>
+                  <a:pt x="92" y="53"/>
+                </a:lnTo>
+                <a:lnTo>
+                  <a:pt x="122" y="31"/>
+                </a:lnTo>
+                <a:lnTo>
+                  <a:pt x="154" y="13"/>
+                </a:lnTo>
+                <a:lnTo>
+                  <a:pt x="188" y="4"/>
+                </a:lnTo>
+                <a:lnTo>
+                  <a:pt x="224" y="0"/>
+                </a:lnTo>
+                <a:close/>
+              </a:path>
+            </a:pathLst>
+          </a:custGeom>
+          <a:solidFill>
+            <a:schemeClr val="bg1"/>
+          </a:solidFill>
+          <a:ln w="0">
+            <a:noFill/>
+            <a:prstDash val="solid"/>
+            <a:round/>
+            <a:headEnd/>
+            <a:tailEnd/>
+          </a:ln>
+        </p:spPr>
+        <p:txBody>
+          <a:bodyPr vert="horz" wrap="square" lIns="91440" tIns="45720" rIns="91440" bIns="45720" numCol="1" anchor="t" anchorCtr="0" compatLnSpc="1">
+            <a:prstTxWarp prst="textNoShape">
+              <a:avLst/>
+            </a:prstTxWarp>
+          </a:bodyPr>
+          <a:lstStyle/>
+          <a:p>
+            <a:endParaRPr lang="ko-KR" altLang="en-US">
+              <a:solidFill>
+                <a:prstClr val="black"/>
+              </a:solidFill>
+            </a:endParaRPr>
+          </a:p>
+        </p:txBody>
+      </p:sp>
+      <p:sp>
+        <p:nvSpPr>
+          <p:cNvPr id="11" name="사각형: 둥근 모서리 5">
+            <a:extLst>
+              <a:ext uri="{FF2B5EF4-FFF2-40B4-BE49-F238E27FC236}">
+                <a16:creationId xmlns:a16="http://schemas.microsoft.com/office/drawing/2014/main" id="{29433077-90B3-4432-AB1E-87BD95D8FF5C}"/>
+              </a:ext>
+            </a:extLst>
+          </p:cNvPr>
+          <p:cNvSpPr/>
+          <p:nvPr/>
+        </p:nvSpPr>
+        <p:spPr>
+          <a:xfrm>
+            <a:off x="11735345" y="131353"/>
+            <a:ext cx="241213" cy="241213"/>
+          </a:xfrm>
+          <a:prstGeom prst="ellipse">
+            <a:avLst/>
+          </a:prstGeom>
+          <a:solidFill>
+            <a:srgbClr val="CC0000"/>
+          </a:solidFill>
+          <a:ln>
+            <a:noFill/>
+          </a:ln>
+          <a:effectLst>
+            <a:outerShdw dist="38100" dir="5400000" algn="t" rotWithShape="0">
+              <a:prstClr val="black">
+                <a:alpha val="40000"/>
+              </a:prstClr>
+            </a:outerShdw>
+          </a:effectLst>
+        </p:spPr>
+        <p:style>
+          <a:lnRef idx="2">
+            <a:schemeClr val="accent1">
+              <a:shade val="50000"/>
+            </a:schemeClr>
+          </a:lnRef>
+          <a:fillRef idx="1">
+            <a:schemeClr val="accent1"/>
+          </a:fillRef>
+          <a:effectRef idx="0">
+            <a:schemeClr val="accent1"/>
+          </a:effectRef>
+          <a:fontRef idx="minor">
+            <a:schemeClr val="lt1"/>
+          </a:fontRef>
+        </p:style>
+        <p:txBody>
+          <a:bodyPr wrap="none" lIns="0" tIns="0" rIns="0" bIns="0" rtlCol="0" anchor="ctr"/>
+          <a:lstStyle/>
+          <a:p>
+            <a:pPr algn="ctr">
+              <a:defRPr/>
+            </a:pPr>
+            <a:r>
+              <a:rPr lang="en-US" altLang="ko-KR" sz="1400" b="1" kern="0" dirty="0">
+                <a:solidFill>
+                  <a:prstClr val="white"/>
+                </a:solidFill>
+              </a:rPr>
+              <a:t>1</a:t>
+            </a:r>
+          </a:p>
+        </p:txBody>
+      </p:sp>
+      <p:sp>
+        <p:nvSpPr>
+          <p:cNvPr id="40" name="직사각형 39">
+            <a:extLst>
+              <a:ext uri="{FF2B5EF4-FFF2-40B4-BE49-F238E27FC236}">
+                <a16:creationId xmlns:a16="http://schemas.microsoft.com/office/drawing/2014/main" id="{3FA00699-5178-465A-9F3F-130CF1431F70}"/>
+              </a:ext>
+            </a:extLst>
+          </p:cNvPr>
+          <p:cNvSpPr/>
+          <p:nvPr/>
+        </p:nvSpPr>
+        <p:spPr>
+          <a:xfrm>
+            <a:off x="490297" y="5061520"/>
+            <a:ext cx="3950459" cy="373885"/>
+          </a:xfrm>
+          <a:prstGeom prst="rect">
+            <a:avLst/>
+          </a:prstGeom>
+        </p:spPr>
+        <p:txBody>
+          <a:bodyPr wrap="square">
+            <a:spAutoFit/>
+          </a:bodyPr>
+          <a:lstStyle/>
+          <a:p>
+            <a:pPr>
+              <a:lnSpc>
+                <a:spcPct val="150000"/>
+              </a:lnSpc>
+            </a:pPr>
+            <a:r>
+              <a:rPr lang="en-US" altLang="ko-KR" sz="1400" b="1" smtClean="0">
+                <a:solidFill>
+                  <a:srgbClr val="44546A">
+                    <a:lumMod val="75000"/>
+                  </a:srgbClr>
+                </a:solidFill>
+              </a:rPr>
+              <a:t>* 360</a:t>
+            </a:r>
+            <a:r>
+              <a:rPr lang="ko-KR" altLang="en-US" sz="1400" b="1" smtClean="0">
+                <a:solidFill>
+                  <a:srgbClr val="44546A">
+                    <a:lumMod val="75000"/>
+                  </a:srgbClr>
+                </a:solidFill>
+              </a:rPr>
+              <a:t>도 카메라를 통해 촬영한 실제 방의 모습</a:t>
+            </a:r>
+            <a:endParaRPr lang="ko-KR" altLang="en-US" sz="1000" dirty="0">
+              <a:solidFill>
+                <a:prstClr val="black">
+                  <a:lumMod val="65000"/>
+                  <a:lumOff val="35000"/>
+                </a:prstClr>
+              </a:solidFill>
+            </a:endParaRPr>
+          </a:p>
+        </p:txBody>
+      </p:sp>
+      <p:sp>
+        <p:nvSpPr>
+          <p:cNvPr id="47" name="직사각형 46">
+            <a:extLst>
+              <a:ext uri="{FF2B5EF4-FFF2-40B4-BE49-F238E27FC236}">
+                <a16:creationId xmlns:a16="http://schemas.microsoft.com/office/drawing/2014/main" id="{3FA00699-5178-465A-9F3F-130CF1431F70}"/>
+              </a:ext>
+            </a:extLst>
+          </p:cNvPr>
+          <p:cNvSpPr/>
+          <p:nvPr/>
+        </p:nvSpPr>
+        <p:spPr>
+          <a:xfrm>
+            <a:off x="6273997" y="5068611"/>
+            <a:ext cx="4469818" cy="415498"/>
+          </a:xfrm>
+          <a:prstGeom prst="rect">
+            <a:avLst/>
+          </a:prstGeom>
+        </p:spPr>
+        <p:txBody>
+          <a:bodyPr wrap="square">
+            <a:spAutoFit/>
+          </a:bodyPr>
+          <a:lstStyle/>
+          <a:p>
+            <a:pPr>
+              <a:lnSpc>
+                <a:spcPct val="150000"/>
+              </a:lnSpc>
+            </a:pPr>
+            <a:r>
+              <a:rPr lang="en-US" altLang="ko-KR" sz="1400" b="1">
+                <a:solidFill>
+                  <a:srgbClr val="44546A">
+                    <a:lumMod val="75000"/>
+                  </a:srgbClr>
+                </a:solidFill>
+              </a:rPr>
+              <a:t>* 360</a:t>
+            </a:r>
+            <a:r>
+              <a:rPr lang="ko-KR" altLang="en-US" sz="1400" b="1">
+                <a:solidFill>
+                  <a:srgbClr val="44546A">
+                    <a:lumMod val="75000"/>
+                  </a:srgbClr>
+                </a:solidFill>
+              </a:rPr>
+              <a:t>도 카메라를 통해 촬영한 </a:t>
+            </a:r>
+            <a:r>
+              <a:rPr lang="ko-KR" altLang="en-US" sz="1400" b="1">
+                <a:solidFill>
+                  <a:srgbClr val="44546A">
+                    <a:lumMod val="75000"/>
+                  </a:srgbClr>
+                </a:solidFill>
+              </a:rPr>
+              <a:t>실제 </a:t>
+            </a:r>
+            <a:r>
+              <a:rPr lang="ko-KR" altLang="en-US" sz="1400" b="1" smtClean="0">
+                <a:solidFill>
+                  <a:srgbClr val="44546A">
+                    <a:lumMod val="75000"/>
+                  </a:srgbClr>
+                </a:solidFill>
+              </a:rPr>
+              <a:t>화장실의 </a:t>
+            </a:r>
+            <a:r>
+              <a:rPr lang="ko-KR" altLang="en-US" sz="1400" b="1">
+                <a:solidFill>
+                  <a:srgbClr val="44546A">
+                    <a:lumMod val="75000"/>
+                  </a:srgbClr>
+                </a:solidFill>
+              </a:rPr>
+              <a:t>모습</a:t>
+            </a:r>
+            <a:endParaRPr lang="ko-KR" altLang="en-US" sz="1000" dirty="0">
+              <a:solidFill>
+                <a:prstClr val="black">
+                  <a:lumMod val="65000"/>
+                  <a:lumOff val="35000"/>
+                </a:prstClr>
+              </a:solidFill>
+            </a:endParaRPr>
+          </a:p>
+        </p:txBody>
+      </p:sp>
+      <p:pic>
+        <p:nvPicPr>
+          <p:cNvPr id="2" name="그림 1"/>
+          <p:cNvPicPr>
+            <a:picLocks noChangeAspect="1"/>
+          </p:cNvPicPr>
+          <p:nvPr/>
+        </p:nvPicPr>
+        <p:blipFill>
+          <a:blip r:embed="rId2" cstate="print">
+            <a:extLst>
+              <a:ext uri="{28A0092B-C50C-407E-A947-70E740481C1C}">
+                <a14:useLocalDpi xmlns:a14="http://schemas.microsoft.com/office/drawing/2010/main" val="0"/>
+              </a:ext>
+            </a:extLst>
+          </a:blip>
+          <a:stretch>
+            <a:fillRect/>
+          </a:stretch>
+        </p:blipFill>
+        <p:spPr>
+          <a:xfrm>
+            <a:off x="6273997" y="1599885"/>
+            <a:ext cx="5247183" cy="3354694"/>
+          </a:xfrm>
+          <a:prstGeom prst="rect">
+            <a:avLst/>
+          </a:prstGeom>
+        </p:spPr>
+      </p:pic>
+      <p:pic>
+        <p:nvPicPr>
+          <p:cNvPr id="3" name="그림 2"/>
+          <p:cNvPicPr>
+            <a:picLocks noChangeAspect="1"/>
+          </p:cNvPicPr>
+          <p:nvPr/>
+        </p:nvPicPr>
+        <p:blipFill>
+          <a:blip r:embed="rId3" cstate="print">
+            <a:extLst>
+              <a:ext uri="{28A0092B-C50C-407E-A947-70E740481C1C}">
+                <a14:useLocalDpi xmlns:a14="http://schemas.microsoft.com/office/drawing/2010/main" val="0"/>
+              </a:ext>
+            </a:extLst>
+          </a:blip>
+          <a:stretch>
+            <a:fillRect/>
+          </a:stretch>
+        </p:blipFill>
+        <p:spPr>
+          <a:xfrm>
+            <a:off x="556285" y="1640264"/>
+            <a:ext cx="5175212" cy="3354694"/>
+          </a:xfrm>
+          <a:prstGeom prst="rect">
+            <a:avLst/>
+          </a:prstGeom>
+        </p:spPr>
+      </p:pic>
+    </p:spTree>
+    <p:extLst>
+      <p:ext uri="{BB962C8B-B14F-4D97-AF65-F5344CB8AC3E}">
+        <p14:creationId xmlns:p14="http://schemas.microsoft.com/office/powerpoint/2010/main" val="2139761436"/>
+      </p:ext>
+    </p:extLst>
+  </p:cSld>
+  <p:clrMapOvr>
+    <a:masterClrMapping/>
+  </p:clrMapOvr>
+  <p:timing>
+    <p:tnLst>
+      <p:par>
+        <p:cTn id="1" dur="indefinite" restart="never" nodeType="tmRoot"/>
+      </p:par>
+    </p:tnLst>
+  </p:timing>
+</p:sld>
+</file>
+
+<file path=ppt/slides/slide8.xml><?xml version="1.0" encoding="utf-8"?>
+<p:sld xmlns:a="http://schemas.openxmlformats.org/drawingml/2006/main" xmlns:r="http://schemas.openxmlformats.org/officeDocument/2006/relationships" xmlns:p="http://schemas.openxmlformats.org/presentationml/2006/main">
+  <p:cSld>
+    <p:bg>
+      <p:bgPr>
+        <a:solidFill>
+          <a:srgbClr val="FFEAD1"/>
+        </a:solidFill>
+        <a:effectLst/>
+      </p:bgPr>
+    </p:bg>
+    <p:spTree>
+      <p:nvGrpSpPr>
+        <p:cNvPr id="1" name=""/>
+        <p:cNvGrpSpPr/>
+        <p:nvPr/>
+      </p:nvGrpSpPr>
+      <p:grpSpPr>
+        <a:xfrm>
+          <a:off x="0" y="0"/>
+          <a:ext cx="0" cy="0"/>
+          <a:chOff x="0" y="0"/>
+          <a:chExt cx="0" cy="0"/>
+        </a:xfrm>
+      </p:grpSpPr>
+      <p:sp>
+        <p:nvSpPr>
+          <p:cNvPr id="5" name="양쪽 모서리가 둥근 사각형 4"/>
+          <p:cNvSpPr/>
+          <p:nvPr/>
+        </p:nvSpPr>
+        <p:spPr>
+          <a:xfrm>
+            <a:off x="274458" y="348343"/>
+            <a:ext cx="11664000" cy="6509657"/>
+          </a:xfrm>
+          <a:prstGeom prst="round2SameRect">
+            <a:avLst>
+              <a:gd name="adj1" fmla="val 5233"/>
+              <a:gd name="adj2" fmla="val 0"/>
+            </a:avLst>
+          </a:prstGeom>
+          <a:solidFill>
+            <a:schemeClr val="tx1">
+              <a:lumMod val="75000"/>
+              <a:lumOff val="25000"/>
+            </a:schemeClr>
+          </a:solidFill>
+          <a:ln>
+            <a:noFill/>
+          </a:ln>
+          <a:effectLst>
+            <a:outerShdw dist="38100" algn="l" rotWithShape="0">
+              <a:prstClr val="black">
+                <a:alpha val="40000"/>
+              </a:prstClr>
+            </a:outerShdw>
+          </a:effectLst>
+        </p:spPr>
+        <p:style>
+          <a:lnRef idx="2">
+            <a:schemeClr val="accent1">
+              <a:shade val="50000"/>
+            </a:schemeClr>
+          </a:lnRef>
+          <a:fillRef idx="1">
+            <a:schemeClr val="accent1"/>
+          </a:fillRef>
+          <a:effectRef idx="0">
+            <a:schemeClr val="accent1"/>
+          </a:effectRef>
+          <a:fontRef idx="minor">
+            <a:schemeClr val="lt1"/>
+          </a:fontRef>
+        </p:style>
+        <p:txBody>
+          <a:bodyPr rtlCol="0" anchor="ctr"/>
+          <a:lstStyle/>
+          <a:p>
+            <a:pPr algn="ctr"/>
+            <a:endParaRPr lang="ko-KR" altLang="en-US">
+              <a:solidFill>
+                <a:prstClr val="white"/>
+              </a:solidFill>
+            </a:endParaRPr>
+          </a:p>
+        </p:txBody>
+      </p:sp>
+      <p:sp>
+        <p:nvSpPr>
+          <p:cNvPr id="6" name="양쪽 모서리가 둥근 사각형 5"/>
+          <p:cNvSpPr/>
+          <p:nvPr/>
+        </p:nvSpPr>
+        <p:spPr>
+          <a:xfrm>
+            <a:off x="328458" y="414000"/>
+            <a:ext cx="11556000" cy="6444000"/>
+          </a:xfrm>
+          <a:prstGeom prst="round2SameRect">
+            <a:avLst>
+              <a:gd name="adj1" fmla="val 4913"/>
+              <a:gd name="adj2" fmla="val 0"/>
+            </a:avLst>
+          </a:prstGeom>
+          <a:solidFill>
+            <a:srgbClr val="01A7CE"/>
+          </a:solidFill>
+          <a:ln>
+            <a:noFill/>
+          </a:ln>
+        </p:spPr>
+        <p:style>
+          <a:lnRef idx="2">
+            <a:schemeClr val="accent1">
+              <a:shade val="50000"/>
+            </a:schemeClr>
+          </a:lnRef>
+          <a:fillRef idx="1">
+            <a:schemeClr val="accent1"/>
+          </a:fillRef>
+          <a:effectRef idx="0">
+            <a:schemeClr val="accent1"/>
+          </a:effectRef>
+          <a:fontRef idx="minor">
+            <a:schemeClr val="lt1"/>
+          </a:fontRef>
+        </p:style>
+        <p:txBody>
+          <a:bodyPr rtlCol="0" anchor="t"/>
+          <a:lstStyle/>
+          <a:p>
+            <a:pPr lvl="1" latinLnBrk="0">
+              <a:defRPr/>
+            </a:pPr>
+            <a:r>
+              <a:rPr lang="en-US" altLang="ko-KR" sz="2800" b="1" i="1" kern="0" smtClean="0">
+                <a:solidFill>
+                  <a:prstClr val="white"/>
+                </a:solidFill>
+              </a:rPr>
+              <a:t>3. </a:t>
+            </a:r>
+            <a:r>
+              <a:rPr lang="ko-KR" altLang="en-US" sz="2800" b="1" i="1" kern="0" smtClean="0">
+                <a:solidFill>
+                  <a:prstClr val="white"/>
+                </a:solidFill>
+              </a:rPr>
+              <a:t>앞으로의 계획</a:t>
+            </a:r>
+            <a:endParaRPr lang="en-US" altLang="ko-KR" sz="1400" i="1" kern="0" dirty="0">
+              <a:solidFill>
+                <a:prstClr val="white"/>
+              </a:solidFill>
+            </a:endParaRPr>
+          </a:p>
+          <a:p>
+            <a:pPr algn="ctr"/>
+            <a:endParaRPr lang="ko-KR" altLang="en-US" sz="1000" dirty="0">
+              <a:solidFill>
+                <a:prstClr val="white"/>
+              </a:solidFill>
+            </a:endParaRPr>
+          </a:p>
+        </p:txBody>
+      </p:sp>
+      <p:sp>
+        <p:nvSpPr>
+          <p:cNvPr id="7" name="직사각형 6"/>
+          <p:cNvSpPr/>
+          <p:nvPr/>
+        </p:nvSpPr>
+        <p:spPr>
+          <a:xfrm>
+            <a:off x="328458" y="1068343"/>
+            <a:ext cx="11556000" cy="5789657"/>
           </a:xfrm>
           <a:prstGeom prst="rect">
             <a:avLst/>
           </a:prstGeom>
           <a:solidFill>
-            <a:schemeClr val="bg1">
-              <a:lumMod val="95000"/>
-            </a:schemeClr>
+            <a:schemeClr val="bg1"/>
           </a:solidFill>
           <a:ln>
-            <a:solidFill>
-              <a:srgbClr val="D0D0D8"/>
-            </a:solidFill>
+            <a:noFill/>
           </a:ln>
         </p:spPr>
         <p:style>
@@ -10410,23 +14165,10 @@
           <a:bodyPr rtlCol="0" anchor="ctr"/>
           <a:lstStyle/>
           <a:p>
-            <a:pPr algn="r"/>
-            <a:r>
-              <a:rPr lang="en-US" altLang="ko-KR" sz="1100" dirty="0">
-                <a:solidFill>
-                  <a:prstClr val="black">
-                    <a:lumMod val="65000"/>
-                    <a:lumOff val="35000"/>
-                  </a:prstClr>
-                </a:solidFill>
-              </a:rPr>
-              <a:t>58.9%</a:t>
-            </a:r>
-            <a:endParaRPr lang="ko-KR" altLang="en-US" sz="1100" dirty="0">
+            <a:pPr algn="ctr"/>
+            <a:endParaRPr lang="ko-KR" altLang="en-US">
               <a:solidFill>
-                <a:prstClr val="white">
-                  <a:lumMod val="75000"/>
-                </a:prstClr>
+                <a:prstClr val="white"/>
               </a:solidFill>
             </a:endParaRPr>
           </a:p>
@@ -10434,26 +14176,48 @@
       </p:sp>
       <p:sp>
         <p:nvSpPr>
-          <p:cNvPr id="37" name="직사각형 36"/>
+          <p:cNvPr id="10" name="사각형: 둥근 모서리 5">
+            <a:extLst>
+              <a:ext uri="{FF2B5EF4-FFF2-40B4-BE49-F238E27FC236}">
+                <a16:creationId xmlns:a16="http://schemas.microsoft.com/office/drawing/2014/main" id="{29433077-90B3-4432-AB1E-87BD95D8FF5C}"/>
+              </a:ext>
+            </a:extLst>
+          </p:cNvPr>
           <p:cNvSpPr/>
           <p:nvPr/>
         </p:nvSpPr>
         <p:spPr>
           <a:xfrm>
-            <a:off x="1206229" y="2821010"/>
-            <a:ext cx="3178800" cy="393700"/>
+            <a:off x="11281274" y="215219"/>
+            <a:ext cx="720000" cy="720000"/>
           </a:xfrm>
-          <a:prstGeom prst="rect">
+          <a:prstGeom prst="ellipse">
             <a:avLst/>
           </a:prstGeom>
-          <a:solidFill>
-            <a:srgbClr val="01A7CE"/>
-          </a:solidFill>
+          <a:gradFill flip="none" rotWithShape="1">
+            <a:gsLst>
+              <a:gs pos="0">
+                <a:srgbClr val="01A7CE"/>
+              </a:gs>
+              <a:gs pos="100000">
+                <a:srgbClr val="00D0AC"/>
+              </a:gs>
+            </a:gsLst>
+            <a:path path="circle">
+              <a:fillToRect l="100000" t="100000"/>
+            </a:path>
+            <a:tileRect r="-100000" b="-100000"/>
+          </a:gradFill>
           <a:ln>
-            <a:solidFill>
-              <a:srgbClr val="D0D0D8"/>
-            </a:solidFill>
+            <a:noFill/>
           </a:ln>
+          <a:effectLst>
+            <a:outerShdw blurRad="50800" dist="38100" dir="2700000" algn="tl" rotWithShape="0">
+              <a:prstClr val="black">
+                <a:alpha val="40000"/>
+              </a:prstClr>
+            </a:outerShdw>
+          </a:effectLst>
         </p:spPr>
         <p:style>
           <a:lnRef idx="2">
@@ -10472,18 +14236,13 @@
           </a:fontRef>
         </p:style>
         <p:txBody>
-          <a:bodyPr rtlCol="0" anchor="ctr"/>
+          <a:bodyPr lIns="216000" rtlCol="0" anchor="ctr"/>
           <a:lstStyle/>
           <a:p>
-            <a:r>
-              <a:rPr lang="en-US" altLang="ko-KR" sz="1000" b="1" dirty="0">
-                <a:solidFill>
-                  <a:prstClr val="white"/>
-                </a:solidFill>
-              </a:rPr>
-              <a:t>CONTENT</a:t>
-            </a:r>
-            <a:endParaRPr lang="ko-KR" altLang="en-US" sz="1200" b="1" dirty="0">
+            <a:pPr>
+              <a:defRPr/>
+            </a:pPr>
+            <a:endParaRPr lang="en-US" altLang="ko-KR" sz="400" kern="0" dirty="0">
               <a:solidFill>
                 <a:prstClr val="white"/>
               </a:solidFill>
@@ -10491,81 +14250,603 @@
           </a:p>
         </p:txBody>
       </p:sp>
-      <p:cxnSp>
-        <p:nvCxnSpPr>
-          <p:cNvPr id="38" name="직선 화살표 연결선 37"/>
-          <p:cNvCxnSpPr/>
+      <p:sp>
+        <p:nvSpPr>
+          <p:cNvPr id="15" name="Freeform 36">
+            <a:extLst>
+              <a:ext uri="{FF2B5EF4-FFF2-40B4-BE49-F238E27FC236}">
+                <a16:creationId xmlns:a16="http://schemas.microsoft.com/office/drawing/2014/main" id="{10D33EC3-8543-4845-97A2-D38BE89D3A5F}"/>
+              </a:ext>
+            </a:extLst>
+          </p:cNvPr>
+          <p:cNvSpPr>
+            <a:spLocks noEditPoints="1"/>
+          </p:cNvSpPr>
           <p:nvPr/>
-        </p:nvCxnSpPr>
-        <p:spPr>
+        </p:nvSpPr>
+        <p:spPr bwMode="auto">
           <a:xfrm>
-            <a:off x="2137169" y="3598805"/>
-            <a:ext cx="2669060" cy="0"/>
+            <a:off x="11521180" y="372566"/>
+            <a:ext cx="240188" cy="403979"/>
           </a:xfrm>
-          <a:prstGeom prst="straightConnector1">
+          <a:custGeom>
             <a:avLst/>
-          </a:prstGeom>
-          <a:ln w="9525">
-            <a:solidFill>
-              <a:schemeClr val="tx1">
-                <a:lumMod val="65000"/>
-                <a:lumOff val="35000"/>
-              </a:schemeClr>
-            </a:solidFill>
-            <a:tailEnd type="stealth"/>
+            <a:gdLst>
+              <a:gd name="T0" fmla="*/ 937 w 1926"/>
+              <a:gd name="T1" fmla="*/ 3639 h 4045"/>
+              <a:gd name="T2" fmla="*/ 893 w 1926"/>
+              <a:gd name="T3" fmla="*/ 3665 h 4045"/>
+              <a:gd name="T4" fmla="*/ 863 w 1926"/>
+              <a:gd name="T5" fmla="*/ 3712 h 4045"/>
+              <a:gd name="T6" fmla="*/ 851 w 1926"/>
+              <a:gd name="T7" fmla="*/ 3772 h 4045"/>
+              <a:gd name="T8" fmla="*/ 863 w 1926"/>
+              <a:gd name="T9" fmla="*/ 3832 h 4045"/>
+              <a:gd name="T10" fmla="*/ 893 w 1926"/>
+              <a:gd name="T11" fmla="*/ 3878 h 4045"/>
+              <a:gd name="T12" fmla="*/ 937 w 1926"/>
+              <a:gd name="T13" fmla="*/ 3905 h 4045"/>
+              <a:gd name="T14" fmla="*/ 988 w 1926"/>
+              <a:gd name="T15" fmla="*/ 3905 h 4045"/>
+              <a:gd name="T16" fmla="*/ 1033 w 1926"/>
+              <a:gd name="T17" fmla="*/ 3878 h 4045"/>
+              <a:gd name="T18" fmla="*/ 1064 w 1926"/>
+              <a:gd name="T19" fmla="*/ 3832 h 4045"/>
+              <a:gd name="T20" fmla="*/ 1075 w 1926"/>
+              <a:gd name="T21" fmla="*/ 3772 h 4045"/>
+              <a:gd name="T22" fmla="*/ 1064 w 1926"/>
+              <a:gd name="T23" fmla="*/ 3712 h 4045"/>
+              <a:gd name="T24" fmla="*/ 1033 w 1926"/>
+              <a:gd name="T25" fmla="*/ 3665 h 4045"/>
+              <a:gd name="T26" fmla="*/ 988 w 1926"/>
+              <a:gd name="T27" fmla="*/ 3639 h 4045"/>
+              <a:gd name="T28" fmla="*/ 156 w 1926"/>
+              <a:gd name="T29" fmla="*/ 434 h 4045"/>
+              <a:gd name="T30" fmla="*/ 1770 w 1926"/>
+              <a:gd name="T31" fmla="*/ 3540 h 4045"/>
+              <a:gd name="T32" fmla="*/ 156 w 1926"/>
+              <a:gd name="T33" fmla="*/ 434 h 4045"/>
+              <a:gd name="T34" fmla="*/ 716 w 1926"/>
+              <a:gd name="T35" fmla="*/ 200 h 4045"/>
+              <a:gd name="T36" fmla="*/ 701 w 1926"/>
+              <a:gd name="T37" fmla="*/ 217 h 4045"/>
+              <a:gd name="T38" fmla="*/ 701 w 1926"/>
+              <a:gd name="T39" fmla="*/ 243 h 4045"/>
+              <a:gd name="T40" fmla="*/ 716 w 1926"/>
+              <a:gd name="T41" fmla="*/ 260 h 4045"/>
+              <a:gd name="T42" fmla="*/ 1199 w 1926"/>
+              <a:gd name="T43" fmla="*/ 262 h 4045"/>
+              <a:gd name="T44" fmla="*/ 1218 w 1926"/>
+              <a:gd name="T45" fmla="*/ 254 h 4045"/>
+              <a:gd name="T46" fmla="*/ 1226 w 1926"/>
+              <a:gd name="T47" fmla="*/ 230 h 4045"/>
+              <a:gd name="T48" fmla="*/ 1218 w 1926"/>
+              <a:gd name="T49" fmla="*/ 207 h 4045"/>
+              <a:gd name="T50" fmla="*/ 1199 w 1926"/>
+              <a:gd name="T51" fmla="*/ 197 h 4045"/>
+              <a:gd name="T52" fmla="*/ 224 w 1926"/>
+              <a:gd name="T53" fmla="*/ 0 h 4045"/>
+              <a:gd name="T54" fmla="*/ 1738 w 1926"/>
+              <a:gd name="T55" fmla="*/ 4 h 4045"/>
+              <a:gd name="T56" fmla="*/ 1805 w 1926"/>
+              <a:gd name="T57" fmla="*/ 31 h 4045"/>
+              <a:gd name="T58" fmla="*/ 1860 w 1926"/>
+              <a:gd name="T59" fmla="*/ 81 h 4045"/>
+              <a:gd name="T60" fmla="*/ 1900 w 1926"/>
+              <a:gd name="T61" fmla="*/ 148 h 4045"/>
+              <a:gd name="T62" fmla="*/ 1923 w 1926"/>
+              <a:gd name="T63" fmla="*/ 229 h 4045"/>
+              <a:gd name="T64" fmla="*/ 1926 w 1926"/>
+              <a:gd name="T65" fmla="*/ 3772 h 4045"/>
+              <a:gd name="T66" fmla="*/ 1915 w 1926"/>
+              <a:gd name="T67" fmla="*/ 3857 h 4045"/>
+              <a:gd name="T68" fmla="*/ 1882 w 1926"/>
+              <a:gd name="T69" fmla="*/ 3932 h 4045"/>
+              <a:gd name="T70" fmla="*/ 1834 w 1926"/>
+              <a:gd name="T71" fmla="*/ 3992 h 4045"/>
+              <a:gd name="T72" fmla="*/ 1773 w 1926"/>
+              <a:gd name="T73" fmla="*/ 4032 h 4045"/>
+              <a:gd name="T74" fmla="*/ 1702 w 1926"/>
+              <a:gd name="T75" fmla="*/ 4045 h 4045"/>
+              <a:gd name="T76" fmla="*/ 188 w 1926"/>
+              <a:gd name="T77" fmla="*/ 4041 h 4045"/>
+              <a:gd name="T78" fmla="*/ 122 w 1926"/>
+              <a:gd name="T79" fmla="*/ 4014 h 4045"/>
+              <a:gd name="T80" fmla="*/ 66 w 1926"/>
+              <a:gd name="T81" fmla="*/ 3964 h 4045"/>
+              <a:gd name="T82" fmla="*/ 25 w 1926"/>
+              <a:gd name="T83" fmla="*/ 3897 h 4045"/>
+              <a:gd name="T84" fmla="*/ 3 w 1926"/>
+              <a:gd name="T85" fmla="*/ 3816 h 4045"/>
+              <a:gd name="T86" fmla="*/ 0 w 1926"/>
+              <a:gd name="T87" fmla="*/ 273 h 4045"/>
+              <a:gd name="T88" fmla="*/ 12 w 1926"/>
+              <a:gd name="T89" fmla="*/ 188 h 4045"/>
+              <a:gd name="T90" fmla="*/ 43 w 1926"/>
+              <a:gd name="T91" fmla="*/ 113 h 4045"/>
+              <a:gd name="T92" fmla="*/ 92 w 1926"/>
+              <a:gd name="T93" fmla="*/ 53 h 4045"/>
+              <a:gd name="T94" fmla="*/ 154 w 1926"/>
+              <a:gd name="T95" fmla="*/ 13 h 4045"/>
+              <a:gd name="T96" fmla="*/ 224 w 1926"/>
+              <a:gd name="T97" fmla="*/ 0 h 4045"/>
+            </a:gdLst>
+            <a:ahLst/>
+            <a:cxnLst>
+              <a:cxn ang="0">
+                <a:pos x="T0" y="T1"/>
+              </a:cxn>
+              <a:cxn ang="0">
+                <a:pos x="T2" y="T3"/>
+              </a:cxn>
+              <a:cxn ang="0">
+                <a:pos x="T4" y="T5"/>
+              </a:cxn>
+              <a:cxn ang="0">
+                <a:pos x="T6" y="T7"/>
+              </a:cxn>
+              <a:cxn ang="0">
+                <a:pos x="T8" y="T9"/>
+              </a:cxn>
+              <a:cxn ang="0">
+                <a:pos x="T10" y="T11"/>
+              </a:cxn>
+              <a:cxn ang="0">
+                <a:pos x="T12" y="T13"/>
+              </a:cxn>
+              <a:cxn ang="0">
+                <a:pos x="T14" y="T15"/>
+              </a:cxn>
+              <a:cxn ang="0">
+                <a:pos x="T16" y="T17"/>
+              </a:cxn>
+              <a:cxn ang="0">
+                <a:pos x="T18" y="T19"/>
+              </a:cxn>
+              <a:cxn ang="0">
+                <a:pos x="T20" y="T21"/>
+              </a:cxn>
+              <a:cxn ang="0">
+                <a:pos x="T22" y="T23"/>
+              </a:cxn>
+              <a:cxn ang="0">
+                <a:pos x="T24" y="T25"/>
+              </a:cxn>
+              <a:cxn ang="0">
+                <a:pos x="T26" y="T27"/>
+              </a:cxn>
+              <a:cxn ang="0">
+                <a:pos x="T28" y="T29"/>
+              </a:cxn>
+              <a:cxn ang="0">
+                <a:pos x="T30" y="T31"/>
+              </a:cxn>
+              <a:cxn ang="0">
+                <a:pos x="T32" y="T33"/>
+              </a:cxn>
+              <a:cxn ang="0">
+                <a:pos x="T34" y="T35"/>
+              </a:cxn>
+              <a:cxn ang="0">
+                <a:pos x="T36" y="T37"/>
+              </a:cxn>
+              <a:cxn ang="0">
+                <a:pos x="T38" y="T39"/>
+              </a:cxn>
+              <a:cxn ang="0">
+                <a:pos x="T40" y="T41"/>
+              </a:cxn>
+              <a:cxn ang="0">
+                <a:pos x="T42" y="T43"/>
+              </a:cxn>
+              <a:cxn ang="0">
+                <a:pos x="T44" y="T45"/>
+              </a:cxn>
+              <a:cxn ang="0">
+                <a:pos x="T46" y="T47"/>
+              </a:cxn>
+              <a:cxn ang="0">
+                <a:pos x="T48" y="T49"/>
+              </a:cxn>
+              <a:cxn ang="0">
+                <a:pos x="T50" y="T51"/>
+              </a:cxn>
+              <a:cxn ang="0">
+                <a:pos x="T52" y="T53"/>
+              </a:cxn>
+              <a:cxn ang="0">
+                <a:pos x="T54" y="T55"/>
+              </a:cxn>
+              <a:cxn ang="0">
+                <a:pos x="T56" y="T57"/>
+              </a:cxn>
+              <a:cxn ang="0">
+                <a:pos x="T58" y="T59"/>
+              </a:cxn>
+              <a:cxn ang="0">
+                <a:pos x="T60" y="T61"/>
+              </a:cxn>
+              <a:cxn ang="0">
+                <a:pos x="T62" y="T63"/>
+              </a:cxn>
+              <a:cxn ang="0">
+                <a:pos x="T64" y="T65"/>
+              </a:cxn>
+              <a:cxn ang="0">
+                <a:pos x="T66" y="T67"/>
+              </a:cxn>
+              <a:cxn ang="0">
+                <a:pos x="T68" y="T69"/>
+              </a:cxn>
+              <a:cxn ang="0">
+                <a:pos x="T70" y="T71"/>
+              </a:cxn>
+              <a:cxn ang="0">
+                <a:pos x="T72" y="T73"/>
+              </a:cxn>
+              <a:cxn ang="0">
+                <a:pos x="T74" y="T75"/>
+              </a:cxn>
+              <a:cxn ang="0">
+                <a:pos x="T76" y="T77"/>
+              </a:cxn>
+              <a:cxn ang="0">
+                <a:pos x="T78" y="T79"/>
+              </a:cxn>
+              <a:cxn ang="0">
+                <a:pos x="T80" y="T81"/>
+              </a:cxn>
+              <a:cxn ang="0">
+                <a:pos x="T82" y="T83"/>
+              </a:cxn>
+              <a:cxn ang="0">
+                <a:pos x="T84" y="T85"/>
+              </a:cxn>
+              <a:cxn ang="0">
+                <a:pos x="T86" y="T87"/>
+              </a:cxn>
+              <a:cxn ang="0">
+                <a:pos x="T88" y="T89"/>
+              </a:cxn>
+              <a:cxn ang="0">
+                <a:pos x="T90" y="T91"/>
+              </a:cxn>
+              <a:cxn ang="0">
+                <a:pos x="T92" y="T93"/>
+              </a:cxn>
+              <a:cxn ang="0">
+                <a:pos x="T94" y="T95"/>
+              </a:cxn>
+              <a:cxn ang="0">
+                <a:pos x="T96" y="T97"/>
+              </a:cxn>
+            </a:cxnLst>
+            <a:rect l="0" t="0" r="r" b="b"/>
+            <a:pathLst>
+              <a:path w="1926" h="4045">
+                <a:moveTo>
+                  <a:pt x="963" y="3636"/>
+                </a:moveTo>
+                <a:lnTo>
+                  <a:pt x="937" y="3639"/>
+                </a:lnTo>
+                <a:lnTo>
+                  <a:pt x="914" y="3649"/>
+                </a:lnTo>
+                <a:lnTo>
+                  <a:pt x="893" y="3665"/>
+                </a:lnTo>
+                <a:lnTo>
+                  <a:pt x="876" y="3686"/>
+                </a:lnTo>
+                <a:lnTo>
+                  <a:pt x="863" y="3712"/>
+                </a:lnTo>
+                <a:lnTo>
+                  <a:pt x="854" y="3741"/>
+                </a:lnTo>
+                <a:lnTo>
+                  <a:pt x="851" y="3772"/>
+                </a:lnTo>
+                <a:lnTo>
+                  <a:pt x="854" y="3804"/>
+                </a:lnTo>
+                <a:lnTo>
+                  <a:pt x="863" y="3832"/>
+                </a:lnTo>
+                <a:lnTo>
+                  <a:pt x="876" y="3857"/>
+                </a:lnTo>
+                <a:lnTo>
+                  <a:pt x="893" y="3878"/>
+                </a:lnTo>
+                <a:lnTo>
+                  <a:pt x="914" y="3894"/>
+                </a:lnTo>
+                <a:lnTo>
+                  <a:pt x="937" y="3905"/>
+                </a:lnTo>
+                <a:lnTo>
+                  <a:pt x="963" y="3909"/>
+                </a:lnTo>
+                <a:lnTo>
+                  <a:pt x="988" y="3905"/>
+                </a:lnTo>
+                <a:lnTo>
+                  <a:pt x="1013" y="3894"/>
+                </a:lnTo>
+                <a:lnTo>
+                  <a:pt x="1033" y="3878"/>
+                </a:lnTo>
+                <a:lnTo>
+                  <a:pt x="1051" y="3857"/>
+                </a:lnTo>
+                <a:lnTo>
+                  <a:pt x="1064" y="3832"/>
+                </a:lnTo>
+                <a:lnTo>
+                  <a:pt x="1072" y="3804"/>
+                </a:lnTo>
+                <a:lnTo>
+                  <a:pt x="1075" y="3772"/>
+                </a:lnTo>
+                <a:lnTo>
+                  <a:pt x="1072" y="3741"/>
+                </a:lnTo>
+                <a:lnTo>
+                  <a:pt x="1064" y="3712"/>
+                </a:lnTo>
+                <a:lnTo>
+                  <a:pt x="1051" y="3686"/>
+                </a:lnTo>
+                <a:lnTo>
+                  <a:pt x="1033" y="3665"/>
+                </a:lnTo>
+                <a:lnTo>
+                  <a:pt x="1013" y="3649"/>
+                </a:lnTo>
+                <a:lnTo>
+                  <a:pt x="988" y="3639"/>
+                </a:lnTo>
+                <a:lnTo>
+                  <a:pt x="963" y="3636"/>
+                </a:lnTo>
+                <a:close/>
+                <a:moveTo>
+                  <a:pt x="156" y="434"/>
+                </a:moveTo>
+                <a:lnTo>
+                  <a:pt x="156" y="3540"/>
+                </a:lnTo>
+                <a:lnTo>
+                  <a:pt x="1770" y="3540"/>
+                </a:lnTo>
+                <a:lnTo>
+                  <a:pt x="1770" y="434"/>
+                </a:lnTo>
+                <a:lnTo>
+                  <a:pt x="156" y="434"/>
+                </a:lnTo>
+                <a:close/>
+                <a:moveTo>
+                  <a:pt x="727" y="197"/>
+                </a:moveTo>
+                <a:lnTo>
+                  <a:pt x="716" y="200"/>
+                </a:lnTo>
+                <a:lnTo>
+                  <a:pt x="707" y="207"/>
+                </a:lnTo>
+                <a:lnTo>
+                  <a:pt x="701" y="217"/>
+                </a:lnTo>
+                <a:lnTo>
+                  <a:pt x="699" y="230"/>
+                </a:lnTo>
+                <a:lnTo>
+                  <a:pt x="701" y="243"/>
+                </a:lnTo>
+                <a:lnTo>
+                  <a:pt x="707" y="254"/>
+                </a:lnTo>
+                <a:lnTo>
+                  <a:pt x="716" y="260"/>
+                </a:lnTo>
+                <a:lnTo>
+                  <a:pt x="727" y="262"/>
+                </a:lnTo>
+                <a:lnTo>
+                  <a:pt x="1199" y="262"/>
+                </a:lnTo>
+                <a:lnTo>
+                  <a:pt x="1210" y="260"/>
+                </a:lnTo>
+                <a:lnTo>
+                  <a:pt x="1218" y="254"/>
+                </a:lnTo>
+                <a:lnTo>
+                  <a:pt x="1224" y="243"/>
+                </a:lnTo>
+                <a:lnTo>
+                  <a:pt x="1226" y="230"/>
+                </a:lnTo>
+                <a:lnTo>
+                  <a:pt x="1224" y="217"/>
+                </a:lnTo>
+                <a:lnTo>
+                  <a:pt x="1218" y="207"/>
+                </a:lnTo>
+                <a:lnTo>
+                  <a:pt x="1210" y="200"/>
+                </a:lnTo>
+                <a:lnTo>
+                  <a:pt x="1199" y="197"/>
+                </a:lnTo>
+                <a:lnTo>
+                  <a:pt x="727" y="197"/>
+                </a:lnTo>
+                <a:close/>
+                <a:moveTo>
+                  <a:pt x="224" y="0"/>
+                </a:moveTo>
+                <a:lnTo>
+                  <a:pt x="1702" y="0"/>
+                </a:lnTo>
+                <a:lnTo>
+                  <a:pt x="1738" y="4"/>
+                </a:lnTo>
+                <a:lnTo>
+                  <a:pt x="1773" y="13"/>
+                </a:lnTo>
+                <a:lnTo>
+                  <a:pt x="1805" y="31"/>
+                </a:lnTo>
+                <a:lnTo>
+                  <a:pt x="1834" y="53"/>
+                </a:lnTo>
+                <a:lnTo>
+                  <a:pt x="1860" y="81"/>
+                </a:lnTo>
+                <a:lnTo>
+                  <a:pt x="1882" y="113"/>
+                </a:lnTo>
+                <a:lnTo>
+                  <a:pt x="1900" y="148"/>
+                </a:lnTo>
+                <a:lnTo>
+                  <a:pt x="1915" y="188"/>
+                </a:lnTo>
+                <a:lnTo>
+                  <a:pt x="1923" y="229"/>
+                </a:lnTo>
+                <a:lnTo>
+                  <a:pt x="1926" y="273"/>
+                </a:lnTo>
+                <a:lnTo>
+                  <a:pt x="1926" y="3772"/>
+                </a:lnTo>
+                <a:lnTo>
+                  <a:pt x="1923" y="3816"/>
+                </a:lnTo>
+                <a:lnTo>
+                  <a:pt x="1915" y="3857"/>
+                </a:lnTo>
+                <a:lnTo>
+                  <a:pt x="1900" y="3897"/>
+                </a:lnTo>
+                <a:lnTo>
+                  <a:pt x="1882" y="3932"/>
+                </a:lnTo>
+                <a:lnTo>
+                  <a:pt x="1860" y="3964"/>
+                </a:lnTo>
+                <a:lnTo>
+                  <a:pt x="1834" y="3992"/>
+                </a:lnTo>
+                <a:lnTo>
+                  <a:pt x="1805" y="4014"/>
+                </a:lnTo>
+                <a:lnTo>
+                  <a:pt x="1773" y="4032"/>
+                </a:lnTo>
+                <a:lnTo>
+                  <a:pt x="1738" y="4041"/>
+                </a:lnTo>
+                <a:lnTo>
+                  <a:pt x="1702" y="4045"/>
+                </a:lnTo>
+                <a:lnTo>
+                  <a:pt x="224" y="4045"/>
+                </a:lnTo>
+                <a:lnTo>
+                  <a:pt x="188" y="4041"/>
+                </a:lnTo>
+                <a:lnTo>
+                  <a:pt x="154" y="4032"/>
+                </a:lnTo>
+                <a:lnTo>
+                  <a:pt x="122" y="4014"/>
+                </a:lnTo>
+                <a:lnTo>
+                  <a:pt x="92" y="3992"/>
+                </a:lnTo>
+                <a:lnTo>
+                  <a:pt x="66" y="3964"/>
+                </a:lnTo>
+                <a:lnTo>
+                  <a:pt x="43" y="3932"/>
+                </a:lnTo>
+                <a:lnTo>
+                  <a:pt x="25" y="3897"/>
+                </a:lnTo>
+                <a:lnTo>
+                  <a:pt x="12" y="3857"/>
+                </a:lnTo>
+                <a:lnTo>
+                  <a:pt x="3" y="3816"/>
+                </a:lnTo>
+                <a:lnTo>
+                  <a:pt x="0" y="3772"/>
+                </a:lnTo>
+                <a:lnTo>
+                  <a:pt x="0" y="273"/>
+                </a:lnTo>
+                <a:lnTo>
+                  <a:pt x="3" y="229"/>
+                </a:lnTo>
+                <a:lnTo>
+                  <a:pt x="12" y="188"/>
+                </a:lnTo>
+                <a:lnTo>
+                  <a:pt x="25" y="148"/>
+                </a:lnTo>
+                <a:lnTo>
+                  <a:pt x="43" y="113"/>
+                </a:lnTo>
+                <a:lnTo>
+                  <a:pt x="66" y="81"/>
+                </a:lnTo>
+                <a:lnTo>
+                  <a:pt x="92" y="53"/>
+                </a:lnTo>
+                <a:lnTo>
+                  <a:pt x="122" y="31"/>
+                </a:lnTo>
+                <a:lnTo>
+                  <a:pt x="154" y="13"/>
+                </a:lnTo>
+                <a:lnTo>
+                  <a:pt x="188" y="4"/>
+                </a:lnTo>
+                <a:lnTo>
+                  <a:pt x="224" y="0"/>
+                </a:lnTo>
+                <a:close/>
+              </a:path>
+            </a:pathLst>
+          </a:custGeom>
+          <a:solidFill>
+            <a:schemeClr val="bg1"/>
+          </a:solidFill>
+          <a:ln w="0">
+            <a:noFill/>
+            <a:prstDash val="solid"/>
+            <a:round/>
+            <a:headEnd/>
+            <a:tailEnd/>
           </a:ln>
         </p:spPr>
-        <p:style>
-          <a:lnRef idx="1">
-            <a:schemeClr val="accent1"/>
-          </a:lnRef>
-          <a:fillRef idx="0">
-            <a:schemeClr val="accent1"/>
-          </a:fillRef>
-          <a:effectRef idx="0">
-            <a:schemeClr val="accent1"/>
-          </a:effectRef>
-          <a:fontRef idx="minor">
-            <a:schemeClr val="tx1"/>
-          </a:fontRef>
-        </p:style>
-      </p:cxnSp>
-      <p:sp>
-        <p:nvSpPr>
-          <p:cNvPr id="39" name="직사각형 38"/>
-          <p:cNvSpPr/>
-          <p:nvPr/>
-        </p:nvSpPr>
-        <p:spPr>
-          <a:xfrm>
-            <a:off x="1310978" y="3475694"/>
-            <a:ext cx="705642" cy="230832"/>
-          </a:xfrm>
-          <a:prstGeom prst="rect">
-            <a:avLst/>
-          </a:prstGeom>
-        </p:spPr>
         <p:txBody>
-          <a:bodyPr wrap="none">
-            <a:spAutoFit/>
+          <a:bodyPr vert="horz" wrap="square" lIns="91440" tIns="45720" rIns="91440" bIns="45720" numCol="1" anchor="t" anchorCtr="0" compatLnSpc="1">
+            <a:prstTxWarp prst="textNoShape">
+              <a:avLst/>
+            </a:prstTxWarp>
           </a:bodyPr>
           <a:lstStyle/>
           <a:p>
-            <a:r>
-              <a:rPr lang="en-US" altLang="ko-KR" sz="900" dirty="0">
-                <a:solidFill>
-                  <a:prstClr val="white">
-                    <a:lumMod val="50000"/>
-                  </a:prstClr>
-                </a:solidFill>
-              </a:rPr>
-              <a:t>CONTENT</a:t>
-            </a:r>
-            <a:endParaRPr lang="ko-KR" altLang="en-US" sz="1100" dirty="0">
+            <a:endParaRPr lang="ko-KR" altLang="en-US">
               <a:solidFill>
-                <a:prstClr val="white">
-                  <a:lumMod val="50000"/>
-                </a:prstClr>
+                <a:prstClr val="black"/>
               </a:solidFill>
             </a:endParaRPr>
           </a:p>
@@ -10573,10 +14854,10 @@
       </p:sp>
       <p:sp>
         <p:nvSpPr>
-          <p:cNvPr id="40" name="직사각형 39">
+          <p:cNvPr id="11" name="사각형: 둥근 모서리 5">
             <a:extLst>
               <a:ext uri="{FF2B5EF4-FFF2-40B4-BE49-F238E27FC236}">
-                <a16:creationId xmlns:a16="http://schemas.microsoft.com/office/drawing/2014/main" id="{3FA00699-5178-465A-9F3F-130CF1431F70}"/>
+                <a16:creationId xmlns:a16="http://schemas.microsoft.com/office/drawing/2014/main" id="{29433077-90B3-4432-AB1E-87BD95D8FF5C}"/>
               </a:ext>
             </a:extLst>
           </p:cNvPr>
@@ -10585,105 +14866,25 @@
         </p:nvSpPr>
         <p:spPr>
           <a:xfrm>
-            <a:off x="7207250" y="2283283"/>
-            <a:ext cx="3950459" cy="969496"/>
+            <a:off x="11735345" y="131353"/>
+            <a:ext cx="241213" cy="241213"/>
           </a:xfrm>
-          <a:prstGeom prst="rect">
-            <a:avLst/>
-          </a:prstGeom>
-        </p:spPr>
-        <p:txBody>
-          <a:bodyPr wrap="square">
-            <a:spAutoFit/>
-          </a:bodyPr>
-          <a:lstStyle/>
-          <a:p>
-            <a:pPr>
-              <a:lnSpc>
-                <a:spcPct val="150000"/>
-              </a:lnSpc>
-            </a:pPr>
-            <a:r>
-              <a:rPr lang="en-US" altLang="ko-KR" sz="1400" b="1" dirty="0">
-                <a:solidFill>
-                  <a:srgbClr val="44546A">
-                    <a:lumMod val="75000"/>
-                  </a:srgbClr>
-                </a:solidFill>
-              </a:rPr>
-              <a:t>CONTENTS</a:t>
-            </a:r>
-          </a:p>
-          <a:p>
-            <a:pPr>
-              <a:lnSpc>
-                <a:spcPct val="150000"/>
-              </a:lnSpc>
-            </a:pPr>
-            <a:r>
-              <a:rPr lang="ko-KR" altLang="en-US" sz="1400" dirty="0">
-                <a:solidFill>
-                  <a:prstClr val="black">
-                    <a:lumMod val="65000"/>
-                    <a:lumOff val="35000"/>
-                  </a:prstClr>
-                </a:solidFill>
-              </a:rPr>
-              <a:t>컨텐츠에 대한 내용을 적어요</a:t>
-            </a:r>
-            <a:endParaRPr lang="en-US" altLang="ko-KR" sz="1400" dirty="0">
-              <a:solidFill>
-                <a:prstClr val="black">
-                  <a:lumMod val="65000"/>
-                  <a:lumOff val="35000"/>
-                </a:prstClr>
-              </a:solidFill>
-            </a:endParaRPr>
-          </a:p>
-          <a:p>
-            <a:pPr>
-              <a:lnSpc>
-                <a:spcPct val="150000"/>
-              </a:lnSpc>
-            </a:pPr>
-            <a:r>
-              <a:rPr lang="ko-KR" altLang="en-US" sz="1000" dirty="0">
-                <a:solidFill>
-                  <a:prstClr val="black">
-                    <a:lumMod val="65000"/>
-                    <a:lumOff val="35000"/>
-                  </a:prstClr>
-                </a:solidFill>
-              </a:rPr>
-              <a:t>Enjoy your stylish business and campus life with BIZCAM </a:t>
-            </a:r>
-          </a:p>
-        </p:txBody>
-      </p:sp>
-      <p:sp>
-        <p:nvSpPr>
-          <p:cNvPr id="41" name="직사각형 40"/>
-          <p:cNvSpPr/>
-          <p:nvPr/>
-        </p:nvSpPr>
-        <p:spPr>
-          <a:xfrm>
-            <a:off x="1206227" y="4406782"/>
-            <a:ext cx="5400000" cy="393700"/>
-          </a:xfrm>
-          <a:prstGeom prst="rect">
+          <a:prstGeom prst="ellipse">
             <a:avLst/>
           </a:prstGeom>
           <a:solidFill>
-            <a:schemeClr val="bg1">
-              <a:lumMod val="95000"/>
-            </a:schemeClr>
+            <a:srgbClr val="CC0000"/>
           </a:solidFill>
           <a:ln>
-            <a:solidFill>
-              <a:srgbClr val="D0D0D8"/>
-            </a:solidFill>
+            <a:noFill/>
           </a:ln>
+          <a:effectLst>
+            <a:outerShdw dist="38100" dir="5400000" algn="t" rotWithShape="0">
+              <a:prstClr val="black">
+                <a:alpha val="40000"/>
+              </a:prstClr>
+            </a:outerShdw>
+          </a:effectLst>
         </p:spPr>
         <p:style>
           <a:lnRef idx="2">
@@ -10702,290 +14903,80 @@
           </a:fontRef>
         </p:style>
         <p:txBody>
-          <a:bodyPr rtlCol="0" anchor="ctr"/>
+          <a:bodyPr wrap="none" lIns="0" tIns="0" rIns="0" bIns="0" rtlCol="0" anchor="ctr"/>
           <a:lstStyle/>
           <a:p>
-            <a:pPr algn="r"/>
-            <a:r>
-              <a:rPr lang="en-US" altLang="ko-KR" sz="1100" dirty="0">
-                <a:solidFill>
-                  <a:prstClr val="black">
-                    <a:lumMod val="65000"/>
-                    <a:lumOff val="35000"/>
-                  </a:prstClr>
-                </a:solidFill>
-              </a:rPr>
-              <a:t>49.7%</a:t>
-            </a:r>
-            <a:endParaRPr lang="ko-KR" altLang="en-US" sz="1100" dirty="0">
-              <a:solidFill>
-                <a:prstClr val="white">
-                  <a:lumMod val="75000"/>
-                </a:prstClr>
-              </a:solidFill>
-            </a:endParaRPr>
+            <a:pPr algn="ctr">
+              <a:defRPr/>
+            </a:pPr>
+            <a:r>
+              <a:rPr lang="en-US" altLang="ko-KR" sz="1400" b="1" kern="0" dirty="0">
+                <a:solidFill>
+                  <a:prstClr val="white"/>
+                </a:solidFill>
+              </a:rPr>
+              <a:t>1</a:t>
+            </a:r>
           </a:p>
         </p:txBody>
       </p:sp>
       <p:sp>
         <p:nvSpPr>
-          <p:cNvPr id="42" name="직사각형 41"/>
+          <p:cNvPr id="40" name="직사각형 39">
+            <a:extLst>
+              <a:ext uri="{FF2B5EF4-FFF2-40B4-BE49-F238E27FC236}">
+                <a16:creationId xmlns:a16="http://schemas.microsoft.com/office/drawing/2014/main" id="{3FA00699-5178-465A-9F3F-130CF1431F70}"/>
+              </a:ext>
+            </a:extLst>
+          </p:cNvPr>
           <p:cNvSpPr/>
           <p:nvPr/>
         </p:nvSpPr>
         <p:spPr>
           <a:xfrm>
-            <a:off x="1206229" y="4406782"/>
-            <a:ext cx="2682000" cy="393700"/>
-          </a:xfrm>
-          <a:prstGeom prst="rect">
-            <a:avLst/>
-          </a:prstGeom>
-          <a:solidFill>
-            <a:srgbClr val="B0E796"/>
-          </a:solidFill>
-          <a:ln>
-            <a:solidFill>
-              <a:srgbClr val="D0D0D8"/>
-            </a:solidFill>
-          </a:ln>
-        </p:spPr>
-        <p:style>
-          <a:lnRef idx="2">
-            <a:schemeClr val="accent1">
-              <a:shade val="50000"/>
-            </a:schemeClr>
-          </a:lnRef>
-          <a:fillRef idx="1">
-            <a:schemeClr val="accent1"/>
-          </a:fillRef>
-          <a:effectRef idx="0">
-            <a:schemeClr val="accent1"/>
-          </a:effectRef>
-          <a:fontRef idx="minor">
-            <a:schemeClr val="lt1"/>
-          </a:fontRef>
-        </p:style>
-        <p:txBody>
-          <a:bodyPr rtlCol="0" anchor="ctr"/>
-          <a:lstStyle/>
-          <a:p>
-            <a:r>
-              <a:rPr lang="en-US" altLang="ko-KR" sz="1000" b="1" dirty="0">
-                <a:solidFill>
-                  <a:prstClr val="white"/>
-                </a:solidFill>
-              </a:rPr>
-              <a:t>CONTENT</a:t>
-            </a:r>
-            <a:endParaRPr lang="ko-KR" altLang="en-US" sz="1200" b="1" dirty="0">
-              <a:solidFill>
-                <a:prstClr val="white"/>
-              </a:solidFill>
-            </a:endParaRPr>
-          </a:p>
-        </p:txBody>
-      </p:sp>
-      <p:sp>
-        <p:nvSpPr>
-          <p:cNvPr id="43" name="직사각형 42"/>
-          <p:cNvSpPr/>
-          <p:nvPr/>
-        </p:nvSpPr>
-        <p:spPr>
-          <a:xfrm>
-            <a:off x="1206229" y="4944509"/>
-            <a:ext cx="5400000" cy="393700"/>
-          </a:xfrm>
-          <a:prstGeom prst="rect">
-            <a:avLst/>
-          </a:prstGeom>
-          <a:solidFill>
-            <a:schemeClr val="bg1">
-              <a:lumMod val="95000"/>
-            </a:schemeClr>
-          </a:solidFill>
-          <a:ln>
-            <a:solidFill>
-              <a:srgbClr val="D0D0D8"/>
-            </a:solidFill>
-          </a:ln>
-        </p:spPr>
-        <p:style>
-          <a:lnRef idx="2">
-            <a:schemeClr val="accent1">
-              <a:shade val="50000"/>
-            </a:schemeClr>
-          </a:lnRef>
-          <a:fillRef idx="1">
-            <a:schemeClr val="accent1"/>
-          </a:fillRef>
-          <a:effectRef idx="0">
-            <a:schemeClr val="accent1"/>
-          </a:effectRef>
-          <a:fontRef idx="minor">
-            <a:schemeClr val="lt1"/>
-          </a:fontRef>
-        </p:style>
-        <p:txBody>
-          <a:bodyPr rtlCol="0" anchor="ctr"/>
-          <a:lstStyle/>
-          <a:p>
-            <a:pPr algn="r"/>
-            <a:r>
-              <a:rPr lang="en-US" altLang="ko-KR" sz="1100" dirty="0">
-                <a:solidFill>
-                  <a:prstClr val="black">
-                    <a:lumMod val="65000"/>
-                    <a:lumOff val="35000"/>
-                  </a:prstClr>
-                </a:solidFill>
-              </a:rPr>
-              <a:t>58.9%</a:t>
-            </a:r>
-            <a:endParaRPr lang="ko-KR" altLang="en-US" sz="1100" dirty="0">
-              <a:solidFill>
-                <a:prstClr val="white">
-                  <a:lumMod val="75000"/>
-                </a:prstClr>
-              </a:solidFill>
-            </a:endParaRPr>
-          </a:p>
-        </p:txBody>
-      </p:sp>
-      <p:sp>
-        <p:nvSpPr>
-          <p:cNvPr id="44" name="직사각형 43"/>
-          <p:cNvSpPr/>
-          <p:nvPr/>
-        </p:nvSpPr>
-        <p:spPr>
-          <a:xfrm>
-            <a:off x="1206229" y="4944509"/>
-            <a:ext cx="3178800" cy="393700"/>
-          </a:xfrm>
-          <a:prstGeom prst="rect">
-            <a:avLst/>
-          </a:prstGeom>
-          <a:solidFill>
-            <a:srgbClr val="01A7CE"/>
-          </a:solidFill>
-          <a:ln>
-            <a:solidFill>
-              <a:srgbClr val="D0D0D8"/>
-            </a:solidFill>
-          </a:ln>
-        </p:spPr>
-        <p:style>
-          <a:lnRef idx="2">
-            <a:schemeClr val="accent1">
-              <a:shade val="50000"/>
-            </a:schemeClr>
-          </a:lnRef>
-          <a:fillRef idx="1">
-            <a:schemeClr val="accent1"/>
-          </a:fillRef>
-          <a:effectRef idx="0">
-            <a:schemeClr val="accent1"/>
-          </a:effectRef>
-          <a:fontRef idx="minor">
-            <a:schemeClr val="lt1"/>
-          </a:fontRef>
-        </p:style>
-        <p:txBody>
-          <a:bodyPr rtlCol="0" anchor="ctr"/>
-          <a:lstStyle/>
-          <a:p>
-            <a:r>
-              <a:rPr lang="en-US" altLang="ko-KR" sz="1000" b="1" dirty="0">
-                <a:solidFill>
-                  <a:prstClr val="white"/>
-                </a:solidFill>
-              </a:rPr>
-              <a:t>CONTENT</a:t>
-            </a:r>
-            <a:endParaRPr lang="ko-KR" altLang="en-US" sz="1200" b="1" dirty="0">
-              <a:solidFill>
-                <a:prstClr val="white"/>
-              </a:solidFill>
-            </a:endParaRPr>
-          </a:p>
-        </p:txBody>
-      </p:sp>
-      <p:cxnSp>
-        <p:nvCxnSpPr>
-          <p:cNvPr id="45" name="직선 화살표 연결선 44"/>
-          <p:cNvCxnSpPr/>
-          <p:nvPr/>
-        </p:nvCxnSpPr>
-        <p:spPr>
-          <a:xfrm>
-            <a:off x="2137169" y="5722304"/>
-            <a:ext cx="2669060" cy="0"/>
-          </a:xfrm>
-          <a:prstGeom prst="straightConnector1">
-            <a:avLst/>
-          </a:prstGeom>
-          <a:ln w="9525">
-            <a:solidFill>
-              <a:schemeClr val="tx1">
-                <a:lumMod val="65000"/>
-                <a:lumOff val="35000"/>
-              </a:schemeClr>
-            </a:solidFill>
-            <a:tailEnd type="stealth"/>
-          </a:ln>
-        </p:spPr>
-        <p:style>
-          <a:lnRef idx="1">
-            <a:schemeClr val="accent1"/>
-          </a:lnRef>
-          <a:fillRef idx="0">
-            <a:schemeClr val="accent1"/>
-          </a:fillRef>
-          <a:effectRef idx="0">
-            <a:schemeClr val="accent1"/>
-          </a:effectRef>
-          <a:fontRef idx="minor">
-            <a:schemeClr val="tx1"/>
-          </a:fontRef>
-        </p:style>
-      </p:cxnSp>
-      <p:sp>
-        <p:nvSpPr>
-          <p:cNvPr id="46" name="직사각형 45"/>
-          <p:cNvSpPr/>
-          <p:nvPr/>
-        </p:nvSpPr>
-        <p:spPr>
-          <a:xfrm>
-            <a:off x="1310978" y="5599193"/>
-            <a:ext cx="705642" cy="230832"/>
+            <a:off x="490297" y="5061520"/>
+            <a:ext cx="3950459" cy="373885"/>
           </a:xfrm>
           <a:prstGeom prst="rect">
             <a:avLst/>
           </a:prstGeom>
         </p:spPr>
         <p:txBody>
-          <a:bodyPr wrap="none">
+          <a:bodyPr wrap="square">
             <a:spAutoFit/>
           </a:bodyPr>
           <a:lstStyle/>
           <a:p>
-            <a:r>
-              <a:rPr lang="en-US" altLang="ko-KR" sz="900" dirty="0">
-                <a:solidFill>
-                  <a:prstClr val="white">
-                    <a:lumMod val="50000"/>
-                  </a:prstClr>
-                </a:solidFill>
-              </a:rPr>
-              <a:t>CONTENT</a:t>
-            </a:r>
-            <a:endParaRPr lang="ko-KR" altLang="en-US" sz="1100" dirty="0">
+            <a:pPr>
+              <a:lnSpc>
+                <a:spcPct val="150000"/>
+              </a:lnSpc>
+            </a:pPr>
+            <a:r>
+              <a:rPr lang="en-US" altLang="ko-KR" sz="1400" b="1" smtClean="0">
+                <a:solidFill>
+                  <a:srgbClr val="44546A">
+                    <a:lumMod val="75000"/>
+                  </a:srgbClr>
+                </a:solidFill>
+              </a:rPr>
+              <a:t>* 360</a:t>
+            </a:r>
+            <a:r>
+              <a:rPr lang="ko-KR" altLang="en-US" sz="1400" b="1" smtClean="0">
+                <a:solidFill>
+                  <a:srgbClr val="44546A">
+                    <a:lumMod val="75000"/>
+                  </a:srgbClr>
+                </a:solidFill>
+              </a:rPr>
+              <a:t>도 카메라를 통해 촬영한 실제 방의 모습</a:t>
+            </a:r>
+            <a:endParaRPr lang="ko-KR" altLang="en-US" sz="1000" dirty="0">
               <a:solidFill>
-                <a:prstClr val="white">
-                  <a:lumMod val="50000"/>
+                <a:prstClr val="black">
+                  <a:lumMod val="65000"/>
+                  <a:lumOff val="35000"/>
                 </a:prstClr>
               </a:solidFill>
             </a:endParaRPr>
@@ -11006,8 +14997,8 @@
         </p:nvSpPr>
         <p:spPr>
           <a:xfrm>
-            <a:off x="7207250" y="4406782"/>
-            <a:ext cx="3950459" cy="969496"/>
+            <a:off x="6273997" y="5068611"/>
+            <a:ext cx="4469818" cy="415498"/>
           </a:xfrm>
           <a:prstGeom prst="rect">
             <a:avLst/>
@@ -11025,34 +15016,56 @@
               </a:lnSpc>
             </a:pPr>
             <a:r>
-              <a:rPr lang="en-US" altLang="ko-KR" sz="1400" b="1" dirty="0">
+              <a:rPr lang="en-US" altLang="ko-KR" sz="1400" b="1">
                 <a:solidFill>
                   <a:srgbClr val="44546A">
                     <a:lumMod val="75000"/>
                   </a:srgbClr>
                 </a:solidFill>
               </a:rPr>
-              <a:t>CONTENTS</a:t>
-            </a:r>
-          </a:p>
-          <a:p>
-            <a:pPr>
-              <a:lnSpc>
-                <a:spcPct val="150000"/>
-              </a:lnSpc>
-            </a:pPr>
-            <a:r>
-              <a:rPr lang="ko-KR" altLang="en-US" sz="1400" dirty="0">
-                <a:solidFill>
-                  <a:prstClr val="black">
-                    <a:lumMod val="65000"/>
-                    <a:lumOff val="35000"/>
-                  </a:prstClr>
-                </a:solidFill>
-              </a:rPr>
-              <a:t>컨텐츠에 대한 내용을 적어요</a:t>
-            </a:r>
-            <a:endParaRPr lang="en-US" altLang="ko-KR" sz="1400" dirty="0">
+              <a:t>* 360</a:t>
+            </a:r>
+            <a:r>
+              <a:rPr lang="ko-KR" altLang="en-US" sz="1400" b="1">
+                <a:solidFill>
+                  <a:srgbClr val="44546A">
+                    <a:lumMod val="75000"/>
+                  </a:srgbClr>
+                </a:solidFill>
+              </a:rPr>
+              <a:t>도 카메라를 통해 촬영한 </a:t>
+            </a:r>
+            <a:r>
+              <a:rPr lang="ko-KR" altLang="en-US" sz="1400" b="1">
+                <a:solidFill>
+                  <a:srgbClr val="44546A">
+                    <a:lumMod val="75000"/>
+                  </a:srgbClr>
+                </a:solidFill>
+              </a:rPr>
+              <a:t>실제 </a:t>
+            </a:r>
+            <a:r>
+              <a:rPr lang="ko-KR" altLang="en-US" sz="1400" b="1" smtClean="0">
+                <a:solidFill>
+                  <a:srgbClr val="44546A">
+                    <a:lumMod val="75000"/>
+                  </a:srgbClr>
+                </a:solidFill>
+              </a:rPr>
+              <a:t>화장실의 </a:t>
+            </a:r>
+            <a:r>
+              <a:rPr lang="ko-KR" altLang="en-US" sz="1400" b="1">
+                <a:solidFill>
+                  <a:srgbClr val="44546A">
+                    <a:lumMod val="75000"/>
+                  </a:srgbClr>
+                </a:solidFill>
+              </a:rPr>
+              <a:t>모습</a:t>
+            </a:r>
+            <a:endParaRPr lang="ko-KR" altLang="en-US" sz="1000" dirty="0">
               <a:solidFill>
                 <a:prstClr val="black">
                   <a:lumMod val="65000"/>
@@ -11061,30 +15074,12 @@
               </a:solidFill>
             </a:endParaRPr>
           </a:p>
-          <a:p>
-            <a:pPr>
-              <a:lnSpc>
-                <a:spcPct val="150000"/>
-              </a:lnSpc>
-            </a:pPr>
-            <a:r>
-              <a:rPr lang="ko-KR" altLang="en-US" sz="1000" dirty="0">
-                <a:solidFill>
-                  <a:prstClr val="black">
-                    <a:lumMod val="65000"/>
-                    <a:lumOff val="35000"/>
-                  </a:prstClr>
-                </a:solidFill>
-              </a:rPr>
-              <a:t>Enjoy your stylish business and campus life with BIZCAM </a:t>
-            </a:r>
-          </a:p>
         </p:txBody>
       </p:sp>
     </p:spTree>
     <p:extLst>
       <p:ext uri="{BB962C8B-B14F-4D97-AF65-F5344CB8AC3E}">
-        <p14:creationId xmlns:p14="http://schemas.microsoft.com/office/powerpoint/2010/main" val="2714526069"/>
+        <p14:creationId xmlns:p14="http://schemas.microsoft.com/office/powerpoint/2010/main" val="3001498773"/>
       </p:ext>
     </p:extLst>
   </p:cSld>
@@ -11101,7 +15096,7 @@
 </p:sld>
 </file>
 
-<file path=ppt/slides/slide6.xml><?xml version="1.0" encoding="utf-8"?>
+<file path=ppt/slides/slide9.xml><?xml version="1.0" encoding="utf-8"?>
 <p:sld xmlns:a="http://schemas.openxmlformats.org/drawingml/2006/main" xmlns:r="http://schemas.openxmlformats.org/officeDocument/2006/relationships" xmlns:p="http://schemas.openxmlformats.org/presentationml/2006/main">
   <p:cSld>
     <p:bg>
@@ -14182,947 +18177,6 @@
     <p:extLst>
       <p:ext uri="{BB962C8B-B14F-4D97-AF65-F5344CB8AC3E}">
         <p14:creationId xmlns:p14="http://schemas.microsoft.com/office/powerpoint/2010/main" val="2675534863"/>
-      </p:ext>
-    </p:extLst>
-  </p:cSld>
-  <p:clrMapOvr>
-    <a:masterClrMapping/>
-  </p:clrMapOvr>
-  <p:timing>
-    <p:tnLst>
-      <p:par>
-        <p:cTn id="1" dur="indefinite" restart="never" nodeType="tmRoot"/>
-      </p:par>
-    </p:tnLst>
-  </p:timing>
-</p:sld>
-</file>
-
-<file path=ppt/slides/slide7.xml><?xml version="1.0" encoding="utf-8"?>
-<p:sld xmlns:a="http://schemas.openxmlformats.org/drawingml/2006/main" xmlns:r="http://schemas.openxmlformats.org/officeDocument/2006/relationships" xmlns:p="http://schemas.openxmlformats.org/presentationml/2006/main">
-  <p:cSld>
-    <p:spTree>
-      <p:nvGrpSpPr>
-        <p:cNvPr id="1" name=""/>
-        <p:cNvGrpSpPr/>
-        <p:nvPr/>
-      </p:nvGrpSpPr>
-      <p:grpSpPr>
-        <a:xfrm>
-          <a:off x="0" y="0"/>
-          <a:ext cx="0" cy="0"/>
-          <a:chOff x="0" y="0"/>
-          <a:chExt cx="0" cy="0"/>
-        </a:xfrm>
-      </p:grpSpPr>
-      <p:sp>
-        <p:nvSpPr>
-          <p:cNvPr id="4" name="직사각형 3"/>
-          <p:cNvSpPr/>
-          <p:nvPr/>
-        </p:nvSpPr>
-        <p:spPr>
-          <a:xfrm>
-            <a:off x="3988947" y="461016"/>
-            <a:ext cx="4236842" cy="655372"/>
-          </a:xfrm>
-          <a:prstGeom prst="rect">
-            <a:avLst/>
-          </a:prstGeom>
-        </p:spPr>
-        <p:txBody>
-          <a:bodyPr wrap="square">
-            <a:spAutoFit/>
-          </a:bodyPr>
-          <a:lstStyle/>
-          <a:p>
-            <a:pPr algn="ctr">
-              <a:lnSpc>
-                <a:spcPct val="150000"/>
-              </a:lnSpc>
-            </a:pPr>
-            <a:r>
-              <a:rPr lang="ko-KR" altLang="en-US" sz="2800" b="1" dirty="0">
-                <a:solidFill>
-                  <a:prstClr val="black">
-                    <a:lumMod val="75000"/>
-                    <a:lumOff val="25000"/>
-                  </a:prstClr>
-                </a:solidFill>
-              </a:rPr>
-              <a:t>오늘 사용한 색상은</a:t>
-            </a:r>
-            <a:r>
-              <a:rPr lang="en-US" altLang="ko-KR" sz="2800" b="1" dirty="0">
-                <a:solidFill>
-                  <a:prstClr val="black">
-                    <a:lumMod val="75000"/>
-                    <a:lumOff val="25000"/>
-                  </a:prstClr>
-                </a:solidFill>
-              </a:rPr>
-              <a:t>?</a:t>
-            </a:r>
-            <a:endParaRPr lang="ko-KR" altLang="en-US" sz="2000" dirty="0">
-              <a:solidFill>
-                <a:prstClr val="black">
-                  <a:lumMod val="75000"/>
-                  <a:lumOff val="25000"/>
-                </a:prstClr>
-              </a:solidFill>
-            </a:endParaRPr>
-          </a:p>
-        </p:txBody>
-      </p:sp>
-      <p:sp>
-        <p:nvSpPr>
-          <p:cNvPr id="5" name="직사각형 4"/>
-          <p:cNvSpPr/>
-          <p:nvPr/>
-        </p:nvSpPr>
-        <p:spPr>
-          <a:xfrm>
-            <a:off x="2456131" y="5524135"/>
-            <a:ext cx="7302474" cy="738664"/>
-          </a:xfrm>
-          <a:prstGeom prst="rect">
-            <a:avLst/>
-          </a:prstGeom>
-        </p:spPr>
-        <p:txBody>
-          <a:bodyPr wrap="square">
-            <a:spAutoFit/>
-          </a:bodyPr>
-          <a:lstStyle/>
-          <a:p>
-            <a:pPr algn="ctr">
-              <a:lnSpc>
-                <a:spcPct val="150000"/>
-              </a:lnSpc>
-            </a:pPr>
-            <a:r>
-              <a:rPr lang="en-US" altLang="ko-KR" sz="1400" dirty="0">
-                <a:solidFill>
-                  <a:prstClr val="black">
-                    <a:lumMod val="75000"/>
-                    <a:lumOff val="25000"/>
-                  </a:prstClr>
-                </a:solidFill>
-              </a:rPr>
-              <a:t>2013 </a:t>
-            </a:r>
-            <a:r>
-              <a:rPr lang="ko-KR" altLang="en-US" sz="1400" dirty="0">
-                <a:solidFill>
-                  <a:prstClr val="black">
-                    <a:lumMod val="75000"/>
-                    <a:lumOff val="25000"/>
-                  </a:prstClr>
-                </a:solidFill>
-              </a:rPr>
-              <a:t>버전 이상 사용자께서는 스포이트 기능을 이용하시면 </a:t>
-            </a:r>
-            <a:r>
-              <a:rPr lang="ko-KR" altLang="en-US" sz="1400" dirty="0" err="1">
-                <a:solidFill>
-                  <a:prstClr val="black">
-                    <a:lumMod val="75000"/>
-                    <a:lumOff val="25000"/>
-                  </a:prstClr>
-                </a:solidFill>
-              </a:rPr>
-              <a:t>편하구요</a:t>
-            </a:r>
-            <a:r>
-              <a:rPr lang="en-US" altLang="ko-KR" sz="1400" dirty="0">
-                <a:solidFill>
-                  <a:prstClr val="black">
-                    <a:lumMod val="75000"/>
-                    <a:lumOff val="25000"/>
-                  </a:prstClr>
-                </a:solidFill>
-              </a:rPr>
-              <a:t>.</a:t>
-            </a:r>
-          </a:p>
-          <a:p>
-            <a:pPr algn="ctr">
-              <a:lnSpc>
-                <a:spcPct val="150000"/>
-              </a:lnSpc>
-            </a:pPr>
-            <a:r>
-              <a:rPr lang="en-US" altLang="ko-KR" sz="1400" dirty="0">
-                <a:solidFill>
-                  <a:prstClr val="black">
-                    <a:lumMod val="75000"/>
-                    <a:lumOff val="25000"/>
-                  </a:prstClr>
-                </a:solidFill>
-              </a:rPr>
-              <a:t>2010 </a:t>
-            </a:r>
-            <a:r>
-              <a:rPr lang="ko-KR" altLang="en-US" sz="1400" dirty="0">
-                <a:solidFill>
-                  <a:prstClr val="black">
-                    <a:lumMod val="75000"/>
-                    <a:lumOff val="25000"/>
-                  </a:prstClr>
-                </a:solidFill>
-              </a:rPr>
-              <a:t>이하 버전 사용자 께서는 다른 채우기 색 </a:t>
-            </a:r>
-            <a:r>
-              <a:rPr lang="en-US" altLang="ko-KR" sz="1400" dirty="0">
-                <a:solidFill>
-                  <a:prstClr val="black">
-                    <a:lumMod val="75000"/>
-                    <a:lumOff val="25000"/>
-                  </a:prstClr>
-                </a:solidFill>
-              </a:rPr>
-              <a:t>&gt;</a:t>
-            </a:r>
-            <a:r>
-              <a:rPr lang="ko-KR" altLang="en-US" sz="1400" dirty="0">
-                <a:solidFill>
-                  <a:prstClr val="black">
-                    <a:lumMod val="75000"/>
-                    <a:lumOff val="25000"/>
-                  </a:prstClr>
-                </a:solidFill>
-              </a:rPr>
-              <a:t> 사용자 지정 탭 </a:t>
-            </a:r>
-            <a:r>
-              <a:rPr lang="en-US" altLang="ko-KR" sz="1400" dirty="0">
-                <a:solidFill>
-                  <a:prstClr val="black">
-                    <a:lumMod val="75000"/>
-                    <a:lumOff val="25000"/>
-                  </a:prstClr>
-                </a:solidFill>
-              </a:rPr>
-              <a:t>&gt; RGB </a:t>
-            </a:r>
-            <a:r>
-              <a:rPr lang="ko-KR" altLang="en-US" sz="1400" dirty="0">
-                <a:solidFill>
-                  <a:prstClr val="black">
-                    <a:lumMod val="75000"/>
-                    <a:lumOff val="25000"/>
-                  </a:prstClr>
-                </a:solidFill>
-              </a:rPr>
-              <a:t>색상 값 입력</a:t>
-            </a:r>
-            <a:endParaRPr lang="en-US" altLang="ko-KR" sz="1400" dirty="0">
-              <a:solidFill>
-                <a:prstClr val="black">
-                  <a:lumMod val="75000"/>
-                  <a:lumOff val="25000"/>
-                </a:prstClr>
-              </a:solidFill>
-            </a:endParaRPr>
-          </a:p>
-        </p:txBody>
-      </p:sp>
-      <p:sp>
-        <p:nvSpPr>
-          <p:cNvPr id="6" name="타원 5"/>
-          <p:cNvSpPr/>
-          <p:nvPr/>
-        </p:nvSpPr>
-        <p:spPr>
-          <a:xfrm>
-            <a:off x="7804849" y="2051510"/>
-            <a:ext cx="2537503" cy="2537503"/>
-          </a:xfrm>
-          <a:prstGeom prst="ellipse">
-            <a:avLst/>
-          </a:prstGeom>
-          <a:solidFill>
-            <a:srgbClr val="00D0AC"/>
-          </a:solidFill>
-          <a:ln>
-            <a:noFill/>
-          </a:ln>
-        </p:spPr>
-        <p:style>
-          <a:lnRef idx="2">
-            <a:schemeClr val="accent1">
-              <a:shade val="50000"/>
-            </a:schemeClr>
-          </a:lnRef>
-          <a:fillRef idx="1">
-            <a:schemeClr val="accent1"/>
-          </a:fillRef>
-          <a:effectRef idx="0">
-            <a:schemeClr val="accent1"/>
-          </a:effectRef>
-          <a:fontRef idx="minor">
-            <a:schemeClr val="lt1"/>
-          </a:fontRef>
-        </p:style>
-        <p:txBody>
-          <a:bodyPr rtlCol="0" anchor="ctr"/>
-          <a:lstStyle/>
-          <a:p>
-            <a:pPr algn="ctr">
-              <a:lnSpc>
-                <a:spcPct val="150000"/>
-              </a:lnSpc>
-            </a:pPr>
-            <a:r>
-              <a:rPr lang="en-US" altLang="ko-KR" sz="2400" b="1" dirty="0">
-                <a:solidFill>
-                  <a:prstClr val="white"/>
-                </a:solidFill>
-              </a:rPr>
-              <a:t>R 0</a:t>
-            </a:r>
-          </a:p>
-          <a:p>
-            <a:pPr algn="ctr">
-              <a:lnSpc>
-                <a:spcPct val="150000"/>
-              </a:lnSpc>
-            </a:pPr>
-            <a:r>
-              <a:rPr lang="en-US" altLang="ko-KR" sz="2400" b="1" dirty="0">
-                <a:solidFill>
-                  <a:prstClr val="white"/>
-                </a:solidFill>
-              </a:rPr>
-              <a:t>G 208</a:t>
-            </a:r>
-          </a:p>
-          <a:p>
-            <a:pPr algn="ctr">
-              <a:lnSpc>
-                <a:spcPct val="150000"/>
-              </a:lnSpc>
-            </a:pPr>
-            <a:r>
-              <a:rPr lang="en-US" altLang="ko-KR" sz="2400" b="1" dirty="0">
-                <a:solidFill>
-                  <a:prstClr val="white"/>
-                </a:solidFill>
-              </a:rPr>
-              <a:t>B 172</a:t>
-            </a:r>
-          </a:p>
-        </p:txBody>
-      </p:sp>
-      <p:sp>
-        <p:nvSpPr>
-          <p:cNvPr id="7" name="타원 6"/>
-          <p:cNvSpPr/>
-          <p:nvPr/>
-        </p:nvSpPr>
-        <p:spPr>
-          <a:xfrm>
-            <a:off x="4799979" y="2051510"/>
-            <a:ext cx="2537503" cy="2537503"/>
-          </a:xfrm>
-          <a:prstGeom prst="ellipse">
-            <a:avLst/>
-          </a:prstGeom>
-          <a:solidFill>
-            <a:srgbClr val="01A7CE"/>
-          </a:solidFill>
-          <a:ln>
-            <a:noFill/>
-          </a:ln>
-        </p:spPr>
-        <p:style>
-          <a:lnRef idx="2">
-            <a:schemeClr val="accent1">
-              <a:shade val="50000"/>
-            </a:schemeClr>
-          </a:lnRef>
-          <a:fillRef idx="1">
-            <a:schemeClr val="accent1"/>
-          </a:fillRef>
-          <a:effectRef idx="0">
-            <a:schemeClr val="accent1"/>
-          </a:effectRef>
-          <a:fontRef idx="minor">
-            <a:schemeClr val="lt1"/>
-          </a:fontRef>
-        </p:style>
-        <p:txBody>
-          <a:bodyPr rtlCol="0" anchor="ctr"/>
-          <a:lstStyle/>
-          <a:p>
-            <a:pPr algn="ctr">
-              <a:lnSpc>
-                <a:spcPct val="150000"/>
-              </a:lnSpc>
-            </a:pPr>
-            <a:r>
-              <a:rPr lang="en-US" altLang="ko-KR" sz="2400" b="1" dirty="0">
-                <a:solidFill>
-                  <a:prstClr val="white"/>
-                </a:solidFill>
-              </a:rPr>
-              <a:t>R 1</a:t>
-            </a:r>
-          </a:p>
-          <a:p>
-            <a:pPr algn="ctr">
-              <a:lnSpc>
-                <a:spcPct val="150000"/>
-              </a:lnSpc>
-            </a:pPr>
-            <a:r>
-              <a:rPr lang="en-US" altLang="ko-KR" sz="2400" b="1" dirty="0">
-                <a:solidFill>
-                  <a:prstClr val="white"/>
-                </a:solidFill>
-              </a:rPr>
-              <a:t>G 167</a:t>
-            </a:r>
-          </a:p>
-          <a:p>
-            <a:pPr algn="ctr">
-              <a:lnSpc>
-                <a:spcPct val="150000"/>
-              </a:lnSpc>
-            </a:pPr>
-            <a:r>
-              <a:rPr lang="en-US" altLang="ko-KR" sz="2400" b="1" dirty="0">
-                <a:solidFill>
-                  <a:prstClr val="white"/>
-                </a:solidFill>
-              </a:rPr>
-              <a:t>B 206</a:t>
-            </a:r>
-          </a:p>
-        </p:txBody>
-      </p:sp>
-      <p:sp>
-        <p:nvSpPr>
-          <p:cNvPr id="8" name="타원 7"/>
-          <p:cNvSpPr/>
-          <p:nvPr/>
-        </p:nvSpPr>
-        <p:spPr>
-          <a:xfrm>
-            <a:off x="1795109" y="2051510"/>
-            <a:ext cx="2537503" cy="2537503"/>
-          </a:xfrm>
-          <a:prstGeom prst="ellipse">
-            <a:avLst/>
-          </a:prstGeom>
-          <a:solidFill>
-            <a:srgbClr val="FFEAD1"/>
-          </a:solidFill>
-          <a:ln>
-            <a:noFill/>
-          </a:ln>
-        </p:spPr>
-        <p:style>
-          <a:lnRef idx="2">
-            <a:schemeClr val="accent1">
-              <a:shade val="50000"/>
-            </a:schemeClr>
-          </a:lnRef>
-          <a:fillRef idx="1">
-            <a:schemeClr val="accent1"/>
-          </a:fillRef>
-          <a:effectRef idx="0">
-            <a:schemeClr val="accent1"/>
-          </a:effectRef>
-          <a:fontRef idx="minor">
-            <a:schemeClr val="lt1"/>
-          </a:fontRef>
-        </p:style>
-        <p:txBody>
-          <a:bodyPr rtlCol="0" anchor="ctr"/>
-          <a:lstStyle/>
-          <a:p>
-            <a:pPr algn="ctr">
-              <a:lnSpc>
-                <a:spcPct val="150000"/>
-              </a:lnSpc>
-            </a:pPr>
-            <a:r>
-              <a:rPr lang="en-US" altLang="ko-KR" sz="2400" b="1" dirty="0">
-                <a:solidFill>
-                  <a:prstClr val="black">
-                    <a:lumMod val="75000"/>
-                    <a:lumOff val="25000"/>
-                  </a:prstClr>
-                </a:solidFill>
-              </a:rPr>
-              <a:t>R 255</a:t>
-            </a:r>
-          </a:p>
-          <a:p>
-            <a:pPr algn="ctr">
-              <a:lnSpc>
-                <a:spcPct val="150000"/>
-              </a:lnSpc>
-            </a:pPr>
-            <a:r>
-              <a:rPr lang="en-US" altLang="ko-KR" sz="2400" b="1" dirty="0">
-                <a:solidFill>
-                  <a:prstClr val="black">
-                    <a:lumMod val="75000"/>
-                    <a:lumOff val="25000"/>
-                  </a:prstClr>
-                </a:solidFill>
-              </a:rPr>
-              <a:t>G 234</a:t>
-            </a:r>
-          </a:p>
-          <a:p>
-            <a:pPr algn="ctr">
-              <a:lnSpc>
-                <a:spcPct val="150000"/>
-              </a:lnSpc>
-            </a:pPr>
-            <a:r>
-              <a:rPr lang="en-US" altLang="ko-KR" sz="2400" b="1" dirty="0">
-                <a:solidFill>
-                  <a:prstClr val="black">
-                    <a:lumMod val="75000"/>
-                    <a:lumOff val="25000"/>
-                  </a:prstClr>
-                </a:solidFill>
-              </a:rPr>
-              <a:t>B 209</a:t>
-            </a:r>
-          </a:p>
-        </p:txBody>
-      </p:sp>
-    </p:spTree>
-    <p:extLst>
-      <p:ext uri="{BB962C8B-B14F-4D97-AF65-F5344CB8AC3E}">
-        <p14:creationId xmlns:p14="http://schemas.microsoft.com/office/powerpoint/2010/main" val="1506371567"/>
-      </p:ext>
-    </p:extLst>
-  </p:cSld>
-  <p:clrMapOvr>
-    <a:masterClrMapping/>
-  </p:clrMapOvr>
-  <p:timing>
-    <p:tnLst>
-      <p:par>
-        <p:cTn id="1" dur="indefinite" restart="never" nodeType="tmRoot"/>
-      </p:par>
-    </p:tnLst>
-  </p:timing>
-</p:sld>
-</file>
-
-<file path=ppt/slides/slide8.xml><?xml version="1.0" encoding="utf-8"?>
-<p:sld xmlns:a="http://schemas.openxmlformats.org/drawingml/2006/main" xmlns:r="http://schemas.openxmlformats.org/officeDocument/2006/relationships" xmlns:p="http://schemas.openxmlformats.org/presentationml/2006/main">
-  <p:cSld>
-    <p:spTree>
-      <p:nvGrpSpPr>
-        <p:cNvPr id="1" name=""/>
-        <p:cNvGrpSpPr/>
-        <p:nvPr/>
-      </p:nvGrpSpPr>
-      <p:grpSpPr>
-        <a:xfrm>
-          <a:off x="0" y="0"/>
-          <a:ext cx="0" cy="0"/>
-          <a:chOff x="0" y="0"/>
-          <a:chExt cx="0" cy="0"/>
-        </a:xfrm>
-      </p:grpSpPr>
-      <p:sp>
-        <p:nvSpPr>
-          <p:cNvPr id="4" name="TextBox 3"/>
-          <p:cNvSpPr txBox="1"/>
-          <p:nvPr/>
-        </p:nvSpPr>
-        <p:spPr>
-          <a:xfrm>
-            <a:off x="254000" y="342900"/>
-            <a:ext cx="11811000" cy="6278642"/>
-          </a:xfrm>
-          <a:prstGeom prst="rect">
-            <a:avLst/>
-          </a:prstGeom>
-          <a:noFill/>
-        </p:spPr>
-        <p:txBody>
-          <a:bodyPr wrap="square" rtlCol="0">
-            <a:spAutoFit/>
-          </a:bodyPr>
-          <a:lstStyle/>
-          <a:p>
-            <a:r>
-              <a:rPr lang="ko-KR" altLang="en-US" sz="2400" b="1" dirty="0">
-                <a:solidFill>
-                  <a:srgbClr val="FF0000"/>
-                </a:solidFill>
-              </a:rPr>
-              <a:t>최근 저의 자료를 카페 등에 무단으로 </a:t>
-            </a:r>
-            <a:r>
-              <a:rPr lang="ko-KR" altLang="en-US" sz="2400" b="1" dirty="0" err="1">
-                <a:solidFill>
-                  <a:srgbClr val="FF0000"/>
-                </a:solidFill>
-              </a:rPr>
-              <a:t>재배포</a:t>
-            </a:r>
-            <a:r>
-              <a:rPr lang="ko-KR" altLang="en-US" sz="2400" b="1" dirty="0">
-                <a:solidFill>
-                  <a:srgbClr val="FF0000"/>
-                </a:solidFill>
-              </a:rPr>
-              <a:t> 하는 일이 자주 발생하고 있습니다</a:t>
-            </a:r>
-            <a:r>
-              <a:rPr lang="en-US" altLang="ko-KR" sz="2400" b="1" dirty="0">
-                <a:solidFill>
-                  <a:srgbClr val="FF0000"/>
-                </a:solidFill>
-              </a:rPr>
-              <a:t>.</a:t>
-            </a:r>
-          </a:p>
-          <a:p>
-            <a:endParaRPr lang="en-US" altLang="ko-KR" dirty="0">
-              <a:solidFill>
-                <a:prstClr val="black"/>
-              </a:solidFill>
-            </a:endParaRPr>
-          </a:p>
-          <a:p>
-            <a:r>
-              <a:rPr lang="ko-KR" altLang="en-US" dirty="0">
-                <a:solidFill>
-                  <a:prstClr val="black"/>
-                </a:solidFill>
-              </a:rPr>
-              <a:t>이에 대해 굉장히 심각한 문제로 받아 들이고 있으며</a:t>
-            </a:r>
-            <a:r>
-              <a:rPr lang="en-US" altLang="ko-KR" dirty="0">
-                <a:solidFill>
-                  <a:prstClr val="black"/>
-                </a:solidFill>
-              </a:rPr>
-              <a:t>,</a:t>
-            </a:r>
-          </a:p>
-          <a:p>
-            <a:endParaRPr lang="en-US" altLang="ko-KR" dirty="0">
-              <a:solidFill>
-                <a:prstClr val="black"/>
-              </a:solidFill>
-            </a:endParaRPr>
-          </a:p>
-          <a:p>
-            <a:r>
-              <a:rPr lang="ko-KR" altLang="en-US" dirty="0">
-                <a:solidFill>
-                  <a:prstClr val="black"/>
-                </a:solidFill>
-              </a:rPr>
-              <a:t>해당 문제가 반복될 경우</a:t>
-            </a:r>
-            <a:r>
-              <a:rPr lang="en-US" altLang="ko-KR" dirty="0">
-                <a:solidFill>
-                  <a:prstClr val="black"/>
-                </a:solidFill>
-              </a:rPr>
-              <a:t>, </a:t>
-            </a:r>
-            <a:r>
-              <a:rPr lang="ko-KR" altLang="en-US" dirty="0" err="1">
-                <a:solidFill>
-                  <a:prstClr val="black"/>
-                </a:solidFill>
-              </a:rPr>
-              <a:t>재배포한</a:t>
-            </a:r>
-            <a:r>
-              <a:rPr lang="ko-KR" altLang="en-US" dirty="0">
-                <a:solidFill>
-                  <a:prstClr val="black"/>
-                </a:solidFill>
-              </a:rPr>
-              <a:t> 자에 대해서는 그에 대한 책임을 반드시 물을 것입니다</a:t>
-            </a:r>
-            <a:r>
-              <a:rPr lang="en-US" altLang="ko-KR" dirty="0">
-                <a:solidFill>
-                  <a:prstClr val="black"/>
-                </a:solidFill>
-              </a:rPr>
-              <a:t>.</a:t>
-            </a:r>
-          </a:p>
-          <a:p>
-            <a:endParaRPr lang="en-US" altLang="ko-KR" dirty="0">
-              <a:solidFill>
-                <a:prstClr val="black"/>
-              </a:solidFill>
-            </a:endParaRPr>
-          </a:p>
-          <a:p>
-            <a:endParaRPr lang="en-US" altLang="ko-KR" dirty="0">
-              <a:solidFill>
-                <a:prstClr val="black"/>
-              </a:solidFill>
-            </a:endParaRPr>
-          </a:p>
-          <a:p>
-            <a:r>
-              <a:rPr lang="ko-KR" altLang="en-US" dirty="0">
-                <a:solidFill>
-                  <a:prstClr val="black"/>
-                </a:solidFill>
-              </a:rPr>
-              <a:t>저작권을 존중하지 않는 극히 소수의 사용자로 인해 다수가 피해를 보지 않도록 주의해 주시면 감사하겠으며</a:t>
-            </a:r>
-            <a:endParaRPr lang="en-US" altLang="ko-KR" dirty="0">
-              <a:solidFill>
-                <a:prstClr val="black"/>
-              </a:solidFill>
-            </a:endParaRPr>
-          </a:p>
-          <a:p>
-            <a:endParaRPr lang="en-US" altLang="ko-KR" dirty="0">
-              <a:solidFill>
-                <a:prstClr val="black"/>
-              </a:solidFill>
-            </a:endParaRPr>
-          </a:p>
-          <a:p>
-            <a:r>
-              <a:rPr lang="ko-KR" altLang="en-US" dirty="0">
-                <a:solidFill>
-                  <a:prstClr val="black"/>
-                </a:solidFill>
-              </a:rPr>
-              <a:t>제 자료가 업로드 된 곳이 있다면 저에게 알려주시면 감사하겠습니다</a:t>
-            </a:r>
-            <a:r>
-              <a:rPr lang="en-US" altLang="ko-KR" dirty="0">
-                <a:solidFill>
-                  <a:prstClr val="black"/>
-                </a:solidFill>
-              </a:rPr>
-              <a:t>.</a:t>
-            </a:r>
-          </a:p>
-          <a:p>
-            <a:endParaRPr lang="en-US" altLang="ko-KR" dirty="0">
-              <a:solidFill>
-                <a:prstClr val="black"/>
-              </a:solidFill>
-            </a:endParaRPr>
-          </a:p>
-          <a:p>
-            <a:endParaRPr lang="en-US" altLang="ko-KR" dirty="0">
-              <a:solidFill>
-                <a:prstClr val="black"/>
-              </a:solidFill>
-            </a:endParaRPr>
-          </a:p>
-          <a:p>
-            <a:r>
-              <a:rPr lang="ko-KR" altLang="en-US" dirty="0">
-                <a:solidFill>
-                  <a:prstClr val="black"/>
-                </a:solidFill>
-              </a:rPr>
-              <a:t>제 자료를 소개하고자 할 경우에는</a:t>
-            </a:r>
-            <a:endParaRPr lang="en-US" altLang="ko-KR" dirty="0">
-              <a:solidFill>
-                <a:prstClr val="black"/>
-              </a:solidFill>
-            </a:endParaRPr>
-          </a:p>
-          <a:p>
-            <a:endParaRPr lang="en-US" altLang="ko-KR" dirty="0">
-              <a:solidFill>
-                <a:prstClr val="black"/>
-              </a:solidFill>
-            </a:endParaRPr>
-          </a:p>
-          <a:p>
-            <a:r>
-              <a:rPr lang="en-US" altLang="ko-KR" dirty="0" err="1">
-                <a:solidFill>
-                  <a:prstClr val="black"/>
-                </a:solidFill>
-              </a:rPr>
-              <a:t>pptbizcam</a:t>
-            </a:r>
-            <a:r>
-              <a:rPr lang="en-US" altLang="ko-KR" dirty="0">
-                <a:solidFill>
-                  <a:prstClr val="black"/>
-                </a:solidFill>
-              </a:rPr>
-              <a:t> </a:t>
-            </a:r>
-            <a:r>
-              <a:rPr lang="ko-KR" altLang="en-US" dirty="0">
-                <a:solidFill>
-                  <a:prstClr val="black"/>
-                </a:solidFill>
-              </a:rPr>
-              <a:t>사이트로의 링크 처리로만 가능하며 </a:t>
-            </a:r>
-            <a:endParaRPr lang="en-US" altLang="ko-KR" dirty="0">
-              <a:solidFill>
-                <a:prstClr val="black"/>
-              </a:solidFill>
-            </a:endParaRPr>
-          </a:p>
-          <a:p>
-            <a:endParaRPr lang="en-US" altLang="ko-KR" dirty="0">
-              <a:solidFill>
-                <a:prstClr val="black"/>
-              </a:solidFill>
-            </a:endParaRPr>
-          </a:p>
-          <a:p>
-            <a:r>
-              <a:rPr lang="ko-KR" altLang="en-US" dirty="0">
-                <a:solidFill>
-                  <a:prstClr val="black"/>
-                </a:solidFill>
-              </a:rPr>
-              <a:t>파일 자체를 업로드 하는 것은 불가한 점 유의해 주시면 감사하겠습니다</a:t>
-            </a:r>
-            <a:r>
-              <a:rPr lang="en-US" altLang="ko-KR" dirty="0">
-                <a:solidFill>
-                  <a:prstClr val="black"/>
-                </a:solidFill>
-              </a:rPr>
-              <a:t>.</a:t>
-            </a:r>
-          </a:p>
-          <a:p>
-            <a:endParaRPr lang="en-US" altLang="ko-KR" dirty="0">
-              <a:solidFill>
-                <a:prstClr val="black"/>
-              </a:solidFill>
-            </a:endParaRPr>
-          </a:p>
-          <a:p>
-            <a:r>
-              <a:rPr lang="ko-KR" altLang="en-US" sz="2400" b="1" dirty="0">
-                <a:solidFill>
-                  <a:srgbClr val="FF0000"/>
-                </a:solidFill>
-              </a:rPr>
-              <a:t>홍보</a:t>
-            </a:r>
-            <a:r>
-              <a:rPr lang="en-US" altLang="ko-KR" sz="2400" b="1" dirty="0">
-                <a:solidFill>
-                  <a:srgbClr val="FF0000"/>
-                </a:solidFill>
-              </a:rPr>
-              <a:t>, </a:t>
-            </a:r>
-            <a:r>
-              <a:rPr lang="ko-KR" altLang="en-US" sz="2400" b="1" dirty="0">
-                <a:solidFill>
-                  <a:srgbClr val="FF0000"/>
-                </a:solidFill>
-              </a:rPr>
-              <a:t>경제적 이익을 취하는 행위 또한 불가합니다</a:t>
-            </a:r>
-            <a:r>
-              <a:rPr lang="en-US" altLang="ko-KR" sz="2400" b="1" dirty="0">
-                <a:solidFill>
-                  <a:srgbClr val="FF0000"/>
-                </a:solidFill>
-              </a:rPr>
-              <a:t>.</a:t>
-            </a:r>
-          </a:p>
-          <a:p>
-            <a:endParaRPr lang="en-US" altLang="ko-KR" sz="2400" b="1" dirty="0">
-              <a:solidFill>
-                <a:srgbClr val="FF0000"/>
-              </a:solidFill>
-            </a:endParaRPr>
-          </a:p>
-          <a:p>
-            <a:r>
-              <a:rPr lang="en-US" altLang="ko-KR" sz="2000" b="1" dirty="0">
-                <a:solidFill>
-                  <a:srgbClr val="4472C4">
-                    <a:lumMod val="75000"/>
-                  </a:srgbClr>
-                </a:solidFill>
-              </a:rPr>
-              <a:t>※</a:t>
-            </a:r>
-            <a:r>
-              <a:rPr lang="ko-KR" altLang="en-US" sz="2000" b="1" dirty="0">
-                <a:solidFill>
-                  <a:srgbClr val="4472C4">
-                    <a:lumMod val="75000"/>
-                  </a:srgbClr>
-                </a:solidFill>
-              </a:rPr>
-              <a:t>기타 활용 가능 범위는 공유 사이트 </a:t>
-            </a:r>
-            <a:r>
-              <a:rPr lang="en-US" altLang="ko-KR" sz="2000" b="1" dirty="0">
-                <a:solidFill>
-                  <a:srgbClr val="4472C4">
-                    <a:lumMod val="75000"/>
-                  </a:srgbClr>
-                </a:solidFill>
-              </a:rPr>
-              <a:t>-&gt; </a:t>
-            </a:r>
-            <a:r>
-              <a:rPr lang="ko-KR" altLang="en-US" sz="2000" b="1" dirty="0" err="1">
-                <a:solidFill>
-                  <a:srgbClr val="4472C4">
-                    <a:lumMod val="75000"/>
-                  </a:srgbClr>
-                </a:solidFill>
-              </a:rPr>
-              <a:t>수다방</a:t>
-            </a:r>
-            <a:r>
-              <a:rPr lang="ko-KR" altLang="en-US" sz="2000" b="1" dirty="0">
-                <a:solidFill>
-                  <a:srgbClr val="4472C4">
-                    <a:lumMod val="75000"/>
-                  </a:srgbClr>
-                </a:solidFill>
-              </a:rPr>
-              <a:t> 게시판 공지사항 참고</a:t>
-            </a:r>
-            <a:endParaRPr lang="en-US" altLang="ko-KR" sz="2000" b="1" dirty="0">
-              <a:solidFill>
-                <a:srgbClr val="4472C4">
-                  <a:lumMod val="75000"/>
-                </a:srgbClr>
-              </a:solidFill>
-            </a:endParaRPr>
-          </a:p>
-        </p:txBody>
-      </p:sp>
-    </p:spTree>
-    <p:extLst>
-      <p:ext uri="{BB962C8B-B14F-4D97-AF65-F5344CB8AC3E}">
-        <p14:creationId xmlns:p14="http://schemas.microsoft.com/office/powerpoint/2010/main" val="3123200241"/>
       </p:ext>
     </p:extLst>
   </p:cSld>

--- a/Final Assignments/파라노이드 팀 발표용 PPT.pptx
+++ b/Final Assignments/파라노이드 팀 발표용 PPT.pptx
@@ -9,12 +9,14 @@
     <p:sldId id="258" r:id="rId3"/>
     <p:sldId id="259" r:id="rId4"/>
     <p:sldId id="260" r:id="rId5"/>
-    <p:sldId id="261" r:id="rId6"/>
-    <p:sldId id="265" r:id="rId7"/>
-    <p:sldId id="266" r:id="rId8"/>
-    <p:sldId id="267" r:id="rId9"/>
-    <p:sldId id="263" r:id="rId10"/>
-    <p:sldId id="264" r:id="rId11"/>
+    <p:sldId id="269" r:id="rId6"/>
+    <p:sldId id="268" r:id="rId7"/>
+    <p:sldId id="261" r:id="rId8"/>
+    <p:sldId id="265" r:id="rId9"/>
+    <p:sldId id="266" r:id="rId10"/>
+    <p:sldId id="267" r:id="rId11"/>
+    <p:sldId id="263" r:id="rId12"/>
+    <p:sldId id="264" r:id="rId13"/>
   </p:sldIdLst>
   <p:sldSz cx="12192000" cy="6858000"/>
   <p:notesSz cx="6858000" cy="9144000"/>
@@ -3840,7 +3842,7 @@
               </a:lnSpc>
             </a:pPr>
             <a:r>
-              <a:rPr lang="ko-KR" altLang="en-US" sz="1500" smtClean="0">
+              <a:rPr lang="ko-KR" altLang="en-US" sz="1500">
                 <a:solidFill>
                   <a:prstClr val="white"/>
                 </a:solidFill>
@@ -3903,7 +3905,7 @@
               <a:defRPr/>
             </a:pPr>
             <a:r>
-              <a:rPr lang="ko-KR" altLang="en-US" sz="3200" b="1" i="1" kern="0" smtClean="0">
+              <a:rPr lang="ko-KR" altLang="en-US" sz="3200" b="1" i="1" kern="0">
                 <a:solidFill>
                   <a:prstClr val="black">
                     <a:lumMod val="75000"/>
@@ -3913,7 +3915,7 @@
               </a:rPr>
               <a:t>파라노이드 팀</a:t>
             </a:r>
-            <a:endParaRPr lang="en-US" altLang="ko-KR" sz="3200" b="1" i="1" kern="0" smtClean="0">
+            <a:endParaRPr lang="en-US" altLang="ko-KR" sz="3200" b="1" i="1" kern="0">
               <a:solidFill>
                 <a:prstClr val="black">
                   <a:lumMod val="75000"/>
@@ -3930,7 +3932,7 @@
               <a:defRPr/>
             </a:pPr>
             <a:r>
-              <a:rPr lang="ko-KR" altLang="en-US" sz="1500" b="1" kern="0" smtClean="0">
+              <a:rPr lang="ko-KR" altLang="en-US" sz="1500" b="1" kern="0">
                 <a:solidFill>
                   <a:prstClr val="black">
                     <a:lumMod val="75000"/>
@@ -3941,7 +3943,7 @@
               <a:t>                    콘텐츠 </a:t>
             </a:r>
             <a:r>
-              <a:rPr lang="en-US" altLang="ko-KR" sz="1500" b="1" kern="0" smtClean="0">
+              <a:rPr lang="en-US" altLang="ko-KR" sz="1500" b="1" kern="0">
                 <a:solidFill>
                   <a:prstClr val="black">
                     <a:lumMod val="75000"/>
@@ -3952,7 +3954,7 @@
               <a:t>IT 20145329 </a:t>
             </a:r>
             <a:r>
-              <a:rPr lang="ko-KR" altLang="en-US" sz="1500" b="1" kern="0" smtClean="0">
+              <a:rPr lang="ko-KR" altLang="en-US" sz="1500" b="1" kern="0">
                 <a:solidFill>
                   <a:prstClr val="black">
                     <a:lumMod val="75000"/>
@@ -3962,7 +3964,7 @@
               </a:rPr>
               <a:t>오장호</a:t>
             </a:r>
-            <a:endParaRPr lang="en-US" altLang="ko-KR" sz="1500" b="1" kern="0" smtClean="0">
+            <a:endParaRPr lang="en-US" altLang="ko-KR" sz="1500" b="1" kern="0">
               <a:solidFill>
                 <a:prstClr val="black">
                   <a:lumMod val="75000"/>
@@ -3979,7 +3981,7 @@
               <a:defRPr/>
             </a:pPr>
             <a:r>
-              <a:rPr lang="ko-KR" altLang="en-US" sz="1500" b="1" kern="0" smtClean="0">
+              <a:rPr lang="ko-KR" altLang="en-US" sz="1500" b="1" kern="0">
                 <a:solidFill>
                   <a:prstClr val="black">
                     <a:lumMod val="75000"/>
@@ -3990,7 +3992,7 @@
               <a:t>                    콘텐츠 </a:t>
             </a:r>
             <a:r>
-              <a:rPr lang="en-US" altLang="ko-KR" sz="1500" b="1" kern="0" smtClean="0">
+              <a:rPr lang="en-US" altLang="ko-KR" sz="1500" b="1" kern="0">
                 <a:solidFill>
                   <a:prstClr val="black">
                     <a:lumMod val="75000"/>
@@ -4001,7 +4003,7 @@
               <a:t>IT 20145350 </a:t>
             </a:r>
             <a:r>
-              <a:rPr lang="ko-KR" altLang="en-US" sz="1500" b="1" kern="0" smtClean="0">
+              <a:rPr lang="ko-KR" altLang="en-US" sz="1500" b="1" kern="0">
                 <a:solidFill>
                   <a:prstClr val="black">
                     <a:lumMod val="75000"/>
@@ -4011,7 +4013,7 @@
               </a:rPr>
               <a:t>한규성</a:t>
             </a:r>
-            <a:endParaRPr lang="en-US" altLang="ko-KR" sz="1500" b="1" kern="0" smtClean="0">
+            <a:endParaRPr lang="en-US" altLang="ko-KR" sz="1500" b="1" kern="0">
               <a:solidFill>
                 <a:prstClr val="black">
                   <a:lumMod val="75000"/>
@@ -4028,7 +4030,7 @@
               <a:defRPr/>
             </a:pPr>
             <a:r>
-              <a:rPr lang="ko-KR" altLang="en-US" sz="1500" b="1" kern="0" smtClean="0">
+              <a:rPr lang="ko-KR" altLang="en-US" sz="1500" b="1" kern="0">
                 <a:solidFill>
                   <a:prstClr val="black">
                     <a:lumMod val="75000"/>
@@ -4039,7 +4041,7 @@
               <a:t>                    콘텐츠 </a:t>
             </a:r>
             <a:r>
-              <a:rPr lang="en-US" altLang="ko-KR" sz="1500" b="1" kern="0" smtClean="0">
+              <a:rPr lang="en-US" altLang="ko-KR" sz="1500" b="1" kern="0">
                 <a:solidFill>
                   <a:prstClr val="black">
                     <a:lumMod val="75000"/>
@@ -4050,7 +4052,7 @@
               <a:t>IT 20175332 </a:t>
             </a:r>
             <a:r>
-              <a:rPr lang="ko-KR" altLang="en-US" sz="1500" b="1" kern="0" smtClean="0">
+              <a:rPr lang="ko-KR" altLang="en-US" sz="1500" b="1" kern="0">
                 <a:solidFill>
                   <a:prstClr val="black">
                     <a:lumMod val="75000"/>
@@ -4060,7 +4062,7 @@
               </a:rPr>
               <a:t>이충희</a:t>
             </a:r>
-            <a:endParaRPr lang="en-US" altLang="ko-KR" sz="1500" b="1" kern="0" smtClean="0">
+            <a:endParaRPr lang="en-US" altLang="ko-KR" sz="1500" b="1" kern="0">
               <a:solidFill>
                 <a:prstClr val="black">
                   <a:lumMod val="75000"/>
@@ -4077,7 +4079,7 @@
               <a:defRPr/>
             </a:pPr>
             <a:r>
-              <a:rPr lang="ko-KR" altLang="en-US" sz="1500" b="1" kern="0" smtClean="0">
+              <a:rPr lang="ko-KR" altLang="en-US" sz="1500" b="1" kern="0">
                 <a:solidFill>
                   <a:prstClr val="black">
                     <a:lumMod val="75000"/>
@@ -4088,7 +4090,7 @@
               <a:t>                    콘텐츠 </a:t>
             </a:r>
             <a:r>
-              <a:rPr lang="en-US" altLang="ko-KR" sz="1500" b="1" kern="0" smtClean="0">
+              <a:rPr lang="en-US" altLang="ko-KR" sz="1500" b="1" kern="0">
                 <a:solidFill>
                   <a:prstClr val="black">
                     <a:lumMod val="75000"/>
@@ -4099,7 +4101,7 @@
               <a:t>IT 20195124 </a:t>
             </a:r>
             <a:r>
-              <a:rPr lang="ko-KR" altLang="en-US" sz="1500" b="1" kern="0" smtClean="0">
+              <a:rPr lang="ko-KR" altLang="en-US" sz="1500" b="1" kern="0">
                 <a:solidFill>
                   <a:prstClr val="black">
                     <a:lumMod val="75000"/>
@@ -4126,7 +4128,7 @@
               <a:defRPr/>
             </a:pPr>
             <a:r>
-              <a:rPr lang="ko-KR" altLang="en-US" sz="1500" b="1" kern="0" smtClean="0">
+              <a:rPr lang="ko-KR" altLang="en-US" sz="1500" b="1" kern="0">
                 <a:solidFill>
                   <a:prstClr val="black">
                     <a:lumMod val="75000"/>
@@ -4137,7 +4139,7 @@
               <a:t>                    경영학과 </a:t>
             </a:r>
             <a:r>
-              <a:rPr lang="en-US" altLang="ko-KR" sz="1500" b="1" kern="0" smtClean="0">
+              <a:rPr lang="en-US" altLang="ko-KR" sz="1500" b="1" kern="0">
                 <a:solidFill>
                   <a:prstClr val="black">
                     <a:lumMod val="75000"/>
@@ -4148,7 +4150,7 @@
               <a:t>20193008 </a:t>
             </a:r>
             <a:r>
-              <a:rPr lang="ko-KR" altLang="en-US" sz="1500" b="1" kern="0" smtClean="0">
+              <a:rPr lang="ko-KR" altLang="en-US" sz="1500" b="1" kern="0">
                 <a:solidFill>
                   <a:prstClr val="black">
                     <a:lumMod val="75000"/>
@@ -4238,28 +4240,113 @@
           </a:p>
         </p:txBody>
       </p:sp>
-      <p:sp>
-        <p:nvSpPr>
-          <p:cNvPr id="9" name="실행 단추: 홈 8">
-            <a:hlinkClick r:id="" action="ppaction://hlinkshowjump?jump=firstslide" highlightClick="1"/>
-          </p:cNvPr>
+      <p:pic>
+        <p:nvPicPr>
+          <p:cNvPr id="11" name="그림 10">
+            <a:extLst>
+              <a:ext uri="{FF2B5EF4-FFF2-40B4-BE49-F238E27FC236}">
+                <a16:creationId xmlns:a16="http://schemas.microsoft.com/office/drawing/2014/main" id="{31A65D8A-4658-B64B-EDC2-DD445BE14A84}"/>
+              </a:ext>
+            </a:extLst>
+          </p:cNvPr>
+          <p:cNvPicPr>
+            <a:picLocks noChangeAspect="1"/>
+          </p:cNvPicPr>
+          <p:nvPr/>
+        </p:nvPicPr>
+        <p:blipFill>
+          <a:blip r:embed="rId2" cstate="print">
+            <a:extLst>
+              <a:ext uri="{28A0092B-C50C-407E-A947-70E740481C1C}">
+                <a14:useLocalDpi xmlns:a14="http://schemas.microsoft.com/office/drawing/2010/main" val="0"/>
+              </a:ext>
+            </a:extLst>
+          </a:blip>
+          <a:stretch>
+            <a:fillRect/>
+          </a:stretch>
+        </p:blipFill>
+        <p:spPr>
+          <a:xfrm>
+            <a:off x="8402799" y="2918104"/>
+            <a:ext cx="573384" cy="463899"/>
+          </a:xfrm>
+          <a:prstGeom prst="rect">
+            <a:avLst/>
+          </a:prstGeom>
+        </p:spPr>
+      </p:pic>
+    </p:spTree>
+    <p:extLst>
+      <p:ext uri="{BB962C8B-B14F-4D97-AF65-F5344CB8AC3E}">
+        <p14:creationId xmlns:p14="http://schemas.microsoft.com/office/powerpoint/2010/main" val="1906004938"/>
+      </p:ext>
+    </p:extLst>
+  </p:cSld>
+  <p:clrMapOvr>
+    <a:masterClrMapping/>
+  </p:clrMapOvr>
+</p:sld>
+</file>
+
+<file path=ppt/slides/slide10.xml><?xml version="1.0" encoding="utf-8"?>
+<p:sld xmlns:a="http://schemas.openxmlformats.org/drawingml/2006/main" xmlns:r="http://schemas.openxmlformats.org/officeDocument/2006/relationships" xmlns:p="http://schemas.openxmlformats.org/presentationml/2006/main">
+  <p:cSld>
+    <p:bg>
+      <p:bgPr>
+        <a:solidFill>
+          <a:srgbClr val="FFEAD1"/>
+        </a:solidFill>
+        <a:effectLst/>
+      </p:bgPr>
+    </p:bg>
+    <p:spTree>
+      <p:nvGrpSpPr>
+        <p:cNvPr id="1" name=""/>
+        <p:cNvGrpSpPr/>
+        <p:nvPr/>
+      </p:nvGrpSpPr>
+      <p:grpSpPr>
+        <a:xfrm>
+          <a:off x="0" y="0"/>
+          <a:ext cx="0" cy="0"/>
+          <a:chOff x="0" y="0"/>
+          <a:chExt cx="0" cy="0"/>
+        </a:xfrm>
+      </p:grpSpPr>
+      <p:sp>
+        <p:nvSpPr>
+          <p:cNvPr id="5" name="양쪽 모서리가 둥근 사각형 4"/>
           <p:cNvSpPr/>
           <p:nvPr/>
         </p:nvSpPr>
         <p:spPr>
           <a:xfrm>
-            <a:off x="8374819" y="2885001"/>
-            <a:ext cx="629344" cy="502942"/>
-          </a:xfrm>
-          <a:prstGeom prst="actionButtonHome">
-            <a:avLst/>
-          </a:prstGeom>
-          <a:noFill/>
+            <a:off x="274458" y="348343"/>
+            <a:ext cx="11664000" cy="6509657"/>
+          </a:xfrm>
+          <a:prstGeom prst="round2SameRect">
+            <a:avLst>
+              <a:gd name="adj1" fmla="val 5233"/>
+              <a:gd name="adj2" fmla="val 0"/>
+            </a:avLst>
+          </a:prstGeom>
+          <a:solidFill>
+            <a:schemeClr val="tx1">
+              <a:lumMod val="75000"/>
+              <a:lumOff val="25000"/>
+            </a:schemeClr>
+          </a:solidFill>
           <a:ln>
-            <a:solidFill>
-              <a:schemeClr val="bg1"/>
-            </a:solidFill>
+            <a:noFill/>
           </a:ln>
+          <a:effectLst>
+            <a:outerShdw dist="38100" algn="l" rotWithShape="0">
+              <a:prstClr val="black">
+                <a:alpha val="40000"/>
+              </a:prstClr>
+            </a:outerShdw>
+          </a:effectLst>
         </p:spPr>
         <p:style>
           <a:lnRef idx="2">
@@ -4282,31 +4369,473 @@
           <a:lstStyle/>
           <a:p>
             <a:pPr algn="ctr"/>
-            <a:endParaRPr lang="ko-KR" altLang="en-US"/>
-          </a:p>
-        </p:txBody>
-      </p:sp>
+            <a:endParaRPr lang="ko-KR" altLang="en-US">
+              <a:solidFill>
+                <a:prstClr val="white"/>
+              </a:solidFill>
+            </a:endParaRPr>
+          </a:p>
+        </p:txBody>
+      </p:sp>
+      <p:sp>
+        <p:nvSpPr>
+          <p:cNvPr id="6" name="양쪽 모서리가 둥근 사각형 5"/>
+          <p:cNvSpPr/>
+          <p:nvPr/>
+        </p:nvSpPr>
+        <p:spPr>
+          <a:xfrm>
+            <a:off x="328458" y="414000"/>
+            <a:ext cx="11556000" cy="6444000"/>
+          </a:xfrm>
+          <a:prstGeom prst="round2SameRect">
+            <a:avLst>
+              <a:gd name="adj1" fmla="val 4913"/>
+              <a:gd name="adj2" fmla="val 0"/>
+            </a:avLst>
+          </a:prstGeom>
+          <a:solidFill>
+            <a:srgbClr val="01A7CE"/>
+          </a:solidFill>
+          <a:ln>
+            <a:noFill/>
+          </a:ln>
+        </p:spPr>
+        <p:style>
+          <a:lnRef idx="2">
+            <a:schemeClr val="accent1">
+              <a:shade val="50000"/>
+            </a:schemeClr>
+          </a:lnRef>
+          <a:fillRef idx="1">
+            <a:schemeClr val="accent1"/>
+          </a:fillRef>
+          <a:effectRef idx="0">
+            <a:schemeClr val="accent1"/>
+          </a:effectRef>
+          <a:fontRef idx="minor">
+            <a:schemeClr val="lt1"/>
+          </a:fontRef>
+        </p:style>
+        <p:txBody>
+          <a:bodyPr rtlCol="0" anchor="t"/>
+          <a:lstStyle/>
+          <a:p>
+            <a:pPr lvl="1" latinLnBrk="0">
+              <a:defRPr/>
+            </a:pPr>
+            <a:r>
+              <a:rPr lang="en-US" altLang="ko-KR" sz="2800" b="1" i="1" kern="0">
+                <a:solidFill>
+                  <a:prstClr val="white"/>
+                </a:solidFill>
+              </a:rPr>
+              <a:t>3. </a:t>
+            </a:r>
+            <a:r>
+              <a:rPr lang="ko-KR" altLang="en-US" sz="2800" b="1" i="1" kern="0">
+                <a:solidFill>
+                  <a:prstClr val="white"/>
+                </a:solidFill>
+              </a:rPr>
+              <a:t>앞으로의 계획</a:t>
+            </a:r>
+            <a:endParaRPr lang="en-US" altLang="ko-KR" sz="1400" i="1" kern="0" dirty="0">
+              <a:solidFill>
+                <a:prstClr val="white"/>
+              </a:solidFill>
+            </a:endParaRPr>
+          </a:p>
+          <a:p>
+            <a:pPr algn="ctr"/>
+            <a:endParaRPr lang="ko-KR" altLang="en-US" sz="1000" dirty="0">
+              <a:solidFill>
+                <a:prstClr val="white"/>
+              </a:solidFill>
+            </a:endParaRPr>
+          </a:p>
+        </p:txBody>
+      </p:sp>
+      <p:sp>
+        <p:nvSpPr>
+          <p:cNvPr id="7" name="직사각형 6"/>
+          <p:cNvSpPr/>
+          <p:nvPr/>
+        </p:nvSpPr>
+        <p:spPr>
+          <a:xfrm>
+            <a:off x="324626" y="1068343"/>
+            <a:ext cx="11556000" cy="5789657"/>
+          </a:xfrm>
+          <a:prstGeom prst="rect">
+            <a:avLst/>
+          </a:prstGeom>
+          <a:solidFill>
+            <a:schemeClr val="bg1"/>
+          </a:solidFill>
+          <a:ln>
+            <a:noFill/>
+          </a:ln>
+        </p:spPr>
+        <p:style>
+          <a:lnRef idx="2">
+            <a:schemeClr val="accent1">
+              <a:shade val="50000"/>
+            </a:schemeClr>
+          </a:lnRef>
+          <a:fillRef idx="1">
+            <a:schemeClr val="accent1"/>
+          </a:fillRef>
+          <a:effectRef idx="0">
+            <a:schemeClr val="accent1"/>
+          </a:effectRef>
+          <a:fontRef idx="minor">
+            <a:schemeClr val="lt1"/>
+          </a:fontRef>
+        </p:style>
+        <p:txBody>
+          <a:bodyPr rtlCol="0" anchor="ctr"/>
+          <a:lstStyle/>
+          <a:p>
+            <a:pPr algn="ctr"/>
+            <a:endParaRPr lang="ko-KR" altLang="en-US">
+              <a:solidFill>
+                <a:prstClr val="white"/>
+              </a:solidFill>
+            </a:endParaRPr>
+          </a:p>
+        </p:txBody>
+      </p:sp>
+      <p:sp>
+        <p:nvSpPr>
+          <p:cNvPr id="10" name="사각형: 둥근 모서리 5">
+            <a:extLst>
+              <a:ext uri="{FF2B5EF4-FFF2-40B4-BE49-F238E27FC236}">
+                <a16:creationId xmlns:a16="http://schemas.microsoft.com/office/drawing/2014/main" id="{29433077-90B3-4432-AB1E-87BD95D8FF5C}"/>
+              </a:ext>
+            </a:extLst>
+          </p:cNvPr>
+          <p:cNvSpPr/>
+          <p:nvPr/>
+        </p:nvSpPr>
+        <p:spPr>
+          <a:xfrm>
+            <a:off x="11281274" y="215219"/>
+            <a:ext cx="720000" cy="720000"/>
+          </a:xfrm>
+          <a:prstGeom prst="ellipse">
+            <a:avLst/>
+          </a:prstGeom>
+          <a:gradFill flip="none" rotWithShape="1">
+            <a:gsLst>
+              <a:gs pos="0">
+                <a:srgbClr val="01A7CE"/>
+              </a:gs>
+              <a:gs pos="100000">
+                <a:srgbClr val="00D0AC"/>
+              </a:gs>
+            </a:gsLst>
+            <a:path path="circle">
+              <a:fillToRect l="100000" t="100000"/>
+            </a:path>
+            <a:tileRect r="-100000" b="-100000"/>
+          </a:gradFill>
+          <a:ln>
+            <a:noFill/>
+          </a:ln>
+          <a:effectLst>
+            <a:outerShdw blurRad="50800" dist="38100" dir="2700000" algn="tl" rotWithShape="0">
+              <a:prstClr val="black">
+                <a:alpha val="40000"/>
+              </a:prstClr>
+            </a:outerShdw>
+          </a:effectLst>
+        </p:spPr>
+        <p:style>
+          <a:lnRef idx="2">
+            <a:schemeClr val="accent1">
+              <a:shade val="50000"/>
+            </a:schemeClr>
+          </a:lnRef>
+          <a:fillRef idx="1">
+            <a:schemeClr val="accent1"/>
+          </a:fillRef>
+          <a:effectRef idx="0">
+            <a:schemeClr val="accent1"/>
+          </a:effectRef>
+          <a:fontRef idx="minor">
+            <a:schemeClr val="lt1"/>
+          </a:fontRef>
+        </p:style>
+        <p:txBody>
+          <a:bodyPr lIns="216000" rtlCol="0" anchor="ctr"/>
+          <a:lstStyle/>
+          <a:p>
+            <a:pPr>
+              <a:defRPr/>
+            </a:pPr>
+            <a:endParaRPr lang="en-US" altLang="ko-KR" sz="400" kern="0" dirty="0">
+              <a:solidFill>
+                <a:prstClr val="white"/>
+              </a:solidFill>
+            </a:endParaRPr>
+          </a:p>
+        </p:txBody>
+      </p:sp>
+      <p:sp>
+        <p:nvSpPr>
+          <p:cNvPr id="40" name="직사각형 39">
+            <a:extLst>
+              <a:ext uri="{FF2B5EF4-FFF2-40B4-BE49-F238E27FC236}">
+                <a16:creationId xmlns:a16="http://schemas.microsoft.com/office/drawing/2014/main" id="{3FA00699-5178-465A-9F3F-130CF1431F70}"/>
+              </a:ext>
+            </a:extLst>
+          </p:cNvPr>
+          <p:cNvSpPr/>
+          <p:nvPr/>
+        </p:nvSpPr>
+        <p:spPr>
+          <a:xfrm>
+            <a:off x="420723" y="5525543"/>
+            <a:ext cx="4747625" cy="481029"/>
+          </a:xfrm>
+          <a:prstGeom prst="rect">
+            <a:avLst/>
+          </a:prstGeom>
+        </p:spPr>
+        <p:txBody>
+          <a:bodyPr wrap="square">
+            <a:spAutoFit/>
+          </a:bodyPr>
+          <a:lstStyle/>
+          <a:p>
+            <a:pPr>
+              <a:lnSpc>
+                <a:spcPct val="150000"/>
+              </a:lnSpc>
+            </a:pPr>
+            <a:r>
+              <a:rPr lang="en-US" altLang="ko-KR" sz="900" b="1">
+                <a:solidFill>
+                  <a:srgbClr val="44546A">
+                    <a:lumMod val="75000"/>
+                  </a:srgbClr>
+                </a:solidFill>
+              </a:rPr>
+              <a:t>* </a:t>
+            </a:r>
+            <a:r>
+              <a:rPr lang="ko-KR" altLang="en-US" sz="900"/>
+              <a:t>코로나에 막힌 집구경 ‘</a:t>
+            </a:r>
+            <a:r>
+              <a:rPr lang="en-US" altLang="ko-KR" sz="900"/>
+              <a:t>VR </a:t>
+            </a:r>
+            <a:r>
+              <a:rPr lang="ko-KR" altLang="en-US" sz="900"/>
+              <a:t>발품팔이’로 대신한다 </a:t>
+            </a:r>
+            <a:r>
+              <a:rPr lang="en-US" altLang="ko-KR" sz="900"/>
+              <a:t>/ </a:t>
+            </a:r>
+            <a:r>
+              <a:rPr lang="ko-KR" altLang="en-US" sz="900"/>
+              <a:t>출처 </a:t>
+            </a:r>
+            <a:r>
+              <a:rPr lang="en-US" altLang="ko-KR" sz="900"/>
+              <a:t>: </a:t>
+            </a:r>
+            <a:r>
+              <a:rPr lang="ko-KR" altLang="en-US" sz="900"/>
+              <a:t>한국일보</a:t>
+            </a:r>
+            <a:r>
+              <a:rPr lang="en-US" altLang="ko-KR" sz="900"/>
+              <a:t>(</a:t>
+            </a:r>
+            <a:r>
+              <a:rPr lang="en-US" altLang="ko-KR" sz="900" b="1">
+                <a:solidFill>
+                  <a:srgbClr val="44546A">
+                    <a:lumMod val="75000"/>
+                  </a:srgbClr>
+                </a:solidFill>
+              </a:rPr>
+              <a:t>https://www.hankookilbo.com/News/Read/202004061549732280)</a:t>
+            </a:r>
+            <a:endParaRPr lang="ko-KR" altLang="en-US" sz="900" dirty="0">
+              <a:solidFill>
+                <a:prstClr val="black">
+                  <a:lumMod val="65000"/>
+                  <a:lumOff val="35000"/>
+                </a:prstClr>
+              </a:solidFill>
+            </a:endParaRPr>
+          </a:p>
+        </p:txBody>
+      </p:sp>
+      <p:sp>
+        <p:nvSpPr>
+          <p:cNvPr id="47" name="직사각형 46">
+            <a:extLst>
+              <a:ext uri="{FF2B5EF4-FFF2-40B4-BE49-F238E27FC236}">
+                <a16:creationId xmlns:a16="http://schemas.microsoft.com/office/drawing/2014/main" id="{3FA00699-5178-465A-9F3F-130CF1431F70}"/>
+              </a:ext>
+            </a:extLst>
+          </p:cNvPr>
+          <p:cNvSpPr/>
+          <p:nvPr/>
+        </p:nvSpPr>
+        <p:spPr>
+          <a:xfrm>
+            <a:off x="6756717" y="2264097"/>
+            <a:ext cx="4469818" cy="2169825"/>
+          </a:xfrm>
+          <a:prstGeom prst="rect">
+            <a:avLst/>
+          </a:prstGeom>
+        </p:spPr>
+        <p:txBody>
+          <a:bodyPr wrap="square">
+            <a:spAutoFit/>
+          </a:bodyPr>
+          <a:lstStyle/>
+          <a:p>
+            <a:pPr>
+              <a:lnSpc>
+                <a:spcPct val="150000"/>
+              </a:lnSpc>
+            </a:pPr>
+            <a:r>
+              <a:rPr lang="ko-KR" altLang="en-US" sz="1000">
+                <a:solidFill>
+                  <a:prstClr val="black">
+                    <a:lumMod val="65000"/>
+                    <a:lumOff val="35000"/>
+                  </a:prstClr>
+                </a:solidFill>
+              </a:rPr>
+              <a:t> </a:t>
+            </a:r>
+            <a:r>
+              <a:rPr lang="ko-KR" altLang="en-US" sz="1500" b="1">
+                <a:solidFill>
+                  <a:prstClr val="black">
+                    <a:lumMod val="65000"/>
+                    <a:lumOff val="35000"/>
+                  </a:prstClr>
+                </a:solidFill>
+              </a:rPr>
+              <a:t>실제 자취방을 구하는 단계에 있거나 구할 계획이 있는 주변 잠재적 소비자에게 직접 시뮬레이터 체험의 기회를 제공하는 등의 방식을 통해 피드백을 얻어 장점을 극대화하고 단점을 개선하는 방식을 통해 더욱 완성도 높은 시뮬레이터로 마무리 지을 것입니다</a:t>
+            </a:r>
+            <a:r>
+              <a:rPr lang="en-US" altLang="ko-KR" sz="1500" b="1">
+                <a:solidFill>
+                  <a:prstClr val="black">
+                    <a:lumMod val="65000"/>
+                    <a:lumOff val="35000"/>
+                  </a:prstClr>
+                </a:solidFill>
+              </a:rPr>
+              <a:t>.</a:t>
+            </a:r>
+          </a:p>
+        </p:txBody>
+      </p:sp>
+      <p:pic>
+        <p:nvPicPr>
+          <p:cNvPr id="1026" name="Picture 2" descr="코로나에 막힌 집구경 'VR 발품팔이'로 대신한다"/>
+          <p:cNvPicPr>
+            <a:picLocks noChangeAspect="1" noChangeArrowheads="1"/>
+          </p:cNvPicPr>
+          <p:nvPr/>
+        </p:nvPicPr>
+        <p:blipFill>
+          <a:blip r:embed="rId2">
+            <a:extLst>
+              <a:ext uri="{28A0092B-C50C-407E-A947-70E740481C1C}">
+                <a14:useLocalDpi xmlns:a14="http://schemas.microsoft.com/office/drawing/2010/main" val="0"/>
+              </a:ext>
+            </a:extLst>
+          </a:blip>
+          <a:srcRect/>
+          <a:stretch>
+            <a:fillRect/>
+          </a:stretch>
+        </p:blipFill>
+        <p:spPr bwMode="auto">
+          <a:xfrm>
+            <a:off x="490297" y="1169283"/>
+            <a:ext cx="5612329" cy="4314826"/>
+          </a:xfrm>
+          <a:prstGeom prst="rect">
+            <a:avLst/>
+          </a:prstGeom>
+          <a:noFill/>
+          <a:extLst>
+            <a:ext uri="{909E8E84-426E-40DD-AFC4-6F175D3DCCD1}">
+              <a14:hiddenFill xmlns:a14="http://schemas.microsoft.com/office/drawing/2010/main">
+                <a:solidFill>
+                  <a:srgbClr val="FFFFFF"/>
+                </a:solidFill>
+              </a14:hiddenFill>
+            </a:ext>
+          </a:extLst>
+        </p:spPr>
+      </p:pic>
+      <p:pic>
+        <p:nvPicPr>
+          <p:cNvPr id="16" name="그림 15">
+            <a:extLst>
+              <a:ext uri="{FF2B5EF4-FFF2-40B4-BE49-F238E27FC236}">
+                <a16:creationId xmlns:a16="http://schemas.microsoft.com/office/drawing/2014/main" id="{853F44A1-2C7C-3124-823D-86D26BE28D78}"/>
+              </a:ext>
+            </a:extLst>
+          </p:cNvPr>
+          <p:cNvPicPr>
+            <a:picLocks noChangeAspect="1"/>
+          </p:cNvPicPr>
+          <p:nvPr/>
+        </p:nvPicPr>
+        <p:blipFill>
+          <a:blip r:embed="rId3" cstate="print">
+            <a:extLst>
+              <a:ext uri="{28A0092B-C50C-407E-A947-70E740481C1C}">
+                <a14:useLocalDpi xmlns:a14="http://schemas.microsoft.com/office/drawing/2010/main" val="0"/>
+              </a:ext>
+            </a:extLst>
+          </a:blip>
+          <a:stretch>
+            <a:fillRect/>
+          </a:stretch>
+        </p:blipFill>
+        <p:spPr>
+          <a:xfrm>
+            <a:off x="11313108" y="311326"/>
+            <a:ext cx="652350" cy="527786"/>
+          </a:xfrm>
+          <a:prstGeom prst="rect">
+            <a:avLst/>
+          </a:prstGeom>
+        </p:spPr>
+      </p:pic>
     </p:spTree>
     <p:extLst>
       <p:ext uri="{BB962C8B-B14F-4D97-AF65-F5344CB8AC3E}">
-        <p14:creationId xmlns:p14="http://schemas.microsoft.com/office/powerpoint/2010/main" val="1906004938"/>
+        <p14:creationId xmlns:p14="http://schemas.microsoft.com/office/powerpoint/2010/main" val="3001498773"/>
       </p:ext>
     </p:extLst>
   </p:cSld>
   <p:clrMapOvr>
     <a:masterClrMapping/>
   </p:clrMapOvr>
-  <p:timing>
-    <p:tnLst>
-      <p:par>
-        <p:cTn id="1" dur="indefinite" restart="never" nodeType="tmRoot"/>
-      </p:par>
-    </p:tnLst>
-  </p:timing>
 </p:sld>
 </file>
 
-<file path=ppt/slides/slide10.xml><?xml version="1.0" encoding="utf-8"?>
+<file path=ppt/slides/slide11.xml><?xml version="1.0" encoding="utf-8"?>
 <p:sld xmlns:a="http://schemas.openxmlformats.org/drawingml/2006/main" xmlns:r="http://schemas.openxmlformats.org/officeDocument/2006/relationships" xmlns:p="http://schemas.openxmlformats.org/presentationml/2006/main">
   <p:cSld>
     <p:spTree>
@@ -4325,6 +4854,519 @@
       </p:grpSpPr>
       <p:sp>
         <p:nvSpPr>
+          <p:cNvPr id="4" name="직사각형 3"/>
+          <p:cNvSpPr/>
+          <p:nvPr/>
+        </p:nvSpPr>
+        <p:spPr>
+          <a:xfrm>
+            <a:off x="3988947" y="461016"/>
+            <a:ext cx="4236842" cy="655372"/>
+          </a:xfrm>
+          <a:prstGeom prst="rect">
+            <a:avLst/>
+          </a:prstGeom>
+        </p:spPr>
+        <p:txBody>
+          <a:bodyPr wrap="square">
+            <a:spAutoFit/>
+          </a:bodyPr>
+          <a:lstStyle/>
+          <a:p>
+            <a:pPr algn="ctr">
+              <a:lnSpc>
+                <a:spcPct val="150000"/>
+              </a:lnSpc>
+            </a:pPr>
+            <a:r>
+              <a:rPr lang="ko-KR" altLang="en-US" sz="2800" b="1" dirty="0">
+                <a:solidFill>
+                  <a:prstClr val="black">
+                    <a:lumMod val="75000"/>
+                    <a:lumOff val="25000"/>
+                  </a:prstClr>
+                </a:solidFill>
+              </a:rPr>
+              <a:t>오늘 사용한 색상은</a:t>
+            </a:r>
+            <a:r>
+              <a:rPr lang="en-US" altLang="ko-KR" sz="2800" b="1" dirty="0">
+                <a:solidFill>
+                  <a:prstClr val="black">
+                    <a:lumMod val="75000"/>
+                    <a:lumOff val="25000"/>
+                  </a:prstClr>
+                </a:solidFill>
+              </a:rPr>
+              <a:t>?</a:t>
+            </a:r>
+            <a:endParaRPr lang="ko-KR" altLang="en-US" sz="2000" dirty="0">
+              <a:solidFill>
+                <a:prstClr val="black">
+                  <a:lumMod val="75000"/>
+                  <a:lumOff val="25000"/>
+                </a:prstClr>
+              </a:solidFill>
+            </a:endParaRPr>
+          </a:p>
+        </p:txBody>
+      </p:sp>
+      <p:sp>
+        <p:nvSpPr>
+          <p:cNvPr id="5" name="직사각형 4"/>
+          <p:cNvSpPr/>
+          <p:nvPr/>
+        </p:nvSpPr>
+        <p:spPr>
+          <a:xfrm>
+            <a:off x="2456131" y="5524135"/>
+            <a:ext cx="7302474" cy="738664"/>
+          </a:xfrm>
+          <a:prstGeom prst="rect">
+            <a:avLst/>
+          </a:prstGeom>
+        </p:spPr>
+        <p:txBody>
+          <a:bodyPr wrap="square">
+            <a:spAutoFit/>
+          </a:bodyPr>
+          <a:lstStyle/>
+          <a:p>
+            <a:pPr algn="ctr">
+              <a:lnSpc>
+                <a:spcPct val="150000"/>
+              </a:lnSpc>
+            </a:pPr>
+            <a:r>
+              <a:rPr lang="en-US" altLang="ko-KR" sz="1400" dirty="0">
+                <a:solidFill>
+                  <a:prstClr val="black">
+                    <a:lumMod val="75000"/>
+                    <a:lumOff val="25000"/>
+                  </a:prstClr>
+                </a:solidFill>
+              </a:rPr>
+              <a:t>2013 </a:t>
+            </a:r>
+            <a:r>
+              <a:rPr lang="ko-KR" altLang="en-US" sz="1400" dirty="0">
+                <a:solidFill>
+                  <a:prstClr val="black">
+                    <a:lumMod val="75000"/>
+                    <a:lumOff val="25000"/>
+                  </a:prstClr>
+                </a:solidFill>
+              </a:rPr>
+              <a:t>버전 이상 사용자께서는 스포이트 기능을 이용하시면 </a:t>
+            </a:r>
+            <a:r>
+              <a:rPr lang="ko-KR" altLang="en-US" sz="1400" dirty="0" err="1">
+                <a:solidFill>
+                  <a:prstClr val="black">
+                    <a:lumMod val="75000"/>
+                    <a:lumOff val="25000"/>
+                  </a:prstClr>
+                </a:solidFill>
+              </a:rPr>
+              <a:t>편하구요</a:t>
+            </a:r>
+            <a:r>
+              <a:rPr lang="en-US" altLang="ko-KR" sz="1400" dirty="0">
+                <a:solidFill>
+                  <a:prstClr val="black">
+                    <a:lumMod val="75000"/>
+                    <a:lumOff val="25000"/>
+                  </a:prstClr>
+                </a:solidFill>
+              </a:rPr>
+              <a:t>.</a:t>
+            </a:r>
+          </a:p>
+          <a:p>
+            <a:pPr algn="ctr">
+              <a:lnSpc>
+                <a:spcPct val="150000"/>
+              </a:lnSpc>
+            </a:pPr>
+            <a:r>
+              <a:rPr lang="en-US" altLang="ko-KR" sz="1400" dirty="0">
+                <a:solidFill>
+                  <a:prstClr val="black">
+                    <a:lumMod val="75000"/>
+                    <a:lumOff val="25000"/>
+                  </a:prstClr>
+                </a:solidFill>
+              </a:rPr>
+              <a:t>2010 </a:t>
+            </a:r>
+            <a:r>
+              <a:rPr lang="ko-KR" altLang="en-US" sz="1400" dirty="0">
+                <a:solidFill>
+                  <a:prstClr val="black">
+                    <a:lumMod val="75000"/>
+                    <a:lumOff val="25000"/>
+                  </a:prstClr>
+                </a:solidFill>
+              </a:rPr>
+              <a:t>이하 버전 사용자 께서는 다른 채우기 색 </a:t>
+            </a:r>
+            <a:r>
+              <a:rPr lang="en-US" altLang="ko-KR" sz="1400" dirty="0">
+                <a:solidFill>
+                  <a:prstClr val="black">
+                    <a:lumMod val="75000"/>
+                    <a:lumOff val="25000"/>
+                  </a:prstClr>
+                </a:solidFill>
+              </a:rPr>
+              <a:t>&gt;</a:t>
+            </a:r>
+            <a:r>
+              <a:rPr lang="ko-KR" altLang="en-US" sz="1400" dirty="0">
+                <a:solidFill>
+                  <a:prstClr val="black">
+                    <a:lumMod val="75000"/>
+                    <a:lumOff val="25000"/>
+                  </a:prstClr>
+                </a:solidFill>
+              </a:rPr>
+              <a:t> 사용자 지정 탭 </a:t>
+            </a:r>
+            <a:r>
+              <a:rPr lang="en-US" altLang="ko-KR" sz="1400" dirty="0">
+                <a:solidFill>
+                  <a:prstClr val="black">
+                    <a:lumMod val="75000"/>
+                    <a:lumOff val="25000"/>
+                  </a:prstClr>
+                </a:solidFill>
+              </a:rPr>
+              <a:t>&gt; RGB </a:t>
+            </a:r>
+            <a:r>
+              <a:rPr lang="ko-KR" altLang="en-US" sz="1400" dirty="0">
+                <a:solidFill>
+                  <a:prstClr val="black">
+                    <a:lumMod val="75000"/>
+                    <a:lumOff val="25000"/>
+                  </a:prstClr>
+                </a:solidFill>
+              </a:rPr>
+              <a:t>색상 값 입력</a:t>
+            </a:r>
+            <a:endParaRPr lang="en-US" altLang="ko-KR" sz="1400" dirty="0">
+              <a:solidFill>
+                <a:prstClr val="black">
+                  <a:lumMod val="75000"/>
+                  <a:lumOff val="25000"/>
+                </a:prstClr>
+              </a:solidFill>
+            </a:endParaRPr>
+          </a:p>
+        </p:txBody>
+      </p:sp>
+      <p:sp>
+        <p:nvSpPr>
+          <p:cNvPr id="6" name="타원 5"/>
+          <p:cNvSpPr/>
+          <p:nvPr/>
+        </p:nvSpPr>
+        <p:spPr>
+          <a:xfrm>
+            <a:off x="7804849" y="2051510"/>
+            <a:ext cx="2537503" cy="2537503"/>
+          </a:xfrm>
+          <a:prstGeom prst="ellipse">
+            <a:avLst/>
+          </a:prstGeom>
+          <a:solidFill>
+            <a:srgbClr val="00D0AC"/>
+          </a:solidFill>
+          <a:ln>
+            <a:noFill/>
+          </a:ln>
+        </p:spPr>
+        <p:style>
+          <a:lnRef idx="2">
+            <a:schemeClr val="accent1">
+              <a:shade val="50000"/>
+            </a:schemeClr>
+          </a:lnRef>
+          <a:fillRef idx="1">
+            <a:schemeClr val="accent1"/>
+          </a:fillRef>
+          <a:effectRef idx="0">
+            <a:schemeClr val="accent1"/>
+          </a:effectRef>
+          <a:fontRef idx="minor">
+            <a:schemeClr val="lt1"/>
+          </a:fontRef>
+        </p:style>
+        <p:txBody>
+          <a:bodyPr rtlCol="0" anchor="ctr"/>
+          <a:lstStyle/>
+          <a:p>
+            <a:pPr algn="ctr">
+              <a:lnSpc>
+                <a:spcPct val="150000"/>
+              </a:lnSpc>
+            </a:pPr>
+            <a:r>
+              <a:rPr lang="en-US" altLang="ko-KR" sz="2400" b="1" dirty="0">
+                <a:solidFill>
+                  <a:prstClr val="white"/>
+                </a:solidFill>
+              </a:rPr>
+              <a:t>R 0</a:t>
+            </a:r>
+          </a:p>
+          <a:p>
+            <a:pPr algn="ctr">
+              <a:lnSpc>
+                <a:spcPct val="150000"/>
+              </a:lnSpc>
+            </a:pPr>
+            <a:r>
+              <a:rPr lang="en-US" altLang="ko-KR" sz="2400" b="1" dirty="0">
+                <a:solidFill>
+                  <a:prstClr val="white"/>
+                </a:solidFill>
+              </a:rPr>
+              <a:t>G 208</a:t>
+            </a:r>
+          </a:p>
+          <a:p>
+            <a:pPr algn="ctr">
+              <a:lnSpc>
+                <a:spcPct val="150000"/>
+              </a:lnSpc>
+            </a:pPr>
+            <a:r>
+              <a:rPr lang="en-US" altLang="ko-KR" sz="2400" b="1" dirty="0">
+                <a:solidFill>
+                  <a:prstClr val="white"/>
+                </a:solidFill>
+              </a:rPr>
+              <a:t>B 172</a:t>
+            </a:r>
+          </a:p>
+        </p:txBody>
+      </p:sp>
+      <p:sp>
+        <p:nvSpPr>
+          <p:cNvPr id="7" name="타원 6"/>
+          <p:cNvSpPr/>
+          <p:nvPr/>
+        </p:nvSpPr>
+        <p:spPr>
+          <a:xfrm>
+            <a:off x="4799979" y="2051510"/>
+            <a:ext cx="2537503" cy="2537503"/>
+          </a:xfrm>
+          <a:prstGeom prst="ellipse">
+            <a:avLst/>
+          </a:prstGeom>
+          <a:solidFill>
+            <a:srgbClr val="01A7CE"/>
+          </a:solidFill>
+          <a:ln>
+            <a:noFill/>
+          </a:ln>
+        </p:spPr>
+        <p:style>
+          <a:lnRef idx="2">
+            <a:schemeClr val="accent1">
+              <a:shade val="50000"/>
+            </a:schemeClr>
+          </a:lnRef>
+          <a:fillRef idx="1">
+            <a:schemeClr val="accent1"/>
+          </a:fillRef>
+          <a:effectRef idx="0">
+            <a:schemeClr val="accent1"/>
+          </a:effectRef>
+          <a:fontRef idx="minor">
+            <a:schemeClr val="lt1"/>
+          </a:fontRef>
+        </p:style>
+        <p:txBody>
+          <a:bodyPr rtlCol="0" anchor="ctr"/>
+          <a:lstStyle/>
+          <a:p>
+            <a:pPr algn="ctr">
+              <a:lnSpc>
+                <a:spcPct val="150000"/>
+              </a:lnSpc>
+            </a:pPr>
+            <a:r>
+              <a:rPr lang="en-US" altLang="ko-KR" sz="2400" b="1" dirty="0">
+                <a:solidFill>
+                  <a:prstClr val="white"/>
+                </a:solidFill>
+              </a:rPr>
+              <a:t>R 1</a:t>
+            </a:r>
+          </a:p>
+          <a:p>
+            <a:pPr algn="ctr">
+              <a:lnSpc>
+                <a:spcPct val="150000"/>
+              </a:lnSpc>
+            </a:pPr>
+            <a:r>
+              <a:rPr lang="en-US" altLang="ko-KR" sz="2400" b="1" dirty="0">
+                <a:solidFill>
+                  <a:prstClr val="white"/>
+                </a:solidFill>
+              </a:rPr>
+              <a:t>G 167</a:t>
+            </a:r>
+          </a:p>
+          <a:p>
+            <a:pPr algn="ctr">
+              <a:lnSpc>
+                <a:spcPct val="150000"/>
+              </a:lnSpc>
+            </a:pPr>
+            <a:r>
+              <a:rPr lang="en-US" altLang="ko-KR" sz="2400" b="1" dirty="0">
+                <a:solidFill>
+                  <a:prstClr val="white"/>
+                </a:solidFill>
+              </a:rPr>
+              <a:t>B 206</a:t>
+            </a:r>
+          </a:p>
+        </p:txBody>
+      </p:sp>
+      <p:sp>
+        <p:nvSpPr>
+          <p:cNvPr id="8" name="타원 7"/>
+          <p:cNvSpPr/>
+          <p:nvPr/>
+        </p:nvSpPr>
+        <p:spPr>
+          <a:xfrm>
+            <a:off x="1795109" y="2051510"/>
+            <a:ext cx="2537503" cy="2537503"/>
+          </a:xfrm>
+          <a:prstGeom prst="ellipse">
+            <a:avLst/>
+          </a:prstGeom>
+          <a:solidFill>
+            <a:srgbClr val="FFEAD1"/>
+          </a:solidFill>
+          <a:ln>
+            <a:noFill/>
+          </a:ln>
+        </p:spPr>
+        <p:style>
+          <a:lnRef idx="2">
+            <a:schemeClr val="accent1">
+              <a:shade val="50000"/>
+            </a:schemeClr>
+          </a:lnRef>
+          <a:fillRef idx="1">
+            <a:schemeClr val="accent1"/>
+          </a:fillRef>
+          <a:effectRef idx="0">
+            <a:schemeClr val="accent1"/>
+          </a:effectRef>
+          <a:fontRef idx="minor">
+            <a:schemeClr val="lt1"/>
+          </a:fontRef>
+        </p:style>
+        <p:txBody>
+          <a:bodyPr rtlCol="0" anchor="ctr"/>
+          <a:lstStyle/>
+          <a:p>
+            <a:pPr algn="ctr">
+              <a:lnSpc>
+                <a:spcPct val="150000"/>
+              </a:lnSpc>
+            </a:pPr>
+            <a:r>
+              <a:rPr lang="en-US" altLang="ko-KR" sz="2400" b="1" dirty="0">
+                <a:solidFill>
+                  <a:prstClr val="black">
+                    <a:lumMod val="75000"/>
+                    <a:lumOff val="25000"/>
+                  </a:prstClr>
+                </a:solidFill>
+              </a:rPr>
+              <a:t>R 255</a:t>
+            </a:r>
+          </a:p>
+          <a:p>
+            <a:pPr algn="ctr">
+              <a:lnSpc>
+                <a:spcPct val="150000"/>
+              </a:lnSpc>
+            </a:pPr>
+            <a:r>
+              <a:rPr lang="en-US" altLang="ko-KR" sz="2400" b="1" dirty="0">
+                <a:solidFill>
+                  <a:prstClr val="black">
+                    <a:lumMod val="75000"/>
+                    <a:lumOff val="25000"/>
+                  </a:prstClr>
+                </a:solidFill>
+              </a:rPr>
+              <a:t>G 234</a:t>
+            </a:r>
+          </a:p>
+          <a:p>
+            <a:pPr algn="ctr">
+              <a:lnSpc>
+                <a:spcPct val="150000"/>
+              </a:lnSpc>
+            </a:pPr>
+            <a:r>
+              <a:rPr lang="en-US" altLang="ko-KR" sz="2400" b="1" dirty="0">
+                <a:solidFill>
+                  <a:prstClr val="black">
+                    <a:lumMod val="75000"/>
+                    <a:lumOff val="25000"/>
+                  </a:prstClr>
+                </a:solidFill>
+              </a:rPr>
+              <a:t>B 209</a:t>
+            </a:r>
+          </a:p>
+        </p:txBody>
+      </p:sp>
+    </p:spTree>
+    <p:extLst>
+      <p:ext uri="{BB962C8B-B14F-4D97-AF65-F5344CB8AC3E}">
+        <p14:creationId xmlns:p14="http://schemas.microsoft.com/office/powerpoint/2010/main" val="1506371567"/>
+      </p:ext>
+    </p:extLst>
+  </p:cSld>
+  <p:clrMapOvr>
+    <a:masterClrMapping/>
+  </p:clrMapOvr>
+</p:sld>
+</file>
+
+<file path=ppt/slides/slide12.xml><?xml version="1.0" encoding="utf-8"?>
+<p:sld xmlns:a="http://schemas.openxmlformats.org/drawingml/2006/main" xmlns:r="http://schemas.openxmlformats.org/officeDocument/2006/relationships" xmlns:p="http://schemas.openxmlformats.org/presentationml/2006/main">
+  <p:cSld>
+    <p:spTree>
+      <p:nvGrpSpPr>
+        <p:cNvPr id="1" name=""/>
+        <p:cNvGrpSpPr/>
+        <p:nvPr/>
+      </p:nvGrpSpPr>
+      <p:grpSpPr>
+        <a:xfrm>
+          <a:off x="0" y="0"/>
+          <a:ext cx="0" cy="0"/>
+          <a:chOff x="0" y="0"/>
+          <a:chExt cx="0" cy="0"/>
+        </a:xfrm>
+      </p:grpSpPr>
+      <p:sp>
+        <p:nvSpPr>
           <p:cNvPr id="4" name="TextBox 3"/>
           <p:cNvSpPr txBox="1"/>
           <p:nvPr/>
@@ -4717,13 +5759,6 @@
   <p:clrMapOvr>
     <a:masterClrMapping/>
   </p:clrMapOvr>
-  <p:timing>
-    <p:tnLst>
-      <p:par>
-        <p:cTn id="1" dur="indefinite" restart="never" nodeType="tmRoot"/>
-      </p:par>
-    </p:tnLst>
-  </p:timing>
 </p:sld>
 </file>
 
@@ -4863,7 +5898,7 @@
               <a:defRPr/>
             </a:pPr>
             <a:r>
-              <a:rPr lang="ko-KR" altLang="en-US" sz="2800" b="1" i="1" kern="0" smtClean="0">
+              <a:rPr lang="ko-KR" altLang="en-US" sz="2800" b="1" i="1" kern="0">
                 <a:solidFill>
                   <a:prstClr val="white"/>
                 </a:solidFill>
@@ -4938,19 +5973,811 @@
       </p:sp>
       <p:sp>
         <p:nvSpPr>
-          <p:cNvPr id="10" name="사각형: 둥근 모서리 5">
-            <a:extLst>
-              <a:ext uri="{FF2B5EF4-FFF2-40B4-BE49-F238E27FC236}">
-                <a16:creationId xmlns:a16="http://schemas.microsoft.com/office/drawing/2014/main" id="{29433077-90B3-4432-AB1E-87BD95D8FF5C}"/>
-              </a:ext>
-            </a:extLst>
-          </p:cNvPr>
+          <p:cNvPr id="28" name="타원 27"/>
           <p:cNvSpPr/>
           <p:nvPr/>
         </p:nvSpPr>
         <p:spPr>
           <a:xfrm>
-            <a:off x="11323364" y="275839"/>
+            <a:off x="1533870" y="2187633"/>
+            <a:ext cx="2311613" cy="2311613"/>
+          </a:xfrm>
+          <a:prstGeom prst="ellipse">
+            <a:avLst/>
+          </a:prstGeom>
+          <a:solidFill>
+            <a:schemeClr val="bg1"/>
+          </a:solidFill>
+          <a:ln>
+            <a:solidFill>
+              <a:schemeClr val="bg1">
+                <a:lumMod val="85000"/>
+              </a:schemeClr>
+            </a:solidFill>
+          </a:ln>
+          <a:effectLst>
+            <a:outerShdw blurRad="177800" dist="152400" dir="3600000" sx="98000" sy="98000" algn="tl" rotWithShape="0">
+              <a:prstClr val="black">
+                <a:alpha val="15000"/>
+              </a:prstClr>
+            </a:outerShdw>
+          </a:effectLst>
+        </p:spPr>
+        <p:style>
+          <a:lnRef idx="2">
+            <a:schemeClr val="accent1">
+              <a:shade val="50000"/>
+            </a:schemeClr>
+          </a:lnRef>
+          <a:fillRef idx="1">
+            <a:schemeClr val="accent1"/>
+          </a:fillRef>
+          <a:effectRef idx="0">
+            <a:schemeClr val="accent1"/>
+          </a:effectRef>
+          <a:fontRef idx="minor">
+            <a:schemeClr val="lt1"/>
+          </a:fontRef>
+        </p:style>
+        <p:txBody>
+          <a:bodyPr rtlCol="0" anchor="ctr"/>
+          <a:lstStyle/>
+          <a:p>
+            <a:pPr algn="ctr"/>
+            <a:endParaRPr lang="ko-KR" altLang="en-US">
+              <a:solidFill>
+                <a:prstClr val="white"/>
+              </a:solidFill>
+            </a:endParaRPr>
+          </a:p>
+        </p:txBody>
+      </p:sp>
+      <p:cxnSp>
+        <p:nvCxnSpPr>
+          <p:cNvPr id="29" name="직선 연결선 28"/>
+          <p:cNvCxnSpPr/>
+          <p:nvPr/>
+        </p:nvCxnSpPr>
+        <p:spPr>
+          <a:xfrm>
+            <a:off x="1771677" y="3568443"/>
+            <a:ext cx="1836000" cy="0"/>
+          </a:xfrm>
+          <a:prstGeom prst="line">
+            <a:avLst/>
+          </a:prstGeom>
+          <a:ln w="25400" cap="rnd">
+            <a:solidFill>
+              <a:schemeClr val="bg1">
+                <a:lumMod val="85000"/>
+              </a:schemeClr>
+            </a:solidFill>
+          </a:ln>
+        </p:spPr>
+        <p:style>
+          <a:lnRef idx="1">
+            <a:schemeClr val="accent1"/>
+          </a:lnRef>
+          <a:fillRef idx="0">
+            <a:schemeClr val="accent1"/>
+          </a:fillRef>
+          <a:effectRef idx="0">
+            <a:schemeClr val="accent1"/>
+          </a:effectRef>
+          <a:fontRef idx="minor">
+            <a:schemeClr val="tx1"/>
+          </a:fontRef>
+        </p:style>
+      </p:cxnSp>
+      <p:sp>
+        <p:nvSpPr>
+          <p:cNvPr id="33" name="TextBox 32"/>
+          <p:cNvSpPr txBox="1"/>
+          <p:nvPr/>
+        </p:nvSpPr>
+        <p:spPr>
+          <a:xfrm>
+            <a:off x="1955868" y="2919652"/>
+            <a:ext cx="1467616" cy="523220"/>
+          </a:xfrm>
+          <a:prstGeom prst="rect">
+            <a:avLst/>
+          </a:prstGeom>
+          <a:noFill/>
+        </p:spPr>
+        <p:txBody>
+          <a:bodyPr wrap="square" rtlCol="0">
+            <a:spAutoFit/>
+          </a:bodyPr>
+          <a:lstStyle/>
+          <a:p>
+            <a:pPr algn="ctr"/>
+            <a:r>
+              <a:rPr lang="en-US" altLang="ko-KR" sz="2800" b="1">
+                <a:solidFill>
+                  <a:prstClr val="black">
+                    <a:lumMod val="75000"/>
+                    <a:lumOff val="25000"/>
+                  </a:prstClr>
+                </a:solidFill>
+              </a:rPr>
+              <a:t>1. </a:t>
+            </a:r>
+            <a:r>
+              <a:rPr lang="ko-KR" altLang="en-US" sz="2800" b="1">
+                <a:solidFill>
+                  <a:prstClr val="black">
+                    <a:lumMod val="75000"/>
+                    <a:lumOff val="25000"/>
+                  </a:prstClr>
+                </a:solidFill>
+              </a:rPr>
+              <a:t>개요</a:t>
+            </a:r>
+            <a:endParaRPr lang="en-US" altLang="ko-KR" sz="700" dirty="0">
+              <a:solidFill>
+                <a:prstClr val="black">
+                  <a:lumMod val="75000"/>
+                  <a:lumOff val="25000"/>
+                </a:prstClr>
+              </a:solidFill>
+            </a:endParaRPr>
+          </a:p>
+        </p:txBody>
+      </p:sp>
+      <p:sp>
+        <p:nvSpPr>
+          <p:cNvPr id="34" name="직사각형 33">
+            <a:extLst>
+              <a:ext uri="{FF2B5EF4-FFF2-40B4-BE49-F238E27FC236}">
+                <a16:creationId xmlns:a16="http://schemas.microsoft.com/office/drawing/2014/main" id="{3FA00699-5178-465A-9F3F-130CF1431F70}"/>
+              </a:ext>
+            </a:extLst>
+          </p:cNvPr>
+          <p:cNvSpPr/>
+          <p:nvPr/>
+        </p:nvSpPr>
+        <p:spPr>
+          <a:xfrm>
+            <a:off x="1022617" y="3715143"/>
+            <a:ext cx="3397986" cy="2077492"/>
+          </a:xfrm>
+          <a:prstGeom prst="rect">
+            <a:avLst/>
+          </a:prstGeom>
+        </p:spPr>
+        <p:txBody>
+          <a:bodyPr wrap="square">
+            <a:spAutoFit/>
+          </a:bodyPr>
+          <a:lstStyle/>
+          <a:p>
+            <a:pPr algn="ctr">
+              <a:lnSpc>
+                <a:spcPct val="150000"/>
+              </a:lnSpc>
+            </a:pPr>
+            <a:r>
+              <a:rPr lang="ko-KR" altLang="en-US" b="1">
+                <a:solidFill>
+                  <a:prstClr val="black">
+                    <a:lumMod val="75000"/>
+                    <a:lumOff val="25000"/>
+                  </a:prstClr>
+                </a:solidFill>
+              </a:rPr>
+              <a:t>개발 이유 및 목표</a:t>
+            </a:r>
+            <a:endParaRPr lang="en-US" altLang="ko-KR" b="1">
+              <a:solidFill>
+                <a:prstClr val="black">
+                  <a:lumMod val="75000"/>
+                  <a:lumOff val="25000"/>
+                </a:prstClr>
+              </a:solidFill>
+            </a:endParaRPr>
+          </a:p>
+          <a:p>
+            <a:pPr algn="ctr">
+              <a:lnSpc>
+                <a:spcPct val="150000"/>
+              </a:lnSpc>
+            </a:pPr>
+            <a:endParaRPr lang="en-US" altLang="ko-KR" b="1">
+              <a:solidFill>
+                <a:prstClr val="black">
+                  <a:lumMod val="75000"/>
+                  <a:lumOff val="25000"/>
+                </a:prstClr>
+              </a:solidFill>
+            </a:endParaRPr>
+          </a:p>
+          <a:p>
+            <a:pPr algn="ctr">
+              <a:lnSpc>
+                <a:spcPct val="150000"/>
+              </a:lnSpc>
+            </a:pPr>
+            <a:endParaRPr lang="ko-KR" altLang="en-US" b="1">
+              <a:solidFill>
+                <a:prstClr val="black">
+                  <a:lumMod val="75000"/>
+                  <a:lumOff val="25000"/>
+                </a:prstClr>
+              </a:solidFill>
+            </a:endParaRPr>
+          </a:p>
+          <a:p>
+            <a:pPr algn="ctr">
+              <a:lnSpc>
+                <a:spcPct val="150000"/>
+              </a:lnSpc>
+            </a:pPr>
+            <a:r>
+              <a:rPr lang="ko-KR" altLang="en-US" sz="1600">
+                <a:solidFill>
+                  <a:prstClr val="black">
+                    <a:lumMod val="75000"/>
+                    <a:lumOff val="25000"/>
+                  </a:prstClr>
+                </a:solidFill>
+              </a:rPr>
+              <a:t>본 프로젝트를 시작하게 된 이유와 목표</a:t>
+            </a:r>
+            <a:endParaRPr lang="ko-KR" altLang="en-US" sz="1600" dirty="0">
+              <a:solidFill>
+                <a:prstClr val="black">
+                  <a:lumMod val="75000"/>
+                  <a:lumOff val="25000"/>
+                </a:prstClr>
+              </a:solidFill>
+            </a:endParaRPr>
+          </a:p>
+        </p:txBody>
+      </p:sp>
+      <p:sp>
+        <p:nvSpPr>
+          <p:cNvPr id="49" name="타원 48"/>
+          <p:cNvSpPr/>
+          <p:nvPr/>
+        </p:nvSpPr>
+        <p:spPr>
+          <a:xfrm>
+            <a:off x="4883356" y="2187633"/>
+            <a:ext cx="2311613" cy="2311613"/>
+          </a:xfrm>
+          <a:prstGeom prst="ellipse">
+            <a:avLst/>
+          </a:prstGeom>
+          <a:solidFill>
+            <a:schemeClr val="bg1"/>
+          </a:solidFill>
+          <a:ln>
+            <a:solidFill>
+              <a:schemeClr val="bg1">
+                <a:lumMod val="85000"/>
+              </a:schemeClr>
+            </a:solidFill>
+          </a:ln>
+          <a:effectLst>
+            <a:outerShdw blurRad="177800" dist="152400" dir="3600000" sx="98000" sy="98000" algn="tl" rotWithShape="0">
+              <a:prstClr val="black">
+                <a:alpha val="15000"/>
+              </a:prstClr>
+            </a:outerShdw>
+          </a:effectLst>
+        </p:spPr>
+        <p:style>
+          <a:lnRef idx="2">
+            <a:schemeClr val="accent1">
+              <a:shade val="50000"/>
+            </a:schemeClr>
+          </a:lnRef>
+          <a:fillRef idx="1">
+            <a:schemeClr val="accent1"/>
+          </a:fillRef>
+          <a:effectRef idx="0">
+            <a:schemeClr val="accent1"/>
+          </a:effectRef>
+          <a:fontRef idx="minor">
+            <a:schemeClr val="lt1"/>
+          </a:fontRef>
+        </p:style>
+        <p:txBody>
+          <a:bodyPr rtlCol="0" anchor="ctr"/>
+          <a:lstStyle/>
+          <a:p>
+            <a:pPr algn="ctr"/>
+            <a:endParaRPr lang="ko-KR" altLang="en-US">
+              <a:solidFill>
+                <a:prstClr val="white"/>
+              </a:solidFill>
+            </a:endParaRPr>
+          </a:p>
+        </p:txBody>
+      </p:sp>
+      <p:cxnSp>
+        <p:nvCxnSpPr>
+          <p:cNvPr id="50" name="직선 연결선 49"/>
+          <p:cNvCxnSpPr/>
+          <p:nvPr/>
+        </p:nvCxnSpPr>
+        <p:spPr>
+          <a:xfrm>
+            <a:off x="5121163" y="3568443"/>
+            <a:ext cx="1836000" cy="0"/>
+          </a:xfrm>
+          <a:prstGeom prst="line">
+            <a:avLst/>
+          </a:prstGeom>
+          <a:ln w="25400" cap="rnd">
+            <a:solidFill>
+              <a:schemeClr val="bg1">
+                <a:lumMod val="85000"/>
+              </a:schemeClr>
+            </a:solidFill>
+          </a:ln>
+        </p:spPr>
+        <p:style>
+          <a:lnRef idx="1">
+            <a:schemeClr val="accent1"/>
+          </a:lnRef>
+          <a:fillRef idx="0">
+            <a:schemeClr val="accent1"/>
+          </a:fillRef>
+          <a:effectRef idx="0">
+            <a:schemeClr val="accent1"/>
+          </a:effectRef>
+          <a:fontRef idx="minor">
+            <a:schemeClr val="tx1"/>
+          </a:fontRef>
+        </p:style>
+      </p:cxnSp>
+      <p:sp>
+        <p:nvSpPr>
+          <p:cNvPr id="54" name="TextBox 53"/>
+          <p:cNvSpPr txBox="1"/>
+          <p:nvPr/>
+        </p:nvSpPr>
+        <p:spPr>
+          <a:xfrm>
+            <a:off x="4431715" y="2971874"/>
+            <a:ext cx="3349486" cy="523220"/>
+          </a:xfrm>
+          <a:prstGeom prst="rect">
+            <a:avLst/>
+          </a:prstGeom>
+          <a:noFill/>
+        </p:spPr>
+        <p:txBody>
+          <a:bodyPr wrap="square" rtlCol="0">
+            <a:spAutoFit/>
+          </a:bodyPr>
+          <a:lstStyle/>
+          <a:p>
+            <a:pPr algn="ctr"/>
+            <a:r>
+              <a:rPr lang="en-US" altLang="ko-KR" sz="2800" b="1">
+                <a:solidFill>
+                  <a:prstClr val="black">
+                    <a:lumMod val="75000"/>
+                    <a:lumOff val="25000"/>
+                  </a:prstClr>
+                </a:solidFill>
+              </a:rPr>
+              <a:t>2. </a:t>
+            </a:r>
+            <a:r>
+              <a:rPr lang="ko-KR" altLang="en-US" sz="2800" b="1">
+                <a:solidFill>
+                  <a:prstClr val="black">
+                    <a:lumMod val="75000"/>
+                    <a:lumOff val="25000"/>
+                  </a:prstClr>
+                </a:solidFill>
+              </a:rPr>
+              <a:t>프로젝트 내용</a:t>
+            </a:r>
+            <a:endParaRPr lang="en-US" altLang="ko-KR" sz="700" dirty="0">
+              <a:solidFill>
+                <a:prstClr val="black">
+                  <a:lumMod val="75000"/>
+                  <a:lumOff val="25000"/>
+                </a:prstClr>
+              </a:solidFill>
+            </a:endParaRPr>
+          </a:p>
+        </p:txBody>
+      </p:sp>
+      <p:sp>
+        <p:nvSpPr>
+          <p:cNvPr id="55" name="직사각형 54">
+            <a:extLst>
+              <a:ext uri="{FF2B5EF4-FFF2-40B4-BE49-F238E27FC236}">
+                <a16:creationId xmlns:a16="http://schemas.microsoft.com/office/drawing/2014/main" id="{3FA00699-5178-465A-9F3F-130CF1431F70}"/>
+              </a:ext>
+            </a:extLst>
+          </p:cNvPr>
+          <p:cNvSpPr/>
+          <p:nvPr/>
+        </p:nvSpPr>
+        <p:spPr>
+          <a:xfrm>
+            <a:off x="4541786" y="3771705"/>
+            <a:ext cx="2994752" cy="1661993"/>
+          </a:xfrm>
+          <a:prstGeom prst="rect">
+            <a:avLst/>
+          </a:prstGeom>
+        </p:spPr>
+        <p:txBody>
+          <a:bodyPr wrap="square">
+            <a:spAutoFit/>
+          </a:bodyPr>
+          <a:lstStyle/>
+          <a:p>
+            <a:pPr algn="ctr">
+              <a:lnSpc>
+                <a:spcPct val="150000"/>
+              </a:lnSpc>
+            </a:pPr>
+            <a:r>
+              <a:rPr lang="ko-KR" altLang="en-US" b="1">
+                <a:solidFill>
+                  <a:prstClr val="black">
+                    <a:lumMod val="75000"/>
+                    <a:lumOff val="25000"/>
+                  </a:prstClr>
+                </a:solidFill>
+              </a:rPr>
+              <a:t>프로젝트 구성 </a:t>
+            </a:r>
+            <a:endParaRPr lang="en-US" altLang="ko-KR" b="1">
+              <a:solidFill>
+                <a:prstClr val="black">
+                  <a:lumMod val="75000"/>
+                  <a:lumOff val="25000"/>
+                </a:prstClr>
+              </a:solidFill>
+            </a:endParaRPr>
+          </a:p>
+          <a:p>
+            <a:pPr algn="ctr">
+              <a:lnSpc>
+                <a:spcPct val="150000"/>
+              </a:lnSpc>
+            </a:pPr>
+            <a:endParaRPr lang="en-US" altLang="ko-KR" b="1" dirty="0">
+              <a:solidFill>
+                <a:prstClr val="black">
+                  <a:lumMod val="75000"/>
+                  <a:lumOff val="25000"/>
+                </a:prstClr>
+              </a:solidFill>
+            </a:endParaRPr>
+          </a:p>
+          <a:p>
+            <a:pPr algn="ctr">
+              <a:lnSpc>
+                <a:spcPct val="150000"/>
+              </a:lnSpc>
+            </a:pPr>
+            <a:endParaRPr lang="en-US" altLang="ko-KR" sz="1600">
+              <a:solidFill>
+                <a:prstClr val="black">
+                  <a:lumMod val="75000"/>
+                  <a:lumOff val="25000"/>
+                </a:prstClr>
+              </a:solidFill>
+            </a:endParaRPr>
+          </a:p>
+          <a:p>
+            <a:pPr algn="ctr">
+              <a:lnSpc>
+                <a:spcPct val="150000"/>
+              </a:lnSpc>
+            </a:pPr>
+            <a:r>
+              <a:rPr lang="ko-KR" altLang="en-US" sz="1600">
+                <a:solidFill>
+                  <a:prstClr val="black">
+                    <a:lumMod val="75000"/>
+                    <a:lumOff val="25000"/>
+                  </a:prstClr>
+                </a:solidFill>
+              </a:rPr>
+              <a:t>유니티 및 프로젝트의 구성</a:t>
+            </a:r>
+            <a:endParaRPr lang="ko-KR" altLang="en-US" sz="1050" dirty="0">
+              <a:solidFill>
+                <a:prstClr val="black">
+                  <a:lumMod val="75000"/>
+                  <a:lumOff val="25000"/>
+                </a:prstClr>
+              </a:solidFill>
+            </a:endParaRPr>
+          </a:p>
+        </p:txBody>
+      </p:sp>
+      <p:sp>
+        <p:nvSpPr>
+          <p:cNvPr id="56" name="타원 55"/>
+          <p:cNvSpPr/>
+          <p:nvPr/>
+        </p:nvSpPr>
+        <p:spPr>
+          <a:xfrm>
+            <a:off x="8232842" y="2187633"/>
+            <a:ext cx="2311613" cy="2311613"/>
+          </a:xfrm>
+          <a:prstGeom prst="ellipse">
+            <a:avLst/>
+          </a:prstGeom>
+          <a:solidFill>
+            <a:schemeClr val="bg1"/>
+          </a:solidFill>
+          <a:ln>
+            <a:solidFill>
+              <a:schemeClr val="bg1">
+                <a:lumMod val="85000"/>
+              </a:schemeClr>
+            </a:solidFill>
+          </a:ln>
+          <a:effectLst>
+            <a:outerShdw blurRad="177800" dist="152400" dir="3600000" sx="98000" sy="98000" algn="tl" rotWithShape="0">
+              <a:prstClr val="black">
+                <a:alpha val="15000"/>
+              </a:prstClr>
+            </a:outerShdw>
+          </a:effectLst>
+        </p:spPr>
+        <p:style>
+          <a:lnRef idx="2">
+            <a:schemeClr val="accent1">
+              <a:shade val="50000"/>
+            </a:schemeClr>
+          </a:lnRef>
+          <a:fillRef idx="1">
+            <a:schemeClr val="accent1"/>
+          </a:fillRef>
+          <a:effectRef idx="0">
+            <a:schemeClr val="accent1"/>
+          </a:effectRef>
+          <a:fontRef idx="minor">
+            <a:schemeClr val="lt1"/>
+          </a:fontRef>
+        </p:style>
+        <p:txBody>
+          <a:bodyPr rtlCol="0" anchor="ctr"/>
+          <a:lstStyle/>
+          <a:p>
+            <a:pPr algn="ctr"/>
+            <a:endParaRPr lang="ko-KR" altLang="en-US">
+              <a:solidFill>
+                <a:prstClr val="white"/>
+              </a:solidFill>
+            </a:endParaRPr>
+          </a:p>
+        </p:txBody>
+      </p:sp>
+      <p:cxnSp>
+        <p:nvCxnSpPr>
+          <p:cNvPr id="57" name="직선 연결선 56"/>
+          <p:cNvCxnSpPr/>
+          <p:nvPr/>
+        </p:nvCxnSpPr>
+        <p:spPr>
+          <a:xfrm>
+            <a:off x="8470649" y="3568443"/>
+            <a:ext cx="1836000" cy="0"/>
+          </a:xfrm>
+          <a:prstGeom prst="line">
+            <a:avLst/>
+          </a:prstGeom>
+          <a:ln w="25400" cap="rnd">
+            <a:solidFill>
+              <a:schemeClr val="bg1">
+                <a:lumMod val="85000"/>
+              </a:schemeClr>
+            </a:solidFill>
+          </a:ln>
+        </p:spPr>
+        <p:style>
+          <a:lnRef idx="1">
+            <a:schemeClr val="accent1"/>
+          </a:lnRef>
+          <a:fillRef idx="0">
+            <a:schemeClr val="accent1"/>
+          </a:fillRef>
+          <a:effectRef idx="0">
+            <a:schemeClr val="accent1"/>
+          </a:effectRef>
+          <a:fontRef idx="minor">
+            <a:schemeClr val="tx1"/>
+          </a:fontRef>
+        </p:style>
+      </p:cxnSp>
+      <p:sp>
+        <p:nvSpPr>
+          <p:cNvPr id="61" name="TextBox 60"/>
+          <p:cNvSpPr txBox="1"/>
+          <p:nvPr/>
+        </p:nvSpPr>
+        <p:spPr>
+          <a:xfrm>
+            <a:off x="7961090" y="2919652"/>
+            <a:ext cx="2976510" cy="523220"/>
+          </a:xfrm>
+          <a:prstGeom prst="rect">
+            <a:avLst/>
+          </a:prstGeom>
+          <a:noFill/>
+        </p:spPr>
+        <p:txBody>
+          <a:bodyPr wrap="square" rtlCol="0">
+            <a:spAutoFit/>
+          </a:bodyPr>
+          <a:lstStyle/>
+          <a:p>
+            <a:pPr algn="ctr"/>
+            <a:r>
+              <a:rPr lang="en-US" altLang="ko-KR" sz="2800" b="1">
+                <a:solidFill>
+                  <a:prstClr val="black">
+                    <a:lumMod val="75000"/>
+                    <a:lumOff val="25000"/>
+                  </a:prstClr>
+                </a:solidFill>
+              </a:rPr>
+              <a:t>3. </a:t>
+            </a:r>
+            <a:r>
+              <a:rPr lang="ko-KR" altLang="en-US" sz="2800" b="1">
+                <a:solidFill>
+                  <a:prstClr val="black">
+                    <a:lumMod val="75000"/>
+                    <a:lumOff val="25000"/>
+                  </a:prstClr>
+                </a:solidFill>
+              </a:rPr>
+              <a:t>앞으로의 계획</a:t>
+            </a:r>
+            <a:endParaRPr lang="en-US" altLang="ko-KR" sz="700" dirty="0">
+              <a:solidFill>
+                <a:prstClr val="black">
+                  <a:lumMod val="75000"/>
+                  <a:lumOff val="25000"/>
+                </a:prstClr>
+              </a:solidFill>
+            </a:endParaRPr>
+          </a:p>
+        </p:txBody>
+      </p:sp>
+      <p:sp>
+        <p:nvSpPr>
+          <p:cNvPr id="62" name="직사각형 61">
+            <a:extLst>
+              <a:ext uri="{FF2B5EF4-FFF2-40B4-BE49-F238E27FC236}">
+                <a16:creationId xmlns:a16="http://schemas.microsoft.com/office/drawing/2014/main" id="{3FA00699-5178-465A-9F3F-130CF1431F70}"/>
+              </a:ext>
+            </a:extLst>
+          </p:cNvPr>
+          <p:cNvSpPr/>
+          <p:nvPr/>
+        </p:nvSpPr>
+        <p:spPr>
+          <a:xfrm>
+            <a:off x="7891272" y="3781138"/>
+            <a:ext cx="2994752" cy="1535036"/>
+          </a:xfrm>
+          <a:prstGeom prst="rect">
+            <a:avLst/>
+          </a:prstGeom>
+        </p:spPr>
+        <p:txBody>
+          <a:bodyPr wrap="square">
+            <a:spAutoFit/>
+          </a:bodyPr>
+          <a:lstStyle/>
+          <a:p>
+            <a:pPr algn="ctr">
+              <a:lnSpc>
+                <a:spcPct val="150000"/>
+              </a:lnSpc>
+            </a:pPr>
+            <a:r>
+              <a:rPr lang="ko-KR" altLang="en-US" b="1">
+                <a:solidFill>
+                  <a:prstClr val="black">
+                    <a:lumMod val="75000"/>
+                    <a:lumOff val="25000"/>
+                  </a:prstClr>
+                </a:solidFill>
+              </a:rPr>
+              <a:t>추후 목표 및 계획</a:t>
+            </a:r>
+            <a:endParaRPr lang="en-US" altLang="ko-KR" b="1" dirty="0">
+              <a:solidFill>
+                <a:prstClr val="black">
+                  <a:lumMod val="75000"/>
+                  <a:lumOff val="25000"/>
+                </a:prstClr>
+              </a:solidFill>
+            </a:endParaRPr>
+          </a:p>
+          <a:p>
+            <a:pPr algn="ctr">
+              <a:lnSpc>
+                <a:spcPct val="150000"/>
+              </a:lnSpc>
+            </a:pPr>
+            <a:endParaRPr lang="en-US" altLang="ko-KR" b="1" dirty="0">
+              <a:solidFill>
+                <a:prstClr val="black">
+                  <a:lumMod val="75000"/>
+                  <a:lumOff val="25000"/>
+                </a:prstClr>
+              </a:solidFill>
+            </a:endParaRPr>
+          </a:p>
+          <a:p>
+            <a:pPr algn="ctr">
+              <a:lnSpc>
+                <a:spcPct val="150000"/>
+              </a:lnSpc>
+            </a:pPr>
+            <a:endParaRPr lang="en-US" altLang="ko-KR" sz="1050">
+              <a:solidFill>
+                <a:prstClr val="black">
+                  <a:lumMod val="75000"/>
+                  <a:lumOff val="25000"/>
+                </a:prstClr>
+              </a:solidFill>
+            </a:endParaRPr>
+          </a:p>
+          <a:p>
+            <a:pPr algn="ctr">
+              <a:lnSpc>
+                <a:spcPct val="150000"/>
+              </a:lnSpc>
+            </a:pPr>
+            <a:r>
+              <a:rPr lang="ko-KR" altLang="en-US" sz="1600">
+                <a:solidFill>
+                  <a:prstClr val="black">
+                    <a:lumMod val="75000"/>
+                    <a:lumOff val="25000"/>
+                  </a:prstClr>
+                </a:solidFill>
+              </a:rPr>
+              <a:t>본 프로젝트 이후의 계획</a:t>
+            </a:r>
+            <a:endParaRPr lang="ko-KR" altLang="en-US" sz="1600" dirty="0">
+              <a:solidFill>
+                <a:prstClr val="black">
+                  <a:lumMod val="75000"/>
+                  <a:lumOff val="25000"/>
+                </a:prstClr>
+              </a:solidFill>
+            </a:endParaRPr>
+          </a:p>
+        </p:txBody>
+      </p:sp>
+      <p:sp>
+        <p:nvSpPr>
+          <p:cNvPr id="20" name="사각형: 둥근 모서리 5">
+            <a:extLst>
+              <a:ext uri="{FF2B5EF4-FFF2-40B4-BE49-F238E27FC236}">
+                <a16:creationId xmlns:a16="http://schemas.microsoft.com/office/drawing/2014/main" id="{7F014AF5-2F0A-6DF9-0A3A-E4B3991CCFE5}"/>
+              </a:ext>
+            </a:extLst>
+          </p:cNvPr>
+          <p:cNvSpPr/>
+          <p:nvPr/>
+        </p:nvSpPr>
+        <p:spPr>
+          <a:xfrm>
+            <a:off x="11281274" y="215219"/>
             <a:ext cx="720000" cy="720000"/>
           </a:xfrm>
           <a:prstGeom prst="ellipse">
@@ -5012,857 +6839,42 @@
           </a:p>
         </p:txBody>
       </p:sp>
-      <p:sp>
-        <p:nvSpPr>
-          <p:cNvPr id="28" name="타원 27"/>
-          <p:cNvSpPr/>
+      <p:pic>
+        <p:nvPicPr>
+          <p:cNvPr id="21" name="그림 20">
+            <a:extLst>
+              <a:ext uri="{FF2B5EF4-FFF2-40B4-BE49-F238E27FC236}">
+                <a16:creationId xmlns:a16="http://schemas.microsoft.com/office/drawing/2014/main" id="{673C5931-3145-F19D-1A4F-FC61F0AEAA3A}"/>
+              </a:ext>
+            </a:extLst>
+          </p:cNvPr>
+          <p:cNvPicPr>
+            <a:picLocks noChangeAspect="1"/>
+          </p:cNvPicPr>
           <p:nvPr/>
-        </p:nvSpPr>
-        <p:spPr>
-          <a:xfrm>
-            <a:off x="1533870" y="2187633"/>
-            <a:ext cx="2311613" cy="2311613"/>
-          </a:xfrm>
-          <a:prstGeom prst="ellipse">
-            <a:avLst/>
-          </a:prstGeom>
-          <a:solidFill>
-            <a:schemeClr val="bg1"/>
-          </a:solidFill>
-          <a:ln>
-            <a:solidFill>
-              <a:schemeClr val="bg1">
-                <a:lumMod val="85000"/>
-              </a:schemeClr>
-            </a:solidFill>
-          </a:ln>
-          <a:effectLst>
-            <a:outerShdw blurRad="177800" dist="152400" dir="3600000" sx="98000" sy="98000" algn="tl" rotWithShape="0">
-              <a:prstClr val="black">
-                <a:alpha val="15000"/>
-              </a:prstClr>
-            </a:outerShdw>
-          </a:effectLst>
-        </p:spPr>
-        <p:style>
-          <a:lnRef idx="2">
-            <a:schemeClr val="accent1">
-              <a:shade val="50000"/>
-            </a:schemeClr>
-          </a:lnRef>
-          <a:fillRef idx="1">
-            <a:schemeClr val="accent1"/>
-          </a:fillRef>
-          <a:effectRef idx="0">
-            <a:schemeClr val="accent1"/>
-          </a:effectRef>
-          <a:fontRef idx="minor">
-            <a:schemeClr val="lt1"/>
-          </a:fontRef>
-        </p:style>
-        <p:txBody>
-          <a:bodyPr rtlCol="0" anchor="ctr"/>
-          <a:lstStyle/>
-          <a:p>
-            <a:pPr algn="ctr"/>
-            <a:endParaRPr lang="ko-KR" altLang="en-US">
-              <a:solidFill>
-                <a:prstClr val="white"/>
-              </a:solidFill>
-            </a:endParaRPr>
-          </a:p>
-        </p:txBody>
-      </p:sp>
-      <p:cxnSp>
-        <p:nvCxnSpPr>
-          <p:cNvPr id="29" name="직선 연결선 28"/>
-          <p:cNvCxnSpPr/>
-          <p:nvPr/>
-        </p:nvCxnSpPr>
-        <p:spPr>
-          <a:xfrm>
-            <a:off x="1771677" y="3568443"/>
-            <a:ext cx="1836000" cy="0"/>
-          </a:xfrm>
-          <a:prstGeom prst="line">
-            <a:avLst/>
-          </a:prstGeom>
-          <a:ln w="25400" cap="rnd">
-            <a:solidFill>
-              <a:schemeClr val="bg1">
-                <a:lumMod val="85000"/>
-              </a:schemeClr>
-            </a:solidFill>
-          </a:ln>
-        </p:spPr>
-        <p:style>
-          <a:lnRef idx="1">
-            <a:schemeClr val="accent1"/>
-          </a:lnRef>
-          <a:fillRef idx="0">
-            <a:schemeClr val="accent1"/>
-          </a:fillRef>
-          <a:effectRef idx="0">
-            <a:schemeClr val="accent1"/>
-          </a:effectRef>
-          <a:fontRef idx="minor">
-            <a:schemeClr val="tx1"/>
-          </a:fontRef>
-        </p:style>
-      </p:cxnSp>
-      <p:sp>
-        <p:nvSpPr>
-          <p:cNvPr id="33" name="TextBox 32"/>
-          <p:cNvSpPr txBox="1"/>
-          <p:nvPr/>
-        </p:nvSpPr>
-        <p:spPr>
-          <a:xfrm>
-            <a:off x="1955868" y="2919652"/>
-            <a:ext cx="1467616" cy="523220"/>
+        </p:nvPicPr>
+        <p:blipFill>
+          <a:blip r:embed="rId2" cstate="print">
+            <a:extLst>
+              <a:ext uri="{28A0092B-C50C-407E-A947-70E740481C1C}">
+                <a14:useLocalDpi xmlns:a14="http://schemas.microsoft.com/office/drawing/2010/main" val="0"/>
+              </a:ext>
+            </a:extLst>
+          </a:blip>
+          <a:stretch>
+            <a:fillRect/>
+          </a:stretch>
+        </p:blipFill>
+        <p:spPr>
+          <a:xfrm>
+            <a:off x="11313108" y="311326"/>
+            <a:ext cx="652350" cy="527786"/>
           </a:xfrm>
           <a:prstGeom prst="rect">
             <a:avLst/>
           </a:prstGeom>
-          <a:noFill/>
-        </p:spPr>
-        <p:txBody>
-          <a:bodyPr wrap="square" rtlCol="0">
-            <a:spAutoFit/>
-          </a:bodyPr>
-          <a:lstStyle/>
-          <a:p>
-            <a:pPr algn="ctr"/>
-            <a:r>
-              <a:rPr lang="en-US" altLang="ko-KR" sz="2800" b="1" smtClean="0">
-                <a:solidFill>
-                  <a:prstClr val="black">
-                    <a:lumMod val="75000"/>
-                    <a:lumOff val="25000"/>
-                  </a:prstClr>
-                </a:solidFill>
-              </a:rPr>
-              <a:t>1. </a:t>
-            </a:r>
-            <a:r>
-              <a:rPr lang="ko-KR" altLang="en-US" sz="2800" b="1" smtClean="0">
-                <a:solidFill>
-                  <a:prstClr val="black">
-                    <a:lumMod val="75000"/>
-                    <a:lumOff val="25000"/>
-                  </a:prstClr>
-                </a:solidFill>
-              </a:rPr>
-              <a:t>개요</a:t>
-            </a:r>
-            <a:endParaRPr lang="en-US" altLang="ko-KR" sz="700" dirty="0">
-              <a:solidFill>
-                <a:prstClr val="black">
-                  <a:lumMod val="75000"/>
-                  <a:lumOff val="25000"/>
-                </a:prstClr>
-              </a:solidFill>
-            </a:endParaRPr>
-          </a:p>
-        </p:txBody>
-      </p:sp>
-      <p:sp>
-        <p:nvSpPr>
-          <p:cNvPr id="34" name="직사각형 33">
-            <a:extLst>
-              <a:ext uri="{FF2B5EF4-FFF2-40B4-BE49-F238E27FC236}">
-                <a16:creationId xmlns:a16="http://schemas.microsoft.com/office/drawing/2014/main" id="{3FA00699-5178-465A-9F3F-130CF1431F70}"/>
-              </a:ext>
-            </a:extLst>
-          </p:cNvPr>
-          <p:cNvSpPr/>
-          <p:nvPr/>
-        </p:nvSpPr>
-        <p:spPr>
-          <a:xfrm>
-            <a:off x="1022617" y="3715143"/>
-            <a:ext cx="3397986" cy="2077492"/>
-          </a:xfrm>
-          <a:prstGeom prst="rect">
-            <a:avLst/>
-          </a:prstGeom>
-        </p:spPr>
-        <p:txBody>
-          <a:bodyPr wrap="square">
-            <a:spAutoFit/>
-          </a:bodyPr>
-          <a:lstStyle/>
-          <a:p>
-            <a:pPr algn="ctr">
-              <a:lnSpc>
-                <a:spcPct val="150000"/>
-              </a:lnSpc>
-            </a:pPr>
-            <a:r>
-              <a:rPr lang="ko-KR" altLang="en-US" b="1" smtClean="0">
-                <a:solidFill>
-                  <a:prstClr val="black">
-                    <a:lumMod val="75000"/>
-                    <a:lumOff val="25000"/>
-                  </a:prstClr>
-                </a:solidFill>
-              </a:rPr>
-              <a:t>개발 이유 및 목표</a:t>
-            </a:r>
-            <a:endParaRPr lang="en-US" altLang="ko-KR" b="1" smtClean="0">
-              <a:solidFill>
-                <a:prstClr val="black">
-                  <a:lumMod val="75000"/>
-                  <a:lumOff val="25000"/>
-                </a:prstClr>
-              </a:solidFill>
-            </a:endParaRPr>
-          </a:p>
-          <a:p>
-            <a:pPr algn="ctr">
-              <a:lnSpc>
-                <a:spcPct val="150000"/>
-              </a:lnSpc>
-            </a:pPr>
-            <a:endParaRPr lang="en-US" altLang="ko-KR" b="1">
-              <a:solidFill>
-                <a:prstClr val="black">
-                  <a:lumMod val="75000"/>
-                  <a:lumOff val="25000"/>
-                </a:prstClr>
-              </a:solidFill>
-            </a:endParaRPr>
-          </a:p>
-          <a:p>
-            <a:pPr algn="ctr">
-              <a:lnSpc>
-                <a:spcPct val="150000"/>
-              </a:lnSpc>
-            </a:pPr>
-            <a:endParaRPr lang="ko-KR" altLang="en-US" b="1" smtClean="0">
-              <a:solidFill>
-                <a:prstClr val="black">
-                  <a:lumMod val="75000"/>
-                  <a:lumOff val="25000"/>
-                </a:prstClr>
-              </a:solidFill>
-            </a:endParaRPr>
-          </a:p>
-          <a:p>
-            <a:pPr algn="ctr">
-              <a:lnSpc>
-                <a:spcPct val="150000"/>
-              </a:lnSpc>
-            </a:pPr>
-            <a:r>
-              <a:rPr lang="ko-KR" altLang="en-US" sz="1600" smtClean="0">
-                <a:solidFill>
-                  <a:prstClr val="black">
-                    <a:lumMod val="75000"/>
-                    <a:lumOff val="25000"/>
-                  </a:prstClr>
-                </a:solidFill>
-              </a:rPr>
-              <a:t>본 프로젝트를 시작하게 된 이유와 목표</a:t>
-            </a:r>
-            <a:endParaRPr lang="ko-KR" altLang="en-US" sz="1600" dirty="0">
-              <a:solidFill>
-                <a:prstClr val="black">
-                  <a:lumMod val="75000"/>
-                  <a:lumOff val="25000"/>
-                </a:prstClr>
-              </a:solidFill>
-            </a:endParaRPr>
-          </a:p>
-        </p:txBody>
-      </p:sp>
-      <p:sp>
-        <p:nvSpPr>
-          <p:cNvPr id="49" name="타원 48"/>
-          <p:cNvSpPr/>
-          <p:nvPr/>
-        </p:nvSpPr>
-        <p:spPr>
-          <a:xfrm>
-            <a:off x="4883356" y="2187633"/>
-            <a:ext cx="2311613" cy="2311613"/>
-          </a:xfrm>
-          <a:prstGeom prst="ellipse">
-            <a:avLst/>
-          </a:prstGeom>
-          <a:solidFill>
-            <a:schemeClr val="bg1"/>
-          </a:solidFill>
-          <a:ln>
-            <a:solidFill>
-              <a:schemeClr val="bg1">
-                <a:lumMod val="85000"/>
-              </a:schemeClr>
-            </a:solidFill>
-          </a:ln>
-          <a:effectLst>
-            <a:outerShdw blurRad="177800" dist="152400" dir="3600000" sx="98000" sy="98000" algn="tl" rotWithShape="0">
-              <a:prstClr val="black">
-                <a:alpha val="15000"/>
-              </a:prstClr>
-            </a:outerShdw>
-          </a:effectLst>
-        </p:spPr>
-        <p:style>
-          <a:lnRef idx="2">
-            <a:schemeClr val="accent1">
-              <a:shade val="50000"/>
-            </a:schemeClr>
-          </a:lnRef>
-          <a:fillRef idx="1">
-            <a:schemeClr val="accent1"/>
-          </a:fillRef>
-          <a:effectRef idx="0">
-            <a:schemeClr val="accent1"/>
-          </a:effectRef>
-          <a:fontRef idx="minor">
-            <a:schemeClr val="lt1"/>
-          </a:fontRef>
-        </p:style>
-        <p:txBody>
-          <a:bodyPr rtlCol="0" anchor="ctr"/>
-          <a:lstStyle/>
-          <a:p>
-            <a:pPr algn="ctr"/>
-            <a:endParaRPr lang="ko-KR" altLang="en-US">
-              <a:solidFill>
-                <a:prstClr val="white"/>
-              </a:solidFill>
-            </a:endParaRPr>
-          </a:p>
-        </p:txBody>
-      </p:sp>
-      <p:cxnSp>
-        <p:nvCxnSpPr>
-          <p:cNvPr id="50" name="직선 연결선 49"/>
-          <p:cNvCxnSpPr/>
-          <p:nvPr/>
-        </p:nvCxnSpPr>
-        <p:spPr>
-          <a:xfrm>
-            <a:off x="5121163" y="3568443"/>
-            <a:ext cx="1836000" cy="0"/>
-          </a:xfrm>
-          <a:prstGeom prst="line">
-            <a:avLst/>
-          </a:prstGeom>
-          <a:ln w="25400" cap="rnd">
-            <a:solidFill>
-              <a:schemeClr val="bg1">
-                <a:lumMod val="85000"/>
-              </a:schemeClr>
-            </a:solidFill>
-          </a:ln>
-        </p:spPr>
-        <p:style>
-          <a:lnRef idx="1">
-            <a:schemeClr val="accent1"/>
-          </a:lnRef>
-          <a:fillRef idx="0">
-            <a:schemeClr val="accent1"/>
-          </a:fillRef>
-          <a:effectRef idx="0">
-            <a:schemeClr val="accent1"/>
-          </a:effectRef>
-          <a:fontRef idx="minor">
-            <a:schemeClr val="tx1"/>
-          </a:fontRef>
-        </p:style>
-      </p:cxnSp>
-      <p:sp>
-        <p:nvSpPr>
-          <p:cNvPr id="54" name="TextBox 53"/>
-          <p:cNvSpPr txBox="1"/>
-          <p:nvPr/>
-        </p:nvSpPr>
-        <p:spPr>
-          <a:xfrm>
-            <a:off x="4431715" y="2971874"/>
-            <a:ext cx="3349486" cy="523220"/>
-          </a:xfrm>
-          <a:prstGeom prst="rect">
-            <a:avLst/>
-          </a:prstGeom>
-          <a:noFill/>
-        </p:spPr>
-        <p:txBody>
-          <a:bodyPr wrap="square" rtlCol="0">
-            <a:spAutoFit/>
-          </a:bodyPr>
-          <a:lstStyle/>
-          <a:p>
-            <a:pPr algn="ctr"/>
-            <a:r>
-              <a:rPr lang="en-US" altLang="ko-KR" sz="2800" b="1" smtClean="0">
-                <a:solidFill>
-                  <a:prstClr val="black">
-                    <a:lumMod val="75000"/>
-                    <a:lumOff val="25000"/>
-                  </a:prstClr>
-                </a:solidFill>
-              </a:rPr>
-              <a:t>2. </a:t>
-            </a:r>
-            <a:r>
-              <a:rPr lang="ko-KR" altLang="en-US" sz="2800" b="1" smtClean="0">
-                <a:solidFill>
-                  <a:prstClr val="black">
-                    <a:lumMod val="75000"/>
-                    <a:lumOff val="25000"/>
-                  </a:prstClr>
-                </a:solidFill>
-              </a:rPr>
-              <a:t>프로젝트 내용</a:t>
-            </a:r>
-            <a:endParaRPr lang="en-US" altLang="ko-KR" sz="700" dirty="0">
-              <a:solidFill>
-                <a:prstClr val="black">
-                  <a:lumMod val="75000"/>
-                  <a:lumOff val="25000"/>
-                </a:prstClr>
-              </a:solidFill>
-            </a:endParaRPr>
-          </a:p>
-        </p:txBody>
-      </p:sp>
-      <p:sp>
-        <p:nvSpPr>
-          <p:cNvPr id="55" name="직사각형 54">
-            <a:extLst>
-              <a:ext uri="{FF2B5EF4-FFF2-40B4-BE49-F238E27FC236}">
-                <a16:creationId xmlns:a16="http://schemas.microsoft.com/office/drawing/2014/main" id="{3FA00699-5178-465A-9F3F-130CF1431F70}"/>
-              </a:ext>
-            </a:extLst>
-          </p:cNvPr>
-          <p:cNvSpPr/>
-          <p:nvPr/>
-        </p:nvSpPr>
-        <p:spPr>
-          <a:xfrm>
-            <a:off x="4541786" y="3771705"/>
-            <a:ext cx="2994752" cy="1661993"/>
-          </a:xfrm>
-          <a:prstGeom prst="rect">
-            <a:avLst/>
-          </a:prstGeom>
-        </p:spPr>
-        <p:txBody>
-          <a:bodyPr wrap="square">
-            <a:spAutoFit/>
-          </a:bodyPr>
-          <a:lstStyle/>
-          <a:p>
-            <a:pPr algn="ctr">
-              <a:lnSpc>
-                <a:spcPct val="150000"/>
-              </a:lnSpc>
-            </a:pPr>
-            <a:r>
-              <a:rPr lang="ko-KR" altLang="en-US" b="1" smtClean="0">
-                <a:solidFill>
-                  <a:prstClr val="black">
-                    <a:lumMod val="75000"/>
-                    <a:lumOff val="25000"/>
-                  </a:prstClr>
-                </a:solidFill>
-              </a:rPr>
-              <a:t>프로젝트 </a:t>
-            </a:r>
-            <a:r>
-              <a:rPr lang="ko-KR" altLang="en-US" b="1" smtClean="0">
-                <a:solidFill>
-                  <a:prstClr val="black">
-                    <a:lumMod val="75000"/>
-                    <a:lumOff val="25000"/>
-                  </a:prstClr>
-                </a:solidFill>
-              </a:rPr>
-              <a:t>구성 </a:t>
-            </a:r>
-            <a:endParaRPr lang="en-US" altLang="ko-KR" b="1" smtClean="0">
-              <a:solidFill>
-                <a:prstClr val="black">
-                  <a:lumMod val="75000"/>
-                  <a:lumOff val="25000"/>
-                </a:prstClr>
-              </a:solidFill>
-            </a:endParaRPr>
-          </a:p>
-          <a:p>
-            <a:pPr algn="ctr">
-              <a:lnSpc>
-                <a:spcPct val="150000"/>
-              </a:lnSpc>
-            </a:pPr>
-            <a:endParaRPr lang="en-US" altLang="ko-KR" b="1" dirty="0">
-              <a:solidFill>
-                <a:prstClr val="black">
-                  <a:lumMod val="75000"/>
-                  <a:lumOff val="25000"/>
-                </a:prstClr>
-              </a:solidFill>
-            </a:endParaRPr>
-          </a:p>
-          <a:p>
-            <a:pPr algn="ctr">
-              <a:lnSpc>
-                <a:spcPct val="150000"/>
-              </a:lnSpc>
-            </a:pPr>
-            <a:endParaRPr lang="en-US" altLang="ko-KR" sz="1600" smtClean="0">
-              <a:solidFill>
-                <a:prstClr val="black">
-                  <a:lumMod val="75000"/>
-                  <a:lumOff val="25000"/>
-                </a:prstClr>
-              </a:solidFill>
-            </a:endParaRPr>
-          </a:p>
-          <a:p>
-            <a:pPr algn="ctr">
-              <a:lnSpc>
-                <a:spcPct val="150000"/>
-              </a:lnSpc>
-            </a:pPr>
-            <a:r>
-              <a:rPr lang="ko-KR" altLang="en-US" sz="1600" smtClean="0">
-                <a:solidFill>
-                  <a:prstClr val="black">
-                    <a:lumMod val="75000"/>
-                    <a:lumOff val="25000"/>
-                  </a:prstClr>
-                </a:solidFill>
-              </a:rPr>
-              <a:t>유니티 및 프로젝트의 구성</a:t>
-            </a:r>
-            <a:endParaRPr lang="ko-KR" altLang="en-US" sz="1050" dirty="0">
-              <a:solidFill>
-                <a:prstClr val="black">
-                  <a:lumMod val="75000"/>
-                  <a:lumOff val="25000"/>
-                </a:prstClr>
-              </a:solidFill>
-            </a:endParaRPr>
-          </a:p>
-        </p:txBody>
-      </p:sp>
-      <p:sp>
-        <p:nvSpPr>
-          <p:cNvPr id="56" name="타원 55"/>
-          <p:cNvSpPr/>
-          <p:nvPr/>
-        </p:nvSpPr>
-        <p:spPr>
-          <a:xfrm>
-            <a:off x="8232842" y="2187633"/>
-            <a:ext cx="2311613" cy="2311613"/>
-          </a:xfrm>
-          <a:prstGeom prst="ellipse">
-            <a:avLst/>
-          </a:prstGeom>
-          <a:solidFill>
-            <a:schemeClr val="bg1"/>
-          </a:solidFill>
-          <a:ln>
-            <a:solidFill>
-              <a:schemeClr val="bg1">
-                <a:lumMod val="85000"/>
-              </a:schemeClr>
-            </a:solidFill>
-          </a:ln>
-          <a:effectLst>
-            <a:outerShdw blurRad="177800" dist="152400" dir="3600000" sx="98000" sy="98000" algn="tl" rotWithShape="0">
-              <a:prstClr val="black">
-                <a:alpha val="15000"/>
-              </a:prstClr>
-            </a:outerShdw>
-          </a:effectLst>
-        </p:spPr>
-        <p:style>
-          <a:lnRef idx="2">
-            <a:schemeClr val="accent1">
-              <a:shade val="50000"/>
-            </a:schemeClr>
-          </a:lnRef>
-          <a:fillRef idx="1">
-            <a:schemeClr val="accent1"/>
-          </a:fillRef>
-          <a:effectRef idx="0">
-            <a:schemeClr val="accent1"/>
-          </a:effectRef>
-          <a:fontRef idx="minor">
-            <a:schemeClr val="lt1"/>
-          </a:fontRef>
-        </p:style>
-        <p:txBody>
-          <a:bodyPr rtlCol="0" anchor="ctr"/>
-          <a:lstStyle/>
-          <a:p>
-            <a:pPr algn="ctr"/>
-            <a:endParaRPr lang="ko-KR" altLang="en-US">
-              <a:solidFill>
-                <a:prstClr val="white"/>
-              </a:solidFill>
-            </a:endParaRPr>
-          </a:p>
-        </p:txBody>
-      </p:sp>
-      <p:cxnSp>
-        <p:nvCxnSpPr>
-          <p:cNvPr id="57" name="직선 연결선 56"/>
-          <p:cNvCxnSpPr/>
-          <p:nvPr/>
-        </p:nvCxnSpPr>
-        <p:spPr>
-          <a:xfrm>
-            <a:off x="8470649" y="3568443"/>
-            <a:ext cx="1836000" cy="0"/>
-          </a:xfrm>
-          <a:prstGeom prst="line">
-            <a:avLst/>
-          </a:prstGeom>
-          <a:ln w="25400" cap="rnd">
-            <a:solidFill>
-              <a:schemeClr val="bg1">
-                <a:lumMod val="85000"/>
-              </a:schemeClr>
-            </a:solidFill>
-          </a:ln>
-        </p:spPr>
-        <p:style>
-          <a:lnRef idx="1">
-            <a:schemeClr val="accent1"/>
-          </a:lnRef>
-          <a:fillRef idx="0">
-            <a:schemeClr val="accent1"/>
-          </a:fillRef>
-          <a:effectRef idx="0">
-            <a:schemeClr val="accent1"/>
-          </a:effectRef>
-          <a:fontRef idx="minor">
-            <a:schemeClr val="tx1"/>
-          </a:fontRef>
-        </p:style>
-      </p:cxnSp>
-      <p:sp>
-        <p:nvSpPr>
-          <p:cNvPr id="61" name="TextBox 60"/>
-          <p:cNvSpPr txBox="1"/>
-          <p:nvPr/>
-        </p:nvSpPr>
-        <p:spPr>
-          <a:xfrm>
-            <a:off x="7961090" y="2919652"/>
-            <a:ext cx="2976510" cy="523220"/>
-          </a:xfrm>
-          <a:prstGeom prst="rect">
-            <a:avLst/>
-          </a:prstGeom>
-          <a:noFill/>
-        </p:spPr>
-        <p:txBody>
-          <a:bodyPr wrap="square" rtlCol="0">
-            <a:spAutoFit/>
-          </a:bodyPr>
-          <a:lstStyle/>
-          <a:p>
-            <a:pPr algn="ctr"/>
-            <a:r>
-              <a:rPr lang="en-US" altLang="ko-KR" sz="2800" b="1" smtClean="0">
-                <a:solidFill>
-                  <a:prstClr val="black">
-                    <a:lumMod val="75000"/>
-                    <a:lumOff val="25000"/>
-                  </a:prstClr>
-                </a:solidFill>
-              </a:rPr>
-              <a:t>3. </a:t>
-            </a:r>
-            <a:r>
-              <a:rPr lang="ko-KR" altLang="en-US" sz="2800" b="1" smtClean="0">
-                <a:solidFill>
-                  <a:prstClr val="black">
-                    <a:lumMod val="75000"/>
-                    <a:lumOff val="25000"/>
-                  </a:prstClr>
-                </a:solidFill>
-              </a:rPr>
-              <a:t>앞으로의 계획</a:t>
-            </a:r>
-            <a:endParaRPr lang="en-US" altLang="ko-KR" sz="700" dirty="0">
-              <a:solidFill>
-                <a:prstClr val="black">
-                  <a:lumMod val="75000"/>
-                  <a:lumOff val="25000"/>
-                </a:prstClr>
-              </a:solidFill>
-            </a:endParaRPr>
-          </a:p>
-        </p:txBody>
-      </p:sp>
-      <p:sp>
-        <p:nvSpPr>
-          <p:cNvPr id="62" name="직사각형 61">
-            <a:extLst>
-              <a:ext uri="{FF2B5EF4-FFF2-40B4-BE49-F238E27FC236}">
-                <a16:creationId xmlns:a16="http://schemas.microsoft.com/office/drawing/2014/main" id="{3FA00699-5178-465A-9F3F-130CF1431F70}"/>
-              </a:ext>
-            </a:extLst>
-          </p:cNvPr>
-          <p:cNvSpPr/>
-          <p:nvPr/>
-        </p:nvSpPr>
-        <p:spPr>
-          <a:xfrm>
-            <a:off x="7891272" y="3781138"/>
-            <a:ext cx="2994752" cy="1535036"/>
-          </a:xfrm>
-          <a:prstGeom prst="rect">
-            <a:avLst/>
-          </a:prstGeom>
-        </p:spPr>
-        <p:txBody>
-          <a:bodyPr wrap="square">
-            <a:spAutoFit/>
-          </a:bodyPr>
-          <a:lstStyle/>
-          <a:p>
-            <a:pPr algn="ctr">
-              <a:lnSpc>
-                <a:spcPct val="150000"/>
-              </a:lnSpc>
-            </a:pPr>
-            <a:r>
-              <a:rPr lang="ko-KR" altLang="en-US" b="1" smtClean="0">
-                <a:solidFill>
-                  <a:prstClr val="black">
-                    <a:lumMod val="75000"/>
-                    <a:lumOff val="25000"/>
-                  </a:prstClr>
-                </a:solidFill>
-              </a:rPr>
-              <a:t>추후 목표 및 계획</a:t>
-            </a:r>
-            <a:endParaRPr lang="en-US" altLang="ko-KR" b="1" dirty="0">
-              <a:solidFill>
-                <a:prstClr val="black">
-                  <a:lumMod val="75000"/>
-                  <a:lumOff val="25000"/>
-                </a:prstClr>
-              </a:solidFill>
-            </a:endParaRPr>
-          </a:p>
-          <a:p>
-            <a:pPr algn="ctr">
-              <a:lnSpc>
-                <a:spcPct val="150000"/>
-              </a:lnSpc>
-            </a:pPr>
-            <a:endParaRPr lang="en-US" altLang="ko-KR" b="1" dirty="0">
-              <a:solidFill>
-                <a:prstClr val="black">
-                  <a:lumMod val="75000"/>
-                  <a:lumOff val="25000"/>
-                </a:prstClr>
-              </a:solidFill>
-            </a:endParaRPr>
-          </a:p>
-          <a:p>
-            <a:pPr algn="ctr">
-              <a:lnSpc>
-                <a:spcPct val="150000"/>
-              </a:lnSpc>
-            </a:pPr>
-            <a:endParaRPr lang="en-US" altLang="ko-KR" sz="1050">
-              <a:solidFill>
-                <a:prstClr val="black">
-                  <a:lumMod val="75000"/>
-                  <a:lumOff val="25000"/>
-                </a:prstClr>
-              </a:solidFill>
-            </a:endParaRPr>
-          </a:p>
-          <a:p>
-            <a:pPr algn="ctr">
-              <a:lnSpc>
-                <a:spcPct val="150000"/>
-              </a:lnSpc>
-            </a:pPr>
-            <a:r>
-              <a:rPr lang="ko-KR" altLang="en-US" sz="1600" smtClean="0">
-                <a:solidFill>
-                  <a:prstClr val="black">
-                    <a:lumMod val="75000"/>
-                    <a:lumOff val="25000"/>
-                  </a:prstClr>
-                </a:solidFill>
-              </a:rPr>
-              <a:t>본 프로젝트 이후의 계획</a:t>
-            </a:r>
-            <a:endParaRPr lang="ko-KR" altLang="en-US" sz="1600" dirty="0">
-              <a:solidFill>
-                <a:prstClr val="black">
-                  <a:lumMod val="75000"/>
-                  <a:lumOff val="25000"/>
-                </a:prstClr>
-              </a:solidFill>
-            </a:endParaRPr>
-          </a:p>
-        </p:txBody>
-      </p:sp>
-      <p:sp>
-        <p:nvSpPr>
-          <p:cNvPr id="2" name="실행 단추: 홈 1">
-            <a:hlinkClick r:id="" action="ppaction://hlinkshowjump?jump=firstslide" highlightClick="1"/>
-          </p:cNvPr>
-          <p:cNvSpPr/>
-          <p:nvPr/>
-        </p:nvSpPr>
-        <p:spPr>
-          <a:xfrm>
-            <a:off x="11370285" y="372566"/>
-            <a:ext cx="629344" cy="502942"/>
-          </a:xfrm>
-          <a:prstGeom prst="actionButtonHome">
-            <a:avLst/>
-          </a:prstGeom>
-          <a:noFill/>
-          <a:ln>
-            <a:solidFill>
-              <a:schemeClr val="bg1"/>
-            </a:solidFill>
-          </a:ln>
-        </p:spPr>
-        <p:style>
-          <a:lnRef idx="2">
-            <a:schemeClr val="accent1">
-              <a:shade val="50000"/>
-            </a:schemeClr>
-          </a:lnRef>
-          <a:fillRef idx="1">
-            <a:schemeClr val="accent1"/>
-          </a:fillRef>
-          <a:effectRef idx="0">
-            <a:schemeClr val="accent1"/>
-          </a:effectRef>
-          <a:fontRef idx="minor">
-            <a:schemeClr val="lt1"/>
-          </a:fontRef>
-        </p:style>
-        <p:txBody>
-          <a:bodyPr rtlCol="0" anchor="ctr"/>
-          <a:lstStyle/>
-          <a:p>
-            <a:pPr algn="ctr"/>
-            <a:endParaRPr lang="ko-KR" altLang="en-US"/>
-          </a:p>
-        </p:txBody>
-      </p:sp>
+        </p:spPr>
+      </p:pic>
     </p:spTree>
     <p:extLst>
       <p:ext uri="{BB962C8B-B14F-4D97-AF65-F5344CB8AC3E}">
@@ -5873,13 +6885,6 @@
   <p:clrMapOvr>
     <a:masterClrMapping/>
   </p:clrMapOvr>
-  <p:timing>
-    <p:tnLst>
-      <p:par>
-        <p:cTn id="1" dur="indefinite" restart="never" nodeType="tmRoot"/>
-      </p:par>
-    </p:tnLst>
-  </p:timing>
 </p:sld>
 </file>
 
@@ -6019,7 +7024,7 @@
               <a:defRPr/>
             </a:pPr>
             <a:r>
-              <a:rPr lang="en-US" altLang="ko-KR" sz="2800" b="1" i="1" kern="0" smtClean="0">
+              <a:rPr lang="en-US" altLang="ko-KR" sz="2800" b="1" i="1" kern="0">
                 <a:solidFill>
                   <a:prstClr val="white"/>
                 </a:solidFill>
@@ -6027,7 +7032,7 @@
               <a:t>1. </a:t>
             </a:r>
             <a:r>
-              <a:rPr lang="ko-KR" altLang="en-US" sz="2800" b="1" i="1" kern="0" smtClean="0">
+              <a:rPr lang="ko-KR" altLang="en-US" sz="2800" b="1" i="1" kern="0">
                 <a:solidFill>
                   <a:prstClr val="white"/>
                 </a:solidFill>
@@ -6040,25 +7045,17 @@
                   <a:prstClr val="white"/>
                 </a:solidFill>
               </a:rPr>
-              <a:t>-</a:t>
-            </a:r>
-            <a:r>
-              <a:rPr lang="en-US" altLang="ko-KR" sz="2800" b="1" i="1" kern="0" smtClean="0">
+              <a:t>- </a:t>
+            </a:r>
+            <a:r>
+              <a:rPr lang="ko-KR" altLang="en-US" sz="2800" b="1" i="1" kern="0">
                 <a:solidFill>
                   <a:prstClr val="white"/>
                 </a:solidFill>
               </a:rPr>
-              <a:t> </a:t>
-            </a:r>
-            <a:r>
-              <a:rPr lang="ko-KR" altLang="en-US" sz="2800" b="1" i="1" kern="0" smtClean="0">
-                <a:solidFill>
-                  <a:prstClr val="white"/>
-                </a:solidFill>
-              </a:rPr>
               <a:t>본 프로젝트 선정 이유</a:t>
             </a:r>
-            <a:endParaRPr lang="en-US" altLang="ko-KR" sz="1400" i="1" kern="0" smtClean="0">
+            <a:endParaRPr lang="en-US" altLang="ko-KR" sz="1400" i="1" kern="0">
               <a:solidFill>
                 <a:prstClr val="white"/>
               </a:solidFill>
@@ -6117,94 +7114,13 @@
           <a:p>
             <a:pPr algn="ctr"/>
             <a:r>
-              <a:rPr lang="ko-KR" altLang="en-US" smtClean="0">
+              <a:rPr lang="ko-KR" altLang="en-US">
                 <a:solidFill>
                   <a:prstClr val="white"/>
                 </a:solidFill>
               </a:rPr>
               <a:t>ㅋ</a:t>
             </a:r>
-            <a:endParaRPr lang="ko-KR" altLang="en-US">
-              <a:solidFill>
-                <a:prstClr val="white"/>
-              </a:solidFill>
-            </a:endParaRPr>
-          </a:p>
-        </p:txBody>
-      </p:sp>
-      <p:sp>
-        <p:nvSpPr>
-          <p:cNvPr id="10" name="사각형: 둥근 모서리 5">
-            <a:extLst>
-              <a:ext uri="{FF2B5EF4-FFF2-40B4-BE49-F238E27FC236}">
-                <a16:creationId xmlns:a16="http://schemas.microsoft.com/office/drawing/2014/main" id="{29433077-90B3-4432-AB1E-87BD95D8FF5C}"/>
-              </a:ext>
-            </a:extLst>
-          </p:cNvPr>
-          <p:cNvSpPr/>
-          <p:nvPr/>
-        </p:nvSpPr>
-        <p:spPr>
-          <a:xfrm>
-            <a:off x="11281274" y="215219"/>
-            <a:ext cx="720000" cy="720000"/>
-          </a:xfrm>
-          <a:prstGeom prst="ellipse">
-            <a:avLst/>
-          </a:prstGeom>
-          <a:gradFill flip="none" rotWithShape="1">
-            <a:gsLst>
-              <a:gs pos="0">
-                <a:srgbClr val="01A7CE"/>
-              </a:gs>
-              <a:gs pos="100000">
-                <a:srgbClr val="00D0AC"/>
-              </a:gs>
-            </a:gsLst>
-            <a:path path="circle">
-              <a:fillToRect l="100000" t="100000"/>
-            </a:path>
-            <a:tileRect r="-100000" b="-100000"/>
-          </a:gradFill>
-          <a:ln>
-            <a:noFill/>
-          </a:ln>
-          <a:effectLst>
-            <a:outerShdw blurRad="50800" dist="38100" dir="2700000" algn="tl" rotWithShape="0">
-              <a:prstClr val="black">
-                <a:alpha val="40000"/>
-              </a:prstClr>
-            </a:outerShdw>
-          </a:effectLst>
-        </p:spPr>
-        <p:style>
-          <a:lnRef idx="2">
-            <a:schemeClr val="accent1">
-              <a:shade val="50000"/>
-            </a:schemeClr>
-          </a:lnRef>
-          <a:fillRef idx="1">
-            <a:schemeClr val="accent1"/>
-          </a:fillRef>
-          <a:effectRef idx="0">
-            <a:schemeClr val="accent1"/>
-          </a:effectRef>
-          <a:fontRef idx="minor">
-            <a:schemeClr val="lt1"/>
-          </a:fontRef>
-        </p:style>
-        <p:txBody>
-          <a:bodyPr lIns="216000" rtlCol="0" anchor="ctr"/>
-          <a:lstStyle/>
-          <a:p>
-            <a:pPr>
-              <a:defRPr/>
-            </a:pPr>
-            <a:endParaRPr lang="en-US" altLang="ko-KR" sz="400" kern="0" dirty="0">
-              <a:solidFill>
-                <a:prstClr val="white"/>
-              </a:solidFill>
-            </a:endParaRPr>
           </a:p>
         </p:txBody>
       </p:sp>
@@ -6249,7 +7165,7 @@
                 </a:lnSpc>
               </a:pPr>
               <a:r>
-                <a:rPr lang="ko-KR" altLang="en-US" sz="1400" b="1" smtClean="0">
+                <a:rPr lang="ko-KR" altLang="en-US" sz="1400" b="1">
                   <a:solidFill>
                     <a:prstClr val="black">
                       <a:lumMod val="75000"/>
@@ -6297,16 +7213,12 @@
                 </a:lnSpc>
               </a:pPr>
               <a:r>
-                <a:rPr lang="en-US" altLang="ko-KR" sz="1600" b="1" smtClean="0"/>
+                <a:rPr lang="en-US" altLang="ko-KR" sz="1600" b="1"/>
                 <a:t> 2021</a:t>
               </a:r>
               <a:r>
-                <a:rPr lang="ko-KR" altLang="en-US" sz="1600" b="1" smtClean="0"/>
-                <a:t>년 대한민국의 대표 방 계약 애플리케이션 직방의 설문조사에 따르면 </a:t>
-              </a:r>
-              <a:r>
                 <a:rPr lang="ko-KR" altLang="en-US" sz="1600" b="1"/>
-                <a:t>직접 방문 없이 </a:t>
+                <a:t>년 대한민국의 대표 방 계약 애플리케이션 직방의 설문조사에 따르면 직접 방문 없이 </a:t>
               </a:r>
               <a:r>
                 <a:rPr lang="en-US" altLang="ko-KR" sz="1600" b="1"/>
@@ -6314,11 +7226,7 @@
               </a:r>
               <a:r>
                 <a:rPr lang="ko-KR" altLang="en-US" sz="1600" b="1"/>
-                <a:t>부동산정보만 확인하고 계약할 의사가 있다는 </a:t>
-              </a:r>
-              <a:r>
-                <a:rPr lang="ko-KR" altLang="en-US" sz="1600" b="1" smtClean="0"/>
-                <a:t>응답이 </a:t>
+                <a:t>부동산정보만 확인하고 계약할 의사가 있다는 응답이 </a:t>
               </a:r>
               <a:r>
                 <a:rPr lang="en-US" altLang="ko-KR" sz="1600" b="1"/>
@@ -6329,7 +7237,7 @@
                 <a:t>를 넘겼다</a:t>
               </a:r>
               <a:r>
-                <a:rPr lang="en-US" altLang="ko-KR" sz="1600" b="1" smtClean="0"/>
+                <a:rPr lang="en-US" altLang="ko-KR" sz="1600" b="1"/>
                 <a:t>.</a:t>
               </a:r>
             </a:p>
@@ -6339,46 +7247,42 @@
                   <a:spcPct val="150000"/>
                 </a:lnSpc>
               </a:pPr>
-              <a:r>
-                <a:rPr lang="ko-KR" altLang="en-US" sz="1600"/>
-                <a:t/>
-              </a:r>
               <a:br>
                 <a:rPr lang="ko-KR" altLang="en-US" sz="1600"/>
               </a:br>
               <a:r>
-                <a:rPr lang="ko-KR" altLang="en-US" sz="1600" smtClean="0"/>
+                <a:rPr lang="ko-KR" altLang="en-US" sz="1600"/>
                 <a:t> </a:t>
               </a:r>
               <a:r>
-                <a:rPr lang="ko-KR" altLang="en-US" sz="1600" b="1" smtClean="0"/>
+                <a:rPr lang="ko-KR" altLang="en-US" sz="1600" b="1"/>
                 <a:t>또한</a:t>
               </a:r>
               <a:r>
-                <a:rPr lang="ko-KR" altLang="en-US" sz="1600" smtClean="0"/>
+                <a:rPr lang="ko-KR" altLang="en-US" sz="1600"/>
                 <a:t> </a:t>
               </a:r>
               <a:r>
-                <a:rPr lang="en-US" altLang="ko-KR" sz="1600" b="1" smtClean="0"/>
+                <a:rPr lang="en-US" altLang="ko-KR" sz="1600" b="1"/>
                 <a:t>3D, VR </a:t>
               </a:r>
               <a:r>
-                <a:rPr lang="ko-KR" altLang="en-US" sz="1600" b="1" smtClean="0"/>
+                <a:rPr lang="ko-KR" altLang="en-US" sz="1600" b="1"/>
                 <a:t>부동산 정보 서비스를 이용해 볼 의향을 물어보는 질문에는 </a:t>
               </a:r>
               <a:r>
-                <a:rPr lang="en-US" altLang="ko-KR" sz="1600" b="1" smtClean="0"/>
+                <a:rPr lang="en-US" altLang="ko-KR" sz="1600" b="1"/>
                 <a:t>90%</a:t>
               </a:r>
               <a:r>
-                <a:rPr lang="ko-KR" altLang="en-US" sz="1600" b="1" smtClean="0"/>
+                <a:rPr lang="ko-KR" altLang="en-US" sz="1600" b="1"/>
                 <a:t>에 육박하는 비율로 이용해 볼 것이라고 응답을 기록했다</a:t>
               </a:r>
               <a:r>
-                <a:rPr lang="en-US" altLang="ko-KR" sz="1600" b="1" smtClean="0"/>
+                <a:rPr lang="en-US" altLang="ko-KR" sz="1600" b="1"/>
                 <a:t>.</a:t>
               </a:r>
-              <a:endParaRPr lang="ko-KR" altLang="en-US" sz="1600" b="1" smtClean="0"/>
+              <a:endParaRPr lang="ko-KR" altLang="en-US" sz="1600" b="1"/>
             </a:p>
             <a:p>
               <a:pPr>
@@ -6466,11 +7370,11 @@
               </a:lnSpc>
             </a:pPr>
             <a:r>
-              <a:rPr lang="en-US" altLang="ko-KR" sz="900" smtClean="0"/>
+              <a:rPr lang="en-US" altLang="ko-KR" sz="900"/>
               <a:t>* </a:t>
             </a:r>
             <a:r>
-              <a:rPr lang="ko-KR" altLang="en-US" sz="900" smtClean="0"/>
+              <a:rPr lang="ko-KR" altLang="en-US" sz="900"/>
               <a:t>모바일 </a:t>
             </a:r>
             <a:r>
@@ -6498,16 +7402,12 @@
               <a:t>직방</a:t>
             </a:r>
             <a:r>
-              <a:rPr lang="en-US" altLang="ko-KR" sz="900" smtClean="0"/>
+              <a:rPr lang="en-US" altLang="ko-KR" sz="900"/>
               <a:t>)</a:t>
             </a:r>
             <a:r>
               <a:rPr lang="ko-KR" altLang="en-US" sz="900"/>
-              <a:t> </a:t>
-            </a:r>
-            <a:r>
-              <a:rPr lang="ko-KR" altLang="en-US" sz="900" smtClean="0"/>
-              <a:t>출처 </a:t>
+              <a:t> 출처 </a:t>
             </a:r>
             <a:r>
               <a:rPr lang="en-US" altLang="ko-KR" sz="900"/>
@@ -6538,26 +7438,48 @@
       </p:sp>
       <p:sp>
         <p:nvSpPr>
-          <p:cNvPr id="14" name="실행 단추: 홈 13">
-            <a:hlinkClick r:id="" action="ppaction://hlinkshowjump?jump=firstslide" highlightClick="1"/>
+          <p:cNvPr id="13" name="사각형: 둥근 모서리 5">
+            <a:extLst>
+              <a:ext uri="{FF2B5EF4-FFF2-40B4-BE49-F238E27FC236}">
+                <a16:creationId xmlns:a16="http://schemas.microsoft.com/office/drawing/2014/main" id="{9C2BA00D-A9D4-9B94-5A66-B911CF5AC110}"/>
+              </a:ext>
+            </a:extLst>
           </p:cNvPr>
           <p:cNvSpPr/>
           <p:nvPr/>
         </p:nvSpPr>
         <p:spPr>
           <a:xfrm>
-            <a:off x="11328228" y="310784"/>
-            <a:ext cx="629344" cy="502942"/>
-          </a:xfrm>
-          <a:prstGeom prst="actionButtonHome">
+            <a:off x="11281274" y="215219"/>
+            <a:ext cx="720000" cy="720000"/>
+          </a:xfrm>
+          <a:prstGeom prst="ellipse">
             <a:avLst/>
           </a:prstGeom>
-          <a:noFill/>
+          <a:gradFill flip="none" rotWithShape="1">
+            <a:gsLst>
+              <a:gs pos="0">
+                <a:srgbClr val="01A7CE"/>
+              </a:gs>
+              <a:gs pos="100000">
+                <a:srgbClr val="00D0AC"/>
+              </a:gs>
+            </a:gsLst>
+            <a:path path="circle">
+              <a:fillToRect l="100000" t="100000"/>
+            </a:path>
+            <a:tileRect r="-100000" b="-100000"/>
+          </a:gradFill>
           <a:ln>
-            <a:solidFill>
-              <a:schemeClr val="bg1"/>
-            </a:solidFill>
+            <a:noFill/>
           </a:ln>
+          <a:effectLst>
+            <a:outerShdw blurRad="50800" dist="38100" dir="2700000" algn="tl" rotWithShape="0">
+              <a:prstClr val="black">
+                <a:alpha val="40000"/>
+              </a:prstClr>
+            </a:outerShdw>
+          </a:effectLst>
         </p:spPr>
         <p:style>
           <a:lnRef idx="2">
@@ -6576,14 +7498,56 @@
           </a:fontRef>
         </p:style>
         <p:txBody>
-          <a:bodyPr rtlCol="0" anchor="ctr"/>
+          <a:bodyPr lIns="216000" rtlCol="0" anchor="ctr"/>
           <a:lstStyle/>
           <a:p>
-            <a:pPr algn="ctr"/>
-            <a:endParaRPr lang="ko-KR" altLang="en-US"/>
-          </a:p>
-        </p:txBody>
-      </p:sp>
+            <a:pPr>
+              <a:defRPr/>
+            </a:pPr>
+            <a:endParaRPr lang="en-US" altLang="ko-KR" sz="400" kern="0" dirty="0">
+              <a:solidFill>
+                <a:prstClr val="white"/>
+              </a:solidFill>
+            </a:endParaRPr>
+          </a:p>
+        </p:txBody>
+      </p:sp>
+      <p:pic>
+        <p:nvPicPr>
+          <p:cNvPr id="14" name="그림 13">
+            <a:extLst>
+              <a:ext uri="{FF2B5EF4-FFF2-40B4-BE49-F238E27FC236}">
+                <a16:creationId xmlns:a16="http://schemas.microsoft.com/office/drawing/2014/main" id="{40827DD7-F451-FE06-C238-46E443D48EA5}"/>
+              </a:ext>
+            </a:extLst>
+          </p:cNvPr>
+          <p:cNvPicPr>
+            <a:picLocks noChangeAspect="1"/>
+          </p:cNvPicPr>
+          <p:nvPr/>
+        </p:nvPicPr>
+        <p:blipFill>
+          <a:blip r:embed="rId4" cstate="print">
+            <a:extLst>
+              <a:ext uri="{28A0092B-C50C-407E-A947-70E740481C1C}">
+                <a14:useLocalDpi xmlns:a14="http://schemas.microsoft.com/office/drawing/2010/main" val="0"/>
+              </a:ext>
+            </a:extLst>
+          </a:blip>
+          <a:stretch>
+            <a:fillRect/>
+          </a:stretch>
+        </p:blipFill>
+        <p:spPr>
+          <a:xfrm>
+            <a:off x="11313108" y="311326"/>
+            <a:ext cx="652350" cy="527786"/>
+          </a:xfrm>
+          <a:prstGeom prst="rect">
+            <a:avLst/>
+          </a:prstGeom>
+        </p:spPr>
+      </p:pic>
     </p:spTree>
     <p:extLst>
       <p:ext uri="{BB962C8B-B14F-4D97-AF65-F5344CB8AC3E}">
@@ -6594,13 +7558,6 @@
   <p:clrMapOvr>
     <a:masterClrMapping/>
   </p:clrMapOvr>
-  <p:timing>
-    <p:tnLst>
-      <p:par>
-        <p:cTn id="1" dur="indefinite" restart="never" nodeType="tmRoot"/>
-      </p:par>
-    </p:tnLst>
-  </p:timing>
 </p:sld>
 </file>
 
@@ -6740,7 +7697,7 @@
               <a:defRPr/>
             </a:pPr>
             <a:r>
-              <a:rPr lang="en-US" altLang="ko-KR" sz="2800" b="1" i="1" kern="0" smtClean="0">
+              <a:rPr lang="en-US" altLang="ko-KR" sz="2800" b="1" i="1" kern="0">
                 <a:solidFill>
                   <a:prstClr val="white"/>
                 </a:solidFill>
@@ -6748,7 +7705,7 @@
               <a:t>1. </a:t>
             </a:r>
             <a:r>
-              <a:rPr lang="ko-KR" altLang="en-US" sz="2800" b="1" i="1" kern="0" smtClean="0">
+              <a:rPr lang="ko-KR" altLang="en-US" sz="2800" b="1" i="1" kern="0">
                 <a:solidFill>
                   <a:prstClr val="white"/>
                 </a:solidFill>
@@ -6756,7 +7713,7 @@
               <a:t>개요 </a:t>
             </a:r>
             <a:r>
-              <a:rPr lang="en-US" altLang="ko-KR" sz="2800" b="1" i="1" kern="0" smtClean="0">
+              <a:rPr lang="en-US" altLang="ko-KR" sz="2800" b="1" i="1" kern="0">
                 <a:solidFill>
                   <a:prstClr val="white"/>
                 </a:solidFill>
@@ -6764,7 +7721,7 @@
               <a:t>- </a:t>
             </a:r>
             <a:r>
-              <a:rPr lang="ko-KR" altLang="en-US" sz="2800" b="1" i="1" kern="0" smtClean="0">
+              <a:rPr lang="ko-KR" altLang="en-US" sz="2800" b="1" i="1" kern="0">
                 <a:solidFill>
                   <a:prstClr val="white"/>
                 </a:solidFill>
@@ -6936,12 +7893,8 @@
           <a:p>
             <a:pPr fontAlgn="base"/>
             <a:r>
-              <a:rPr lang="ko-KR" altLang="en-US" b="1" smtClean="0"/>
-              <a:t> 요컨대 온라인 </a:t>
-            </a:r>
-            <a:r>
               <a:rPr lang="ko-KR" altLang="en-US" b="1"/>
-              <a:t>서비스가 늘어나는 추세에서 소비자가 </a:t>
+              <a:t> 요컨대 온라인 서비스가 늘어나는 추세에서 소비자가 </a:t>
             </a:r>
             <a:r>
               <a:rPr lang="en-US" altLang="ko-KR" b="1"/>
@@ -6963,7 +7916,6 @@
               <a:rPr lang="en-US" altLang="ko-KR" b="1"/>
               <a:t>. </a:t>
             </a:r>
-            <a:endParaRPr lang="en-US" altLang="ko-KR" b="1" smtClean="0"/>
           </a:p>
           <a:p>
             <a:pPr fontAlgn="base"/>
@@ -6972,35 +7924,11 @@
           <a:p>
             <a:pPr fontAlgn="base"/>
             <a:r>
-              <a:rPr lang="ko-KR" altLang="en-US" b="1" smtClean="0"/>
-              <a:t> 이를 통해 </a:t>
-            </a:r>
-            <a:r>
               <a:rPr lang="ko-KR" altLang="en-US" b="1"/>
-              <a:t>직접 자취방을 구하러 갔을 때 </a:t>
-            </a:r>
-            <a:r>
-              <a:rPr lang="ko-KR" altLang="en-US" b="1" smtClean="0"/>
-              <a:t>확인해야 하는 방의 핵심 부분과 계약 사항 등 사전에 </a:t>
-            </a:r>
-            <a:r>
-              <a:rPr lang="ko-KR" altLang="en-US" b="1"/>
-              <a:t>교육하여 </a:t>
-            </a:r>
-            <a:r>
-              <a:rPr lang="ko-KR" altLang="en-US" b="1" smtClean="0"/>
-              <a:t>자취 </a:t>
-            </a:r>
-            <a:r>
-              <a:rPr lang="ko-KR" altLang="en-US" b="1"/>
-              <a:t>시 생길 수 있는 피해들을 최소화하고 방지하고자 </a:t>
-            </a:r>
-            <a:r>
-              <a:rPr lang="ko-KR" altLang="en-US" b="1" smtClean="0"/>
-              <a:t>하는 효과를 기대할 수 있다</a:t>
-            </a:r>
-            <a:r>
-              <a:rPr lang="en-US" altLang="ko-KR" b="1" smtClean="0"/>
+              <a:t> 이를 통해 직접 자취방을 구하러 갔을 때 확인해야 하는 방의 핵심 부분과 계약 사항 등 사전에 교육하여 자취 시 생길 수 있는 피해들을 최소화하고 방지하고자 하는 효과를 기대할 수 있다</a:t>
+            </a:r>
+            <a:r>
+              <a:rPr lang="en-US" altLang="ko-KR" b="1"/>
               <a:t>.</a:t>
             </a:r>
             <a:endParaRPr lang="ko-KR" altLang="en-US" b="1"/>
@@ -7075,31 +8003,31 @@
               </a:lnSpc>
             </a:pPr>
             <a:r>
-              <a:rPr lang="en-US" altLang="ko-KR" sz="900" smtClean="0"/>
+              <a:rPr lang="en-US" altLang="ko-KR" sz="900"/>
               <a:t>* </a:t>
             </a:r>
             <a:r>
-              <a:rPr lang="ko-KR" altLang="en-US" sz="900" smtClean="0"/>
+              <a:rPr lang="ko-KR" altLang="en-US" sz="900"/>
               <a:t>자취방 인테리어 가상으로 꾸미기 </a:t>
             </a:r>
             <a:r>
-              <a:rPr lang="en-US" altLang="ko-KR" sz="900" smtClean="0"/>
+              <a:rPr lang="en-US" altLang="ko-KR" sz="900"/>
               <a:t>/ </a:t>
             </a:r>
             <a:r>
-              <a:rPr lang="ko-KR" altLang="en-US" sz="900" smtClean="0"/>
+              <a:rPr lang="ko-KR" altLang="en-US" sz="900"/>
               <a:t>무료 사이트 출처 </a:t>
             </a:r>
             <a:r>
-              <a:rPr lang="en-US" altLang="ko-KR" sz="900" smtClean="0"/>
+              <a:rPr lang="en-US" altLang="ko-KR" sz="900"/>
               <a:t>: </a:t>
             </a:r>
             <a:r>
-              <a:rPr lang="ko-KR" altLang="en-US" sz="900" smtClean="0"/>
+              <a:rPr lang="ko-KR" altLang="en-US" sz="900"/>
               <a:t>네이버 블로그 이삭디자인 </a:t>
             </a:r>
             <a:r>
-              <a:rPr lang="en-US" altLang="ko-KR" sz="900" smtClean="0"/>
+              <a:rPr lang="en-US" altLang="ko-KR" sz="900"/>
               <a:t>(https://m.blog.naver.com/ghktghkt1/22185742394)</a:t>
             </a:r>
             <a:endParaRPr lang="ko-KR" altLang="en-US" sz="900" dirty="0">
@@ -7113,54 +8041,42 @@
           </a:p>
         </p:txBody>
       </p:sp>
-      <p:sp>
-        <p:nvSpPr>
-          <p:cNvPr id="12" name="실행 단추: 홈 11">
-            <a:hlinkClick r:id="" action="ppaction://hlinkshowjump?jump=firstslide" highlightClick="1"/>
-          </p:cNvPr>
-          <p:cNvSpPr/>
+      <p:pic>
+        <p:nvPicPr>
+          <p:cNvPr id="11" name="그림 10">
+            <a:extLst>
+              <a:ext uri="{FF2B5EF4-FFF2-40B4-BE49-F238E27FC236}">
+                <a16:creationId xmlns:a16="http://schemas.microsoft.com/office/drawing/2014/main" id="{ED3555D5-84C2-4770-D102-49BD7ED421DA}"/>
+              </a:ext>
+            </a:extLst>
+          </p:cNvPr>
+          <p:cNvPicPr>
+            <a:picLocks noChangeAspect="1"/>
+          </p:cNvPicPr>
           <p:nvPr/>
-        </p:nvSpPr>
-        <p:spPr>
-          <a:xfrm>
-            <a:off x="11326602" y="323748"/>
-            <a:ext cx="629344" cy="502942"/>
-          </a:xfrm>
-          <a:prstGeom prst="actionButtonHome">
+        </p:nvPicPr>
+        <p:blipFill>
+          <a:blip r:embed="rId3" cstate="print">
+            <a:extLst>
+              <a:ext uri="{28A0092B-C50C-407E-A947-70E740481C1C}">
+                <a14:useLocalDpi xmlns:a14="http://schemas.microsoft.com/office/drawing/2010/main" val="0"/>
+              </a:ext>
+            </a:extLst>
+          </a:blip>
+          <a:stretch>
+            <a:fillRect/>
+          </a:stretch>
+        </p:blipFill>
+        <p:spPr>
+          <a:xfrm>
+            <a:off x="11313108" y="311326"/>
+            <a:ext cx="652350" cy="527786"/>
+          </a:xfrm>
+          <a:prstGeom prst="rect">
             <a:avLst/>
           </a:prstGeom>
-          <a:noFill/>
-          <a:ln>
-            <a:solidFill>
-              <a:schemeClr val="bg1"/>
-            </a:solidFill>
-          </a:ln>
-        </p:spPr>
-        <p:style>
-          <a:lnRef idx="2">
-            <a:schemeClr val="accent1">
-              <a:shade val="50000"/>
-            </a:schemeClr>
-          </a:lnRef>
-          <a:fillRef idx="1">
-            <a:schemeClr val="accent1"/>
-          </a:fillRef>
-          <a:effectRef idx="0">
-            <a:schemeClr val="accent1"/>
-          </a:effectRef>
-          <a:fontRef idx="minor">
-            <a:schemeClr val="lt1"/>
-          </a:fontRef>
-        </p:style>
-        <p:txBody>
-          <a:bodyPr rtlCol="0" anchor="ctr"/>
-          <a:lstStyle/>
-          <a:p>
-            <a:pPr algn="ctr"/>
-            <a:endParaRPr lang="ko-KR" altLang="en-US"/>
-          </a:p>
-        </p:txBody>
-      </p:sp>
+        </p:spPr>
+      </p:pic>
     </p:spTree>
     <p:extLst>
       <p:ext uri="{BB962C8B-B14F-4D97-AF65-F5344CB8AC3E}">
@@ -7171,13 +8087,6 @@
   <p:clrMapOvr>
     <a:masterClrMapping/>
   </p:clrMapOvr>
-  <p:timing>
-    <p:tnLst>
-      <p:par>
-        <p:cTn id="1" dur="indefinite" restart="never" nodeType="tmRoot"/>
-      </p:par>
-    </p:tnLst>
-  </p:timing>
 </p:sld>
 </file>
 
@@ -7317,7 +8226,7 @@
               <a:defRPr/>
             </a:pPr>
             <a:r>
-              <a:rPr lang="en-US" altLang="ko-KR" sz="2800" b="1" i="1" kern="0" smtClean="0">
+              <a:rPr lang="en-US" altLang="ko-KR" sz="2800" b="1" i="1" kern="0" dirty="0">
                 <a:solidFill>
                   <a:prstClr val="white"/>
                 </a:solidFill>
@@ -7325,7 +8234,7 @@
               <a:t>2. </a:t>
             </a:r>
             <a:r>
-              <a:rPr lang="ko-KR" altLang="en-US" sz="2800" b="1" i="1" kern="0" smtClean="0">
+              <a:rPr lang="ko-KR" altLang="en-US" sz="2800" b="1" i="1" kern="0" dirty="0">
                 <a:solidFill>
                   <a:prstClr val="white"/>
                 </a:solidFill>
@@ -7333,28 +8242,20 @@
               <a:t>프로젝트 내용 </a:t>
             </a:r>
             <a:r>
-              <a:rPr lang="en-US" altLang="ko-KR" sz="2800" b="1" i="1" kern="0">
+              <a:rPr lang="en-US" altLang="ko-KR" sz="2800" b="1" i="1" kern="0" dirty="0">
                 <a:solidFill>
                   <a:prstClr val="white"/>
                 </a:solidFill>
               </a:rPr>
-              <a:t>-</a:t>
-            </a:r>
-            <a:r>
-              <a:rPr lang="en-US" altLang="ko-KR" sz="2800" b="1" i="1" kern="0" smtClean="0">
+              <a:t>- </a:t>
+            </a:r>
+            <a:r>
+              <a:rPr lang="ko-KR" altLang="en-US" sz="2800" b="1" i="1" kern="0" dirty="0">
                 <a:solidFill>
                   <a:prstClr val="white"/>
                 </a:solidFill>
               </a:rPr>
-              <a:t> </a:t>
-            </a:r>
-            <a:r>
-              <a:rPr lang="ko-KR" altLang="en-US" sz="2800" b="1" i="1" kern="0" smtClean="0">
-                <a:solidFill>
-                  <a:prstClr val="white"/>
-                </a:solidFill>
-              </a:rPr>
-              <a:t>실제 방 사진</a:t>
+              <a:t>설계도</a:t>
             </a:r>
             <a:endParaRPr lang="en-US" altLang="ko-KR" sz="1400" i="1" kern="0" dirty="0">
               <a:solidFill>
@@ -7414,7 +8315,7 @@
           <a:lstStyle/>
           <a:p>
             <a:pPr algn="ctr"/>
-            <a:endParaRPr lang="ko-KR" altLang="en-US">
+            <a:endParaRPr lang="ko-KR" altLang="en-US" dirty="0">
               <a:solidFill>
                 <a:prstClr val="white"/>
               </a:solidFill>
@@ -7498,155 +8399,15 @@
           </a:p>
         </p:txBody>
       </p:sp>
-      <p:sp>
-        <p:nvSpPr>
-          <p:cNvPr id="40" name="직사각형 39">
-            <a:extLst>
-              <a:ext uri="{FF2B5EF4-FFF2-40B4-BE49-F238E27FC236}">
-                <a16:creationId xmlns:a16="http://schemas.microsoft.com/office/drawing/2014/main" id="{3FA00699-5178-465A-9F3F-130CF1431F70}"/>
-              </a:ext>
-            </a:extLst>
-          </p:cNvPr>
-          <p:cNvSpPr/>
-          <p:nvPr/>
-        </p:nvSpPr>
-        <p:spPr>
-          <a:xfrm>
-            <a:off x="490297" y="5061520"/>
-            <a:ext cx="3950459" cy="373885"/>
-          </a:xfrm>
-          <a:prstGeom prst="rect">
-            <a:avLst/>
-          </a:prstGeom>
-        </p:spPr>
-        <p:txBody>
-          <a:bodyPr wrap="square">
-            <a:spAutoFit/>
-          </a:bodyPr>
-          <a:lstStyle/>
-          <a:p>
-            <a:pPr>
-              <a:lnSpc>
-                <a:spcPct val="150000"/>
-              </a:lnSpc>
-            </a:pPr>
-            <a:r>
-              <a:rPr lang="en-US" altLang="ko-KR" sz="1400" smtClean="0">
-                <a:solidFill>
-                  <a:srgbClr val="44546A">
-                    <a:lumMod val="75000"/>
-                  </a:srgbClr>
-                </a:solidFill>
-              </a:rPr>
-              <a:t>* 360</a:t>
-            </a:r>
-            <a:r>
-              <a:rPr lang="ko-KR" altLang="en-US" sz="1400" smtClean="0">
-                <a:solidFill>
-                  <a:srgbClr val="44546A">
-                    <a:lumMod val="75000"/>
-                  </a:srgbClr>
-                </a:solidFill>
-              </a:rPr>
-              <a:t>도 카메라를 통해 촬영한 실제 방의 모습</a:t>
-            </a:r>
-            <a:endParaRPr lang="ko-KR" altLang="en-US" sz="1000" dirty="0">
-              <a:solidFill>
-                <a:prstClr val="black">
-                  <a:lumMod val="65000"/>
-                  <a:lumOff val="35000"/>
-                </a:prstClr>
-              </a:solidFill>
-            </a:endParaRPr>
-          </a:p>
-        </p:txBody>
-      </p:sp>
-      <p:sp>
-        <p:nvSpPr>
-          <p:cNvPr id="47" name="직사각형 46">
-            <a:extLst>
-              <a:ext uri="{FF2B5EF4-FFF2-40B4-BE49-F238E27FC236}">
-                <a16:creationId xmlns:a16="http://schemas.microsoft.com/office/drawing/2014/main" id="{3FA00699-5178-465A-9F3F-130CF1431F70}"/>
-              </a:ext>
-            </a:extLst>
-          </p:cNvPr>
-          <p:cNvSpPr/>
-          <p:nvPr/>
-        </p:nvSpPr>
-        <p:spPr>
-          <a:xfrm>
-            <a:off x="6273997" y="5068611"/>
-            <a:ext cx="4469818" cy="373885"/>
-          </a:xfrm>
-          <a:prstGeom prst="rect">
-            <a:avLst/>
-          </a:prstGeom>
-        </p:spPr>
-        <p:txBody>
-          <a:bodyPr wrap="square">
-            <a:spAutoFit/>
-          </a:bodyPr>
-          <a:lstStyle/>
-          <a:p>
-            <a:pPr>
-              <a:lnSpc>
-                <a:spcPct val="150000"/>
-              </a:lnSpc>
-            </a:pPr>
-            <a:r>
-              <a:rPr lang="en-US" altLang="ko-KR" sz="1400">
-                <a:solidFill>
-                  <a:srgbClr val="44546A">
-                    <a:lumMod val="75000"/>
-                  </a:srgbClr>
-                </a:solidFill>
-              </a:rPr>
-              <a:t>* 360</a:t>
-            </a:r>
-            <a:r>
-              <a:rPr lang="ko-KR" altLang="en-US" sz="1400">
-                <a:solidFill>
-                  <a:srgbClr val="44546A">
-                    <a:lumMod val="75000"/>
-                  </a:srgbClr>
-                </a:solidFill>
-              </a:rPr>
-              <a:t>도 카메라를 통해 촬영한 실제 </a:t>
-            </a:r>
-            <a:r>
-              <a:rPr lang="ko-KR" altLang="en-US" sz="1400" smtClean="0">
-                <a:solidFill>
-                  <a:srgbClr val="44546A">
-                    <a:lumMod val="75000"/>
-                  </a:srgbClr>
-                </a:solidFill>
-              </a:rPr>
-              <a:t>화장실의 </a:t>
-            </a:r>
-            <a:r>
-              <a:rPr lang="ko-KR" altLang="en-US" sz="1400">
-                <a:solidFill>
-                  <a:srgbClr val="44546A">
-                    <a:lumMod val="75000"/>
-                  </a:srgbClr>
-                </a:solidFill>
-              </a:rPr>
-              <a:t>모습</a:t>
-            </a:r>
-            <a:endParaRPr lang="ko-KR" altLang="en-US" sz="1000" dirty="0">
-              <a:solidFill>
-                <a:prstClr val="black">
-                  <a:lumMod val="65000"/>
-                  <a:lumOff val="35000"/>
-                </a:prstClr>
-              </a:solidFill>
-            </a:endParaRPr>
-          </a:p>
-        </p:txBody>
-      </p:sp>
       <p:pic>
         <p:nvPicPr>
-          <p:cNvPr id="2" name="그림 1"/>
+          <p:cNvPr id="27" name="그림 26">
+            <a:extLst>
+              <a:ext uri="{FF2B5EF4-FFF2-40B4-BE49-F238E27FC236}">
+                <a16:creationId xmlns:a16="http://schemas.microsoft.com/office/drawing/2014/main" id="{95E17E9B-264A-DD69-65D2-E02B82C968F2}"/>
+              </a:ext>
+            </a:extLst>
+          </p:cNvPr>
           <p:cNvPicPr>
             <a:picLocks noChangeAspect="1"/>
           </p:cNvPicPr>
@@ -7666,8 +8427,8 @@
         </p:blipFill>
         <p:spPr>
           <a:xfrm>
-            <a:off x="6374079" y="1519622"/>
-            <a:ext cx="5267195" cy="3464504"/>
+            <a:off x="3727625" y="1068341"/>
+            <a:ext cx="4757665" cy="5789659"/>
           </a:xfrm>
           <a:prstGeom prst="rect">
             <a:avLst/>
@@ -7676,7 +8437,13 @@
       </p:pic>
       <p:pic>
         <p:nvPicPr>
-          <p:cNvPr id="3" name="그림 2"/>
+          <p:cNvPr id="25" name="그림 24">
+            <a:extLst>
+              <a:ext uri="{FF2B5EF4-FFF2-40B4-BE49-F238E27FC236}">
+                <a16:creationId xmlns:a16="http://schemas.microsoft.com/office/drawing/2014/main" id="{1065AA65-8A17-060A-2E58-8746F896DEFC}"/>
+              </a:ext>
+            </a:extLst>
+          </p:cNvPr>
           <p:cNvPicPr>
             <a:picLocks noChangeAspect="1"/>
           </p:cNvPicPr>
@@ -7696,66 +8463,162 @@
         </p:blipFill>
         <p:spPr>
           <a:xfrm>
-            <a:off x="565711" y="1519622"/>
-            <a:ext cx="5267195" cy="3464504"/>
+            <a:off x="3456600" y="1068341"/>
+            <a:ext cx="5299714" cy="5793921"/>
           </a:xfrm>
           <a:prstGeom prst="rect">
             <a:avLst/>
           </a:prstGeom>
         </p:spPr>
       </p:pic>
-      <p:sp>
-        <p:nvSpPr>
-          <p:cNvPr id="12" name="실행 단추: 홈 11">
-            <a:hlinkClick r:id="" action="ppaction://hlinkshowjump?jump=firstslide" highlightClick="1"/>
-          </p:cNvPr>
-          <p:cNvSpPr/>
+      <p:pic>
+        <p:nvPicPr>
+          <p:cNvPr id="23" name="그림 22">
+            <a:extLst>
+              <a:ext uri="{FF2B5EF4-FFF2-40B4-BE49-F238E27FC236}">
+                <a16:creationId xmlns:a16="http://schemas.microsoft.com/office/drawing/2014/main" id="{84148092-55A3-6C76-81D4-7F7C9D0901AC}"/>
+              </a:ext>
+            </a:extLst>
+          </p:cNvPr>
+          <p:cNvPicPr>
+            <a:picLocks noChangeAspect="1"/>
+          </p:cNvPicPr>
           <p:nvPr/>
-        </p:nvSpPr>
-        <p:spPr>
-          <a:xfrm>
-            <a:off x="11326602" y="323748"/>
-            <a:ext cx="629344" cy="502942"/>
-          </a:xfrm>
-          <a:prstGeom prst="actionButtonHome">
+        </p:nvPicPr>
+        <p:blipFill>
+          <a:blip r:embed="rId4">
+            <a:extLst>
+              <a:ext uri="{28A0092B-C50C-407E-A947-70E740481C1C}">
+                <a14:useLocalDpi xmlns:a14="http://schemas.microsoft.com/office/drawing/2010/main" val="0"/>
+              </a:ext>
+            </a:extLst>
+          </a:blip>
+          <a:stretch>
+            <a:fillRect/>
+          </a:stretch>
+        </p:blipFill>
+        <p:spPr>
+          <a:xfrm>
+            <a:off x="4328326" y="1068341"/>
+            <a:ext cx="3535347" cy="5798182"/>
+          </a:xfrm>
+          <a:prstGeom prst="rect">
             <a:avLst/>
           </a:prstGeom>
-          <a:noFill/>
-          <a:ln>
-            <a:solidFill>
-              <a:schemeClr val="bg1"/>
-            </a:solidFill>
-          </a:ln>
-        </p:spPr>
-        <p:style>
-          <a:lnRef idx="2">
-            <a:schemeClr val="accent1">
-              <a:shade val="50000"/>
-            </a:schemeClr>
-          </a:lnRef>
-          <a:fillRef idx="1">
-            <a:schemeClr val="accent1"/>
-          </a:fillRef>
-          <a:effectRef idx="0">
-            <a:schemeClr val="accent1"/>
-          </a:effectRef>
-          <a:fontRef idx="minor">
-            <a:schemeClr val="lt1"/>
-          </a:fontRef>
-        </p:style>
-        <p:txBody>
-          <a:bodyPr rtlCol="0" anchor="ctr"/>
-          <a:lstStyle/>
-          <a:p>
-            <a:pPr algn="ctr"/>
-            <a:endParaRPr lang="ko-KR" altLang="en-US"/>
-          </a:p>
-        </p:txBody>
-      </p:sp>
+        </p:spPr>
+      </p:pic>
+      <p:pic>
+        <p:nvPicPr>
+          <p:cNvPr id="21" name="그림 20">
+            <a:extLst>
+              <a:ext uri="{FF2B5EF4-FFF2-40B4-BE49-F238E27FC236}">
+                <a16:creationId xmlns:a16="http://schemas.microsoft.com/office/drawing/2014/main" id="{9226DF5F-B1DD-AE06-83AD-D228FB2F5E4F}"/>
+              </a:ext>
+            </a:extLst>
+          </p:cNvPr>
+          <p:cNvPicPr>
+            <a:picLocks noChangeAspect="1"/>
+          </p:cNvPicPr>
+          <p:nvPr/>
+        </p:nvPicPr>
+        <p:blipFill>
+          <a:blip r:embed="rId5">
+            <a:extLst>
+              <a:ext uri="{28A0092B-C50C-407E-A947-70E740481C1C}">
+                <a14:useLocalDpi xmlns:a14="http://schemas.microsoft.com/office/drawing/2010/main" val="0"/>
+              </a:ext>
+            </a:extLst>
+          </a:blip>
+          <a:stretch>
+            <a:fillRect/>
+          </a:stretch>
+        </p:blipFill>
+        <p:spPr>
+          <a:xfrm>
+            <a:off x="4199515" y="1064079"/>
+            <a:ext cx="3792968" cy="5789658"/>
+          </a:xfrm>
+          <a:prstGeom prst="rect">
+            <a:avLst/>
+          </a:prstGeom>
+        </p:spPr>
+      </p:pic>
+      <p:pic>
+        <p:nvPicPr>
+          <p:cNvPr id="19" name="그림 18">
+            <a:extLst>
+              <a:ext uri="{FF2B5EF4-FFF2-40B4-BE49-F238E27FC236}">
+                <a16:creationId xmlns:a16="http://schemas.microsoft.com/office/drawing/2014/main" id="{24A76DBE-DE80-2AEE-7DED-3AF9245D48E1}"/>
+              </a:ext>
+            </a:extLst>
+          </p:cNvPr>
+          <p:cNvPicPr>
+            <a:picLocks noChangeAspect="1"/>
+          </p:cNvPicPr>
+          <p:nvPr/>
+        </p:nvPicPr>
+        <p:blipFill>
+          <a:blip r:embed="rId6">
+            <a:extLst>
+              <a:ext uri="{28A0092B-C50C-407E-A947-70E740481C1C}">
+                <a14:useLocalDpi xmlns:a14="http://schemas.microsoft.com/office/drawing/2010/main" val="0"/>
+              </a:ext>
+            </a:extLst>
+          </a:blip>
+          <a:stretch>
+            <a:fillRect/>
+          </a:stretch>
+        </p:blipFill>
+        <p:spPr>
+          <a:xfrm>
+            <a:off x="4092286" y="1049005"/>
+            <a:ext cx="4028342" cy="5813257"/>
+          </a:xfrm>
+          <a:prstGeom prst="rect">
+            <a:avLst/>
+          </a:prstGeom>
+        </p:spPr>
+      </p:pic>
+      <p:pic>
+        <p:nvPicPr>
+          <p:cNvPr id="14" name="그림 13">
+            <a:extLst>
+              <a:ext uri="{FF2B5EF4-FFF2-40B4-BE49-F238E27FC236}">
+                <a16:creationId xmlns:a16="http://schemas.microsoft.com/office/drawing/2014/main" id="{69719016-6210-6195-6B26-6356833FCA93}"/>
+              </a:ext>
+            </a:extLst>
+          </p:cNvPr>
+          <p:cNvPicPr>
+            <a:picLocks noChangeAspect="1"/>
+          </p:cNvPicPr>
+          <p:nvPr/>
+        </p:nvPicPr>
+        <p:blipFill>
+          <a:blip r:embed="rId7" cstate="print">
+            <a:extLst>
+              <a:ext uri="{28A0092B-C50C-407E-A947-70E740481C1C}">
+                <a14:useLocalDpi xmlns:a14="http://schemas.microsoft.com/office/drawing/2010/main" val="0"/>
+              </a:ext>
+            </a:extLst>
+          </a:blip>
+          <a:stretch>
+            <a:fillRect/>
+          </a:stretch>
+        </p:blipFill>
+        <p:spPr>
+          <a:xfrm>
+            <a:off x="11313108" y="311326"/>
+            <a:ext cx="652350" cy="527786"/>
+          </a:xfrm>
+          <a:prstGeom prst="rect">
+            <a:avLst/>
+          </a:prstGeom>
+        </p:spPr>
+      </p:pic>
     </p:spTree>
     <p:extLst>
       <p:ext uri="{BB962C8B-B14F-4D97-AF65-F5344CB8AC3E}">
-        <p14:creationId xmlns:p14="http://schemas.microsoft.com/office/powerpoint/2010/main" val="2714526069"/>
+        <p14:creationId xmlns:p14="http://schemas.microsoft.com/office/powerpoint/2010/main" val="26324043"/>
       </p:ext>
     </p:extLst>
   </p:cSld>
@@ -7765,7 +8628,390 @@
   <p:timing>
     <p:tnLst>
       <p:par>
-        <p:cTn id="1" dur="indefinite" restart="never" nodeType="tmRoot"/>
+        <p:cTn id="1" dur="indefinite" restart="never" nodeType="tmRoot">
+          <p:childTnLst>
+            <p:seq concurrent="1" nextAc="seek">
+              <p:cTn id="2" restart="whenNotActive" fill="hold" evtFilter="cancelBubble" nodeType="interactiveSeq">
+                <p:stCondLst>
+                  <p:cond evt="onClick" delay="0">
+                    <p:tgtEl>
+                      <p:spTgt spid="19"/>
+                    </p:tgtEl>
+                  </p:cond>
+                </p:stCondLst>
+                <p:endSync evt="end" delay="0">
+                  <p:rtn val="all"/>
+                </p:endSync>
+                <p:childTnLst>
+                  <p:par>
+                    <p:cTn id="3" fill="hold">
+                      <p:stCondLst>
+                        <p:cond delay="0"/>
+                      </p:stCondLst>
+                      <p:childTnLst>
+                        <p:par>
+                          <p:cTn id="4" fill="hold">
+                            <p:stCondLst>
+                              <p:cond delay="0"/>
+                            </p:stCondLst>
+                            <p:childTnLst>
+                              <p:par>
+                                <p:cTn id="5" presetID="1" presetClass="exit" presetSubtype="0" fill="hold" nodeType="clickEffect">
+                                  <p:stCondLst>
+                                    <p:cond delay="0"/>
+                                  </p:stCondLst>
+                                  <p:childTnLst>
+                                    <p:set>
+                                      <p:cBhvr>
+                                        <p:cTn id="6" dur="1" fill="hold">
+                                          <p:stCondLst>
+                                            <p:cond delay="0"/>
+                                          </p:stCondLst>
+                                        </p:cTn>
+                                        <p:tgtEl>
+                                          <p:spTgt spid="19"/>
+                                        </p:tgtEl>
+                                        <p:attrNameLst>
+                                          <p:attrName>style.visibility</p:attrName>
+                                        </p:attrNameLst>
+                                      </p:cBhvr>
+                                      <p:to>
+                                        <p:strVal val="hidden"/>
+                                      </p:to>
+                                    </p:set>
+                                  </p:childTnLst>
+                                </p:cTn>
+                              </p:par>
+                              <p:par>
+                                <p:cTn id="7" presetID="1" presetClass="entr" presetSubtype="0" fill="hold" nodeType="withEffect">
+                                  <p:stCondLst>
+                                    <p:cond delay="0"/>
+                                  </p:stCondLst>
+                                  <p:childTnLst>
+                                    <p:set>
+                                      <p:cBhvr>
+                                        <p:cTn id="8" dur="1" fill="hold">
+                                          <p:stCondLst>
+                                            <p:cond delay="0"/>
+                                          </p:stCondLst>
+                                        </p:cTn>
+                                        <p:tgtEl>
+                                          <p:spTgt spid="21"/>
+                                        </p:tgtEl>
+                                        <p:attrNameLst>
+                                          <p:attrName>style.visibility</p:attrName>
+                                        </p:attrNameLst>
+                                      </p:cBhvr>
+                                      <p:to>
+                                        <p:strVal val="visible"/>
+                                      </p:to>
+                                    </p:set>
+                                  </p:childTnLst>
+                                </p:cTn>
+                              </p:par>
+                            </p:childTnLst>
+                          </p:cTn>
+                        </p:par>
+                      </p:childTnLst>
+                    </p:cTn>
+                  </p:par>
+                </p:childTnLst>
+              </p:cTn>
+              <p:nextCondLst>
+                <p:cond evt="onClick" delay="0">
+                  <p:tgtEl>
+                    <p:spTgt spid="19"/>
+                  </p:tgtEl>
+                </p:cond>
+              </p:nextCondLst>
+            </p:seq>
+            <p:seq concurrent="1" nextAc="seek">
+              <p:cTn id="9" restart="whenNotActive" fill="hold" evtFilter="cancelBubble" nodeType="interactiveSeq">
+                <p:stCondLst>
+                  <p:cond evt="onClick" delay="0">
+                    <p:tgtEl>
+                      <p:spTgt spid="21"/>
+                    </p:tgtEl>
+                  </p:cond>
+                </p:stCondLst>
+                <p:endSync evt="end" delay="0">
+                  <p:rtn val="all"/>
+                </p:endSync>
+                <p:childTnLst>
+                  <p:par>
+                    <p:cTn id="10" fill="hold">
+                      <p:stCondLst>
+                        <p:cond delay="0"/>
+                      </p:stCondLst>
+                      <p:childTnLst>
+                        <p:par>
+                          <p:cTn id="11" fill="hold">
+                            <p:stCondLst>
+                              <p:cond delay="0"/>
+                            </p:stCondLst>
+                            <p:childTnLst>
+                              <p:par>
+                                <p:cTn id="12" presetID="1" presetClass="exit" presetSubtype="0" fill="hold" nodeType="clickEffect">
+                                  <p:stCondLst>
+                                    <p:cond delay="0"/>
+                                  </p:stCondLst>
+                                  <p:childTnLst>
+                                    <p:set>
+                                      <p:cBhvr>
+                                        <p:cTn id="13" dur="1" fill="hold">
+                                          <p:stCondLst>
+                                            <p:cond delay="0"/>
+                                          </p:stCondLst>
+                                        </p:cTn>
+                                        <p:tgtEl>
+                                          <p:spTgt spid="21"/>
+                                        </p:tgtEl>
+                                        <p:attrNameLst>
+                                          <p:attrName>style.visibility</p:attrName>
+                                        </p:attrNameLst>
+                                      </p:cBhvr>
+                                      <p:to>
+                                        <p:strVal val="hidden"/>
+                                      </p:to>
+                                    </p:set>
+                                  </p:childTnLst>
+                                </p:cTn>
+                              </p:par>
+                              <p:par>
+                                <p:cTn id="14" presetID="1" presetClass="entr" presetSubtype="0" fill="hold" nodeType="withEffect">
+                                  <p:stCondLst>
+                                    <p:cond delay="0"/>
+                                  </p:stCondLst>
+                                  <p:childTnLst>
+                                    <p:set>
+                                      <p:cBhvr>
+                                        <p:cTn id="15" dur="1" fill="hold">
+                                          <p:stCondLst>
+                                            <p:cond delay="0"/>
+                                          </p:stCondLst>
+                                        </p:cTn>
+                                        <p:tgtEl>
+                                          <p:spTgt spid="23"/>
+                                        </p:tgtEl>
+                                        <p:attrNameLst>
+                                          <p:attrName>style.visibility</p:attrName>
+                                        </p:attrNameLst>
+                                      </p:cBhvr>
+                                      <p:to>
+                                        <p:strVal val="visible"/>
+                                      </p:to>
+                                    </p:set>
+                                  </p:childTnLst>
+                                </p:cTn>
+                              </p:par>
+                            </p:childTnLst>
+                          </p:cTn>
+                        </p:par>
+                      </p:childTnLst>
+                    </p:cTn>
+                  </p:par>
+                </p:childTnLst>
+              </p:cTn>
+              <p:nextCondLst>
+                <p:cond evt="onClick" delay="0">
+                  <p:tgtEl>
+                    <p:spTgt spid="21"/>
+                  </p:tgtEl>
+                </p:cond>
+              </p:nextCondLst>
+            </p:seq>
+            <p:seq concurrent="1" nextAc="seek">
+              <p:cTn id="16" restart="whenNotActive" fill="hold" evtFilter="cancelBubble" nodeType="interactiveSeq">
+                <p:stCondLst>
+                  <p:cond evt="onClick" delay="0">
+                    <p:tgtEl>
+                      <p:spTgt spid="23"/>
+                    </p:tgtEl>
+                  </p:cond>
+                </p:stCondLst>
+                <p:endSync evt="end" delay="0">
+                  <p:rtn val="all"/>
+                </p:endSync>
+                <p:childTnLst>
+                  <p:par>
+                    <p:cTn id="17" fill="hold">
+                      <p:stCondLst>
+                        <p:cond delay="0"/>
+                      </p:stCondLst>
+                      <p:childTnLst>
+                        <p:par>
+                          <p:cTn id="18" fill="hold">
+                            <p:stCondLst>
+                              <p:cond delay="0"/>
+                            </p:stCondLst>
+                            <p:childTnLst>
+                              <p:par>
+                                <p:cTn id="19" presetID="1" presetClass="exit" presetSubtype="0" fill="hold" nodeType="clickEffect">
+                                  <p:stCondLst>
+                                    <p:cond delay="0"/>
+                                  </p:stCondLst>
+                                  <p:childTnLst>
+                                    <p:set>
+                                      <p:cBhvr>
+                                        <p:cTn id="20" dur="1" fill="hold">
+                                          <p:stCondLst>
+                                            <p:cond delay="0"/>
+                                          </p:stCondLst>
+                                        </p:cTn>
+                                        <p:tgtEl>
+                                          <p:spTgt spid="23"/>
+                                        </p:tgtEl>
+                                        <p:attrNameLst>
+                                          <p:attrName>style.visibility</p:attrName>
+                                        </p:attrNameLst>
+                                      </p:cBhvr>
+                                      <p:to>
+                                        <p:strVal val="hidden"/>
+                                      </p:to>
+                                    </p:set>
+                                  </p:childTnLst>
+                                </p:cTn>
+                              </p:par>
+                              <p:par>
+                                <p:cTn id="21" presetID="1" presetClass="entr" presetSubtype="0" fill="hold" nodeType="withEffect">
+                                  <p:stCondLst>
+                                    <p:cond delay="0"/>
+                                  </p:stCondLst>
+                                  <p:childTnLst>
+                                    <p:set>
+                                      <p:cBhvr>
+                                        <p:cTn id="22" dur="1" fill="hold">
+                                          <p:stCondLst>
+                                            <p:cond delay="0"/>
+                                          </p:stCondLst>
+                                        </p:cTn>
+                                        <p:tgtEl>
+                                          <p:spTgt spid="25"/>
+                                        </p:tgtEl>
+                                        <p:attrNameLst>
+                                          <p:attrName>style.visibility</p:attrName>
+                                        </p:attrNameLst>
+                                      </p:cBhvr>
+                                      <p:to>
+                                        <p:strVal val="visible"/>
+                                      </p:to>
+                                    </p:set>
+                                  </p:childTnLst>
+                                </p:cTn>
+                              </p:par>
+                            </p:childTnLst>
+                          </p:cTn>
+                        </p:par>
+                      </p:childTnLst>
+                    </p:cTn>
+                  </p:par>
+                </p:childTnLst>
+              </p:cTn>
+              <p:nextCondLst>
+                <p:cond evt="onClick" delay="0">
+                  <p:tgtEl>
+                    <p:spTgt spid="23"/>
+                  </p:tgtEl>
+                </p:cond>
+              </p:nextCondLst>
+            </p:seq>
+            <p:seq concurrent="1" nextAc="seek">
+              <p:cTn id="23" restart="whenNotActive" fill="hold" evtFilter="cancelBubble" nodeType="interactiveSeq">
+                <p:stCondLst>
+                  <p:cond evt="onClick" delay="0">
+                    <p:tgtEl>
+                      <p:spTgt spid="25"/>
+                    </p:tgtEl>
+                  </p:cond>
+                </p:stCondLst>
+                <p:endSync evt="end" delay="0">
+                  <p:rtn val="all"/>
+                </p:endSync>
+                <p:childTnLst>
+                  <p:par>
+                    <p:cTn id="24" fill="hold">
+                      <p:stCondLst>
+                        <p:cond delay="0"/>
+                      </p:stCondLst>
+                      <p:childTnLst>
+                        <p:par>
+                          <p:cTn id="25" fill="hold">
+                            <p:stCondLst>
+                              <p:cond delay="0"/>
+                            </p:stCondLst>
+                            <p:childTnLst>
+                              <p:par>
+                                <p:cTn id="26" presetID="1" presetClass="exit" presetSubtype="0" fill="hold" nodeType="clickEffect">
+                                  <p:stCondLst>
+                                    <p:cond delay="0"/>
+                                  </p:stCondLst>
+                                  <p:childTnLst>
+                                    <p:set>
+                                      <p:cBhvr>
+                                        <p:cTn id="27" dur="1" fill="hold">
+                                          <p:stCondLst>
+                                            <p:cond delay="0"/>
+                                          </p:stCondLst>
+                                        </p:cTn>
+                                        <p:tgtEl>
+                                          <p:spTgt spid="25"/>
+                                        </p:tgtEl>
+                                        <p:attrNameLst>
+                                          <p:attrName>style.visibility</p:attrName>
+                                        </p:attrNameLst>
+                                      </p:cBhvr>
+                                      <p:to>
+                                        <p:strVal val="hidden"/>
+                                      </p:to>
+                                    </p:set>
+                                  </p:childTnLst>
+                                </p:cTn>
+                              </p:par>
+                              <p:par>
+                                <p:cTn id="28" presetID="1" presetClass="entr" presetSubtype="0" fill="hold" nodeType="withEffect">
+                                  <p:stCondLst>
+                                    <p:cond delay="0"/>
+                                  </p:stCondLst>
+                                  <p:childTnLst>
+                                    <p:set>
+                                      <p:cBhvr>
+                                        <p:cTn id="29" dur="1" fill="hold">
+                                          <p:stCondLst>
+                                            <p:cond delay="0"/>
+                                          </p:stCondLst>
+                                        </p:cTn>
+                                        <p:tgtEl>
+                                          <p:spTgt spid="27"/>
+                                        </p:tgtEl>
+                                        <p:attrNameLst>
+                                          <p:attrName>style.visibility</p:attrName>
+                                        </p:attrNameLst>
+                                      </p:cBhvr>
+                                      <p:to>
+                                        <p:strVal val="visible"/>
+                                      </p:to>
+                                    </p:set>
+                                  </p:childTnLst>
+                                </p:cTn>
+                              </p:par>
+                            </p:childTnLst>
+                          </p:cTn>
+                        </p:par>
+                      </p:childTnLst>
+                    </p:cTn>
+                  </p:par>
+                </p:childTnLst>
+              </p:cTn>
+              <p:nextCondLst>
+                <p:cond evt="onClick" delay="0">
+                  <p:tgtEl>
+                    <p:spTgt spid="25"/>
+                  </p:tgtEl>
+                </p:cond>
+              </p:nextCondLst>
+            </p:seq>
+          </p:childTnLst>
+        </p:cTn>
       </p:par>
     </p:tnLst>
   </p:timing>
@@ -7908,7 +9154,7 @@
               <a:defRPr/>
             </a:pPr>
             <a:r>
-              <a:rPr lang="en-US" altLang="ko-KR" sz="2800" b="1" i="1" kern="0" smtClean="0">
+              <a:rPr lang="en-US" altLang="ko-KR" sz="2800" b="1" i="1" kern="0" dirty="0">
                 <a:solidFill>
                   <a:prstClr val="white"/>
                 </a:solidFill>
@@ -7916,7 +9162,7 @@
               <a:t>2. </a:t>
             </a:r>
             <a:r>
-              <a:rPr lang="ko-KR" altLang="en-US" sz="2800" b="1" i="1" kern="0" smtClean="0">
+              <a:rPr lang="ko-KR" altLang="en-US" sz="2800" b="1" i="1" kern="0" dirty="0">
                 <a:solidFill>
                   <a:prstClr val="white"/>
                 </a:solidFill>
@@ -7924,28 +9170,36 @@
               <a:t>프로젝트 내용 </a:t>
             </a:r>
             <a:r>
-              <a:rPr lang="en-US" altLang="ko-KR" sz="2800" b="1" i="1" kern="0">
+              <a:rPr lang="en-US" altLang="ko-KR" sz="2800" b="1" i="1" kern="0" dirty="0">
                 <a:solidFill>
                   <a:prstClr val="white"/>
                 </a:solidFill>
               </a:rPr>
-              <a:t>-</a:t>
-            </a:r>
-            <a:r>
-              <a:rPr lang="en-US" altLang="ko-KR" sz="2800" b="1" i="1" kern="0" smtClean="0">
+              <a:t>- </a:t>
+            </a:r>
+            <a:r>
+              <a:rPr lang="ko-KR" altLang="en-US" sz="2800" b="1" i="1" kern="0" dirty="0">
                 <a:solidFill>
                   <a:prstClr val="white"/>
                 </a:solidFill>
               </a:rPr>
-              <a:t> </a:t>
-            </a:r>
-            <a:r>
-              <a:rPr lang="ko-KR" altLang="en-US" sz="2800" b="1" i="1" kern="0" smtClean="0">
+              <a:t>시뮬레이터 특징 </a:t>
+            </a:r>
+            <a:r>
+              <a:rPr lang="en-US" altLang="ko-KR" sz="2800" b="1" i="1" kern="0" dirty="0">
                 <a:solidFill>
                   <a:prstClr val="white"/>
                 </a:solidFill>
               </a:rPr>
-              <a:t>실제 방 사진</a:t>
+              <a:t>&amp; </a:t>
+            </a:r>
+            <a:r>
+              <a:rPr lang="ko-KR" altLang="en-US" sz="2800" b="1" i="1" kern="0" dirty="0">
+                <a:solidFill>
+                  <a:prstClr val="white"/>
+                </a:solidFill>
+              </a:rPr>
+              <a:t>장점</a:t>
             </a:r>
             <a:endParaRPr lang="en-US" altLang="ko-KR" sz="1400" i="1" kern="0" dirty="0">
               <a:solidFill>
@@ -8005,7 +9259,15 @@
           <a:lstStyle/>
           <a:p>
             <a:pPr algn="ctr"/>
-            <a:endParaRPr lang="ko-KR" altLang="en-US">
+            <a:r>
+              <a:rPr lang="en-US" altLang="ko-KR" dirty="0">
+                <a:solidFill>
+                  <a:prstClr val="white"/>
+                </a:solidFill>
+              </a:rPr>
+              <a:t> </a:t>
+            </a:r>
+            <a:endParaRPr lang="ko-KR" altLang="en-US" dirty="0">
               <a:solidFill>
                 <a:prstClr val="white"/>
               </a:solidFill>
@@ -8089,155 +9351,15 @@
           </a:p>
         </p:txBody>
       </p:sp>
-      <p:sp>
-        <p:nvSpPr>
-          <p:cNvPr id="40" name="직사각형 39">
-            <a:extLst>
-              <a:ext uri="{FF2B5EF4-FFF2-40B4-BE49-F238E27FC236}">
-                <a16:creationId xmlns:a16="http://schemas.microsoft.com/office/drawing/2014/main" id="{3FA00699-5178-465A-9F3F-130CF1431F70}"/>
-              </a:ext>
-            </a:extLst>
-          </p:cNvPr>
-          <p:cNvSpPr/>
-          <p:nvPr/>
-        </p:nvSpPr>
-        <p:spPr>
-          <a:xfrm>
-            <a:off x="490297" y="5061520"/>
-            <a:ext cx="3950459" cy="373885"/>
-          </a:xfrm>
-          <a:prstGeom prst="rect">
-            <a:avLst/>
-          </a:prstGeom>
-        </p:spPr>
-        <p:txBody>
-          <a:bodyPr wrap="square">
-            <a:spAutoFit/>
-          </a:bodyPr>
-          <a:lstStyle/>
-          <a:p>
-            <a:pPr>
-              <a:lnSpc>
-                <a:spcPct val="150000"/>
-              </a:lnSpc>
-            </a:pPr>
-            <a:r>
-              <a:rPr lang="en-US" altLang="ko-KR" sz="1400" smtClean="0">
-                <a:solidFill>
-                  <a:srgbClr val="44546A">
-                    <a:lumMod val="75000"/>
-                  </a:srgbClr>
-                </a:solidFill>
-              </a:rPr>
-              <a:t>* 360</a:t>
-            </a:r>
-            <a:r>
-              <a:rPr lang="ko-KR" altLang="en-US" sz="1400" smtClean="0">
-                <a:solidFill>
-                  <a:srgbClr val="44546A">
-                    <a:lumMod val="75000"/>
-                  </a:srgbClr>
-                </a:solidFill>
-              </a:rPr>
-              <a:t>도 카메라를 통해 촬영한 실제 방의 모습</a:t>
-            </a:r>
-            <a:endParaRPr lang="ko-KR" altLang="en-US" sz="1000" dirty="0">
-              <a:solidFill>
-                <a:prstClr val="black">
-                  <a:lumMod val="65000"/>
-                  <a:lumOff val="35000"/>
-                </a:prstClr>
-              </a:solidFill>
-            </a:endParaRPr>
-          </a:p>
-        </p:txBody>
-      </p:sp>
-      <p:sp>
-        <p:nvSpPr>
-          <p:cNvPr id="47" name="직사각형 46">
-            <a:extLst>
-              <a:ext uri="{FF2B5EF4-FFF2-40B4-BE49-F238E27FC236}">
-                <a16:creationId xmlns:a16="http://schemas.microsoft.com/office/drawing/2014/main" id="{3FA00699-5178-465A-9F3F-130CF1431F70}"/>
-              </a:ext>
-            </a:extLst>
-          </p:cNvPr>
-          <p:cNvSpPr/>
-          <p:nvPr/>
-        </p:nvSpPr>
-        <p:spPr>
-          <a:xfrm>
-            <a:off x="6273997" y="5068611"/>
-            <a:ext cx="4469818" cy="373885"/>
-          </a:xfrm>
-          <a:prstGeom prst="rect">
-            <a:avLst/>
-          </a:prstGeom>
-        </p:spPr>
-        <p:txBody>
-          <a:bodyPr wrap="square">
-            <a:spAutoFit/>
-          </a:bodyPr>
-          <a:lstStyle/>
-          <a:p>
-            <a:pPr>
-              <a:lnSpc>
-                <a:spcPct val="150000"/>
-              </a:lnSpc>
-            </a:pPr>
-            <a:r>
-              <a:rPr lang="en-US" altLang="ko-KR" sz="1400">
-                <a:solidFill>
-                  <a:srgbClr val="44546A">
-                    <a:lumMod val="75000"/>
-                  </a:srgbClr>
-                </a:solidFill>
-              </a:rPr>
-              <a:t>* 360</a:t>
-            </a:r>
-            <a:r>
-              <a:rPr lang="ko-KR" altLang="en-US" sz="1400">
-                <a:solidFill>
-                  <a:srgbClr val="44546A">
-                    <a:lumMod val="75000"/>
-                  </a:srgbClr>
-                </a:solidFill>
-              </a:rPr>
-              <a:t>도 카메라를 통해 촬영한 실제 </a:t>
-            </a:r>
-            <a:r>
-              <a:rPr lang="ko-KR" altLang="en-US" sz="1400" smtClean="0">
-                <a:solidFill>
-                  <a:srgbClr val="44546A">
-                    <a:lumMod val="75000"/>
-                  </a:srgbClr>
-                </a:solidFill>
-              </a:rPr>
-              <a:t>화장실의 </a:t>
-            </a:r>
-            <a:r>
-              <a:rPr lang="ko-KR" altLang="en-US" sz="1400">
-                <a:solidFill>
-                  <a:srgbClr val="44546A">
-                    <a:lumMod val="75000"/>
-                  </a:srgbClr>
-                </a:solidFill>
-              </a:rPr>
-              <a:t>모습</a:t>
-            </a:r>
-            <a:endParaRPr lang="ko-KR" altLang="en-US" sz="1000" dirty="0">
-              <a:solidFill>
-                <a:prstClr val="black">
-                  <a:lumMod val="65000"/>
-                  <a:lumOff val="35000"/>
-                </a:prstClr>
-              </a:solidFill>
-            </a:endParaRPr>
-          </a:p>
-        </p:txBody>
-      </p:sp>
       <p:pic>
         <p:nvPicPr>
-          <p:cNvPr id="4" name="그림 3"/>
+          <p:cNvPr id="4" name="그림 3" descr="광장이(가) 표시된 사진&#10;&#10;자동 생성된 설명">
+            <a:extLst>
+              <a:ext uri="{FF2B5EF4-FFF2-40B4-BE49-F238E27FC236}">
+                <a16:creationId xmlns:a16="http://schemas.microsoft.com/office/drawing/2014/main" id="{17E550E3-CD12-AAC6-8542-633FB2416D09}"/>
+              </a:ext>
+            </a:extLst>
+          </p:cNvPr>
           <p:cNvPicPr>
             <a:picLocks noChangeAspect="1"/>
           </p:cNvPicPr>
@@ -8257,8 +9379,8 @@
         </p:blipFill>
         <p:spPr>
           <a:xfrm>
-            <a:off x="575035" y="1543026"/>
-            <a:ext cx="5344998" cy="3504868"/>
+            <a:off x="9097380" y="1594248"/>
+            <a:ext cx="1443888" cy="1084414"/>
           </a:xfrm>
           <a:prstGeom prst="rect">
             <a:avLst/>
@@ -8267,7 +9389,13 @@
       </p:pic>
       <p:pic>
         <p:nvPicPr>
-          <p:cNvPr id="8" name="그림 7"/>
+          <p:cNvPr id="9" name="그림 8">
+            <a:extLst>
+              <a:ext uri="{FF2B5EF4-FFF2-40B4-BE49-F238E27FC236}">
+                <a16:creationId xmlns:a16="http://schemas.microsoft.com/office/drawing/2014/main" id="{D1F0472A-B04C-4623-03E4-F8E61EC67B62}"/>
+              </a:ext>
+            </a:extLst>
+          </p:cNvPr>
           <p:cNvPicPr>
             <a:picLocks noChangeAspect="1"/>
           </p:cNvPicPr>
@@ -8287,35 +9415,353 @@
         </p:blipFill>
         <p:spPr>
           <a:xfrm>
-            <a:off x="6363093" y="1543026"/>
-            <a:ext cx="5372252" cy="3504868"/>
+            <a:off x="9091500" y="2969760"/>
+            <a:ext cx="1445201" cy="1085400"/>
           </a:xfrm>
           <a:prstGeom prst="rect">
             <a:avLst/>
           </a:prstGeom>
         </p:spPr>
       </p:pic>
-      <p:sp>
-        <p:nvSpPr>
-          <p:cNvPr id="12" name="실행 단추: 홈 11">
-            <a:hlinkClick r:id="" action="ppaction://hlinkshowjump?jump=firstslide" highlightClick="1"/>
+      <p:pic>
+        <p:nvPicPr>
+          <p:cNvPr id="13" name="그림 12">
+            <a:extLst>
+              <a:ext uri="{FF2B5EF4-FFF2-40B4-BE49-F238E27FC236}">
+                <a16:creationId xmlns:a16="http://schemas.microsoft.com/office/drawing/2014/main" id="{3248C9CE-4D4E-914A-6F76-C2B970434140}"/>
+              </a:ext>
+            </a:extLst>
+          </p:cNvPr>
+          <p:cNvPicPr>
+            <a:picLocks noChangeAspect="1"/>
+          </p:cNvPicPr>
+          <p:nvPr/>
+        </p:nvPicPr>
+        <p:blipFill>
+          <a:blip r:embed="rId4">
+            <a:extLst>
+              <a:ext uri="{28A0092B-C50C-407E-A947-70E740481C1C}">
+                <a14:useLocalDpi xmlns:a14="http://schemas.microsoft.com/office/drawing/2010/main" val="0"/>
+              </a:ext>
+            </a:extLst>
+          </a:blip>
+          <a:stretch>
+            <a:fillRect/>
+          </a:stretch>
+        </p:blipFill>
+        <p:spPr>
+          <a:xfrm>
+            <a:off x="9099152" y="4354854"/>
+            <a:ext cx="1445201" cy="1085400"/>
+          </a:xfrm>
+          <a:prstGeom prst="rect">
+            <a:avLst/>
+          </a:prstGeom>
+        </p:spPr>
+      </p:pic>
+      <p:pic>
+        <p:nvPicPr>
+          <p:cNvPr id="16" name="그림 15">
+            <a:extLst>
+              <a:ext uri="{FF2B5EF4-FFF2-40B4-BE49-F238E27FC236}">
+                <a16:creationId xmlns:a16="http://schemas.microsoft.com/office/drawing/2014/main" id="{940C9C82-8E7E-1291-37B2-65A3E1DEC5CC}"/>
+              </a:ext>
+            </a:extLst>
+          </p:cNvPr>
+          <p:cNvPicPr>
+            <a:picLocks noChangeAspect="1"/>
+          </p:cNvPicPr>
+          <p:nvPr/>
+        </p:nvPicPr>
+        <p:blipFill>
+          <a:blip r:embed="rId5">
+            <a:extLst>
+              <a:ext uri="{28A0092B-C50C-407E-A947-70E740481C1C}">
+                <a14:useLocalDpi xmlns:a14="http://schemas.microsoft.com/office/drawing/2010/main" val="0"/>
+              </a:ext>
+            </a:extLst>
+          </a:blip>
+          <a:stretch>
+            <a:fillRect/>
+          </a:stretch>
+        </p:blipFill>
+        <p:spPr>
+          <a:xfrm>
+            <a:off x="9096302" y="5711050"/>
+            <a:ext cx="1445201" cy="1085400"/>
+          </a:xfrm>
+          <a:prstGeom prst="rect">
+            <a:avLst/>
+          </a:prstGeom>
+        </p:spPr>
+      </p:pic>
+      <p:pic>
+        <p:nvPicPr>
+          <p:cNvPr id="26" name="그림 25">
+            <a:extLst>
+              <a:ext uri="{FF2B5EF4-FFF2-40B4-BE49-F238E27FC236}">
+                <a16:creationId xmlns:a16="http://schemas.microsoft.com/office/drawing/2014/main" id="{D4AC28F8-466F-6A5D-5DA9-050A5930AEF1}"/>
+              </a:ext>
+            </a:extLst>
+          </p:cNvPr>
+          <p:cNvPicPr>
+            <a:picLocks noChangeAspect="1"/>
+          </p:cNvPicPr>
+          <p:nvPr/>
+        </p:nvPicPr>
+        <p:blipFill>
+          <a:blip r:embed="rId6">
+            <a:extLst>
+              <a:ext uri="{28A0092B-C50C-407E-A947-70E740481C1C}">
+                <a14:useLocalDpi xmlns:a14="http://schemas.microsoft.com/office/drawing/2010/main" val="0"/>
+              </a:ext>
+            </a:extLst>
+          </a:blip>
+          <a:stretch>
+            <a:fillRect/>
+          </a:stretch>
+        </p:blipFill>
+        <p:spPr>
+          <a:xfrm>
+            <a:off x="8701008" y="2215847"/>
+            <a:ext cx="1117676" cy="422849"/>
+          </a:xfrm>
+          <a:prstGeom prst="rect">
+            <a:avLst/>
+          </a:prstGeom>
+        </p:spPr>
+      </p:pic>
+      <p:pic>
+        <p:nvPicPr>
+          <p:cNvPr id="53" name="그림 52">
+            <a:extLst>
+              <a:ext uri="{FF2B5EF4-FFF2-40B4-BE49-F238E27FC236}">
+                <a16:creationId xmlns:a16="http://schemas.microsoft.com/office/drawing/2014/main" id="{B1868822-B3A2-17FD-318B-79E57F42ED08}"/>
+              </a:ext>
+            </a:extLst>
+          </p:cNvPr>
+          <p:cNvPicPr>
+            <a:picLocks noChangeAspect="1"/>
+          </p:cNvPicPr>
+          <p:nvPr/>
+        </p:nvPicPr>
+        <p:blipFill>
+          <a:blip r:embed="rId6">
+            <a:extLst>
+              <a:ext uri="{28A0092B-C50C-407E-A947-70E740481C1C}">
+                <a14:useLocalDpi xmlns:a14="http://schemas.microsoft.com/office/drawing/2010/main" val="0"/>
+              </a:ext>
+            </a:extLst>
+          </a:blip>
+          <a:stretch>
+            <a:fillRect/>
+          </a:stretch>
+        </p:blipFill>
+        <p:spPr>
+          <a:xfrm>
+            <a:off x="8695129" y="3608370"/>
+            <a:ext cx="1117676" cy="422849"/>
+          </a:xfrm>
+          <a:prstGeom prst="rect">
+            <a:avLst/>
+          </a:prstGeom>
+        </p:spPr>
+      </p:pic>
+      <p:pic>
+        <p:nvPicPr>
+          <p:cNvPr id="63" name="그림 62">
+            <a:extLst>
+              <a:ext uri="{FF2B5EF4-FFF2-40B4-BE49-F238E27FC236}">
+                <a16:creationId xmlns:a16="http://schemas.microsoft.com/office/drawing/2014/main" id="{430301DE-F182-4115-DEC6-2BEE4342716C}"/>
+              </a:ext>
+            </a:extLst>
+          </p:cNvPr>
+          <p:cNvPicPr>
+            <a:picLocks noChangeAspect="1"/>
+          </p:cNvPicPr>
+          <p:nvPr/>
+        </p:nvPicPr>
+        <p:blipFill>
+          <a:blip r:embed="rId6">
+            <a:extLst>
+              <a:ext uri="{28A0092B-C50C-407E-A947-70E740481C1C}">
+                <a14:useLocalDpi xmlns:a14="http://schemas.microsoft.com/office/drawing/2010/main" val="0"/>
+              </a:ext>
+            </a:extLst>
+          </a:blip>
+          <a:stretch>
+            <a:fillRect/>
+          </a:stretch>
+        </p:blipFill>
+        <p:spPr>
+          <a:xfrm>
+            <a:off x="8701226" y="4993464"/>
+            <a:ext cx="1117676" cy="422849"/>
+          </a:xfrm>
+          <a:prstGeom prst="rect">
+            <a:avLst/>
+          </a:prstGeom>
+        </p:spPr>
+      </p:pic>
+      <p:pic>
+        <p:nvPicPr>
+          <p:cNvPr id="64" name="그림 63">
+            <a:extLst>
+              <a:ext uri="{FF2B5EF4-FFF2-40B4-BE49-F238E27FC236}">
+                <a16:creationId xmlns:a16="http://schemas.microsoft.com/office/drawing/2014/main" id="{A78695E1-923B-73BF-BB3A-42B80E0DBCFF}"/>
+              </a:ext>
+            </a:extLst>
+          </p:cNvPr>
+          <p:cNvPicPr>
+            <a:picLocks noChangeAspect="1"/>
+          </p:cNvPicPr>
+          <p:nvPr/>
+        </p:nvPicPr>
+        <p:blipFill>
+          <a:blip r:embed="rId6">
+            <a:extLst>
+              <a:ext uri="{28A0092B-C50C-407E-A947-70E740481C1C}">
+                <a14:useLocalDpi xmlns:a14="http://schemas.microsoft.com/office/drawing/2010/main" val="0"/>
+              </a:ext>
+            </a:extLst>
+          </a:blip>
+          <a:stretch>
+            <a:fillRect/>
+          </a:stretch>
+        </p:blipFill>
+        <p:spPr>
+          <a:xfrm>
+            <a:off x="8701226" y="6373601"/>
+            <a:ext cx="1117676" cy="422849"/>
+          </a:xfrm>
+          <a:prstGeom prst="rect">
+            <a:avLst/>
+          </a:prstGeom>
+        </p:spPr>
+      </p:pic>
+      <p:sp>
+        <p:nvSpPr>
+          <p:cNvPr id="74" name="직사각형 73">
+            <a:extLst>
+              <a:ext uri="{FF2B5EF4-FFF2-40B4-BE49-F238E27FC236}">
+                <a16:creationId xmlns:a16="http://schemas.microsoft.com/office/drawing/2014/main" id="{24EEB027-45ED-2E7C-D3E5-2D2E903177BA}"/>
+              </a:ext>
+            </a:extLst>
           </p:cNvPr>
           <p:cNvSpPr/>
           <p:nvPr/>
         </p:nvSpPr>
         <p:spPr>
           <a:xfrm>
-            <a:off x="11326602" y="323748"/>
-            <a:ext cx="629344" cy="502942"/>
-          </a:xfrm>
-          <a:prstGeom prst="actionButtonHome">
+            <a:off x="328458" y="1063330"/>
+            <a:ext cx="8966831" cy="5789657"/>
+          </a:xfrm>
+          <a:prstGeom prst="rect">
             <a:avLst/>
           </a:prstGeom>
-          <a:noFill/>
-          <a:ln>
-            <a:solidFill>
-              <a:schemeClr val="bg1"/>
-            </a:solidFill>
+          <a:solidFill>
+            <a:schemeClr val="bg1"/>
+          </a:solidFill>
+          <a:ln cap="flat" cmpd="sng">
+            <a:noFill/>
+            <a:miter lim="800000"/>
+            <a:extLst>
+              <a:ext uri="{C807C97D-BFC1-408E-A445-0C87EB9F89A2}">
+                <ask:lineSketchStyleProps xmlns:ask="http://schemas.microsoft.com/office/drawing/2018/sketchyshapes" sd="1219033472">
+                  <a:custGeom>
+                    <a:avLst/>
+                    <a:gdLst>
+                      <a:gd name="connsiteX0" fmla="*/ 0 w 8966831"/>
+                      <a:gd name="connsiteY0" fmla="*/ 0 h 5789657"/>
+                      <a:gd name="connsiteX1" fmla="*/ 8966831 w 8966831"/>
+                      <a:gd name="connsiteY1" fmla="*/ 0 h 5789657"/>
+                      <a:gd name="connsiteX2" fmla="*/ 8966831 w 8966831"/>
+                      <a:gd name="connsiteY2" fmla="*/ 5789657 h 5789657"/>
+                      <a:gd name="connsiteX3" fmla="*/ 0 w 8966831"/>
+                      <a:gd name="connsiteY3" fmla="*/ 5789657 h 5789657"/>
+                      <a:gd name="connsiteX4" fmla="*/ 0 w 8966831"/>
+                      <a:gd name="connsiteY4" fmla="*/ 0 h 5789657"/>
+                    </a:gdLst>
+                    <a:ahLst/>
+                    <a:cxnLst>
+                      <a:cxn ang="0">
+                        <a:pos x="connsiteX0" y="connsiteY0"/>
+                      </a:cxn>
+                      <a:cxn ang="0">
+                        <a:pos x="connsiteX1" y="connsiteY1"/>
+                      </a:cxn>
+                      <a:cxn ang="0">
+                        <a:pos x="connsiteX2" y="connsiteY2"/>
+                      </a:cxn>
+                      <a:cxn ang="0">
+                        <a:pos x="connsiteX3" y="connsiteY3"/>
+                      </a:cxn>
+                      <a:cxn ang="0">
+                        <a:pos x="connsiteX4" y="connsiteY4"/>
+                      </a:cxn>
+                    </a:cxnLst>
+                    <a:rect l="l" t="t" r="r" b="b"/>
+                    <a:pathLst>
+                      <a:path w="8966831" h="5789657" fill="none" extrusionOk="0">
+                        <a:moveTo>
+                          <a:pt x="0" y="0"/>
+                        </a:moveTo>
+                        <a:cubicBezTo>
+                          <a:pt x="4104427" y="-49533"/>
+                          <a:pt x="4768575" y="-14809"/>
+                          <a:pt x="8966831" y="0"/>
+                        </a:cubicBezTo>
+                        <a:cubicBezTo>
+                          <a:pt x="9054470" y="969213"/>
+                          <a:pt x="8894152" y="4379526"/>
+                          <a:pt x="8966831" y="5789657"/>
+                        </a:cubicBezTo>
+                        <a:cubicBezTo>
+                          <a:pt x="7213965" y="5741426"/>
+                          <a:pt x="924006" y="5874112"/>
+                          <a:pt x="0" y="5789657"/>
+                        </a:cubicBezTo>
+                        <a:cubicBezTo>
+                          <a:pt x="-38581" y="4024127"/>
+                          <a:pt x="63341" y="1991160"/>
+                          <a:pt x="0" y="0"/>
+                        </a:cubicBezTo>
+                        <a:close/>
+                      </a:path>
+                      <a:path w="8966831" h="5789657" stroke="0" extrusionOk="0">
+                        <a:moveTo>
+                          <a:pt x="0" y="0"/>
+                        </a:moveTo>
+                        <a:cubicBezTo>
+                          <a:pt x="1119396" y="118645"/>
+                          <a:pt x="5618442" y="116012"/>
+                          <a:pt x="8966831" y="0"/>
+                        </a:cubicBezTo>
+                        <a:cubicBezTo>
+                          <a:pt x="8833949" y="1893239"/>
+                          <a:pt x="9051782" y="3234600"/>
+                          <a:pt x="8966831" y="5789657"/>
+                        </a:cubicBezTo>
+                        <a:cubicBezTo>
+                          <a:pt x="7610105" y="5924257"/>
+                          <a:pt x="2572791" y="5632461"/>
+                          <a:pt x="0" y="5789657"/>
+                        </a:cubicBezTo>
+                        <a:cubicBezTo>
+                          <a:pt x="-20187" y="3047382"/>
+                          <a:pt x="-152480" y="2869174"/>
+                          <a:pt x="0" y="0"/>
+                        </a:cubicBezTo>
+                        <a:close/>
+                      </a:path>
+                    </a:pathLst>
+                  </a:custGeom>
+                  <ask:type>
+                    <ask:lineSketchNone/>
+                  </ask:type>
+                </ask:lineSketchStyleProps>
+              </a:ext>
+            </a:extLst>
           </a:ln>
         </p:spPr>
         <p:style>
@@ -8339,27 +9785,1067 @@
           <a:lstStyle/>
           <a:p>
             <a:pPr algn="ctr"/>
-            <a:endParaRPr lang="ko-KR" altLang="en-US"/>
-          </a:p>
-        </p:txBody>
-      </p:sp>
+            <a:r>
+              <a:rPr lang="ko-KR" altLang="en-US"/>
+              <a:t>ㅠㅠ</a:t>
+            </a:r>
+            <a:endParaRPr lang="ko-KR" altLang="en-US" dirty="0"/>
+          </a:p>
+        </p:txBody>
+      </p:sp>
+      <p:cxnSp>
+        <p:nvCxnSpPr>
+          <p:cNvPr id="106" name="직선 연결선 105">
+            <a:extLst>
+              <a:ext uri="{FF2B5EF4-FFF2-40B4-BE49-F238E27FC236}">
+                <a16:creationId xmlns:a16="http://schemas.microsoft.com/office/drawing/2014/main" id="{7FC4DBC9-0597-E5AC-18CA-C24F71256AC4}"/>
+              </a:ext>
+            </a:extLst>
+          </p:cNvPr>
+          <p:cNvCxnSpPr>
+            <a:cxnSpLocks/>
+          </p:cNvCxnSpPr>
+          <p:nvPr/>
+        </p:nvCxnSpPr>
+        <p:spPr>
+          <a:xfrm>
+            <a:off x="9295289" y="1063330"/>
+            <a:ext cx="0" cy="5794670"/>
+          </a:xfrm>
+          <a:prstGeom prst="line">
+            <a:avLst/>
+          </a:prstGeom>
+          <a:ln w="19050">
+            <a:solidFill>
+              <a:schemeClr val="tx1"/>
+            </a:solidFill>
+          </a:ln>
+        </p:spPr>
+        <p:style>
+          <a:lnRef idx="1">
+            <a:schemeClr val="accent1"/>
+          </a:lnRef>
+          <a:fillRef idx="0">
+            <a:schemeClr val="accent1"/>
+          </a:fillRef>
+          <a:effectRef idx="0">
+            <a:schemeClr val="accent1"/>
+          </a:effectRef>
+          <a:fontRef idx="minor">
+            <a:schemeClr val="tx1"/>
+          </a:fontRef>
+        </p:style>
+      </p:cxnSp>
+      <p:pic>
+        <p:nvPicPr>
+          <p:cNvPr id="43" name="그림 42">
+            <a:extLst>
+              <a:ext uri="{FF2B5EF4-FFF2-40B4-BE49-F238E27FC236}">
+                <a16:creationId xmlns:a16="http://schemas.microsoft.com/office/drawing/2014/main" id="{40C06A43-F24B-0B6E-1382-DEE56A28215A}"/>
+              </a:ext>
+            </a:extLst>
+          </p:cNvPr>
+          <p:cNvPicPr>
+            <a:picLocks noChangeAspect="1"/>
+          </p:cNvPicPr>
+          <p:nvPr/>
+        </p:nvPicPr>
+        <p:blipFill>
+          <a:blip r:embed="rId7">
+            <a:extLst>
+              <a:ext uri="{28A0092B-C50C-407E-A947-70E740481C1C}">
+                <a14:useLocalDpi xmlns:a14="http://schemas.microsoft.com/office/drawing/2010/main" val="0"/>
+              </a:ext>
+            </a:extLst>
+          </a:blip>
+          <a:stretch>
+            <a:fillRect/>
+          </a:stretch>
+        </p:blipFill>
+        <p:spPr>
+          <a:xfrm>
+            <a:off x="1535116" y="1133930"/>
+            <a:ext cx="8283568" cy="1093600"/>
+          </a:xfrm>
+          <a:prstGeom prst="rect">
+            <a:avLst/>
+          </a:prstGeom>
+        </p:spPr>
+      </p:pic>
+      <p:pic>
+        <p:nvPicPr>
+          <p:cNvPr id="45" name="그림 44">
+            <a:extLst>
+              <a:ext uri="{FF2B5EF4-FFF2-40B4-BE49-F238E27FC236}">
+                <a16:creationId xmlns:a16="http://schemas.microsoft.com/office/drawing/2014/main" id="{CC1F56DE-531D-F4FB-0D2C-F6A99F08227E}"/>
+              </a:ext>
+            </a:extLst>
+          </p:cNvPr>
+          <p:cNvPicPr>
+            <a:picLocks noChangeAspect="1"/>
+          </p:cNvPicPr>
+          <p:nvPr/>
+        </p:nvPicPr>
+        <p:blipFill>
+          <a:blip r:embed="rId8">
+            <a:extLst>
+              <a:ext uri="{28A0092B-C50C-407E-A947-70E740481C1C}">
+                <a14:useLocalDpi xmlns:a14="http://schemas.microsoft.com/office/drawing/2010/main" val="0"/>
+              </a:ext>
+            </a:extLst>
+          </a:blip>
+          <a:stretch>
+            <a:fillRect/>
+          </a:stretch>
+        </p:blipFill>
+        <p:spPr>
+          <a:xfrm>
+            <a:off x="1529236" y="2506606"/>
+            <a:ext cx="8283569" cy="1106909"/>
+          </a:xfrm>
+          <a:prstGeom prst="rect">
+            <a:avLst/>
+          </a:prstGeom>
+        </p:spPr>
+      </p:pic>
+      <p:pic>
+        <p:nvPicPr>
+          <p:cNvPr id="68" name="그림 67">
+            <a:extLst>
+              <a:ext uri="{FF2B5EF4-FFF2-40B4-BE49-F238E27FC236}">
+                <a16:creationId xmlns:a16="http://schemas.microsoft.com/office/drawing/2014/main" id="{FA573232-763C-7A27-0F73-F52DE19B6FB1}"/>
+              </a:ext>
+            </a:extLst>
+          </p:cNvPr>
+          <p:cNvPicPr>
+            <a:picLocks noChangeAspect="1"/>
+          </p:cNvPicPr>
+          <p:nvPr/>
+        </p:nvPicPr>
+        <p:blipFill>
+          <a:blip r:embed="rId9">
+            <a:extLst>
+              <a:ext uri="{28A0092B-C50C-407E-A947-70E740481C1C}">
+                <a14:useLocalDpi xmlns:a14="http://schemas.microsoft.com/office/drawing/2010/main" val="0"/>
+              </a:ext>
+            </a:extLst>
+          </a:blip>
+          <a:stretch>
+            <a:fillRect/>
+          </a:stretch>
+        </p:blipFill>
+        <p:spPr>
+          <a:xfrm>
+            <a:off x="1535333" y="3898447"/>
+            <a:ext cx="8283569" cy="1106909"/>
+          </a:xfrm>
+          <a:prstGeom prst="rect">
+            <a:avLst/>
+          </a:prstGeom>
+        </p:spPr>
+      </p:pic>
+      <p:pic>
+        <p:nvPicPr>
+          <p:cNvPr id="73" name="그림 72">
+            <a:extLst>
+              <a:ext uri="{FF2B5EF4-FFF2-40B4-BE49-F238E27FC236}">
+                <a16:creationId xmlns:a16="http://schemas.microsoft.com/office/drawing/2014/main" id="{AB614225-8802-4FCA-B988-0A5C094EBFF0}"/>
+              </a:ext>
+            </a:extLst>
+          </p:cNvPr>
+          <p:cNvPicPr>
+            <a:picLocks noChangeAspect="1"/>
+          </p:cNvPicPr>
+          <p:nvPr/>
+        </p:nvPicPr>
+        <p:blipFill>
+          <a:blip r:embed="rId10">
+            <a:extLst>
+              <a:ext uri="{28A0092B-C50C-407E-A947-70E740481C1C}">
+                <a14:useLocalDpi xmlns:a14="http://schemas.microsoft.com/office/drawing/2010/main" val="0"/>
+              </a:ext>
+            </a:extLst>
+          </a:blip>
+          <a:stretch>
+            <a:fillRect/>
+          </a:stretch>
+        </p:blipFill>
+        <p:spPr>
+          <a:xfrm>
+            <a:off x="1535333" y="5266692"/>
+            <a:ext cx="8283569" cy="1106909"/>
+          </a:xfrm>
+          <a:prstGeom prst="rect">
+            <a:avLst/>
+          </a:prstGeom>
+        </p:spPr>
+      </p:pic>
+      <p:pic>
+        <p:nvPicPr>
+          <p:cNvPr id="78" name="그림 77" descr="텍스트, 클립아트이(가) 표시된 사진&#10;&#10;자동 생성된 설명">
+            <a:extLst>
+              <a:ext uri="{FF2B5EF4-FFF2-40B4-BE49-F238E27FC236}">
+                <a16:creationId xmlns:a16="http://schemas.microsoft.com/office/drawing/2014/main" id="{FD268DB4-2FA6-FDD9-B198-454351AE7392}"/>
+              </a:ext>
+            </a:extLst>
+          </p:cNvPr>
+          <p:cNvPicPr>
+            <a:picLocks noChangeAspect="1"/>
+          </p:cNvPicPr>
+          <p:nvPr/>
+        </p:nvPicPr>
+        <p:blipFill>
+          <a:blip r:embed="rId11">
+            <a:extLst>
+              <a:ext uri="{28A0092B-C50C-407E-A947-70E740481C1C}">
+                <a14:useLocalDpi xmlns:a14="http://schemas.microsoft.com/office/drawing/2010/main" val="0"/>
+              </a:ext>
+            </a:extLst>
+          </a:blip>
+          <a:stretch>
+            <a:fillRect/>
+          </a:stretch>
+        </p:blipFill>
+        <p:spPr>
+          <a:xfrm>
+            <a:off x="1557716" y="1068343"/>
+            <a:ext cx="1579213" cy="1226770"/>
+          </a:xfrm>
+          <a:prstGeom prst="rect">
+            <a:avLst/>
+          </a:prstGeom>
+        </p:spPr>
+      </p:pic>
+      <p:pic>
+        <p:nvPicPr>
+          <p:cNvPr id="80" name="그림 79">
+            <a:extLst>
+              <a:ext uri="{FF2B5EF4-FFF2-40B4-BE49-F238E27FC236}">
+                <a16:creationId xmlns:a16="http://schemas.microsoft.com/office/drawing/2014/main" id="{AC97AC76-FA6A-9DAB-D392-7C913D4EF40C}"/>
+              </a:ext>
+            </a:extLst>
+          </p:cNvPr>
+          <p:cNvPicPr>
+            <a:picLocks noChangeAspect="1"/>
+          </p:cNvPicPr>
+          <p:nvPr/>
+        </p:nvPicPr>
+        <p:blipFill>
+          <a:blip r:embed="rId12">
+            <a:extLst>
+              <a:ext uri="{28A0092B-C50C-407E-A947-70E740481C1C}">
+                <a14:useLocalDpi xmlns:a14="http://schemas.microsoft.com/office/drawing/2010/main" val="0"/>
+              </a:ext>
+            </a:extLst>
+          </a:blip>
+          <a:stretch>
+            <a:fillRect/>
+          </a:stretch>
+        </p:blipFill>
+        <p:spPr>
+          <a:xfrm>
+            <a:off x="1494970" y="2426025"/>
+            <a:ext cx="1636080" cy="1270946"/>
+          </a:xfrm>
+          <a:prstGeom prst="rect">
+            <a:avLst/>
+          </a:prstGeom>
+        </p:spPr>
+      </p:pic>
+      <p:pic>
+        <p:nvPicPr>
+          <p:cNvPr id="82" name="그림 81">
+            <a:extLst>
+              <a:ext uri="{FF2B5EF4-FFF2-40B4-BE49-F238E27FC236}">
+                <a16:creationId xmlns:a16="http://schemas.microsoft.com/office/drawing/2014/main" id="{61FBFEEE-7D72-D573-B32D-75E894E1AEBA}"/>
+              </a:ext>
+            </a:extLst>
+          </p:cNvPr>
+          <p:cNvPicPr>
+            <a:picLocks noChangeAspect="1"/>
+          </p:cNvPicPr>
+          <p:nvPr/>
+        </p:nvPicPr>
+        <p:blipFill>
+          <a:blip r:embed="rId13">
+            <a:extLst>
+              <a:ext uri="{28A0092B-C50C-407E-A947-70E740481C1C}">
+                <a14:useLocalDpi xmlns:a14="http://schemas.microsoft.com/office/drawing/2010/main" val="0"/>
+              </a:ext>
+            </a:extLst>
+          </a:blip>
+          <a:stretch>
+            <a:fillRect/>
+          </a:stretch>
+        </p:blipFill>
+        <p:spPr>
+          <a:xfrm>
+            <a:off x="1516860" y="5200833"/>
+            <a:ext cx="1616453" cy="1255699"/>
+          </a:xfrm>
+          <a:prstGeom prst="rect">
+            <a:avLst/>
+          </a:prstGeom>
+        </p:spPr>
+      </p:pic>
+      <p:pic>
+        <p:nvPicPr>
+          <p:cNvPr id="84" name="그림 83">
+            <a:extLst>
+              <a:ext uri="{FF2B5EF4-FFF2-40B4-BE49-F238E27FC236}">
+                <a16:creationId xmlns:a16="http://schemas.microsoft.com/office/drawing/2014/main" id="{FADBD793-93E2-1C75-ABC3-E8C52070AE1B}"/>
+              </a:ext>
+            </a:extLst>
+          </p:cNvPr>
+          <p:cNvPicPr>
+            <a:picLocks noChangeAspect="1"/>
+          </p:cNvPicPr>
+          <p:nvPr/>
+        </p:nvPicPr>
+        <p:blipFill>
+          <a:blip r:embed="rId14">
+            <a:extLst>
+              <a:ext uri="{28A0092B-C50C-407E-A947-70E740481C1C}">
+                <a14:useLocalDpi xmlns:a14="http://schemas.microsoft.com/office/drawing/2010/main" val="0"/>
+              </a:ext>
+            </a:extLst>
+          </a:blip>
+          <a:stretch>
+            <a:fillRect/>
+          </a:stretch>
+        </p:blipFill>
+        <p:spPr>
+          <a:xfrm>
+            <a:off x="1497233" y="3816428"/>
+            <a:ext cx="1636080" cy="1270946"/>
+          </a:xfrm>
+          <a:prstGeom prst="rect">
+            <a:avLst/>
+          </a:prstGeom>
+        </p:spPr>
+      </p:pic>
+      <p:sp>
+        <p:nvSpPr>
+          <p:cNvPr id="85" name="TextBox 84">
+            <a:extLst>
+              <a:ext uri="{FF2B5EF4-FFF2-40B4-BE49-F238E27FC236}">
+                <a16:creationId xmlns:a16="http://schemas.microsoft.com/office/drawing/2014/main" id="{964BD551-50A3-ABBD-1F08-1E0CCD691F41}"/>
+              </a:ext>
+            </a:extLst>
+          </p:cNvPr>
+          <p:cNvSpPr txBox="1"/>
+          <p:nvPr/>
+        </p:nvSpPr>
+        <p:spPr>
+          <a:xfrm>
+            <a:off x="3106506" y="1164918"/>
+            <a:ext cx="2656496" cy="369332"/>
+          </a:xfrm>
+          <a:prstGeom prst="rect">
+            <a:avLst/>
+          </a:prstGeom>
+          <a:noFill/>
+        </p:spPr>
+        <p:txBody>
+          <a:bodyPr wrap="none" rtlCol="0">
+            <a:spAutoFit/>
+          </a:bodyPr>
+          <a:lstStyle/>
+          <a:p>
+            <a:r>
+              <a:rPr lang="ko-KR" altLang="en-US" dirty="0">
+                <a:solidFill>
+                  <a:schemeClr val="bg1"/>
+                </a:solidFill>
+              </a:rPr>
+              <a:t>유니티와 구글 카드보드</a:t>
+            </a:r>
+            <a:endParaRPr lang="en-US" altLang="ko-KR" dirty="0">
+              <a:solidFill>
+                <a:schemeClr val="bg1"/>
+              </a:solidFill>
+            </a:endParaRPr>
+          </a:p>
+        </p:txBody>
+      </p:sp>
+      <p:sp>
+        <p:nvSpPr>
+          <p:cNvPr id="86" name="TextBox 85">
+            <a:extLst>
+              <a:ext uri="{FF2B5EF4-FFF2-40B4-BE49-F238E27FC236}">
+                <a16:creationId xmlns:a16="http://schemas.microsoft.com/office/drawing/2014/main" id="{E97EF772-4234-CE9B-80ED-0997C0F43081}"/>
+              </a:ext>
+            </a:extLst>
+          </p:cNvPr>
+          <p:cNvSpPr txBox="1"/>
+          <p:nvPr/>
+        </p:nvSpPr>
+        <p:spPr>
+          <a:xfrm>
+            <a:off x="3106506" y="2507528"/>
+            <a:ext cx="1059906" cy="369332"/>
+          </a:xfrm>
+          <a:prstGeom prst="rect">
+            <a:avLst/>
+          </a:prstGeom>
+          <a:noFill/>
+        </p:spPr>
+        <p:txBody>
+          <a:bodyPr wrap="none" rtlCol="0">
+            <a:spAutoFit/>
+          </a:bodyPr>
+          <a:lstStyle/>
+          <a:p>
+            <a:r>
+              <a:rPr lang="en-US" altLang="ko-KR" dirty="0">
+                <a:solidFill>
+                  <a:schemeClr val="bg1"/>
+                </a:solidFill>
+              </a:rPr>
+              <a:t>Insta360</a:t>
+            </a:r>
+          </a:p>
+        </p:txBody>
+      </p:sp>
+      <p:sp>
+        <p:nvSpPr>
+          <p:cNvPr id="87" name="TextBox 86">
+            <a:extLst>
+              <a:ext uri="{FF2B5EF4-FFF2-40B4-BE49-F238E27FC236}">
+                <a16:creationId xmlns:a16="http://schemas.microsoft.com/office/drawing/2014/main" id="{251E2064-B481-801B-D50D-445EB4C72DA5}"/>
+              </a:ext>
+            </a:extLst>
+          </p:cNvPr>
+          <p:cNvSpPr txBox="1"/>
+          <p:nvPr/>
+        </p:nvSpPr>
+        <p:spPr>
+          <a:xfrm>
+            <a:off x="3105563" y="3906634"/>
+            <a:ext cx="3594254" cy="369332"/>
+          </a:xfrm>
+          <a:prstGeom prst="rect">
+            <a:avLst/>
+          </a:prstGeom>
+          <a:noFill/>
+        </p:spPr>
+        <p:txBody>
+          <a:bodyPr wrap="none" rtlCol="0">
+            <a:spAutoFit/>
+          </a:bodyPr>
+          <a:lstStyle/>
+          <a:p>
+            <a:r>
+              <a:rPr lang="ko-KR" altLang="en-US" dirty="0">
+                <a:solidFill>
+                  <a:schemeClr val="bg1"/>
+                </a:solidFill>
+              </a:rPr>
+              <a:t>하자 부분 찾기와 계약 사항 퀴즈</a:t>
+            </a:r>
+            <a:endParaRPr lang="en-US" altLang="ko-KR" dirty="0">
+              <a:solidFill>
+                <a:schemeClr val="bg1"/>
+              </a:solidFill>
+            </a:endParaRPr>
+          </a:p>
+        </p:txBody>
+      </p:sp>
+      <p:sp>
+        <p:nvSpPr>
+          <p:cNvPr id="88" name="TextBox 87">
+            <a:extLst>
+              <a:ext uri="{FF2B5EF4-FFF2-40B4-BE49-F238E27FC236}">
+                <a16:creationId xmlns:a16="http://schemas.microsoft.com/office/drawing/2014/main" id="{67F08984-3A0D-7C31-E1E4-118AB21033F4}"/>
+              </a:ext>
+            </a:extLst>
+          </p:cNvPr>
+          <p:cNvSpPr txBox="1"/>
+          <p:nvPr/>
+        </p:nvSpPr>
+        <p:spPr>
+          <a:xfrm>
+            <a:off x="3105563" y="5285354"/>
+            <a:ext cx="1174873" cy="369332"/>
+          </a:xfrm>
+          <a:prstGeom prst="rect">
+            <a:avLst/>
+          </a:prstGeom>
+          <a:noFill/>
+        </p:spPr>
+        <p:txBody>
+          <a:bodyPr wrap="none" rtlCol="0">
+            <a:spAutoFit/>
+          </a:bodyPr>
+          <a:lstStyle/>
+          <a:p>
+            <a:r>
+              <a:rPr lang="en-US" altLang="ko-KR" dirty="0">
+                <a:solidFill>
+                  <a:schemeClr val="bg1"/>
+                </a:solidFill>
+              </a:rPr>
+              <a:t>DOTween</a:t>
+            </a:r>
+          </a:p>
+        </p:txBody>
+      </p:sp>
+      <p:sp>
+        <p:nvSpPr>
+          <p:cNvPr id="89" name="TextBox 88">
+            <a:extLst>
+              <a:ext uri="{FF2B5EF4-FFF2-40B4-BE49-F238E27FC236}">
+                <a16:creationId xmlns:a16="http://schemas.microsoft.com/office/drawing/2014/main" id="{DE1DC50D-800A-AF1F-00B2-117B7DAEDC8D}"/>
+              </a:ext>
+            </a:extLst>
+          </p:cNvPr>
+          <p:cNvSpPr txBox="1"/>
+          <p:nvPr/>
+        </p:nvSpPr>
+        <p:spPr>
+          <a:xfrm>
+            <a:off x="3109550" y="1639149"/>
+            <a:ext cx="5160387" cy="430887"/>
+          </a:xfrm>
+          <a:prstGeom prst="rect">
+            <a:avLst/>
+          </a:prstGeom>
+          <a:noFill/>
+        </p:spPr>
+        <p:txBody>
+          <a:bodyPr wrap="none" rtlCol="0">
+            <a:spAutoFit/>
+          </a:bodyPr>
+          <a:lstStyle/>
+          <a:p>
+            <a:pPr algn="l"/>
+            <a:r>
+              <a:rPr lang="en-US" altLang="ko-KR" sz="1100" b="0" i="0" dirty="0">
+                <a:solidFill>
+                  <a:srgbClr val="FFFFFF"/>
+                </a:solidFill>
+                <a:effectLst/>
+                <a:latin typeface="Helvetica" panose="020B0604020202020204" pitchFamily="34" charset="0"/>
+              </a:rPr>
+              <a:t>VR</a:t>
+            </a:r>
+            <a:r>
+              <a:rPr lang="ko-KR" altLang="en-US" sz="1100" b="0" i="0" dirty="0">
+                <a:solidFill>
+                  <a:srgbClr val="FFFFFF"/>
+                </a:solidFill>
+                <a:effectLst/>
+                <a:latin typeface="Helvetica" panose="020B0604020202020204" pitchFamily="34" charset="0"/>
+              </a:rPr>
+              <a:t>환경에서 누구나 쉽게 시뮬레이터를 조작할 수 있다</a:t>
+            </a:r>
+            <a:r>
+              <a:rPr lang="en-US" altLang="ko-KR" sz="1100" b="0" i="0" dirty="0">
+                <a:solidFill>
+                  <a:srgbClr val="FFFFFF"/>
+                </a:solidFill>
+                <a:effectLst/>
+                <a:latin typeface="Helvetica" panose="020B0604020202020204" pitchFamily="34" charset="0"/>
+              </a:rPr>
+              <a:t>.</a:t>
+            </a:r>
+          </a:p>
+          <a:p>
+            <a:pPr algn="l"/>
+            <a:r>
+              <a:rPr lang="ko-KR" altLang="en-US" sz="1100" b="0" i="0" dirty="0">
+                <a:solidFill>
+                  <a:srgbClr val="FFFFFF"/>
+                </a:solidFill>
+                <a:effectLst/>
+                <a:latin typeface="Helvetica" panose="020B0604020202020204" pitchFamily="34" charset="0"/>
+              </a:rPr>
+              <a:t>구현된 방을 둘러보며 자취방을 구할 때 어느 부분을 </a:t>
+            </a:r>
+            <a:r>
+              <a:rPr lang="ko-KR" altLang="en-US" sz="1100" b="0" i="0" dirty="0" err="1">
+                <a:solidFill>
+                  <a:srgbClr val="FFFFFF"/>
+                </a:solidFill>
+                <a:effectLst/>
+                <a:latin typeface="Helvetica" panose="020B0604020202020204" pitchFamily="34" charset="0"/>
+              </a:rPr>
+              <a:t>봐야하는지</a:t>
+            </a:r>
+            <a:r>
+              <a:rPr lang="ko-KR" altLang="en-US" sz="1100" b="0" i="0" dirty="0">
+                <a:solidFill>
+                  <a:srgbClr val="FFFFFF"/>
+                </a:solidFill>
+                <a:effectLst/>
+                <a:latin typeface="Helvetica" panose="020B0604020202020204" pitchFamily="34" charset="0"/>
+              </a:rPr>
+              <a:t> 학습할 수 있다</a:t>
+            </a:r>
+            <a:r>
+              <a:rPr lang="en-US" altLang="ko-KR" sz="1100" b="0" i="0" dirty="0">
+                <a:solidFill>
+                  <a:srgbClr val="FFFFFF"/>
+                </a:solidFill>
+                <a:effectLst/>
+                <a:latin typeface="Helvetica" panose="020B0604020202020204" pitchFamily="34" charset="0"/>
+              </a:rPr>
+              <a:t>.</a:t>
+            </a:r>
+          </a:p>
+        </p:txBody>
+      </p:sp>
+      <p:sp>
+        <p:nvSpPr>
+          <p:cNvPr id="90" name="TextBox 89">
+            <a:extLst>
+              <a:ext uri="{FF2B5EF4-FFF2-40B4-BE49-F238E27FC236}">
+                <a16:creationId xmlns:a16="http://schemas.microsoft.com/office/drawing/2014/main" id="{6212C99F-BD9A-3AD0-0B11-58574B497A0C}"/>
+              </a:ext>
+            </a:extLst>
+          </p:cNvPr>
+          <p:cNvSpPr txBox="1"/>
+          <p:nvPr/>
+        </p:nvSpPr>
+        <p:spPr>
+          <a:xfrm>
+            <a:off x="3105563" y="3008375"/>
+            <a:ext cx="5062604" cy="430887"/>
+          </a:xfrm>
+          <a:prstGeom prst="rect">
+            <a:avLst/>
+          </a:prstGeom>
+          <a:noFill/>
+        </p:spPr>
+        <p:txBody>
+          <a:bodyPr wrap="none" rtlCol="0">
+            <a:spAutoFit/>
+          </a:bodyPr>
+          <a:lstStyle/>
+          <a:p>
+            <a:pPr algn="l"/>
+            <a:r>
+              <a:rPr lang="en-US" altLang="ko-KR" sz="1100" b="0" i="0" dirty="0">
+                <a:solidFill>
+                  <a:srgbClr val="FFFFFF"/>
+                </a:solidFill>
+                <a:effectLst/>
+                <a:latin typeface="Helvetica" panose="020B0604020202020204" pitchFamily="34" charset="0"/>
+              </a:rPr>
+              <a:t>360º </a:t>
+            </a:r>
+            <a:r>
+              <a:rPr lang="ko-KR" altLang="en-US" sz="1100" b="0" i="0" dirty="0">
+                <a:solidFill>
+                  <a:srgbClr val="FFFFFF"/>
+                </a:solidFill>
+                <a:effectLst/>
+                <a:latin typeface="Helvetica" panose="020B0604020202020204" pitchFamily="34" charset="0"/>
+              </a:rPr>
+              <a:t>사진을 통해 실제 자취방의 구조와 모습을 직접 방문하지 않고 볼 수 있다</a:t>
+            </a:r>
+            <a:r>
+              <a:rPr lang="en-US" altLang="ko-KR" sz="1100" b="0" i="0" dirty="0">
+                <a:solidFill>
+                  <a:srgbClr val="FFFFFF"/>
+                </a:solidFill>
+                <a:effectLst/>
+                <a:latin typeface="Helvetica" panose="020B0604020202020204" pitchFamily="34" charset="0"/>
+              </a:rPr>
+              <a:t>.</a:t>
+            </a:r>
+            <a:br>
+              <a:rPr lang="en-US" altLang="ko-KR" sz="1100" b="0" i="0" dirty="0">
+                <a:solidFill>
+                  <a:srgbClr val="FFFFFF"/>
+                </a:solidFill>
+                <a:effectLst/>
+                <a:latin typeface="Helvetica" panose="020B0604020202020204" pitchFamily="34" charset="0"/>
+              </a:rPr>
+            </a:br>
+            <a:endParaRPr lang="en-US" altLang="ko-KR" sz="1100" b="0" i="0" dirty="0">
+              <a:solidFill>
+                <a:srgbClr val="FFFFFF"/>
+              </a:solidFill>
+              <a:effectLst/>
+              <a:latin typeface="Helvetica" panose="020B0604020202020204" pitchFamily="34" charset="0"/>
+            </a:endParaRPr>
+          </a:p>
+        </p:txBody>
+      </p:sp>
+      <p:sp>
+        <p:nvSpPr>
+          <p:cNvPr id="91" name="TextBox 90">
+            <a:extLst>
+              <a:ext uri="{FF2B5EF4-FFF2-40B4-BE49-F238E27FC236}">
+                <a16:creationId xmlns:a16="http://schemas.microsoft.com/office/drawing/2014/main" id="{ACC7AD13-F112-396B-8A0C-EDAD60C77AD7}"/>
+              </a:ext>
+            </a:extLst>
+          </p:cNvPr>
+          <p:cNvSpPr txBox="1"/>
+          <p:nvPr/>
+        </p:nvSpPr>
+        <p:spPr>
+          <a:xfrm>
+            <a:off x="3105563" y="4412956"/>
+            <a:ext cx="5262979" cy="430887"/>
+          </a:xfrm>
+          <a:prstGeom prst="rect">
+            <a:avLst/>
+          </a:prstGeom>
+          <a:noFill/>
+        </p:spPr>
+        <p:txBody>
+          <a:bodyPr wrap="none" rtlCol="0">
+            <a:spAutoFit/>
+          </a:bodyPr>
+          <a:lstStyle/>
+          <a:p>
+            <a:pPr algn="l"/>
+            <a:r>
+              <a:rPr lang="ko-KR" altLang="en-US" sz="1100" b="0" i="0" dirty="0">
+                <a:solidFill>
+                  <a:srgbClr val="FFFFFF"/>
+                </a:solidFill>
+                <a:effectLst/>
+                <a:latin typeface="Helvetica" panose="020B0604020202020204" pitchFamily="34" charset="0"/>
+              </a:rPr>
+              <a:t>시뮬레이터에서 직접 하자를 찾아보고 계약 사항 퀴즈를 풀면서 자취방을 구할 때</a:t>
+            </a:r>
+            <a:r>
+              <a:rPr lang="en-US" altLang="ko-KR" sz="1100" b="0" i="0" dirty="0">
+                <a:solidFill>
+                  <a:srgbClr val="FFFFFF"/>
+                </a:solidFill>
+                <a:effectLst/>
+                <a:latin typeface="Helvetica" panose="020B0604020202020204" pitchFamily="34" charset="0"/>
+              </a:rPr>
+              <a:t>,</a:t>
+            </a:r>
+          </a:p>
+          <a:p>
+            <a:pPr algn="l"/>
+            <a:r>
+              <a:rPr lang="ko-KR" altLang="en-US" sz="1100" b="0" i="0" dirty="0">
+                <a:solidFill>
+                  <a:srgbClr val="FFFFFF"/>
+                </a:solidFill>
+                <a:effectLst/>
+                <a:latin typeface="Helvetica" panose="020B0604020202020204" pitchFamily="34" charset="0"/>
+              </a:rPr>
+              <a:t>중요하게 봐야하는 부분을 학습할 수 있다</a:t>
+            </a:r>
+            <a:r>
+              <a:rPr lang="en-US" altLang="ko-KR" sz="1100" b="0" i="0" dirty="0">
+                <a:solidFill>
+                  <a:srgbClr val="FFFFFF"/>
+                </a:solidFill>
+                <a:effectLst/>
+                <a:latin typeface="Helvetica" panose="020B0604020202020204" pitchFamily="34" charset="0"/>
+              </a:rPr>
+              <a:t>.</a:t>
+            </a:r>
+          </a:p>
+        </p:txBody>
+      </p:sp>
+      <p:sp>
+        <p:nvSpPr>
+          <p:cNvPr id="92" name="TextBox 91">
+            <a:extLst>
+              <a:ext uri="{FF2B5EF4-FFF2-40B4-BE49-F238E27FC236}">
+                <a16:creationId xmlns:a16="http://schemas.microsoft.com/office/drawing/2014/main" id="{3F3A8812-350D-E5EF-FBAA-C1B2288027F0}"/>
+              </a:ext>
+            </a:extLst>
+          </p:cNvPr>
+          <p:cNvSpPr txBox="1"/>
+          <p:nvPr/>
+        </p:nvSpPr>
+        <p:spPr>
+          <a:xfrm>
+            <a:off x="3090500" y="5787810"/>
+            <a:ext cx="5205271" cy="261610"/>
+          </a:xfrm>
+          <a:prstGeom prst="rect">
+            <a:avLst/>
+          </a:prstGeom>
+          <a:noFill/>
+        </p:spPr>
+        <p:txBody>
+          <a:bodyPr wrap="none" rtlCol="0">
+            <a:spAutoFit/>
+          </a:bodyPr>
+          <a:lstStyle/>
+          <a:p>
+            <a:pPr algn="l"/>
+            <a:r>
+              <a:rPr lang="ko-KR" altLang="en-US" sz="1100" b="0" i="0" dirty="0">
+                <a:solidFill>
+                  <a:srgbClr val="FFFFFF"/>
+                </a:solidFill>
+                <a:effectLst/>
+                <a:latin typeface="Helvetica" panose="020B0604020202020204" pitchFamily="34" charset="0"/>
+              </a:rPr>
+              <a:t>계약 사항 퀴즈를 풀 때 </a:t>
+            </a:r>
+            <a:r>
+              <a:rPr lang="en-US" altLang="ko-KR" sz="1100" b="0" i="0" dirty="0">
+                <a:solidFill>
+                  <a:srgbClr val="FFFFFF"/>
+                </a:solidFill>
+                <a:effectLst/>
+                <a:latin typeface="Helvetica" panose="020B0604020202020204" pitchFamily="34" charset="0"/>
+              </a:rPr>
+              <a:t>GUI</a:t>
+            </a:r>
+            <a:r>
+              <a:rPr lang="ko-KR" altLang="en-US" sz="1100" b="0" i="0" dirty="0">
+                <a:solidFill>
+                  <a:srgbClr val="FFFFFF"/>
+                </a:solidFill>
+                <a:effectLst/>
+                <a:latin typeface="Helvetica" panose="020B0604020202020204" pitchFamily="34" charset="0"/>
+              </a:rPr>
+              <a:t>의 역동적인 연출을 통해 문제 풀이에 집중할 수 있다</a:t>
+            </a:r>
+            <a:r>
+              <a:rPr lang="en-US" altLang="ko-KR" sz="1100" b="0" i="0" dirty="0">
+                <a:solidFill>
+                  <a:srgbClr val="FFFFFF"/>
+                </a:solidFill>
+                <a:effectLst/>
+                <a:latin typeface="Helvetica" panose="020B0604020202020204" pitchFamily="34" charset="0"/>
+              </a:rPr>
+              <a:t>.</a:t>
+            </a:r>
+          </a:p>
+        </p:txBody>
+      </p:sp>
+      <p:pic>
+        <p:nvPicPr>
+          <p:cNvPr id="94" name="그림 93">
+            <a:extLst>
+              <a:ext uri="{FF2B5EF4-FFF2-40B4-BE49-F238E27FC236}">
+                <a16:creationId xmlns:a16="http://schemas.microsoft.com/office/drawing/2014/main" id="{D8F87BFF-2744-2A97-1F39-A96945D93CDD}"/>
+              </a:ext>
+            </a:extLst>
+          </p:cNvPr>
+          <p:cNvPicPr>
+            <a:picLocks noChangeAspect="1"/>
+          </p:cNvPicPr>
+          <p:nvPr/>
+        </p:nvPicPr>
+        <p:blipFill>
+          <a:blip r:embed="rId15" cstate="print">
+            <a:extLst>
+              <a:ext uri="{28A0092B-C50C-407E-A947-70E740481C1C}">
+                <a14:useLocalDpi xmlns:a14="http://schemas.microsoft.com/office/drawing/2010/main" val="0"/>
+              </a:ext>
+            </a:extLst>
+          </a:blip>
+          <a:stretch>
+            <a:fillRect/>
+          </a:stretch>
+        </p:blipFill>
+        <p:spPr>
+          <a:xfrm>
+            <a:off x="8897220" y="1438102"/>
+            <a:ext cx="794441" cy="794441"/>
+          </a:xfrm>
+          <a:prstGeom prst="rect">
+            <a:avLst/>
+          </a:prstGeom>
+        </p:spPr>
+      </p:pic>
+      <p:pic>
+        <p:nvPicPr>
+          <p:cNvPr id="96" name="그림 95">
+            <a:extLst>
+              <a:ext uri="{FF2B5EF4-FFF2-40B4-BE49-F238E27FC236}">
+                <a16:creationId xmlns:a16="http://schemas.microsoft.com/office/drawing/2014/main" id="{6E13D05B-133B-89B1-FE6E-2F7B3F54F70B}"/>
+              </a:ext>
+            </a:extLst>
+          </p:cNvPr>
+          <p:cNvPicPr>
+            <a:picLocks noChangeAspect="1"/>
+          </p:cNvPicPr>
+          <p:nvPr/>
+        </p:nvPicPr>
+        <p:blipFill>
+          <a:blip r:embed="rId16" cstate="print">
+            <a:extLst>
+              <a:ext uri="{28A0092B-C50C-407E-A947-70E740481C1C}">
+                <a14:useLocalDpi xmlns:a14="http://schemas.microsoft.com/office/drawing/2010/main" val="0"/>
+              </a:ext>
+            </a:extLst>
+          </a:blip>
+          <a:stretch>
+            <a:fillRect/>
+          </a:stretch>
+        </p:blipFill>
+        <p:spPr>
+          <a:xfrm>
+            <a:off x="8457094" y="1187688"/>
+            <a:ext cx="838195" cy="838195"/>
+          </a:xfrm>
+          <a:prstGeom prst="rect">
+            <a:avLst/>
+          </a:prstGeom>
+        </p:spPr>
+      </p:pic>
+      <p:pic>
+        <p:nvPicPr>
+          <p:cNvPr id="98" name="그림 97">
+            <a:extLst>
+              <a:ext uri="{FF2B5EF4-FFF2-40B4-BE49-F238E27FC236}">
+                <a16:creationId xmlns:a16="http://schemas.microsoft.com/office/drawing/2014/main" id="{604FB87C-D47E-6F68-8A1A-BB907932D470}"/>
+              </a:ext>
+            </a:extLst>
+          </p:cNvPr>
+          <p:cNvPicPr>
+            <a:picLocks noChangeAspect="1"/>
+          </p:cNvPicPr>
+          <p:nvPr/>
+        </p:nvPicPr>
+        <p:blipFill>
+          <a:blip r:embed="rId17" cstate="print">
+            <a:extLst>
+              <a:ext uri="{28A0092B-C50C-407E-A947-70E740481C1C}">
+                <a14:useLocalDpi xmlns:a14="http://schemas.microsoft.com/office/drawing/2010/main" val="0"/>
+              </a:ext>
+            </a:extLst>
+          </a:blip>
+          <a:stretch>
+            <a:fillRect/>
+          </a:stretch>
+        </p:blipFill>
+        <p:spPr>
+          <a:xfrm>
+            <a:off x="8430770" y="2392828"/>
+            <a:ext cx="1329444" cy="1329444"/>
+          </a:xfrm>
+          <a:prstGeom prst="rect">
+            <a:avLst/>
+          </a:prstGeom>
+        </p:spPr>
+      </p:pic>
+      <p:pic>
+        <p:nvPicPr>
+          <p:cNvPr id="102" name="그림 101">
+            <a:extLst>
+              <a:ext uri="{FF2B5EF4-FFF2-40B4-BE49-F238E27FC236}">
+                <a16:creationId xmlns:a16="http://schemas.microsoft.com/office/drawing/2014/main" id="{BF43AB2E-2D36-9FCB-CD0F-B18589D8400B}"/>
+              </a:ext>
+            </a:extLst>
+          </p:cNvPr>
+          <p:cNvPicPr>
+            <a:picLocks noChangeAspect="1"/>
+          </p:cNvPicPr>
+          <p:nvPr/>
+        </p:nvPicPr>
+        <p:blipFill>
+          <a:blip r:embed="rId18">
+            <a:extLst>
+              <a:ext uri="{28A0092B-C50C-407E-A947-70E740481C1C}">
+                <a14:useLocalDpi xmlns:a14="http://schemas.microsoft.com/office/drawing/2010/main" val="0"/>
+              </a:ext>
+            </a:extLst>
+          </a:blip>
+          <a:stretch>
+            <a:fillRect/>
+          </a:stretch>
+        </p:blipFill>
+        <p:spPr>
+          <a:xfrm>
+            <a:off x="8368542" y="3672026"/>
+            <a:ext cx="1559749" cy="1559749"/>
+          </a:xfrm>
+          <a:prstGeom prst="rect">
+            <a:avLst/>
+          </a:prstGeom>
+        </p:spPr>
+      </p:pic>
+      <p:pic>
+        <p:nvPicPr>
+          <p:cNvPr id="104" name="그림 103">
+            <a:extLst>
+              <a:ext uri="{FF2B5EF4-FFF2-40B4-BE49-F238E27FC236}">
+                <a16:creationId xmlns:a16="http://schemas.microsoft.com/office/drawing/2014/main" id="{7115B977-127A-9799-9FEE-91F5589F6C03}"/>
+              </a:ext>
+            </a:extLst>
+          </p:cNvPr>
+          <p:cNvPicPr>
+            <a:picLocks noChangeAspect="1"/>
+          </p:cNvPicPr>
+          <p:nvPr/>
+        </p:nvPicPr>
+        <p:blipFill>
+          <a:blip r:embed="rId19">
+            <a:extLst>
+              <a:ext uri="{28A0092B-C50C-407E-A947-70E740481C1C}">
+                <a14:useLocalDpi xmlns:a14="http://schemas.microsoft.com/office/drawing/2010/main" val="0"/>
+              </a:ext>
+            </a:extLst>
+          </a:blip>
+          <a:stretch>
+            <a:fillRect/>
+          </a:stretch>
+        </p:blipFill>
+        <p:spPr>
+          <a:xfrm>
+            <a:off x="8610075" y="5339605"/>
+            <a:ext cx="978154" cy="978154"/>
+          </a:xfrm>
+          <a:prstGeom prst="rect">
+            <a:avLst/>
+          </a:prstGeom>
+        </p:spPr>
+      </p:pic>
+      <p:pic>
+        <p:nvPicPr>
+          <p:cNvPr id="41" name="그림 40">
+            <a:extLst>
+              <a:ext uri="{FF2B5EF4-FFF2-40B4-BE49-F238E27FC236}">
+                <a16:creationId xmlns:a16="http://schemas.microsoft.com/office/drawing/2014/main" id="{F6A20BE8-7959-F666-4276-11B8F64D1429}"/>
+              </a:ext>
+            </a:extLst>
+          </p:cNvPr>
+          <p:cNvPicPr>
+            <a:picLocks noChangeAspect="1"/>
+          </p:cNvPicPr>
+          <p:nvPr/>
+        </p:nvPicPr>
+        <p:blipFill>
+          <a:blip r:embed="rId20" cstate="print">
+            <a:extLst>
+              <a:ext uri="{28A0092B-C50C-407E-A947-70E740481C1C}">
+                <a14:useLocalDpi xmlns:a14="http://schemas.microsoft.com/office/drawing/2010/main" val="0"/>
+              </a:ext>
+            </a:extLst>
+          </a:blip>
+          <a:stretch>
+            <a:fillRect/>
+          </a:stretch>
+        </p:blipFill>
+        <p:spPr>
+          <a:xfrm>
+            <a:off x="11313108" y="311326"/>
+            <a:ext cx="652350" cy="527786"/>
+          </a:xfrm>
+          <a:prstGeom prst="rect">
+            <a:avLst/>
+          </a:prstGeom>
+        </p:spPr>
+      </p:pic>
     </p:spTree>
     <p:extLst>
       <p:ext uri="{BB962C8B-B14F-4D97-AF65-F5344CB8AC3E}">
-        <p14:creationId xmlns:p14="http://schemas.microsoft.com/office/powerpoint/2010/main" val="4159711062"/>
+        <p14:creationId xmlns:p14="http://schemas.microsoft.com/office/powerpoint/2010/main" val="226126901"/>
       </p:ext>
     </p:extLst>
   </p:cSld>
   <p:clrMapOvr>
     <a:masterClrMapping/>
   </p:clrMapOvr>
-  <p:timing>
-    <p:tnLst>
-      <p:par>
-        <p:cTn id="1" dur="indefinite" restart="never" nodeType="tmRoot"/>
-      </p:par>
-    </p:tnLst>
-  </p:timing>
 </p:sld>
 </file>
 
@@ -8499,7 +10985,7 @@
               <a:defRPr/>
             </a:pPr>
             <a:r>
-              <a:rPr lang="en-US" altLang="ko-KR" sz="2800" b="1" i="1" kern="0" smtClean="0">
+              <a:rPr lang="en-US" altLang="ko-KR" sz="2800" b="1" i="1" kern="0">
                 <a:solidFill>
                   <a:prstClr val="white"/>
                 </a:solidFill>
@@ -8507,7 +10993,7 @@
               <a:t>2. </a:t>
             </a:r>
             <a:r>
-              <a:rPr lang="ko-KR" altLang="en-US" sz="2800" b="1" i="1" kern="0" smtClean="0">
+              <a:rPr lang="ko-KR" altLang="en-US" sz="2800" b="1" i="1" kern="0">
                 <a:solidFill>
                   <a:prstClr val="white"/>
                 </a:solidFill>
@@ -8520,18 +11006,10 @@
                   <a:prstClr val="white"/>
                 </a:solidFill>
               </a:rPr>
-              <a:t>-</a:t>
-            </a:r>
-            <a:r>
-              <a:rPr lang="en-US" altLang="ko-KR" sz="2800" b="1" i="1" kern="0" smtClean="0">
-                <a:solidFill>
-                  <a:prstClr val="white"/>
-                </a:solidFill>
-              </a:rPr>
-              <a:t> </a:t>
-            </a:r>
-            <a:r>
-              <a:rPr lang="ko-KR" altLang="en-US" sz="2800" b="1" i="1" kern="0" smtClean="0">
+              <a:t>- </a:t>
+            </a:r>
+            <a:r>
+              <a:rPr lang="ko-KR" altLang="en-US" sz="2800" b="1" i="1" kern="0">
                 <a:solidFill>
                   <a:prstClr val="white"/>
                 </a:solidFill>
@@ -8713,7 +11191,7 @@
               </a:lnSpc>
             </a:pPr>
             <a:r>
-              <a:rPr lang="en-US" altLang="ko-KR" sz="1400" smtClean="0">
+              <a:rPr lang="en-US" altLang="ko-KR" sz="1400">
                 <a:solidFill>
                   <a:srgbClr val="44546A">
                     <a:lumMod val="75000"/>
@@ -8723,7 +11201,7 @@
               <a:t>* 360</a:t>
             </a:r>
             <a:r>
-              <a:rPr lang="ko-KR" altLang="en-US" sz="1400" smtClean="0">
+              <a:rPr lang="ko-KR" altLang="en-US" sz="1400">
                 <a:solidFill>
                   <a:srgbClr val="44546A">
                     <a:lumMod val="75000"/>
@@ -8757,7 +11235,7 @@
         </p:nvSpPr>
         <p:spPr>
           <a:xfrm>
-            <a:off x="6184545" y="5061520"/>
+            <a:off x="6273997" y="5068611"/>
             <a:ext cx="4469818" cy="373885"/>
           </a:xfrm>
           <a:prstGeom prst="rect">
@@ -8793,27 +11271,7 @@
                   </a:srgbClr>
                 </a:solidFill>
               </a:rPr>
-              <a:t>도 카메라를 통해 촬영한 실제 </a:t>
-            </a:r>
-            <a:r>
-              <a:rPr lang="ko-KR" altLang="en-US" sz="1400" smtClean="0">
-                <a:solidFill>
-                  <a:srgbClr val="44546A">
-                    <a:lumMod val="75000"/>
-                  </a:srgbClr>
-                </a:solidFill>
-              </a:rPr>
-              <a:t>화장실의 </a:t>
-            </a:r>
-            <a:r>
-              <a:rPr lang="ko-KR" altLang="en-US" sz="1400">
-                <a:solidFill>
-                  <a:srgbClr val="44546A">
-                    <a:lumMod val="75000"/>
-                  </a:srgbClr>
-                </a:solidFill>
-              </a:rPr>
-              <a:t>모습</a:t>
+              <a:t>도 카메라를 통해 촬영한 실제 화장실의 모습</a:t>
             </a:r>
             <a:endParaRPr lang="ko-KR" altLang="en-US" sz="1000" dirty="0">
               <a:solidFill>
@@ -8835,7 +11293,7 @@
           <p:nvPr/>
         </p:nvPicPr>
         <p:blipFill>
-          <a:blip r:embed="rId2" cstate="print">
+          <a:blip r:embed="rId2">
             <a:extLst>
               <a:ext uri="{28A0092B-C50C-407E-A947-70E740481C1C}">
                 <a14:useLocalDpi xmlns:a14="http://schemas.microsoft.com/office/drawing/2010/main" val="0"/>
@@ -8848,8 +11306,8 @@
         </p:blipFill>
         <p:spPr>
           <a:xfrm>
-            <a:off x="6273997" y="1599885"/>
-            <a:ext cx="5247183" cy="3354694"/>
+            <a:off x="6374079" y="1519622"/>
+            <a:ext cx="5267195" cy="3464504"/>
           </a:xfrm>
           <a:prstGeom prst="rect">
             <a:avLst/>
@@ -8865,7 +11323,7 @@
           <p:nvPr/>
         </p:nvPicPr>
         <p:blipFill>
-          <a:blip r:embed="rId3" cstate="print">
+          <a:blip r:embed="rId3">
             <a:extLst>
               <a:ext uri="{28A0092B-C50C-407E-A947-70E740481C1C}">
                 <a14:useLocalDpi xmlns:a14="http://schemas.microsoft.com/office/drawing/2010/main" val="0"/>
@@ -8878,79 +11336,60 @@
         </p:blipFill>
         <p:spPr>
           <a:xfrm>
-            <a:off x="556285" y="1640264"/>
-            <a:ext cx="5175212" cy="3354694"/>
+            <a:off x="565711" y="1519622"/>
+            <a:ext cx="5267195" cy="3464504"/>
           </a:xfrm>
           <a:prstGeom prst="rect">
             <a:avLst/>
           </a:prstGeom>
         </p:spPr>
       </p:pic>
-      <p:sp>
-        <p:nvSpPr>
-          <p:cNvPr id="13" name="실행 단추: 홈 12">
-            <a:hlinkClick r:id="" action="ppaction://hlinkshowjump?jump=firstslide" highlightClick="1"/>
-          </p:cNvPr>
-          <p:cNvSpPr/>
+      <p:pic>
+        <p:nvPicPr>
+          <p:cNvPr id="11" name="그림 10">
+            <a:extLst>
+              <a:ext uri="{FF2B5EF4-FFF2-40B4-BE49-F238E27FC236}">
+                <a16:creationId xmlns:a16="http://schemas.microsoft.com/office/drawing/2014/main" id="{403180C8-08AE-5C5B-A028-C0E701339A8B}"/>
+              </a:ext>
+            </a:extLst>
+          </p:cNvPr>
+          <p:cNvPicPr>
+            <a:picLocks noChangeAspect="1"/>
+          </p:cNvPicPr>
           <p:nvPr/>
-        </p:nvSpPr>
-        <p:spPr>
-          <a:xfrm>
-            <a:off x="11326602" y="328938"/>
-            <a:ext cx="629344" cy="502942"/>
-          </a:xfrm>
-          <a:prstGeom prst="actionButtonHome">
+        </p:nvPicPr>
+        <p:blipFill>
+          <a:blip r:embed="rId4" cstate="print">
+            <a:extLst>
+              <a:ext uri="{28A0092B-C50C-407E-A947-70E740481C1C}">
+                <a14:useLocalDpi xmlns:a14="http://schemas.microsoft.com/office/drawing/2010/main" val="0"/>
+              </a:ext>
+            </a:extLst>
+          </a:blip>
+          <a:stretch>
+            <a:fillRect/>
+          </a:stretch>
+        </p:blipFill>
+        <p:spPr>
+          <a:xfrm>
+            <a:off x="11313108" y="311326"/>
+            <a:ext cx="652350" cy="527786"/>
+          </a:xfrm>
+          <a:prstGeom prst="rect">
             <a:avLst/>
           </a:prstGeom>
-          <a:noFill/>
-          <a:ln>
-            <a:solidFill>
-              <a:schemeClr val="bg1"/>
-            </a:solidFill>
-          </a:ln>
-        </p:spPr>
-        <p:style>
-          <a:lnRef idx="2">
-            <a:schemeClr val="accent1">
-              <a:shade val="50000"/>
-            </a:schemeClr>
-          </a:lnRef>
-          <a:fillRef idx="1">
-            <a:schemeClr val="accent1"/>
-          </a:fillRef>
-          <a:effectRef idx="0">
-            <a:schemeClr val="accent1"/>
-          </a:effectRef>
-          <a:fontRef idx="minor">
-            <a:schemeClr val="lt1"/>
-          </a:fontRef>
-        </p:style>
-        <p:txBody>
-          <a:bodyPr rtlCol="0" anchor="ctr"/>
-          <a:lstStyle/>
-          <a:p>
-            <a:pPr algn="ctr"/>
-            <a:endParaRPr lang="ko-KR" altLang="en-US"/>
-          </a:p>
-        </p:txBody>
-      </p:sp>
+        </p:spPr>
+      </p:pic>
     </p:spTree>
     <p:extLst>
       <p:ext uri="{BB962C8B-B14F-4D97-AF65-F5344CB8AC3E}">
-        <p14:creationId xmlns:p14="http://schemas.microsoft.com/office/powerpoint/2010/main" val="2139761436"/>
+        <p14:creationId xmlns:p14="http://schemas.microsoft.com/office/powerpoint/2010/main" val="2714526069"/>
       </p:ext>
     </p:extLst>
   </p:cSld>
   <p:clrMapOvr>
     <a:masterClrMapping/>
   </p:clrMapOvr>
-  <p:timing>
-    <p:tnLst>
-      <p:par>
-        <p:cTn id="1" dur="indefinite" restart="never" nodeType="tmRoot"/>
-      </p:par>
-    </p:tnLst>
-  </p:timing>
 </p:sld>
 </file>
 
@@ -9090,20 +11529,36 @@
               <a:defRPr/>
             </a:pPr>
             <a:r>
-              <a:rPr lang="en-US" altLang="ko-KR" sz="2800" b="1" i="1" kern="0" smtClean="0">
+              <a:rPr lang="en-US" altLang="ko-KR" sz="2800" b="1" i="1" kern="0">
                 <a:solidFill>
                   <a:prstClr val="white"/>
                 </a:solidFill>
               </a:rPr>
-              <a:t>3. </a:t>
-            </a:r>
-            <a:r>
-              <a:rPr lang="ko-KR" altLang="en-US" sz="2800" b="1" i="1" kern="0" smtClean="0">
+              <a:t>2. </a:t>
+            </a:r>
+            <a:r>
+              <a:rPr lang="ko-KR" altLang="en-US" sz="2800" b="1" i="1" kern="0">
                 <a:solidFill>
                   <a:prstClr val="white"/>
                 </a:solidFill>
               </a:rPr>
-              <a:t>앞으로의 계획</a:t>
+              <a:t>프로젝트 내용 </a:t>
+            </a:r>
+            <a:r>
+              <a:rPr lang="en-US" altLang="ko-KR" sz="2800" b="1" i="1" kern="0">
+                <a:solidFill>
+                  <a:prstClr val="white"/>
+                </a:solidFill>
+              </a:rPr>
+              <a:t>- </a:t>
+            </a:r>
+            <a:r>
+              <a:rPr lang="ko-KR" altLang="en-US" sz="2800" b="1" i="1" kern="0">
+                <a:solidFill>
+                  <a:prstClr val="white"/>
+                </a:solidFill>
+              </a:rPr>
+              <a:t>실제 방 사진</a:t>
             </a:r>
             <a:endParaRPr lang="en-US" altLang="ko-KR" sz="1400" i="1" kern="0" dirty="0">
               <a:solidFill>
@@ -9129,7 +11584,7 @@
         </p:nvSpPr>
         <p:spPr>
           <a:xfrm>
-            <a:off x="324626" y="1068343"/>
+            <a:off x="328458" y="1068343"/>
             <a:ext cx="11556000" cy="5789657"/>
           </a:xfrm>
           <a:prstGeom prst="rect">
@@ -9261,8 +11716,8 @@
         </p:nvSpPr>
         <p:spPr>
           <a:xfrm>
-            <a:off x="420723" y="5525543"/>
-            <a:ext cx="4747625" cy="481029"/>
+            <a:off x="490297" y="5061520"/>
+            <a:ext cx="3950459" cy="373885"/>
           </a:xfrm>
           <a:prstGeom prst="rect">
             <a:avLst/>
@@ -9280,90 +11735,26 @@
               </a:lnSpc>
             </a:pPr>
             <a:r>
-              <a:rPr lang="en-US" altLang="ko-KR" sz="900" b="1" smtClean="0">
+              <a:rPr lang="en-US" altLang="ko-KR" sz="1400">
                 <a:solidFill>
                   <a:srgbClr val="44546A">
                     <a:lumMod val="75000"/>
                   </a:srgbClr>
                 </a:solidFill>
               </a:rPr>
-              <a:t>* </a:t>
-            </a:r>
-            <a:r>
-              <a:rPr lang="ko-KR" altLang="en-US" sz="900" smtClean="0"/>
-              <a:t>코로나에 </a:t>
-            </a:r>
-            <a:r>
-              <a:rPr lang="ko-KR" altLang="en-US" sz="900"/>
-              <a:t>막힌 집구경 ‘</a:t>
-            </a:r>
-            <a:r>
-              <a:rPr lang="en-US" altLang="ko-KR" sz="900"/>
-              <a:t>VR </a:t>
-            </a:r>
-            <a:r>
-              <a:rPr lang="ko-KR" altLang="en-US" sz="900"/>
-              <a:t>발품팔이’</a:t>
-            </a:r>
-            <a:r>
-              <a:rPr lang="ko-KR" altLang="en-US" sz="900"/>
-              <a:t>로 </a:t>
-            </a:r>
-            <a:r>
-              <a:rPr lang="ko-KR" altLang="en-US" sz="900" smtClean="0"/>
-              <a:t>대신한다 </a:t>
-            </a:r>
-            <a:r>
-              <a:rPr lang="en-US" altLang="ko-KR" sz="900" smtClean="0"/>
-              <a:t>/ </a:t>
-            </a:r>
-            <a:r>
-              <a:rPr lang="ko-KR" altLang="en-US" sz="900" smtClean="0"/>
-              <a:t>출처 </a:t>
-            </a:r>
-            <a:r>
-              <a:rPr lang="en-US" altLang="ko-KR" sz="900" smtClean="0"/>
-              <a:t>: </a:t>
-            </a:r>
-            <a:r>
-              <a:rPr lang="ko-KR" altLang="en-US" sz="900" smtClean="0"/>
-              <a:t>한국일보</a:t>
-            </a:r>
-            <a:r>
-              <a:rPr lang="en-US" altLang="ko-KR" sz="900" smtClean="0"/>
-              <a:t>(</a:t>
-            </a:r>
-            <a:r>
-              <a:rPr lang="en-US" altLang="ko-KR" sz="900" b="1" smtClean="0">
+              <a:t>* 360</a:t>
+            </a:r>
+            <a:r>
+              <a:rPr lang="ko-KR" altLang="en-US" sz="1400">
                 <a:solidFill>
                   <a:srgbClr val="44546A">
                     <a:lumMod val="75000"/>
                   </a:srgbClr>
                 </a:solidFill>
               </a:rPr>
-              <a:t>https</a:t>
-            </a:r>
-            <a:r>
-              <a:rPr lang="en-US" altLang="ko-KR" sz="900" b="1">
-                <a:solidFill>
-                  <a:srgbClr val="44546A">
-                    <a:lumMod val="75000"/>
-                  </a:srgbClr>
-                </a:solidFill>
-              </a:rPr>
-              <a:t>://</a:t>
-            </a:r>
-            <a:r>
-              <a:rPr lang="en-US" altLang="ko-KR" sz="900" b="1" smtClean="0">
-                <a:solidFill>
-                  <a:srgbClr val="44546A">
-                    <a:lumMod val="75000"/>
-                  </a:srgbClr>
-                </a:solidFill>
-              </a:rPr>
-              <a:t>www.hankookilbo.com/News/Read/202004061549732280)</a:t>
-            </a:r>
-            <a:endParaRPr lang="ko-KR" altLang="en-US" sz="900" dirty="0">
+              <a:t>도 카메라를 통해 촬영한 실제 방의 모습</a:t>
+            </a:r>
+            <a:endParaRPr lang="ko-KR" altLang="en-US" sz="1000" dirty="0">
               <a:solidFill>
                 <a:prstClr val="black">
                   <a:lumMod val="65000"/>
@@ -9388,8 +11779,8 @@
         </p:nvSpPr>
         <p:spPr>
           <a:xfrm>
-            <a:off x="6756717" y="2264097"/>
-            <a:ext cx="4469818" cy="2169825"/>
+            <a:off x="6273997" y="5068611"/>
+            <a:ext cx="4469818" cy="373885"/>
           </a:xfrm>
           <a:prstGeom prst="rect">
             <a:avLst/>
@@ -9407,46 +11798,41 @@
               </a:lnSpc>
             </a:pPr>
             <a:r>
-              <a:rPr lang="ko-KR" altLang="en-US" sz="1000" smtClean="0">
-                <a:solidFill>
-                  <a:prstClr val="black">
-                    <a:lumMod val="65000"/>
-                    <a:lumOff val="35000"/>
-                  </a:prstClr>
-                </a:solidFill>
-              </a:rPr>
-              <a:t> </a:t>
-            </a:r>
-            <a:r>
-              <a:rPr lang="ko-KR" altLang="en-US" sz="1500" b="1" smtClean="0">
-                <a:solidFill>
-                  <a:prstClr val="black">
-                    <a:lumMod val="65000"/>
-                    <a:lumOff val="35000"/>
-                  </a:prstClr>
-                </a:solidFill>
-              </a:rPr>
-              <a:t>실제 자취방을 구하는 단계에 있거나 구할 계획이 있는 주변 잠재적 소비자에게 직접 시뮬레이터 체험의 기회를 제공하는 등의 방식을 통해 피드백을 얻어 장점을 극대화하고 단점을 개선하는 방식을 통해 더욱 완성도 높은 시뮬레이터로 마무리 지을 것입니다</a:t>
-            </a:r>
-            <a:r>
-              <a:rPr lang="en-US" altLang="ko-KR" sz="1500" b="1" smtClean="0">
-                <a:solidFill>
-                  <a:prstClr val="black">
-                    <a:lumMod val="65000"/>
-                    <a:lumOff val="35000"/>
-                  </a:prstClr>
-                </a:solidFill>
-              </a:rPr>
-              <a:t>.</a:t>
-            </a:r>
+              <a:rPr lang="en-US" altLang="ko-KR" sz="1400">
+                <a:solidFill>
+                  <a:srgbClr val="44546A">
+                    <a:lumMod val="75000"/>
+                  </a:srgbClr>
+                </a:solidFill>
+              </a:rPr>
+              <a:t>* 360</a:t>
+            </a:r>
+            <a:r>
+              <a:rPr lang="ko-KR" altLang="en-US" sz="1400">
+                <a:solidFill>
+                  <a:srgbClr val="44546A">
+                    <a:lumMod val="75000"/>
+                  </a:srgbClr>
+                </a:solidFill>
+              </a:rPr>
+              <a:t>도 카메라를 통해 촬영한 실제 화장실의 모습</a:t>
+            </a:r>
+            <a:endParaRPr lang="ko-KR" altLang="en-US" sz="1000" dirty="0">
+              <a:solidFill>
+                <a:prstClr val="black">
+                  <a:lumMod val="65000"/>
+                  <a:lumOff val="35000"/>
+                </a:prstClr>
+              </a:solidFill>
+            </a:endParaRPr>
           </a:p>
         </p:txBody>
       </p:sp>
       <p:pic>
         <p:nvPicPr>
-          <p:cNvPr id="1026" name="Picture 2" descr="코로나에 막힌 집구경 'VR 발품팔이'로 대신한다"/>
+          <p:cNvPr id="4" name="그림 3"/>
           <p:cNvPicPr>
-            <a:picLocks noChangeAspect="1" noChangeArrowheads="1"/>
+            <a:picLocks noChangeAspect="1"/>
           </p:cNvPicPr>
           <p:nvPr/>
         </p:nvPicPr>
@@ -9458,53 +11844,157 @@
               </a:ext>
             </a:extLst>
           </a:blip>
-          <a:srcRect/>
           <a:stretch>
             <a:fillRect/>
           </a:stretch>
         </p:blipFill>
-        <p:spPr bwMode="auto">
-          <a:xfrm>
-            <a:off x="490297" y="1169283"/>
-            <a:ext cx="5612329" cy="4314826"/>
+        <p:spPr>
+          <a:xfrm>
+            <a:off x="575035" y="1543026"/>
+            <a:ext cx="5344998" cy="3504868"/>
           </a:xfrm>
           <a:prstGeom prst="rect">
             <a:avLst/>
           </a:prstGeom>
-          <a:noFill/>
-          <a:extLst>
-            <a:ext uri="{909E8E84-426E-40DD-AFC4-6F175D3DCCD1}">
-              <a14:hiddenFill xmlns:a14="http://schemas.microsoft.com/office/drawing/2010/main">
-                <a:solidFill>
-                  <a:srgbClr val="FFFFFF"/>
-                </a:solidFill>
-              </a14:hiddenFill>
-            </a:ext>
-          </a:extLst>
         </p:spPr>
       </p:pic>
-      <p:sp>
-        <p:nvSpPr>
-          <p:cNvPr id="12" name="실행 단추: 홈 11">
-            <a:hlinkClick r:id="" action="ppaction://hlinkshowjump?jump=firstslide" highlightClick="1"/>
-          </p:cNvPr>
+      <p:pic>
+        <p:nvPicPr>
+          <p:cNvPr id="8" name="그림 7"/>
+          <p:cNvPicPr>
+            <a:picLocks noChangeAspect="1"/>
+          </p:cNvPicPr>
+          <p:nvPr/>
+        </p:nvPicPr>
+        <p:blipFill>
+          <a:blip r:embed="rId3">
+            <a:extLst>
+              <a:ext uri="{28A0092B-C50C-407E-A947-70E740481C1C}">
+                <a14:useLocalDpi xmlns:a14="http://schemas.microsoft.com/office/drawing/2010/main" val="0"/>
+              </a:ext>
+            </a:extLst>
+          </a:blip>
+          <a:stretch>
+            <a:fillRect/>
+          </a:stretch>
+        </p:blipFill>
+        <p:spPr>
+          <a:xfrm>
+            <a:off x="6363093" y="1543026"/>
+            <a:ext cx="5372252" cy="3504868"/>
+          </a:xfrm>
+          <a:prstGeom prst="rect">
+            <a:avLst/>
+          </a:prstGeom>
+        </p:spPr>
+      </p:pic>
+      <p:pic>
+        <p:nvPicPr>
+          <p:cNvPr id="11" name="그림 10">
+            <a:extLst>
+              <a:ext uri="{FF2B5EF4-FFF2-40B4-BE49-F238E27FC236}">
+                <a16:creationId xmlns:a16="http://schemas.microsoft.com/office/drawing/2014/main" id="{58CCF67D-4083-25BA-D66B-A9BD38D7A62D}"/>
+              </a:ext>
+            </a:extLst>
+          </p:cNvPr>
+          <p:cNvPicPr>
+            <a:picLocks noChangeAspect="1"/>
+          </p:cNvPicPr>
+          <p:nvPr/>
+        </p:nvPicPr>
+        <p:blipFill>
+          <a:blip r:embed="rId4" cstate="print">
+            <a:extLst>
+              <a:ext uri="{28A0092B-C50C-407E-A947-70E740481C1C}">
+                <a14:useLocalDpi xmlns:a14="http://schemas.microsoft.com/office/drawing/2010/main" val="0"/>
+              </a:ext>
+            </a:extLst>
+          </a:blip>
+          <a:stretch>
+            <a:fillRect/>
+          </a:stretch>
+        </p:blipFill>
+        <p:spPr>
+          <a:xfrm>
+            <a:off x="11313108" y="311326"/>
+            <a:ext cx="652350" cy="527786"/>
+          </a:xfrm>
+          <a:prstGeom prst="rect">
+            <a:avLst/>
+          </a:prstGeom>
+        </p:spPr>
+      </p:pic>
+    </p:spTree>
+    <p:extLst>
+      <p:ext uri="{BB962C8B-B14F-4D97-AF65-F5344CB8AC3E}">
+        <p14:creationId xmlns:p14="http://schemas.microsoft.com/office/powerpoint/2010/main" val="4159711062"/>
+      </p:ext>
+    </p:extLst>
+  </p:cSld>
+  <p:clrMapOvr>
+    <a:masterClrMapping/>
+  </p:clrMapOvr>
+</p:sld>
+</file>
+
+<file path=ppt/slides/slide9.xml><?xml version="1.0" encoding="utf-8"?>
+<p:sld xmlns:a="http://schemas.openxmlformats.org/drawingml/2006/main" xmlns:r="http://schemas.openxmlformats.org/officeDocument/2006/relationships" xmlns:p="http://schemas.openxmlformats.org/presentationml/2006/main">
+  <p:cSld>
+    <p:bg>
+      <p:bgPr>
+        <a:solidFill>
+          <a:srgbClr val="FFEAD1"/>
+        </a:solidFill>
+        <a:effectLst/>
+      </p:bgPr>
+    </p:bg>
+    <p:spTree>
+      <p:nvGrpSpPr>
+        <p:cNvPr id="1" name=""/>
+        <p:cNvGrpSpPr/>
+        <p:nvPr/>
+      </p:nvGrpSpPr>
+      <p:grpSpPr>
+        <a:xfrm>
+          <a:off x="0" y="0"/>
+          <a:ext cx="0" cy="0"/>
+          <a:chOff x="0" y="0"/>
+          <a:chExt cx="0" cy="0"/>
+        </a:xfrm>
+      </p:grpSpPr>
+      <p:sp>
+        <p:nvSpPr>
+          <p:cNvPr id="5" name="양쪽 모서리가 둥근 사각형 4"/>
           <p:cNvSpPr/>
           <p:nvPr/>
         </p:nvSpPr>
         <p:spPr>
           <a:xfrm>
-            <a:off x="11344274" y="323748"/>
-            <a:ext cx="629344" cy="502942"/>
-          </a:xfrm>
-          <a:prstGeom prst="actionButtonHome">
-            <a:avLst/>
-          </a:prstGeom>
-          <a:noFill/>
+            <a:off x="274458" y="348343"/>
+            <a:ext cx="11664000" cy="6509657"/>
+          </a:xfrm>
+          <a:prstGeom prst="round2SameRect">
+            <a:avLst>
+              <a:gd name="adj1" fmla="val 5233"/>
+              <a:gd name="adj2" fmla="val 0"/>
+            </a:avLst>
+          </a:prstGeom>
+          <a:solidFill>
+            <a:schemeClr val="tx1">
+              <a:lumMod val="75000"/>
+              <a:lumOff val="25000"/>
+            </a:schemeClr>
+          </a:solidFill>
           <a:ln>
-            <a:solidFill>
-              <a:schemeClr val="bg1"/>
-            </a:solidFill>
+            <a:noFill/>
           </a:ln>
+          <a:effectLst>
+            <a:outerShdw dist="38100" algn="l" rotWithShape="0">
+              <a:prstClr val="black">
+                <a:alpha val="40000"/>
+              </a:prstClr>
+            </a:outerShdw>
+          </a:effectLst>
         </p:spPr>
         <p:style>
           <a:lnRef idx="2">
@@ -9527,276 +12017,33 @@
           <a:lstStyle/>
           <a:p>
             <a:pPr algn="ctr"/>
-            <a:endParaRPr lang="ko-KR" altLang="en-US"/>
-          </a:p>
-        </p:txBody>
-      </p:sp>
-    </p:spTree>
-    <p:extLst>
-      <p:ext uri="{BB962C8B-B14F-4D97-AF65-F5344CB8AC3E}">
-        <p14:creationId xmlns:p14="http://schemas.microsoft.com/office/powerpoint/2010/main" val="3001498773"/>
-      </p:ext>
-    </p:extLst>
-  </p:cSld>
-  <p:clrMapOvr>
-    <a:masterClrMapping/>
-  </p:clrMapOvr>
-  <p:timing>
-    <p:tnLst>
-      <p:par>
-        <p:cTn id="1" dur="indefinite" restart="never" nodeType="tmRoot"/>
-      </p:par>
-    </p:tnLst>
-  </p:timing>
-</p:sld>
-</file>
-
-<file path=ppt/slides/slide9.xml><?xml version="1.0" encoding="utf-8"?>
-<p:sld xmlns:a="http://schemas.openxmlformats.org/drawingml/2006/main" xmlns:r="http://schemas.openxmlformats.org/officeDocument/2006/relationships" xmlns:p="http://schemas.openxmlformats.org/presentationml/2006/main">
-  <p:cSld>
-    <p:spTree>
-      <p:nvGrpSpPr>
-        <p:cNvPr id="1" name=""/>
-        <p:cNvGrpSpPr/>
-        <p:nvPr/>
-      </p:nvGrpSpPr>
-      <p:grpSpPr>
-        <a:xfrm>
-          <a:off x="0" y="0"/>
-          <a:ext cx="0" cy="0"/>
-          <a:chOff x="0" y="0"/>
-          <a:chExt cx="0" cy="0"/>
-        </a:xfrm>
-      </p:grpSpPr>
-      <p:sp>
-        <p:nvSpPr>
-          <p:cNvPr id="4" name="직사각형 3"/>
+            <a:endParaRPr lang="ko-KR" altLang="en-US">
+              <a:solidFill>
+                <a:prstClr val="white"/>
+              </a:solidFill>
+            </a:endParaRPr>
+          </a:p>
+        </p:txBody>
+      </p:sp>
+      <p:sp>
+        <p:nvSpPr>
+          <p:cNvPr id="6" name="양쪽 모서리가 둥근 사각형 5"/>
           <p:cNvSpPr/>
           <p:nvPr/>
         </p:nvSpPr>
         <p:spPr>
           <a:xfrm>
-            <a:off x="3988947" y="461016"/>
-            <a:ext cx="4236842" cy="655372"/>
-          </a:xfrm>
-          <a:prstGeom prst="rect">
-            <a:avLst/>
-          </a:prstGeom>
-        </p:spPr>
-        <p:txBody>
-          <a:bodyPr wrap="square">
-            <a:spAutoFit/>
-          </a:bodyPr>
-          <a:lstStyle/>
-          <a:p>
-            <a:pPr algn="ctr">
-              <a:lnSpc>
-                <a:spcPct val="150000"/>
-              </a:lnSpc>
-            </a:pPr>
-            <a:r>
-              <a:rPr lang="ko-KR" altLang="en-US" sz="2800" b="1" dirty="0">
-                <a:solidFill>
-                  <a:prstClr val="black">
-                    <a:lumMod val="75000"/>
-                    <a:lumOff val="25000"/>
-                  </a:prstClr>
-                </a:solidFill>
-              </a:rPr>
-              <a:t>오늘 사용한 색상은</a:t>
-            </a:r>
-            <a:r>
-              <a:rPr lang="en-US" altLang="ko-KR" sz="2800" b="1" dirty="0">
-                <a:solidFill>
-                  <a:prstClr val="black">
-                    <a:lumMod val="75000"/>
-                    <a:lumOff val="25000"/>
-                  </a:prstClr>
-                </a:solidFill>
-              </a:rPr>
-              <a:t>?</a:t>
-            </a:r>
-            <a:endParaRPr lang="ko-KR" altLang="en-US" sz="2000" dirty="0">
-              <a:solidFill>
-                <a:prstClr val="black">
-                  <a:lumMod val="75000"/>
-                  <a:lumOff val="25000"/>
-                </a:prstClr>
-              </a:solidFill>
-            </a:endParaRPr>
-          </a:p>
-        </p:txBody>
-      </p:sp>
-      <p:sp>
-        <p:nvSpPr>
-          <p:cNvPr id="5" name="직사각형 4"/>
-          <p:cNvSpPr/>
-          <p:nvPr/>
-        </p:nvSpPr>
-        <p:spPr>
-          <a:xfrm>
-            <a:off x="2456131" y="5524135"/>
-            <a:ext cx="7302474" cy="738664"/>
-          </a:xfrm>
-          <a:prstGeom prst="rect">
-            <a:avLst/>
-          </a:prstGeom>
-        </p:spPr>
-        <p:txBody>
-          <a:bodyPr wrap="square">
-            <a:spAutoFit/>
-          </a:bodyPr>
-          <a:lstStyle/>
-          <a:p>
-            <a:pPr algn="ctr">
-              <a:lnSpc>
-                <a:spcPct val="150000"/>
-              </a:lnSpc>
-            </a:pPr>
-            <a:r>
-              <a:rPr lang="en-US" altLang="ko-KR" sz="1400" dirty="0">
-                <a:solidFill>
-                  <a:prstClr val="black">
-                    <a:lumMod val="75000"/>
-                    <a:lumOff val="25000"/>
-                  </a:prstClr>
-                </a:solidFill>
-              </a:rPr>
-              <a:t>2013 </a:t>
-            </a:r>
-            <a:r>
-              <a:rPr lang="ko-KR" altLang="en-US" sz="1400" dirty="0">
-                <a:solidFill>
-                  <a:prstClr val="black">
-                    <a:lumMod val="75000"/>
-                    <a:lumOff val="25000"/>
-                  </a:prstClr>
-                </a:solidFill>
-              </a:rPr>
-              <a:t>버전 이상 사용자께서는 스포이트 기능을 이용하시면 </a:t>
-            </a:r>
-            <a:r>
-              <a:rPr lang="ko-KR" altLang="en-US" sz="1400" dirty="0" err="1">
-                <a:solidFill>
-                  <a:prstClr val="black">
-                    <a:lumMod val="75000"/>
-                    <a:lumOff val="25000"/>
-                  </a:prstClr>
-                </a:solidFill>
-              </a:rPr>
-              <a:t>편하구요</a:t>
-            </a:r>
-            <a:r>
-              <a:rPr lang="en-US" altLang="ko-KR" sz="1400" dirty="0">
-                <a:solidFill>
-                  <a:prstClr val="black">
-                    <a:lumMod val="75000"/>
-                    <a:lumOff val="25000"/>
-                  </a:prstClr>
-                </a:solidFill>
-              </a:rPr>
-              <a:t>.</a:t>
-            </a:r>
-          </a:p>
-          <a:p>
-            <a:pPr algn="ctr">
-              <a:lnSpc>
-                <a:spcPct val="150000"/>
-              </a:lnSpc>
-            </a:pPr>
-            <a:r>
-              <a:rPr lang="en-US" altLang="ko-KR" sz="1400" dirty="0">
-                <a:solidFill>
-                  <a:prstClr val="black">
-                    <a:lumMod val="75000"/>
-                    <a:lumOff val="25000"/>
-                  </a:prstClr>
-                </a:solidFill>
-              </a:rPr>
-              <a:t>2010 </a:t>
-            </a:r>
-            <a:r>
-              <a:rPr lang="ko-KR" altLang="en-US" sz="1400" dirty="0">
-                <a:solidFill>
-                  <a:prstClr val="black">
-                    <a:lumMod val="75000"/>
-                    <a:lumOff val="25000"/>
-                  </a:prstClr>
-                </a:solidFill>
-              </a:rPr>
-              <a:t>이하 버전 사용자 께서는 다른 채우기 색 </a:t>
-            </a:r>
-            <a:r>
-              <a:rPr lang="en-US" altLang="ko-KR" sz="1400" dirty="0">
-                <a:solidFill>
-                  <a:prstClr val="black">
-                    <a:lumMod val="75000"/>
-                    <a:lumOff val="25000"/>
-                  </a:prstClr>
-                </a:solidFill>
-              </a:rPr>
-              <a:t>&gt;</a:t>
-            </a:r>
-            <a:r>
-              <a:rPr lang="ko-KR" altLang="en-US" sz="1400" dirty="0">
-                <a:solidFill>
-                  <a:prstClr val="black">
-                    <a:lumMod val="75000"/>
-                    <a:lumOff val="25000"/>
-                  </a:prstClr>
-                </a:solidFill>
-              </a:rPr>
-              <a:t> 사용자 지정 탭 </a:t>
-            </a:r>
-            <a:r>
-              <a:rPr lang="en-US" altLang="ko-KR" sz="1400" dirty="0">
-                <a:solidFill>
-                  <a:prstClr val="black">
-                    <a:lumMod val="75000"/>
-                    <a:lumOff val="25000"/>
-                  </a:prstClr>
-                </a:solidFill>
-              </a:rPr>
-              <a:t>&gt; RGB </a:t>
-            </a:r>
-            <a:r>
-              <a:rPr lang="ko-KR" altLang="en-US" sz="1400" dirty="0">
-                <a:solidFill>
-                  <a:prstClr val="black">
-                    <a:lumMod val="75000"/>
-                    <a:lumOff val="25000"/>
-                  </a:prstClr>
-                </a:solidFill>
-              </a:rPr>
-              <a:t>색상 값 입력</a:t>
-            </a:r>
-            <a:endParaRPr lang="en-US" altLang="ko-KR" sz="1400" dirty="0">
-              <a:solidFill>
-                <a:prstClr val="black">
-                  <a:lumMod val="75000"/>
-                  <a:lumOff val="25000"/>
-                </a:prstClr>
-              </a:solidFill>
-            </a:endParaRPr>
-          </a:p>
-        </p:txBody>
-      </p:sp>
-      <p:sp>
-        <p:nvSpPr>
-          <p:cNvPr id="6" name="타원 5"/>
-          <p:cNvSpPr/>
-          <p:nvPr/>
-        </p:nvSpPr>
-        <p:spPr>
-          <a:xfrm>
-            <a:off x="7804849" y="2051510"/>
-            <a:ext cx="2537503" cy="2537503"/>
-          </a:xfrm>
-          <a:prstGeom prst="ellipse">
-            <a:avLst/>
+            <a:off x="328458" y="414000"/>
+            <a:ext cx="11556000" cy="6444000"/>
+          </a:xfrm>
+          <a:prstGeom prst="round2SameRect">
+            <a:avLst>
+              <a:gd name="adj1" fmla="val 4913"/>
+              <a:gd name="adj2" fmla="val 0"/>
+            </a:avLst>
           </a:prstGeom>
           <a:solidFill>
-            <a:srgbClr val="00D0AC"/>
+            <a:srgbClr val="01A7CE"/>
           </a:solidFill>
           <a:ln>
             <a:noFill/>
@@ -9819,71 +12066,76 @@
           </a:fontRef>
         </p:style>
         <p:txBody>
-          <a:bodyPr rtlCol="0" anchor="ctr"/>
+          <a:bodyPr rtlCol="0" anchor="t"/>
           <a:lstStyle/>
           <a:p>
-            <a:pPr algn="ctr">
-              <a:lnSpc>
-                <a:spcPct val="150000"/>
-              </a:lnSpc>
+            <a:pPr lvl="1" latinLnBrk="0">
+              <a:defRPr/>
             </a:pPr>
             <a:r>
-              <a:rPr lang="en-US" altLang="ko-KR" sz="2400" b="1" dirty="0">
+              <a:rPr lang="en-US" altLang="ko-KR" sz="2800" b="1" i="1" kern="0" dirty="0">
                 <a:solidFill>
                   <a:prstClr val="white"/>
                 </a:solidFill>
               </a:rPr>
-              <a:t>R 0</a:t>
-            </a:r>
-          </a:p>
-          <a:p>
-            <a:pPr algn="ctr">
-              <a:lnSpc>
-                <a:spcPct val="150000"/>
-              </a:lnSpc>
-            </a:pPr>
-            <a:r>
-              <a:rPr lang="en-US" altLang="ko-KR" sz="2400" b="1" dirty="0">
+              <a:t>2. </a:t>
+            </a:r>
+            <a:r>
+              <a:rPr lang="ko-KR" altLang="en-US" sz="2800" b="1" i="1" kern="0" dirty="0">
                 <a:solidFill>
                   <a:prstClr val="white"/>
                 </a:solidFill>
               </a:rPr>
-              <a:t>G 208</a:t>
-            </a:r>
-          </a:p>
-          <a:p>
-            <a:pPr algn="ctr">
-              <a:lnSpc>
-                <a:spcPct val="150000"/>
-              </a:lnSpc>
-            </a:pPr>
-            <a:r>
-              <a:rPr lang="en-US" altLang="ko-KR" sz="2400" b="1" dirty="0">
+              <a:t>프로젝트 내용 </a:t>
+            </a:r>
+            <a:r>
+              <a:rPr lang="en-US" altLang="ko-KR" sz="2800" b="1" i="1" kern="0" dirty="0">
                 <a:solidFill>
                   <a:prstClr val="white"/>
                 </a:solidFill>
               </a:rPr>
-              <a:t>B 172</a:t>
-            </a:r>
-          </a:p>
-        </p:txBody>
-      </p:sp>
-      <p:sp>
-        <p:nvSpPr>
-          <p:cNvPr id="7" name="타원 6"/>
+              <a:t>- </a:t>
+            </a:r>
+            <a:r>
+              <a:rPr lang="ko-KR" altLang="en-US" sz="2800" b="1" i="1" kern="0" dirty="0">
+                <a:solidFill>
+                  <a:prstClr val="white"/>
+                </a:solidFill>
+              </a:rPr>
+              <a:t>실제 방 사진</a:t>
+            </a:r>
+            <a:endParaRPr lang="en-US" altLang="ko-KR" sz="1400" i="1" kern="0" dirty="0">
+              <a:solidFill>
+                <a:prstClr val="white"/>
+              </a:solidFill>
+            </a:endParaRPr>
+          </a:p>
+          <a:p>
+            <a:pPr algn="ctr"/>
+            <a:endParaRPr lang="ko-KR" altLang="en-US" sz="1000" dirty="0">
+              <a:solidFill>
+                <a:prstClr val="white"/>
+              </a:solidFill>
+            </a:endParaRPr>
+          </a:p>
+        </p:txBody>
+      </p:sp>
+      <p:sp>
+        <p:nvSpPr>
+          <p:cNvPr id="7" name="직사각형 6"/>
           <p:cNvSpPr/>
           <p:nvPr/>
         </p:nvSpPr>
         <p:spPr>
           <a:xfrm>
-            <a:off x="4799979" y="2051510"/>
-            <a:ext cx="2537503" cy="2537503"/>
-          </a:xfrm>
-          <a:prstGeom prst="ellipse">
+            <a:off x="328458" y="1068343"/>
+            <a:ext cx="11556000" cy="5789657"/>
+          </a:xfrm>
+          <a:prstGeom prst="rect">
             <a:avLst/>
           </a:prstGeom>
           <a:solidFill>
-            <a:srgbClr val="01A7CE"/>
+            <a:schemeClr val="bg1"/>
           </a:solidFill>
           <a:ln>
             <a:noFill/>
@@ -9909,72 +12161,59 @@
           <a:bodyPr rtlCol="0" anchor="ctr"/>
           <a:lstStyle/>
           <a:p>
-            <a:pPr algn="ctr">
-              <a:lnSpc>
-                <a:spcPct val="150000"/>
-              </a:lnSpc>
-            </a:pPr>
-            <a:r>
-              <a:rPr lang="en-US" altLang="ko-KR" sz="2400" b="1" dirty="0">
-                <a:solidFill>
-                  <a:prstClr val="white"/>
-                </a:solidFill>
-              </a:rPr>
-              <a:t>R 1</a:t>
-            </a:r>
-          </a:p>
-          <a:p>
-            <a:pPr algn="ctr">
-              <a:lnSpc>
-                <a:spcPct val="150000"/>
-              </a:lnSpc>
-            </a:pPr>
-            <a:r>
-              <a:rPr lang="en-US" altLang="ko-KR" sz="2400" b="1" dirty="0">
-                <a:solidFill>
-                  <a:prstClr val="white"/>
-                </a:solidFill>
-              </a:rPr>
-              <a:t>G 167</a:t>
-            </a:r>
-          </a:p>
-          <a:p>
-            <a:pPr algn="ctr">
-              <a:lnSpc>
-                <a:spcPct val="150000"/>
-              </a:lnSpc>
-            </a:pPr>
-            <a:r>
-              <a:rPr lang="en-US" altLang="ko-KR" sz="2400" b="1" dirty="0">
-                <a:solidFill>
-                  <a:prstClr val="white"/>
-                </a:solidFill>
-              </a:rPr>
-              <a:t>B 206</a:t>
-            </a:r>
-          </a:p>
-        </p:txBody>
-      </p:sp>
-      <p:sp>
-        <p:nvSpPr>
-          <p:cNvPr id="8" name="타원 7"/>
+            <a:pPr algn="ctr"/>
+            <a:endParaRPr lang="ko-KR" altLang="en-US">
+              <a:solidFill>
+                <a:prstClr val="white"/>
+              </a:solidFill>
+            </a:endParaRPr>
+          </a:p>
+        </p:txBody>
+      </p:sp>
+      <p:sp>
+        <p:nvSpPr>
+          <p:cNvPr id="10" name="사각형: 둥근 모서리 5">
+            <a:extLst>
+              <a:ext uri="{FF2B5EF4-FFF2-40B4-BE49-F238E27FC236}">
+                <a16:creationId xmlns:a16="http://schemas.microsoft.com/office/drawing/2014/main" id="{29433077-90B3-4432-AB1E-87BD95D8FF5C}"/>
+              </a:ext>
+            </a:extLst>
+          </p:cNvPr>
           <p:cNvSpPr/>
           <p:nvPr/>
         </p:nvSpPr>
         <p:spPr>
           <a:xfrm>
-            <a:off x="1795109" y="2051510"/>
-            <a:ext cx="2537503" cy="2537503"/>
+            <a:off x="11281274" y="215219"/>
+            <a:ext cx="720000" cy="720000"/>
           </a:xfrm>
           <a:prstGeom prst="ellipse">
             <a:avLst/>
           </a:prstGeom>
-          <a:solidFill>
-            <a:srgbClr val="FFEAD1"/>
-          </a:solidFill>
+          <a:gradFill flip="none" rotWithShape="1">
+            <a:gsLst>
+              <a:gs pos="0">
+                <a:srgbClr val="01A7CE"/>
+              </a:gs>
+              <a:gs pos="100000">
+                <a:srgbClr val="00D0AC"/>
+              </a:gs>
+            </a:gsLst>
+            <a:path path="circle">
+              <a:fillToRect l="100000" t="100000"/>
+            </a:path>
+            <a:tileRect r="-100000" b="-100000"/>
+          </a:gradFill>
           <a:ln>
             <a:noFill/>
           </a:ln>
+          <a:effectLst>
+            <a:outerShdw blurRad="50800" dist="38100" dir="2700000" algn="tl" rotWithShape="0">
+              <a:prstClr val="black">
+                <a:alpha val="40000"/>
+              </a:prstClr>
+            </a:outerShdw>
+          </a:effectLst>
         </p:spPr>
         <p:style>
           <a:lnRef idx="2">
@@ -9993,81 +12232,252 @@
           </a:fontRef>
         </p:style>
         <p:txBody>
-          <a:bodyPr rtlCol="0" anchor="ctr"/>
+          <a:bodyPr lIns="216000" rtlCol="0" anchor="ctr"/>
           <a:lstStyle/>
           <a:p>
-            <a:pPr algn="ctr">
+            <a:pPr>
+              <a:defRPr/>
+            </a:pPr>
+            <a:endParaRPr lang="en-US" altLang="ko-KR" sz="400" kern="0" dirty="0">
+              <a:solidFill>
+                <a:prstClr val="white"/>
+              </a:solidFill>
+            </a:endParaRPr>
+          </a:p>
+        </p:txBody>
+      </p:sp>
+      <p:sp>
+        <p:nvSpPr>
+          <p:cNvPr id="40" name="직사각형 39">
+            <a:extLst>
+              <a:ext uri="{FF2B5EF4-FFF2-40B4-BE49-F238E27FC236}">
+                <a16:creationId xmlns:a16="http://schemas.microsoft.com/office/drawing/2014/main" id="{3FA00699-5178-465A-9F3F-130CF1431F70}"/>
+              </a:ext>
+            </a:extLst>
+          </p:cNvPr>
+          <p:cNvSpPr/>
+          <p:nvPr/>
+        </p:nvSpPr>
+        <p:spPr>
+          <a:xfrm>
+            <a:off x="490297" y="5061520"/>
+            <a:ext cx="3950459" cy="373885"/>
+          </a:xfrm>
+          <a:prstGeom prst="rect">
+            <a:avLst/>
+          </a:prstGeom>
+        </p:spPr>
+        <p:txBody>
+          <a:bodyPr wrap="square">
+            <a:spAutoFit/>
+          </a:bodyPr>
+          <a:lstStyle/>
+          <a:p>
+            <a:pPr>
               <a:lnSpc>
                 <a:spcPct val="150000"/>
               </a:lnSpc>
             </a:pPr>
             <a:r>
-              <a:rPr lang="en-US" altLang="ko-KR" sz="2400" b="1" dirty="0">
-                <a:solidFill>
-                  <a:prstClr val="black">
+              <a:rPr lang="en-US" altLang="ko-KR" sz="1400">
+                <a:solidFill>
+                  <a:srgbClr val="44546A">
                     <a:lumMod val="75000"/>
-                    <a:lumOff val="25000"/>
-                  </a:prstClr>
-                </a:solidFill>
-              </a:rPr>
-              <a:t>R 255</a:t>
-            </a:r>
-          </a:p>
-          <a:p>
-            <a:pPr algn="ctr">
+                  </a:srgbClr>
+                </a:solidFill>
+              </a:rPr>
+              <a:t>* 360</a:t>
+            </a:r>
+            <a:r>
+              <a:rPr lang="ko-KR" altLang="en-US" sz="1400">
+                <a:solidFill>
+                  <a:srgbClr val="44546A">
+                    <a:lumMod val="75000"/>
+                  </a:srgbClr>
+                </a:solidFill>
+              </a:rPr>
+              <a:t>도 카메라를 통해 촬영한 실제 방의 모습</a:t>
+            </a:r>
+            <a:endParaRPr lang="ko-KR" altLang="en-US" sz="1000" dirty="0">
+              <a:solidFill>
+                <a:prstClr val="black">
+                  <a:lumMod val="65000"/>
+                  <a:lumOff val="35000"/>
+                </a:prstClr>
+              </a:solidFill>
+            </a:endParaRPr>
+          </a:p>
+        </p:txBody>
+      </p:sp>
+      <p:sp>
+        <p:nvSpPr>
+          <p:cNvPr id="47" name="직사각형 46">
+            <a:extLst>
+              <a:ext uri="{FF2B5EF4-FFF2-40B4-BE49-F238E27FC236}">
+                <a16:creationId xmlns:a16="http://schemas.microsoft.com/office/drawing/2014/main" id="{3FA00699-5178-465A-9F3F-130CF1431F70}"/>
+              </a:ext>
+            </a:extLst>
+          </p:cNvPr>
+          <p:cNvSpPr/>
+          <p:nvPr/>
+        </p:nvSpPr>
+        <p:spPr>
+          <a:xfrm>
+            <a:off x="6184545" y="5061520"/>
+            <a:ext cx="4469818" cy="373885"/>
+          </a:xfrm>
+          <a:prstGeom prst="rect">
+            <a:avLst/>
+          </a:prstGeom>
+        </p:spPr>
+        <p:txBody>
+          <a:bodyPr wrap="square">
+            <a:spAutoFit/>
+          </a:bodyPr>
+          <a:lstStyle/>
+          <a:p>
+            <a:pPr>
               <a:lnSpc>
                 <a:spcPct val="150000"/>
               </a:lnSpc>
             </a:pPr>
             <a:r>
-              <a:rPr lang="en-US" altLang="ko-KR" sz="2400" b="1" dirty="0">
-                <a:solidFill>
-                  <a:prstClr val="black">
+              <a:rPr lang="en-US" altLang="ko-KR" sz="1400">
+                <a:solidFill>
+                  <a:srgbClr val="44546A">
                     <a:lumMod val="75000"/>
-                    <a:lumOff val="25000"/>
-                  </a:prstClr>
-                </a:solidFill>
-              </a:rPr>
-              <a:t>G 234</a:t>
-            </a:r>
-          </a:p>
-          <a:p>
-            <a:pPr algn="ctr">
-              <a:lnSpc>
-                <a:spcPct val="150000"/>
-              </a:lnSpc>
-            </a:pPr>
-            <a:r>
-              <a:rPr lang="en-US" altLang="ko-KR" sz="2400" b="1" dirty="0">
-                <a:solidFill>
-                  <a:prstClr val="black">
+                  </a:srgbClr>
+                </a:solidFill>
+              </a:rPr>
+              <a:t>* 360</a:t>
+            </a:r>
+            <a:r>
+              <a:rPr lang="ko-KR" altLang="en-US" sz="1400">
+                <a:solidFill>
+                  <a:srgbClr val="44546A">
                     <a:lumMod val="75000"/>
-                    <a:lumOff val="25000"/>
-                  </a:prstClr>
-                </a:solidFill>
-              </a:rPr>
-              <a:t>B 209</a:t>
-            </a:r>
-          </a:p>
-        </p:txBody>
-      </p:sp>
+                  </a:srgbClr>
+                </a:solidFill>
+              </a:rPr>
+              <a:t>도 카메라를 통해 촬영한 실제 화장실의 모습</a:t>
+            </a:r>
+            <a:endParaRPr lang="ko-KR" altLang="en-US" sz="1000" dirty="0">
+              <a:solidFill>
+                <a:prstClr val="black">
+                  <a:lumMod val="65000"/>
+                  <a:lumOff val="35000"/>
+                </a:prstClr>
+              </a:solidFill>
+            </a:endParaRPr>
+          </a:p>
+        </p:txBody>
+      </p:sp>
+      <p:pic>
+        <p:nvPicPr>
+          <p:cNvPr id="2" name="그림 1"/>
+          <p:cNvPicPr>
+            <a:picLocks noChangeAspect="1"/>
+          </p:cNvPicPr>
+          <p:nvPr/>
+        </p:nvPicPr>
+        <p:blipFill>
+          <a:blip r:embed="rId2" cstate="print">
+            <a:extLst>
+              <a:ext uri="{28A0092B-C50C-407E-A947-70E740481C1C}">
+                <a14:useLocalDpi xmlns:a14="http://schemas.microsoft.com/office/drawing/2010/main" val="0"/>
+              </a:ext>
+            </a:extLst>
+          </a:blip>
+          <a:stretch>
+            <a:fillRect/>
+          </a:stretch>
+        </p:blipFill>
+        <p:spPr>
+          <a:xfrm>
+            <a:off x="6273997" y="1599885"/>
+            <a:ext cx="5247183" cy="3354694"/>
+          </a:xfrm>
+          <a:prstGeom prst="rect">
+            <a:avLst/>
+          </a:prstGeom>
+        </p:spPr>
+      </p:pic>
+      <p:pic>
+        <p:nvPicPr>
+          <p:cNvPr id="3" name="그림 2"/>
+          <p:cNvPicPr>
+            <a:picLocks noChangeAspect="1"/>
+          </p:cNvPicPr>
+          <p:nvPr/>
+        </p:nvPicPr>
+        <p:blipFill>
+          <a:blip r:embed="rId3" cstate="print">
+            <a:extLst>
+              <a:ext uri="{28A0092B-C50C-407E-A947-70E740481C1C}">
+                <a14:useLocalDpi xmlns:a14="http://schemas.microsoft.com/office/drawing/2010/main" val="0"/>
+              </a:ext>
+            </a:extLst>
+          </a:blip>
+          <a:stretch>
+            <a:fillRect/>
+          </a:stretch>
+        </p:blipFill>
+        <p:spPr>
+          <a:xfrm>
+            <a:off x="556285" y="1640264"/>
+            <a:ext cx="5175212" cy="3354694"/>
+          </a:xfrm>
+          <a:prstGeom prst="rect">
+            <a:avLst/>
+          </a:prstGeom>
+        </p:spPr>
+      </p:pic>
+      <p:pic>
+        <p:nvPicPr>
+          <p:cNvPr id="11" name="그림 10">
+            <a:extLst>
+              <a:ext uri="{FF2B5EF4-FFF2-40B4-BE49-F238E27FC236}">
+                <a16:creationId xmlns:a16="http://schemas.microsoft.com/office/drawing/2014/main" id="{B147831E-27F5-9782-FD49-222CD5204438}"/>
+              </a:ext>
+            </a:extLst>
+          </p:cNvPr>
+          <p:cNvPicPr>
+            <a:picLocks noChangeAspect="1"/>
+          </p:cNvPicPr>
+          <p:nvPr/>
+        </p:nvPicPr>
+        <p:blipFill>
+          <a:blip r:embed="rId4" cstate="print">
+            <a:extLst>
+              <a:ext uri="{28A0092B-C50C-407E-A947-70E740481C1C}">
+                <a14:useLocalDpi xmlns:a14="http://schemas.microsoft.com/office/drawing/2010/main" val="0"/>
+              </a:ext>
+            </a:extLst>
+          </a:blip>
+          <a:stretch>
+            <a:fillRect/>
+          </a:stretch>
+        </p:blipFill>
+        <p:spPr>
+          <a:xfrm>
+            <a:off x="11313108" y="311326"/>
+            <a:ext cx="652350" cy="527786"/>
+          </a:xfrm>
+          <a:prstGeom prst="rect">
+            <a:avLst/>
+          </a:prstGeom>
+        </p:spPr>
+      </p:pic>
     </p:spTree>
     <p:extLst>
       <p:ext uri="{BB962C8B-B14F-4D97-AF65-F5344CB8AC3E}">
-        <p14:creationId xmlns:p14="http://schemas.microsoft.com/office/powerpoint/2010/main" val="1506371567"/>
+        <p14:creationId xmlns:p14="http://schemas.microsoft.com/office/powerpoint/2010/main" val="2139761436"/>
       </p:ext>
     </p:extLst>
   </p:cSld>
   <p:clrMapOvr>
     <a:masterClrMapping/>
   </p:clrMapOvr>
-  <p:timing>
-    <p:tnLst>
-      <p:par>
-        <p:cTn id="1" dur="indefinite" restart="never" nodeType="tmRoot"/>
-      </p:par>
-    </p:tnLst>
-  </p:timing>
 </p:sld>
 </file>
 

--- a/Final Assignments/파라노이드 팀 발표용 PPT.pptx
+++ b/Final Assignments/파라노이드 팀 발표용 PPT.pptx
@@ -15,8 +15,7 @@
     <p:sldId id="265" r:id="rId9"/>
     <p:sldId id="266" r:id="rId10"/>
     <p:sldId id="267" r:id="rId11"/>
-    <p:sldId id="263" r:id="rId12"/>
-    <p:sldId id="264" r:id="rId13"/>
+    <p:sldId id="270" r:id="rId12"/>
   </p:sldIdLst>
   <p:sldSz cx="12192000" cy="6858000"/>
   <p:notesSz cx="6858000" cy="9144000"/>
@@ -277,7 +276,7 @@
                 </a:solidFill>
               </a:rPr>
               <a:pPr/>
-              <a:t>2022-05-16</a:t>
+              <a:t>2022-05-19</a:t>
             </a:fld>
             <a:endParaRPr lang="ko-KR" altLang="en-US">
               <a:solidFill>
@@ -507,7 +506,7 @@
                 </a:solidFill>
               </a:rPr>
               <a:pPr/>
-              <a:t>2022-05-16</a:t>
+              <a:t>2022-05-19</a:t>
             </a:fld>
             <a:endParaRPr lang="ko-KR" altLang="en-US">
               <a:solidFill>
@@ -747,7 +746,7 @@
                 </a:solidFill>
               </a:rPr>
               <a:pPr/>
-              <a:t>2022-05-16</a:t>
+              <a:t>2022-05-19</a:t>
             </a:fld>
             <a:endParaRPr lang="ko-KR" altLang="en-US">
               <a:solidFill>
@@ -977,7 +976,7 @@
                 </a:solidFill>
               </a:rPr>
               <a:pPr/>
-              <a:t>2022-05-16</a:t>
+              <a:t>2022-05-19</a:t>
             </a:fld>
             <a:endParaRPr lang="ko-KR" altLang="en-US">
               <a:solidFill>
@@ -1284,7 +1283,7 @@
                 </a:solidFill>
               </a:rPr>
               <a:pPr/>
-              <a:t>2022-05-16</a:t>
+              <a:t>2022-05-19</a:t>
             </a:fld>
             <a:endParaRPr lang="ko-KR" altLang="en-US">
               <a:solidFill>
@@ -1581,7 +1580,7 @@
                 </a:solidFill>
               </a:rPr>
               <a:pPr/>
-              <a:t>2022-05-16</a:t>
+              <a:t>2022-05-19</a:t>
             </a:fld>
             <a:endParaRPr lang="ko-KR" altLang="en-US">
               <a:solidFill>
@@ -2025,7 +2024,7 @@
                 </a:solidFill>
               </a:rPr>
               <a:pPr/>
-              <a:t>2022-05-16</a:t>
+              <a:t>2022-05-19</a:t>
             </a:fld>
             <a:endParaRPr lang="ko-KR" altLang="en-US">
               <a:solidFill>
@@ -2198,7 +2197,7 @@
                 </a:solidFill>
               </a:rPr>
               <a:pPr/>
-              <a:t>2022-05-16</a:t>
+              <a:t>2022-05-19</a:t>
             </a:fld>
             <a:endParaRPr lang="ko-KR" altLang="en-US">
               <a:solidFill>
@@ -2343,7 +2342,7 @@
                 </a:solidFill>
               </a:rPr>
               <a:pPr/>
-              <a:t>2022-05-16</a:t>
+              <a:t>2022-05-19</a:t>
             </a:fld>
             <a:endParaRPr lang="ko-KR" altLang="en-US">
               <a:solidFill>
@@ -2686,7 +2685,7 @@
                 </a:solidFill>
               </a:rPr>
               <a:pPr/>
-              <a:t>2022-05-16</a:t>
+              <a:t>2022-05-19</a:t>
             </a:fld>
             <a:endParaRPr lang="ko-KR" altLang="en-US">
               <a:solidFill>
@@ -3006,7 +3005,7 @@
                 </a:solidFill>
               </a:rPr>
               <a:pPr/>
-              <a:t>2022-05-16</a:t>
+              <a:t>2022-05-19</a:t>
             </a:fld>
             <a:endParaRPr lang="ko-KR" altLang="en-US">
               <a:solidFill>
@@ -3279,7 +3278,7 @@
                 </a:solidFill>
               </a:rPr>
               <a:pPr/>
-              <a:t>2022-05-16</a:t>
+              <a:t>2022-05-19</a:t>
             </a:fld>
             <a:endParaRPr lang="ko-KR" altLang="en-US">
               <a:solidFill>
@@ -3842,14 +3841,14 @@
               </a:lnSpc>
             </a:pPr>
             <a:r>
-              <a:rPr lang="ko-KR" altLang="en-US" sz="1500">
+              <a:rPr lang="ko-KR" altLang="en-US" sz="1700">
                 <a:solidFill>
                   <a:prstClr val="white"/>
                 </a:solidFill>
               </a:rPr>
               <a:t>소프트웨어캡스톤디자인</a:t>
             </a:r>
-            <a:endParaRPr lang="ko-KR" altLang="en-US" sz="1500" dirty="0">
+            <a:endParaRPr lang="ko-KR" altLang="en-US" sz="1700" dirty="0">
               <a:solidFill>
                 <a:prstClr val="white"/>
               </a:solidFill>
@@ -4822,6 +4821,50 @@
           </a:prstGeom>
         </p:spPr>
       </p:pic>
+      <p:cxnSp>
+        <p:nvCxnSpPr>
+          <p:cNvPr id="11" name="직선 연결선 10">
+            <a:extLst>
+              <a:ext uri="{FF2B5EF4-FFF2-40B4-BE49-F238E27FC236}">
+                <a16:creationId xmlns:a16="http://schemas.microsoft.com/office/drawing/2014/main" id="{5C067028-2E01-47AD-8DE6-64CBF7F2E79F}"/>
+              </a:ext>
+            </a:extLst>
+          </p:cNvPr>
+          <p:cNvCxnSpPr>
+            <a:cxnSpLocks/>
+          </p:cNvCxnSpPr>
+          <p:nvPr/>
+        </p:nvCxnSpPr>
+        <p:spPr>
+          <a:xfrm>
+            <a:off x="6503502" y="1487129"/>
+            <a:ext cx="0" cy="3600000"/>
+          </a:xfrm>
+          <a:prstGeom prst="line">
+            <a:avLst/>
+          </a:prstGeom>
+          <a:ln w="19050">
+            <a:solidFill>
+              <a:srgbClr val="CACACA"/>
+            </a:solidFill>
+            <a:prstDash val="lgDash"/>
+          </a:ln>
+        </p:spPr>
+        <p:style>
+          <a:lnRef idx="1">
+            <a:schemeClr val="accent1"/>
+          </a:lnRef>
+          <a:fillRef idx="0">
+            <a:schemeClr val="accent1"/>
+          </a:fillRef>
+          <a:effectRef idx="0">
+            <a:schemeClr val="accent1"/>
+          </a:effectRef>
+          <a:fontRef idx="minor">
+            <a:schemeClr val="tx1"/>
+          </a:fontRef>
+        </p:style>
+      </p:cxnSp>
     </p:spTree>
     <p:extLst>
       <p:ext uri="{BB962C8B-B14F-4D97-AF65-F5344CB8AC3E}">
@@ -4838,6 +4881,14 @@
 <file path=ppt/slides/slide11.xml><?xml version="1.0" encoding="utf-8"?>
 <p:sld xmlns:a="http://schemas.openxmlformats.org/drawingml/2006/main" xmlns:r="http://schemas.openxmlformats.org/officeDocument/2006/relationships" xmlns:p="http://schemas.openxmlformats.org/presentationml/2006/main">
   <p:cSld>
+    <p:bg>
+      <p:bgPr>
+        <a:solidFill>
+          <a:srgbClr val="FFEAD1"/>
+        </a:solidFill>
+        <a:effectLst/>
+      </p:bgPr>
+    </p:bg>
     <p:spTree>
       <p:nvGrpSpPr>
         <p:cNvPr id="1" name=""/>
@@ -4854,237 +4905,37 @@
       </p:grpSpPr>
       <p:sp>
         <p:nvSpPr>
-          <p:cNvPr id="4" name="직사각형 3"/>
+          <p:cNvPr id="5" name="양쪽 모서리가 둥근 사각형 4"/>
           <p:cNvSpPr/>
           <p:nvPr/>
         </p:nvSpPr>
         <p:spPr>
           <a:xfrm>
-            <a:off x="3988947" y="461016"/>
-            <a:ext cx="4236842" cy="655372"/>
-          </a:xfrm>
-          <a:prstGeom prst="rect">
-            <a:avLst/>
-          </a:prstGeom>
-        </p:spPr>
-        <p:txBody>
-          <a:bodyPr wrap="square">
-            <a:spAutoFit/>
-          </a:bodyPr>
-          <a:lstStyle/>
-          <a:p>
-            <a:pPr algn="ctr">
-              <a:lnSpc>
-                <a:spcPct val="150000"/>
-              </a:lnSpc>
-            </a:pPr>
-            <a:r>
-              <a:rPr lang="ko-KR" altLang="en-US" sz="2800" b="1" dirty="0">
-                <a:solidFill>
-                  <a:prstClr val="black">
-                    <a:lumMod val="75000"/>
-                    <a:lumOff val="25000"/>
-                  </a:prstClr>
-                </a:solidFill>
-              </a:rPr>
-              <a:t>오늘 사용한 색상은</a:t>
-            </a:r>
-            <a:r>
-              <a:rPr lang="en-US" altLang="ko-KR" sz="2800" b="1" dirty="0">
-                <a:solidFill>
-                  <a:prstClr val="black">
-                    <a:lumMod val="75000"/>
-                    <a:lumOff val="25000"/>
-                  </a:prstClr>
-                </a:solidFill>
-              </a:rPr>
-              <a:t>?</a:t>
-            </a:r>
-            <a:endParaRPr lang="ko-KR" altLang="en-US" sz="2000" dirty="0">
-              <a:solidFill>
-                <a:prstClr val="black">
-                  <a:lumMod val="75000"/>
-                  <a:lumOff val="25000"/>
-                </a:prstClr>
-              </a:solidFill>
-            </a:endParaRPr>
-          </a:p>
-        </p:txBody>
-      </p:sp>
-      <p:sp>
-        <p:nvSpPr>
-          <p:cNvPr id="5" name="직사각형 4"/>
-          <p:cNvSpPr/>
-          <p:nvPr/>
-        </p:nvSpPr>
-        <p:spPr>
-          <a:xfrm>
-            <a:off x="2456131" y="5524135"/>
-            <a:ext cx="7302474" cy="738664"/>
-          </a:xfrm>
-          <a:prstGeom prst="rect">
-            <a:avLst/>
-          </a:prstGeom>
-        </p:spPr>
-        <p:txBody>
-          <a:bodyPr wrap="square">
-            <a:spAutoFit/>
-          </a:bodyPr>
-          <a:lstStyle/>
-          <a:p>
-            <a:pPr algn="ctr">
-              <a:lnSpc>
-                <a:spcPct val="150000"/>
-              </a:lnSpc>
-            </a:pPr>
-            <a:r>
-              <a:rPr lang="en-US" altLang="ko-KR" sz="1400" dirty="0">
-                <a:solidFill>
-                  <a:prstClr val="black">
-                    <a:lumMod val="75000"/>
-                    <a:lumOff val="25000"/>
-                  </a:prstClr>
-                </a:solidFill>
-              </a:rPr>
-              <a:t>2013 </a:t>
-            </a:r>
-            <a:r>
-              <a:rPr lang="ko-KR" altLang="en-US" sz="1400" dirty="0">
-                <a:solidFill>
-                  <a:prstClr val="black">
-                    <a:lumMod val="75000"/>
-                    <a:lumOff val="25000"/>
-                  </a:prstClr>
-                </a:solidFill>
-              </a:rPr>
-              <a:t>버전 이상 사용자께서는 스포이트 기능을 이용하시면 </a:t>
-            </a:r>
-            <a:r>
-              <a:rPr lang="ko-KR" altLang="en-US" sz="1400" dirty="0" err="1">
-                <a:solidFill>
-                  <a:prstClr val="black">
-                    <a:lumMod val="75000"/>
-                    <a:lumOff val="25000"/>
-                  </a:prstClr>
-                </a:solidFill>
-              </a:rPr>
-              <a:t>편하구요</a:t>
-            </a:r>
-            <a:r>
-              <a:rPr lang="en-US" altLang="ko-KR" sz="1400" dirty="0">
-                <a:solidFill>
-                  <a:prstClr val="black">
-                    <a:lumMod val="75000"/>
-                    <a:lumOff val="25000"/>
-                  </a:prstClr>
-                </a:solidFill>
-              </a:rPr>
-              <a:t>.</a:t>
-            </a:r>
-          </a:p>
-          <a:p>
-            <a:pPr algn="ctr">
-              <a:lnSpc>
-                <a:spcPct val="150000"/>
-              </a:lnSpc>
-            </a:pPr>
-            <a:r>
-              <a:rPr lang="en-US" altLang="ko-KR" sz="1400" dirty="0">
-                <a:solidFill>
-                  <a:prstClr val="black">
-                    <a:lumMod val="75000"/>
-                    <a:lumOff val="25000"/>
-                  </a:prstClr>
-                </a:solidFill>
-              </a:rPr>
-              <a:t>2010 </a:t>
-            </a:r>
-            <a:r>
-              <a:rPr lang="ko-KR" altLang="en-US" sz="1400" dirty="0">
-                <a:solidFill>
-                  <a:prstClr val="black">
-                    <a:lumMod val="75000"/>
-                    <a:lumOff val="25000"/>
-                  </a:prstClr>
-                </a:solidFill>
-              </a:rPr>
-              <a:t>이하 버전 사용자 께서는 다른 채우기 색 </a:t>
-            </a:r>
-            <a:r>
-              <a:rPr lang="en-US" altLang="ko-KR" sz="1400" dirty="0">
-                <a:solidFill>
-                  <a:prstClr val="black">
-                    <a:lumMod val="75000"/>
-                    <a:lumOff val="25000"/>
-                  </a:prstClr>
-                </a:solidFill>
-              </a:rPr>
-              <a:t>&gt;</a:t>
-            </a:r>
-            <a:r>
-              <a:rPr lang="ko-KR" altLang="en-US" sz="1400" dirty="0">
-                <a:solidFill>
-                  <a:prstClr val="black">
-                    <a:lumMod val="75000"/>
-                    <a:lumOff val="25000"/>
-                  </a:prstClr>
-                </a:solidFill>
-              </a:rPr>
-              <a:t> 사용자 지정 탭 </a:t>
-            </a:r>
-            <a:r>
-              <a:rPr lang="en-US" altLang="ko-KR" sz="1400" dirty="0">
-                <a:solidFill>
-                  <a:prstClr val="black">
-                    <a:lumMod val="75000"/>
-                    <a:lumOff val="25000"/>
-                  </a:prstClr>
-                </a:solidFill>
-              </a:rPr>
-              <a:t>&gt; RGB </a:t>
-            </a:r>
-            <a:r>
-              <a:rPr lang="ko-KR" altLang="en-US" sz="1400" dirty="0">
-                <a:solidFill>
-                  <a:prstClr val="black">
-                    <a:lumMod val="75000"/>
-                    <a:lumOff val="25000"/>
-                  </a:prstClr>
-                </a:solidFill>
-              </a:rPr>
-              <a:t>색상 값 입력</a:t>
-            </a:r>
-            <a:endParaRPr lang="en-US" altLang="ko-KR" sz="1400" dirty="0">
-              <a:solidFill>
-                <a:prstClr val="black">
-                  <a:lumMod val="75000"/>
-                  <a:lumOff val="25000"/>
-                </a:prstClr>
-              </a:solidFill>
-            </a:endParaRPr>
-          </a:p>
-        </p:txBody>
-      </p:sp>
-      <p:sp>
-        <p:nvSpPr>
-          <p:cNvPr id="6" name="타원 5"/>
-          <p:cNvSpPr/>
-          <p:nvPr/>
-        </p:nvSpPr>
-        <p:spPr>
-          <a:xfrm>
-            <a:off x="7804849" y="2051510"/>
-            <a:ext cx="2537503" cy="2537503"/>
-          </a:xfrm>
-          <a:prstGeom prst="ellipse">
-            <a:avLst/>
+            <a:off x="3590924" y="3043917"/>
+            <a:ext cx="5318583" cy="3814083"/>
+          </a:xfrm>
+          <a:prstGeom prst="round2SameRect">
+            <a:avLst>
+              <a:gd name="adj1" fmla="val 5233"/>
+              <a:gd name="adj2" fmla="val 0"/>
+            </a:avLst>
           </a:prstGeom>
           <a:solidFill>
-            <a:srgbClr val="00D0AC"/>
+            <a:schemeClr val="tx1">
+              <a:lumMod val="75000"/>
+              <a:lumOff val="25000"/>
+            </a:schemeClr>
           </a:solidFill>
           <a:ln>
             <a:noFill/>
           </a:ln>
+          <a:effectLst>
+            <a:outerShdw dist="38100" algn="l" rotWithShape="0">
+              <a:prstClr val="black">
+                <a:alpha val="40000"/>
+              </a:prstClr>
+            </a:outerShdw>
+          </a:effectLst>
         </p:spPr>
         <p:style>
           <a:lnRef idx="2">
@@ -5106,65 +4957,31 @@
           <a:bodyPr rtlCol="0" anchor="ctr"/>
           <a:lstStyle/>
           <a:p>
-            <a:pPr algn="ctr">
-              <a:lnSpc>
-                <a:spcPct val="150000"/>
-              </a:lnSpc>
-            </a:pPr>
-            <a:r>
-              <a:rPr lang="en-US" altLang="ko-KR" sz="2400" b="1" dirty="0">
-                <a:solidFill>
-                  <a:prstClr val="white"/>
-                </a:solidFill>
-              </a:rPr>
-              <a:t>R 0</a:t>
-            </a:r>
-          </a:p>
-          <a:p>
-            <a:pPr algn="ctr">
-              <a:lnSpc>
-                <a:spcPct val="150000"/>
-              </a:lnSpc>
-            </a:pPr>
-            <a:r>
-              <a:rPr lang="en-US" altLang="ko-KR" sz="2400" b="1" dirty="0">
-                <a:solidFill>
-                  <a:prstClr val="white"/>
-                </a:solidFill>
-              </a:rPr>
-              <a:t>G 208</a:t>
-            </a:r>
-          </a:p>
-          <a:p>
-            <a:pPr algn="ctr">
-              <a:lnSpc>
-                <a:spcPct val="150000"/>
-              </a:lnSpc>
-            </a:pPr>
-            <a:r>
-              <a:rPr lang="en-US" altLang="ko-KR" sz="2400" b="1" dirty="0">
-                <a:solidFill>
-                  <a:prstClr val="white"/>
-                </a:solidFill>
-              </a:rPr>
-              <a:t>B 172</a:t>
-            </a:r>
-          </a:p>
-        </p:txBody>
-      </p:sp>
-      <p:sp>
-        <p:nvSpPr>
-          <p:cNvPr id="7" name="타원 6"/>
+            <a:pPr algn="ctr"/>
+            <a:endParaRPr lang="ko-KR" altLang="en-US">
+              <a:solidFill>
+                <a:prstClr val="white"/>
+              </a:solidFill>
+            </a:endParaRPr>
+          </a:p>
+        </p:txBody>
+      </p:sp>
+      <p:sp>
+        <p:nvSpPr>
+          <p:cNvPr id="6" name="양쪽 모서리가 둥근 사각형 5"/>
           <p:cNvSpPr/>
           <p:nvPr/>
         </p:nvSpPr>
         <p:spPr>
           <a:xfrm>
-            <a:off x="4799979" y="2051510"/>
-            <a:ext cx="2537503" cy="2537503"/>
-          </a:xfrm>
-          <a:prstGeom prst="ellipse">
-            <a:avLst/>
+            <a:off x="3657600" y="3109574"/>
+            <a:ext cx="5197907" cy="3748426"/>
+          </a:xfrm>
+          <a:prstGeom prst="round2SameRect">
+            <a:avLst>
+              <a:gd name="adj1" fmla="val 4913"/>
+              <a:gd name="adj2" fmla="val 0"/>
+            </a:avLst>
           </a:prstGeom>
           <a:solidFill>
             <a:srgbClr val="01A7CE"/>
@@ -5190,71 +5007,46 @@
           </a:fontRef>
         </p:style>
         <p:txBody>
-          <a:bodyPr rtlCol="0" anchor="ctr"/>
+          <a:bodyPr rtlCol="0" anchor="t"/>
           <a:lstStyle/>
           <a:p>
             <a:pPr algn="ctr">
               <a:lnSpc>
-                <a:spcPct val="150000"/>
+                <a:spcPct val="200000"/>
               </a:lnSpc>
             </a:pPr>
             <a:r>
-              <a:rPr lang="en-US" altLang="ko-KR" sz="2400" b="1" dirty="0">
+              <a:rPr lang="ko-KR" altLang="en-US" sz="1700">
                 <a:solidFill>
                   <a:prstClr val="white"/>
                 </a:solidFill>
               </a:rPr>
-              <a:t>R 1</a:t>
-            </a:r>
-          </a:p>
-          <a:p>
-            <a:pPr algn="ctr">
-              <a:lnSpc>
-                <a:spcPct val="150000"/>
-              </a:lnSpc>
-            </a:pPr>
-            <a:r>
-              <a:rPr lang="en-US" altLang="ko-KR" sz="2400" b="1" dirty="0">
-                <a:solidFill>
-                  <a:prstClr val="white"/>
-                </a:solidFill>
-              </a:rPr>
-              <a:t>G 167</a:t>
-            </a:r>
-          </a:p>
-          <a:p>
-            <a:pPr algn="ctr">
-              <a:lnSpc>
-                <a:spcPct val="150000"/>
-              </a:lnSpc>
-            </a:pPr>
-            <a:r>
-              <a:rPr lang="en-US" altLang="ko-KR" sz="2400" b="1" dirty="0">
-                <a:solidFill>
-                  <a:prstClr val="white"/>
-                </a:solidFill>
-              </a:rPr>
-              <a:t>B 206</a:t>
-            </a:r>
-          </a:p>
-        </p:txBody>
-      </p:sp>
-      <p:sp>
-        <p:nvSpPr>
-          <p:cNvPr id="8" name="타원 7"/>
+              <a:t>소프트웨어캡스톤디자인</a:t>
+            </a:r>
+            <a:endParaRPr lang="ko-KR" altLang="en-US" sz="1700" dirty="0">
+              <a:solidFill>
+                <a:prstClr val="white"/>
+              </a:solidFill>
+            </a:endParaRPr>
+          </a:p>
+        </p:txBody>
+      </p:sp>
+      <p:sp>
+        <p:nvSpPr>
+          <p:cNvPr id="7" name="직사각형 6"/>
           <p:cNvSpPr/>
           <p:nvPr/>
         </p:nvSpPr>
         <p:spPr>
           <a:xfrm>
-            <a:off x="1795109" y="2051510"/>
-            <a:ext cx="2537503" cy="2537503"/>
-          </a:xfrm>
-          <a:prstGeom prst="ellipse">
+            <a:off x="3657600" y="3763918"/>
+            <a:ext cx="5197907" cy="3094082"/>
+          </a:xfrm>
+          <a:prstGeom prst="rect">
             <a:avLst/>
           </a:prstGeom>
           <a:solidFill>
-            <a:srgbClr val="FFEAD1"/>
+            <a:schemeClr val="bg1"/>
           </a:solidFill>
           <a:ln>
             <a:noFill/>
@@ -5280,13 +5072,14 @@
           <a:bodyPr rtlCol="0" anchor="ctr"/>
           <a:lstStyle/>
           <a:p>
-            <a:pPr algn="ctr">
+            <a:pPr algn="ctr" latinLnBrk="0">
               <a:lnSpc>
                 <a:spcPct val="150000"/>
               </a:lnSpc>
+              <a:defRPr/>
             </a:pPr>
             <a:r>
-              <a:rPr lang="en-US" altLang="ko-KR" sz="2400" b="1" dirty="0">
+              <a:rPr lang="ko-KR" altLang="en-US" sz="4400" b="1" i="1" kern="0" smtClean="0">
                 <a:solidFill>
                   <a:prstClr val="black">
                     <a:lumMod val="75000"/>
@@ -5294,17 +5087,10 @@
                   </a:prstClr>
                 </a:solidFill>
               </a:rPr>
-              <a:t>R 255</a:t>
-            </a:r>
-          </a:p>
-          <a:p>
-            <a:pPr algn="ctr">
-              <a:lnSpc>
-                <a:spcPct val="150000"/>
-              </a:lnSpc>
-            </a:pPr>
-            <a:r>
-              <a:rPr lang="en-US" altLang="ko-KR" sz="2400" b="1" dirty="0">
+              <a:t>감사합니다</a:t>
+            </a:r>
+            <a:r>
+              <a:rPr lang="en-US" altLang="ko-KR" sz="4400" b="1" i="1" kern="0" smtClean="0">
                 <a:solidFill>
                   <a:prstClr val="black">
                     <a:lumMod val="75000"/>
@@ -5312,17 +5098,18 @@
                   </a:prstClr>
                 </a:solidFill>
               </a:rPr>
-              <a:t>G 234</a:t>
-            </a:r>
-          </a:p>
-          <a:p>
-            <a:pPr algn="ctr">
+              <a:t>.</a:t>
+            </a:r>
+          </a:p>
+          <a:p>
+            <a:pPr algn="ctr" latinLnBrk="0">
               <a:lnSpc>
                 <a:spcPct val="150000"/>
               </a:lnSpc>
+              <a:defRPr/>
             </a:pPr>
             <a:r>
-              <a:rPr lang="en-US" altLang="ko-KR" sz="2400" b="1" dirty="0">
+              <a:rPr lang="en-US" altLang="ko-KR" sz="4400" b="1" i="1" kern="0" smtClean="0">
                 <a:solidFill>
                   <a:prstClr val="black">
                     <a:lumMod val="75000"/>
@@ -5330,429 +5117,128 @@
                   </a:prstClr>
                 </a:solidFill>
               </a:rPr>
-              <a:t>B 209</a:t>
-            </a:r>
-          </a:p>
-        </p:txBody>
-      </p:sp>
+              <a:t>Q&amp;A</a:t>
+            </a:r>
+            <a:endParaRPr lang="en-US" altLang="ko-KR" sz="4400"/>
+          </a:p>
+        </p:txBody>
+      </p:sp>
+      <p:sp>
+        <p:nvSpPr>
+          <p:cNvPr id="10" name="사각형: 둥근 모서리 5">
+            <a:extLst>
+              <a:ext uri="{FF2B5EF4-FFF2-40B4-BE49-F238E27FC236}">
+                <a16:creationId xmlns:a16="http://schemas.microsoft.com/office/drawing/2014/main" id="{29433077-90B3-4432-AB1E-87BD95D8FF5C}"/>
+              </a:ext>
+            </a:extLst>
+          </p:cNvPr>
+          <p:cNvSpPr/>
+          <p:nvPr/>
+        </p:nvSpPr>
+        <p:spPr>
+          <a:xfrm>
+            <a:off x="8402799" y="2863362"/>
+            <a:ext cx="573384" cy="573384"/>
+          </a:xfrm>
+          <a:prstGeom prst="ellipse">
+            <a:avLst/>
+          </a:prstGeom>
+          <a:gradFill flip="none" rotWithShape="1">
+            <a:gsLst>
+              <a:gs pos="0">
+                <a:srgbClr val="01A7CE"/>
+              </a:gs>
+              <a:gs pos="100000">
+                <a:srgbClr val="00D0AC"/>
+              </a:gs>
+            </a:gsLst>
+            <a:path path="circle">
+              <a:fillToRect l="100000" t="100000"/>
+            </a:path>
+            <a:tileRect r="-100000" b="-100000"/>
+          </a:gradFill>
+          <a:ln>
+            <a:noFill/>
+          </a:ln>
+          <a:effectLst>
+            <a:outerShdw blurRad="50800" dist="38100" dir="2700000" algn="tl" rotWithShape="0">
+              <a:prstClr val="black">
+                <a:alpha val="40000"/>
+              </a:prstClr>
+            </a:outerShdw>
+          </a:effectLst>
+        </p:spPr>
+        <p:style>
+          <a:lnRef idx="2">
+            <a:schemeClr val="accent1">
+              <a:shade val="50000"/>
+            </a:schemeClr>
+          </a:lnRef>
+          <a:fillRef idx="1">
+            <a:schemeClr val="accent1"/>
+          </a:fillRef>
+          <a:effectRef idx="0">
+            <a:schemeClr val="accent1"/>
+          </a:effectRef>
+          <a:fontRef idx="minor">
+            <a:schemeClr val="lt1"/>
+          </a:fontRef>
+        </p:style>
+        <p:txBody>
+          <a:bodyPr lIns="216000" rtlCol="0" anchor="ctr"/>
+          <a:lstStyle/>
+          <a:p>
+            <a:pPr>
+              <a:defRPr/>
+            </a:pPr>
+            <a:endParaRPr lang="en-US" altLang="ko-KR" sz="400" kern="0" dirty="0">
+              <a:solidFill>
+                <a:prstClr val="white"/>
+              </a:solidFill>
+            </a:endParaRPr>
+          </a:p>
+        </p:txBody>
+      </p:sp>
+      <p:pic>
+        <p:nvPicPr>
+          <p:cNvPr id="11" name="그림 10">
+            <a:extLst>
+              <a:ext uri="{FF2B5EF4-FFF2-40B4-BE49-F238E27FC236}">
+                <a16:creationId xmlns:a16="http://schemas.microsoft.com/office/drawing/2014/main" id="{31A65D8A-4658-B64B-EDC2-DD445BE14A84}"/>
+              </a:ext>
+            </a:extLst>
+          </p:cNvPr>
+          <p:cNvPicPr>
+            <a:picLocks noChangeAspect="1"/>
+          </p:cNvPicPr>
+          <p:nvPr/>
+        </p:nvPicPr>
+        <p:blipFill>
+          <a:blip r:embed="rId2" cstate="print">
+            <a:extLst>
+              <a:ext uri="{28A0092B-C50C-407E-A947-70E740481C1C}">
+                <a14:useLocalDpi xmlns:a14="http://schemas.microsoft.com/office/drawing/2010/main" val="0"/>
+              </a:ext>
+            </a:extLst>
+          </a:blip>
+          <a:stretch>
+            <a:fillRect/>
+          </a:stretch>
+        </p:blipFill>
+        <p:spPr>
+          <a:xfrm>
+            <a:off x="8402799" y="2918104"/>
+            <a:ext cx="573384" cy="463899"/>
+          </a:xfrm>
+          <a:prstGeom prst="rect">
+            <a:avLst/>
+          </a:prstGeom>
+        </p:spPr>
+      </p:pic>
     </p:spTree>
     <p:extLst>
       <p:ext uri="{BB962C8B-B14F-4D97-AF65-F5344CB8AC3E}">
-        <p14:creationId xmlns:p14="http://schemas.microsoft.com/office/powerpoint/2010/main" val="1506371567"/>
-      </p:ext>
-    </p:extLst>
-  </p:cSld>
-  <p:clrMapOvr>
-    <a:masterClrMapping/>
-  </p:clrMapOvr>
-</p:sld>
-</file>
-
-<file path=ppt/slides/slide12.xml><?xml version="1.0" encoding="utf-8"?>
-<p:sld xmlns:a="http://schemas.openxmlformats.org/drawingml/2006/main" xmlns:r="http://schemas.openxmlformats.org/officeDocument/2006/relationships" xmlns:p="http://schemas.openxmlformats.org/presentationml/2006/main">
-  <p:cSld>
-    <p:spTree>
-      <p:nvGrpSpPr>
-        <p:cNvPr id="1" name=""/>
-        <p:cNvGrpSpPr/>
-        <p:nvPr/>
-      </p:nvGrpSpPr>
-      <p:grpSpPr>
-        <a:xfrm>
-          <a:off x="0" y="0"/>
-          <a:ext cx="0" cy="0"/>
-          <a:chOff x="0" y="0"/>
-          <a:chExt cx="0" cy="0"/>
-        </a:xfrm>
-      </p:grpSpPr>
-      <p:sp>
-        <p:nvSpPr>
-          <p:cNvPr id="4" name="TextBox 3"/>
-          <p:cNvSpPr txBox="1"/>
-          <p:nvPr/>
-        </p:nvSpPr>
-        <p:spPr>
-          <a:xfrm>
-            <a:off x="254000" y="342900"/>
-            <a:ext cx="11811000" cy="6278642"/>
-          </a:xfrm>
-          <a:prstGeom prst="rect">
-            <a:avLst/>
-          </a:prstGeom>
-          <a:noFill/>
-        </p:spPr>
-        <p:txBody>
-          <a:bodyPr wrap="square" rtlCol="0">
-            <a:spAutoFit/>
-          </a:bodyPr>
-          <a:lstStyle/>
-          <a:p>
-            <a:r>
-              <a:rPr lang="ko-KR" altLang="en-US" sz="2400" b="1" dirty="0">
-                <a:solidFill>
-                  <a:srgbClr val="FF0000"/>
-                </a:solidFill>
-              </a:rPr>
-              <a:t>최근 저의 자료를 카페 등에 무단으로 </a:t>
-            </a:r>
-            <a:r>
-              <a:rPr lang="ko-KR" altLang="en-US" sz="2400" b="1" dirty="0" err="1">
-                <a:solidFill>
-                  <a:srgbClr val="FF0000"/>
-                </a:solidFill>
-              </a:rPr>
-              <a:t>재배포</a:t>
-            </a:r>
-            <a:r>
-              <a:rPr lang="ko-KR" altLang="en-US" sz="2400" b="1" dirty="0">
-                <a:solidFill>
-                  <a:srgbClr val="FF0000"/>
-                </a:solidFill>
-              </a:rPr>
-              <a:t> 하는 일이 자주 발생하고 있습니다</a:t>
-            </a:r>
-            <a:r>
-              <a:rPr lang="en-US" altLang="ko-KR" sz="2400" b="1" dirty="0">
-                <a:solidFill>
-                  <a:srgbClr val="FF0000"/>
-                </a:solidFill>
-              </a:rPr>
-              <a:t>.</a:t>
-            </a:r>
-          </a:p>
-          <a:p>
-            <a:endParaRPr lang="en-US" altLang="ko-KR" dirty="0">
-              <a:solidFill>
-                <a:prstClr val="black"/>
-              </a:solidFill>
-            </a:endParaRPr>
-          </a:p>
-          <a:p>
-            <a:r>
-              <a:rPr lang="ko-KR" altLang="en-US" dirty="0">
-                <a:solidFill>
-                  <a:prstClr val="black"/>
-                </a:solidFill>
-              </a:rPr>
-              <a:t>이에 대해 굉장히 심각한 문제로 받아 들이고 있으며</a:t>
-            </a:r>
-            <a:r>
-              <a:rPr lang="en-US" altLang="ko-KR" dirty="0">
-                <a:solidFill>
-                  <a:prstClr val="black"/>
-                </a:solidFill>
-              </a:rPr>
-              <a:t>,</a:t>
-            </a:r>
-          </a:p>
-          <a:p>
-            <a:endParaRPr lang="en-US" altLang="ko-KR" dirty="0">
-              <a:solidFill>
-                <a:prstClr val="black"/>
-              </a:solidFill>
-            </a:endParaRPr>
-          </a:p>
-          <a:p>
-            <a:r>
-              <a:rPr lang="ko-KR" altLang="en-US" dirty="0">
-                <a:solidFill>
-                  <a:prstClr val="black"/>
-                </a:solidFill>
-              </a:rPr>
-              <a:t>해당 문제가 반복될 경우</a:t>
-            </a:r>
-            <a:r>
-              <a:rPr lang="en-US" altLang="ko-KR" dirty="0">
-                <a:solidFill>
-                  <a:prstClr val="black"/>
-                </a:solidFill>
-              </a:rPr>
-              <a:t>, </a:t>
-            </a:r>
-            <a:r>
-              <a:rPr lang="ko-KR" altLang="en-US" dirty="0" err="1">
-                <a:solidFill>
-                  <a:prstClr val="black"/>
-                </a:solidFill>
-              </a:rPr>
-              <a:t>재배포한</a:t>
-            </a:r>
-            <a:r>
-              <a:rPr lang="ko-KR" altLang="en-US" dirty="0">
-                <a:solidFill>
-                  <a:prstClr val="black"/>
-                </a:solidFill>
-              </a:rPr>
-              <a:t> 자에 대해서는 그에 대한 책임을 반드시 물을 것입니다</a:t>
-            </a:r>
-            <a:r>
-              <a:rPr lang="en-US" altLang="ko-KR" dirty="0">
-                <a:solidFill>
-                  <a:prstClr val="black"/>
-                </a:solidFill>
-              </a:rPr>
-              <a:t>.</a:t>
-            </a:r>
-          </a:p>
-          <a:p>
-            <a:endParaRPr lang="en-US" altLang="ko-KR" dirty="0">
-              <a:solidFill>
-                <a:prstClr val="black"/>
-              </a:solidFill>
-            </a:endParaRPr>
-          </a:p>
-          <a:p>
-            <a:endParaRPr lang="en-US" altLang="ko-KR" dirty="0">
-              <a:solidFill>
-                <a:prstClr val="black"/>
-              </a:solidFill>
-            </a:endParaRPr>
-          </a:p>
-          <a:p>
-            <a:r>
-              <a:rPr lang="ko-KR" altLang="en-US" dirty="0">
-                <a:solidFill>
-                  <a:prstClr val="black"/>
-                </a:solidFill>
-              </a:rPr>
-              <a:t>저작권을 존중하지 않는 극히 소수의 사용자로 인해 다수가 피해를 보지 않도록 주의해 주시면 감사하겠으며</a:t>
-            </a:r>
-            <a:endParaRPr lang="en-US" altLang="ko-KR" dirty="0">
-              <a:solidFill>
-                <a:prstClr val="black"/>
-              </a:solidFill>
-            </a:endParaRPr>
-          </a:p>
-          <a:p>
-            <a:endParaRPr lang="en-US" altLang="ko-KR" dirty="0">
-              <a:solidFill>
-                <a:prstClr val="black"/>
-              </a:solidFill>
-            </a:endParaRPr>
-          </a:p>
-          <a:p>
-            <a:r>
-              <a:rPr lang="ko-KR" altLang="en-US" dirty="0">
-                <a:solidFill>
-                  <a:prstClr val="black"/>
-                </a:solidFill>
-              </a:rPr>
-              <a:t>제 자료가 업로드 된 곳이 있다면 저에게 알려주시면 감사하겠습니다</a:t>
-            </a:r>
-            <a:r>
-              <a:rPr lang="en-US" altLang="ko-KR" dirty="0">
-                <a:solidFill>
-                  <a:prstClr val="black"/>
-                </a:solidFill>
-              </a:rPr>
-              <a:t>.</a:t>
-            </a:r>
-          </a:p>
-          <a:p>
-            <a:endParaRPr lang="en-US" altLang="ko-KR" dirty="0">
-              <a:solidFill>
-                <a:prstClr val="black"/>
-              </a:solidFill>
-            </a:endParaRPr>
-          </a:p>
-          <a:p>
-            <a:endParaRPr lang="en-US" altLang="ko-KR" dirty="0">
-              <a:solidFill>
-                <a:prstClr val="black"/>
-              </a:solidFill>
-            </a:endParaRPr>
-          </a:p>
-          <a:p>
-            <a:r>
-              <a:rPr lang="ko-KR" altLang="en-US" dirty="0">
-                <a:solidFill>
-                  <a:prstClr val="black"/>
-                </a:solidFill>
-              </a:rPr>
-              <a:t>제 자료를 소개하고자 할 경우에는</a:t>
-            </a:r>
-            <a:endParaRPr lang="en-US" altLang="ko-KR" dirty="0">
-              <a:solidFill>
-                <a:prstClr val="black"/>
-              </a:solidFill>
-            </a:endParaRPr>
-          </a:p>
-          <a:p>
-            <a:endParaRPr lang="en-US" altLang="ko-KR" dirty="0">
-              <a:solidFill>
-                <a:prstClr val="black"/>
-              </a:solidFill>
-            </a:endParaRPr>
-          </a:p>
-          <a:p>
-            <a:r>
-              <a:rPr lang="en-US" altLang="ko-KR" dirty="0" err="1">
-                <a:solidFill>
-                  <a:prstClr val="black"/>
-                </a:solidFill>
-              </a:rPr>
-              <a:t>pptbizcam</a:t>
-            </a:r>
-            <a:r>
-              <a:rPr lang="en-US" altLang="ko-KR" dirty="0">
-                <a:solidFill>
-                  <a:prstClr val="black"/>
-                </a:solidFill>
-              </a:rPr>
-              <a:t> </a:t>
-            </a:r>
-            <a:r>
-              <a:rPr lang="ko-KR" altLang="en-US" dirty="0">
-                <a:solidFill>
-                  <a:prstClr val="black"/>
-                </a:solidFill>
-              </a:rPr>
-              <a:t>사이트로의 링크 처리로만 가능하며 </a:t>
-            </a:r>
-            <a:endParaRPr lang="en-US" altLang="ko-KR" dirty="0">
-              <a:solidFill>
-                <a:prstClr val="black"/>
-              </a:solidFill>
-            </a:endParaRPr>
-          </a:p>
-          <a:p>
-            <a:endParaRPr lang="en-US" altLang="ko-KR" dirty="0">
-              <a:solidFill>
-                <a:prstClr val="black"/>
-              </a:solidFill>
-            </a:endParaRPr>
-          </a:p>
-          <a:p>
-            <a:r>
-              <a:rPr lang="ko-KR" altLang="en-US" dirty="0">
-                <a:solidFill>
-                  <a:prstClr val="black"/>
-                </a:solidFill>
-              </a:rPr>
-              <a:t>파일 자체를 업로드 하는 것은 불가한 점 유의해 주시면 감사하겠습니다</a:t>
-            </a:r>
-            <a:r>
-              <a:rPr lang="en-US" altLang="ko-KR" dirty="0">
-                <a:solidFill>
-                  <a:prstClr val="black"/>
-                </a:solidFill>
-              </a:rPr>
-              <a:t>.</a:t>
-            </a:r>
-          </a:p>
-          <a:p>
-            <a:endParaRPr lang="en-US" altLang="ko-KR" dirty="0">
-              <a:solidFill>
-                <a:prstClr val="black"/>
-              </a:solidFill>
-            </a:endParaRPr>
-          </a:p>
-          <a:p>
-            <a:r>
-              <a:rPr lang="ko-KR" altLang="en-US" sz="2400" b="1" dirty="0">
-                <a:solidFill>
-                  <a:srgbClr val="FF0000"/>
-                </a:solidFill>
-              </a:rPr>
-              <a:t>홍보</a:t>
-            </a:r>
-            <a:r>
-              <a:rPr lang="en-US" altLang="ko-KR" sz="2400" b="1" dirty="0">
-                <a:solidFill>
-                  <a:srgbClr val="FF0000"/>
-                </a:solidFill>
-              </a:rPr>
-              <a:t>, </a:t>
-            </a:r>
-            <a:r>
-              <a:rPr lang="ko-KR" altLang="en-US" sz="2400" b="1" dirty="0">
-                <a:solidFill>
-                  <a:srgbClr val="FF0000"/>
-                </a:solidFill>
-              </a:rPr>
-              <a:t>경제적 이익을 취하는 행위 또한 불가합니다</a:t>
-            </a:r>
-            <a:r>
-              <a:rPr lang="en-US" altLang="ko-KR" sz="2400" b="1" dirty="0">
-                <a:solidFill>
-                  <a:srgbClr val="FF0000"/>
-                </a:solidFill>
-              </a:rPr>
-              <a:t>.</a:t>
-            </a:r>
-          </a:p>
-          <a:p>
-            <a:endParaRPr lang="en-US" altLang="ko-KR" sz="2400" b="1" dirty="0">
-              <a:solidFill>
-                <a:srgbClr val="FF0000"/>
-              </a:solidFill>
-            </a:endParaRPr>
-          </a:p>
-          <a:p>
-            <a:r>
-              <a:rPr lang="en-US" altLang="ko-KR" sz="2000" b="1" dirty="0">
-                <a:solidFill>
-                  <a:srgbClr val="4472C4">
-                    <a:lumMod val="75000"/>
-                  </a:srgbClr>
-                </a:solidFill>
-              </a:rPr>
-              <a:t>※</a:t>
-            </a:r>
-            <a:r>
-              <a:rPr lang="ko-KR" altLang="en-US" sz="2000" b="1" dirty="0">
-                <a:solidFill>
-                  <a:srgbClr val="4472C4">
-                    <a:lumMod val="75000"/>
-                  </a:srgbClr>
-                </a:solidFill>
-              </a:rPr>
-              <a:t>기타 활용 가능 범위는 공유 사이트 </a:t>
-            </a:r>
-            <a:r>
-              <a:rPr lang="en-US" altLang="ko-KR" sz="2000" b="1" dirty="0">
-                <a:solidFill>
-                  <a:srgbClr val="4472C4">
-                    <a:lumMod val="75000"/>
-                  </a:srgbClr>
-                </a:solidFill>
-              </a:rPr>
-              <a:t>-&gt; </a:t>
-            </a:r>
-            <a:r>
-              <a:rPr lang="ko-KR" altLang="en-US" sz="2000" b="1" dirty="0" err="1">
-                <a:solidFill>
-                  <a:srgbClr val="4472C4">
-                    <a:lumMod val="75000"/>
-                  </a:srgbClr>
-                </a:solidFill>
-              </a:rPr>
-              <a:t>수다방</a:t>
-            </a:r>
-            <a:r>
-              <a:rPr lang="ko-KR" altLang="en-US" sz="2000" b="1" dirty="0">
-                <a:solidFill>
-                  <a:srgbClr val="4472C4">
-                    <a:lumMod val="75000"/>
-                  </a:srgbClr>
-                </a:solidFill>
-              </a:rPr>
-              <a:t> 게시판 공지사항 참고</a:t>
-            </a:r>
-            <a:endParaRPr lang="en-US" altLang="ko-KR" sz="2000" b="1" dirty="0">
-              <a:solidFill>
-                <a:srgbClr val="4472C4">
-                  <a:lumMod val="75000"/>
-                </a:srgbClr>
-              </a:solidFill>
-            </a:endParaRPr>
-          </a:p>
-        </p:txBody>
-      </p:sp>
-    </p:spTree>
-    <p:extLst>
-      <p:ext uri="{BB962C8B-B14F-4D97-AF65-F5344CB8AC3E}">
-        <p14:creationId xmlns:p14="http://schemas.microsoft.com/office/powerpoint/2010/main" val="3123200241"/>
+        <p14:creationId xmlns:p14="http://schemas.microsoft.com/office/powerpoint/2010/main" val="2500178695"/>
       </p:ext>
     </p:extLst>
   </p:cSld>
@@ -5979,8 +5465,8 @@
         </p:nvSpPr>
         <p:spPr>
           <a:xfrm>
-            <a:off x="1533870" y="2187633"/>
-            <a:ext cx="2311613" cy="2311613"/>
+            <a:off x="1262270" y="2017645"/>
+            <a:ext cx="2924782" cy="2872408"/>
           </a:xfrm>
           <a:prstGeom prst="ellipse">
             <a:avLst/>
@@ -6040,7 +5526,7 @@
         </p:nvCxnSpPr>
         <p:spPr>
           <a:xfrm>
-            <a:off x="1771677" y="3568443"/>
+            <a:off x="1811433" y="3568443"/>
             <a:ext cx="1836000" cy="0"/>
           </a:xfrm>
           <a:prstGeom prst="line">
@@ -6237,14 +5723,14 @@
       </p:sp>
       <p:sp>
         <p:nvSpPr>
-          <p:cNvPr id="49" name="타원 48"/>
+          <p:cNvPr id="19" name="타원 18"/>
           <p:cNvSpPr/>
           <p:nvPr/>
         </p:nvSpPr>
         <p:spPr>
           <a:xfrm>
-            <a:off x="4883356" y="2187633"/>
-            <a:ext cx="2311613" cy="2311613"/>
+            <a:off x="4586540" y="2017644"/>
+            <a:ext cx="3003997" cy="2869667"/>
           </a:xfrm>
           <a:prstGeom prst="ellipse">
             <a:avLst/>
@@ -6291,473 +5777,6 @@
             <a:endParaRPr lang="ko-KR" altLang="en-US">
               <a:solidFill>
                 <a:prstClr val="white"/>
-              </a:solidFill>
-            </a:endParaRPr>
-          </a:p>
-        </p:txBody>
-      </p:sp>
-      <p:cxnSp>
-        <p:nvCxnSpPr>
-          <p:cNvPr id="50" name="직선 연결선 49"/>
-          <p:cNvCxnSpPr/>
-          <p:nvPr/>
-        </p:nvCxnSpPr>
-        <p:spPr>
-          <a:xfrm>
-            <a:off x="5121163" y="3568443"/>
-            <a:ext cx="1836000" cy="0"/>
-          </a:xfrm>
-          <a:prstGeom prst="line">
-            <a:avLst/>
-          </a:prstGeom>
-          <a:ln w="25400" cap="rnd">
-            <a:solidFill>
-              <a:schemeClr val="bg1">
-                <a:lumMod val="85000"/>
-              </a:schemeClr>
-            </a:solidFill>
-          </a:ln>
-        </p:spPr>
-        <p:style>
-          <a:lnRef idx="1">
-            <a:schemeClr val="accent1"/>
-          </a:lnRef>
-          <a:fillRef idx="0">
-            <a:schemeClr val="accent1"/>
-          </a:fillRef>
-          <a:effectRef idx="0">
-            <a:schemeClr val="accent1"/>
-          </a:effectRef>
-          <a:fontRef idx="minor">
-            <a:schemeClr val="tx1"/>
-          </a:fontRef>
-        </p:style>
-      </p:cxnSp>
-      <p:sp>
-        <p:nvSpPr>
-          <p:cNvPr id="54" name="TextBox 53"/>
-          <p:cNvSpPr txBox="1"/>
-          <p:nvPr/>
-        </p:nvSpPr>
-        <p:spPr>
-          <a:xfrm>
-            <a:off x="4431715" y="2971874"/>
-            <a:ext cx="3349486" cy="523220"/>
-          </a:xfrm>
-          <a:prstGeom prst="rect">
-            <a:avLst/>
-          </a:prstGeom>
-          <a:noFill/>
-        </p:spPr>
-        <p:txBody>
-          <a:bodyPr wrap="square" rtlCol="0">
-            <a:spAutoFit/>
-          </a:bodyPr>
-          <a:lstStyle/>
-          <a:p>
-            <a:pPr algn="ctr"/>
-            <a:r>
-              <a:rPr lang="en-US" altLang="ko-KR" sz="2800" b="1">
-                <a:solidFill>
-                  <a:prstClr val="black">
-                    <a:lumMod val="75000"/>
-                    <a:lumOff val="25000"/>
-                  </a:prstClr>
-                </a:solidFill>
-              </a:rPr>
-              <a:t>2. </a:t>
-            </a:r>
-            <a:r>
-              <a:rPr lang="ko-KR" altLang="en-US" sz="2800" b="1">
-                <a:solidFill>
-                  <a:prstClr val="black">
-                    <a:lumMod val="75000"/>
-                    <a:lumOff val="25000"/>
-                  </a:prstClr>
-                </a:solidFill>
-              </a:rPr>
-              <a:t>프로젝트 내용</a:t>
-            </a:r>
-            <a:endParaRPr lang="en-US" altLang="ko-KR" sz="700" dirty="0">
-              <a:solidFill>
-                <a:prstClr val="black">
-                  <a:lumMod val="75000"/>
-                  <a:lumOff val="25000"/>
-                </a:prstClr>
-              </a:solidFill>
-            </a:endParaRPr>
-          </a:p>
-        </p:txBody>
-      </p:sp>
-      <p:sp>
-        <p:nvSpPr>
-          <p:cNvPr id="55" name="직사각형 54">
-            <a:extLst>
-              <a:ext uri="{FF2B5EF4-FFF2-40B4-BE49-F238E27FC236}">
-                <a16:creationId xmlns:a16="http://schemas.microsoft.com/office/drawing/2014/main" id="{3FA00699-5178-465A-9F3F-130CF1431F70}"/>
-              </a:ext>
-            </a:extLst>
-          </p:cNvPr>
-          <p:cNvSpPr/>
-          <p:nvPr/>
-        </p:nvSpPr>
-        <p:spPr>
-          <a:xfrm>
-            <a:off x="4541786" y="3771705"/>
-            <a:ext cx="2994752" cy="1661993"/>
-          </a:xfrm>
-          <a:prstGeom prst="rect">
-            <a:avLst/>
-          </a:prstGeom>
-        </p:spPr>
-        <p:txBody>
-          <a:bodyPr wrap="square">
-            <a:spAutoFit/>
-          </a:bodyPr>
-          <a:lstStyle/>
-          <a:p>
-            <a:pPr algn="ctr">
-              <a:lnSpc>
-                <a:spcPct val="150000"/>
-              </a:lnSpc>
-            </a:pPr>
-            <a:r>
-              <a:rPr lang="ko-KR" altLang="en-US" b="1">
-                <a:solidFill>
-                  <a:prstClr val="black">
-                    <a:lumMod val="75000"/>
-                    <a:lumOff val="25000"/>
-                  </a:prstClr>
-                </a:solidFill>
-              </a:rPr>
-              <a:t>프로젝트 구성 </a:t>
-            </a:r>
-            <a:endParaRPr lang="en-US" altLang="ko-KR" b="1">
-              <a:solidFill>
-                <a:prstClr val="black">
-                  <a:lumMod val="75000"/>
-                  <a:lumOff val="25000"/>
-                </a:prstClr>
-              </a:solidFill>
-            </a:endParaRPr>
-          </a:p>
-          <a:p>
-            <a:pPr algn="ctr">
-              <a:lnSpc>
-                <a:spcPct val="150000"/>
-              </a:lnSpc>
-            </a:pPr>
-            <a:endParaRPr lang="en-US" altLang="ko-KR" b="1" dirty="0">
-              <a:solidFill>
-                <a:prstClr val="black">
-                  <a:lumMod val="75000"/>
-                  <a:lumOff val="25000"/>
-                </a:prstClr>
-              </a:solidFill>
-            </a:endParaRPr>
-          </a:p>
-          <a:p>
-            <a:pPr algn="ctr">
-              <a:lnSpc>
-                <a:spcPct val="150000"/>
-              </a:lnSpc>
-            </a:pPr>
-            <a:endParaRPr lang="en-US" altLang="ko-KR" sz="1600">
-              <a:solidFill>
-                <a:prstClr val="black">
-                  <a:lumMod val="75000"/>
-                  <a:lumOff val="25000"/>
-                </a:prstClr>
-              </a:solidFill>
-            </a:endParaRPr>
-          </a:p>
-          <a:p>
-            <a:pPr algn="ctr">
-              <a:lnSpc>
-                <a:spcPct val="150000"/>
-              </a:lnSpc>
-            </a:pPr>
-            <a:r>
-              <a:rPr lang="ko-KR" altLang="en-US" sz="1600">
-                <a:solidFill>
-                  <a:prstClr val="black">
-                    <a:lumMod val="75000"/>
-                    <a:lumOff val="25000"/>
-                  </a:prstClr>
-                </a:solidFill>
-              </a:rPr>
-              <a:t>유니티 및 프로젝트의 구성</a:t>
-            </a:r>
-            <a:endParaRPr lang="ko-KR" altLang="en-US" sz="1050" dirty="0">
-              <a:solidFill>
-                <a:prstClr val="black">
-                  <a:lumMod val="75000"/>
-                  <a:lumOff val="25000"/>
-                </a:prstClr>
-              </a:solidFill>
-            </a:endParaRPr>
-          </a:p>
-        </p:txBody>
-      </p:sp>
-      <p:sp>
-        <p:nvSpPr>
-          <p:cNvPr id="56" name="타원 55"/>
-          <p:cNvSpPr/>
-          <p:nvPr/>
-        </p:nvSpPr>
-        <p:spPr>
-          <a:xfrm>
-            <a:off x="8232842" y="2187633"/>
-            <a:ext cx="2311613" cy="2311613"/>
-          </a:xfrm>
-          <a:prstGeom prst="ellipse">
-            <a:avLst/>
-          </a:prstGeom>
-          <a:solidFill>
-            <a:schemeClr val="bg1"/>
-          </a:solidFill>
-          <a:ln>
-            <a:solidFill>
-              <a:schemeClr val="bg1">
-                <a:lumMod val="85000"/>
-              </a:schemeClr>
-            </a:solidFill>
-          </a:ln>
-          <a:effectLst>
-            <a:outerShdw blurRad="177800" dist="152400" dir="3600000" sx="98000" sy="98000" algn="tl" rotWithShape="0">
-              <a:prstClr val="black">
-                <a:alpha val="15000"/>
-              </a:prstClr>
-            </a:outerShdw>
-          </a:effectLst>
-        </p:spPr>
-        <p:style>
-          <a:lnRef idx="2">
-            <a:schemeClr val="accent1">
-              <a:shade val="50000"/>
-            </a:schemeClr>
-          </a:lnRef>
-          <a:fillRef idx="1">
-            <a:schemeClr val="accent1"/>
-          </a:fillRef>
-          <a:effectRef idx="0">
-            <a:schemeClr val="accent1"/>
-          </a:effectRef>
-          <a:fontRef idx="minor">
-            <a:schemeClr val="lt1"/>
-          </a:fontRef>
-        </p:style>
-        <p:txBody>
-          <a:bodyPr rtlCol="0" anchor="ctr"/>
-          <a:lstStyle/>
-          <a:p>
-            <a:pPr algn="ctr"/>
-            <a:endParaRPr lang="ko-KR" altLang="en-US">
-              <a:solidFill>
-                <a:prstClr val="white"/>
-              </a:solidFill>
-            </a:endParaRPr>
-          </a:p>
-        </p:txBody>
-      </p:sp>
-      <p:cxnSp>
-        <p:nvCxnSpPr>
-          <p:cNvPr id="57" name="직선 연결선 56"/>
-          <p:cNvCxnSpPr/>
-          <p:nvPr/>
-        </p:nvCxnSpPr>
-        <p:spPr>
-          <a:xfrm>
-            <a:off x="8470649" y="3568443"/>
-            <a:ext cx="1836000" cy="0"/>
-          </a:xfrm>
-          <a:prstGeom prst="line">
-            <a:avLst/>
-          </a:prstGeom>
-          <a:ln w="25400" cap="rnd">
-            <a:solidFill>
-              <a:schemeClr val="bg1">
-                <a:lumMod val="85000"/>
-              </a:schemeClr>
-            </a:solidFill>
-          </a:ln>
-        </p:spPr>
-        <p:style>
-          <a:lnRef idx="1">
-            <a:schemeClr val="accent1"/>
-          </a:lnRef>
-          <a:fillRef idx="0">
-            <a:schemeClr val="accent1"/>
-          </a:fillRef>
-          <a:effectRef idx="0">
-            <a:schemeClr val="accent1"/>
-          </a:effectRef>
-          <a:fontRef idx="minor">
-            <a:schemeClr val="tx1"/>
-          </a:fontRef>
-        </p:style>
-      </p:cxnSp>
-      <p:sp>
-        <p:nvSpPr>
-          <p:cNvPr id="61" name="TextBox 60"/>
-          <p:cNvSpPr txBox="1"/>
-          <p:nvPr/>
-        </p:nvSpPr>
-        <p:spPr>
-          <a:xfrm>
-            <a:off x="7961090" y="2919652"/>
-            <a:ext cx="2976510" cy="523220"/>
-          </a:xfrm>
-          <a:prstGeom prst="rect">
-            <a:avLst/>
-          </a:prstGeom>
-          <a:noFill/>
-        </p:spPr>
-        <p:txBody>
-          <a:bodyPr wrap="square" rtlCol="0">
-            <a:spAutoFit/>
-          </a:bodyPr>
-          <a:lstStyle/>
-          <a:p>
-            <a:pPr algn="ctr"/>
-            <a:r>
-              <a:rPr lang="en-US" altLang="ko-KR" sz="2800" b="1">
-                <a:solidFill>
-                  <a:prstClr val="black">
-                    <a:lumMod val="75000"/>
-                    <a:lumOff val="25000"/>
-                  </a:prstClr>
-                </a:solidFill>
-              </a:rPr>
-              <a:t>3. </a:t>
-            </a:r>
-            <a:r>
-              <a:rPr lang="ko-KR" altLang="en-US" sz="2800" b="1">
-                <a:solidFill>
-                  <a:prstClr val="black">
-                    <a:lumMod val="75000"/>
-                    <a:lumOff val="25000"/>
-                  </a:prstClr>
-                </a:solidFill>
-              </a:rPr>
-              <a:t>앞으로의 계획</a:t>
-            </a:r>
-            <a:endParaRPr lang="en-US" altLang="ko-KR" sz="700" dirty="0">
-              <a:solidFill>
-                <a:prstClr val="black">
-                  <a:lumMod val="75000"/>
-                  <a:lumOff val="25000"/>
-                </a:prstClr>
-              </a:solidFill>
-            </a:endParaRPr>
-          </a:p>
-        </p:txBody>
-      </p:sp>
-      <p:sp>
-        <p:nvSpPr>
-          <p:cNvPr id="62" name="직사각형 61">
-            <a:extLst>
-              <a:ext uri="{FF2B5EF4-FFF2-40B4-BE49-F238E27FC236}">
-                <a16:creationId xmlns:a16="http://schemas.microsoft.com/office/drawing/2014/main" id="{3FA00699-5178-465A-9F3F-130CF1431F70}"/>
-              </a:ext>
-            </a:extLst>
-          </p:cNvPr>
-          <p:cNvSpPr/>
-          <p:nvPr/>
-        </p:nvSpPr>
-        <p:spPr>
-          <a:xfrm>
-            <a:off x="7891272" y="3781138"/>
-            <a:ext cx="2994752" cy="1535036"/>
-          </a:xfrm>
-          <a:prstGeom prst="rect">
-            <a:avLst/>
-          </a:prstGeom>
-        </p:spPr>
-        <p:txBody>
-          <a:bodyPr wrap="square">
-            <a:spAutoFit/>
-          </a:bodyPr>
-          <a:lstStyle/>
-          <a:p>
-            <a:pPr algn="ctr">
-              <a:lnSpc>
-                <a:spcPct val="150000"/>
-              </a:lnSpc>
-            </a:pPr>
-            <a:r>
-              <a:rPr lang="ko-KR" altLang="en-US" b="1">
-                <a:solidFill>
-                  <a:prstClr val="black">
-                    <a:lumMod val="75000"/>
-                    <a:lumOff val="25000"/>
-                  </a:prstClr>
-                </a:solidFill>
-              </a:rPr>
-              <a:t>추후 목표 및 계획</a:t>
-            </a:r>
-            <a:endParaRPr lang="en-US" altLang="ko-KR" b="1" dirty="0">
-              <a:solidFill>
-                <a:prstClr val="black">
-                  <a:lumMod val="75000"/>
-                  <a:lumOff val="25000"/>
-                </a:prstClr>
-              </a:solidFill>
-            </a:endParaRPr>
-          </a:p>
-          <a:p>
-            <a:pPr algn="ctr">
-              <a:lnSpc>
-                <a:spcPct val="150000"/>
-              </a:lnSpc>
-            </a:pPr>
-            <a:endParaRPr lang="en-US" altLang="ko-KR" b="1" dirty="0">
-              <a:solidFill>
-                <a:prstClr val="black">
-                  <a:lumMod val="75000"/>
-                  <a:lumOff val="25000"/>
-                </a:prstClr>
-              </a:solidFill>
-            </a:endParaRPr>
-          </a:p>
-          <a:p>
-            <a:pPr algn="ctr">
-              <a:lnSpc>
-                <a:spcPct val="150000"/>
-              </a:lnSpc>
-            </a:pPr>
-            <a:endParaRPr lang="en-US" altLang="ko-KR" sz="1050">
-              <a:solidFill>
-                <a:prstClr val="black">
-                  <a:lumMod val="75000"/>
-                  <a:lumOff val="25000"/>
-                </a:prstClr>
-              </a:solidFill>
-            </a:endParaRPr>
-          </a:p>
-          <a:p>
-            <a:pPr algn="ctr">
-              <a:lnSpc>
-                <a:spcPct val="150000"/>
-              </a:lnSpc>
-            </a:pPr>
-            <a:r>
-              <a:rPr lang="ko-KR" altLang="en-US" sz="1600">
-                <a:solidFill>
-                  <a:prstClr val="black">
-                    <a:lumMod val="75000"/>
-                    <a:lumOff val="25000"/>
-                  </a:prstClr>
-                </a:solidFill>
-              </a:rPr>
-              <a:t>본 프로젝트 이후의 계획</a:t>
-            </a:r>
-            <a:endParaRPr lang="ko-KR" altLang="en-US" sz="1600" dirty="0">
-              <a:solidFill>
-                <a:prstClr val="black">
-                  <a:lumMod val="75000"/>
-                  <a:lumOff val="25000"/>
-                </a:prstClr>
               </a:solidFill>
             </a:endParaRPr>
           </a:p>
@@ -6875,6 +5894,493 @@
           </a:prstGeom>
         </p:spPr>
       </p:pic>
+      <p:sp>
+        <p:nvSpPr>
+          <p:cNvPr id="54" name="TextBox 53"/>
+          <p:cNvSpPr txBox="1"/>
+          <p:nvPr/>
+        </p:nvSpPr>
+        <p:spPr>
+          <a:xfrm>
+            <a:off x="4431715" y="2971874"/>
+            <a:ext cx="3349486" cy="523220"/>
+          </a:xfrm>
+          <a:prstGeom prst="rect">
+            <a:avLst/>
+          </a:prstGeom>
+          <a:noFill/>
+        </p:spPr>
+        <p:txBody>
+          <a:bodyPr wrap="square" rtlCol="0">
+            <a:spAutoFit/>
+          </a:bodyPr>
+          <a:lstStyle/>
+          <a:p>
+            <a:pPr algn="ctr"/>
+            <a:r>
+              <a:rPr lang="en-US" altLang="ko-KR" sz="2800" b="1">
+                <a:solidFill>
+                  <a:prstClr val="black">
+                    <a:lumMod val="75000"/>
+                    <a:lumOff val="25000"/>
+                  </a:prstClr>
+                </a:solidFill>
+              </a:rPr>
+              <a:t>2. </a:t>
+            </a:r>
+            <a:r>
+              <a:rPr lang="ko-KR" altLang="en-US" sz="2800" b="1">
+                <a:solidFill>
+                  <a:prstClr val="black">
+                    <a:lumMod val="75000"/>
+                    <a:lumOff val="25000"/>
+                  </a:prstClr>
+                </a:solidFill>
+              </a:rPr>
+              <a:t>프로젝트 내용</a:t>
+            </a:r>
+            <a:endParaRPr lang="en-US" altLang="ko-KR" sz="700" dirty="0">
+              <a:solidFill>
+                <a:prstClr val="black">
+                  <a:lumMod val="75000"/>
+                  <a:lumOff val="25000"/>
+                </a:prstClr>
+              </a:solidFill>
+            </a:endParaRPr>
+          </a:p>
+        </p:txBody>
+      </p:sp>
+      <p:sp>
+        <p:nvSpPr>
+          <p:cNvPr id="55" name="직사각형 54">
+            <a:extLst>
+              <a:ext uri="{FF2B5EF4-FFF2-40B4-BE49-F238E27FC236}">
+                <a16:creationId xmlns:a16="http://schemas.microsoft.com/office/drawing/2014/main" id="{3FA00699-5178-465A-9F3F-130CF1431F70}"/>
+              </a:ext>
+            </a:extLst>
+          </p:cNvPr>
+          <p:cNvSpPr/>
+          <p:nvPr/>
+        </p:nvSpPr>
+        <p:spPr>
+          <a:xfrm>
+            <a:off x="4541786" y="3771705"/>
+            <a:ext cx="2994752" cy="1661993"/>
+          </a:xfrm>
+          <a:prstGeom prst="rect">
+            <a:avLst/>
+          </a:prstGeom>
+        </p:spPr>
+        <p:txBody>
+          <a:bodyPr wrap="square">
+            <a:spAutoFit/>
+          </a:bodyPr>
+          <a:lstStyle/>
+          <a:p>
+            <a:pPr algn="ctr">
+              <a:lnSpc>
+                <a:spcPct val="150000"/>
+              </a:lnSpc>
+            </a:pPr>
+            <a:r>
+              <a:rPr lang="ko-KR" altLang="en-US" b="1">
+                <a:solidFill>
+                  <a:prstClr val="black">
+                    <a:lumMod val="75000"/>
+                    <a:lumOff val="25000"/>
+                  </a:prstClr>
+                </a:solidFill>
+              </a:rPr>
+              <a:t>프로젝트 구성 </a:t>
+            </a:r>
+            <a:endParaRPr lang="en-US" altLang="ko-KR" b="1">
+              <a:solidFill>
+                <a:prstClr val="black">
+                  <a:lumMod val="75000"/>
+                  <a:lumOff val="25000"/>
+                </a:prstClr>
+              </a:solidFill>
+            </a:endParaRPr>
+          </a:p>
+          <a:p>
+            <a:pPr algn="ctr">
+              <a:lnSpc>
+                <a:spcPct val="150000"/>
+              </a:lnSpc>
+            </a:pPr>
+            <a:endParaRPr lang="en-US" altLang="ko-KR" b="1" dirty="0">
+              <a:solidFill>
+                <a:prstClr val="black">
+                  <a:lumMod val="75000"/>
+                  <a:lumOff val="25000"/>
+                </a:prstClr>
+              </a:solidFill>
+            </a:endParaRPr>
+          </a:p>
+          <a:p>
+            <a:pPr algn="ctr">
+              <a:lnSpc>
+                <a:spcPct val="150000"/>
+              </a:lnSpc>
+            </a:pPr>
+            <a:endParaRPr lang="en-US" altLang="ko-KR" sz="1600">
+              <a:solidFill>
+                <a:prstClr val="black">
+                  <a:lumMod val="75000"/>
+                  <a:lumOff val="25000"/>
+                </a:prstClr>
+              </a:solidFill>
+            </a:endParaRPr>
+          </a:p>
+          <a:p>
+            <a:pPr algn="ctr">
+              <a:lnSpc>
+                <a:spcPct val="150000"/>
+              </a:lnSpc>
+            </a:pPr>
+            <a:r>
+              <a:rPr lang="ko-KR" altLang="en-US" sz="1600">
+                <a:solidFill>
+                  <a:prstClr val="black">
+                    <a:lumMod val="75000"/>
+                    <a:lumOff val="25000"/>
+                  </a:prstClr>
+                </a:solidFill>
+              </a:rPr>
+              <a:t>유니티 및 프로젝트의 구성</a:t>
+            </a:r>
+            <a:endParaRPr lang="ko-KR" altLang="en-US" sz="1050" dirty="0">
+              <a:solidFill>
+                <a:prstClr val="black">
+                  <a:lumMod val="75000"/>
+                  <a:lumOff val="25000"/>
+                </a:prstClr>
+              </a:solidFill>
+            </a:endParaRPr>
+          </a:p>
+        </p:txBody>
+      </p:sp>
+      <p:cxnSp>
+        <p:nvCxnSpPr>
+          <p:cNvPr id="50" name="직선 연결선 49"/>
+          <p:cNvCxnSpPr/>
+          <p:nvPr/>
+        </p:nvCxnSpPr>
+        <p:spPr>
+          <a:xfrm>
+            <a:off x="5121163" y="3568443"/>
+            <a:ext cx="1836000" cy="0"/>
+          </a:xfrm>
+          <a:prstGeom prst="line">
+            <a:avLst/>
+          </a:prstGeom>
+          <a:ln w="25400" cap="rnd">
+            <a:solidFill>
+              <a:schemeClr val="bg1">
+                <a:lumMod val="85000"/>
+              </a:schemeClr>
+            </a:solidFill>
+          </a:ln>
+        </p:spPr>
+        <p:style>
+          <a:lnRef idx="1">
+            <a:schemeClr val="accent1"/>
+          </a:lnRef>
+          <a:fillRef idx="0">
+            <a:schemeClr val="accent1"/>
+          </a:fillRef>
+          <a:effectRef idx="0">
+            <a:schemeClr val="accent1"/>
+          </a:effectRef>
+          <a:fontRef idx="minor">
+            <a:schemeClr val="tx1"/>
+          </a:fontRef>
+        </p:style>
+      </p:cxnSp>
+      <p:sp>
+        <p:nvSpPr>
+          <p:cNvPr id="22" name="타원 21"/>
+          <p:cNvSpPr/>
+          <p:nvPr/>
+        </p:nvSpPr>
+        <p:spPr>
+          <a:xfrm>
+            <a:off x="7961090" y="2017644"/>
+            <a:ext cx="2976510" cy="2813300"/>
+          </a:xfrm>
+          <a:prstGeom prst="ellipse">
+            <a:avLst/>
+          </a:prstGeom>
+          <a:solidFill>
+            <a:schemeClr val="bg1"/>
+          </a:solidFill>
+          <a:ln>
+            <a:solidFill>
+              <a:schemeClr val="bg1">
+                <a:lumMod val="85000"/>
+              </a:schemeClr>
+            </a:solidFill>
+          </a:ln>
+          <a:effectLst>
+            <a:outerShdw blurRad="177800" dist="152400" dir="3600000" sx="98000" sy="98000" algn="tl" rotWithShape="0">
+              <a:prstClr val="black">
+                <a:alpha val="15000"/>
+              </a:prstClr>
+            </a:outerShdw>
+          </a:effectLst>
+        </p:spPr>
+        <p:style>
+          <a:lnRef idx="2">
+            <a:schemeClr val="accent1">
+              <a:shade val="50000"/>
+            </a:schemeClr>
+          </a:lnRef>
+          <a:fillRef idx="1">
+            <a:schemeClr val="accent1"/>
+          </a:fillRef>
+          <a:effectRef idx="0">
+            <a:schemeClr val="accent1"/>
+          </a:effectRef>
+          <a:fontRef idx="minor">
+            <a:schemeClr val="lt1"/>
+          </a:fontRef>
+        </p:style>
+        <p:txBody>
+          <a:bodyPr rtlCol="0" anchor="ctr"/>
+          <a:lstStyle/>
+          <a:p>
+            <a:pPr algn="ctr"/>
+            <a:endParaRPr lang="ko-KR" altLang="en-US">
+              <a:solidFill>
+                <a:prstClr val="white"/>
+              </a:solidFill>
+            </a:endParaRPr>
+          </a:p>
+        </p:txBody>
+      </p:sp>
+      <p:sp>
+        <p:nvSpPr>
+          <p:cNvPr id="61" name="TextBox 60"/>
+          <p:cNvSpPr txBox="1"/>
+          <p:nvPr/>
+        </p:nvSpPr>
+        <p:spPr>
+          <a:xfrm>
+            <a:off x="7961090" y="2919652"/>
+            <a:ext cx="2976510" cy="523220"/>
+          </a:xfrm>
+          <a:prstGeom prst="rect">
+            <a:avLst/>
+          </a:prstGeom>
+          <a:noFill/>
+        </p:spPr>
+        <p:txBody>
+          <a:bodyPr wrap="square" rtlCol="0">
+            <a:spAutoFit/>
+          </a:bodyPr>
+          <a:lstStyle/>
+          <a:p>
+            <a:pPr algn="ctr"/>
+            <a:r>
+              <a:rPr lang="en-US" altLang="ko-KR" sz="2800" b="1">
+                <a:solidFill>
+                  <a:prstClr val="black">
+                    <a:lumMod val="75000"/>
+                    <a:lumOff val="25000"/>
+                  </a:prstClr>
+                </a:solidFill>
+              </a:rPr>
+              <a:t>3. </a:t>
+            </a:r>
+            <a:r>
+              <a:rPr lang="ko-KR" altLang="en-US" sz="2800" b="1">
+                <a:solidFill>
+                  <a:prstClr val="black">
+                    <a:lumMod val="75000"/>
+                    <a:lumOff val="25000"/>
+                  </a:prstClr>
+                </a:solidFill>
+              </a:rPr>
+              <a:t>앞으로의 계획</a:t>
+            </a:r>
+            <a:endParaRPr lang="en-US" altLang="ko-KR" sz="700" dirty="0">
+              <a:solidFill>
+                <a:prstClr val="black">
+                  <a:lumMod val="75000"/>
+                  <a:lumOff val="25000"/>
+                </a:prstClr>
+              </a:solidFill>
+            </a:endParaRPr>
+          </a:p>
+        </p:txBody>
+      </p:sp>
+      <p:cxnSp>
+        <p:nvCxnSpPr>
+          <p:cNvPr id="57" name="직선 연결선 56"/>
+          <p:cNvCxnSpPr/>
+          <p:nvPr/>
+        </p:nvCxnSpPr>
+        <p:spPr>
+          <a:xfrm>
+            <a:off x="8470649" y="3568443"/>
+            <a:ext cx="1836000" cy="0"/>
+          </a:xfrm>
+          <a:prstGeom prst="line">
+            <a:avLst/>
+          </a:prstGeom>
+          <a:ln w="25400" cap="rnd">
+            <a:solidFill>
+              <a:schemeClr val="bg1">
+                <a:lumMod val="85000"/>
+              </a:schemeClr>
+            </a:solidFill>
+          </a:ln>
+        </p:spPr>
+        <p:style>
+          <a:lnRef idx="1">
+            <a:schemeClr val="accent1"/>
+          </a:lnRef>
+          <a:fillRef idx="0">
+            <a:schemeClr val="accent1"/>
+          </a:fillRef>
+          <a:effectRef idx="0">
+            <a:schemeClr val="accent1"/>
+          </a:effectRef>
+          <a:fontRef idx="minor">
+            <a:schemeClr val="tx1"/>
+          </a:fontRef>
+        </p:style>
+      </p:cxnSp>
+      <p:sp>
+        <p:nvSpPr>
+          <p:cNvPr id="62" name="직사각형 61">
+            <a:extLst>
+              <a:ext uri="{FF2B5EF4-FFF2-40B4-BE49-F238E27FC236}">
+                <a16:creationId xmlns:a16="http://schemas.microsoft.com/office/drawing/2014/main" id="{3FA00699-5178-465A-9F3F-130CF1431F70}"/>
+              </a:ext>
+            </a:extLst>
+          </p:cNvPr>
+          <p:cNvSpPr/>
+          <p:nvPr/>
+        </p:nvSpPr>
+        <p:spPr>
+          <a:xfrm>
+            <a:off x="7891272" y="3781138"/>
+            <a:ext cx="2994752" cy="454292"/>
+          </a:xfrm>
+          <a:prstGeom prst="rect">
+            <a:avLst/>
+          </a:prstGeom>
+        </p:spPr>
+        <p:txBody>
+          <a:bodyPr wrap="square">
+            <a:spAutoFit/>
+          </a:bodyPr>
+          <a:lstStyle/>
+          <a:p>
+            <a:pPr algn="ctr">
+              <a:lnSpc>
+                <a:spcPct val="150000"/>
+              </a:lnSpc>
+            </a:pPr>
+            <a:r>
+              <a:rPr lang="ko-KR" altLang="en-US" b="1">
+                <a:solidFill>
+                  <a:prstClr val="black">
+                    <a:lumMod val="75000"/>
+                    <a:lumOff val="25000"/>
+                  </a:prstClr>
+                </a:solidFill>
+              </a:rPr>
+              <a:t>추후 목표 및 </a:t>
+            </a:r>
+            <a:r>
+              <a:rPr lang="ko-KR" altLang="en-US" b="1" smtClean="0">
+                <a:solidFill>
+                  <a:prstClr val="black">
+                    <a:lumMod val="75000"/>
+                    <a:lumOff val="25000"/>
+                  </a:prstClr>
+                </a:solidFill>
+              </a:rPr>
+              <a:t>계획</a:t>
+            </a:r>
+            <a:endParaRPr lang="en-US" altLang="ko-KR" b="1" dirty="0">
+              <a:solidFill>
+                <a:prstClr val="black">
+                  <a:lumMod val="75000"/>
+                  <a:lumOff val="25000"/>
+                </a:prstClr>
+              </a:solidFill>
+            </a:endParaRPr>
+          </a:p>
+        </p:txBody>
+      </p:sp>
+      <p:sp>
+        <p:nvSpPr>
+          <p:cNvPr id="23" name="직사각형 22">
+            <a:extLst>
+              <a:ext uri="{FF2B5EF4-FFF2-40B4-BE49-F238E27FC236}">
+                <a16:creationId xmlns:a16="http://schemas.microsoft.com/office/drawing/2014/main" id="{3FA00699-5178-465A-9F3F-130CF1431F70}"/>
+              </a:ext>
+            </a:extLst>
+          </p:cNvPr>
+          <p:cNvSpPr/>
+          <p:nvPr/>
+        </p:nvSpPr>
+        <p:spPr>
+          <a:xfrm>
+            <a:off x="7951969" y="4933880"/>
+            <a:ext cx="2994752" cy="414024"/>
+          </a:xfrm>
+          <a:prstGeom prst="rect">
+            <a:avLst/>
+          </a:prstGeom>
+        </p:spPr>
+        <p:txBody>
+          <a:bodyPr wrap="square">
+            <a:spAutoFit/>
+          </a:bodyPr>
+          <a:lstStyle/>
+          <a:p>
+            <a:pPr algn="ctr">
+              <a:lnSpc>
+                <a:spcPct val="150000"/>
+              </a:lnSpc>
+            </a:pPr>
+            <a:r>
+              <a:rPr lang="ko-KR" altLang="en-US" sz="1600" smtClean="0">
+                <a:solidFill>
+                  <a:prstClr val="black">
+                    <a:lumMod val="75000"/>
+                    <a:lumOff val="25000"/>
+                  </a:prstClr>
+                </a:solidFill>
+              </a:rPr>
+              <a:t>본 </a:t>
+            </a:r>
+            <a:r>
+              <a:rPr lang="ko-KR" altLang="en-US" sz="1600">
+                <a:solidFill>
+                  <a:prstClr val="black">
+                    <a:lumMod val="75000"/>
+                    <a:lumOff val="25000"/>
+                  </a:prstClr>
+                </a:solidFill>
+              </a:rPr>
+              <a:t>프로젝트 이후의 계획</a:t>
+            </a:r>
+            <a:endParaRPr lang="ko-KR" altLang="en-US" sz="1600" dirty="0">
+              <a:solidFill>
+                <a:prstClr val="black">
+                  <a:lumMod val="75000"/>
+                  <a:lumOff val="25000"/>
+                </a:prstClr>
+              </a:solidFill>
+            </a:endParaRPr>
+          </a:p>
+        </p:txBody>
+      </p:sp>
     </p:spTree>
     <p:extLst>
       <p:ext uri="{BB962C8B-B14F-4D97-AF65-F5344CB8AC3E}">
@@ -7124,184 +6630,125 @@
           </a:p>
         </p:txBody>
       </p:sp>
-      <p:grpSp>
-        <p:nvGrpSpPr>
-          <p:cNvPr id="2" name="그룹 1"/>
-          <p:cNvGrpSpPr/>
-          <p:nvPr/>
-        </p:nvGrpSpPr>
-        <p:grpSpPr>
-          <a:xfrm>
-            <a:off x="328961" y="1062051"/>
-            <a:ext cx="11322569" cy="4236960"/>
-            <a:chOff x="-152276" y="590609"/>
-            <a:chExt cx="12423723" cy="4649021"/>
-          </a:xfrm>
-        </p:grpSpPr>
-        <p:sp>
-          <p:nvSpPr>
-            <p:cNvPr id="48" name="직사각형 47"/>
-            <p:cNvSpPr/>
-            <p:nvPr/>
-          </p:nvSpPr>
-          <p:spPr>
-            <a:xfrm>
-              <a:off x="-152276" y="590609"/>
-              <a:ext cx="3176551" cy="455906"/>
-            </a:xfrm>
-            <a:prstGeom prst="rect">
-              <a:avLst/>
-            </a:prstGeom>
-          </p:spPr>
-          <p:txBody>
-            <a:bodyPr wrap="square">
-              <a:spAutoFit/>
-            </a:bodyPr>
-            <a:lstStyle/>
-            <a:p>
-              <a:pPr algn="ctr">
-                <a:lnSpc>
-                  <a:spcPct val="150000"/>
-                </a:lnSpc>
-              </a:pPr>
-              <a:r>
-                <a:rPr lang="ko-KR" altLang="en-US" sz="1400" b="1">
-                  <a:solidFill>
-                    <a:prstClr val="black">
-                      <a:lumMod val="75000"/>
-                      <a:lumOff val="25000"/>
-                    </a:prstClr>
-                  </a:solidFill>
-                </a:rPr>
-                <a:t>본 프로젝트 선정 이유 및 목표</a:t>
-              </a:r>
-              <a:endParaRPr lang="en-US" altLang="ko-KR" sz="1400" b="1" dirty="0">
-                <a:solidFill>
-                  <a:prstClr val="black">
-                    <a:lumMod val="75000"/>
-                    <a:lumOff val="25000"/>
-                  </a:prstClr>
-                </a:solidFill>
-              </a:endParaRPr>
-            </a:p>
-          </p:txBody>
-        </p:sp>
-        <p:sp>
-          <p:nvSpPr>
-            <p:cNvPr id="63" name="직사각형 62"/>
-            <p:cNvSpPr/>
-            <p:nvPr/>
-          </p:nvSpPr>
-          <p:spPr>
-            <a:xfrm>
-              <a:off x="7407873" y="1541720"/>
-              <a:ext cx="4863574" cy="3697910"/>
-            </a:xfrm>
-            <a:prstGeom prst="rect">
-              <a:avLst/>
-            </a:prstGeom>
-          </p:spPr>
-          <p:txBody>
-            <a:bodyPr wrap="square">
-              <a:spAutoFit/>
-            </a:bodyPr>
-            <a:lstStyle/>
-            <a:p>
-              <a:pPr>
-                <a:lnSpc>
-                  <a:spcPct val="150000"/>
-                </a:lnSpc>
-              </a:pPr>
-              <a:r>
-                <a:rPr lang="en-US" altLang="ko-KR" sz="1600" b="1"/>
-                <a:t> 2021</a:t>
-              </a:r>
-              <a:r>
-                <a:rPr lang="ko-KR" altLang="en-US" sz="1600" b="1"/>
-                <a:t>년 대한민국의 대표 방 계약 애플리케이션 직방의 설문조사에 따르면 직접 방문 없이 </a:t>
-              </a:r>
-              <a:r>
-                <a:rPr lang="en-US" altLang="ko-KR" sz="1600" b="1"/>
-                <a:t>3D·VR </a:t>
-              </a:r>
-              <a:r>
-                <a:rPr lang="ko-KR" altLang="en-US" sz="1600" b="1"/>
-                <a:t>부동산정보만 확인하고 계약할 의사가 있다는 응답이 </a:t>
-              </a:r>
-              <a:r>
-                <a:rPr lang="en-US" altLang="ko-KR" sz="1600" b="1"/>
-                <a:t>70%</a:t>
-              </a:r>
-              <a:r>
-                <a:rPr lang="ko-KR" altLang="en-US" sz="1600" b="1"/>
-                <a:t>를 넘겼다</a:t>
-              </a:r>
-              <a:r>
-                <a:rPr lang="en-US" altLang="ko-KR" sz="1600" b="1"/>
-                <a:t>.</a:t>
-              </a:r>
-            </a:p>
-            <a:p>
-              <a:pPr>
-                <a:lnSpc>
-                  <a:spcPct val="150000"/>
-                </a:lnSpc>
-              </a:pPr>
-              <a:br>
-                <a:rPr lang="ko-KR" altLang="en-US" sz="1600"/>
-              </a:br>
-              <a:r>
-                <a:rPr lang="ko-KR" altLang="en-US" sz="1600"/>
-                <a:t> </a:t>
-              </a:r>
-              <a:r>
-                <a:rPr lang="ko-KR" altLang="en-US" sz="1600" b="1"/>
-                <a:t>또한</a:t>
-              </a:r>
-              <a:r>
-                <a:rPr lang="ko-KR" altLang="en-US" sz="1600"/>
-                <a:t> </a:t>
-              </a:r>
-              <a:r>
-                <a:rPr lang="en-US" altLang="ko-KR" sz="1600" b="1"/>
-                <a:t>3D, VR </a:t>
-              </a:r>
-              <a:r>
-                <a:rPr lang="ko-KR" altLang="en-US" sz="1600" b="1"/>
-                <a:t>부동산 정보 서비스를 이용해 볼 의향을 물어보는 질문에는 </a:t>
-              </a:r>
-              <a:r>
-                <a:rPr lang="en-US" altLang="ko-KR" sz="1600" b="1"/>
-                <a:t>90%</a:t>
-              </a:r>
-              <a:r>
-                <a:rPr lang="ko-KR" altLang="en-US" sz="1600" b="1"/>
-                <a:t>에 육박하는 비율로 이용해 볼 것이라고 응답을 기록했다</a:t>
-              </a:r>
-              <a:r>
-                <a:rPr lang="en-US" altLang="ko-KR" sz="1600" b="1"/>
-                <a:t>.</a:t>
-              </a:r>
-              <a:endParaRPr lang="ko-KR" altLang="en-US" sz="1600" b="1"/>
-            </a:p>
-            <a:p>
-              <a:pPr>
-                <a:lnSpc>
-                  <a:spcPct val="150000"/>
-                </a:lnSpc>
-              </a:pPr>
-              <a:endParaRPr lang="en-US" altLang="ko-KR" sz="1400" b="1" dirty="0">
-                <a:solidFill>
-                  <a:prstClr val="black">
-                    <a:lumMod val="75000"/>
-                    <a:lumOff val="25000"/>
-                  </a:prstClr>
-                </a:solidFill>
-              </a:endParaRPr>
-            </a:p>
-          </p:txBody>
-        </p:sp>
-      </p:grpSp>
+      <p:sp>
+        <p:nvSpPr>
+          <p:cNvPr id="63" name="직사각형 62"/>
+          <p:cNvSpPr/>
+          <p:nvPr/>
+        </p:nvSpPr>
+        <p:spPr>
+          <a:xfrm>
+            <a:off x="7219030" y="1928861"/>
+            <a:ext cx="4432500" cy="3370150"/>
+          </a:xfrm>
+          <a:prstGeom prst="rect">
+            <a:avLst/>
+          </a:prstGeom>
+        </p:spPr>
+        <p:txBody>
+          <a:bodyPr wrap="square">
+            <a:spAutoFit/>
+          </a:bodyPr>
+          <a:lstStyle/>
+          <a:p>
+            <a:pPr>
+              <a:lnSpc>
+                <a:spcPct val="150000"/>
+              </a:lnSpc>
+            </a:pPr>
+            <a:r>
+              <a:rPr lang="en-US" altLang="ko-KR" sz="1600" b="1"/>
+              <a:t> 2021</a:t>
+            </a:r>
+            <a:r>
+              <a:rPr lang="ko-KR" altLang="en-US" sz="1600" b="1"/>
+              <a:t>년 대한민국의 대표 방 계약 애플리케이션 직방의 설문조사에 따르면 직접 방문 없이 </a:t>
+            </a:r>
+            <a:r>
+              <a:rPr lang="en-US" altLang="ko-KR" sz="1600" b="1"/>
+              <a:t>3D·VR </a:t>
+            </a:r>
+            <a:r>
+              <a:rPr lang="ko-KR" altLang="en-US" sz="1600" b="1"/>
+              <a:t>부동산정보만 확인하고 계약할 의사가 있다는 응답이 </a:t>
+            </a:r>
+            <a:r>
+              <a:rPr lang="en-US" altLang="ko-KR" sz="1600" b="1"/>
+              <a:t>70%</a:t>
+            </a:r>
+            <a:r>
+              <a:rPr lang="ko-KR" altLang="en-US" sz="1600" b="1"/>
+              <a:t>를 넘겼다</a:t>
+            </a:r>
+            <a:r>
+              <a:rPr lang="en-US" altLang="ko-KR" sz="1600" b="1"/>
+              <a:t>.</a:t>
+            </a:r>
+          </a:p>
+          <a:p>
+            <a:pPr>
+              <a:lnSpc>
+                <a:spcPct val="150000"/>
+              </a:lnSpc>
+            </a:pPr>
+            <a:r>
+              <a:rPr lang="ko-KR" altLang="en-US" sz="1600"/>
+              <a:t/>
+            </a:r>
+            <a:br>
+              <a:rPr lang="ko-KR" altLang="en-US" sz="1600"/>
+            </a:br>
+            <a:r>
+              <a:rPr lang="ko-KR" altLang="en-US" sz="1600"/>
+              <a:t> </a:t>
+            </a:r>
+            <a:r>
+              <a:rPr lang="ko-KR" altLang="en-US" sz="1600" b="1"/>
+              <a:t>또한</a:t>
+            </a:r>
+            <a:r>
+              <a:rPr lang="ko-KR" altLang="en-US" sz="1600"/>
+              <a:t> </a:t>
+            </a:r>
+            <a:r>
+              <a:rPr lang="en-US" altLang="ko-KR" sz="1600" b="1"/>
+              <a:t>3D, VR </a:t>
+            </a:r>
+            <a:r>
+              <a:rPr lang="ko-KR" altLang="en-US" sz="1600" b="1"/>
+              <a:t>부동산 정보 서비스를 이용해 볼 의향을 물어보는 질문에는 </a:t>
+            </a:r>
+            <a:r>
+              <a:rPr lang="en-US" altLang="ko-KR" sz="1600" b="1"/>
+              <a:t>90%</a:t>
+            </a:r>
+            <a:r>
+              <a:rPr lang="ko-KR" altLang="en-US" sz="1600" b="1"/>
+              <a:t>에 육박하는 비율로 이용해 볼 것이라고 응답을 기록했다</a:t>
+            </a:r>
+            <a:r>
+              <a:rPr lang="en-US" altLang="ko-KR" sz="1600" b="1"/>
+              <a:t>.</a:t>
+            </a:r>
+            <a:endParaRPr lang="ko-KR" altLang="en-US" sz="1600" b="1"/>
+          </a:p>
+          <a:p>
+            <a:pPr>
+              <a:lnSpc>
+                <a:spcPct val="150000"/>
+              </a:lnSpc>
+            </a:pPr>
+            <a:endParaRPr lang="en-US" altLang="ko-KR" sz="1400" b="1" dirty="0">
+              <a:solidFill>
+                <a:prstClr val="black">
+                  <a:lumMod val="75000"/>
+                  <a:lumOff val="25000"/>
+                </a:prstClr>
+              </a:solidFill>
+            </a:endParaRPr>
+          </a:p>
+        </p:txBody>
+      </p:sp>
       <p:pic>
         <p:nvPicPr>
           <p:cNvPr id="1026" name="Picture 2" descr="모바일 3D·VR 부동산정보 이용 의향. (자료=직방)"/>
@@ -7548,6 +6995,50 @@
           </a:prstGeom>
         </p:spPr>
       </p:pic>
+      <p:cxnSp>
+        <p:nvCxnSpPr>
+          <p:cNvPr id="12" name="직선 연결선 11">
+            <a:extLst>
+              <a:ext uri="{FF2B5EF4-FFF2-40B4-BE49-F238E27FC236}">
+                <a16:creationId xmlns:a16="http://schemas.microsoft.com/office/drawing/2014/main" id="{5C067028-2E01-47AD-8DE6-64CBF7F2E79F}"/>
+              </a:ext>
+            </a:extLst>
+          </p:cNvPr>
+          <p:cNvCxnSpPr>
+            <a:cxnSpLocks/>
+          </p:cNvCxnSpPr>
+          <p:nvPr/>
+        </p:nvCxnSpPr>
+        <p:spPr>
+          <a:xfrm flipH="1">
+            <a:off x="7086600" y="1837304"/>
+            <a:ext cx="0" cy="3600000"/>
+          </a:xfrm>
+          <a:prstGeom prst="line">
+            <a:avLst/>
+          </a:prstGeom>
+          <a:ln w="19050">
+            <a:solidFill>
+              <a:srgbClr val="CACACA"/>
+            </a:solidFill>
+            <a:prstDash val="lgDash"/>
+          </a:ln>
+        </p:spPr>
+        <p:style>
+          <a:lnRef idx="1">
+            <a:schemeClr val="accent1"/>
+          </a:lnRef>
+          <a:fillRef idx="0">
+            <a:schemeClr val="accent1"/>
+          </a:fillRef>
+          <a:effectRef idx="0">
+            <a:schemeClr val="accent1"/>
+          </a:effectRef>
+          <a:fontRef idx="minor">
+            <a:schemeClr val="tx1"/>
+          </a:fontRef>
+        </p:style>
+      </p:cxnSp>
     </p:spTree>
     <p:extLst>
       <p:ext uri="{BB962C8B-B14F-4D97-AF65-F5344CB8AC3E}">
@@ -8077,6 +7568,50 @@
           </a:prstGeom>
         </p:spPr>
       </p:pic>
+      <p:cxnSp>
+        <p:nvCxnSpPr>
+          <p:cNvPr id="12" name="직선 연결선 11">
+            <a:extLst>
+              <a:ext uri="{FF2B5EF4-FFF2-40B4-BE49-F238E27FC236}">
+                <a16:creationId xmlns:a16="http://schemas.microsoft.com/office/drawing/2014/main" id="{5C067028-2E01-47AD-8DE6-64CBF7F2E79F}"/>
+              </a:ext>
+            </a:extLst>
+          </p:cNvPr>
+          <p:cNvCxnSpPr>
+            <a:cxnSpLocks/>
+          </p:cNvCxnSpPr>
+          <p:nvPr/>
+        </p:nvCxnSpPr>
+        <p:spPr>
+          <a:xfrm>
+            <a:off x="6781801" y="1715732"/>
+            <a:ext cx="0" cy="3240000"/>
+          </a:xfrm>
+          <a:prstGeom prst="line">
+            <a:avLst/>
+          </a:prstGeom>
+          <a:ln w="19050">
+            <a:solidFill>
+              <a:srgbClr val="CACACA"/>
+            </a:solidFill>
+            <a:prstDash val="lgDash"/>
+          </a:ln>
+        </p:spPr>
+        <p:style>
+          <a:lnRef idx="1">
+            <a:schemeClr val="accent1"/>
+          </a:lnRef>
+          <a:fillRef idx="0">
+            <a:schemeClr val="accent1"/>
+          </a:fillRef>
+          <a:effectRef idx="0">
+            <a:schemeClr val="accent1"/>
+          </a:effectRef>
+          <a:fontRef idx="minor">
+            <a:schemeClr val="tx1"/>
+          </a:fontRef>
+        </p:style>
+      </p:cxnSp>
     </p:spTree>
     <p:extLst>
       <p:ext uri="{BB962C8B-B14F-4D97-AF65-F5344CB8AC3E}">
@@ -9667,7 +9202,7 @@
             <a:miter lim="800000"/>
             <a:extLst>
               <a:ext uri="{C807C97D-BFC1-408E-A445-0C87EB9F89A2}">
-                <ask:lineSketchStyleProps xmlns:ask="http://schemas.microsoft.com/office/drawing/2018/sketchyshapes" sd="1219033472">
+                <ask:lineSketchStyleProps xmlns:ask="http://schemas.microsoft.com/office/drawing/2018/sketchyshapes" xmlns="" sd="1219033472">
                   <a:custGeom>
                     <a:avLst/>
                     <a:gdLst>
@@ -11172,7 +10707,7 @@
         </p:nvSpPr>
         <p:spPr>
           <a:xfrm>
-            <a:off x="490297" y="5061520"/>
+            <a:off x="490297" y="6164764"/>
             <a:ext cx="3950459" cy="373885"/>
           </a:xfrm>
           <a:prstGeom prst="rect">
@@ -11235,7 +10770,7 @@
         </p:nvSpPr>
         <p:spPr>
           <a:xfrm>
-            <a:off x="6273997" y="5068611"/>
+            <a:off x="6273997" y="6161917"/>
             <a:ext cx="4469818" cy="373885"/>
           </a:xfrm>
           <a:prstGeom prst="rect">
@@ -11306,8 +10841,8 @@
         </p:blipFill>
         <p:spPr>
           <a:xfrm>
-            <a:off x="6374079" y="1519622"/>
-            <a:ext cx="5267195" cy="3464504"/>
+            <a:off x="6273997" y="1276936"/>
+            <a:ext cx="5427707" cy="4884980"/>
           </a:xfrm>
           <a:prstGeom prst="rect">
             <a:avLst/>
@@ -11336,8 +10871,8 @@
         </p:blipFill>
         <p:spPr>
           <a:xfrm>
-            <a:off x="565711" y="1519622"/>
-            <a:ext cx="5267195" cy="3464504"/>
+            <a:off x="490297" y="1276937"/>
+            <a:ext cx="5422949" cy="4884980"/>
           </a:xfrm>
           <a:prstGeom prst="rect">
             <a:avLst/>
@@ -11380,6 +10915,50 @@
           </a:prstGeom>
         </p:spPr>
       </p:pic>
+      <p:cxnSp>
+        <p:nvCxnSpPr>
+          <p:cNvPr id="13" name="직선 연결선 12">
+            <a:extLst>
+              <a:ext uri="{FF2B5EF4-FFF2-40B4-BE49-F238E27FC236}">
+                <a16:creationId xmlns:a16="http://schemas.microsoft.com/office/drawing/2014/main" id="{5C067028-2E01-47AD-8DE6-64CBF7F2E79F}"/>
+              </a:ext>
+            </a:extLst>
+          </p:cNvPr>
+          <p:cNvCxnSpPr>
+            <a:cxnSpLocks/>
+          </p:cNvCxnSpPr>
+          <p:nvPr/>
+        </p:nvCxnSpPr>
+        <p:spPr>
+          <a:xfrm flipH="1">
+            <a:off x="6062870" y="1775366"/>
+            <a:ext cx="33130" cy="4320000"/>
+          </a:xfrm>
+          <a:prstGeom prst="line">
+            <a:avLst/>
+          </a:prstGeom>
+          <a:ln w="19050">
+            <a:solidFill>
+              <a:srgbClr val="CACACA"/>
+            </a:solidFill>
+            <a:prstDash val="lgDash"/>
+          </a:ln>
+        </p:spPr>
+        <p:style>
+          <a:lnRef idx="1">
+            <a:schemeClr val="accent1"/>
+          </a:lnRef>
+          <a:fillRef idx="0">
+            <a:schemeClr val="accent1"/>
+          </a:fillRef>
+          <a:effectRef idx="0">
+            <a:schemeClr val="accent1"/>
+          </a:effectRef>
+          <a:fontRef idx="minor">
+            <a:schemeClr val="tx1"/>
+          </a:fontRef>
+        </p:style>
+      </p:cxnSp>
     </p:spTree>
     <p:extLst>
       <p:ext uri="{BB962C8B-B14F-4D97-AF65-F5344CB8AC3E}">
@@ -11716,7 +11295,7 @@
         </p:nvSpPr>
         <p:spPr>
           <a:xfrm>
-            <a:off x="490297" y="5061520"/>
+            <a:off x="490297" y="6154826"/>
             <a:ext cx="3950459" cy="373885"/>
           </a:xfrm>
           <a:prstGeom prst="rect">
@@ -11779,7 +11358,7 @@
         </p:nvSpPr>
         <p:spPr>
           <a:xfrm>
-            <a:off x="6273997" y="5068611"/>
+            <a:off x="6273997" y="6142038"/>
             <a:ext cx="4469818" cy="373885"/>
           </a:xfrm>
           <a:prstGeom prst="rect">
@@ -11850,8 +11429,8 @@
         </p:blipFill>
         <p:spPr>
           <a:xfrm>
-            <a:off x="575035" y="1543026"/>
-            <a:ext cx="5344998" cy="3504868"/>
+            <a:off x="490297" y="1543026"/>
+            <a:ext cx="5429736" cy="4611800"/>
           </a:xfrm>
           <a:prstGeom prst="rect">
             <a:avLst/>
@@ -11880,8 +11459,8 @@
         </p:blipFill>
         <p:spPr>
           <a:xfrm>
-            <a:off x="6363093" y="1543026"/>
-            <a:ext cx="5372252" cy="3504868"/>
+            <a:off x="6273997" y="1543026"/>
+            <a:ext cx="5461348" cy="4611800"/>
           </a:xfrm>
           <a:prstGeom prst="rect">
             <a:avLst/>
@@ -11924,6 +11503,50 @@
           </a:prstGeom>
         </p:spPr>
       </p:pic>
+      <p:cxnSp>
+        <p:nvCxnSpPr>
+          <p:cNvPr id="14" name="직선 연결선 13">
+            <a:extLst>
+              <a:ext uri="{FF2B5EF4-FFF2-40B4-BE49-F238E27FC236}">
+                <a16:creationId xmlns:a16="http://schemas.microsoft.com/office/drawing/2014/main" id="{5C067028-2E01-47AD-8DE6-64CBF7F2E79F}"/>
+              </a:ext>
+            </a:extLst>
+          </p:cNvPr>
+          <p:cNvCxnSpPr>
+            <a:cxnSpLocks/>
+          </p:cNvCxnSpPr>
+          <p:nvPr/>
+        </p:nvCxnSpPr>
+        <p:spPr>
+          <a:xfrm flipH="1">
+            <a:off x="6062870" y="1775366"/>
+            <a:ext cx="33130" cy="4320000"/>
+          </a:xfrm>
+          <a:prstGeom prst="line">
+            <a:avLst/>
+          </a:prstGeom>
+          <a:ln w="19050">
+            <a:solidFill>
+              <a:srgbClr val="CACACA"/>
+            </a:solidFill>
+            <a:prstDash val="lgDash"/>
+          </a:ln>
+        </p:spPr>
+        <p:style>
+          <a:lnRef idx="1">
+            <a:schemeClr val="accent1"/>
+          </a:lnRef>
+          <a:fillRef idx="0">
+            <a:schemeClr val="accent1"/>
+          </a:fillRef>
+          <a:effectRef idx="0">
+            <a:schemeClr val="accent1"/>
+          </a:effectRef>
+          <a:fontRef idx="minor">
+            <a:schemeClr val="tx1"/>
+          </a:fontRef>
+        </p:style>
+      </p:cxnSp>
     </p:spTree>
     <p:extLst>
       <p:ext uri="{BB962C8B-B14F-4D97-AF65-F5344CB8AC3E}">
@@ -12260,7 +11883,7 @@
         </p:nvSpPr>
         <p:spPr>
           <a:xfrm>
-            <a:off x="490297" y="5061520"/>
+            <a:off x="490297" y="6154826"/>
             <a:ext cx="3950459" cy="373885"/>
           </a:xfrm>
           <a:prstGeom prst="rect">
@@ -12323,7 +11946,7 @@
         </p:nvSpPr>
         <p:spPr>
           <a:xfrm>
-            <a:off x="6184545" y="5061520"/>
+            <a:off x="6184545" y="6125008"/>
             <a:ext cx="4469818" cy="373885"/>
           </a:xfrm>
           <a:prstGeom prst="rect">
@@ -12394,8 +12017,8 @@
         </p:blipFill>
         <p:spPr>
           <a:xfrm>
-            <a:off x="6273997" y="1599885"/>
-            <a:ext cx="5247183" cy="3354694"/>
+            <a:off x="6273997" y="1640264"/>
+            <a:ext cx="5345288" cy="4484744"/>
           </a:xfrm>
           <a:prstGeom prst="rect">
             <a:avLst/>
@@ -12425,7 +12048,7 @@
         <p:spPr>
           <a:xfrm>
             <a:off x="556285" y="1640264"/>
-            <a:ext cx="5175212" cy="3354694"/>
+            <a:ext cx="5328588" cy="4514562"/>
           </a:xfrm>
           <a:prstGeom prst="rect">
             <a:avLst/>
@@ -12468,6 +12091,50 @@
           </a:prstGeom>
         </p:spPr>
       </p:pic>
+      <p:cxnSp>
+        <p:nvCxnSpPr>
+          <p:cNvPr id="12" name="직선 연결선 11">
+            <a:extLst>
+              <a:ext uri="{FF2B5EF4-FFF2-40B4-BE49-F238E27FC236}">
+                <a16:creationId xmlns:a16="http://schemas.microsoft.com/office/drawing/2014/main" id="{5C067028-2E01-47AD-8DE6-64CBF7F2E79F}"/>
+              </a:ext>
+            </a:extLst>
+          </p:cNvPr>
+          <p:cNvCxnSpPr>
+            <a:cxnSpLocks/>
+          </p:cNvCxnSpPr>
+          <p:nvPr/>
+        </p:nvCxnSpPr>
+        <p:spPr>
+          <a:xfrm flipH="1">
+            <a:off x="6062870" y="1775366"/>
+            <a:ext cx="33130" cy="4320000"/>
+          </a:xfrm>
+          <a:prstGeom prst="line">
+            <a:avLst/>
+          </a:prstGeom>
+          <a:ln w="19050">
+            <a:solidFill>
+              <a:srgbClr val="CACACA"/>
+            </a:solidFill>
+            <a:prstDash val="lgDash"/>
+          </a:ln>
+        </p:spPr>
+        <p:style>
+          <a:lnRef idx="1">
+            <a:schemeClr val="accent1"/>
+          </a:lnRef>
+          <a:fillRef idx="0">
+            <a:schemeClr val="accent1"/>
+          </a:fillRef>
+          <a:effectRef idx="0">
+            <a:schemeClr val="accent1"/>
+          </a:effectRef>
+          <a:fontRef idx="minor">
+            <a:schemeClr val="tx1"/>
+          </a:fontRef>
+        </p:style>
+      </p:cxnSp>
     </p:spTree>
     <p:extLst>
       <p:ext uri="{BB962C8B-B14F-4D97-AF65-F5344CB8AC3E}">

--- a/Final Assignments/파라노이드 팀 발표용 PPT.pptx
+++ b/Final Assignments/파라노이드 팀 발표용 PPT.pptx
@@ -5079,7 +5079,7 @@
               <a:defRPr/>
             </a:pPr>
             <a:r>
-              <a:rPr lang="ko-KR" altLang="en-US" sz="4400" b="1" i="1" kern="0" smtClean="0">
+              <a:rPr lang="ko-KR" altLang="en-US" sz="4400" b="1" i="1" kern="0">
                 <a:solidFill>
                   <a:prstClr val="black">
                     <a:lumMod val="75000"/>
@@ -5090,7 +5090,7 @@
               <a:t>감사합니다</a:t>
             </a:r>
             <a:r>
-              <a:rPr lang="en-US" altLang="ko-KR" sz="4400" b="1" i="1" kern="0" smtClean="0">
+              <a:rPr lang="en-US" altLang="ko-KR" sz="4400" b="1" i="1" kern="0">
                 <a:solidFill>
                   <a:prstClr val="black">
                     <a:lumMod val="75000"/>
@@ -5109,7 +5109,7 @@
               <a:defRPr/>
             </a:pPr>
             <a:r>
-              <a:rPr lang="en-US" altLang="ko-KR" sz="4400" b="1" i="1" kern="0" smtClean="0">
+              <a:rPr lang="en-US" altLang="ko-KR" sz="4400" b="1" i="1" kern="0">
                 <a:solidFill>
                   <a:prstClr val="black">
                     <a:lumMod val="75000"/>
@@ -6292,18 +6292,7 @@
                   </a:prstClr>
                 </a:solidFill>
               </a:rPr>
-              <a:t>추후 목표 및 </a:t>
-            </a:r>
-            <a:r>
-              <a:rPr lang="ko-KR" altLang="en-US" b="1" smtClean="0">
-                <a:solidFill>
-                  <a:prstClr val="black">
-                    <a:lumMod val="75000"/>
-                    <a:lumOff val="25000"/>
-                  </a:prstClr>
-                </a:solidFill>
-              </a:rPr>
-              <a:t>계획</a:t>
+              <a:t>추후 목표 및 계획</a:t>
             </a:r>
             <a:endParaRPr lang="en-US" altLang="ko-KR" b="1" dirty="0">
               <a:solidFill>
@@ -6349,7 +6338,7 @@
               </a:lnSpc>
             </a:pPr>
             <a:r>
-              <a:rPr lang="ko-KR" altLang="en-US" sz="1600" smtClean="0">
+              <a:rPr lang="ko-KR" altLang="en-US" sz="1600">
                 <a:solidFill>
                   <a:prstClr val="black">
                     <a:lumMod val="75000"/>
@@ -6357,18 +6346,7 @@
                   </a:prstClr>
                 </a:solidFill>
               </a:rPr>
-              <a:t>본 </a:t>
-            </a:r>
-            <a:r>
-              <a:rPr lang="ko-KR" altLang="en-US" sz="1600">
-                <a:solidFill>
-                  <a:prstClr val="black">
-                    <a:lumMod val="75000"/>
-                    <a:lumOff val="25000"/>
-                  </a:prstClr>
-                </a:solidFill>
-              </a:rPr>
-              <a:t>프로젝트 이후의 계획</a:t>
+              <a:t>본 프로젝트 이후의 계획</a:t>
             </a:r>
             <a:endParaRPr lang="ko-KR" altLang="en-US" sz="1600" dirty="0">
               <a:solidFill>
@@ -6691,10 +6669,6 @@
                 <a:spcPct val="150000"/>
               </a:lnSpc>
             </a:pPr>
-            <a:r>
-              <a:rPr lang="ko-KR" altLang="en-US" sz="1600"/>
-              <a:t/>
-            </a:r>
             <a:br>
               <a:rPr lang="ko-KR" altLang="en-US" sz="1600"/>
             </a:br>
@@ -9202,7 +9176,7 @@
             <a:miter lim="800000"/>
             <a:extLst>
               <a:ext uri="{C807C97D-BFC1-408E-A445-0C87EB9F89A2}">
-                <ask:lineSketchStyleProps xmlns:ask="http://schemas.microsoft.com/office/drawing/2018/sketchyshapes" xmlns="" sd="1219033472">
+                <ask:lineSketchStyleProps xmlns:ask="http://schemas.microsoft.com/office/drawing/2018/sketchyshapes" sd="1219033472">
                   <a:custGeom>
                     <a:avLst/>
                     <a:gdLst>

--- a/Final Assignments/파라노이드 팀 발표용 PPT.pptx
+++ b/Final Assignments/파라노이드 팀 발표용 PPT.pptx
@@ -276,7 +276,7 @@
                 </a:solidFill>
               </a:rPr>
               <a:pPr/>
-              <a:t>2022-05-19</a:t>
+              <a:t>2022-05-20</a:t>
             </a:fld>
             <a:endParaRPr lang="ko-KR" altLang="en-US">
               <a:solidFill>
@@ -506,7 +506,7 @@
                 </a:solidFill>
               </a:rPr>
               <a:pPr/>
-              <a:t>2022-05-19</a:t>
+              <a:t>2022-05-20</a:t>
             </a:fld>
             <a:endParaRPr lang="ko-KR" altLang="en-US">
               <a:solidFill>
@@ -746,7 +746,7 @@
                 </a:solidFill>
               </a:rPr>
               <a:pPr/>
-              <a:t>2022-05-19</a:t>
+              <a:t>2022-05-20</a:t>
             </a:fld>
             <a:endParaRPr lang="ko-KR" altLang="en-US">
               <a:solidFill>
@@ -976,7 +976,7 @@
                 </a:solidFill>
               </a:rPr>
               <a:pPr/>
-              <a:t>2022-05-19</a:t>
+              <a:t>2022-05-20</a:t>
             </a:fld>
             <a:endParaRPr lang="ko-KR" altLang="en-US">
               <a:solidFill>
@@ -1283,7 +1283,7 @@
                 </a:solidFill>
               </a:rPr>
               <a:pPr/>
-              <a:t>2022-05-19</a:t>
+              <a:t>2022-05-20</a:t>
             </a:fld>
             <a:endParaRPr lang="ko-KR" altLang="en-US">
               <a:solidFill>
@@ -1580,7 +1580,7 @@
                 </a:solidFill>
               </a:rPr>
               <a:pPr/>
-              <a:t>2022-05-19</a:t>
+              <a:t>2022-05-20</a:t>
             </a:fld>
             <a:endParaRPr lang="ko-KR" altLang="en-US">
               <a:solidFill>
@@ -2024,7 +2024,7 @@
                 </a:solidFill>
               </a:rPr>
               <a:pPr/>
-              <a:t>2022-05-19</a:t>
+              <a:t>2022-05-20</a:t>
             </a:fld>
             <a:endParaRPr lang="ko-KR" altLang="en-US">
               <a:solidFill>
@@ -2197,7 +2197,7 @@
                 </a:solidFill>
               </a:rPr>
               <a:pPr/>
-              <a:t>2022-05-19</a:t>
+              <a:t>2022-05-20</a:t>
             </a:fld>
             <a:endParaRPr lang="ko-KR" altLang="en-US">
               <a:solidFill>
@@ -2342,7 +2342,7 @@
                 </a:solidFill>
               </a:rPr>
               <a:pPr/>
-              <a:t>2022-05-19</a:t>
+              <a:t>2022-05-20</a:t>
             </a:fld>
             <a:endParaRPr lang="ko-KR" altLang="en-US">
               <a:solidFill>
@@ -2685,7 +2685,7 @@
                 </a:solidFill>
               </a:rPr>
               <a:pPr/>
-              <a:t>2022-05-19</a:t>
+              <a:t>2022-05-20</a:t>
             </a:fld>
             <a:endParaRPr lang="ko-KR" altLang="en-US">
               <a:solidFill>
@@ -3005,7 +3005,7 @@
                 </a:solidFill>
               </a:rPr>
               <a:pPr/>
-              <a:t>2022-05-19</a:t>
+              <a:t>2022-05-20</a:t>
             </a:fld>
             <a:endParaRPr lang="ko-KR" altLang="en-US">
               <a:solidFill>
@@ -3278,7 +3278,7 @@
                 </a:solidFill>
               </a:rPr>
               <a:pPr/>
-              <a:t>2022-05-19</a:t>
+              <a:t>2022-05-20</a:t>
             </a:fld>
             <a:endParaRPr lang="ko-KR" altLang="en-US">
               <a:solidFill>
@@ -3841,7 +3841,7 @@
               </a:lnSpc>
             </a:pPr>
             <a:r>
-              <a:rPr lang="ko-KR" altLang="en-US" sz="1700">
+              <a:rPr lang="ko-KR" altLang="en-US" sz="1700" dirty="0" err="1">
                 <a:solidFill>
                   <a:prstClr val="white"/>
                 </a:solidFill>
@@ -3904,7 +3904,7 @@
               <a:defRPr/>
             </a:pPr>
             <a:r>
-              <a:rPr lang="ko-KR" altLang="en-US" sz="3200" b="1" i="1" kern="0">
+              <a:rPr lang="ko-KR" altLang="en-US" sz="3200" b="1" i="1" kern="0" dirty="0">
                 <a:solidFill>
                   <a:prstClr val="black">
                     <a:lumMod val="75000"/>
@@ -3912,9 +3912,31 @@
                   </a:prstClr>
                 </a:solidFill>
               </a:rPr>
-              <a:t>파라노이드 팀</a:t>
-            </a:r>
-            <a:endParaRPr lang="en-US" altLang="ko-KR" sz="3200" b="1" i="1" kern="0">
+              <a:t>올바른 자취방 구하기 </a:t>
+            </a:r>
+            <a:r>
+              <a:rPr lang="en-US" altLang="ko-KR" sz="3200" b="1" i="1" kern="0" dirty="0">
+                <a:solidFill>
+                  <a:prstClr val="black">
+                    <a:lumMod val="75000"/>
+                    <a:lumOff val="25000"/>
+                  </a:prstClr>
+                </a:solidFill>
+              </a:rPr>
+              <a:t>VR </a:t>
+            </a:r>
+            <a:r>
+              <a:rPr lang="ko-KR" altLang="en-US" sz="3200" b="1" i="1" kern="0" dirty="0">
+                <a:solidFill>
+                  <a:prstClr val="black">
+                    <a:lumMod val="75000"/>
+                    <a:lumOff val="25000"/>
+                  </a:prstClr>
+                </a:solidFill>
+              </a:rPr>
+              <a:t>시뮬레이터</a:t>
+            </a:r>
+            <a:endParaRPr lang="en-US" altLang="ko-KR" sz="3200" b="1" i="1" kern="0" dirty="0">
               <a:solidFill>
                 <a:prstClr val="black">
                   <a:lumMod val="75000"/>
@@ -3931,7 +3953,7 @@
               <a:defRPr/>
             </a:pPr>
             <a:r>
-              <a:rPr lang="ko-KR" altLang="en-US" sz="1500" b="1" kern="0">
+              <a:rPr lang="ko-KR" altLang="en-US" sz="1500" b="1" kern="0" dirty="0">
                 <a:solidFill>
                   <a:prstClr val="black">
                     <a:lumMod val="75000"/>
@@ -3942,7 +3964,7 @@
               <a:t>                    콘텐츠 </a:t>
             </a:r>
             <a:r>
-              <a:rPr lang="en-US" altLang="ko-KR" sz="1500" b="1" kern="0">
+              <a:rPr lang="en-US" altLang="ko-KR" sz="1500" b="1" kern="0" dirty="0">
                 <a:solidFill>
                   <a:prstClr val="black">
                     <a:lumMod val="75000"/>
@@ -3953,7 +3975,7 @@
               <a:t>IT 20145329 </a:t>
             </a:r>
             <a:r>
-              <a:rPr lang="ko-KR" altLang="en-US" sz="1500" b="1" kern="0">
+              <a:rPr lang="ko-KR" altLang="en-US" sz="1500" b="1" kern="0" dirty="0">
                 <a:solidFill>
                   <a:prstClr val="black">
                     <a:lumMod val="75000"/>
@@ -3963,7 +3985,7 @@
               </a:rPr>
               <a:t>오장호</a:t>
             </a:r>
-            <a:endParaRPr lang="en-US" altLang="ko-KR" sz="1500" b="1" kern="0">
+            <a:endParaRPr lang="en-US" altLang="ko-KR" sz="1500" b="1" kern="0" dirty="0">
               <a:solidFill>
                 <a:prstClr val="black">
                   <a:lumMod val="75000"/>
@@ -3980,7 +4002,7 @@
               <a:defRPr/>
             </a:pPr>
             <a:r>
-              <a:rPr lang="ko-KR" altLang="en-US" sz="1500" b="1" kern="0">
+              <a:rPr lang="ko-KR" altLang="en-US" sz="1500" b="1" kern="0" dirty="0">
                 <a:solidFill>
                   <a:prstClr val="black">
                     <a:lumMod val="75000"/>
@@ -3991,7 +4013,7 @@
               <a:t>                    콘텐츠 </a:t>
             </a:r>
             <a:r>
-              <a:rPr lang="en-US" altLang="ko-KR" sz="1500" b="1" kern="0">
+              <a:rPr lang="en-US" altLang="ko-KR" sz="1500" b="1" kern="0" dirty="0">
                 <a:solidFill>
                   <a:prstClr val="black">
                     <a:lumMod val="75000"/>
@@ -4002,7 +4024,7 @@
               <a:t>IT 20145350 </a:t>
             </a:r>
             <a:r>
-              <a:rPr lang="ko-KR" altLang="en-US" sz="1500" b="1" kern="0">
+              <a:rPr lang="ko-KR" altLang="en-US" sz="1500" b="1" kern="0" dirty="0" err="1">
                 <a:solidFill>
                   <a:prstClr val="black">
                     <a:lumMod val="75000"/>
@@ -4012,7 +4034,7 @@
               </a:rPr>
               <a:t>한규성</a:t>
             </a:r>
-            <a:endParaRPr lang="en-US" altLang="ko-KR" sz="1500" b="1" kern="0">
+            <a:endParaRPr lang="en-US" altLang="ko-KR" sz="1500" b="1" kern="0" dirty="0">
               <a:solidFill>
                 <a:prstClr val="black">
                   <a:lumMod val="75000"/>
@@ -4029,7 +4051,7 @@
               <a:defRPr/>
             </a:pPr>
             <a:r>
-              <a:rPr lang="ko-KR" altLang="en-US" sz="1500" b="1" kern="0">
+              <a:rPr lang="ko-KR" altLang="en-US" sz="1500" b="1" kern="0" dirty="0">
                 <a:solidFill>
                   <a:prstClr val="black">
                     <a:lumMod val="75000"/>
@@ -4040,7 +4062,7 @@
               <a:t>                    콘텐츠 </a:t>
             </a:r>
             <a:r>
-              <a:rPr lang="en-US" altLang="ko-KR" sz="1500" b="1" kern="0">
+              <a:rPr lang="en-US" altLang="ko-KR" sz="1500" b="1" kern="0" dirty="0">
                 <a:solidFill>
                   <a:prstClr val="black">
                     <a:lumMod val="75000"/>
@@ -4051,7 +4073,7 @@
               <a:t>IT 20175332 </a:t>
             </a:r>
             <a:r>
-              <a:rPr lang="ko-KR" altLang="en-US" sz="1500" b="1" kern="0">
+              <a:rPr lang="ko-KR" altLang="en-US" sz="1500" b="1" kern="0" dirty="0">
                 <a:solidFill>
                   <a:prstClr val="black">
                     <a:lumMod val="75000"/>
@@ -4061,7 +4083,7 @@
               </a:rPr>
               <a:t>이충희</a:t>
             </a:r>
-            <a:endParaRPr lang="en-US" altLang="ko-KR" sz="1500" b="1" kern="0">
+            <a:endParaRPr lang="en-US" altLang="ko-KR" sz="1500" b="1" kern="0" dirty="0">
               <a:solidFill>
                 <a:prstClr val="black">
                   <a:lumMod val="75000"/>
@@ -4078,7 +4100,7 @@
               <a:defRPr/>
             </a:pPr>
             <a:r>
-              <a:rPr lang="ko-KR" altLang="en-US" sz="1500" b="1" kern="0">
+              <a:rPr lang="ko-KR" altLang="en-US" sz="1500" b="1" kern="0" dirty="0">
                 <a:solidFill>
                   <a:prstClr val="black">
                     <a:lumMod val="75000"/>
@@ -4089,7 +4111,7 @@
               <a:t>                    콘텐츠 </a:t>
             </a:r>
             <a:r>
-              <a:rPr lang="en-US" altLang="ko-KR" sz="1500" b="1" kern="0">
+              <a:rPr lang="en-US" altLang="ko-KR" sz="1500" b="1" kern="0" dirty="0">
                 <a:solidFill>
                   <a:prstClr val="black">
                     <a:lumMod val="75000"/>
@@ -4100,7 +4122,7 @@
               <a:t>IT 20195124 </a:t>
             </a:r>
             <a:r>
-              <a:rPr lang="ko-KR" altLang="en-US" sz="1500" b="1" kern="0">
+              <a:rPr lang="ko-KR" altLang="en-US" sz="1500" b="1" kern="0" dirty="0">
                 <a:solidFill>
                   <a:prstClr val="black">
                     <a:lumMod val="75000"/>
@@ -4110,7 +4132,7 @@
               </a:rPr>
               <a:t>김민석</a:t>
             </a:r>
-            <a:endParaRPr lang="en-US" altLang="ko-KR" sz="1500" b="1" kern="0">
+            <a:endParaRPr lang="en-US" altLang="ko-KR" sz="1500" b="1" kern="0" dirty="0">
               <a:solidFill>
                 <a:prstClr val="black">
                   <a:lumMod val="75000"/>
@@ -4127,7 +4149,7 @@
               <a:defRPr/>
             </a:pPr>
             <a:r>
-              <a:rPr lang="ko-KR" altLang="en-US" sz="1500" b="1" kern="0">
+              <a:rPr lang="ko-KR" altLang="en-US" sz="1500" b="1" kern="0" dirty="0">
                 <a:solidFill>
                   <a:prstClr val="black">
                     <a:lumMod val="75000"/>
@@ -4135,10 +4157,10 @@
                   </a:prstClr>
                 </a:solidFill>
               </a:rPr>
-              <a:t>                    경영학과 </a:t>
-            </a:r>
-            <a:r>
-              <a:rPr lang="en-US" altLang="ko-KR" sz="1500" b="1" kern="0">
+              <a:t>                    경영 </a:t>
+            </a:r>
+            <a:r>
+              <a:rPr lang="en-US" altLang="ko-KR" sz="1500" b="1" kern="0" dirty="0">
                 <a:solidFill>
                   <a:prstClr val="black">
                     <a:lumMod val="75000"/>
@@ -4149,7 +4171,7 @@
               <a:t>20193008 </a:t>
             </a:r>
             <a:r>
-              <a:rPr lang="ko-KR" altLang="en-US" sz="1500" b="1" kern="0">
+              <a:rPr lang="ko-KR" altLang="en-US" sz="1500" b="1" kern="0" dirty="0">
                 <a:solidFill>
                   <a:prstClr val="black">
                     <a:lumMod val="75000"/>
@@ -4159,7 +4181,7 @@
               </a:rPr>
               <a:t>최 혁 </a:t>
             </a:r>
-            <a:endParaRPr lang="en-US" altLang="ko-KR" sz="1500"/>
+            <a:endParaRPr lang="en-US" altLang="ko-KR" sz="1500" dirty="0"/>
           </a:p>
         </p:txBody>
       </p:sp>

--- a/Final Assignments/파라노이드 팀 발표용 PPT.pptx
+++ b/Final Assignments/파라노이드 팀 발표용 PPT.pptx
@@ -4,18 +4,19 @@
   <p:sldMasterIdLst>
     <p:sldMasterId id="2147483660" r:id="rId1"/>
   </p:sldMasterIdLst>
+  <p:notesMasterIdLst>
+    <p:notesMasterId r:id="rId11"/>
+  </p:notesMasterIdLst>
   <p:sldIdLst>
     <p:sldId id="257" r:id="rId2"/>
-    <p:sldId id="258" r:id="rId3"/>
+    <p:sldId id="272" r:id="rId3"/>
     <p:sldId id="259" r:id="rId4"/>
     <p:sldId id="260" r:id="rId5"/>
     <p:sldId id="269" r:id="rId6"/>
     <p:sldId id="268" r:id="rId7"/>
-    <p:sldId id="261" r:id="rId8"/>
-    <p:sldId id="265" r:id="rId9"/>
-    <p:sldId id="266" r:id="rId10"/>
-    <p:sldId id="267" r:id="rId11"/>
-    <p:sldId id="270" r:id="rId12"/>
+    <p:sldId id="265" r:id="rId8"/>
+    <p:sldId id="267" r:id="rId9"/>
+    <p:sldId id="270" r:id="rId10"/>
   </p:sldIdLst>
   <p:sldSz cx="12192000" cy="6858000"/>
   <p:notesSz cx="6858000" cy="9144000"/>
@@ -120,6 +121,439 @@
     </p:ext>
   </p:extLst>
 </p:presentation>
+</file>
+
+<file path=ppt/notesMasters/notesMaster1.xml><?xml version="1.0" encoding="utf-8"?>
+<p:notesMaster xmlns:a="http://schemas.openxmlformats.org/drawingml/2006/main" xmlns:r="http://schemas.openxmlformats.org/officeDocument/2006/relationships" xmlns:p="http://schemas.openxmlformats.org/presentationml/2006/main">
+  <p:cSld>
+    <p:bg>
+      <p:bgRef idx="1001">
+        <a:schemeClr val="bg1"/>
+      </p:bgRef>
+    </p:bg>
+    <p:spTree>
+      <p:nvGrpSpPr>
+        <p:cNvPr id="1" name=""/>
+        <p:cNvGrpSpPr/>
+        <p:nvPr/>
+      </p:nvGrpSpPr>
+      <p:grpSpPr>
+        <a:xfrm>
+          <a:off x="0" y="0"/>
+          <a:ext cx="0" cy="0"/>
+          <a:chOff x="0" y="0"/>
+          <a:chExt cx="0" cy="0"/>
+        </a:xfrm>
+      </p:grpSpPr>
+      <p:sp>
+        <p:nvSpPr>
+          <p:cNvPr id="2" name="머리글 개체 틀 1"/>
+          <p:cNvSpPr>
+            <a:spLocks noGrp="1"/>
+          </p:cNvSpPr>
+          <p:nvPr>
+            <p:ph type="hdr" sz="quarter"/>
+          </p:nvPr>
+        </p:nvSpPr>
+        <p:spPr>
+          <a:xfrm>
+            <a:off x="0" y="0"/>
+            <a:ext cx="2971800" cy="458788"/>
+          </a:xfrm>
+          <a:prstGeom prst="rect">
+            <a:avLst/>
+          </a:prstGeom>
+        </p:spPr>
+        <p:txBody>
+          <a:bodyPr vert="horz" lIns="91440" tIns="45720" rIns="91440" bIns="45720" rtlCol="0"/>
+          <a:lstStyle>
+            <a:lvl1pPr algn="l">
+              <a:defRPr sz="1200"/>
+            </a:lvl1pPr>
+          </a:lstStyle>
+          <a:p>
+            <a:endParaRPr lang="ko-KR" altLang="en-US"/>
+          </a:p>
+        </p:txBody>
+      </p:sp>
+      <p:sp>
+        <p:nvSpPr>
+          <p:cNvPr id="3" name="날짜 개체 틀 2"/>
+          <p:cNvSpPr>
+            <a:spLocks noGrp="1"/>
+          </p:cNvSpPr>
+          <p:nvPr>
+            <p:ph type="dt" idx="1"/>
+          </p:nvPr>
+        </p:nvSpPr>
+        <p:spPr>
+          <a:xfrm>
+            <a:off x="3884613" y="0"/>
+            <a:ext cx="2971800" cy="458788"/>
+          </a:xfrm>
+          <a:prstGeom prst="rect">
+            <a:avLst/>
+          </a:prstGeom>
+        </p:spPr>
+        <p:txBody>
+          <a:bodyPr vert="horz" lIns="91440" tIns="45720" rIns="91440" bIns="45720" rtlCol="0"/>
+          <a:lstStyle>
+            <a:lvl1pPr algn="r">
+              <a:defRPr sz="1200"/>
+            </a:lvl1pPr>
+          </a:lstStyle>
+          <a:p>
+            <a:fld id="{A39816E1-BE6D-4AC3-AF45-F9B6AE048DD9}" type="datetimeFigureOut">
+              <a:rPr lang="ko-KR" altLang="en-US" smtClean="0"/>
+              <a:t>2022-05-20</a:t>
+            </a:fld>
+            <a:endParaRPr lang="ko-KR" altLang="en-US"/>
+          </a:p>
+        </p:txBody>
+      </p:sp>
+      <p:sp>
+        <p:nvSpPr>
+          <p:cNvPr id="4" name="슬라이드 이미지 개체 틀 3"/>
+          <p:cNvSpPr>
+            <a:spLocks noGrp="1" noRot="1" noChangeAspect="1"/>
+          </p:cNvSpPr>
+          <p:nvPr>
+            <p:ph type="sldImg" idx="2"/>
+          </p:nvPr>
+        </p:nvSpPr>
+        <p:spPr>
+          <a:xfrm>
+            <a:off x="685800" y="1143000"/>
+            <a:ext cx="5486400" cy="3086100"/>
+          </a:xfrm>
+          <a:prstGeom prst="rect">
+            <a:avLst/>
+          </a:prstGeom>
+          <a:noFill/>
+          <a:ln w="12700">
+            <a:solidFill>
+              <a:prstClr val="black"/>
+            </a:solidFill>
+          </a:ln>
+        </p:spPr>
+        <p:txBody>
+          <a:bodyPr vert="horz" lIns="91440" tIns="45720" rIns="91440" bIns="45720" rtlCol="0" anchor="ctr"/>
+          <a:lstStyle/>
+          <a:p>
+            <a:endParaRPr lang="ko-KR" altLang="en-US"/>
+          </a:p>
+        </p:txBody>
+      </p:sp>
+      <p:sp>
+        <p:nvSpPr>
+          <p:cNvPr id="5" name="슬라이드 노트 개체 틀 4"/>
+          <p:cNvSpPr>
+            <a:spLocks noGrp="1"/>
+          </p:cNvSpPr>
+          <p:nvPr>
+            <p:ph type="body" sz="quarter" idx="3"/>
+          </p:nvPr>
+        </p:nvSpPr>
+        <p:spPr>
+          <a:xfrm>
+            <a:off x="685800" y="4400550"/>
+            <a:ext cx="5486400" cy="3600450"/>
+          </a:xfrm>
+          <a:prstGeom prst="rect">
+            <a:avLst/>
+          </a:prstGeom>
+        </p:spPr>
+        <p:txBody>
+          <a:bodyPr vert="horz" lIns="91440" tIns="45720" rIns="91440" bIns="45720" rtlCol="0"/>
+          <a:lstStyle/>
+          <a:p>
+            <a:pPr lvl="0"/>
+            <a:r>
+              <a:rPr lang="ko-KR" altLang="en-US"/>
+              <a:t>마스터 텍스트 스타일을 편집하려면 클릭</a:t>
+            </a:r>
+          </a:p>
+          <a:p>
+            <a:pPr lvl="1"/>
+            <a:r>
+              <a:rPr lang="ko-KR" altLang="en-US"/>
+              <a:t>두 번째 수준</a:t>
+            </a:r>
+          </a:p>
+          <a:p>
+            <a:pPr lvl="2"/>
+            <a:r>
+              <a:rPr lang="ko-KR" altLang="en-US"/>
+              <a:t>세 번째 수준</a:t>
+            </a:r>
+          </a:p>
+          <a:p>
+            <a:pPr lvl="3"/>
+            <a:r>
+              <a:rPr lang="ko-KR" altLang="en-US"/>
+              <a:t>네 번째 수준</a:t>
+            </a:r>
+          </a:p>
+          <a:p>
+            <a:pPr lvl="4"/>
+            <a:r>
+              <a:rPr lang="ko-KR" altLang="en-US"/>
+              <a:t>다섯 번째 수준</a:t>
+            </a:r>
+          </a:p>
+        </p:txBody>
+      </p:sp>
+      <p:sp>
+        <p:nvSpPr>
+          <p:cNvPr id="6" name="바닥글 개체 틀 5"/>
+          <p:cNvSpPr>
+            <a:spLocks noGrp="1"/>
+          </p:cNvSpPr>
+          <p:nvPr>
+            <p:ph type="ftr" sz="quarter" idx="4"/>
+          </p:nvPr>
+        </p:nvSpPr>
+        <p:spPr>
+          <a:xfrm>
+            <a:off x="0" y="8685213"/>
+            <a:ext cx="2971800" cy="458787"/>
+          </a:xfrm>
+          <a:prstGeom prst="rect">
+            <a:avLst/>
+          </a:prstGeom>
+        </p:spPr>
+        <p:txBody>
+          <a:bodyPr vert="horz" lIns="91440" tIns="45720" rIns="91440" bIns="45720" rtlCol="0" anchor="b"/>
+          <a:lstStyle>
+            <a:lvl1pPr algn="l">
+              <a:defRPr sz="1200"/>
+            </a:lvl1pPr>
+          </a:lstStyle>
+          <a:p>
+            <a:endParaRPr lang="ko-KR" altLang="en-US"/>
+          </a:p>
+        </p:txBody>
+      </p:sp>
+      <p:sp>
+        <p:nvSpPr>
+          <p:cNvPr id="7" name="슬라이드 번호 개체 틀 6"/>
+          <p:cNvSpPr>
+            <a:spLocks noGrp="1"/>
+          </p:cNvSpPr>
+          <p:nvPr>
+            <p:ph type="sldNum" sz="quarter" idx="5"/>
+          </p:nvPr>
+        </p:nvSpPr>
+        <p:spPr>
+          <a:xfrm>
+            <a:off x="3884613" y="8685213"/>
+            <a:ext cx="2971800" cy="458787"/>
+          </a:xfrm>
+          <a:prstGeom prst="rect">
+            <a:avLst/>
+          </a:prstGeom>
+        </p:spPr>
+        <p:txBody>
+          <a:bodyPr vert="horz" lIns="91440" tIns="45720" rIns="91440" bIns="45720" rtlCol="0" anchor="b"/>
+          <a:lstStyle>
+            <a:lvl1pPr algn="r">
+              <a:defRPr sz="1200"/>
+            </a:lvl1pPr>
+          </a:lstStyle>
+          <a:p>
+            <a:fld id="{667CC820-B2F3-4993-89C3-CC10E4EDE91B}" type="slidenum">
+              <a:rPr lang="ko-KR" altLang="en-US" smtClean="0"/>
+              <a:t>‹#›</a:t>
+            </a:fld>
+            <a:endParaRPr lang="ko-KR" altLang="en-US"/>
+          </a:p>
+        </p:txBody>
+      </p:sp>
+    </p:spTree>
+    <p:extLst>
+      <p:ext uri="{BB962C8B-B14F-4D97-AF65-F5344CB8AC3E}">
+        <p14:creationId xmlns:p14="http://schemas.microsoft.com/office/powerpoint/2010/main" val="2754538729"/>
+      </p:ext>
+    </p:extLst>
+  </p:cSld>
+  <p:clrMap bg1="lt1" tx1="dk1" bg2="lt2" tx2="dk2" accent1="accent1" accent2="accent2" accent3="accent3" accent4="accent4" accent5="accent5" accent6="accent6" hlink="hlink" folHlink="folHlink"/>
+  <p:notesStyle>
+    <a:lvl1pPr marL="0" algn="l" defTabSz="914400" rtl="0" eaLnBrk="1" latinLnBrk="1" hangingPunct="1">
+      <a:defRPr sz="1200" kern="1200">
+        <a:solidFill>
+          <a:schemeClr val="tx1"/>
+        </a:solidFill>
+        <a:latin typeface="+mn-lt"/>
+        <a:ea typeface="+mn-ea"/>
+        <a:cs typeface="+mn-cs"/>
+      </a:defRPr>
+    </a:lvl1pPr>
+    <a:lvl2pPr marL="457200" algn="l" defTabSz="914400" rtl="0" eaLnBrk="1" latinLnBrk="1" hangingPunct="1">
+      <a:defRPr sz="1200" kern="1200">
+        <a:solidFill>
+          <a:schemeClr val="tx1"/>
+        </a:solidFill>
+        <a:latin typeface="+mn-lt"/>
+        <a:ea typeface="+mn-ea"/>
+        <a:cs typeface="+mn-cs"/>
+      </a:defRPr>
+    </a:lvl2pPr>
+    <a:lvl3pPr marL="914400" algn="l" defTabSz="914400" rtl="0" eaLnBrk="1" latinLnBrk="1" hangingPunct="1">
+      <a:defRPr sz="1200" kern="1200">
+        <a:solidFill>
+          <a:schemeClr val="tx1"/>
+        </a:solidFill>
+        <a:latin typeface="+mn-lt"/>
+        <a:ea typeface="+mn-ea"/>
+        <a:cs typeface="+mn-cs"/>
+      </a:defRPr>
+    </a:lvl3pPr>
+    <a:lvl4pPr marL="1371600" algn="l" defTabSz="914400" rtl="0" eaLnBrk="1" latinLnBrk="1" hangingPunct="1">
+      <a:defRPr sz="1200" kern="1200">
+        <a:solidFill>
+          <a:schemeClr val="tx1"/>
+        </a:solidFill>
+        <a:latin typeface="+mn-lt"/>
+        <a:ea typeface="+mn-ea"/>
+        <a:cs typeface="+mn-cs"/>
+      </a:defRPr>
+    </a:lvl4pPr>
+    <a:lvl5pPr marL="1828800" algn="l" defTabSz="914400" rtl="0" eaLnBrk="1" latinLnBrk="1" hangingPunct="1">
+      <a:defRPr sz="1200" kern="1200">
+        <a:solidFill>
+          <a:schemeClr val="tx1"/>
+        </a:solidFill>
+        <a:latin typeface="+mn-lt"/>
+        <a:ea typeface="+mn-ea"/>
+        <a:cs typeface="+mn-cs"/>
+      </a:defRPr>
+    </a:lvl5pPr>
+    <a:lvl6pPr marL="2286000" algn="l" defTabSz="914400" rtl="0" eaLnBrk="1" latinLnBrk="1" hangingPunct="1">
+      <a:defRPr sz="1200" kern="1200">
+        <a:solidFill>
+          <a:schemeClr val="tx1"/>
+        </a:solidFill>
+        <a:latin typeface="+mn-lt"/>
+        <a:ea typeface="+mn-ea"/>
+        <a:cs typeface="+mn-cs"/>
+      </a:defRPr>
+    </a:lvl6pPr>
+    <a:lvl7pPr marL="2743200" algn="l" defTabSz="914400" rtl="0" eaLnBrk="1" latinLnBrk="1" hangingPunct="1">
+      <a:defRPr sz="1200" kern="1200">
+        <a:solidFill>
+          <a:schemeClr val="tx1"/>
+        </a:solidFill>
+        <a:latin typeface="+mn-lt"/>
+        <a:ea typeface="+mn-ea"/>
+        <a:cs typeface="+mn-cs"/>
+      </a:defRPr>
+    </a:lvl7pPr>
+    <a:lvl8pPr marL="3200400" algn="l" defTabSz="914400" rtl="0" eaLnBrk="1" latinLnBrk="1" hangingPunct="1">
+      <a:defRPr sz="1200" kern="1200">
+        <a:solidFill>
+          <a:schemeClr val="tx1"/>
+        </a:solidFill>
+        <a:latin typeface="+mn-lt"/>
+        <a:ea typeface="+mn-ea"/>
+        <a:cs typeface="+mn-cs"/>
+      </a:defRPr>
+    </a:lvl8pPr>
+    <a:lvl9pPr marL="3657600" algn="l" defTabSz="914400" rtl="0" eaLnBrk="1" latinLnBrk="1" hangingPunct="1">
+      <a:defRPr sz="1200" kern="1200">
+        <a:solidFill>
+          <a:schemeClr val="tx1"/>
+        </a:solidFill>
+        <a:latin typeface="+mn-lt"/>
+        <a:ea typeface="+mn-ea"/>
+        <a:cs typeface="+mn-cs"/>
+      </a:defRPr>
+    </a:lvl9pPr>
+  </p:notesStyle>
+</p:notesMaster>
+</file>
+
+<file path=ppt/notesSlides/notesSlide1.xml><?xml version="1.0" encoding="utf-8"?>
+<p:notes xmlns:a="http://schemas.openxmlformats.org/drawingml/2006/main" xmlns:r="http://schemas.openxmlformats.org/officeDocument/2006/relationships" xmlns:p="http://schemas.openxmlformats.org/presentationml/2006/main">
+  <p:cSld>
+    <p:spTree>
+      <p:nvGrpSpPr>
+        <p:cNvPr id="1" name=""/>
+        <p:cNvGrpSpPr/>
+        <p:nvPr/>
+      </p:nvGrpSpPr>
+      <p:grpSpPr>
+        <a:xfrm>
+          <a:off x="0" y="0"/>
+          <a:ext cx="0" cy="0"/>
+          <a:chOff x="0" y="0"/>
+          <a:chExt cx="0" cy="0"/>
+        </a:xfrm>
+      </p:grpSpPr>
+      <p:sp>
+        <p:nvSpPr>
+          <p:cNvPr id="2" name="슬라이드 이미지 개체 틀 1"/>
+          <p:cNvSpPr>
+            <a:spLocks noGrp="1" noRot="1" noChangeAspect="1"/>
+          </p:cNvSpPr>
+          <p:nvPr>
+            <p:ph type="sldImg"/>
+          </p:nvPr>
+        </p:nvSpPr>
+        <p:spPr/>
+      </p:sp>
+      <p:sp>
+        <p:nvSpPr>
+          <p:cNvPr id="3" name="슬라이드 노트 개체 틀 2"/>
+          <p:cNvSpPr>
+            <a:spLocks noGrp="1"/>
+          </p:cNvSpPr>
+          <p:nvPr>
+            <p:ph type="body" idx="1"/>
+          </p:nvPr>
+        </p:nvSpPr>
+        <p:spPr/>
+        <p:txBody>
+          <a:bodyPr/>
+          <a:lstStyle/>
+          <a:p>
+            <a:endParaRPr lang="ko-KR" altLang="en-US" dirty="0"/>
+          </a:p>
+        </p:txBody>
+      </p:sp>
+      <p:sp>
+        <p:nvSpPr>
+          <p:cNvPr id="4" name="슬라이드 번호 개체 틀 3"/>
+          <p:cNvSpPr>
+            <a:spLocks noGrp="1"/>
+          </p:cNvSpPr>
+          <p:nvPr>
+            <p:ph type="sldNum" sz="quarter" idx="5"/>
+          </p:nvPr>
+        </p:nvSpPr>
+        <p:spPr/>
+        <p:txBody>
+          <a:bodyPr/>
+          <a:lstStyle/>
+          <a:p>
+            <a:fld id="{667CC820-B2F3-4993-89C3-CC10E4EDE91B}" type="slidenum">
+              <a:rPr lang="ko-KR" altLang="en-US" smtClean="0"/>
+              <a:t>7</a:t>
+            </a:fld>
+            <a:endParaRPr lang="ko-KR" altLang="en-US"/>
+          </a:p>
+        </p:txBody>
+      </p:sp>
+    </p:spTree>
+    <p:extLst>
+      <p:ext uri="{BB962C8B-B14F-4D97-AF65-F5344CB8AC3E}">
+        <p14:creationId xmlns:p14="http://schemas.microsoft.com/office/powerpoint/2010/main" val="3622705144"/>
+      </p:ext>
+    </p:extLst>
+  </p:cSld>
+  <p:clrMapOvr>
+    <a:masterClrMapping/>
+  </p:clrMapOvr>
+</p:notes>
 </file>
 
 <file path=ppt/slideLayouts/slideLayout1.xml><?xml version="1.0" encoding="utf-8"?>
@@ -3736,8 +4170,8 @@
         </p:nvSpPr>
         <p:spPr>
           <a:xfrm>
-            <a:off x="3590924" y="3043917"/>
-            <a:ext cx="5318583" cy="3814083"/>
+            <a:off x="2145323" y="2329963"/>
+            <a:ext cx="7376745" cy="4528038"/>
           </a:xfrm>
           <a:prstGeom prst="round2SameRect">
             <a:avLst>
@@ -3799,8 +4233,8 @@
         </p:nvSpPr>
         <p:spPr>
           <a:xfrm>
-            <a:off x="3657600" y="3109574"/>
-            <a:ext cx="5197907" cy="3748426"/>
+            <a:off x="2206869" y="2400300"/>
+            <a:ext cx="7236070" cy="4457700"/>
           </a:xfrm>
           <a:prstGeom prst="round2SameRect">
             <a:avLst>
@@ -3864,8 +4298,8 @@
         </p:nvSpPr>
         <p:spPr>
           <a:xfrm>
-            <a:off x="3657600" y="3763918"/>
-            <a:ext cx="5197907" cy="3094082"/>
+            <a:off x="2206869" y="3094892"/>
+            <a:ext cx="7236070" cy="3763108"/>
           </a:xfrm>
           <a:prstGeom prst="rect">
             <a:avLst/>
@@ -3936,7 +4370,7 @@
               </a:rPr>
               <a:t>시뮬레이터</a:t>
             </a:r>
-            <a:endParaRPr lang="en-US" altLang="ko-KR" sz="3200" b="1" i="1" kern="0" dirty="0">
+            <a:endParaRPr lang="en-US" altLang="ko-KR" b="1" i="1" kern="0" dirty="0">
               <a:solidFill>
                 <a:prstClr val="black">
                   <a:lumMod val="75000"/>
@@ -3946,14 +4380,30 @@
             </a:endParaRPr>
           </a:p>
           <a:p>
-            <a:pPr latinLnBrk="0">
+            <a:pPr algn="ctr" latinLnBrk="0">
               <a:lnSpc>
                 <a:spcPct val="150000"/>
               </a:lnSpc>
               <a:defRPr/>
             </a:pPr>
-            <a:r>
-              <a:rPr lang="ko-KR" altLang="en-US" sz="1500" b="1" kern="0" dirty="0">
+            <a:endParaRPr lang="en-US" altLang="ko-KR" b="1" i="1" kern="0" dirty="0">
+              <a:solidFill>
+                <a:prstClr val="black">
+                  <a:lumMod val="75000"/>
+                  <a:lumOff val="25000"/>
+                </a:prstClr>
+              </a:solidFill>
+            </a:endParaRPr>
+          </a:p>
+          <a:p>
+            <a:pPr algn="ctr" latinLnBrk="0">
+              <a:lnSpc>
+                <a:spcPct val="150000"/>
+              </a:lnSpc>
+              <a:defRPr/>
+            </a:pPr>
+            <a:r>
+              <a:rPr lang="ko-KR" altLang="en-US" b="1" i="1" kern="0" dirty="0" err="1">
                 <a:solidFill>
                   <a:prstClr val="black">
                     <a:lumMod val="75000"/>
@@ -3961,10 +4411,26 @@
                   </a:prstClr>
                 </a:solidFill>
               </a:rPr>
-              <a:t>                    콘텐츠 </a:t>
-            </a:r>
-            <a:r>
-              <a:rPr lang="en-US" altLang="ko-KR" sz="1500" b="1" kern="0" dirty="0">
+              <a:t>파라노이드</a:t>
+            </a:r>
+            <a:endParaRPr lang="en-US" altLang="ko-KR" b="1" i="1" kern="0" dirty="0">
+              <a:solidFill>
+                <a:prstClr val="black">
+                  <a:lumMod val="75000"/>
+                  <a:lumOff val="25000"/>
+                </a:prstClr>
+              </a:solidFill>
+            </a:endParaRPr>
+          </a:p>
+          <a:p>
+            <a:pPr algn="ctr" latinLnBrk="0">
+              <a:lnSpc>
+                <a:spcPct val="150000"/>
+              </a:lnSpc>
+              <a:defRPr/>
+            </a:pPr>
+            <a:r>
+              <a:rPr lang="ko-KR" altLang="en-US" sz="1500" b="1" kern="0" dirty="0">
                 <a:solidFill>
                   <a:prstClr val="black">
                     <a:lumMod val="75000"/>
@@ -3972,10 +4438,21 @@
                   </a:prstClr>
                 </a:solidFill>
               </a:rPr>
+              <a:t>콘텐츠 </a:t>
+            </a:r>
+            <a:r>
+              <a:rPr lang="en-US" altLang="ko-KR" sz="1500" b="1" kern="0" dirty="0">
+                <a:solidFill>
+                  <a:prstClr val="black">
+                    <a:lumMod val="75000"/>
+                    <a:lumOff val="25000"/>
+                  </a:prstClr>
+                </a:solidFill>
+              </a:rPr>
               <a:t>IT 20145329 </a:t>
             </a:r>
             <a:r>
-              <a:rPr lang="ko-KR" altLang="en-US" sz="1500" b="1" kern="0" dirty="0">
+              <a:rPr lang="ko-KR" altLang="en-US" sz="1500" b="1" kern="0" dirty="0" err="1">
                 <a:solidFill>
                   <a:prstClr val="black">
                     <a:lumMod val="75000"/>
@@ -3995,7 +4472,7 @@
             </a:endParaRPr>
           </a:p>
           <a:p>
-            <a:pPr latinLnBrk="0">
+            <a:pPr algn="ctr" latinLnBrk="0">
               <a:lnSpc>
                 <a:spcPct val="150000"/>
               </a:lnSpc>
@@ -4010,7 +4487,7 @@
                   </a:prstClr>
                 </a:solidFill>
               </a:rPr>
-              <a:t>                    콘텐츠 </a:t>
+              <a:t>콘텐츠 </a:t>
             </a:r>
             <a:r>
               <a:rPr lang="en-US" altLang="ko-KR" sz="1500" b="1" kern="0" dirty="0">
@@ -4044,7 +4521,7 @@
             </a:endParaRPr>
           </a:p>
           <a:p>
-            <a:pPr latinLnBrk="0">
+            <a:pPr algn="ctr" latinLnBrk="0">
               <a:lnSpc>
                 <a:spcPct val="150000"/>
               </a:lnSpc>
@@ -4059,7 +4536,7 @@
                   </a:prstClr>
                 </a:solidFill>
               </a:rPr>
-              <a:t>                    콘텐츠 </a:t>
+              <a:t>콘텐츠 </a:t>
             </a:r>
             <a:r>
               <a:rPr lang="en-US" altLang="ko-KR" sz="1500" b="1" kern="0" dirty="0">
@@ -4093,7 +4570,7 @@
             </a:endParaRPr>
           </a:p>
           <a:p>
-            <a:pPr latinLnBrk="0">
+            <a:pPr algn="ctr" latinLnBrk="0">
               <a:lnSpc>
                 <a:spcPct val="150000"/>
               </a:lnSpc>
@@ -4108,7 +4585,7 @@
                   </a:prstClr>
                 </a:solidFill>
               </a:rPr>
-              <a:t>                    콘텐츠 </a:t>
+              <a:t>콘텐츠 </a:t>
             </a:r>
             <a:r>
               <a:rPr lang="en-US" altLang="ko-KR" sz="1500" b="1" kern="0" dirty="0">
@@ -4142,7 +4619,7 @@
             </a:endParaRPr>
           </a:p>
           <a:p>
-            <a:pPr latinLnBrk="0">
+            <a:pPr algn="ctr" latinLnBrk="0">
               <a:lnSpc>
                 <a:spcPct val="150000"/>
               </a:lnSpc>
@@ -4157,7 +4634,7 @@
                   </a:prstClr>
                 </a:solidFill>
               </a:rPr>
-              <a:t>                    경영 </a:t>
+              <a:t>경영 </a:t>
             </a:r>
             <a:r>
               <a:rPr lang="en-US" altLang="ko-KR" sz="1500" b="1" kern="0" dirty="0">
@@ -4199,7 +4676,7 @@
         </p:nvSpPr>
         <p:spPr>
           <a:xfrm>
-            <a:off x="8402799" y="2863362"/>
+            <a:off x="9010230" y="2174212"/>
             <a:ext cx="573384" cy="573384"/>
           </a:xfrm>
           <a:prstGeom prst="ellipse">
@@ -4289,7 +4766,7 @@
         </p:blipFill>
         <p:spPr>
           <a:xfrm>
-            <a:off x="8402799" y="2918104"/>
+            <a:off x="9010230" y="2228954"/>
             <a:ext cx="573384" cy="463899"/>
           </a:xfrm>
           <a:prstGeom prst="rect">
@@ -4301,966 +4778,6 @@
     <p:extLst>
       <p:ext uri="{BB962C8B-B14F-4D97-AF65-F5344CB8AC3E}">
         <p14:creationId xmlns:p14="http://schemas.microsoft.com/office/powerpoint/2010/main" val="1906004938"/>
-      </p:ext>
-    </p:extLst>
-  </p:cSld>
-  <p:clrMapOvr>
-    <a:masterClrMapping/>
-  </p:clrMapOvr>
-</p:sld>
-</file>
-
-<file path=ppt/slides/slide10.xml><?xml version="1.0" encoding="utf-8"?>
-<p:sld xmlns:a="http://schemas.openxmlformats.org/drawingml/2006/main" xmlns:r="http://schemas.openxmlformats.org/officeDocument/2006/relationships" xmlns:p="http://schemas.openxmlformats.org/presentationml/2006/main">
-  <p:cSld>
-    <p:bg>
-      <p:bgPr>
-        <a:solidFill>
-          <a:srgbClr val="FFEAD1"/>
-        </a:solidFill>
-        <a:effectLst/>
-      </p:bgPr>
-    </p:bg>
-    <p:spTree>
-      <p:nvGrpSpPr>
-        <p:cNvPr id="1" name=""/>
-        <p:cNvGrpSpPr/>
-        <p:nvPr/>
-      </p:nvGrpSpPr>
-      <p:grpSpPr>
-        <a:xfrm>
-          <a:off x="0" y="0"/>
-          <a:ext cx="0" cy="0"/>
-          <a:chOff x="0" y="0"/>
-          <a:chExt cx="0" cy="0"/>
-        </a:xfrm>
-      </p:grpSpPr>
-      <p:sp>
-        <p:nvSpPr>
-          <p:cNvPr id="5" name="양쪽 모서리가 둥근 사각형 4"/>
-          <p:cNvSpPr/>
-          <p:nvPr/>
-        </p:nvSpPr>
-        <p:spPr>
-          <a:xfrm>
-            <a:off x="274458" y="348343"/>
-            <a:ext cx="11664000" cy="6509657"/>
-          </a:xfrm>
-          <a:prstGeom prst="round2SameRect">
-            <a:avLst>
-              <a:gd name="adj1" fmla="val 5233"/>
-              <a:gd name="adj2" fmla="val 0"/>
-            </a:avLst>
-          </a:prstGeom>
-          <a:solidFill>
-            <a:schemeClr val="tx1">
-              <a:lumMod val="75000"/>
-              <a:lumOff val="25000"/>
-            </a:schemeClr>
-          </a:solidFill>
-          <a:ln>
-            <a:noFill/>
-          </a:ln>
-          <a:effectLst>
-            <a:outerShdw dist="38100" algn="l" rotWithShape="0">
-              <a:prstClr val="black">
-                <a:alpha val="40000"/>
-              </a:prstClr>
-            </a:outerShdw>
-          </a:effectLst>
-        </p:spPr>
-        <p:style>
-          <a:lnRef idx="2">
-            <a:schemeClr val="accent1">
-              <a:shade val="50000"/>
-            </a:schemeClr>
-          </a:lnRef>
-          <a:fillRef idx="1">
-            <a:schemeClr val="accent1"/>
-          </a:fillRef>
-          <a:effectRef idx="0">
-            <a:schemeClr val="accent1"/>
-          </a:effectRef>
-          <a:fontRef idx="minor">
-            <a:schemeClr val="lt1"/>
-          </a:fontRef>
-        </p:style>
-        <p:txBody>
-          <a:bodyPr rtlCol="0" anchor="ctr"/>
-          <a:lstStyle/>
-          <a:p>
-            <a:pPr algn="ctr"/>
-            <a:endParaRPr lang="ko-KR" altLang="en-US">
-              <a:solidFill>
-                <a:prstClr val="white"/>
-              </a:solidFill>
-            </a:endParaRPr>
-          </a:p>
-        </p:txBody>
-      </p:sp>
-      <p:sp>
-        <p:nvSpPr>
-          <p:cNvPr id="6" name="양쪽 모서리가 둥근 사각형 5"/>
-          <p:cNvSpPr/>
-          <p:nvPr/>
-        </p:nvSpPr>
-        <p:spPr>
-          <a:xfrm>
-            <a:off x="328458" y="414000"/>
-            <a:ext cx="11556000" cy="6444000"/>
-          </a:xfrm>
-          <a:prstGeom prst="round2SameRect">
-            <a:avLst>
-              <a:gd name="adj1" fmla="val 4913"/>
-              <a:gd name="adj2" fmla="val 0"/>
-            </a:avLst>
-          </a:prstGeom>
-          <a:solidFill>
-            <a:srgbClr val="01A7CE"/>
-          </a:solidFill>
-          <a:ln>
-            <a:noFill/>
-          </a:ln>
-        </p:spPr>
-        <p:style>
-          <a:lnRef idx="2">
-            <a:schemeClr val="accent1">
-              <a:shade val="50000"/>
-            </a:schemeClr>
-          </a:lnRef>
-          <a:fillRef idx="1">
-            <a:schemeClr val="accent1"/>
-          </a:fillRef>
-          <a:effectRef idx="0">
-            <a:schemeClr val="accent1"/>
-          </a:effectRef>
-          <a:fontRef idx="minor">
-            <a:schemeClr val="lt1"/>
-          </a:fontRef>
-        </p:style>
-        <p:txBody>
-          <a:bodyPr rtlCol="0" anchor="t"/>
-          <a:lstStyle/>
-          <a:p>
-            <a:pPr lvl="1" latinLnBrk="0">
-              <a:defRPr/>
-            </a:pPr>
-            <a:r>
-              <a:rPr lang="en-US" altLang="ko-KR" sz="2800" b="1" i="1" kern="0">
-                <a:solidFill>
-                  <a:prstClr val="white"/>
-                </a:solidFill>
-              </a:rPr>
-              <a:t>3. </a:t>
-            </a:r>
-            <a:r>
-              <a:rPr lang="ko-KR" altLang="en-US" sz="2800" b="1" i="1" kern="0">
-                <a:solidFill>
-                  <a:prstClr val="white"/>
-                </a:solidFill>
-              </a:rPr>
-              <a:t>앞으로의 계획</a:t>
-            </a:r>
-            <a:endParaRPr lang="en-US" altLang="ko-KR" sz="1400" i="1" kern="0" dirty="0">
-              <a:solidFill>
-                <a:prstClr val="white"/>
-              </a:solidFill>
-            </a:endParaRPr>
-          </a:p>
-          <a:p>
-            <a:pPr algn="ctr"/>
-            <a:endParaRPr lang="ko-KR" altLang="en-US" sz="1000" dirty="0">
-              <a:solidFill>
-                <a:prstClr val="white"/>
-              </a:solidFill>
-            </a:endParaRPr>
-          </a:p>
-        </p:txBody>
-      </p:sp>
-      <p:sp>
-        <p:nvSpPr>
-          <p:cNvPr id="7" name="직사각형 6"/>
-          <p:cNvSpPr/>
-          <p:nvPr/>
-        </p:nvSpPr>
-        <p:spPr>
-          <a:xfrm>
-            <a:off x="324626" y="1068343"/>
-            <a:ext cx="11556000" cy="5789657"/>
-          </a:xfrm>
-          <a:prstGeom prst="rect">
-            <a:avLst/>
-          </a:prstGeom>
-          <a:solidFill>
-            <a:schemeClr val="bg1"/>
-          </a:solidFill>
-          <a:ln>
-            <a:noFill/>
-          </a:ln>
-        </p:spPr>
-        <p:style>
-          <a:lnRef idx="2">
-            <a:schemeClr val="accent1">
-              <a:shade val="50000"/>
-            </a:schemeClr>
-          </a:lnRef>
-          <a:fillRef idx="1">
-            <a:schemeClr val="accent1"/>
-          </a:fillRef>
-          <a:effectRef idx="0">
-            <a:schemeClr val="accent1"/>
-          </a:effectRef>
-          <a:fontRef idx="minor">
-            <a:schemeClr val="lt1"/>
-          </a:fontRef>
-        </p:style>
-        <p:txBody>
-          <a:bodyPr rtlCol="0" anchor="ctr"/>
-          <a:lstStyle/>
-          <a:p>
-            <a:pPr algn="ctr"/>
-            <a:endParaRPr lang="ko-KR" altLang="en-US">
-              <a:solidFill>
-                <a:prstClr val="white"/>
-              </a:solidFill>
-            </a:endParaRPr>
-          </a:p>
-        </p:txBody>
-      </p:sp>
-      <p:sp>
-        <p:nvSpPr>
-          <p:cNvPr id="10" name="사각형: 둥근 모서리 5">
-            <a:extLst>
-              <a:ext uri="{FF2B5EF4-FFF2-40B4-BE49-F238E27FC236}">
-                <a16:creationId xmlns:a16="http://schemas.microsoft.com/office/drawing/2014/main" id="{29433077-90B3-4432-AB1E-87BD95D8FF5C}"/>
-              </a:ext>
-            </a:extLst>
-          </p:cNvPr>
-          <p:cNvSpPr/>
-          <p:nvPr/>
-        </p:nvSpPr>
-        <p:spPr>
-          <a:xfrm>
-            <a:off x="11281274" y="215219"/>
-            <a:ext cx="720000" cy="720000"/>
-          </a:xfrm>
-          <a:prstGeom prst="ellipse">
-            <a:avLst/>
-          </a:prstGeom>
-          <a:gradFill flip="none" rotWithShape="1">
-            <a:gsLst>
-              <a:gs pos="0">
-                <a:srgbClr val="01A7CE"/>
-              </a:gs>
-              <a:gs pos="100000">
-                <a:srgbClr val="00D0AC"/>
-              </a:gs>
-            </a:gsLst>
-            <a:path path="circle">
-              <a:fillToRect l="100000" t="100000"/>
-            </a:path>
-            <a:tileRect r="-100000" b="-100000"/>
-          </a:gradFill>
-          <a:ln>
-            <a:noFill/>
-          </a:ln>
-          <a:effectLst>
-            <a:outerShdw blurRad="50800" dist="38100" dir="2700000" algn="tl" rotWithShape="0">
-              <a:prstClr val="black">
-                <a:alpha val="40000"/>
-              </a:prstClr>
-            </a:outerShdw>
-          </a:effectLst>
-        </p:spPr>
-        <p:style>
-          <a:lnRef idx="2">
-            <a:schemeClr val="accent1">
-              <a:shade val="50000"/>
-            </a:schemeClr>
-          </a:lnRef>
-          <a:fillRef idx="1">
-            <a:schemeClr val="accent1"/>
-          </a:fillRef>
-          <a:effectRef idx="0">
-            <a:schemeClr val="accent1"/>
-          </a:effectRef>
-          <a:fontRef idx="minor">
-            <a:schemeClr val="lt1"/>
-          </a:fontRef>
-        </p:style>
-        <p:txBody>
-          <a:bodyPr lIns="216000" rtlCol="0" anchor="ctr"/>
-          <a:lstStyle/>
-          <a:p>
-            <a:pPr>
-              <a:defRPr/>
-            </a:pPr>
-            <a:endParaRPr lang="en-US" altLang="ko-KR" sz="400" kern="0" dirty="0">
-              <a:solidFill>
-                <a:prstClr val="white"/>
-              </a:solidFill>
-            </a:endParaRPr>
-          </a:p>
-        </p:txBody>
-      </p:sp>
-      <p:sp>
-        <p:nvSpPr>
-          <p:cNvPr id="40" name="직사각형 39">
-            <a:extLst>
-              <a:ext uri="{FF2B5EF4-FFF2-40B4-BE49-F238E27FC236}">
-                <a16:creationId xmlns:a16="http://schemas.microsoft.com/office/drawing/2014/main" id="{3FA00699-5178-465A-9F3F-130CF1431F70}"/>
-              </a:ext>
-            </a:extLst>
-          </p:cNvPr>
-          <p:cNvSpPr/>
-          <p:nvPr/>
-        </p:nvSpPr>
-        <p:spPr>
-          <a:xfrm>
-            <a:off x="420723" y="5525543"/>
-            <a:ext cx="4747625" cy="481029"/>
-          </a:xfrm>
-          <a:prstGeom prst="rect">
-            <a:avLst/>
-          </a:prstGeom>
-        </p:spPr>
-        <p:txBody>
-          <a:bodyPr wrap="square">
-            <a:spAutoFit/>
-          </a:bodyPr>
-          <a:lstStyle/>
-          <a:p>
-            <a:pPr>
-              <a:lnSpc>
-                <a:spcPct val="150000"/>
-              </a:lnSpc>
-            </a:pPr>
-            <a:r>
-              <a:rPr lang="en-US" altLang="ko-KR" sz="900" b="1">
-                <a:solidFill>
-                  <a:srgbClr val="44546A">
-                    <a:lumMod val="75000"/>
-                  </a:srgbClr>
-                </a:solidFill>
-              </a:rPr>
-              <a:t>* </a:t>
-            </a:r>
-            <a:r>
-              <a:rPr lang="ko-KR" altLang="en-US" sz="900"/>
-              <a:t>코로나에 막힌 집구경 ‘</a:t>
-            </a:r>
-            <a:r>
-              <a:rPr lang="en-US" altLang="ko-KR" sz="900"/>
-              <a:t>VR </a:t>
-            </a:r>
-            <a:r>
-              <a:rPr lang="ko-KR" altLang="en-US" sz="900"/>
-              <a:t>발품팔이’로 대신한다 </a:t>
-            </a:r>
-            <a:r>
-              <a:rPr lang="en-US" altLang="ko-KR" sz="900"/>
-              <a:t>/ </a:t>
-            </a:r>
-            <a:r>
-              <a:rPr lang="ko-KR" altLang="en-US" sz="900"/>
-              <a:t>출처 </a:t>
-            </a:r>
-            <a:r>
-              <a:rPr lang="en-US" altLang="ko-KR" sz="900"/>
-              <a:t>: </a:t>
-            </a:r>
-            <a:r>
-              <a:rPr lang="ko-KR" altLang="en-US" sz="900"/>
-              <a:t>한국일보</a:t>
-            </a:r>
-            <a:r>
-              <a:rPr lang="en-US" altLang="ko-KR" sz="900"/>
-              <a:t>(</a:t>
-            </a:r>
-            <a:r>
-              <a:rPr lang="en-US" altLang="ko-KR" sz="900" b="1">
-                <a:solidFill>
-                  <a:srgbClr val="44546A">
-                    <a:lumMod val="75000"/>
-                  </a:srgbClr>
-                </a:solidFill>
-              </a:rPr>
-              <a:t>https://www.hankookilbo.com/News/Read/202004061549732280)</a:t>
-            </a:r>
-            <a:endParaRPr lang="ko-KR" altLang="en-US" sz="900" dirty="0">
-              <a:solidFill>
-                <a:prstClr val="black">
-                  <a:lumMod val="65000"/>
-                  <a:lumOff val="35000"/>
-                </a:prstClr>
-              </a:solidFill>
-            </a:endParaRPr>
-          </a:p>
-        </p:txBody>
-      </p:sp>
-      <p:sp>
-        <p:nvSpPr>
-          <p:cNvPr id="47" name="직사각형 46">
-            <a:extLst>
-              <a:ext uri="{FF2B5EF4-FFF2-40B4-BE49-F238E27FC236}">
-                <a16:creationId xmlns:a16="http://schemas.microsoft.com/office/drawing/2014/main" id="{3FA00699-5178-465A-9F3F-130CF1431F70}"/>
-              </a:ext>
-            </a:extLst>
-          </p:cNvPr>
-          <p:cNvSpPr/>
-          <p:nvPr/>
-        </p:nvSpPr>
-        <p:spPr>
-          <a:xfrm>
-            <a:off x="6756717" y="2264097"/>
-            <a:ext cx="4469818" cy="2169825"/>
-          </a:xfrm>
-          <a:prstGeom prst="rect">
-            <a:avLst/>
-          </a:prstGeom>
-        </p:spPr>
-        <p:txBody>
-          <a:bodyPr wrap="square">
-            <a:spAutoFit/>
-          </a:bodyPr>
-          <a:lstStyle/>
-          <a:p>
-            <a:pPr>
-              <a:lnSpc>
-                <a:spcPct val="150000"/>
-              </a:lnSpc>
-            </a:pPr>
-            <a:r>
-              <a:rPr lang="ko-KR" altLang="en-US" sz="1000">
-                <a:solidFill>
-                  <a:prstClr val="black">
-                    <a:lumMod val="65000"/>
-                    <a:lumOff val="35000"/>
-                  </a:prstClr>
-                </a:solidFill>
-              </a:rPr>
-              <a:t> </a:t>
-            </a:r>
-            <a:r>
-              <a:rPr lang="ko-KR" altLang="en-US" sz="1500" b="1">
-                <a:solidFill>
-                  <a:prstClr val="black">
-                    <a:lumMod val="65000"/>
-                    <a:lumOff val="35000"/>
-                  </a:prstClr>
-                </a:solidFill>
-              </a:rPr>
-              <a:t>실제 자취방을 구하는 단계에 있거나 구할 계획이 있는 주변 잠재적 소비자에게 직접 시뮬레이터 체험의 기회를 제공하는 등의 방식을 통해 피드백을 얻어 장점을 극대화하고 단점을 개선하는 방식을 통해 더욱 완성도 높은 시뮬레이터로 마무리 지을 것입니다</a:t>
-            </a:r>
-            <a:r>
-              <a:rPr lang="en-US" altLang="ko-KR" sz="1500" b="1">
-                <a:solidFill>
-                  <a:prstClr val="black">
-                    <a:lumMod val="65000"/>
-                    <a:lumOff val="35000"/>
-                  </a:prstClr>
-                </a:solidFill>
-              </a:rPr>
-              <a:t>.</a:t>
-            </a:r>
-          </a:p>
-        </p:txBody>
-      </p:sp>
-      <p:pic>
-        <p:nvPicPr>
-          <p:cNvPr id="1026" name="Picture 2" descr="코로나에 막힌 집구경 'VR 발품팔이'로 대신한다"/>
-          <p:cNvPicPr>
-            <a:picLocks noChangeAspect="1" noChangeArrowheads="1"/>
-          </p:cNvPicPr>
-          <p:nvPr/>
-        </p:nvPicPr>
-        <p:blipFill>
-          <a:blip r:embed="rId2">
-            <a:extLst>
-              <a:ext uri="{28A0092B-C50C-407E-A947-70E740481C1C}">
-                <a14:useLocalDpi xmlns:a14="http://schemas.microsoft.com/office/drawing/2010/main" val="0"/>
-              </a:ext>
-            </a:extLst>
-          </a:blip>
-          <a:srcRect/>
-          <a:stretch>
-            <a:fillRect/>
-          </a:stretch>
-        </p:blipFill>
-        <p:spPr bwMode="auto">
-          <a:xfrm>
-            <a:off x="490297" y="1169283"/>
-            <a:ext cx="5612329" cy="4314826"/>
-          </a:xfrm>
-          <a:prstGeom prst="rect">
-            <a:avLst/>
-          </a:prstGeom>
-          <a:noFill/>
-          <a:extLst>
-            <a:ext uri="{909E8E84-426E-40DD-AFC4-6F175D3DCCD1}">
-              <a14:hiddenFill xmlns:a14="http://schemas.microsoft.com/office/drawing/2010/main">
-                <a:solidFill>
-                  <a:srgbClr val="FFFFFF"/>
-                </a:solidFill>
-              </a14:hiddenFill>
-            </a:ext>
-          </a:extLst>
-        </p:spPr>
-      </p:pic>
-      <p:pic>
-        <p:nvPicPr>
-          <p:cNvPr id="16" name="그림 15">
-            <a:extLst>
-              <a:ext uri="{FF2B5EF4-FFF2-40B4-BE49-F238E27FC236}">
-                <a16:creationId xmlns:a16="http://schemas.microsoft.com/office/drawing/2014/main" id="{853F44A1-2C7C-3124-823D-86D26BE28D78}"/>
-              </a:ext>
-            </a:extLst>
-          </p:cNvPr>
-          <p:cNvPicPr>
-            <a:picLocks noChangeAspect="1"/>
-          </p:cNvPicPr>
-          <p:nvPr/>
-        </p:nvPicPr>
-        <p:blipFill>
-          <a:blip r:embed="rId3" cstate="print">
-            <a:extLst>
-              <a:ext uri="{28A0092B-C50C-407E-A947-70E740481C1C}">
-                <a14:useLocalDpi xmlns:a14="http://schemas.microsoft.com/office/drawing/2010/main" val="0"/>
-              </a:ext>
-            </a:extLst>
-          </a:blip>
-          <a:stretch>
-            <a:fillRect/>
-          </a:stretch>
-        </p:blipFill>
-        <p:spPr>
-          <a:xfrm>
-            <a:off x="11313108" y="311326"/>
-            <a:ext cx="652350" cy="527786"/>
-          </a:xfrm>
-          <a:prstGeom prst="rect">
-            <a:avLst/>
-          </a:prstGeom>
-        </p:spPr>
-      </p:pic>
-      <p:cxnSp>
-        <p:nvCxnSpPr>
-          <p:cNvPr id="11" name="직선 연결선 10">
-            <a:extLst>
-              <a:ext uri="{FF2B5EF4-FFF2-40B4-BE49-F238E27FC236}">
-                <a16:creationId xmlns:a16="http://schemas.microsoft.com/office/drawing/2014/main" id="{5C067028-2E01-47AD-8DE6-64CBF7F2E79F}"/>
-              </a:ext>
-            </a:extLst>
-          </p:cNvPr>
-          <p:cNvCxnSpPr>
-            <a:cxnSpLocks/>
-          </p:cNvCxnSpPr>
-          <p:nvPr/>
-        </p:nvCxnSpPr>
-        <p:spPr>
-          <a:xfrm>
-            <a:off x="6503502" y="1487129"/>
-            <a:ext cx="0" cy="3600000"/>
-          </a:xfrm>
-          <a:prstGeom prst="line">
-            <a:avLst/>
-          </a:prstGeom>
-          <a:ln w="19050">
-            <a:solidFill>
-              <a:srgbClr val="CACACA"/>
-            </a:solidFill>
-            <a:prstDash val="lgDash"/>
-          </a:ln>
-        </p:spPr>
-        <p:style>
-          <a:lnRef idx="1">
-            <a:schemeClr val="accent1"/>
-          </a:lnRef>
-          <a:fillRef idx="0">
-            <a:schemeClr val="accent1"/>
-          </a:fillRef>
-          <a:effectRef idx="0">
-            <a:schemeClr val="accent1"/>
-          </a:effectRef>
-          <a:fontRef idx="minor">
-            <a:schemeClr val="tx1"/>
-          </a:fontRef>
-        </p:style>
-      </p:cxnSp>
-    </p:spTree>
-    <p:extLst>
-      <p:ext uri="{BB962C8B-B14F-4D97-AF65-F5344CB8AC3E}">
-        <p14:creationId xmlns:p14="http://schemas.microsoft.com/office/powerpoint/2010/main" val="3001498773"/>
-      </p:ext>
-    </p:extLst>
-  </p:cSld>
-  <p:clrMapOvr>
-    <a:masterClrMapping/>
-  </p:clrMapOvr>
-</p:sld>
-</file>
-
-<file path=ppt/slides/slide11.xml><?xml version="1.0" encoding="utf-8"?>
-<p:sld xmlns:a="http://schemas.openxmlformats.org/drawingml/2006/main" xmlns:r="http://schemas.openxmlformats.org/officeDocument/2006/relationships" xmlns:p="http://schemas.openxmlformats.org/presentationml/2006/main">
-  <p:cSld>
-    <p:bg>
-      <p:bgPr>
-        <a:solidFill>
-          <a:srgbClr val="FFEAD1"/>
-        </a:solidFill>
-        <a:effectLst/>
-      </p:bgPr>
-    </p:bg>
-    <p:spTree>
-      <p:nvGrpSpPr>
-        <p:cNvPr id="1" name=""/>
-        <p:cNvGrpSpPr/>
-        <p:nvPr/>
-      </p:nvGrpSpPr>
-      <p:grpSpPr>
-        <a:xfrm>
-          <a:off x="0" y="0"/>
-          <a:ext cx="0" cy="0"/>
-          <a:chOff x="0" y="0"/>
-          <a:chExt cx="0" cy="0"/>
-        </a:xfrm>
-      </p:grpSpPr>
-      <p:sp>
-        <p:nvSpPr>
-          <p:cNvPr id="5" name="양쪽 모서리가 둥근 사각형 4"/>
-          <p:cNvSpPr/>
-          <p:nvPr/>
-        </p:nvSpPr>
-        <p:spPr>
-          <a:xfrm>
-            <a:off x="3590924" y="3043917"/>
-            <a:ext cx="5318583" cy="3814083"/>
-          </a:xfrm>
-          <a:prstGeom prst="round2SameRect">
-            <a:avLst>
-              <a:gd name="adj1" fmla="val 5233"/>
-              <a:gd name="adj2" fmla="val 0"/>
-            </a:avLst>
-          </a:prstGeom>
-          <a:solidFill>
-            <a:schemeClr val="tx1">
-              <a:lumMod val="75000"/>
-              <a:lumOff val="25000"/>
-            </a:schemeClr>
-          </a:solidFill>
-          <a:ln>
-            <a:noFill/>
-          </a:ln>
-          <a:effectLst>
-            <a:outerShdw dist="38100" algn="l" rotWithShape="0">
-              <a:prstClr val="black">
-                <a:alpha val="40000"/>
-              </a:prstClr>
-            </a:outerShdw>
-          </a:effectLst>
-        </p:spPr>
-        <p:style>
-          <a:lnRef idx="2">
-            <a:schemeClr val="accent1">
-              <a:shade val="50000"/>
-            </a:schemeClr>
-          </a:lnRef>
-          <a:fillRef idx="1">
-            <a:schemeClr val="accent1"/>
-          </a:fillRef>
-          <a:effectRef idx="0">
-            <a:schemeClr val="accent1"/>
-          </a:effectRef>
-          <a:fontRef idx="minor">
-            <a:schemeClr val="lt1"/>
-          </a:fontRef>
-        </p:style>
-        <p:txBody>
-          <a:bodyPr rtlCol="0" anchor="ctr"/>
-          <a:lstStyle/>
-          <a:p>
-            <a:pPr algn="ctr"/>
-            <a:endParaRPr lang="ko-KR" altLang="en-US">
-              <a:solidFill>
-                <a:prstClr val="white"/>
-              </a:solidFill>
-            </a:endParaRPr>
-          </a:p>
-        </p:txBody>
-      </p:sp>
-      <p:sp>
-        <p:nvSpPr>
-          <p:cNvPr id="6" name="양쪽 모서리가 둥근 사각형 5"/>
-          <p:cNvSpPr/>
-          <p:nvPr/>
-        </p:nvSpPr>
-        <p:spPr>
-          <a:xfrm>
-            <a:off x="3657600" y="3109574"/>
-            <a:ext cx="5197907" cy="3748426"/>
-          </a:xfrm>
-          <a:prstGeom prst="round2SameRect">
-            <a:avLst>
-              <a:gd name="adj1" fmla="val 4913"/>
-              <a:gd name="adj2" fmla="val 0"/>
-            </a:avLst>
-          </a:prstGeom>
-          <a:solidFill>
-            <a:srgbClr val="01A7CE"/>
-          </a:solidFill>
-          <a:ln>
-            <a:noFill/>
-          </a:ln>
-        </p:spPr>
-        <p:style>
-          <a:lnRef idx="2">
-            <a:schemeClr val="accent1">
-              <a:shade val="50000"/>
-            </a:schemeClr>
-          </a:lnRef>
-          <a:fillRef idx="1">
-            <a:schemeClr val="accent1"/>
-          </a:fillRef>
-          <a:effectRef idx="0">
-            <a:schemeClr val="accent1"/>
-          </a:effectRef>
-          <a:fontRef idx="minor">
-            <a:schemeClr val="lt1"/>
-          </a:fontRef>
-        </p:style>
-        <p:txBody>
-          <a:bodyPr rtlCol="0" anchor="t"/>
-          <a:lstStyle/>
-          <a:p>
-            <a:pPr algn="ctr">
-              <a:lnSpc>
-                <a:spcPct val="200000"/>
-              </a:lnSpc>
-            </a:pPr>
-            <a:r>
-              <a:rPr lang="ko-KR" altLang="en-US" sz="1700">
-                <a:solidFill>
-                  <a:prstClr val="white"/>
-                </a:solidFill>
-              </a:rPr>
-              <a:t>소프트웨어캡스톤디자인</a:t>
-            </a:r>
-            <a:endParaRPr lang="ko-KR" altLang="en-US" sz="1700" dirty="0">
-              <a:solidFill>
-                <a:prstClr val="white"/>
-              </a:solidFill>
-            </a:endParaRPr>
-          </a:p>
-        </p:txBody>
-      </p:sp>
-      <p:sp>
-        <p:nvSpPr>
-          <p:cNvPr id="7" name="직사각형 6"/>
-          <p:cNvSpPr/>
-          <p:nvPr/>
-        </p:nvSpPr>
-        <p:spPr>
-          <a:xfrm>
-            <a:off x="3657600" y="3763918"/>
-            <a:ext cx="5197907" cy="3094082"/>
-          </a:xfrm>
-          <a:prstGeom prst="rect">
-            <a:avLst/>
-          </a:prstGeom>
-          <a:solidFill>
-            <a:schemeClr val="bg1"/>
-          </a:solidFill>
-          <a:ln>
-            <a:noFill/>
-          </a:ln>
-        </p:spPr>
-        <p:style>
-          <a:lnRef idx="2">
-            <a:schemeClr val="accent1">
-              <a:shade val="50000"/>
-            </a:schemeClr>
-          </a:lnRef>
-          <a:fillRef idx="1">
-            <a:schemeClr val="accent1"/>
-          </a:fillRef>
-          <a:effectRef idx="0">
-            <a:schemeClr val="accent1"/>
-          </a:effectRef>
-          <a:fontRef idx="minor">
-            <a:schemeClr val="lt1"/>
-          </a:fontRef>
-        </p:style>
-        <p:txBody>
-          <a:bodyPr rtlCol="0" anchor="ctr"/>
-          <a:lstStyle/>
-          <a:p>
-            <a:pPr algn="ctr" latinLnBrk="0">
-              <a:lnSpc>
-                <a:spcPct val="150000"/>
-              </a:lnSpc>
-              <a:defRPr/>
-            </a:pPr>
-            <a:r>
-              <a:rPr lang="ko-KR" altLang="en-US" sz="4400" b="1" i="1" kern="0">
-                <a:solidFill>
-                  <a:prstClr val="black">
-                    <a:lumMod val="75000"/>
-                    <a:lumOff val="25000"/>
-                  </a:prstClr>
-                </a:solidFill>
-              </a:rPr>
-              <a:t>감사합니다</a:t>
-            </a:r>
-            <a:r>
-              <a:rPr lang="en-US" altLang="ko-KR" sz="4400" b="1" i="1" kern="0">
-                <a:solidFill>
-                  <a:prstClr val="black">
-                    <a:lumMod val="75000"/>
-                    <a:lumOff val="25000"/>
-                  </a:prstClr>
-                </a:solidFill>
-              </a:rPr>
-              <a:t>.</a:t>
-            </a:r>
-          </a:p>
-          <a:p>
-            <a:pPr algn="ctr" latinLnBrk="0">
-              <a:lnSpc>
-                <a:spcPct val="150000"/>
-              </a:lnSpc>
-              <a:defRPr/>
-            </a:pPr>
-            <a:r>
-              <a:rPr lang="en-US" altLang="ko-KR" sz="4400" b="1" i="1" kern="0">
-                <a:solidFill>
-                  <a:prstClr val="black">
-                    <a:lumMod val="75000"/>
-                    <a:lumOff val="25000"/>
-                  </a:prstClr>
-                </a:solidFill>
-              </a:rPr>
-              <a:t>Q&amp;A</a:t>
-            </a:r>
-            <a:endParaRPr lang="en-US" altLang="ko-KR" sz="4400"/>
-          </a:p>
-        </p:txBody>
-      </p:sp>
-      <p:sp>
-        <p:nvSpPr>
-          <p:cNvPr id="10" name="사각형: 둥근 모서리 5">
-            <a:extLst>
-              <a:ext uri="{FF2B5EF4-FFF2-40B4-BE49-F238E27FC236}">
-                <a16:creationId xmlns:a16="http://schemas.microsoft.com/office/drawing/2014/main" id="{29433077-90B3-4432-AB1E-87BD95D8FF5C}"/>
-              </a:ext>
-            </a:extLst>
-          </p:cNvPr>
-          <p:cNvSpPr/>
-          <p:nvPr/>
-        </p:nvSpPr>
-        <p:spPr>
-          <a:xfrm>
-            <a:off x="8402799" y="2863362"/>
-            <a:ext cx="573384" cy="573384"/>
-          </a:xfrm>
-          <a:prstGeom prst="ellipse">
-            <a:avLst/>
-          </a:prstGeom>
-          <a:gradFill flip="none" rotWithShape="1">
-            <a:gsLst>
-              <a:gs pos="0">
-                <a:srgbClr val="01A7CE"/>
-              </a:gs>
-              <a:gs pos="100000">
-                <a:srgbClr val="00D0AC"/>
-              </a:gs>
-            </a:gsLst>
-            <a:path path="circle">
-              <a:fillToRect l="100000" t="100000"/>
-            </a:path>
-            <a:tileRect r="-100000" b="-100000"/>
-          </a:gradFill>
-          <a:ln>
-            <a:noFill/>
-          </a:ln>
-          <a:effectLst>
-            <a:outerShdw blurRad="50800" dist="38100" dir="2700000" algn="tl" rotWithShape="0">
-              <a:prstClr val="black">
-                <a:alpha val="40000"/>
-              </a:prstClr>
-            </a:outerShdw>
-          </a:effectLst>
-        </p:spPr>
-        <p:style>
-          <a:lnRef idx="2">
-            <a:schemeClr val="accent1">
-              <a:shade val="50000"/>
-            </a:schemeClr>
-          </a:lnRef>
-          <a:fillRef idx="1">
-            <a:schemeClr val="accent1"/>
-          </a:fillRef>
-          <a:effectRef idx="0">
-            <a:schemeClr val="accent1"/>
-          </a:effectRef>
-          <a:fontRef idx="minor">
-            <a:schemeClr val="lt1"/>
-          </a:fontRef>
-        </p:style>
-        <p:txBody>
-          <a:bodyPr lIns="216000" rtlCol="0" anchor="ctr"/>
-          <a:lstStyle/>
-          <a:p>
-            <a:pPr>
-              <a:defRPr/>
-            </a:pPr>
-            <a:endParaRPr lang="en-US" altLang="ko-KR" sz="400" kern="0" dirty="0">
-              <a:solidFill>
-                <a:prstClr val="white"/>
-              </a:solidFill>
-            </a:endParaRPr>
-          </a:p>
-        </p:txBody>
-      </p:sp>
-      <p:pic>
-        <p:nvPicPr>
-          <p:cNvPr id="11" name="그림 10">
-            <a:extLst>
-              <a:ext uri="{FF2B5EF4-FFF2-40B4-BE49-F238E27FC236}">
-                <a16:creationId xmlns:a16="http://schemas.microsoft.com/office/drawing/2014/main" id="{31A65D8A-4658-B64B-EDC2-DD445BE14A84}"/>
-              </a:ext>
-            </a:extLst>
-          </p:cNvPr>
-          <p:cNvPicPr>
-            <a:picLocks noChangeAspect="1"/>
-          </p:cNvPicPr>
-          <p:nvPr/>
-        </p:nvPicPr>
-        <p:blipFill>
-          <a:blip r:embed="rId2" cstate="print">
-            <a:extLst>
-              <a:ext uri="{28A0092B-C50C-407E-A947-70E740481C1C}">
-                <a14:useLocalDpi xmlns:a14="http://schemas.microsoft.com/office/drawing/2010/main" val="0"/>
-              </a:ext>
-            </a:extLst>
-          </a:blip>
-          <a:stretch>
-            <a:fillRect/>
-          </a:stretch>
-        </p:blipFill>
-        <p:spPr>
-          <a:xfrm>
-            <a:off x="8402799" y="2918104"/>
-            <a:ext cx="573384" cy="463899"/>
-          </a:xfrm>
-          <a:prstGeom prst="rect">
-            <a:avLst/>
-          </a:prstGeom>
-        </p:spPr>
-      </p:pic>
-    </p:spTree>
-    <p:extLst>
-      <p:ext uri="{BB962C8B-B14F-4D97-AF65-F5344CB8AC3E}">
-        <p14:creationId xmlns:p14="http://schemas.microsoft.com/office/powerpoint/2010/main" val="2500178695"/>
       </p:ext>
     </p:extLst>
   </p:cSld>
@@ -6384,7 +5901,7 @@
     </p:spTree>
     <p:extLst>
       <p:ext uri="{BB962C8B-B14F-4D97-AF65-F5344CB8AC3E}">
-        <p14:creationId xmlns:p14="http://schemas.microsoft.com/office/powerpoint/2010/main" val="692443784"/>
+        <p14:creationId xmlns:p14="http://schemas.microsoft.com/office/powerpoint/2010/main" val="3175679954"/>
       </p:ext>
     </p:extLst>
   </p:cSld>
@@ -6657,31 +6174,31 @@
               </a:lnSpc>
             </a:pPr>
             <a:r>
-              <a:rPr lang="en-US" altLang="ko-KR" sz="1600" b="1"/>
+              <a:rPr lang="en-US" altLang="ko-KR" sz="1600" b="1" dirty="0"/>
               <a:t> 2021</a:t>
             </a:r>
             <a:r>
-              <a:rPr lang="ko-KR" altLang="en-US" sz="1600" b="1"/>
+              <a:rPr lang="ko-KR" altLang="en-US" sz="1600" b="1" dirty="0"/>
               <a:t>년 대한민국의 대표 방 계약 애플리케이션 직방의 설문조사에 따르면 직접 방문 없이 </a:t>
             </a:r>
             <a:r>
-              <a:rPr lang="en-US" altLang="ko-KR" sz="1600" b="1"/>
+              <a:rPr lang="en-US" altLang="ko-KR" sz="1600" b="1" dirty="0"/>
               <a:t>3D·VR </a:t>
             </a:r>
             <a:r>
-              <a:rPr lang="ko-KR" altLang="en-US" sz="1600" b="1"/>
+              <a:rPr lang="ko-KR" altLang="en-US" sz="1600" b="1" dirty="0"/>
               <a:t>부동산정보만 확인하고 계약할 의사가 있다는 응답이 </a:t>
             </a:r>
             <a:r>
-              <a:rPr lang="en-US" altLang="ko-KR" sz="1600" b="1"/>
+              <a:rPr lang="en-US" altLang="ko-KR" sz="1600" b="1" dirty="0"/>
               <a:t>70%</a:t>
             </a:r>
             <a:r>
-              <a:rPr lang="ko-KR" altLang="en-US" sz="1600" b="1"/>
-              <a:t>를 넘겼다</a:t>
-            </a:r>
-            <a:r>
-              <a:rPr lang="en-US" altLang="ko-KR" sz="1600" b="1"/>
+              <a:rPr lang="ko-KR" altLang="en-US" sz="1600" b="1" dirty="0"/>
+              <a:t>를 넘었다</a:t>
+            </a:r>
+            <a:r>
+              <a:rPr lang="en-US" altLang="ko-KR" sz="1600" b="1" dirty="0"/>
               <a:t>.</a:t>
             </a:r>
           </a:p>
@@ -6692,41 +6209,41 @@
               </a:lnSpc>
             </a:pPr>
             <a:br>
-              <a:rPr lang="ko-KR" altLang="en-US" sz="1600"/>
+              <a:rPr lang="ko-KR" altLang="en-US" sz="1600" dirty="0"/>
             </a:br>
             <a:r>
-              <a:rPr lang="ko-KR" altLang="en-US" sz="1600"/>
+              <a:rPr lang="ko-KR" altLang="en-US" sz="1600" dirty="0"/>
               <a:t> </a:t>
             </a:r>
             <a:r>
-              <a:rPr lang="ko-KR" altLang="en-US" sz="1600" b="1"/>
+              <a:rPr lang="ko-KR" altLang="en-US" sz="1600" b="1" dirty="0"/>
               <a:t>또한</a:t>
             </a:r>
             <a:r>
-              <a:rPr lang="ko-KR" altLang="en-US" sz="1600"/>
+              <a:rPr lang="ko-KR" altLang="en-US" sz="1600" dirty="0"/>
               <a:t> </a:t>
             </a:r>
             <a:r>
-              <a:rPr lang="en-US" altLang="ko-KR" sz="1600" b="1"/>
-              <a:t>3D, VR </a:t>
-            </a:r>
-            <a:r>
-              <a:rPr lang="ko-KR" altLang="en-US" sz="1600" b="1"/>
+              <a:rPr lang="en-US" altLang="ko-KR" sz="1600" b="1" dirty="0"/>
+              <a:t>3D·VR </a:t>
+            </a:r>
+            <a:r>
+              <a:rPr lang="ko-KR" altLang="en-US" sz="1600" b="1" dirty="0"/>
               <a:t>부동산 정보 서비스를 이용해 볼 의향을 물어보는 질문에는 </a:t>
             </a:r>
             <a:r>
-              <a:rPr lang="en-US" altLang="ko-KR" sz="1600" b="1"/>
+              <a:rPr lang="en-US" altLang="ko-KR" sz="1600" b="1" dirty="0"/>
               <a:t>90%</a:t>
             </a:r>
             <a:r>
-              <a:rPr lang="ko-KR" altLang="en-US" sz="1600" b="1"/>
-              <a:t>에 육박하는 비율로 이용해 볼 것이라고 응답을 기록했다</a:t>
-            </a:r>
-            <a:r>
-              <a:rPr lang="en-US" altLang="ko-KR" sz="1600" b="1"/>
+              <a:rPr lang="ko-KR" altLang="en-US" sz="1600" b="1" dirty="0"/>
+              <a:t>에 육박하는 비율로 이용해 볼 것이라고 응답했다</a:t>
+            </a:r>
+            <a:r>
+              <a:rPr lang="en-US" altLang="ko-KR" sz="1600" b="1" dirty="0"/>
               <a:t>.</a:t>
             </a:r>
-            <a:endParaRPr lang="ko-KR" altLang="en-US" sz="1600" b="1"/>
+            <a:endParaRPr lang="ko-KR" altLang="en-US" sz="1600" b="1" dirty="0"/>
           </a:p>
           <a:p>
             <a:pPr>
@@ -7366,7 +6883,7 @@
         <p:spPr>
           <a:xfrm>
             <a:off x="6956123" y="1717403"/>
-            <a:ext cx="4523841" cy="3416320"/>
+            <a:ext cx="4523841" cy="3139321"/>
           </a:xfrm>
           <a:prstGeom prst="rect">
             <a:avLst/>
@@ -7380,45 +6897,57 @@
           <a:p>
             <a:pPr fontAlgn="base"/>
             <a:r>
-              <a:rPr lang="ko-KR" altLang="en-US" b="1"/>
-              <a:t> 요컨대 온라인 서비스가 늘어나는 추세에서 소비자가 </a:t>
-            </a:r>
-            <a:r>
-              <a:rPr lang="en-US" altLang="ko-KR" b="1"/>
+              <a:rPr lang="ko-KR" altLang="en-US" b="1" dirty="0"/>
+              <a:t> 온라인 서비스가 늘어나는 추세에서 소비자가 </a:t>
+            </a:r>
+            <a:r>
+              <a:rPr lang="en-US" altLang="ko-KR" b="1" dirty="0"/>
               <a:t>VR</a:t>
             </a:r>
             <a:r>
-              <a:rPr lang="ko-KR" altLang="en-US" b="1"/>
-              <a:t>을 통해 직접 방을 구경하고 둘러보면서 하자 부분을 찾도록 하고</a:t>
-            </a:r>
-            <a:r>
-              <a:rPr lang="en-US" altLang="ko-KR" b="1"/>
+              <a:rPr lang="ko-KR" altLang="en-US" b="1" dirty="0"/>
+              <a:t>로 직접 방을 구경하고 둘러보면서 하자 부분을 찾도록 하고</a:t>
+            </a:r>
+            <a:r>
+              <a:rPr lang="en-US" altLang="ko-KR" b="1" dirty="0"/>
               <a:t>, </a:t>
             </a:r>
             <a:r>
-              <a:rPr lang="ko-KR" altLang="en-US" b="1"/>
-              <a:t>계약과 관련된 퀴즈를 풀면서 소비자가 방을 구할 때 필요한 지식을 교육하는 것이 본 시뮬레이터의 목적이다</a:t>
-            </a:r>
-            <a:r>
-              <a:rPr lang="en-US" altLang="ko-KR" b="1"/>
+              <a:rPr lang="ko-KR" altLang="en-US" b="1" dirty="0"/>
+              <a:t>계약과 관련된 퀴즈를 풀면서 소비자가 방을 구할 때 필요한 지식을 교육한다</a:t>
+            </a:r>
+            <a:r>
+              <a:rPr lang="en-US" altLang="ko-KR" b="1" dirty="0"/>
               <a:t>. </a:t>
             </a:r>
+            <a:r>
+              <a:rPr lang="ko-KR" altLang="en-US" b="1" dirty="0">
+                <a:solidFill>
+                  <a:srgbClr val="FF0000"/>
+                </a:solidFill>
+              </a:rPr>
+              <a:t>실제 방 추가</a:t>
+            </a:r>
+            <a:endParaRPr lang="en-US" altLang="ko-KR" b="1" dirty="0">
+              <a:solidFill>
+                <a:srgbClr val="FF0000"/>
+              </a:solidFill>
+            </a:endParaRPr>
           </a:p>
           <a:p>
             <a:pPr fontAlgn="base"/>
-            <a:endParaRPr lang="en-US" altLang="ko-KR" b="1"/>
+            <a:endParaRPr lang="en-US" altLang="ko-KR" b="1" dirty="0"/>
           </a:p>
           <a:p>
             <a:pPr fontAlgn="base"/>
             <a:r>
-              <a:rPr lang="ko-KR" altLang="en-US" b="1"/>
-              <a:t> 이를 통해 직접 자취방을 구하러 갔을 때 확인해야 하는 방의 핵심 부분과 계약 사항 등 사전에 교육하여 자취 시 생길 수 있는 피해들을 최소화하고 방지하고자 하는 효과를 기대할 수 있다</a:t>
-            </a:r>
-            <a:r>
-              <a:rPr lang="en-US" altLang="ko-KR" b="1"/>
+              <a:rPr lang="ko-KR" altLang="en-US" b="1" dirty="0"/>
+              <a:t> 이를 통해 직접 자취방을 구하러 갔을 때 확인해야 하는 방의 핵심 부분과 계약 관련 사항 등을 사전에 교육하여 방을 구할 때 생길 수 있는 피해들을 최소화하고 방지가 목표이다</a:t>
+            </a:r>
+            <a:r>
+              <a:rPr lang="en-US" altLang="ko-KR" b="1" dirty="0"/>
               <a:t>.</a:t>
             </a:r>
-            <a:endParaRPr lang="ko-KR" altLang="en-US" b="1"/>
           </a:p>
         </p:txBody>
       </p:sp>
@@ -9891,27 +9420,7 @@
                 <a:effectLst/>
                 <a:latin typeface="Helvetica" panose="020B0604020202020204" pitchFamily="34" charset="0"/>
               </a:rPr>
-              <a:t>구현된 방을 둘러보며 자취방을 구할 때 어느 부분을 </a:t>
-            </a:r>
-            <a:r>
-              <a:rPr lang="ko-KR" altLang="en-US" sz="1100" b="0" i="0" dirty="0" err="1">
-                <a:solidFill>
-                  <a:srgbClr val="FFFFFF"/>
-                </a:solidFill>
-                <a:effectLst/>
-                <a:latin typeface="Helvetica" panose="020B0604020202020204" pitchFamily="34" charset="0"/>
-              </a:rPr>
-              <a:t>봐야하는지</a:t>
-            </a:r>
-            <a:r>
-              <a:rPr lang="ko-KR" altLang="en-US" sz="1100" b="0" i="0" dirty="0">
-                <a:solidFill>
-                  <a:srgbClr val="FFFFFF"/>
-                </a:solidFill>
-                <a:effectLst/>
-                <a:latin typeface="Helvetica" panose="020B0604020202020204" pitchFamily="34" charset="0"/>
-              </a:rPr>
-              <a:t> 학습할 수 있다</a:t>
+              <a:t>구현된 방을 둘러보며 자취방을 구할 때 어느 부분을 봐야 하는지 학습할 수 있다</a:t>
             </a:r>
             <a:r>
               <a:rPr lang="en-US" altLang="ko-KR" sz="1100" b="0" i="0" dirty="0">
@@ -10043,28 +9552,25 @@
               </a:rPr>
               <a:t>시뮬레이터에서 직접 하자를 찾아보고 계약 사항 퀴즈를 풀면서 자취방을 구할 때</a:t>
             </a:r>
-            <a:r>
-              <a:rPr lang="en-US" altLang="ko-KR" sz="1100" b="0" i="0" dirty="0">
+            <a:endParaRPr lang="en-US" altLang="ko-KR" sz="1100" b="0" i="0" dirty="0">
+              <a:solidFill>
+                <a:srgbClr val="FFFFFF"/>
+              </a:solidFill>
+              <a:effectLst/>
+              <a:latin typeface="Helvetica" panose="020B0604020202020204" pitchFamily="34" charset="0"/>
+            </a:endParaRPr>
+          </a:p>
+          <a:p>
+            <a:pPr algn="l"/>
+            <a:r>
+              <a:rPr lang="ko-KR" altLang="en-US" sz="1100" b="0" i="0" dirty="0">
                 <a:solidFill>
                   <a:srgbClr val="FFFFFF"/>
                 </a:solidFill>
                 <a:effectLst/>
                 <a:latin typeface="Helvetica" panose="020B0604020202020204" pitchFamily="34" charset="0"/>
               </a:rPr>
-              <a:t>,</a:t>
-            </a:r>
-          </a:p>
-          <a:p>
-            <a:pPr algn="l"/>
-            <a:r>
-              <a:rPr lang="ko-KR" altLang="en-US" sz="1100" b="0" i="0" dirty="0">
-                <a:solidFill>
-                  <a:srgbClr val="FFFFFF"/>
-                </a:solidFill>
-                <a:effectLst/>
-                <a:latin typeface="Helvetica" panose="020B0604020202020204" pitchFamily="34" charset="0"/>
-              </a:rPr>
-              <a:t>중요하게 봐야하는 부분을 학습할 수 있다</a:t>
+              <a:t>중요한 부분을 학습할 수 있다</a:t>
             </a:r>
             <a:r>
               <a:rPr lang="en-US" altLang="ko-KR" sz="1100" b="0" i="0" dirty="0">
@@ -10516,7 +10022,7 @@
               <a:defRPr/>
             </a:pPr>
             <a:r>
-              <a:rPr lang="en-US" altLang="ko-KR" sz="2800" b="1" i="1" kern="0">
+              <a:rPr lang="en-US" altLang="ko-KR" sz="2800" b="1" i="1" kern="0" dirty="0">
                 <a:solidFill>
                   <a:prstClr val="white"/>
                 </a:solidFill>
@@ -10524,7 +10030,7 @@
               <a:t>2. </a:t>
             </a:r>
             <a:r>
-              <a:rPr lang="ko-KR" altLang="en-US" sz="2800" b="1" i="1" kern="0">
+              <a:rPr lang="ko-KR" altLang="en-US" sz="2800" b="1" i="1" kern="0" dirty="0">
                 <a:solidFill>
                   <a:prstClr val="white"/>
                 </a:solidFill>
@@ -10532,7 +10038,7 @@
               <a:t>프로젝트 내용 </a:t>
             </a:r>
             <a:r>
-              <a:rPr lang="en-US" altLang="ko-KR" sz="2800" b="1" i="1" kern="0">
+              <a:rPr lang="en-US" altLang="ko-KR" sz="2800" b="1" i="1" kern="0" dirty="0">
                 <a:solidFill>
                   <a:prstClr val="white"/>
                 </a:solidFill>
@@ -10540,12 +10046,44 @@
               <a:t>- </a:t>
             </a:r>
             <a:r>
-              <a:rPr lang="ko-KR" altLang="en-US" sz="2800" b="1" i="1" kern="0">
+              <a:rPr lang="ko-KR" altLang="en-US" sz="2800" b="1" i="1" kern="0" dirty="0">
                 <a:solidFill>
                   <a:prstClr val="white"/>
                 </a:solidFill>
               </a:rPr>
               <a:t>실제 방 사진</a:t>
+            </a:r>
+            <a:r>
+              <a:rPr lang="en-US" altLang="ko-KR" sz="2400" b="1" i="1" kern="0" dirty="0">
+                <a:solidFill>
+                  <a:prstClr val="white"/>
+                </a:solidFill>
+              </a:rPr>
+              <a:t> – </a:t>
+            </a:r>
+            <a:r>
+              <a:rPr lang="ko-KR" altLang="en-US" sz="1400" b="1" i="1" kern="0" dirty="0">
+                <a:solidFill>
+                  <a:srgbClr val="FF0000"/>
+                </a:solidFill>
+              </a:rPr>
+              <a:t>하자 찾기 사진</a:t>
+            </a:r>
+            <a:r>
+              <a:rPr lang="en-US" altLang="ko-KR" sz="1400" b="1" i="1" kern="0" dirty="0">
+                <a:solidFill>
+                  <a:srgbClr val="FF0000"/>
+                </a:solidFill>
+              </a:rPr>
+              <a:t>, </a:t>
+            </a:r>
+            <a:r>
+              <a:rPr lang="ko-KR" altLang="en-US" sz="1400" b="1" i="1" kern="0" dirty="0">
+                <a:solidFill>
+                  <a:srgbClr val="FF0000"/>
+                </a:solidFill>
+              </a:rPr>
+              <a:t>퀴즈 풀이 사진 넣기</a:t>
             </a:r>
             <a:endParaRPr lang="en-US" altLang="ko-KR" sz="1400" i="1" kern="0" dirty="0">
               <a:solidFill>
@@ -10703,7 +10241,7 @@
         </p:nvSpPr>
         <p:spPr>
           <a:xfrm>
-            <a:off x="490297" y="6164764"/>
+            <a:off x="490297" y="6154826"/>
             <a:ext cx="3950459" cy="373885"/>
           </a:xfrm>
           <a:prstGeom prst="rect">
@@ -10722,7 +10260,7 @@
               </a:lnSpc>
             </a:pPr>
             <a:r>
-              <a:rPr lang="en-US" altLang="ko-KR" sz="1400">
+              <a:rPr lang="en-US" altLang="ko-KR" sz="1400" dirty="0">
                 <a:solidFill>
                   <a:srgbClr val="44546A">
                     <a:lumMod val="75000"/>
@@ -10732,7 +10270,7 @@
               <a:t>* 360</a:t>
             </a:r>
             <a:r>
-              <a:rPr lang="ko-KR" altLang="en-US" sz="1400">
+              <a:rPr lang="ko-KR" altLang="en-US" sz="1400" dirty="0">
                 <a:solidFill>
                   <a:srgbClr val="44546A">
                     <a:lumMod val="75000"/>
@@ -10766,7 +10304,7 @@
         </p:nvSpPr>
         <p:spPr>
           <a:xfrm>
-            <a:off x="6273997" y="6161917"/>
+            <a:off x="6273997" y="6142038"/>
             <a:ext cx="4469818" cy="373885"/>
           </a:xfrm>
           <a:prstGeom prst="rect">
@@ -10785,7 +10323,7 @@
               </a:lnSpc>
             </a:pPr>
             <a:r>
-              <a:rPr lang="en-US" altLang="ko-KR" sz="1400">
+              <a:rPr lang="en-US" altLang="ko-KR" sz="1400" dirty="0">
                 <a:solidFill>
                   <a:srgbClr val="44546A">
                     <a:lumMod val="75000"/>
@@ -10795,14 +10333,14 @@
               <a:t>* 360</a:t>
             </a:r>
             <a:r>
-              <a:rPr lang="ko-KR" altLang="en-US" sz="1400">
+              <a:rPr lang="ko-KR" altLang="en-US" sz="1400" dirty="0">
                 <a:solidFill>
                   <a:srgbClr val="44546A">
                     <a:lumMod val="75000"/>
                   </a:srgbClr>
                 </a:solidFill>
               </a:rPr>
-              <a:t>도 카메라를 통해 촬영한 실제 화장실의 모습</a:t>
+              <a:t>도 카메라를 통해 촬영한 화장실의 모습</a:t>
             </a:r>
             <a:endParaRPr lang="ko-KR" altLang="en-US" sz="1000" dirty="0">
               <a:solidFill>
@@ -10817,37 +10355,7 @@
       </p:sp>
       <p:pic>
         <p:nvPicPr>
-          <p:cNvPr id="2" name="그림 1"/>
-          <p:cNvPicPr>
-            <a:picLocks noChangeAspect="1"/>
-          </p:cNvPicPr>
-          <p:nvPr/>
-        </p:nvPicPr>
-        <p:blipFill>
-          <a:blip r:embed="rId2">
-            <a:extLst>
-              <a:ext uri="{28A0092B-C50C-407E-A947-70E740481C1C}">
-                <a14:useLocalDpi xmlns:a14="http://schemas.microsoft.com/office/drawing/2010/main" val="0"/>
-              </a:ext>
-            </a:extLst>
-          </a:blip>
-          <a:stretch>
-            <a:fillRect/>
-          </a:stretch>
-        </p:blipFill>
-        <p:spPr>
-          <a:xfrm>
-            <a:off x="6273997" y="1276936"/>
-            <a:ext cx="5427707" cy="4884980"/>
-          </a:xfrm>
-          <a:prstGeom prst="rect">
-            <a:avLst/>
-          </a:prstGeom>
-        </p:spPr>
-      </p:pic>
-      <p:pic>
-        <p:nvPicPr>
-          <p:cNvPr id="3" name="그림 2"/>
+          <p:cNvPr id="4" name="그림 3"/>
           <p:cNvPicPr>
             <a:picLocks noChangeAspect="1"/>
           </p:cNvPicPr>
@@ -10867,8 +10375,8 @@
         </p:blipFill>
         <p:spPr>
           <a:xfrm>
-            <a:off x="490297" y="1276937"/>
-            <a:ext cx="5422949" cy="4884980"/>
+            <a:off x="490297" y="1543026"/>
+            <a:ext cx="5429736" cy="4611800"/>
           </a:xfrm>
           <a:prstGeom prst="rect">
             <a:avLst/>
@@ -10877,20 +10385,14 @@
       </p:pic>
       <p:pic>
         <p:nvPicPr>
-          <p:cNvPr id="11" name="그림 10">
-            <a:extLst>
-              <a:ext uri="{FF2B5EF4-FFF2-40B4-BE49-F238E27FC236}">
-                <a16:creationId xmlns:a16="http://schemas.microsoft.com/office/drawing/2014/main" id="{403180C8-08AE-5C5B-A028-C0E701339A8B}"/>
-              </a:ext>
-            </a:extLst>
-          </p:cNvPr>
+          <p:cNvPr id="8" name="그림 7"/>
           <p:cNvPicPr>
             <a:picLocks noChangeAspect="1"/>
           </p:cNvPicPr>
           <p:nvPr/>
         </p:nvPicPr>
         <p:blipFill>
-          <a:blip r:embed="rId4" cstate="print">
+          <a:blip r:embed="rId4">
             <a:extLst>
               <a:ext uri="{28A0092B-C50C-407E-A947-70E740481C1C}">
                 <a14:useLocalDpi xmlns:a14="http://schemas.microsoft.com/office/drawing/2010/main" val="0"/>
@@ -10903,6 +10405,42 @@
         </p:blipFill>
         <p:spPr>
           <a:xfrm>
+            <a:off x="6273997" y="1543026"/>
+            <a:ext cx="5461348" cy="4611800"/>
+          </a:xfrm>
+          <a:prstGeom prst="rect">
+            <a:avLst/>
+          </a:prstGeom>
+        </p:spPr>
+      </p:pic>
+      <p:pic>
+        <p:nvPicPr>
+          <p:cNvPr id="11" name="그림 10">
+            <a:extLst>
+              <a:ext uri="{FF2B5EF4-FFF2-40B4-BE49-F238E27FC236}">
+                <a16:creationId xmlns:a16="http://schemas.microsoft.com/office/drawing/2014/main" id="{58CCF67D-4083-25BA-D66B-A9BD38D7A62D}"/>
+              </a:ext>
+            </a:extLst>
+          </p:cNvPr>
+          <p:cNvPicPr>
+            <a:picLocks noChangeAspect="1"/>
+          </p:cNvPicPr>
+          <p:nvPr/>
+        </p:nvPicPr>
+        <p:blipFill>
+          <a:blip r:embed="rId5" cstate="print">
+            <a:extLst>
+              <a:ext uri="{28A0092B-C50C-407E-A947-70E740481C1C}">
+                <a14:useLocalDpi xmlns:a14="http://schemas.microsoft.com/office/drawing/2010/main" val="0"/>
+              </a:ext>
+            </a:extLst>
+          </a:blip>
+          <a:stretch>
+            <a:fillRect/>
+          </a:stretch>
+        </p:blipFill>
+        <p:spPr>
+          <a:xfrm>
             <a:off x="11313108" y="311326"/>
             <a:ext cx="652350" cy="527786"/>
           </a:xfrm>
@@ -10913,7 +10451,7 @@
       </p:pic>
       <p:cxnSp>
         <p:nvCxnSpPr>
-          <p:cNvPr id="13" name="직선 연결선 12">
+          <p:cNvPr id="14" name="직선 연결선 13">
             <a:extLst>
               <a:ext uri="{FF2B5EF4-FFF2-40B4-BE49-F238E27FC236}">
                 <a16:creationId xmlns:a16="http://schemas.microsoft.com/office/drawing/2014/main" id="{5C067028-2E01-47AD-8DE6-64CBF7F2E79F}"/>
@@ -10958,7 +10496,7 @@
     </p:spTree>
     <p:extLst>
       <p:ext uri="{BB962C8B-B14F-4D97-AF65-F5344CB8AC3E}">
-        <p14:creationId xmlns:p14="http://schemas.microsoft.com/office/powerpoint/2010/main" val="2714526069"/>
+        <p14:creationId xmlns:p14="http://schemas.microsoft.com/office/powerpoint/2010/main" val="4159711062"/>
       </p:ext>
     </p:extLst>
   </p:cSld>
@@ -11109,7 +10647,7 @@
                   <a:prstClr val="white"/>
                 </a:solidFill>
               </a:rPr>
-              <a:t>2. </a:t>
+              <a:t>3. </a:t>
             </a:r>
             <a:r>
               <a:rPr lang="ko-KR" altLang="en-US" sz="2800" b="1" i="1" kern="0">
@@ -11117,23 +10655,7 @@
                   <a:prstClr val="white"/>
                 </a:solidFill>
               </a:rPr>
-              <a:t>프로젝트 내용 </a:t>
-            </a:r>
-            <a:r>
-              <a:rPr lang="en-US" altLang="ko-KR" sz="2800" b="1" i="1" kern="0">
-                <a:solidFill>
-                  <a:prstClr val="white"/>
-                </a:solidFill>
-              </a:rPr>
-              <a:t>- </a:t>
-            </a:r>
-            <a:r>
-              <a:rPr lang="ko-KR" altLang="en-US" sz="2800" b="1" i="1" kern="0">
-                <a:solidFill>
-                  <a:prstClr val="white"/>
-                </a:solidFill>
-              </a:rPr>
-              <a:t>실제 방 사진</a:t>
+              <a:t>앞으로의 계획</a:t>
             </a:r>
             <a:endParaRPr lang="en-US" altLang="ko-KR" sz="1400" i="1" kern="0" dirty="0">
               <a:solidFill>
@@ -11159,7 +10681,7 @@
         </p:nvSpPr>
         <p:spPr>
           <a:xfrm>
-            <a:off x="328458" y="1068343"/>
+            <a:off x="324626" y="1068343"/>
             <a:ext cx="11556000" cy="5789657"/>
           </a:xfrm>
           <a:prstGeom prst="rect">
@@ -11291,8 +10813,8 @@
         </p:nvSpPr>
         <p:spPr>
           <a:xfrm>
-            <a:off x="490297" y="6154826"/>
-            <a:ext cx="3950459" cy="373885"/>
+            <a:off x="420723" y="5525543"/>
+            <a:ext cx="4747625" cy="481029"/>
           </a:xfrm>
           <a:prstGeom prst="rect">
             <a:avLst/>
@@ -11310,26 +10832,58 @@
               </a:lnSpc>
             </a:pPr>
             <a:r>
-              <a:rPr lang="en-US" altLang="ko-KR" sz="1400">
+              <a:rPr lang="en-US" altLang="ko-KR" sz="900" b="1">
                 <a:solidFill>
                   <a:srgbClr val="44546A">
                     <a:lumMod val="75000"/>
                   </a:srgbClr>
                 </a:solidFill>
               </a:rPr>
-              <a:t>* 360</a:t>
-            </a:r>
-            <a:r>
-              <a:rPr lang="ko-KR" altLang="en-US" sz="1400">
+              <a:t>* </a:t>
+            </a:r>
+            <a:r>
+              <a:rPr lang="ko-KR" altLang="en-US" sz="900"/>
+              <a:t>코로나에 막힌 집구경 ‘</a:t>
+            </a:r>
+            <a:r>
+              <a:rPr lang="en-US" altLang="ko-KR" sz="900"/>
+              <a:t>VR </a:t>
+            </a:r>
+            <a:r>
+              <a:rPr lang="ko-KR" altLang="en-US" sz="900"/>
+              <a:t>발품팔이’로 대신한다 </a:t>
+            </a:r>
+            <a:r>
+              <a:rPr lang="en-US" altLang="ko-KR" sz="900"/>
+              <a:t>/ </a:t>
+            </a:r>
+            <a:r>
+              <a:rPr lang="ko-KR" altLang="en-US" sz="900"/>
+              <a:t>출처 </a:t>
+            </a:r>
+            <a:r>
+              <a:rPr lang="en-US" altLang="ko-KR" sz="900"/>
+              <a:t>: </a:t>
+            </a:r>
+            <a:r>
+              <a:rPr lang="ko-KR" altLang="en-US" sz="900"/>
+              <a:t>한국일보</a:t>
+            </a:r>
+            <a:r>
+              <a:rPr lang="en-US" altLang="ko-KR" sz="900"/>
+              <a:t>(</a:t>
+            </a:r>
+            <a:r>
+              <a:rPr lang="en-US" altLang="ko-KR" sz="900" b="1">
                 <a:solidFill>
                   <a:srgbClr val="44546A">
                     <a:lumMod val="75000"/>
                   </a:srgbClr>
                 </a:solidFill>
               </a:rPr>
-              <a:t>도 카메라를 통해 촬영한 실제 방의 모습</a:t>
-            </a:r>
-            <a:endParaRPr lang="ko-KR" altLang="en-US" sz="1000" dirty="0">
+              <a:t>https://www.hankookilbo.com/News/Read/202004061549732280)</a:t>
+            </a:r>
+            <a:endParaRPr lang="ko-KR" altLang="en-US" sz="900" dirty="0">
               <a:solidFill>
                 <a:prstClr val="black">
                   <a:lumMod val="65000"/>
@@ -11354,8 +10908,8 @@
         </p:nvSpPr>
         <p:spPr>
           <a:xfrm>
-            <a:off x="6273997" y="6142038"/>
-            <a:ext cx="4469818" cy="373885"/>
+            <a:off x="6756717" y="2264097"/>
+            <a:ext cx="4469818" cy="2169825"/>
           </a:xfrm>
           <a:prstGeom prst="rect">
             <a:avLst/>
@@ -11373,46 +10927,98 @@
               </a:lnSpc>
             </a:pPr>
             <a:r>
-              <a:rPr lang="en-US" altLang="ko-KR" sz="1400">
-                <a:solidFill>
-                  <a:srgbClr val="44546A">
-                    <a:lumMod val="75000"/>
-                  </a:srgbClr>
-                </a:solidFill>
-              </a:rPr>
-              <a:t>* 360</a:t>
-            </a:r>
-            <a:r>
-              <a:rPr lang="ko-KR" altLang="en-US" sz="1400">
-                <a:solidFill>
-                  <a:srgbClr val="44546A">
-                    <a:lumMod val="75000"/>
-                  </a:srgbClr>
-                </a:solidFill>
-              </a:rPr>
-              <a:t>도 카메라를 통해 촬영한 실제 화장실의 모습</a:t>
-            </a:r>
-            <a:endParaRPr lang="ko-KR" altLang="en-US" sz="1000" dirty="0">
-              <a:solidFill>
-                <a:prstClr val="black">
-                  <a:lumMod val="65000"/>
-                  <a:lumOff val="35000"/>
-                </a:prstClr>
-              </a:solidFill>
-            </a:endParaRPr>
+              <a:rPr lang="ko-KR" altLang="en-US" sz="1000">
+                <a:solidFill>
+                  <a:prstClr val="black">
+                    <a:lumMod val="65000"/>
+                    <a:lumOff val="35000"/>
+                  </a:prstClr>
+                </a:solidFill>
+              </a:rPr>
+              <a:t> </a:t>
+            </a:r>
+            <a:r>
+              <a:rPr lang="ko-KR" altLang="en-US" sz="1500" b="1">
+                <a:solidFill>
+                  <a:prstClr val="black">
+                    <a:lumMod val="65000"/>
+                    <a:lumOff val="35000"/>
+                  </a:prstClr>
+                </a:solidFill>
+              </a:rPr>
+              <a:t>실제 자취방을 구하는 단계에 있거나 구할 계획이 있는 주변 잠재적 소비자에게 직접 시뮬레이터 체험의 기회를 제공하는 등의 방식을 통해 피드백을 얻어 장점을 극대화하고 단점을 개선하는 방식을 통해 더욱 완성도 높은 시뮬레이터로 마무리 지을 것입니다</a:t>
+            </a:r>
+            <a:r>
+              <a:rPr lang="en-US" altLang="ko-KR" sz="1500" b="1">
+                <a:solidFill>
+                  <a:prstClr val="black">
+                    <a:lumMod val="65000"/>
+                    <a:lumOff val="35000"/>
+                  </a:prstClr>
+                </a:solidFill>
+              </a:rPr>
+              <a:t>.</a:t>
+            </a:r>
           </a:p>
         </p:txBody>
       </p:sp>
       <p:pic>
         <p:nvPicPr>
-          <p:cNvPr id="4" name="그림 3"/>
+          <p:cNvPr id="1026" name="Picture 2" descr="코로나에 막힌 집구경 'VR 발품팔이'로 대신한다"/>
+          <p:cNvPicPr>
+            <a:picLocks noChangeAspect="1" noChangeArrowheads="1"/>
+          </p:cNvPicPr>
+          <p:nvPr/>
+        </p:nvPicPr>
+        <p:blipFill>
+          <a:blip r:embed="rId2">
+            <a:extLst>
+              <a:ext uri="{28A0092B-C50C-407E-A947-70E740481C1C}">
+                <a14:useLocalDpi xmlns:a14="http://schemas.microsoft.com/office/drawing/2010/main" val="0"/>
+              </a:ext>
+            </a:extLst>
+          </a:blip>
+          <a:srcRect/>
+          <a:stretch>
+            <a:fillRect/>
+          </a:stretch>
+        </p:blipFill>
+        <p:spPr bwMode="auto">
+          <a:xfrm>
+            <a:off x="490297" y="1169283"/>
+            <a:ext cx="5612329" cy="4314826"/>
+          </a:xfrm>
+          <a:prstGeom prst="rect">
+            <a:avLst/>
+          </a:prstGeom>
+          <a:noFill/>
+          <a:extLst>
+            <a:ext uri="{909E8E84-426E-40DD-AFC4-6F175D3DCCD1}">
+              <a14:hiddenFill xmlns:a14="http://schemas.microsoft.com/office/drawing/2010/main">
+                <a:solidFill>
+                  <a:srgbClr val="FFFFFF"/>
+                </a:solidFill>
+              </a14:hiddenFill>
+            </a:ext>
+          </a:extLst>
+        </p:spPr>
+      </p:pic>
+      <p:pic>
+        <p:nvPicPr>
+          <p:cNvPr id="16" name="그림 15">
+            <a:extLst>
+              <a:ext uri="{FF2B5EF4-FFF2-40B4-BE49-F238E27FC236}">
+                <a16:creationId xmlns:a16="http://schemas.microsoft.com/office/drawing/2014/main" id="{853F44A1-2C7C-3124-823D-86D26BE28D78}"/>
+              </a:ext>
+            </a:extLst>
+          </p:cNvPr>
           <p:cNvPicPr>
             <a:picLocks noChangeAspect="1"/>
           </p:cNvPicPr>
           <p:nvPr/>
         </p:nvPicPr>
         <p:blipFill>
-          <a:blip r:embed="rId2">
+          <a:blip r:embed="rId3" cstate="print">
             <a:extLst>
               <a:ext uri="{28A0092B-C50C-407E-A947-70E740481C1C}">
                 <a14:useLocalDpi xmlns:a14="http://schemas.microsoft.com/office/drawing/2010/main" val="0"/>
@@ -11425,72 +11031,6 @@
         </p:blipFill>
         <p:spPr>
           <a:xfrm>
-            <a:off x="490297" y="1543026"/>
-            <a:ext cx="5429736" cy="4611800"/>
-          </a:xfrm>
-          <a:prstGeom prst="rect">
-            <a:avLst/>
-          </a:prstGeom>
-        </p:spPr>
-      </p:pic>
-      <p:pic>
-        <p:nvPicPr>
-          <p:cNvPr id="8" name="그림 7"/>
-          <p:cNvPicPr>
-            <a:picLocks noChangeAspect="1"/>
-          </p:cNvPicPr>
-          <p:nvPr/>
-        </p:nvPicPr>
-        <p:blipFill>
-          <a:blip r:embed="rId3">
-            <a:extLst>
-              <a:ext uri="{28A0092B-C50C-407E-A947-70E740481C1C}">
-                <a14:useLocalDpi xmlns:a14="http://schemas.microsoft.com/office/drawing/2010/main" val="0"/>
-              </a:ext>
-            </a:extLst>
-          </a:blip>
-          <a:stretch>
-            <a:fillRect/>
-          </a:stretch>
-        </p:blipFill>
-        <p:spPr>
-          <a:xfrm>
-            <a:off x="6273997" y="1543026"/>
-            <a:ext cx="5461348" cy="4611800"/>
-          </a:xfrm>
-          <a:prstGeom prst="rect">
-            <a:avLst/>
-          </a:prstGeom>
-        </p:spPr>
-      </p:pic>
-      <p:pic>
-        <p:nvPicPr>
-          <p:cNvPr id="11" name="그림 10">
-            <a:extLst>
-              <a:ext uri="{FF2B5EF4-FFF2-40B4-BE49-F238E27FC236}">
-                <a16:creationId xmlns:a16="http://schemas.microsoft.com/office/drawing/2014/main" id="{58CCF67D-4083-25BA-D66B-A9BD38D7A62D}"/>
-              </a:ext>
-            </a:extLst>
-          </p:cNvPr>
-          <p:cNvPicPr>
-            <a:picLocks noChangeAspect="1"/>
-          </p:cNvPicPr>
-          <p:nvPr/>
-        </p:nvPicPr>
-        <p:blipFill>
-          <a:blip r:embed="rId4" cstate="print">
-            <a:extLst>
-              <a:ext uri="{28A0092B-C50C-407E-A947-70E740481C1C}">
-                <a14:useLocalDpi xmlns:a14="http://schemas.microsoft.com/office/drawing/2010/main" val="0"/>
-              </a:ext>
-            </a:extLst>
-          </a:blip>
-          <a:stretch>
-            <a:fillRect/>
-          </a:stretch>
-        </p:blipFill>
-        <p:spPr>
-          <a:xfrm>
             <a:off x="11313108" y="311326"/>
             <a:ext cx="652350" cy="527786"/>
           </a:xfrm>
@@ -11501,7 +11041,7 @@
       </p:pic>
       <p:cxnSp>
         <p:nvCxnSpPr>
-          <p:cNvPr id="14" name="직선 연결선 13">
+          <p:cNvPr id="11" name="직선 연결선 10">
             <a:extLst>
               <a:ext uri="{FF2B5EF4-FFF2-40B4-BE49-F238E27FC236}">
                 <a16:creationId xmlns:a16="http://schemas.microsoft.com/office/drawing/2014/main" id="{5C067028-2E01-47AD-8DE6-64CBF7F2E79F}"/>
@@ -11514,9 +11054,9 @@
           <p:nvPr/>
         </p:nvCxnSpPr>
         <p:spPr>
-          <a:xfrm flipH="1">
-            <a:off x="6062870" y="1775366"/>
-            <a:ext cx="33130" cy="4320000"/>
+          <a:xfrm>
+            <a:off x="6503502" y="1487129"/>
+            <a:ext cx="0" cy="3600000"/>
           </a:xfrm>
           <a:prstGeom prst="line">
             <a:avLst/>
@@ -11546,7 +11086,7 @@
     </p:spTree>
     <p:extLst>
       <p:ext uri="{BB962C8B-B14F-4D97-AF65-F5344CB8AC3E}">
-        <p14:creationId xmlns:p14="http://schemas.microsoft.com/office/powerpoint/2010/main" val="4159711062"/>
+        <p14:creationId xmlns:p14="http://schemas.microsoft.com/office/powerpoint/2010/main" val="3001498773"/>
       </p:ext>
     </p:extLst>
   </p:cSld>
@@ -11589,8 +11129,8 @@
         </p:nvSpPr>
         <p:spPr>
           <a:xfrm>
-            <a:off x="274458" y="348343"/>
-            <a:ext cx="11664000" cy="6509657"/>
+            <a:off x="3590924" y="3043917"/>
+            <a:ext cx="5318583" cy="3814083"/>
           </a:xfrm>
           <a:prstGeom prst="round2SameRect">
             <a:avLst>
@@ -11652,8 +11192,8 @@
         </p:nvSpPr>
         <p:spPr>
           <a:xfrm>
-            <a:off x="328458" y="414000"/>
-            <a:ext cx="11556000" cy="6444000"/>
+            <a:off x="3657600" y="3109574"/>
+            <a:ext cx="5197907" cy="3748426"/>
           </a:xfrm>
           <a:prstGeom prst="round2SameRect">
             <a:avLst>
@@ -11688,55 +11228,25 @@
           <a:bodyPr rtlCol="0" anchor="t"/>
           <a:lstStyle/>
           <a:p>
-            <a:pPr lvl="1" latinLnBrk="0">
-              <a:defRPr/>
+            <a:pPr algn="ctr">
+              <a:lnSpc>
+                <a:spcPct val="200000"/>
+              </a:lnSpc>
             </a:pPr>
             <a:r>
-              <a:rPr lang="en-US" altLang="ko-KR" sz="2800" b="1" i="1" kern="0" dirty="0">
+              <a:rPr lang="ko-KR" altLang="en-US" sz="1700">
                 <a:solidFill>
                   <a:prstClr val="white"/>
                 </a:solidFill>
               </a:rPr>
-              <a:t>2. </a:t>
-            </a:r>
-            <a:r>
-              <a:rPr lang="ko-KR" altLang="en-US" sz="2800" b="1" i="1" kern="0" dirty="0">
-                <a:solidFill>
-                  <a:prstClr val="white"/>
-                </a:solidFill>
-              </a:rPr>
-              <a:t>프로젝트 내용 </a:t>
-            </a:r>
-            <a:r>
-              <a:rPr lang="en-US" altLang="ko-KR" sz="2800" b="1" i="1" kern="0" dirty="0">
-                <a:solidFill>
-                  <a:prstClr val="white"/>
-                </a:solidFill>
-              </a:rPr>
-              <a:t>- </a:t>
-            </a:r>
-            <a:r>
-              <a:rPr lang="ko-KR" altLang="en-US" sz="2800" b="1" i="1" kern="0" dirty="0">
-                <a:solidFill>
-                  <a:prstClr val="white"/>
-                </a:solidFill>
-              </a:rPr>
-              <a:t>실제 방 사진</a:t>
-            </a:r>
-            <a:endParaRPr lang="en-US" altLang="ko-KR" sz="1400" i="1" kern="0" dirty="0">
+              <a:t>소프트웨어캡스톤디자인</a:t>
+            </a:r>
+            <a:endParaRPr lang="ko-KR" altLang="en-US" sz="1700" dirty="0">
               <a:solidFill>
                 <a:prstClr val="white"/>
               </a:solidFill>
             </a:endParaRPr>
           </a:p>
-          <a:p>
-            <a:pPr algn="ctr"/>
-            <a:endParaRPr lang="ko-KR" altLang="en-US" sz="1000" dirty="0">
-              <a:solidFill>
-                <a:prstClr val="white"/>
-              </a:solidFill>
-            </a:endParaRPr>
-          </a:p>
         </p:txBody>
       </p:sp>
       <p:sp>
@@ -11747,8 +11257,8 @@
         </p:nvSpPr>
         <p:spPr>
           <a:xfrm>
-            <a:off x="328458" y="1068343"/>
-            <a:ext cx="11556000" cy="5789657"/>
+            <a:off x="3657600" y="3763918"/>
+            <a:ext cx="5197907" cy="3094082"/>
           </a:xfrm>
           <a:prstGeom prst="rect">
             <a:avLst/>
@@ -11780,12 +11290,54 @@
           <a:bodyPr rtlCol="0" anchor="ctr"/>
           <a:lstStyle/>
           <a:p>
-            <a:pPr algn="ctr"/>
-            <a:endParaRPr lang="ko-KR" altLang="en-US">
-              <a:solidFill>
-                <a:prstClr val="white"/>
-              </a:solidFill>
-            </a:endParaRPr>
+            <a:pPr algn="ctr" latinLnBrk="0">
+              <a:lnSpc>
+                <a:spcPct val="150000"/>
+              </a:lnSpc>
+              <a:defRPr/>
+            </a:pPr>
+            <a:r>
+              <a:rPr lang="ko-KR" altLang="en-US" sz="4400" b="1" i="1" kern="0">
+                <a:solidFill>
+                  <a:prstClr val="black">
+                    <a:lumMod val="75000"/>
+                    <a:lumOff val="25000"/>
+                  </a:prstClr>
+                </a:solidFill>
+              </a:rPr>
+              <a:t>감사합니다</a:t>
+            </a:r>
+            <a:r>
+              <a:rPr lang="en-US" altLang="ko-KR" sz="4400" b="1" i="1" kern="0">
+                <a:solidFill>
+                  <a:prstClr val="black">
+                    <a:lumMod val="75000"/>
+                    <a:lumOff val="25000"/>
+                  </a:prstClr>
+                </a:solidFill>
+              </a:rPr>
+              <a:t>.</a:t>
+            </a:r>
+          </a:p>
+          <a:p>
+            <a:pPr algn="ctr" latinLnBrk="0">
+              <a:lnSpc>
+                <a:spcPct val="150000"/>
+              </a:lnSpc>
+              <a:defRPr/>
+            </a:pPr>
+            <a:r>
+              <a:rPr lang="en-US" altLang="ko-KR" sz="4400" b="1" i="1" kern="0">
+                <a:solidFill>
+                  <a:prstClr val="black">
+                    <a:lumMod val="75000"/>
+                    <a:lumOff val="25000"/>
+                  </a:prstClr>
+                </a:solidFill>
+              </a:rPr>
+              <a:t>Q&amp;A</a:t>
+            </a:r>
+            <a:endParaRPr lang="en-US" altLang="ko-KR" sz="4400"/>
           </a:p>
         </p:txBody>
       </p:sp>
@@ -11803,8 +11355,8 @@
         </p:nvSpPr>
         <p:spPr>
           <a:xfrm>
-            <a:off x="11281274" y="215219"/>
-            <a:ext cx="720000" cy="720000"/>
+            <a:off x="8402799" y="2863362"/>
+            <a:ext cx="573384" cy="573384"/>
           </a:xfrm>
           <a:prstGeom prst="ellipse">
             <a:avLst/>
@@ -11865,135 +11417,15 @@
           </a:p>
         </p:txBody>
       </p:sp>
-      <p:sp>
-        <p:nvSpPr>
-          <p:cNvPr id="40" name="직사각형 39">
-            <a:extLst>
-              <a:ext uri="{FF2B5EF4-FFF2-40B4-BE49-F238E27FC236}">
-                <a16:creationId xmlns:a16="http://schemas.microsoft.com/office/drawing/2014/main" id="{3FA00699-5178-465A-9F3F-130CF1431F70}"/>
-              </a:ext>
-            </a:extLst>
-          </p:cNvPr>
-          <p:cNvSpPr/>
-          <p:nvPr/>
-        </p:nvSpPr>
-        <p:spPr>
-          <a:xfrm>
-            <a:off x="490297" y="6154826"/>
-            <a:ext cx="3950459" cy="373885"/>
-          </a:xfrm>
-          <a:prstGeom prst="rect">
-            <a:avLst/>
-          </a:prstGeom>
-        </p:spPr>
-        <p:txBody>
-          <a:bodyPr wrap="square">
-            <a:spAutoFit/>
-          </a:bodyPr>
-          <a:lstStyle/>
-          <a:p>
-            <a:pPr>
-              <a:lnSpc>
-                <a:spcPct val="150000"/>
-              </a:lnSpc>
-            </a:pPr>
-            <a:r>
-              <a:rPr lang="en-US" altLang="ko-KR" sz="1400">
-                <a:solidFill>
-                  <a:srgbClr val="44546A">
-                    <a:lumMod val="75000"/>
-                  </a:srgbClr>
-                </a:solidFill>
-              </a:rPr>
-              <a:t>* 360</a:t>
-            </a:r>
-            <a:r>
-              <a:rPr lang="ko-KR" altLang="en-US" sz="1400">
-                <a:solidFill>
-                  <a:srgbClr val="44546A">
-                    <a:lumMod val="75000"/>
-                  </a:srgbClr>
-                </a:solidFill>
-              </a:rPr>
-              <a:t>도 카메라를 통해 촬영한 실제 방의 모습</a:t>
-            </a:r>
-            <a:endParaRPr lang="ko-KR" altLang="en-US" sz="1000" dirty="0">
-              <a:solidFill>
-                <a:prstClr val="black">
-                  <a:lumMod val="65000"/>
-                  <a:lumOff val="35000"/>
-                </a:prstClr>
-              </a:solidFill>
-            </a:endParaRPr>
-          </a:p>
-        </p:txBody>
-      </p:sp>
-      <p:sp>
-        <p:nvSpPr>
-          <p:cNvPr id="47" name="직사각형 46">
-            <a:extLst>
-              <a:ext uri="{FF2B5EF4-FFF2-40B4-BE49-F238E27FC236}">
-                <a16:creationId xmlns:a16="http://schemas.microsoft.com/office/drawing/2014/main" id="{3FA00699-5178-465A-9F3F-130CF1431F70}"/>
-              </a:ext>
-            </a:extLst>
-          </p:cNvPr>
-          <p:cNvSpPr/>
-          <p:nvPr/>
-        </p:nvSpPr>
-        <p:spPr>
-          <a:xfrm>
-            <a:off x="6184545" y="6125008"/>
-            <a:ext cx="4469818" cy="373885"/>
-          </a:xfrm>
-          <a:prstGeom prst="rect">
-            <a:avLst/>
-          </a:prstGeom>
-        </p:spPr>
-        <p:txBody>
-          <a:bodyPr wrap="square">
-            <a:spAutoFit/>
-          </a:bodyPr>
-          <a:lstStyle/>
-          <a:p>
-            <a:pPr>
-              <a:lnSpc>
-                <a:spcPct val="150000"/>
-              </a:lnSpc>
-            </a:pPr>
-            <a:r>
-              <a:rPr lang="en-US" altLang="ko-KR" sz="1400">
-                <a:solidFill>
-                  <a:srgbClr val="44546A">
-                    <a:lumMod val="75000"/>
-                  </a:srgbClr>
-                </a:solidFill>
-              </a:rPr>
-              <a:t>* 360</a:t>
-            </a:r>
-            <a:r>
-              <a:rPr lang="ko-KR" altLang="en-US" sz="1400">
-                <a:solidFill>
-                  <a:srgbClr val="44546A">
-                    <a:lumMod val="75000"/>
-                  </a:srgbClr>
-                </a:solidFill>
-              </a:rPr>
-              <a:t>도 카메라를 통해 촬영한 실제 화장실의 모습</a:t>
-            </a:r>
-            <a:endParaRPr lang="ko-KR" altLang="en-US" sz="1000" dirty="0">
-              <a:solidFill>
-                <a:prstClr val="black">
-                  <a:lumMod val="65000"/>
-                  <a:lumOff val="35000"/>
-                </a:prstClr>
-              </a:solidFill>
-            </a:endParaRPr>
-          </a:p>
-        </p:txBody>
-      </p:sp>
       <p:pic>
         <p:nvPicPr>
-          <p:cNvPr id="2" name="그림 1"/>
+          <p:cNvPr id="11" name="그림 10">
+            <a:extLst>
+              <a:ext uri="{FF2B5EF4-FFF2-40B4-BE49-F238E27FC236}">
+                <a16:creationId xmlns:a16="http://schemas.microsoft.com/office/drawing/2014/main" id="{31A65D8A-4658-B64B-EDC2-DD445BE14A84}"/>
+              </a:ext>
+            </a:extLst>
+          </p:cNvPr>
           <p:cNvPicPr>
             <a:picLocks noChangeAspect="1"/>
           </p:cNvPicPr>
@@ -12013,128 +11445,18 @@
         </p:blipFill>
         <p:spPr>
           <a:xfrm>
-            <a:off x="6273997" y="1640264"/>
-            <a:ext cx="5345288" cy="4484744"/>
+            <a:off x="8402799" y="2918104"/>
+            <a:ext cx="573384" cy="463899"/>
           </a:xfrm>
           <a:prstGeom prst="rect">
             <a:avLst/>
           </a:prstGeom>
         </p:spPr>
       </p:pic>
-      <p:pic>
-        <p:nvPicPr>
-          <p:cNvPr id="3" name="그림 2"/>
-          <p:cNvPicPr>
-            <a:picLocks noChangeAspect="1"/>
-          </p:cNvPicPr>
-          <p:nvPr/>
-        </p:nvPicPr>
-        <p:blipFill>
-          <a:blip r:embed="rId3" cstate="print">
-            <a:extLst>
-              <a:ext uri="{28A0092B-C50C-407E-A947-70E740481C1C}">
-                <a14:useLocalDpi xmlns:a14="http://schemas.microsoft.com/office/drawing/2010/main" val="0"/>
-              </a:ext>
-            </a:extLst>
-          </a:blip>
-          <a:stretch>
-            <a:fillRect/>
-          </a:stretch>
-        </p:blipFill>
-        <p:spPr>
-          <a:xfrm>
-            <a:off x="556285" y="1640264"/>
-            <a:ext cx="5328588" cy="4514562"/>
-          </a:xfrm>
-          <a:prstGeom prst="rect">
-            <a:avLst/>
-          </a:prstGeom>
-        </p:spPr>
-      </p:pic>
-      <p:pic>
-        <p:nvPicPr>
-          <p:cNvPr id="11" name="그림 10">
-            <a:extLst>
-              <a:ext uri="{FF2B5EF4-FFF2-40B4-BE49-F238E27FC236}">
-                <a16:creationId xmlns:a16="http://schemas.microsoft.com/office/drawing/2014/main" id="{B147831E-27F5-9782-FD49-222CD5204438}"/>
-              </a:ext>
-            </a:extLst>
-          </p:cNvPr>
-          <p:cNvPicPr>
-            <a:picLocks noChangeAspect="1"/>
-          </p:cNvPicPr>
-          <p:nvPr/>
-        </p:nvPicPr>
-        <p:blipFill>
-          <a:blip r:embed="rId4" cstate="print">
-            <a:extLst>
-              <a:ext uri="{28A0092B-C50C-407E-A947-70E740481C1C}">
-                <a14:useLocalDpi xmlns:a14="http://schemas.microsoft.com/office/drawing/2010/main" val="0"/>
-              </a:ext>
-            </a:extLst>
-          </a:blip>
-          <a:stretch>
-            <a:fillRect/>
-          </a:stretch>
-        </p:blipFill>
-        <p:spPr>
-          <a:xfrm>
-            <a:off x="11313108" y="311326"/>
-            <a:ext cx="652350" cy="527786"/>
-          </a:xfrm>
-          <a:prstGeom prst="rect">
-            <a:avLst/>
-          </a:prstGeom>
-        </p:spPr>
-      </p:pic>
-      <p:cxnSp>
-        <p:nvCxnSpPr>
-          <p:cNvPr id="12" name="직선 연결선 11">
-            <a:extLst>
-              <a:ext uri="{FF2B5EF4-FFF2-40B4-BE49-F238E27FC236}">
-                <a16:creationId xmlns:a16="http://schemas.microsoft.com/office/drawing/2014/main" id="{5C067028-2E01-47AD-8DE6-64CBF7F2E79F}"/>
-              </a:ext>
-            </a:extLst>
-          </p:cNvPr>
-          <p:cNvCxnSpPr>
-            <a:cxnSpLocks/>
-          </p:cNvCxnSpPr>
-          <p:nvPr/>
-        </p:nvCxnSpPr>
-        <p:spPr>
-          <a:xfrm flipH="1">
-            <a:off x="6062870" y="1775366"/>
-            <a:ext cx="33130" cy="4320000"/>
-          </a:xfrm>
-          <a:prstGeom prst="line">
-            <a:avLst/>
-          </a:prstGeom>
-          <a:ln w="19050">
-            <a:solidFill>
-              <a:srgbClr val="CACACA"/>
-            </a:solidFill>
-            <a:prstDash val="lgDash"/>
-          </a:ln>
-        </p:spPr>
-        <p:style>
-          <a:lnRef idx="1">
-            <a:schemeClr val="accent1"/>
-          </a:lnRef>
-          <a:fillRef idx="0">
-            <a:schemeClr val="accent1"/>
-          </a:fillRef>
-          <a:effectRef idx="0">
-            <a:schemeClr val="accent1"/>
-          </a:effectRef>
-          <a:fontRef idx="minor">
-            <a:schemeClr val="tx1"/>
-          </a:fontRef>
-        </p:style>
-      </p:cxnSp>
     </p:spTree>
     <p:extLst>
       <p:ext uri="{BB962C8B-B14F-4D97-AF65-F5344CB8AC3E}">
-        <p14:creationId xmlns:p14="http://schemas.microsoft.com/office/powerpoint/2010/main" val="2139761436"/>
+        <p14:creationId xmlns:p14="http://schemas.microsoft.com/office/powerpoint/2010/main" val="2500178695"/>
       </p:ext>
     </p:extLst>
   </p:cSld>
@@ -12437,4 +11759,299 @@
     </a:ext>
   </a:extLst>
 </a:theme>
+</file>
+
+<file path=ppt/theme/theme2.xml><?xml version="1.0" encoding="utf-8"?>
+<a:theme xmlns:a="http://schemas.openxmlformats.org/drawingml/2006/main" name="Office 테마">
+  <a:themeElements>
+    <a:clrScheme name="Office">
+      <a:dk1>
+        <a:sysClr val="windowText" lastClr="000000"/>
+      </a:dk1>
+      <a:lt1>
+        <a:sysClr val="window" lastClr="FFFFFF"/>
+      </a:lt1>
+      <a:dk2>
+        <a:srgbClr val="44546A"/>
+      </a:dk2>
+      <a:lt2>
+        <a:srgbClr val="E7E6E6"/>
+      </a:lt2>
+      <a:accent1>
+        <a:srgbClr val="4472C4"/>
+      </a:accent1>
+      <a:accent2>
+        <a:srgbClr val="ED7D31"/>
+      </a:accent2>
+      <a:accent3>
+        <a:srgbClr val="A5A5A5"/>
+      </a:accent3>
+      <a:accent4>
+        <a:srgbClr val="FFC000"/>
+      </a:accent4>
+      <a:accent5>
+        <a:srgbClr val="5B9BD5"/>
+      </a:accent5>
+      <a:accent6>
+        <a:srgbClr val="70AD47"/>
+      </a:accent6>
+      <a:hlink>
+        <a:srgbClr val="0563C1"/>
+      </a:hlink>
+      <a:folHlink>
+        <a:srgbClr val="954F72"/>
+      </a:folHlink>
+    </a:clrScheme>
+    <a:fontScheme name="Office">
+      <a:majorFont>
+        <a:latin typeface="맑은 고딕" panose="020F0302020204030204"/>
+        <a:ea typeface=""/>
+        <a:cs typeface=""/>
+        <a:font script="Jpan" typeface="游ゴシック Light"/>
+        <a:font script="Hang" typeface="맑은 고딕"/>
+        <a:font script="Hans" typeface="等线 Light"/>
+        <a:font script="Hant" typeface="新細明體"/>
+        <a:font script="Arab" typeface="Times New Roman"/>
+        <a:font script="Hebr" typeface="Times New Roman"/>
+        <a:font script="Thai" typeface="Angsana New"/>
+        <a:font script="Ethi" typeface="Nyala"/>
+        <a:font script="Beng" typeface="Vrinda"/>
+        <a:font script="Gujr" typeface="Shruti"/>
+        <a:font script="Khmr" typeface="MoolBoran"/>
+        <a:font script="Knda" typeface="Tunga"/>
+        <a:font script="Guru" typeface="Raavi"/>
+        <a:font script="Cans" typeface="Euphemia"/>
+        <a:font script="Cher" typeface="Plantagenet Cherokee"/>
+        <a:font script="Yiii" typeface="Microsoft Yi Baiti"/>
+        <a:font script="Tibt" typeface="Microsoft Himalaya"/>
+        <a:font script="Thaa" typeface="MV Boli"/>
+        <a:font script="Deva" typeface="Mangal"/>
+        <a:font script="Telu" typeface="Gautami"/>
+        <a:font script="Taml" typeface="Latha"/>
+        <a:font script="Syrc" typeface="Estrangelo Edessa"/>
+        <a:font script="Orya" typeface="Kalinga"/>
+        <a:font script="Mlym" typeface="Kartika"/>
+        <a:font script="Laoo" typeface="DokChampa"/>
+        <a:font script="Sinh" typeface="Iskoola Pota"/>
+        <a:font script="Mong" typeface="Mongolian Baiti"/>
+        <a:font script="Viet" typeface="Times New Roman"/>
+        <a:font script="Uigh" typeface="Microsoft Uighur"/>
+        <a:font script="Geor" typeface="Sylfaen"/>
+        <a:font script="Armn" typeface="Arial"/>
+        <a:font script="Bugi" typeface="Leelawadee UI"/>
+        <a:font script="Bopo" typeface="Microsoft JhengHei"/>
+        <a:font script="Java" typeface="Javanese Text"/>
+        <a:font script="Lisu" typeface="Segoe UI"/>
+        <a:font script="Mymr" typeface="Myanmar Text"/>
+        <a:font script="Nkoo" typeface="Ebrima"/>
+        <a:font script="Olck" typeface="Nirmala UI"/>
+        <a:font script="Osma" typeface="Ebrima"/>
+        <a:font script="Phag" typeface="Phagspa"/>
+        <a:font script="Syrn" typeface="Estrangelo Edessa"/>
+        <a:font script="Syrj" typeface="Estrangelo Edessa"/>
+        <a:font script="Syre" typeface="Estrangelo Edessa"/>
+        <a:font script="Sora" typeface="Nirmala UI"/>
+        <a:font script="Tale" typeface="Microsoft Tai Le"/>
+        <a:font script="Talu" typeface="Microsoft New Tai Lue"/>
+        <a:font script="Tfng" typeface="Ebrima"/>
+      </a:majorFont>
+      <a:minorFont>
+        <a:latin typeface="맑은 고딕" panose="020F0502020204030204"/>
+        <a:ea typeface=""/>
+        <a:cs typeface=""/>
+        <a:font script="Jpan" typeface="游ゴシック"/>
+        <a:font script="Hang" typeface="맑은 고딕"/>
+        <a:font script="Hans" typeface="等线"/>
+        <a:font script="Hant" typeface="新細明體"/>
+        <a:font script="Arab" typeface="Arial"/>
+        <a:font script="Hebr" typeface="Arial"/>
+        <a:font script="Thai" typeface="Cordia New"/>
+        <a:font script="Ethi" typeface="Nyala"/>
+        <a:font script="Beng" typeface="Vrinda"/>
+        <a:font script="Gujr" typeface="Shruti"/>
+        <a:font script="Khmr" typeface="DaunPenh"/>
+        <a:font script="Knda" typeface="Tunga"/>
+        <a:font script="Guru" typeface="Raavi"/>
+        <a:font script="Cans" typeface="Euphemia"/>
+        <a:font script="Cher" typeface="Plantagenet Cherokee"/>
+        <a:font script="Yiii" typeface="Microsoft Yi Baiti"/>
+        <a:font script="Tibt" typeface="Microsoft Himalaya"/>
+        <a:font script="Thaa" typeface="MV Boli"/>
+        <a:font script="Deva" typeface="Mangal"/>
+        <a:font script="Telu" typeface="Gautami"/>
+        <a:font script="Taml" typeface="Latha"/>
+        <a:font script="Syrc" typeface="Estrangelo Edessa"/>
+        <a:font script="Orya" typeface="Kalinga"/>
+        <a:font script="Mlym" typeface="Kartika"/>
+        <a:font script="Laoo" typeface="DokChampa"/>
+        <a:font script="Sinh" typeface="Iskoola Pota"/>
+        <a:font script="Mong" typeface="Mongolian Baiti"/>
+        <a:font script="Viet" typeface="Arial"/>
+        <a:font script="Uigh" typeface="Microsoft Uighur"/>
+        <a:font script="Geor" typeface="Sylfaen"/>
+        <a:font script="Armn" typeface="Arial"/>
+        <a:font script="Bugi" typeface="Leelawadee UI"/>
+        <a:font script="Bopo" typeface="Microsoft JhengHei"/>
+        <a:font script="Java" typeface="Javanese Text"/>
+        <a:font script="Lisu" typeface="Segoe UI"/>
+        <a:font script="Mymr" typeface="Myanmar Text"/>
+        <a:font script="Nkoo" typeface="Ebrima"/>
+        <a:font script="Olck" typeface="Nirmala UI"/>
+        <a:font script="Osma" typeface="Ebrima"/>
+        <a:font script="Phag" typeface="Phagspa"/>
+        <a:font script="Syrn" typeface="Estrangelo Edessa"/>
+        <a:font script="Syrj" typeface="Estrangelo Edessa"/>
+        <a:font script="Syre" typeface="Estrangelo Edessa"/>
+        <a:font script="Sora" typeface="Nirmala UI"/>
+        <a:font script="Tale" typeface="Microsoft Tai Le"/>
+        <a:font script="Talu" typeface="Microsoft New Tai Lue"/>
+        <a:font script="Tfng" typeface="Ebrima"/>
+      </a:minorFont>
+    </a:fontScheme>
+    <a:fmtScheme name="Office">
+      <a:fillStyleLst>
+        <a:solidFill>
+          <a:schemeClr val="phClr"/>
+        </a:solidFill>
+        <a:gradFill rotWithShape="1">
+          <a:gsLst>
+            <a:gs pos="0">
+              <a:schemeClr val="phClr">
+                <a:lumMod val="110000"/>
+                <a:satMod val="105000"/>
+                <a:tint val="67000"/>
+              </a:schemeClr>
+            </a:gs>
+            <a:gs pos="50000">
+              <a:schemeClr val="phClr">
+                <a:lumMod val="105000"/>
+                <a:satMod val="103000"/>
+                <a:tint val="73000"/>
+              </a:schemeClr>
+            </a:gs>
+            <a:gs pos="100000">
+              <a:schemeClr val="phClr">
+                <a:lumMod val="105000"/>
+                <a:satMod val="109000"/>
+                <a:tint val="81000"/>
+              </a:schemeClr>
+            </a:gs>
+          </a:gsLst>
+          <a:lin ang="5400000" scaled="0"/>
+        </a:gradFill>
+        <a:gradFill rotWithShape="1">
+          <a:gsLst>
+            <a:gs pos="0">
+              <a:schemeClr val="phClr">
+                <a:satMod val="103000"/>
+                <a:lumMod val="102000"/>
+                <a:tint val="94000"/>
+              </a:schemeClr>
+            </a:gs>
+            <a:gs pos="50000">
+              <a:schemeClr val="phClr">
+                <a:satMod val="110000"/>
+                <a:lumMod val="100000"/>
+                <a:shade val="100000"/>
+              </a:schemeClr>
+            </a:gs>
+            <a:gs pos="100000">
+              <a:schemeClr val="phClr">
+                <a:lumMod val="99000"/>
+                <a:satMod val="120000"/>
+                <a:shade val="78000"/>
+              </a:schemeClr>
+            </a:gs>
+          </a:gsLst>
+          <a:lin ang="5400000" scaled="0"/>
+        </a:gradFill>
+      </a:fillStyleLst>
+      <a:lnStyleLst>
+        <a:ln w="6350" cap="flat" cmpd="sng" algn="ctr">
+          <a:solidFill>
+            <a:schemeClr val="phClr"/>
+          </a:solidFill>
+          <a:prstDash val="solid"/>
+          <a:miter lim="800000"/>
+        </a:ln>
+        <a:ln w="12700" cap="flat" cmpd="sng" algn="ctr">
+          <a:solidFill>
+            <a:schemeClr val="phClr"/>
+          </a:solidFill>
+          <a:prstDash val="solid"/>
+          <a:miter lim="800000"/>
+        </a:ln>
+        <a:ln w="19050" cap="flat" cmpd="sng" algn="ctr">
+          <a:solidFill>
+            <a:schemeClr val="phClr"/>
+          </a:solidFill>
+          <a:prstDash val="solid"/>
+          <a:miter lim="800000"/>
+        </a:ln>
+      </a:lnStyleLst>
+      <a:effectStyleLst>
+        <a:effectStyle>
+          <a:effectLst/>
+        </a:effectStyle>
+        <a:effectStyle>
+          <a:effectLst/>
+        </a:effectStyle>
+        <a:effectStyle>
+          <a:effectLst>
+            <a:outerShdw blurRad="57150" dist="19050" dir="5400000" algn="ctr" rotWithShape="0">
+              <a:srgbClr val="000000">
+                <a:alpha val="63000"/>
+              </a:srgbClr>
+            </a:outerShdw>
+          </a:effectLst>
+        </a:effectStyle>
+      </a:effectStyleLst>
+      <a:bgFillStyleLst>
+        <a:solidFill>
+          <a:schemeClr val="phClr"/>
+        </a:solidFill>
+        <a:solidFill>
+          <a:schemeClr val="phClr">
+            <a:tint val="95000"/>
+            <a:satMod val="170000"/>
+          </a:schemeClr>
+        </a:solidFill>
+        <a:gradFill rotWithShape="1">
+          <a:gsLst>
+            <a:gs pos="0">
+              <a:schemeClr val="phClr">
+                <a:tint val="93000"/>
+                <a:satMod val="150000"/>
+                <a:shade val="98000"/>
+                <a:lumMod val="102000"/>
+              </a:schemeClr>
+            </a:gs>
+            <a:gs pos="50000">
+              <a:schemeClr val="phClr">
+                <a:tint val="98000"/>
+                <a:satMod val="130000"/>
+                <a:shade val="90000"/>
+                <a:lumMod val="103000"/>
+              </a:schemeClr>
+            </a:gs>
+            <a:gs pos="100000">
+              <a:schemeClr val="phClr">
+                <a:shade val="63000"/>
+                <a:satMod val="120000"/>
+              </a:schemeClr>
+            </a:gs>
+          </a:gsLst>
+          <a:lin ang="5400000" scaled="0"/>
+        </a:gradFill>
+      </a:bgFillStyleLst>
+    </a:fmtScheme>
+  </a:themeElements>
+  <a:objectDefaults/>
+  <a:extraClrSchemeLst/>
+  <a:extLst>
+    <a:ext uri="{05A4C25C-085E-4340-85A3-A5531E510DB2}">
+      <thm15:themeFamily xmlns:thm15="http://schemas.microsoft.com/office/thememl/2012/main" name="Office Theme" id="{62F939B6-93AF-4DB8-9C6B-D6C7DFDC589F}" vid="{4A3C46E8-61CC-4603-A589-7422A47A8E4A}"/>
+    </a:ext>
+  </a:extLst>
+</a:theme>
 </file>
--- a/Final Assignments/파라노이드 팀 발표용 PPT.pptx
+++ b/Final Assignments/파라노이드 팀 발표용 PPT.pptx
@@ -5,7 +5,7 @@
     <p:sldMasterId id="2147483660" r:id="rId1"/>
   </p:sldMasterIdLst>
   <p:notesMasterIdLst>
-    <p:notesMasterId r:id="rId11"/>
+    <p:notesMasterId r:id="rId16"/>
   </p:notesMasterIdLst>
   <p:sldIdLst>
     <p:sldId id="257" r:id="rId2"/>
@@ -15,8 +15,13 @@
     <p:sldId id="269" r:id="rId6"/>
     <p:sldId id="268" r:id="rId7"/>
     <p:sldId id="265" r:id="rId8"/>
-    <p:sldId id="267" r:id="rId9"/>
-    <p:sldId id="270" r:id="rId10"/>
+    <p:sldId id="274" r:id="rId9"/>
+    <p:sldId id="275" r:id="rId10"/>
+    <p:sldId id="276" r:id="rId11"/>
+    <p:sldId id="273" r:id="rId12"/>
+    <p:sldId id="267" r:id="rId13"/>
+    <p:sldId id="278" r:id="rId14"/>
+    <p:sldId id="277" r:id="rId15"/>
   </p:sldIdLst>
   <p:sldSz cx="12192000" cy="6858000"/>
   <p:notesSz cx="6858000" cy="9144000"/>
@@ -547,6 +552,342 @@
     <p:extLst>
       <p:ext uri="{BB962C8B-B14F-4D97-AF65-F5344CB8AC3E}">
         <p14:creationId xmlns:p14="http://schemas.microsoft.com/office/powerpoint/2010/main" val="3622705144"/>
+      </p:ext>
+    </p:extLst>
+  </p:cSld>
+  <p:clrMapOvr>
+    <a:masterClrMapping/>
+  </p:clrMapOvr>
+</p:notes>
+</file>
+
+<file path=ppt/notesSlides/notesSlide2.xml><?xml version="1.0" encoding="utf-8"?>
+<p:notes xmlns:a="http://schemas.openxmlformats.org/drawingml/2006/main" xmlns:r="http://schemas.openxmlformats.org/officeDocument/2006/relationships" xmlns:p="http://schemas.openxmlformats.org/presentationml/2006/main">
+  <p:cSld>
+    <p:spTree>
+      <p:nvGrpSpPr>
+        <p:cNvPr id="1" name=""/>
+        <p:cNvGrpSpPr/>
+        <p:nvPr/>
+      </p:nvGrpSpPr>
+      <p:grpSpPr>
+        <a:xfrm>
+          <a:off x="0" y="0"/>
+          <a:ext cx="0" cy="0"/>
+          <a:chOff x="0" y="0"/>
+          <a:chExt cx="0" cy="0"/>
+        </a:xfrm>
+      </p:grpSpPr>
+      <p:sp>
+        <p:nvSpPr>
+          <p:cNvPr id="2" name="슬라이드 이미지 개체 틀 1"/>
+          <p:cNvSpPr>
+            <a:spLocks noGrp="1" noRot="1" noChangeAspect="1"/>
+          </p:cNvSpPr>
+          <p:nvPr>
+            <p:ph type="sldImg"/>
+          </p:nvPr>
+        </p:nvSpPr>
+        <p:spPr/>
+      </p:sp>
+      <p:sp>
+        <p:nvSpPr>
+          <p:cNvPr id="3" name="슬라이드 노트 개체 틀 2"/>
+          <p:cNvSpPr>
+            <a:spLocks noGrp="1"/>
+          </p:cNvSpPr>
+          <p:nvPr>
+            <p:ph type="body" idx="1"/>
+          </p:nvPr>
+        </p:nvSpPr>
+        <p:spPr/>
+        <p:txBody>
+          <a:bodyPr/>
+          <a:lstStyle/>
+          <a:p>
+            <a:endParaRPr lang="ko-KR" altLang="en-US" dirty="0"/>
+          </a:p>
+        </p:txBody>
+      </p:sp>
+      <p:sp>
+        <p:nvSpPr>
+          <p:cNvPr id="4" name="슬라이드 번호 개체 틀 3"/>
+          <p:cNvSpPr>
+            <a:spLocks noGrp="1"/>
+          </p:cNvSpPr>
+          <p:nvPr>
+            <p:ph type="sldNum" sz="quarter" idx="5"/>
+          </p:nvPr>
+        </p:nvSpPr>
+        <p:spPr/>
+        <p:txBody>
+          <a:bodyPr/>
+          <a:lstStyle/>
+          <a:p>
+            <a:fld id="{667CC820-B2F3-4993-89C3-CC10E4EDE91B}" type="slidenum">
+              <a:rPr lang="ko-KR" altLang="en-US" smtClean="0"/>
+              <a:t>8</a:t>
+            </a:fld>
+            <a:endParaRPr lang="ko-KR" altLang="en-US"/>
+          </a:p>
+        </p:txBody>
+      </p:sp>
+    </p:spTree>
+    <p:extLst>
+      <p:ext uri="{BB962C8B-B14F-4D97-AF65-F5344CB8AC3E}">
+        <p14:creationId xmlns:p14="http://schemas.microsoft.com/office/powerpoint/2010/main" val="223764891"/>
+      </p:ext>
+    </p:extLst>
+  </p:cSld>
+  <p:clrMapOvr>
+    <a:masterClrMapping/>
+  </p:clrMapOvr>
+</p:notes>
+</file>
+
+<file path=ppt/notesSlides/notesSlide3.xml><?xml version="1.0" encoding="utf-8"?>
+<p:notes xmlns:a="http://schemas.openxmlformats.org/drawingml/2006/main" xmlns:r="http://schemas.openxmlformats.org/officeDocument/2006/relationships" xmlns:p="http://schemas.openxmlformats.org/presentationml/2006/main">
+  <p:cSld>
+    <p:spTree>
+      <p:nvGrpSpPr>
+        <p:cNvPr id="1" name=""/>
+        <p:cNvGrpSpPr/>
+        <p:nvPr/>
+      </p:nvGrpSpPr>
+      <p:grpSpPr>
+        <a:xfrm>
+          <a:off x="0" y="0"/>
+          <a:ext cx="0" cy="0"/>
+          <a:chOff x="0" y="0"/>
+          <a:chExt cx="0" cy="0"/>
+        </a:xfrm>
+      </p:grpSpPr>
+      <p:sp>
+        <p:nvSpPr>
+          <p:cNvPr id="2" name="슬라이드 이미지 개체 틀 1"/>
+          <p:cNvSpPr>
+            <a:spLocks noGrp="1" noRot="1" noChangeAspect="1"/>
+          </p:cNvSpPr>
+          <p:nvPr>
+            <p:ph type="sldImg"/>
+          </p:nvPr>
+        </p:nvSpPr>
+        <p:spPr/>
+      </p:sp>
+      <p:sp>
+        <p:nvSpPr>
+          <p:cNvPr id="3" name="슬라이드 노트 개체 틀 2"/>
+          <p:cNvSpPr>
+            <a:spLocks noGrp="1"/>
+          </p:cNvSpPr>
+          <p:nvPr>
+            <p:ph type="body" idx="1"/>
+          </p:nvPr>
+        </p:nvSpPr>
+        <p:spPr/>
+        <p:txBody>
+          <a:bodyPr/>
+          <a:lstStyle/>
+          <a:p>
+            <a:endParaRPr lang="ko-KR" altLang="en-US" dirty="0"/>
+          </a:p>
+        </p:txBody>
+      </p:sp>
+      <p:sp>
+        <p:nvSpPr>
+          <p:cNvPr id="4" name="슬라이드 번호 개체 틀 3"/>
+          <p:cNvSpPr>
+            <a:spLocks noGrp="1"/>
+          </p:cNvSpPr>
+          <p:nvPr>
+            <p:ph type="sldNum" sz="quarter" idx="5"/>
+          </p:nvPr>
+        </p:nvSpPr>
+        <p:spPr/>
+        <p:txBody>
+          <a:bodyPr/>
+          <a:lstStyle/>
+          <a:p>
+            <a:fld id="{667CC820-B2F3-4993-89C3-CC10E4EDE91B}" type="slidenum">
+              <a:rPr lang="ko-KR" altLang="en-US" smtClean="0"/>
+              <a:t>9</a:t>
+            </a:fld>
+            <a:endParaRPr lang="ko-KR" altLang="en-US"/>
+          </a:p>
+        </p:txBody>
+      </p:sp>
+    </p:spTree>
+    <p:extLst>
+      <p:ext uri="{BB962C8B-B14F-4D97-AF65-F5344CB8AC3E}">
+        <p14:creationId xmlns:p14="http://schemas.microsoft.com/office/powerpoint/2010/main" val="1830856806"/>
+      </p:ext>
+    </p:extLst>
+  </p:cSld>
+  <p:clrMapOvr>
+    <a:masterClrMapping/>
+  </p:clrMapOvr>
+</p:notes>
+</file>
+
+<file path=ppt/notesSlides/notesSlide4.xml><?xml version="1.0" encoding="utf-8"?>
+<p:notes xmlns:a="http://schemas.openxmlformats.org/drawingml/2006/main" xmlns:r="http://schemas.openxmlformats.org/officeDocument/2006/relationships" xmlns:p="http://schemas.openxmlformats.org/presentationml/2006/main">
+  <p:cSld>
+    <p:spTree>
+      <p:nvGrpSpPr>
+        <p:cNvPr id="1" name=""/>
+        <p:cNvGrpSpPr/>
+        <p:nvPr/>
+      </p:nvGrpSpPr>
+      <p:grpSpPr>
+        <a:xfrm>
+          <a:off x="0" y="0"/>
+          <a:ext cx="0" cy="0"/>
+          <a:chOff x="0" y="0"/>
+          <a:chExt cx="0" cy="0"/>
+        </a:xfrm>
+      </p:grpSpPr>
+      <p:sp>
+        <p:nvSpPr>
+          <p:cNvPr id="2" name="슬라이드 이미지 개체 틀 1"/>
+          <p:cNvSpPr>
+            <a:spLocks noGrp="1" noRot="1" noChangeAspect="1"/>
+          </p:cNvSpPr>
+          <p:nvPr>
+            <p:ph type="sldImg"/>
+          </p:nvPr>
+        </p:nvSpPr>
+        <p:spPr/>
+      </p:sp>
+      <p:sp>
+        <p:nvSpPr>
+          <p:cNvPr id="3" name="슬라이드 노트 개체 틀 2"/>
+          <p:cNvSpPr>
+            <a:spLocks noGrp="1"/>
+          </p:cNvSpPr>
+          <p:nvPr>
+            <p:ph type="body" idx="1"/>
+          </p:nvPr>
+        </p:nvSpPr>
+        <p:spPr/>
+        <p:txBody>
+          <a:bodyPr/>
+          <a:lstStyle/>
+          <a:p>
+            <a:endParaRPr lang="ko-KR" altLang="en-US" dirty="0"/>
+          </a:p>
+        </p:txBody>
+      </p:sp>
+      <p:sp>
+        <p:nvSpPr>
+          <p:cNvPr id="4" name="슬라이드 번호 개체 틀 3"/>
+          <p:cNvSpPr>
+            <a:spLocks noGrp="1"/>
+          </p:cNvSpPr>
+          <p:nvPr>
+            <p:ph type="sldNum" sz="quarter" idx="5"/>
+          </p:nvPr>
+        </p:nvSpPr>
+        <p:spPr/>
+        <p:txBody>
+          <a:bodyPr/>
+          <a:lstStyle/>
+          <a:p>
+            <a:fld id="{667CC820-B2F3-4993-89C3-CC10E4EDE91B}" type="slidenum">
+              <a:rPr lang="ko-KR" altLang="en-US" smtClean="0"/>
+              <a:t>10</a:t>
+            </a:fld>
+            <a:endParaRPr lang="ko-KR" altLang="en-US"/>
+          </a:p>
+        </p:txBody>
+      </p:sp>
+    </p:spTree>
+    <p:extLst>
+      <p:ext uri="{BB962C8B-B14F-4D97-AF65-F5344CB8AC3E}">
+        <p14:creationId xmlns:p14="http://schemas.microsoft.com/office/powerpoint/2010/main" val="2644661551"/>
+      </p:ext>
+    </p:extLst>
+  </p:cSld>
+  <p:clrMapOvr>
+    <a:masterClrMapping/>
+  </p:clrMapOvr>
+</p:notes>
+</file>
+
+<file path=ppt/notesSlides/notesSlide5.xml><?xml version="1.0" encoding="utf-8"?>
+<p:notes xmlns:a="http://schemas.openxmlformats.org/drawingml/2006/main" xmlns:r="http://schemas.openxmlformats.org/officeDocument/2006/relationships" xmlns:p="http://schemas.openxmlformats.org/presentationml/2006/main">
+  <p:cSld>
+    <p:spTree>
+      <p:nvGrpSpPr>
+        <p:cNvPr id="1" name=""/>
+        <p:cNvGrpSpPr/>
+        <p:nvPr/>
+      </p:nvGrpSpPr>
+      <p:grpSpPr>
+        <a:xfrm>
+          <a:off x="0" y="0"/>
+          <a:ext cx="0" cy="0"/>
+          <a:chOff x="0" y="0"/>
+          <a:chExt cx="0" cy="0"/>
+        </a:xfrm>
+      </p:grpSpPr>
+      <p:sp>
+        <p:nvSpPr>
+          <p:cNvPr id="2" name="슬라이드 이미지 개체 틀 1"/>
+          <p:cNvSpPr>
+            <a:spLocks noGrp="1" noRot="1" noChangeAspect="1"/>
+          </p:cNvSpPr>
+          <p:nvPr>
+            <p:ph type="sldImg"/>
+          </p:nvPr>
+        </p:nvSpPr>
+        <p:spPr/>
+      </p:sp>
+      <p:sp>
+        <p:nvSpPr>
+          <p:cNvPr id="3" name="슬라이드 노트 개체 틀 2"/>
+          <p:cNvSpPr>
+            <a:spLocks noGrp="1"/>
+          </p:cNvSpPr>
+          <p:nvPr>
+            <p:ph type="body" idx="1"/>
+          </p:nvPr>
+        </p:nvSpPr>
+        <p:spPr/>
+        <p:txBody>
+          <a:bodyPr/>
+          <a:lstStyle/>
+          <a:p>
+            <a:endParaRPr lang="ko-KR" altLang="en-US" dirty="0"/>
+          </a:p>
+        </p:txBody>
+      </p:sp>
+      <p:sp>
+        <p:nvSpPr>
+          <p:cNvPr id="4" name="슬라이드 번호 개체 틀 3"/>
+          <p:cNvSpPr>
+            <a:spLocks noGrp="1"/>
+          </p:cNvSpPr>
+          <p:nvPr>
+            <p:ph type="sldNum" sz="quarter" idx="5"/>
+          </p:nvPr>
+        </p:nvSpPr>
+        <p:spPr/>
+        <p:txBody>
+          <a:bodyPr/>
+          <a:lstStyle/>
+          <a:p>
+            <a:fld id="{667CC820-B2F3-4993-89C3-CC10E4EDE91B}" type="slidenum">
+              <a:rPr lang="ko-KR" altLang="en-US" smtClean="0"/>
+              <a:t>11</a:t>
+            </a:fld>
+            <a:endParaRPr lang="ko-KR" altLang="en-US"/>
+          </a:p>
+        </p:txBody>
+      </p:sp>
+    </p:spTree>
+    <p:extLst>
+      <p:ext uri="{BB962C8B-B14F-4D97-AF65-F5344CB8AC3E}">
+        <p14:creationId xmlns:p14="http://schemas.microsoft.com/office/powerpoint/2010/main" val="1090759662"/>
       </p:ext>
     </p:extLst>
   </p:cSld>
@@ -4170,7 +4511,7 @@
         </p:nvSpPr>
         <p:spPr>
           <a:xfrm>
-            <a:off x="2145323" y="2329963"/>
+            <a:off x="2407627" y="2329962"/>
             <a:ext cx="7376745" cy="4528038"/>
           </a:xfrm>
           <a:prstGeom prst="round2SameRect">
@@ -4233,7 +4574,7 @@
         </p:nvSpPr>
         <p:spPr>
           <a:xfrm>
-            <a:off x="2206869" y="2400300"/>
+            <a:off x="2477964" y="2413660"/>
             <a:ext cx="7236070" cy="4457700"/>
           </a:xfrm>
           <a:prstGeom prst="round2SameRect">
@@ -4298,7 +4639,7 @@
         </p:nvSpPr>
         <p:spPr>
           <a:xfrm>
-            <a:off x="2206869" y="3094892"/>
+            <a:off x="2477964" y="3094892"/>
             <a:ext cx="7236070" cy="3763108"/>
           </a:xfrm>
           <a:prstGeom prst="rect">
@@ -4676,7 +5017,7 @@
         </p:nvSpPr>
         <p:spPr>
           <a:xfrm>
-            <a:off x="9010230" y="2174212"/>
+            <a:off x="9260557" y="2168227"/>
             <a:ext cx="573384" cy="573384"/>
           </a:xfrm>
           <a:prstGeom prst="ellipse">
@@ -4766,7 +5107,7 @@
         </p:blipFill>
         <p:spPr>
           <a:xfrm>
-            <a:off x="9010230" y="2228954"/>
+            <a:off x="9260557" y="2222969"/>
             <a:ext cx="573384" cy="463899"/>
           </a:xfrm>
           <a:prstGeom prst="rect">
@@ -4778,6 +5119,2507 @@
     <p:extLst>
       <p:ext uri="{BB962C8B-B14F-4D97-AF65-F5344CB8AC3E}">
         <p14:creationId xmlns:p14="http://schemas.microsoft.com/office/powerpoint/2010/main" val="1906004938"/>
+      </p:ext>
+    </p:extLst>
+  </p:cSld>
+  <p:clrMapOvr>
+    <a:masterClrMapping/>
+  </p:clrMapOvr>
+</p:sld>
+</file>
+
+<file path=ppt/slides/slide10.xml><?xml version="1.0" encoding="utf-8"?>
+<p:sld xmlns:a="http://schemas.openxmlformats.org/drawingml/2006/main" xmlns:r="http://schemas.openxmlformats.org/officeDocument/2006/relationships" xmlns:p="http://schemas.openxmlformats.org/presentationml/2006/main">
+  <p:cSld>
+    <p:bg>
+      <p:bgPr>
+        <a:solidFill>
+          <a:srgbClr val="FFEAD1"/>
+        </a:solidFill>
+        <a:effectLst/>
+      </p:bgPr>
+    </p:bg>
+    <p:spTree>
+      <p:nvGrpSpPr>
+        <p:cNvPr id="1" name=""/>
+        <p:cNvGrpSpPr/>
+        <p:nvPr/>
+      </p:nvGrpSpPr>
+      <p:grpSpPr>
+        <a:xfrm>
+          <a:off x="0" y="0"/>
+          <a:ext cx="0" cy="0"/>
+          <a:chOff x="0" y="0"/>
+          <a:chExt cx="0" cy="0"/>
+        </a:xfrm>
+      </p:grpSpPr>
+      <p:sp>
+        <p:nvSpPr>
+          <p:cNvPr id="5" name="양쪽 모서리가 둥근 사각형 4"/>
+          <p:cNvSpPr/>
+          <p:nvPr/>
+        </p:nvSpPr>
+        <p:spPr>
+          <a:xfrm>
+            <a:off x="274458" y="348343"/>
+            <a:ext cx="11664000" cy="6509657"/>
+          </a:xfrm>
+          <a:prstGeom prst="round2SameRect">
+            <a:avLst>
+              <a:gd name="adj1" fmla="val 5233"/>
+              <a:gd name="adj2" fmla="val 0"/>
+            </a:avLst>
+          </a:prstGeom>
+          <a:solidFill>
+            <a:schemeClr val="tx1">
+              <a:lumMod val="75000"/>
+              <a:lumOff val="25000"/>
+            </a:schemeClr>
+          </a:solidFill>
+          <a:ln>
+            <a:noFill/>
+          </a:ln>
+          <a:effectLst>
+            <a:outerShdw dist="38100" algn="l" rotWithShape="0">
+              <a:prstClr val="black">
+                <a:alpha val="40000"/>
+              </a:prstClr>
+            </a:outerShdw>
+          </a:effectLst>
+        </p:spPr>
+        <p:style>
+          <a:lnRef idx="2">
+            <a:schemeClr val="accent1">
+              <a:shade val="50000"/>
+            </a:schemeClr>
+          </a:lnRef>
+          <a:fillRef idx="1">
+            <a:schemeClr val="accent1"/>
+          </a:fillRef>
+          <a:effectRef idx="0">
+            <a:schemeClr val="accent1"/>
+          </a:effectRef>
+          <a:fontRef idx="minor">
+            <a:schemeClr val="lt1"/>
+          </a:fontRef>
+        </p:style>
+        <p:txBody>
+          <a:bodyPr rtlCol="0" anchor="ctr"/>
+          <a:lstStyle/>
+          <a:p>
+            <a:pPr algn="ctr"/>
+            <a:endParaRPr lang="ko-KR" altLang="en-US">
+              <a:solidFill>
+                <a:prstClr val="white"/>
+              </a:solidFill>
+            </a:endParaRPr>
+          </a:p>
+        </p:txBody>
+      </p:sp>
+      <p:sp>
+        <p:nvSpPr>
+          <p:cNvPr id="6" name="양쪽 모서리가 둥근 사각형 5"/>
+          <p:cNvSpPr/>
+          <p:nvPr/>
+        </p:nvSpPr>
+        <p:spPr>
+          <a:xfrm>
+            <a:off x="328458" y="414000"/>
+            <a:ext cx="11556000" cy="6444000"/>
+          </a:xfrm>
+          <a:prstGeom prst="round2SameRect">
+            <a:avLst>
+              <a:gd name="adj1" fmla="val 4913"/>
+              <a:gd name="adj2" fmla="val 0"/>
+            </a:avLst>
+          </a:prstGeom>
+          <a:solidFill>
+            <a:srgbClr val="01A7CE"/>
+          </a:solidFill>
+          <a:ln>
+            <a:noFill/>
+          </a:ln>
+        </p:spPr>
+        <p:style>
+          <a:lnRef idx="2">
+            <a:schemeClr val="accent1">
+              <a:shade val="50000"/>
+            </a:schemeClr>
+          </a:lnRef>
+          <a:fillRef idx="1">
+            <a:schemeClr val="accent1"/>
+          </a:fillRef>
+          <a:effectRef idx="0">
+            <a:schemeClr val="accent1"/>
+          </a:effectRef>
+          <a:fontRef idx="minor">
+            <a:schemeClr val="lt1"/>
+          </a:fontRef>
+        </p:style>
+        <p:txBody>
+          <a:bodyPr rtlCol="0" anchor="t"/>
+          <a:lstStyle/>
+          <a:p>
+            <a:pPr lvl="1" latinLnBrk="0">
+              <a:defRPr/>
+            </a:pPr>
+            <a:r>
+              <a:rPr lang="en-US" altLang="ko-KR" sz="2800" b="1" i="1" kern="0" dirty="0">
+                <a:solidFill>
+                  <a:prstClr val="white"/>
+                </a:solidFill>
+              </a:rPr>
+              <a:t>2. </a:t>
+            </a:r>
+            <a:r>
+              <a:rPr lang="ko-KR" altLang="en-US" sz="2800" b="1" i="1" kern="0" dirty="0">
+                <a:solidFill>
+                  <a:prstClr val="white"/>
+                </a:solidFill>
+              </a:rPr>
+              <a:t>프로젝트 내용 </a:t>
+            </a:r>
+            <a:r>
+              <a:rPr lang="en-US" altLang="ko-KR" sz="2800" b="1" i="1" kern="0" dirty="0">
+                <a:solidFill>
+                  <a:prstClr val="white"/>
+                </a:solidFill>
+              </a:rPr>
+              <a:t>– </a:t>
+            </a:r>
+            <a:r>
+              <a:rPr lang="ko-KR" altLang="en-US" sz="2800" b="1" i="1" kern="0" dirty="0">
+                <a:solidFill>
+                  <a:prstClr val="white"/>
+                </a:solidFill>
+              </a:rPr>
+              <a:t>하자 찾기 방</a:t>
+            </a:r>
+            <a:endParaRPr lang="ko-KR" altLang="en-US" sz="1000" dirty="0">
+              <a:solidFill>
+                <a:prstClr val="white"/>
+              </a:solidFill>
+            </a:endParaRPr>
+          </a:p>
+        </p:txBody>
+      </p:sp>
+      <p:sp>
+        <p:nvSpPr>
+          <p:cNvPr id="7" name="직사각형 6"/>
+          <p:cNvSpPr/>
+          <p:nvPr/>
+        </p:nvSpPr>
+        <p:spPr>
+          <a:xfrm>
+            <a:off x="328458" y="1068343"/>
+            <a:ext cx="11556000" cy="5789657"/>
+          </a:xfrm>
+          <a:prstGeom prst="rect">
+            <a:avLst/>
+          </a:prstGeom>
+          <a:solidFill>
+            <a:schemeClr val="bg1"/>
+          </a:solidFill>
+          <a:ln>
+            <a:noFill/>
+          </a:ln>
+        </p:spPr>
+        <p:style>
+          <a:lnRef idx="2">
+            <a:schemeClr val="accent1">
+              <a:shade val="50000"/>
+            </a:schemeClr>
+          </a:lnRef>
+          <a:fillRef idx="1">
+            <a:schemeClr val="accent1"/>
+          </a:fillRef>
+          <a:effectRef idx="0">
+            <a:schemeClr val="accent1"/>
+          </a:effectRef>
+          <a:fontRef idx="minor">
+            <a:schemeClr val="lt1"/>
+          </a:fontRef>
+        </p:style>
+        <p:txBody>
+          <a:bodyPr rtlCol="0" anchor="ctr"/>
+          <a:lstStyle/>
+          <a:p>
+            <a:pPr algn="ctr"/>
+            <a:endParaRPr lang="ko-KR" altLang="en-US">
+              <a:solidFill>
+                <a:prstClr val="white"/>
+              </a:solidFill>
+            </a:endParaRPr>
+          </a:p>
+        </p:txBody>
+      </p:sp>
+      <p:sp>
+        <p:nvSpPr>
+          <p:cNvPr id="10" name="사각형: 둥근 모서리 5">
+            <a:extLst>
+              <a:ext uri="{FF2B5EF4-FFF2-40B4-BE49-F238E27FC236}">
+                <a16:creationId xmlns:a16="http://schemas.microsoft.com/office/drawing/2014/main" id="{29433077-90B3-4432-AB1E-87BD95D8FF5C}"/>
+              </a:ext>
+            </a:extLst>
+          </p:cNvPr>
+          <p:cNvSpPr/>
+          <p:nvPr/>
+        </p:nvSpPr>
+        <p:spPr>
+          <a:xfrm>
+            <a:off x="11281274" y="215219"/>
+            <a:ext cx="720000" cy="720000"/>
+          </a:xfrm>
+          <a:prstGeom prst="ellipse">
+            <a:avLst/>
+          </a:prstGeom>
+          <a:gradFill flip="none" rotWithShape="1">
+            <a:gsLst>
+              <a:gs pos="0">
+                <a:srgbClr val="01A7CE"/>
+              </a:gs>
+              <a:gs pos="100000">
+                <a:srgbClr val="00D0AC"/>
+              </a:gs>
+            </a:gsLst>
+            <a:path path="circle">
+              <a:fillToRect l="100000" t="100000"/>
+            </a:path>
+            <a:tileRect r="-100000" b="-100000"/>
+          </a:gradFill>
+          <a:ln>
+            <a:noFill/>
+          </a:ln>
+          <a:effectLst>
+            <a:outerShdw blurRad="50800" dist="38100" dir="2700000" algn="tl" rotWithShape="0">
+              <a:prstClr val="black">
+                <a:alpha val="40000"/>
+              </a:prstClr>
+            </a:outerShdw>
+          </a:effectLst>
+        </p:spPr>
+        <p:style>
+          <a:lnRef idx="2">
+            <a:schemeClr val="accent1">
+              <a:shade val="50000"/>
+            </a:schemeClr>
+          </a:lnRef>
+          <a:fillRef idx="1">
+            <a:schemeClr val="accent1"/>
+          </a:fillRef>
+          <a:effectRef idx="0">
+            <a:schemeClr val="accent1"/>
+          </a:effectRef>
+          <a:fontRef idx="minor">
+            <a:schemeClr val="lt1"/>
+          </a:fontRef>
+        </p:style>
+        <p:txBody>
+          <a:bodyPr lIns="216000" rtlCol="0" anchor="ctr"/>
+          <a:lstStyle/>
+          <a:p>
+            <a:pPr>
+              <a:defRPr/>
+            </a:pPr>
+            <a:endParaRPr lang="en-US" altLang="ko-KR" sz="400" kern="0" dirty="0">
+              <a:solidFill>
+                <a:prstClr val="white"/>
+              </a:solidFill>
+            </a:endParaRPr>
+          </a:p>
+        </p:txBody>
+      </p:sp>
+      <p:sp>
+        <p:nvSpPr>
+          <p:cNvPr id="40" name="직사각형 39">
+            <a:extLst>
+              <a:ext uri="{FF2B5EF4-FFF2-40B4-BE49-F238E27FC236}">
+                <a16:creationId xmlns:a16="http://schemas.microsoft.com/office/drawing/2014/main" id="{3FA00699-5178-465A-9F3F-130CF1431F70}"/>
+              </a:ext>
+            </a:extLst>
+          </p:cNvPr>
+          <p:cNvSpPr/>
+          <p:nvPr/>
+        </p:nvSpPr>
+        <p:spPr>
+          <a:xfrm>
+            <a:off x="490297" y="6154826"/>
+            <a:ext cx="3950459" cy="373885"/>
+          </a:xfrm>
+          <a:prstGeom prst="rect">
+            <a:avLst/>
+          </a:prstGeom>
+        </p:spPr>
+        <p:txBody>
+          <a:bodyPr wrap="square">
+            <a:spAutoFit/>
+          </a:bodyPr>
+          <a:lstStyle/>
+          <a:p>
+            <a:pPr>
+              <a:lnSpc>
+                <a:spcPct val="150000"/>
+              </a:lnSpc>
+            </a:pPr>
+            <a:r>
+              <a:rPr lang="en-US" altLang="ko-KR" sz="1400" dirty="0">
+                <a:solidFill>
+                  <a:srgbClr val="44546A">
+                    <a:lumMod val="75000"/>
+                  </a:srgbClr>
+                </a:solidFill>
+              </a:rPr>
+              <a:t>* </a:t>
+            </a:r>
+            <a:r>
+              <a:rPr lang="ko-KR" altLang="en-US" sz="1400" dirty="0">
+                <a:solidFill>
+                  <a:srgbClr val="44546A">
+                    <a:lumMod val="75000"/>
+                  </a:srgbClr>
+                </a:solidFill>
+              </a:rPr>
+              <a:t>계약 사항 퀴즈에서 정답을 맞혔을 때</a:t>
+            </a:r>
+            <a:endParaRPr lang="ko-KR" altLang="en-US" sz="1000" dirty="0">
+              <a:solidFill>
+                <a:prstClr val="black">
+                  <a:lumMod val="65000"/>
+                  <a:lumOff val="35000"/>
+                </a:prstClr>
+              </a:solidFill>
+            </a:endParaRPr>
+          </a:p>
+        </p:txBody>
+      </p:sp>
+      <p:sp>
+        <p:nvSpPr>
+          <p:cNvPr id="47" name="직사각형 46">
+            <a:extLst>
+              <a:ext uri="{FF2B5EF4-FFF2-40B4-BE49-F238E27FC236}">
+                <a16:creationId xmlns:a16="http://schemas.microsoft.com/office/drawing/2014/main" id="{3FA00699-5178-465A-9F3F-130CF1431F70}"/>
+              </a:ext>
+            </a:extLst>
+          </p:cNvPr>
+          <p:cNvSpPr/>
+          <p:nvPr/>
+        </p:nvSpPr>
+        <p:spPr>
+          <a:xfrm>
+            <a:off x="6273997" y="6142038"/>
+            <a:ext cx="4469818" cy="373885"/>
+          </a:xfrm>
+          <a:prstGeom prst="rect">
+            <a:avLst/>
+          </a:prstGeom>
+        </p:spPr>
+        <p:txBody>
+          <a:bodyPr wrap="square">
+            <a:spAutoFit/>
+          </a:bodyPr>
+          <a:lstStyle/>
+          <a:p>
+            <a:pPr>
+              <a:lnSpc>
+                <a:spcPct val="150000"/>
+              </a:lnSpc>
+            </a:pPr>
+            <a:r>
+              <a:rPr lang="en-US" altLang="ko-KR" sz="1400" dirty="0">
+                <a:solidFill>
+                  <a:srgbClr val="44546A">
+                    <a:lumMod val="75000"/>
+                  </a:srgbClr>
+                </a:solidFill>
+              </a:rPr>
+              <a:t>* </a:t>
+            </a:r>
+            <a:r>
+              <a:rPr lang="ko-KR" altLang="en-US" sz="1400" dirty="0">
+                <a:solidFill>
+                  <a:srgbClr val="44546A">
+                    <a:lumMod val="75000"/>
+                  </a:srgbClr>
+                </a:solidFill>
+              </a:rPr>
+              <a:t>계약 사항 퀴즈에서 정답을 맞히지 못했을 때</a:t>
+            </a:r>
+            <a:endParaRPr lang="ko-KR" altLang="en-US" sz="1000" dirty="0">
+              <a:solidFill>
+                <a:prstClr val="black">
+                  <a:lumMod val="65000"/>
+                  <a:lumOff val="35000"/>
+                </a:prstClr>
+              </a:solidFill>
+            </a:endParaRPr>
+          </a:p>
+        </p:txBody>
+      </p:sp>
+      <p:pic>
+        <p:nvPicPr>
+          <p:cNvPr id="11" name="그림 10">
+            <a:extLst>
+              <a:ext uri="{FF2B5EF4-FFF2-40B4-BE49-F238E27FC236}">
+                <a16:creationId xmlns:a16="http://schemas.microsoft.com/office/drawing/2014/main" id="{58CCF67D-4083-25BA-D66B-A9BD38D7A62D}"/>
+              </a:ext>
+            </a:extLst>
+          </p:cNvPr>
+          <p:cNvPicPr>
+            <a:picLocks noChangeAspect="1"/>
+          </p:cNvPicPr>
+          <p:nvPr/>
+        </p:nvPicPr>
+        <p:blipFill>
+          <a:blip r:embed="rId3" cstate="print">
+            <a:extLst>
+              <a:ext uri="{28A0092B-C50C-407E-A947-70E740481C1C}">
+                <a14:useLocalDpi xmlns:a14="http://schemas.microsoft.com/office/drawing/2010/main" val="0"/>
+              </a:ext>
+            </a:extLst>
+          </a:blip>
+          <a:stretch>
+            <a:fillRect/>
+          </a:stretch>
+        </p:blipFill>
+        <p:spPr>
+          <a:xfrm>
+            <a:off x="11313108" y="311326"/>
+            <a:ext cx="652350" cy="527786"/>
+          </a:xfrm>
+          <a:prstGeom prst="rect">
+            <a:avLst/>
+          </a:prstGeom>
+        </p:spPr>
+      </p:pic>
+      <p:cxnSp>
+        <p:nvCxnSpPr>
+          <p:cNvPr id="14" name="직선 연결선 13">
+            <a:extLst>
+              <a:ext uri="{FF2B5EF4-FFF2-40B4-BE49-F238E27FC236}">
+                <a16:creationId xmlns:a16="http://schemas.microsoft.com/office/drawing/2014/main" id="{5C067028-2E01-47AD-8DE6-64CBF7F2E79F}"/>
+              </a:ext>
+            </a:extLst>
+          </p:cNvPr>
+          <p:cNvCxnSpPr>
+            <a:cxnSpLocks/>
+          </p:cNvCxnSpPr>
+          <p:nvPr/>
+        </p:nvCxnSpPr>
+        <p:spPr>
+          <a:xfrm flipH="1">
+            <a:off x="6062870" y="1775366"/>
+            <a:ext cx="33130" cy="4320000"/>
+          </a:xfrm>
+          <a:prstGeom prst="line">
+            <a:avLst/>
+          </a:prstGeom>
+          <a:ln w="19050">
+            <a:solidFill>
+              <a:srgbClr val="CACACA"/>
+            </a:solidFill>
+            <a:prstDash val="lgDash"/>
+          </a:ln>
+        </p:spPr>
+        <p:style>
+          <a:lnRef idx="1">
+            <a:schemeClr val="accent1"/>
+          </a:lnRef>
+          <a:fillRef idx="0">
+            <a:schemeClr val="accent1"/>
+          </a:fillRef>
+          <a:effectRef idx="0">
+            <a:schemeClr val="accent1"/>
+          </a:effectRef>
+          <a:fontRef idx="minor">
+            <a:schemeClr val="tx1"/>
+          </a:fontRef>
+        </p:style>
+      </p:cxnSp>
+      <p:pic>
+        <p:nvPicPr>
+          <p:cNvPr id="3" name="그림 2">
+            <a:extLst>
+              <a:ext uri="{FF2B5EF4-FFF2-40B4-BE49-F238E27FC236}">
+                <a16:creationId xmlns:a16="http://schemas.microsoft.com/office/drawing/2014/main" id="{CD01D6BA-0FB2-C1CF-75BE-26AA0A057461}"/>
+              </a:ext>
+            </a:extLst>
+          </p:cNvPr>
+          <p:cNvPicPr>
+            <a:picLocks noChangeAspect="1"/>
+          </p:cNvPicPr>
+          <p:nvPr/>
+        </p:nvPicPr>
+        <p:blipFill>
+          <a:blip r:embed="rId4"/>
+          <a:stretch>
+            <a:fillRect/>
+          </a:stretch>
+        </p:blipFill>
+        <p:spPr>
+          <a:xfrm>
+            <a:off x="374896" y="2109171"/>
+            <a:ext cx="5625158" cy="2988000"/>
+          </a:xfrm>
+          <a:prstGeom prst="rect">
+            <a:avLst/>
+          </a:prstGeom>
+        </p:spPr>
+      </p:pic>
+      <p:pic>
+        <p:nvPicPr>
+          <p:cNvPr id="15" name="그림 14">
+            <a:extLst>
+              <a:ext uri="{FF2B5EF4-FFF2-40B4-BE49-F238E27FC236}">
+                <a16:creationId xmlns:a16="http://schemas.microsoft.com/office/drawing/2014/main" id="{22126CDB-872F-F341-B913-469FC4079D9D}"/>
+              </a:ext>
+            </a:extLst>
+          </p:cNvPr>
+          <p:cNvPicPr>
+            <a:picLocks/>
+          </p:cNvPicPr>
+          <p:nvPr/>
+        </p:nvPicPr>
+        <p:blipFill>
+          <a:blip r:embed="rId5"/>
+          <a:stretch>
+            <a:fillRect/>
+          </a:stretch>
+        </p:blipFill>
+        <p:spPr>
+          <a:xfrm>
+            <a:off x="6200229" y="2108655"/>
+            <a:ext cx="5580000" cy="2988516"/>
+          </a:xfrm>
+          <a:prstGeom prst="rect">
+            <a:avLst/>
+          </a:prstGeom>
+        </p:spPr>
+      </p:pic>
+    </p:spTree>
+    <p:extLst>
+      <p:ext uri="{BB962C8B-B14F-4D97-AF65-F5344CB8AC3E}">
+        <p14:creationId xmlns:p14="http://schemas.microsoft.com/office/powerpoint/2010/main" val="3514543403"/>
+      </p:ext>
+    </p:extLst>
+  </p:cSld>
+  <p:clrMapOvr>
+    <a:masterClrMapping/>
+  </p:clrMapOvr>
+</p:sld>
+</file>
+
+<file path=ppt/slides/slide11.xml><?xml version="1.0" encoding="utf-8"?>
+<p:sld xmlns:a="http://schemas.openxmlformats.org/drawingml/2006/main" xmlns:r="http://schemas.openxmlformats.org/officeDocument/2006/relationships" xmlns:p="http://schemas.openxmlformats.org/presentationml/2006/main">
+  <p:cSld>
+    <p:bg>
+      <p:bgPr>
+        <a:solidFill>
+          <a:srgbClr val="FFEAD1"/>
+        </a:solidFill>
+        <a:effectLst/>
+      </p:bgPr>
+    </p:bg>
+    <p:spTree>
+      <p:nvGrpSpPr>
+        <p:cNvPr id="1" name=""/>
+        <p:cNvGrpSpPr/>
+        <p:nvPr/>
+      </p:nvGrpSpPr>
+      <p:grpSpPr>
+        <a:xfrm>
+          <a:off x="0" y="0"/>
+          <a:ext cx="0" cy="0"/>
+          <a:chOff x="0" y="0"/>
+          <a:chExt cx="0" cy="0"/>
+        </a:xfrm>
+      </p:grpSpPr>
+      <p:sp>
+        <p:nvSpPr>
+          <p:cNvPr id="5" name="양쪽 모서리가 둥근 사각형 4"/>
+          <p:cNvSpPr/>
+          <p:nvPr/>
+        </p:nvSpPr>
+        <p:spPr>
+          <a:xfrm>
+            <a:off x="274458" y="348343"/>
+            <a:ext cx="11664000" cy="6509657"/>
+          </a:xfrm>
+          <a:prstGeom prst="round2SameRect">
+            <a:avLst>
+              <a:gd name="adj1" fmla="val 5233"/>
+              <a:gd name="adj2" fmla="val 0"/>
+            </a:avLst>
+          </a:prstGeom>
+          <a:solidFill>
+            <a:schemeClr val="tx1">
+              <a:lumMod val="75000"/>
+              <a:lumOff val="25000"/>
+            </a:schemeClr>
+          </a:solidFill>
+          <a:ln>
+            <a:noFill/>
+          </a:ln>
+          <a:effectLst>
+            <a:outerShdw dist="38100" algn="l" rotWithShape="0">
+              <a:prstClr val="black">
+                <a:alpha val="40000"/>
+              </a:prstClr>
+            </a:outerShdw>
+          </a:effectLst>
+        </p:spPr>
+        <p:style>
+          <a:lnRef idx="2">
+            <a:schemeClr val="accent1">
+              <a:shade val="50000"/>
+            </a:schemeClr>
+          </a:lnRef>
+          <a:fillRef idx="1">
+            <a:schemeClr val="accent1"/>
+          </a:fillRef>
+          <a:effectRef idx="0">
+            <a:schemeClr val="accent1"/>
+          </a:effectRef>
+          <a:fontRef idx="minor">
+            <a:schemeClr val="lt1"/>
+          </a:fontRef>
+        </p:style>
+        <p:txBody>
+          <a:bodyPr rtlCol="0" anchor="ctr"/>
+          <a:lstStyle/>
+          <a:p>
+            <a:pPr algn="ctr"/>
+            <a:endParaRPr lang="ko-KR" altLang="en-US">
+              <a:solidFill>
+                <a:prstClr val="white"/>
+              </a:solidFill>
+            </a:endParaRPr>
+          </a:p>
+        </p:txBody>
+      </p:sp>
+      <p:sp>
+        <p:nvSpPr>
+          <p:cNvPr id="6" name="양쪽 모서리가 둥근 사각형 5"/>
+          <p:cNvSpPr/>
+          <p:nvPr/>
+        </p:nvSpPr>
+        <p:spPr>
+          <a:xfrm>
+            <a:off x="328458" y="414000"/>
+            <a:ext cx="11556000" cy="6444000"/>
+          </a:xfrm>
+          <a:prstGeom prst="round2SameRect">
+            <a:avLst>
+              <a:gd name="adj1" fmla="val 4913"/>
+              <a:gd name="adj2" fmla="val 0"/>
+            </a:avLst>
+          </a:prstGeom>
+          <a:solidFill>
+            <a:srgbClr val="01A7CE"/>
+          </a:solidFill>
+          <a:ln>
+            <a:noFill/>
+          </a:ln>
+        </p:spPr>
+        <p:style>
+          <a:lnRef idx="2">
+            <a:schemeClr val="accent1">
+              <a:shade val="50000"/>
+            </a:schemeClr>
+          </a:lnRef>
+          <a:fillRef idx="1">
+            <a:schemeClr val="accent1"/>
+          </a:fillRef>
+          <a:effectRef idx="0">
+            <a:schemeClr val="accent1"/>
+          </a:effectRef>
+          <a:fontRef idx="minor">
+            <a:schemeClr val="lt1"/>
+          </a:fontRef>
+        </p:style>
+        <p:txBody>
+          <a:bodyPr rtlCol="0" anchor="t"/>
+          <a:lstStyle/>
+          <a:p>
+            <a:pPr lvl="1" latinLnBrk="0">
+              <a:defRPr/>
+            </a:pPr>
+            <a:r>
+              <a:rPr lang="en-US" altLang="ko-KR" sz="2800" b="1" i="1" kern="0" dirty="0">
+                <a:solidFill>
+                  <a:prstClr val="white"/>
+                </a:solidFill>
+              </a:rPr>
+              <a:t>2. </a:t>
+            </a:r>
+            <a:r>
+              <a:rPr lang="ko-KR" altLang="en-US" sz="2800" b="1" i="1" kern="0" dirty="0">
+                <a:solidFill>
+                  <a:prstClr val="white"/>
+                </a:solidFill>
+              </a:rPr>
+              <a:t>프로젝트 내용 </a:t>
+            </a:r>
+            <a:r>
+              <a:rPr lang="en-US" altLang="ko-KR" sz="2800" b="1" i="1" kern="0" dirty="0">
+                <a:solidFill>
+                  <a:prstClr val="white"/>
+                </a:solidFill>
+              </a:rPr>
+              <a:t>- </a:t>
+            </a:r>
+            <a:r>
+              <a:rPr lang="ko-KR" altLang="en-US" sz="2800" b="1" i="1" kern="0" dirty="0">
+                <a:solidFill>
+                  <a:prstClr val="white"/>
+                </a:solidFill>
+              </a:rPr>
+              <a:t>실제 방</a:t>
+            </a:r>
+            <a:endParaRPr lang="ko-KR" altLang="en-US" sz="1000" dirty="0">
+              <a:solidFill>
+                <a:prstClr val="white"/>
+              </a:solidFill>
+            </a:endParaRPr>
+          </a:p>
+        </p:txBody>
+      </p:sp>
+      <p:sp>
+        <p:nvSpPr>
+          <p:cNvPr id="7" name="직사각형 6"/>
+          <p:cNvSpPr/>
+          <p:nvPr/>
+        </p:nvSpPr>
+        <p:spPr>
+          <a:xfrm>
+            <a:off x="328458" y="1068343"/>
+            <a:ext cx="11556000" cy="5789657"/>
+          </a:xfrm>
+          <a:prstGeom prst="rect">
+            <a:avLst/>
+          </a:prstGeom>
+          <a:solidFill>
+            <a:schemeClr val="bg1"/>
+          </a:solidFill>
+          <a:ln>
+            <a:noFill/>
+          </a:ln>
+        </p:spPr>
+        <p:style>
+          <a:lnRef idx="2">
+            <a:schemeClr val="accent1">
+              <a:shade val="50000"/>
+            </a:schemeClr>
+          </a:lnRef>
+          <a:fillRef idx="1">
+            <a:schemeClr val="accent1"/>
+          </a:fillRef>
+          <a:effectRef idx="0">
+            <a:schemeClr val="accent1"/>
+          </a:effectRef>
+          <a:fontRef idx="minor">
+            <a:schemeClr val="lt1"/>
+          </a:fontRef>
+        </p:style>
+        <p:txBody>
+          <a:bodyPr rtlCol="0" anchor="ctr"/>
+          <a:lstStyle/>
+          <a:p>
+            <a:pPr algn="ctr"/>
+            <a:endParaRPr lang="ko-KR" altLang="en-US">
+              <a:solidFill>
+                <a:prstClr val="white"/>
+              </a:solidFill>
+            </a:endParaRPr>
+          </a:p>
+        </p:txBody>
+      </p:sp>
+      <p:sp>
+        <p:nvSpPr>
+          <p:cNvPr id="10" name="사각형: 둥근 모서리 5">
+            <a:extLst>
+              <a:ext uri="{FF2B5EF4-FFF2-40B4-BE49-F238E27FC236}">
+                <a16:creationId xmlns:a16="http://schemas.microsoft.com/office/drawing/2014/main" id="{29433077-90B3-4432-AB1E-87BD95D8FF5C}"/>
+              </a:ext>
+            </a:extLst>
+          </p:cNvPr>
+          <p:cNvSpPr/>
+          <p:nvPr/>
+        </p:nvSpPr>
+        <p:spPr>
+          <a:xfrm>
+            <a:off x="11281274" y="215219"/>
+            <a:ext cx="720000" cy="720000"/>
+          </a:xfrm>
+          <a:prstGeom prst="ellipse">
+            <a:avLst/>
+          </a:prstGeom>
+          <a:gradFill flip="none" rotWithShape="1">
+            <a:gsLst>
+              <a:gs pos="0">
+                <a:srgbClr val="01A7CE"/>
+              </a:gs>
+              <a:gs pos="100000">
+                <a:srgbClr val="00D0AC"/>
+              </a:gs>
+            </a:gsLst>
+            <a:path path="circle">
+              <a:fillToRect l="100000" t="100000"/>
+            </a:path>
+            <a:tileRect r="-100000" b="-100000"/>
+          </a:gradFill>
+          <a:ln>
+            <a:noFill/>
+          </a:ln>
+          <a:effectLst>
+            <a:outerShdw blurRad="50800" dist="38100" dir="2700000" algn="tl" rotWithShape="0">
+              <a:prstClr val="black">
+                <a:alpha val="40000"/>
+              </a:prstClr>
+            </a:outerShdw>
+          </a:effectLst>
+        </p:spPr>
+        <p:style>
+          <a:lnRef idx="2">
+            <a:schemeClr val="accent1">
+              <a:shade val="50000"/>
+            </a:schemeClr>
+          </a:lnRef>
+          <a:fillRef idx="1">
+            <a:schemeClr val="accent1"/>
+          </a:fillRef>
+          <a:effectRef idx="0">
+            <a:schemeClr val="accent1"/>
+          </a:effectRef>
+          <a:fontRef idx="minor">
+            <a:schemeClr val="lt1"/>
+          </a:fontRef>
+        </p:style>
+        <p:txBody>
+          <a:bodyPr lIns="216000" rtlCol="0" anchor="ctr"/>
+          <a:lstStyle/>
+          <a:p>
+            <a:pPr>
+              <a:defRPr/>
+            </a:pPr>
+            <a:endParaRPr lang="en-US" altLang="ko-KR" sz="400" kern="0" dirty="0">
+              <a:solidFill>
+                <a:prstClr val="white"/>
+              </a:solidFill>
+            </a:endParaRPr>
+          </a:p>
+        </p:txBody>
+      </p:sp>
+      <p:sp>
+        <p:nvSpPr>
+          <p:cNvPr id="40" name="직사각형 39">
+            <a:extLst>
+              <a:ext uri="{FF2B5EF4-FFF2-40B4-BE49-F238E27FC236}">
+                <a16:creationId xmlns:a16="http://schemas.microsoft.com/office/drawing/2014/main" id="{3FA00699-5178-465A-9F3F-130CF1431F70}"/>
+              </a:ext>
+            </a:extLst>
+          </p:cNvPr>
+          <p:cNvSpPr/>
+          <p:nvPr/>
+        </p:nvSpPr>
+        <p:spPr>
+          <a:xfrm>
+            <a:off x="490297" y="6154826"/>
+            <a:ext cx="3950459" cy="373885"/>
+          </a:xfrm>
+          <a:prstGeom prst="rect">
+            <a:avLst/>
+          </a:prstGeom>
+        </p:spPr>
+        <p:txBody>
+          <a:bodyPr wrap="square">
+            <a:spAutoFit/>
+          </a:bodyPr>
+          <a:lstStyle/>
+          <a:p>
+            <a:pPr>
+              <a:lnSpc>
+                <a:spcPct val="150000"/>
+              </a:lnSpc>
+            </a:pPr>
+            <a:r>
+              <a:rPr lang="en-US" altLang="ko-KR" sz="1400" dirty="0">
+                <a:solidFill>
+                  <a:srgbClr val="44546A">
+                    <a:lumMod val="75000"/>
+                  </a:srgbClr>
+                </a:solidFill>
+              </a:rPr>
+              <a:t>* 360</a:t>
+            </a:r>
+            <a:r>
+              <a:rPr lang="ko-KR" altLang="en-US" sz="1400" dirty="0">
+                <a:solidFill>
+                  <a:srgbClr val="44546A">
+                    <a:lumMod val="75000"/>
+                  </a:srgbClr>
+                </a:solidFill>
+              </a:rPr>
+              <a:t>도 카메라를 통해 촬영한 실제 방의 모습</a:t>
+            </a:r>
+            <a:endParaRPr lang="ko-KR" altLang="en-US" sz="1000" dirty="0">
+              <a:solidFill>
+                <a:prstClr val="black">
+                  <a:lumMod val="65000"/>
+                  <a:lumOff val="35000"/>
+                </a:prstClr>
+              </a:solidFill>
+            </a:endParaRPr>
+          </a:p>
+        </p:txBody>
+      </p:sp>
+      <p:sp>
+        <p:nvSpPr>
+          <p:cNvPr id="47" name="직사각형 46">
+            <a:extLst>
+              <a:ext uri="{FF2B5EF4-FFF2-40B4-BE49-F238E27FC236}">
+                <a16:creationId xmlns:a16="http://schemas.microsoft.com/office/drawing/2014/main" id="{3FA00699-5178-465A-9F3F-130CF1431F70}"/>
+              </a:ext>
+            </a:extLst>
+          </p:cNvPr>
+          <p:cNvSpPr/>
+          <p:nvPr/>
+        </p:nvSpPr>
+        <p:spPr>
+          <a:xfrm>
+            <a:off x="6273997" y="6142038"/>
+            <a:ext cx="4469818" cy="373885"/>
+          </a:xfrm>
+          <a:prstGeom prst="rect">
+            <a:avLst/>
+          </a:prstGeom>
+        </p:spPr>
+        <p:txBody>
+          <a:bodyPr wrap="square">
+            <a:spAutoFit/>
+          </a:bodyPr>
+          <a:lstStyle/>
+          <a:p>
+            <a:pPr>
+              <a:lnSpc>
+                <a:spcPct val="150000"/>
+              </a:lnSpc>
+            </a:pPr>
+            <a:r>
+              <a:rPr lang="en-US" altLang="ko-KR" sz="1400" dirty="0">
+                <a:solidFill>
+                  <a:srgbClr val="44546A">
+                    <a:lumMod val="75000"/>
+                  </a:srgbClr>
+                </a:solidFill>
+              </a:rPr>
+              <a:t>* 360</a:t>
+            </a:r>
+            <a:r>
+              <a:rPr lang="ko-KR" altLang="en-US" sz="1400" dirty="0">
+                <a:solidFill>
+                  <a:srgbClr val="44546A">
+                    <a:lumMod val="75000"/>
+                  </a:srgbClr>
+                </a:solidFill>
+              </a:rPr>
+              <a:t>도 카메라를 통해 촬영한 화장실의 모습</a:t>
+            </a:r>
+            <a:endParaRPr lang="ko-KR" altLang="en-US" sz="1000" dirty="0">
+              <a:solidFill>
+                <a:prstClr val="black">
+                  <a:lumMod val="65000"/>
+                  <a:lumOff val="35000"/>
+                </a:prstClr>
+              </a:solidFill>
+            </a:endParaRPr>
+          </a:p>
+        </p:txBody>
+      </p:sp>
+      <p:pic>
+        <p:nvPicPr>
+          <p:cNvPr id="4" name="그림 3"/>
+          <p:cNvPicPr>
+            <a:picLocks noChangeAspect="1"/>
+          </p:cNvPicPr>
+          <p:nvPr/>
+        </p:nvPicPr>
+        <p:blipFill>
+          <a:blip r:embed="rId3">
+            <a:extLst>
+              <a:ext uri="{28A0092B-C50C-407E-A947-70E740481C1C}">
+                <a14:useLocalDpi xmlns:a14="http://schemas.microsoft.com/office/drawing/2010/main" val="0"/>
+              </a:ext>
+            </a:extLst>
+          </a:blip>
+          <a:stretch>
+            <a:fillRect/>
+          </a:stretch>
+        </p:blipFill>
+        <p:spPr>
+          <a:xfrm>
+            <a:off x="490297" y="1543026"/>
+            <a:ext cx="5429736" cy="4611800"/>
+          </a:xfrm>
+          <a:prstGeom prst="rect">
+            <a:avLst/>
+          </a:prstGeom>
+        </p:spPr>
+      </p:pic>
+      <p:pic>
+        <p:nvPicPr>
+          <p:cNvPr id="8" name="그림 7"/>
+          <p:cNvPicPr>
+            <a:picLocks noChangeAspect="1"/>
+          </p:cNvPicPr>
+          <p:nvPr/>
+        </p:nvPicPr>
+        <p:blipFill>
+          <a:blip r:embed="rId4">
+            <a:extLst>
+              <a:ext uri="{28A0092B-C50C-407E-A947-70E740481C1C}">
+                <a14:useLocalDpi xmlns:a14="http://schemas.microsoft.com/office/drawing/2010/main" val="0"/>
+              </a:ext>
+            </a:extLst>
+          </a:blip>
+          <a:stretch>
+            <a:fillRect/>
+          </a:stretch>
+        </p:blipFill>
+        <p:spPr>
+          <a:xfrm>
+            <a:off x="6273997" y="1543026"/>
+            <a:ext cx="5461348" cy="4611800"/>
+          </a:xfrm>
+          <a:prstGeom prst="rect">
+            <a:avLst/>
+          </a:prstGeom>
+        </p:spPr>
+      </p:pic>
+      <p:pic>
+        <p:nvPicPr>
+          <p:cNvPr id="11" name="그림 10">
+            <a:extLst>
+              <a:ext uri="{FF2B5EF4-FFF2-40B4-BE49-F238E27FC236}">
+                <a16:creationId xmlns:a16="http://schemas.microsoft.com/office/drawing/2014/main" id="{58CCF67D-4083-25BA-D66B-A9BD38D7A62D}"/>
+              </a:ext>
+            </a:extLst>
+          </p:cNvPr>
+          <p:cNvPicPr>
+            <a:picLocks noChangeAspect="1"/>
+          </p:cNvPicPr>
+          <p:nvPr/>
+        </p:nvPicPr>
+        <p:blipFill>
+          <a:blip r:embed="rId5" cstate="print">
+            <a:extLst>
+              <a:ext uri="{28A0092B-C50C-407E-A947-70E740481C1C}">
+                <a14:useLocalDpi xmlns:a14="http://schemas.microsoft.com/office/drawing/2010/main" val="0"/>
+              </a:ext>
+            </a:extLst>
+          </a:blip>
+          <a:stretch>
+            <a:fillRect/>
+          </a:stretch>
+        </p:blipFill>
+        <p:spPr>
+          <a:xfrm>
+            <a:off x="11313108" y="311326"/>
+            <a:ext cx="652350" cy="527786"/>
+          </a:xfrm>
+          <a:prstGeom prst="rect">
+            <a:avLst/>
+          </a:prstGeom>
+        </p:spPr>
+      </p:pic>
+      <p:cxnSp>
+        <p:nvCxnSpPr>
+          <p:cNvPr id="14" name="직선 연결선 13">
+            <a:extLst>
+              <a:ext uri="{FF2B5EF4-FFF2-40B4-BE49-F238E27FC236}">
+                <a16:creationId xmlns:a16="http://schemas.microsoft.com/office/drawing/2014/main" id="{5C067028-2E01-47AD-8DE6-64CBF7F2E79F}"/>
+              </a:ext>
+            </a:extLst>
+          </p:cNvPr>
+          <p:cNvCxnSpPr>
+            <a:cxnSpLocks/>
+          </p:cNvCxnSpPr>
+          <p:nvPr/>
+        </p:nvCxnSpPr>
+        <p:spPr>
+          <a:xfrm flipH="1">
+            <a:off x="6062870" y="1775366"/>
+            <a:ext cx="33130" cy="4320000"/>
+          </a:xfrm>
+          <a:prstGeom prst="line">
+            <a:avLst/>
+          </a:prstGeom>
+          <a:ln w="19050">
+            <a:solidFill>
+              <a:srgbClr val="CACACA"/>
+            </a:solidFill>
+            <a:prstDash val="lgDash"/>
+          </a:ln>
+        </p:spPr>
+        <p:style>
+          <a:lnRef idx="1">
+            <a:schemeClr val="accent1"/>
+          </a:lnRef>
+          <a:fillRef idx="0">
+            <a:schemeClr val="accent1"/>
+          </a:fillRef>
+          <a:effectRef idx="0">
+            <a:schemeClr val="accent1"/>
+          </a:effectRef>
+          <a:fontRef idx="minor">
+            <a:schemeClr val="tx1"/>
+          </a:fontRef>
+        </p:style>
+      </p:cxnSp>
+    </p:spTree>
+    <p:extLst>
+      <p:ext uri="{BB962C8B-B14F-4D97-AF65-F5344CB8AC3E}">
+        <p14:creationId xmlns:p14="http://schemas.microsoft.com/office/powerpoint/2010/main" val="1754241255"/>
+      </p:ext>
+    </p:extLst>
+  </p:cSld>
+  <p:clrMapOvr>
+    <a:masterClrMapping/>
+  </p:clrMapOvr>
+</p:sld>
+</file>
+
+<file path=ppt/slides/slide12.xml><?xml version="1.0" encoding="utf-8"?>
+<p:sld xmlns:a="http://schemas.openxmlformats.org/drawingml/2006/main" xmlns:r="http://schemas.openxmlformats.org/officeDocument/2006/relationships" xmlns:p="http://schemas.openxmlformats.org/presentationml/2006/main">
+  <p:cSld>
+    <p:bg>
+      <p:bgPr>
+        <a:solidFill>
+          <a:srgbClr val="FFEAD1"/>
+        </a:solidFill>
+        <a:effectLst/>
+      </p:bgPr>
+    </p:bg>
+    <p:spTree>
+      <p:nvGrpSpPr>
+        <p:cNvPr id="1" name=""/>
+        <p:cNvGrpSpPr/>
+        <p:nvPr/>
+      </p:nvGrpSpPr>
+      <p:grpSpPr>
+        <a:xfrm>
+          <a:off x="0" y="0"/>
+          <a:ext cx="0" cy="0"/>
+          <a:chOff x="0" y="0"/>
+          <a:chExt cx="0" cy="0"/>
+        </a:xfrm>
+      </p:grpSpPr>
+      <p:sp>
+        <p:nvSpPr>
+          <p:cNvPr id="5" name="양쪽 모서리가 둥근 사각형 4"/>
+          <p:cNvSpPr/>
+          <p:nvPr/>
+        </p:nvSpPr>
+        <p:spPr>
+          <a:xfrm>
+            <a:off x="274458" y="348343"/>
+            <a:ext cx="11664000" cy="6509657"/>
+          </a:xfrm>
+          <a:prstGeom prst="round2SameRect">
+            <a:avLst>
+              <a:gd name="adj1" fmla="val 5233"/>
+              <a:gd name="adj2" fmla="val 0"/>
+            </a:avLst>
+          </a:prstGeom>
+          <a:solidFill>
+            <a:schemeClr val="tx1">
+              <a:lumMod val="75000"/>
+              <a:lumOff val="25000"/>
+            </a:schemeClr>
+          </a:solidFill>
+          <a:ln>
+            <a:noFill/>
+          </a:ln>
+          <a:effectLst>
+            <a:outerShdw dist="38100" algn="l" rotWithShape="0">
+              <a:prstClr val="black">
+                <a:alpha val="40000"/>
+              </a:prstClr>
+            </a:outerShdw>
+          </a:effectLst>
+        </p:spPr>
+        <p:style>
+          <a:lnRef idx="2">
+            <a:schemeClr val="accent1">
+              <a:shade val="50000"/>
+            </a:schemeClr>
+          </a:lnRef>
+          <a:fillRef idx="1">
+            <a:schemeClr val="accent1"/>
+          </a:fillRef>
+          <a:effectRef idx="0">
+            <a:schemeClr val="accent1"/>
+          </a:effectRef>
+          <a:fontRef idx="minor">
+            <a:schemeClr val="lt1"/>
+          </a:fontRef>
+        </p:style>
+        <p:txBody>
+          <a:bodyPr rtlCol="0" anchor="ctr"/>
+          <a:lstStyle/>
+          <a:p>
+            <a:pPr algn="ctr"/>
+            <a:endParaRPr lang="ko-KR" altLang="en-US">
+              <a:solidFill>
+                <a:prstClr val="white"/>
+              </a:solidFill>
+            </a:endParaRPr>
+          </a:p>
+        </p:txBody>
+      </p:sp>
+      <p:sp>
+        <p:nvSpPr>
+          <p:cNvPr id="6" name="양쪽 모서리가 둥근 사각형 5"/>
+          <p:cNvSpPr/>
+          <p:nvPr/>
+        </p:nvSpPr>
+        <p:spPr>
+          <a:xfrm>
+            <a:off x="328458" y="414000"/>
+            <a:ext cx="11556000" cy="6444000"/>
+          </a:xfrm>
+          <a:prstGeom prst="round2SameRect">
+            <a:avLst>
+              <a:gd name="adj1" fmla="val 4913"/>
+              <a:gd name="adj2" fmla="val 0"/>
+            </a:avLst>
+          </a:prstGeom>
+          <a:solidFill>
+            <a:srgbClr val="01A7CE"/>
+          </a:solidFill>
+          <a:ln>
+            <a:noFill/>
+          </a:ln>
+        </p:spPr>
+        <p:style>
+          <a:lnRef idx="2">
+            <a:schemeClr val="accent1">
+              <a:shade val="50000"/>
+            </a:schemeClr>
+          </a:lnRef>
+          <a:fillRef idx="1">
+            <a:schemeClr val="accent1"/>
+          </a:fillRef>
+          <a:effectRef idx="0">
+            <a:schemeClr val="accent1"/>
+          </a:effectRef>
+          <a:fontRef idx="minor">
+            <a:schemeClr val="lt1"/>
+          </a:fontRef>
+        </p:style>
+        <p:txBody>
+          <a:bodyPr rtlCol="0" anchor="t"/>
+          <a:lstStyle/>
+          <a:p>
+            <a:pPr lvl="1" latinLnBrk="0">
+              <a:defRPr/>
+            </a:pPr>
+            <a:r>
+              <a:rPr lang="en-US" altLang="ko-KR" sz="2800" b="1" i="1" kern="0">
+                <a:solidFill>
+                  <a:prstClr val="white"/>
+                </a:solidFill>
+              </a:rPr>
+              <a:t>3. </a:t>
+            </a:r>
+            <a:r>
+              <a:rPr lang="ko-KR" altLang="en-US" sz="2800" b="1" i="1" kern="0">
+                <a:solidFill>
+                  <a:prstClr val="white"/>
+                </a:solidFill>
+              </a:rPr>
+              <a:t>앞으로의 계획</a:t>
+            </a:r>
+            <a:endParaRPr lang="en-US" altLang="ko-KR" sz="1400" i="1" kern="0" dirty="0">
+              <a:solidFill>
+                <a:prstClr val="white"/>
+              </a:solidFill>
+            </a:endParaRPr>
+          </a:p>
+          <a:p>
+            <a:pPr algn="ctr"/>
+            <a:endParaRPr lang="ko-KR" altLang="en-US" sz="1000" dirty="0">
+              <a:solidFill>
+                <a:prstClr val="white"/>
+              </a:solidFill>
+            </a:endParaRPr>
+          </a:p>
+        </p:txBody>
+      </p:sp>
+      <p:sp>
+        <p:nvSpPr>
+          <p:cNvPr id="7" name="직사각형 6"/>
+          <p:cNvSpPr/>
+          <p:nvPr/>
+        </p:nvSpPr>
+        <p:spPr>
+          <a:xfrm>
+            <a:off x="324626" y="1068343"/>
+            <a:ext cx="11556000" cy="5789657"/>
+          </a:xfrm>
+          <a:prstGeom prst="rect">
+            <a:avLst/>
+          </a:prstGeom>
+          <a:solidFill>
+            <a:schemeClr val="bg1"/>
+          </a:solidFill>
+          <a:ln>
+            <a:noFill/>
+          </a:ln>
+        </p:spPr>
+        <p:style>
+          <a:lnRef idx="2">
+            <a:schemeClr val="accent1">
+              <a:shade val="50000"/>
+            </a:schemeClr>
+          </a:lnRef>
+          <a:fillRef idx="1">
+            <a:schemeClr val="accent1"/>
+          </a:fillRef>
+          <a:effectRef idx="0">
+            <a:schemeClr val="accent1"/>
+          </a:effectRef>
+          <a:fontRef idx="minor">
+            <a:schemeClr val="lt1"/>
+          </a:fontRef>
+        </p:style>
+        <p:txBody>
+          <a:bodyPr rtlCol="0" anchor="ctr"/>
+          <a:lstStyle/>
+          <a:p>
+            <a:pPr algn="ctr"/>
+            <a:endParaRPr lang="ko-KR" altLang="en-US">
+              <a:solidFill>
+                <a:prstClr val="white"/>
+              </a:solidFill>
+            </a:endParaRPr>
+          </a:p>
+        </p:txBody>
+      </p:sp>
+      <p:sp>
+        <p:nvSpPr>
+          <p:cNvPr id="10" name="사각형: 둥근 모서리 5">
+            <a:extLst>
+              <a:ext uri="{FF2B5EF4-FFF2-40B4-BE49-F238E27FC236}">
+                <a16:creationId xmlns:a16="http://schemas.microsoft.com/office/drawing/2014/main" id="{29433077-90B3-4432-AB1E-87BD95D8FF5C}"/>
+              </a:ext>
+            </a:extLst>
+          </p:cNvPr>
+          <p:cNvSpPr/>
+          <p:nvPr/>
+        </p:nvSpPr>
+        <p:spPr>
+          <a:xfrm>
+            <a:off x="11281274" y="215219"/>
+            <a:ext cx="720000" cy="720000"/>
+          </a:xfrm>
+          <a:prstGeom prst="ellipse">
+            <a:avLst/>
+          </a:prstGeom>
+          <a:gradFill flip="none" rotWithShape="1">
+            <a:gsLst>
+              <a:gs pos="0">
+                <a:srgbClr val="01A7CE"/>
+              </a:gs>
+              <a:gs pos="100000">
+                <a:srgbClr val="00D0AC"/>
+              </a:gs>
+            </a:gsLst>
+            <a:path path="circle">
+              <a:fillToRect l="100000" t="100000"/>
+            </a:path>
+            <a:tileRect r="-100000" b="-100000"/>
+          </a:gradFill>
+          <a:ln>
+            <a:noFill/>
+          </a:ln>
+          <a:effectLst>
+            <a:outerShdw blurRad="50800" dist="38100" dir="2700000" algn="tl" rotWithShape="0">
+              <a:prstClr val="black">
+                <a:alpha val="40000"/>
+              </a:prstClr>
+            </a:outerShdw>
+          </a:effectLst>
+        </p:spPr>
+        <p:style>
+          <a:lnRef idx="2">
+            <a:schemeClr val="accent1">
+              <a:shade val="50000"/>
+            </a:schemeClr>
+          </a:lnRef>
+          <a:fillRef idx="1">
+            <a:schemeClr val="accent1"/>
+          </a:fillRef>
+          <a:effectRef idx="0">
+            <a:schemeClr val="accent1"/>
+          </a:effectRef>
+          <a:fontRef idx="minor">
+            <a:schemeClr val="lt1"/>
+          </a:fontRef>
+        </p:style>
+        <p:txBody>
+          <a:bodyPr lIns="216000" rtlCol="0" anchor="ctr"/>
+          <a:lstStyle/>
+          <a:p>
+            <a:pPr>
+              <a:defRPr/>
+            </a:pPr>
+            <a:endParaRPr lang="en-US" altLang="ko-KR" sz="400" kern="0" dirty="0">
+              <a:solidFill>
+                <a:prstClr val="white"/>
+              </a:solidFill>
+            </a:endParaRPr>
+          </a:p>
+        </p:txBody>
+      </p:sp>
+      <p:sp>
+        <p:nvSpPr>
+          <p:cNvPr id="40" name="직사각형 39">
+            <a:extLst>
+              <a:ext uri="{FF2B5EF4-FFF2-40B4-BE49-F238E27FC236}">
+                <a16:creationId xmlns:a16="http://schemas.microsoft.com/office/drawing/2014/main" id="{3FA00699-5178-465A-9F3F-130CF1431F70}"/>
+              </a:ext>
+            </a:extLst>
+          </p:cNvPr>
+          <p:cNvSpPr/>
+          <p:nvPr/>
+        </p:nvSpPr>
+        <p:spPr>
+          <a:xfrm>
+            <a:off x="420723" y="5525543"/>
+            <a:ext cx="4747625" cy="481029"/>
+          </a:xfrm>
+          <a:prstGeom prst="rect">
+            <a:avLst/>
+          </a:prstGeom>
+        </p:spPr>
+        <p:txBody>
+          <a:bodyPr wrap="square">
+            <a:spAutoFit/>
+          </a:bodyPr>
+          <a:lstStyle/>
+          <a:p>
+            <a:pPr>
+              <a:lnSpc>
+                <a:spcPct val="150000"/>
+              </a:lnSpc>
+            </a:pPr>
+            <a:r>
+              <a:rPr lang="en-US" altLang="ko-KR" sz="900" b="1">
+                <a:solidFill>
+                  <a:srgbClr val="44546A">
+                    <a:lumMod val="75000"/>
+                  </a:srgbClr>
+                </a:solidFill>
+              </a:rPr>
+              <a:t>* </a:t>
+            </a:r>
+            <a:r>
+              <a:rPr lang="ko-KR" altLang="en-US" sz="900"/>
+              <a:t>코로나에 막힌 집구경 ‘</a:t>
+            </a:r>
+            <a:r>
+              <a:rPr lang="en-US" altLang="ko-KR" sz="900"/>
+              <a:t>VR </a:t>
+            </a:r>
+            <a:r>
+              <a:rPr lang="ko-KR" altLang="en-US" sz="900"/>
+              <a:t>발품팔이’로 대신한다 </a:t>
+            </a:r>
+            <a:r>
+              <a:rPr lang="en-US" altLang="ko-KR" sz="900"/>
+              <a:t>/ </a:t>
+            </a:r>
+            <a:r>
+              <a:rPr lang="ko-KR" altLang="en-US" sz="900"/>
+              <a:t>출처 </a:t>
+            </a:r>
+            <a:r>
+              <a:rPr lang="en-US" altLang="ko-KR" sz="900"/>
+              <a:t>: </a:t>
+            </a:r>
+            <a:r>
+              <a:rPr lang="ko-KR" altLang="en-US" sz="900"/>
+              <a:t>한국일보</a:t>
+            </a:r>
+            <a:r>
+              <a:rPr lang="en-US" altLang="ko-KR" sz="900"/>
+              <a:t>(</a:t>
+            </a:r>
+            <a:r>
+              <a:rPr lang="en-US" altLang="ko-KR" sz="900" b="1">
+                <a:solidFill>
+                  <a:srgbClr val="44546A">
+                    <a:lumMod val="75000"/>
+                  </a:srgbClr>
+                </a:solidFill>
+              </a:rPr>
+              <a:t>https://www.hankookilbo.com/News/Read/202004061549732280)</a:t>
+            </a:r>
+            <a:endParaRPr lang="ko-KR" altLang="en-US" sz="900" dirty="0">
+              <a:solidFill>
+                <a:prstClr val="black">
+                  <a:lumMod val="65000"/>
+                  <a:lumOff val="35000"/>
+                </a:prstClr>
+              </a:solidFill>
+            </a:endParaRPr>
+          </a:p>
+        </p:txBody>
+      </p:sp>
+      <p:sp>
+        <p:nvSpPr>
+          <p:cNvPr id="47" name="직사각형 46">
+            <a:extLst>
+              <a:ext uri="{FF2B5EF4-FFF2-40B4-BE49-F238E27FC236}">
+                <a16:creationId xmlns:a16="http://schemas.microsoft.com/office/drawing/2014/main" id="{3FA00699-5178-465A-9F3F-130CF1431F70}"/>
+              </a:ext>
+            </a:extLst>
+          </p:cNvPr>
+          <p:cNvSpPr/>
+          <p:nvPr/>
+        </p:nvSpPr>
+        <p:spPr>
+          <a:xfrm>
+            <a:off x="6756717" y="2264097"/>
+            <a:ext cx="4469818" cy="2169825"/>
+          </a:xfrm>
+          <a:prstGeom prst="rect">
+            <a:avLst/>
+          </a:prstGeom>
+        </p:spPr>
+        <p:txBody>
+          <a:bodyPr wrap="square">
+            <a:spAutoFit/>
+          </a:bodyPr>
+          <a:lstStyle/>
+          <a:p>
+            <a:pPr>
+              <a:lnSpc>
+                <a:spcPct val="150000"/>
+              </a:lnSpc>
+            </a:pPr>
+            <a:r>
+              <a:rPr lang="ko-KR" altLang="en-US" sz="1000">
+                <a:solidFill>
+                  <a:prstClr val="black">
+                    <a:lumMod val="65000"/>
+                    <a:lumOff val="35000"/>
+                  </a:prstClr>
+                </a:solidFill>
+              </a:rPr>
+              <a:t> </a:t>
+            </a:r>
+            <a:r>
+              <a:rPr lang="ko-KR" altLang="en-US" sz="1500" b="1">
+                <a:solidFill>
+                  <a:prstClr val="black">
+                    <a:lumMod val="65000"/>
+                    <a:lumOff val="35000"/>
+                  </a:prstClr>
+                </a:solidFill>
+              </a:rPr>
+              <a:t>실제 자취방을 구하는 단계에 있거나 구할 계획이 있는 주변 잠재적 소비자에게 직접 시뮬레이터 체험의 기회를 제공하는 등의 방식을 통해 피드백을 얻어 장점을 극대화하고 단점을 개선하는 방식을 통해 더욱 완성도 높은 시뮬레이터로 마무리 지을 것입니다</a:t>
+            </a:r>
+            <a:r>
+              <a:rPr lang="en-US" altLang="ko-KR" sz="1500" b="1">
+                <a:solidFill>
+                  <a:prstClr val="black">
+                    <a:lumMod val="65000"/>
+                    <a:lumOff val="35000"/>
+                  </a:prstClr>
+                </a:solidFill>
+              </a:rPr>
+              <a:t>.</a:t>
+            </a:r>
+          </a:p>
+        </p:txBody>
+      </p:sp>
+      <p:pic>
+        <p:nvPicPr>
+          <p:cNvPr id="1026" name="Picture 2" descr="코로나에 막힌 집구경 'VR 발품팔이'로 대신한다"/>
+          <p:cNvPicPr>
+            <a:picLocks noChangeAspect="1" noChangeArrowheads="1"/>
+          </p:cNvPicPr>
+          <p:nvPr/>
+        </p:nvPicPr>
+        <p:blipFill>
+          <a:blip r:embed="rId2">
+            <a:extLst>
+              <a:ext uri="{28A0092B-C50C-407E-A947-70E740481C1C}">
+                <a14:useLocalDpi xmlns:a14="http://schemas.microsoft.com/office/drawing/2010/main" val="0"/>
+              </a:ext>
+            </a:extLst>
+          </a:blip>
+          <a:srcRect/>
+          <a:stretch>
+            <a:fillRect/>
+          </a:stretch>
+        </p:blipFill>
+        <p:spPr bwMode="auto">
+          <a:xfrm>
+            <a:off x="490297" y="1169283"/>
+            <a:ext cx="5612329" cy="4314826"/>
+          </a:xfrm>
+          <a:prstGeom prst="rect">
+            <a:avLst/>
+          </a:prstGeom>
+          <a:noFill/>
+          <a:extLst>
+            <a:ext uri="{909E8E84-426E-40DD-AFC4-6F175D3DCCD1}">
+              <a14:hiddenFill xmlns:a14="http://schemas.microsoft.com/office/drawing/2010/main">
+                <a:solidFill>
+                  <a:srgbClr val="FFFFFF"/>
+                </a:solidFill>
+              </a14:hiddenFill>
+            </a:ext>
+          </a:extLst>
+        </p:spPr>
+      </p:pic>
+      <p:pic>
+        <p:nvPicPr>
+          <p:cNvPr id="16" name="그림 15">
+            <a:extLst>
+              <a:ext uri="{FF2B5EF4-FFF2-40B4-BE49-F238E27FC236}">
+                <a16:creationId xmlns:a16="http://schemas.microsoft.com/office/drawing/2014/main" id="{853F44A1-2C7C-3124-823D-86D26BE28D78}"/>
+              </a:ext>
+            </a:extLst>
+          </p:cNvPr>
+          <p:cNvPicPr>
+            <a:picLocks noChangeAspect="1"/>
+          </p:cNvPicPr>
+          <p:nvPr/>
+        </p:nvPicPr>
+        <p:blipFill>
+          <a:blip r:embed="rId3" cstate="print">
+            <a:extLst>
+              <a:ext uri="{28A0092B-C50C-407E-A947-70E740481C1C}">
+                <a14:useLocalDpi xmlns:a14="http://schemas.microsoft.com/office/drawing/2010/main" val="0"/>
+              </a:ext>
+            </a:extLst>
+          </a:blip>
+          <a:stretch>
+            <a:fillRect/>
+          </a:stretch>
+        </p:blipFill>
+        <p:spPr>
+          <a:xfrm>
+            <a:off x="11313108" y="311326"/>
+            <a:ext cx="652350" cy="527786"/>
+          </a:xfrm>
+          <a:prstGeom prst="rect">
+            <a:avLst/>
+          </a:prstGeom>
+        </p:spPr>
+      </p:pic>
+      <p:cxnSp>
+        <p:nvCxnSpPr>
+          <p:cNvPr id="11" name="직선 연결선 10">
+            <a:extLst>
+              <a:ext uri="{FF2B5EF4-FFF2-40B4-BE49-F238E27FC236}">
+                <a16:creationId xmlns:a16="http://schemas.microsoft.com/office/drawing/2014/main" id="{5C067028-2E01-47AD-8DE6-64CBF7F2E79F}"/>
+              </a:ext>
+            </a:extLst>
+          </p:cNvPr>
+          <p:cNvCxnSpPr>
+            <a:cxnSpLocks/>
+          </p:cNvCxnSpPr>
+          <p:nvPr/>
+        </p:nvCxnSpPr>
+        <p:spPr>
+          <a:xfrm>
+            <a:off x="6503502" y="1487129"/>
+            <a:ext cx="0" cy="3600000"/>
+          </a:xfrm>
+          <a:prstGeom prst="line">
+            <a:avLst/>
+          </a:prstGeom>
+          <a:ln w="19050">
+            <a:solidFill>
+              <a:srgbClr val="CACACA"/>
+            </a:solidFill>
+            <a:prstDash val="lgDash"/>
+          </a:ln>
+        </p:spPr>
+        <p:style>
+          <a:lnRef idx="1">
+            <a:schemeClr val="accent1"/>
+          </a:lnRef>
+          <a:fillRef idx="0">
+            <a:schemeClr val="accent1"/>
+          </a:fillRef>
+          <a:effectRef idx="0">
+            <a:schemeClr val="accent1"/>
+          </a:effectRef>
+          <a:fontRef idx="minor">
+            <a:schemeClr val="tx1"/>
+          </a:fontRef>
+        </p:style>
+      </p:cxnSp>
+    </p:spTree>
+    <p:extLst>
+      <p:ext uri="{BB962C8B-B14F-4D97-AF65-F5344CB8AC3E}">
+        <p14:creationId xmlns:p14="http://schemas.microsoft.com/office/powerpoint/2010/main" val="3001498773"/>
+      </p:ext>
+    </p:extLst>
+  </p:cSld>
+  <p:clrMapOvr>
+    <a:masterClrMapping/>
+  </p:clrMapOvr>
+</p:sld>
+</file>
+
+<file path=ppt/slides/slide13.xml><?xml version="1.0" encoding="utf-8"?>
+<p:sld xmlns:a="http://schemas.openxmlformats.org/drawingml/2006/main" xmlns:r="http://schemas.openxmlformats.org/officeDocument/2006/relationships" xmlns:p="http://schemas.openxmlformats.org/presentationml/2006/main">
+  <p:cSld>
+    <p:bg>
+      <p:bgPr>
+        <a:solidFill>
+          <a:srgbClr val="FFEAD1"/>
+        </a:solidFill>
+        <a:effectLst/>
+      </p:bgPr>
+    </p:bg>
+    <p:spTree>
+      <p:nvGrpSpPr>
+        <p:cNvPr id="1" name=""/>
+        <p:cNvGrpSpPr/>
+        <p:nvPr/>
+      </p:nvGrpSpPr>
+      <p:grpSpPr>
+        <a:xfrm>
+          <a:off x="0" y="0"/>
+          <a:ext cx="0" cy="0"/>
+          <a:chOff x="0" y="0"/>
+          <a:chExt cx="0" cy="0"/>
+        </a:xfrm>
+      </p:grpSpPr>
+      <p:sp>
+        <p:nvSpPr>
+          <p:cNvPr id="5" name="양쪽 모서리가 둥근 사각형 4"/>
+          <p:cNvSpPr/>
+          <p:nvPr/>
+        </p:nvSpPr>
+        <p:spPr>
+          <a:xfrm>
+            <a:off x="274458" y="348343"/>
+            <a:ext cx="11664000" cy="6509657"/>
+          </a:xfrm>
+          <a:prstGeom prst="round2SameRect">
+            <a:avLst>
+              <a:gd name="adj1" fmla="val 5233"/>
+              <a:gd name="adj2" fmla="val 0"/>
+            </a:avLst>
+          </a:prstGeom>
+          <a:solidFill>
+            <a:schemeClr val="tx1">
+              <a:lumMod val="75000"/>
+              <a:lumOff val="25000"/>
+            </a:schemeClr>
+          </a:solidFill>
+          <a:ln>
+            <a:noFill/>
+          </a:ln>
+          <a:effectLst>
+            <a:outerShdw dist="38100" algn="l" rotWithShape="0">
+              <a:prstClr val="black">
+                <a:alpha val="40000"/>
+              </a:prstClr>
+            </a:outerShdw>
+          </a:effectLst>
+        </p:spPr>
+        <p:style>
+          <a:lnRef idx="2">
+            <a:schemeClr val="accent1">
+              <a:shade val="50000"/>
+            </a:schemeClr>
+          </a:lnRef>
+          <a:fillRef idx="1">
+            <a:schemeClr val="accent1"/>
+          </a:fillRef>
+          <a:effectRef idx="0">
+            <a:schemeClr val="accent1"/>
+          </a:effectRef>
+          <a:fontRef idx="minor">
+            <a:schemeClr val="lt1"/>
+          </a:fontRef>
+        </p:style>
+        <p:txBody>
+          <a:bodyPr rtlCol="0" anchor="ctr"/>
+          <a:lstStyle/>
+          <a:p>
+            <a:pPr algn="ctr"/>
+            <a:endParaRPr lang="ko-KR" altLang="en-US">
+              <a:solidFill>
+                <a:prstClr val="white"/>
+              </a:solidFill>
+            </a:endParaRPr>
+          </a:p>
+        </p:txBody>
+      </p:sp>
+      <p:sp>
+        <p:nvSpPr>
+          <p:cNvPr id="6" name="양쪽 모서리가 둥근 사각형 5"/>
+          <p:cNvSpPr/>
+          <p:nvPr/>
+        </p:nvSpPr>
+        <p:spPr>
+          <a:xfrm>
+            <a:off x="328458" y="414000"/>
+            <a:ext cx="11556000" cy="6444000"/>
+          </a:xfrm>
+          <a:prstGeom prst="round2SameRect">
+            <a:avLst>
+              <a:gd name="adj1" fmla="val 4913"/>
+              <a:gd name="adj2" fmla="val 0"/>
+            </a:avLst>
+          </a:prstGeom>
+          <a:solidFill>
+            <a:srgbClr val="01A7CE"/>
+          </a:solidFill>
+          <a:ln>
+            <a:noFill/>
+          </a:ln>
+        </p:spPr>
+        <p:style>
+          <a:lnRef idx="2">
+            <a:schemeClr val="accent1">
+              <a:shade val="50000"/>
+            </a:schemeClr>
+          </a:lnRef>
+          <a:fillRef idx="1">
+            <a:schemeClr val="accent1"/>
+          </a:fillRef>
+          <a:effectRef idx="0">
+            <a:schemeClr val="accent1"/>
+          </a:effectRef>
+          <a:fontRef idx="minor">
+            <a:schemeClr val="lt1"/>
+          </a:fontRef>
+        </p:style>
+        <p:txBody>
+          <a:bodyPr rtlCol="0" anchor="t"/>
+          <a:lstStyle/>
+          <a:p>
+            <a:pPr lvl="1" latinLnBrk="0">
+              <a:defRPr/>
+            </a:pPr>
+            <a:r>
+              <a:rPr lang="en-US" altLang="ko-KR" sz="2800" b="1" i="1" kern="0" dirty="0">
+                <a:solidFill>
+                  <a:prstClr val="white"/>
+                </a:solidFill>
+              </a:rPr>
+              <a:t>3. Q</a:t>
+            </a:r>
+            <a:r>
+              <a:rPr lang="ko-KR" altLang="en-US" sz="2800" b="1" i="1" kern="0" dirty="0">
+                <a:solidFill>
+                  <a:prstClr val="white"/>
+                </a:solidFill>
+              </a:rPr>
+              <a:t> </a:t>
+            </a:r>
+            <a:r>
+              <a:rPr lang="en-US" altLang="ko-KR" sz="2800" b="1" i="1" kern="0" dirty="0">
+                <a:solidFill>
+                  <a:prstClr val="white"/>
+                </a:solidFill>
+              </a:rPr>
+              <a:t>&amp; A</a:t>
+            </a:r>
+            <a:endParaRPr lang="en-US" altLang="ko-KR" sz="1400" i="1" kern="0" dirty="0">
+              <a:solidFill>
+                <a:prstClr val="white"/>
+              </a:solidFill>
+            </a:endParaRPr>
+          </a:p>
+          <a:p>
+            <a:pPr algn="ctr"/>
+            <a:endParaRPr lang="ko-KR" altLang="en-US" sz="1000" dirty="0">
+              <a:solidFill>
+                <a:prstClr val="white"/>
+              </a:solidFill>
+            </a:endParaRPr>
+          </a:p>
+        </p:txBody>
+      </p:sp>
+      <p:sp>
+        <p:nvSpPr>
+          <p:cNvPr id="7" name="직사각형 6"/>
+          <p:cNvSpPr/>
+          <p:nvPr/>
+        </p:nvSpPr>
+        <p:spPr>
+          <a:xfrm>
+            <a:off x="324626" y="1068343"/>
+            <a:ext cx="11556000" cy="5789657"/>
+          </a:xfrm>
+          <a:prstGeom prst="rect">
+            <a:avLst/>
+          </a:prstGeom>
+          <a:solidFill>
+            <a:schemeClr val="bg1"/>
+          </a:solidFill>
+          <a:ln>
+            <a:noFill/>
+          </a:ln>
+        </p:spPr>
+        <p:style>
+          <a:lnRef idx="2">
+            <a:schemeClr val="accent1">
+              <a:shade val="50000"/>
+            </a:schemeClr>
+          </a:lnRef>
+          <a:fillRef idx="1">
+            <a:schemeClr val="accent1"/>
+          </a:fillRef>
+          <a:effectRef idx="0">
+            <a:schemeClr val="accent1"/>
+          </a:effectRef>
+          <a:fontRef idx="minor">
+            <a:schemeClr val="lt1"/>
+          </a:fontRef>
+        </p:style>
+        <p:txBody>
+          <a:bodyPr rtlCol="0" anchor="ctr"/>
+          <a:lstStyle/>
+          <a:p>
+            <a:pPr algn="ctr"/>
+            <a:endParaRPr lang="ko-KR" altLang="en-US">
+              <a:solidFill>
+                <a:prstClr val="white"/>
+              </a:solidFill>
+            </a:endParaRPr>
+          </a:p>
+        </p:txBody>
+      </p:sp>
+      <p:sp>
+        <p:nvSpPr>
+          <p:cNvPr id="10" name="사각형: 둥근 모서리 5">
+            <a:extLst>
+              <a:ext uri="{FF2B5EF4-FFF2-40B4-BE49-F238E27FC236}">
+                <a16:creationId xmlns:a16="http://schemas.microsoft.com/office/drawing/2014/main" id="{29433077-90B3-4432-AB1E-87BD95D8FF5C}"/>
+              </a:ext>
+            </a:extLst>
+          </p:cNvPr>
+          <p:cNvSpPr/>
+          <p:nvPr/>
+        </p:nvSpPr>
+        <p:spPr>
+          <a:xfrm>
+            <a:off x="11281274" y="215219"/>
+            <a:ext cx="720000" cy="720000"/>
+          </a:xfrm>
+          <a:prstGeom prst="ellipse">
+            <a:avLst/>
+          </a:prstGeom>
+          <a:gradFill flip="none" rotWithShape="1">
+            <a:gsLst>
+              <a:gs pos="0">
+                <a:srgbClr val="01A7CE"/>
+              </a:gs>
+              <a:gs pos="100000">
+                <a:srgbClr val="00D0AC"/>
+              </a:gs>
+            </a:gsLst>
+            <a:path path="circle">
+              <a:fillToRect l="100000" t="100000"/>
+            </a:path>
+            <a:tileRect r="-100000" b="-100000"/>
+          </a:gradFill>
+          <a:ln>
+            <a:noFill/>
+          </a:ln>
+          <a:effectLst>
+            <a:outerShdw blurRad="50800" dist="38100" dir="2700000" algn="tl" rotWithShape="0">
+              <a:prstClr val="black">
+                <a:alpha val="40000"/>
+              </a:prstClr>
+            </a:outerShdw>
+          </a:effectLst>
+        </p:spPr>
+        <p:style>
+          <a:lnRef idx="2">
+            <a:schemeClr val="accent1">
+              <a:shade val="50000"/>
+            </a:schemeClr>
+          </a:lnRef>
+          <a:fillRef idx="1">
+            <a:schemeClr val="accent1"/>
+          </a:fillRef>
+          <a:effectRef idx="0">
+            <a:schemeClr val="accent1"/>
+          </a:effectRef>
+          <a:fontRef idx="minor">
+            <a:schemeClr val="lt1"/>
+          </a:fontRef>
+        </p:style>
+        <p:txBody>
+          <a:bodyPr lIns="216000" rtlCol="0" anchor="ctr"/>
+          <a:lstStyle/>
+          <a:p>
+            <a:pPr>
+              <a:defRPr/>
+            </a:pPr>
+            <a:endParaRPr lang="en-US" altLang="ko-KR" sz="400" kern="0" dirty="0">
+              <a:solidFill>
+                <a:prstClr val="white"/>
+              </a:solidFill>
+            </a:endParaRPr>
+          </a:p>
+        </p:txBody>
+      </p:sp>
+      <p:sp>
+        <p:nvSpPr>
+          <p:cNvPr id="47" name="직사각형 46">
+            <a:extLst>
+              <a:ext uri="{FF2B5EF4-FFF2-40B4-BE49-F238E27FC236}">
+                <a16:creationId xmlns:a16="http://schemas.microsoft.com/office/drawing/2014/main" id="{3FA00699-5178-465A-9F3F-130CF1431F70}"/>
+              </a:ext>
+            </a:extLst>
+          </p:cNvPr>
+          <p:cNvSpPr/>
+          <p:nvPr/>
+        </p:nvSpPr>
+        <p:spPr>
+          <a:xfrm>
+            <a:off x="1783977" y="2940436"/>
+            <a:ext cx="8794376" cy="977127"/>
+          </a:xfrm>
+          <a:prstGeom prst="rect">
+            <a:avLst/>
+          </a:prstGeom>
+        </p:spPr>
+        <p:txBody>
+          <a:bodyPr wrap="square">
+            <a:spAutoFit/>
+          </a:bodyPr>
+          <a:lstStyle/>
+          <a:p>
+            <a:pPr>
+              <a:lnSpc>
+                <a:spcPct val="150000"/>
+              </a:lnSpc>
+            </a:pPr>
+            <a:r>
+              <a:rPr lang="ko-KR" altLang="en-US" sz="4400" b="1" i="1" dirty="0">
+                <a:solidFill>
+                  <a:prstClr val="black">
+                    <a:lumMod val="65000"/>
+                    <a:lumOff val="35000"/>
+                  </a:prstClr>
+                </a:solidFill>
+              </a:rPr>
+              <a:t>궁금한 점 질문 해주시기 바랍니다</a:t>
+            </a:r>
+            <a:endParaRPr lang="en-US" altLang="ko-KR" sz="4400" b="1" i="1" dirty="0">
+              <a:solidFill>
+                <a:prstClr val="black">
+                  <a:lumMod val="65000"/>
+                  <a:lumOff val="35000"/>
+                </a:prstClr>
+              </a:solidFill>
+            </a:endParaRPr>
+          </a:p>
+        </p:txBody>
+      </p:sp>
+      <p:pic>
+        <p:nvPicPr>
+          <p:cNvPr id="16" name="그림 15">
+            <a:extLst>
+              <a:ext uri="{FF2B5EF4-FFF2-40B4-BE49-F238E27FC236}">
+                <a16:creationId xmlns:a16="http://schemas.microsoft.com/office/drawing/2014/main" id="{853F44A1-2C7C-3124-823D-86D26BE28D78}"/>
+              </a:ext>
+            </a:extLst>
+          </p:cNvPr>
+          <p:cNvPicPr>
+            <a:picLocks noChangeAspect="1"/>
+          </p:cNvPicPr>
+          <p:nvPr/>
+        </p:nvPicPr>
+        <p:blipFill>
+          <a:blip r:embed="rId2" cstate="print">
+            <a:extLst>
+              <a:ext uri="{28A0092B-C50C-407E-A947-70E740481C1C}">
+                <a14:useLocalDpi xmlns:a14="http://schemas.microsoft.com/office/drawing/2010/main" val="0"/>
+              </a:ext>
+            </a:extLst>
+          </a:blip>
+          <a:stretch>
+            <a:fillRect/>
+          </a:stretch>
+        </p:blipFill>
+        <p:spPr>
+          <a:xfrm>
+            <a:off x="11313108" y="311326"/>
+            <a:ext cx="652350" cy="527786"/>
+          </a:xfrm>
+          <a:prstGeom prst="rect">
+            <a:avLst/>
+          </a:prstGeom>
+        </p:spPr>
+      </p:pic>
+    </p:spTree>
+    <p:extLst>
+      <p:ext uri="{BB962C8B-B14F-4D97-AF65-F5344CB8AC3E}">
+        <p14:creationId xmlns:p14="http://schemas.microsoft.com/office/powerpoint/2010/main" val="2853391067"/>
+      </p:ext>
+    </p:extLst>
+  </p:cSld>
+  <p:clrMapOvr>
+    <a:masterClrMapping/>
+  </p:clrMapOvr>
+</p:sld>
+</file>
+
+<file path=ppt/slides/slide14.xml><?xml version="1.0" encoding="utf-8"?>
+<p:sld xmlns:a="http://schemas.openxmlformats.org/drawingml/2006/main" xmlns:r="http://schemas.openxmlformats.org/officeDocument/2006/relationships" xmlns:p="http://schemas.openxmlformats.org/presentationml/2006/main">
+  <p:cSld>
+    <p:bg>
+      <p:bgPr>
+        <a:solidFill>
+          <a:srgbClr val="FFEAD1"/>
+        </a:solidFill>
+        <a:effectLst/>
+      </p:bgPr>
+    </p:bg>
+    <p:spTree>
+      <p:nvGrpSpPr>
+        <p:cNvPr id="1" name=""/>
+        <p:cNvGrpSpPr/>
+        <p:nvPr/>
+      </p:nvGrpSpPr>
+      <p:grpSpPr>
+        <a:xfrm>
+          <a:off x="0" y="0"/>
+          <a:ext cx="0" cy="0"/>
+          <a:chOff x="0" y="0"/>
+          <a:chExt cx="0" cy="0"/>
+        </a:xfrm>
+      </p:grpSpPr>
+      <p:sp>
+        <p:nvSpPr>
+          <p:cNvPr id="5" name="양쪽 모서리가 둥근 사각형 4"/>
+          <p:cNvSpPr/>
+          <p:nvPr/>
+        </p:nvSpPr>
+        <p:spPr>
+          <a:xfrm>
+            <a:off x="3590924" y="3043917"/>
+            <a:ext cx="5318583" cy="3814083"/>
+          </a:xfrm>
+          <a:prstGeom prst="round2SameRect">
+            <a:avLst>
+              <a:gd name="adj1" fmla="val 5233"/>
+              <a:gd name="adj2" fmla="val 0"/>
+            </a:avLst>
+          </a:prstGeom>
+          <a:solidFill>
+            <a:schemeClr val="tx1">
+              <a:lumMod val="75000"/>
+              <a:lumOff val="25000"/>
+            </a:schemeClr>
+          </a:solidFill>
+          <a:ln>
+            <a:noFill/>
+          </a:ln>
+          <a:effectLst>
+            <a:outerShdw dist="38100" algn="l" rotWithShape="0">
+              <a:prstClr val="black">
+                <a:alpha val="40000"/>
+              </a:prstClr>
+            </a:outerShdw>
+          </a:effectLst>
+        </p:spPr>
+        <p:style>
+          <a:lnRef idx="2">
+            <a:schemeClr val="accent1">
+              <a:shade val="50000"/>
+            </a:schemeClr>
+          </a:lnRef>
+          <a:fillRef idx="1">
+            <a:schemeClr val="accent1"/>
+          </a:fillRef>
+          <a:effectRef idx="0">
+            <a:schemeClr val="accent1"/>
+          </a:effectRef>
+          <a:fontRef idx="minor">
+            <a:schemeClr val="lt1"/>
+          </a:fontRef>
+        </p:style>
+        <p:txBody>
+          <a:bodyPr rtlCol="0" anchor="ctr"/>
+          <a:lstStyle/>
+          <a:p>
+            <a:pPr algn="ctr"/>
+            <a:endParaRPr lang="ko-KR" altLang="en-US">
+              <a:solidFill>
+                <a:prstClr val="white"/>
+              </a:solidFill>
+            </a:endParaRPr>
+          </a:p>
+        </p:txBody>
+      </p:sp>
+      <p:sp>
+        <p:nvSpPr>
+          <p:cNvPr id="6" name="양쪽 모서리가 둥근 사각형 5"/>
+          <p:cNvSpPr/>
+          <p:nvPr/>
+        </p:nvSpPr>
+        <p:spPr>
+          <a:xfrm>
+            <a:off x="3657600" y="3109574"/>
+            <a:ext cx="5197907" cy="3748426"/>
+          </a:xfrm>
+          <a:prstGeom prst="round2SameRect">
+            <a:avLst>
+              <a:gd name="adj1" fmla="val 4913"/>
+              <a:gd name="adj2" fmla="val 0"/>
+            </a:avLst>
+          </a:prstGeom>
+          <a:solidFill>
+            <a:srgbClr val="01A7CE"/>
+          </a:solidFill>
+          <a:ln>
+            <a:noFill/>
+          </a:ln>
+        </p:spPr>
+        <p:style>
+          <a:lnRef idx="2">
+            <a:schemeClr val="accent1">
+              <a:shade val="50000"/>
+            </a:schemeClr>
+          </a:lnRef>
+          <a:fillRef idx="1">
+            <a:schemeClr val="accent1"/>
+          </a:fillRef>
+          <a:effectRef idx="0">
+            <a:schemeClr val="accent1"/>
+          </a:effectRef>
+          <a:fontRef idx="minor">
+            <a:schemeClr val="lt1"/>
+          </a:fontRef>
+        </p:style>
+        <p:txBody>
+          <a:bodyPr rtlCol="0" anchor="t"/>
+          <a:lstStyle/>
+          <a:p>
+            <a:pPr algn="ctr">
+              <a:lnSpc>
+                <a:spcPct val="200000"/>
+              </a:lnSpc>
+            </a:pPr>
+            <a:r>
+              <a:rPr lang="ko-KR" altLang="en-US" sz="1700">
+                <a:solidFill>
+                  <a:prstClr val="white"/>
+                </a:solidFill>
+              </a:rPr>
+              <a:t>소프트웨어캡스톤디자인</a:t>
+            </a:r>
+            <a:endParaRPr lang="ko-KR" altLang="en-US" sz="1700" dirty="0">
+              <a:solidFill>
+                <a:prstClr val="white"/>
+              </a:solidFill>
+            </a:endParaRPr>
+          </a:p>
+        </p:txBody>
+      </p:sp>
+      <p:sp>
+        <p:nvSpPr>
+          <p:cNvPr id="7" name="직사각형 6"/>
+          <p:cNvSpPr/>
+          <p:nvPr/>
+        </p:nvSpPr>
+        <p:spPr>
+          <a:xfrm>
+            <a:off x="3657600" y="3763918"/>
+            <a:ext cx="5197907" cy="3094082"/>
+          </a:xfrm>
+          <a:prstGeom prst="rect">
+            <a:avLst/>
+          </a:prstGeom>
+          <a:solidFill>
+            <a:schemeClr val="bg1"/>
+          </a:solidFill>
+          <a:ln>
+            <a:noFill/>
+          </a:ln>
+        </p:spPr>
+        <p:style>
+          <a:lnRef idx="2">
+            <a:schemeClr val="accent1">
+              <a:shade val="50000"/>
+            </a:schemeClr>
+          </a:lnRef>
+          <a:fillRef idx="1">
+            <a:schemeClr val="accent1"/>
+          </a:fillRef>
+          <a:effectRef idx="0">
+            <a:schemeClr val="accent1"/>
+          </a:effectRef>
+          <a:fontRef idx="minor">
+            <a:schemeClr val="lt1"/>
+          </a:fontRef>
+        </p:style>
+        <p:txBody>
+          <a:bodyPr rtlCol="0" anchor="ctr"/>
+          <a:lstStyle/>
+          <a:p>
+            <a:pPr algn="ctr" latinLnBrk="0">
+              <a:lnSpc>
+                <a:spcPct val="150000"/>
+              </a:lnSpc>
+              <a:defRPr/>
+            </a:pPr>
+            <a:r>
+              <a:rPr lang="ko-KR" altLang="en-US" sz="4400" b="1" i="1" kern="0" dirty="0">
+                <a:solidFill>
+                  <a:prstClr val="black">
+                    <a:lumMod val="75000"/>
+                    <a:lumOff val="25000"/>
+                  </a:prstClr>
+                </a:solidFill>
+              </a:rPr>
+              <a:t>감사합니다</a:t>
+            </a:r>
+            <a:endParaRPr lang="en-US" altLang="ko-KR" sz="4400" b="1" i="1" kern="0" dirty="0">
+              <a:solidFill>
+                <a:prstClr val="black">
+                  <a:lumMod val="75000"/>
+                  <a:lumOff val="25000"/>
+                </a:prstClr>
+              </a:solidFill>
+            </a:endParaRPr>
+          </a:p>
+        </p:txBody>
+      </p:sp>
+      <p:sp>
+        <p:nvSpPr>
+          <p:cNvPr id="10" name="사각형: 둥근 모서리 5">
+            <a:extLst>
+              <a:ext uri="{FF2B5EF4-FFF2-40B4-BE49-F238E27FC236}">
+                <a16:creationId xmlns:a16="http://schemas.microsoft.com/office/drawing/2014/main" id="{29433077-90B3-4432-AB1E-87BD95D8FF5C}"/>
+              </a:ext>
+            </a:extLst>
+          </p:cNvPr>
+          <p:cNvSpPr/>
+          <p:nvPr/>
+        </p:nvSpPr>
+        <p:spPr>
+          <a:xfrm>
+            <a:off x="8402799" y="2863362"/>
+            <a:ext cx="573384" cy="573384"/>
+          </a:xfrm>
+          <a:prstGeom prst="ellipse">
+            <a:avLst/>
+          </a:prstGeom>
+          <a:gradFill flip="none" rotWithShape="1">
+            <a:gsLst>
+              <a:gs pos="0">
+                <a:srgbClr val="01A7CE"/>
+              </a:gs>
+              <a:gs pos="100000">
+                <a:srgbClr val="00D0AC"/>
+              </a:gs>
+            </a:gsLst>
+            <a:path path="circle">
+              <a:fillToRect l="100000" t="100000"/>
+            </a:path>
+            <a:tileRect r="-100000" b="-100000"/>
+          </a:gradFill>
+          <a:ln>
+            <a:noFill/>
+          </a:ln>
+          <a:effectLst>
+            <a:outerShdw blurRad="50800" dist="38100" dir="2700000" algn="tl" rotWithShape="0">
+              <a:prstClr val="black">
+                <a:alpha val="40000"/>
+              </a:prstClr>
+            </a:outerShdw>
+          </a:effectLst>
+        </p:spPr>
+        <p:style>
+          <a:lnRef idx="2">
+            <a:schemeClr val="accent1">
+              <a:shade val="50000"/>
+            </a:schemeClr>
+          </a:lnRef>
+          <a:fillRef idx="1">
+            <a:schemeClr val="accent1"/>
+          </a:fillRef>
+          <a:effectRef idx="0">
+            <a:schemeClr val="accent1"/>
+          </a:effectRef>
+          <a:fontRef idx="minor">
+            <a:schemeClr val="lt1"/>
+          </a:fontRef>
+        </p:style>
+        <p:txBody>
+          <a:bodyPr lIns="216000" rtlCol="0" anchor="ctr"/>
+          <a:lstStyle/>
+          <a:p>
+            <a:pPr>
+              <a:defRPr/>
+            </a:pPr>
+            <a:endParaRPr lang="en-US" altLang="ko-KR" sz="400" kern="0" dirty="0">
+              <a:solidFill>
+                <a:prstClr val="white"/>
+              </a:solidFill>
+            </a:endParaRPr>
+          </a:p>
+        </p:txBody>
+      </p:sp>
+      <p:pic>
+        <p:nvPicPr>
+          <p:cNvPr id="11" name="그림 10">
+            <a:extLst>
+              <a:ext uri="{FF2B5EF4-FFF2-40B4-BE49-F238E27FC236}">
+                <a16:creationId xmlns:a16="http://schemas.microsoft.com/office/drawing/2014/main" id="{31A65D8A-4658-B64B-EDC2-DD445BE14A84}"/>
+              </a:ext>
+            </a:extLst>
+          </p:cNvPr>
+          <p:cNvPicPr>
+            <a:picLocks noChangeAspect="1"/>
+          </p:cNvPicPr>
+          <p:nvPr/>
+        </p:nvPicPr>
+        <p:blipFill>
+          <a:blip r:embed="rId2" cstate="print">
+            <a:extLst>
+              <a:ext uri="{28A0092B-C50C-407E-A947-70E740481C1C}">
+                <a14:useLocalDpi xmlns:a14="http://schemas.microsoft.com/office/drawing/2010/main" val="0"/>
+              </a:ext>
+            </a:extLst>
+          </a:blip>
+          <a:stretch>
+            <a:fillRect/>
+          </a:stretch>
+        </p:blipFill>
+        <p:spPr>
+          <a:xfrm>
+            <a:off x="8402799" y="2918104"/>
+            <a:ext cx="573384" cy="463899"/>
+          </a:xfrm>
+          <a:prstGeom prst="rect">
+            <a:avLst/>
+          </a:prstGeom>
+        </p:spPr>
+      </p:pic>
+    </p:spTree>
+    <p:extLst>
+      <p:ext uri="{BB962C8B-B14F-4D97-AF65-F5344CB8AC3E}">
+        <p14:creationId xmlns:p14="http://schemas.microsoft.com/office/powerpoint/2010/main" val="2277102541"/>
       </p:ext>
     </p:extLst>
   </p:cSld>
@@ -6883,7 +9725,7 @@
         <p:spPr>
           <a:xfrm>
             <a:off x="6956123" y="1717403"/>
-            <a:ext cx="4523841" cy="3139321"/>
+            <a:ext cx="4523841" cy="3693319"/>
           </a:xfrm>
           <a:prstGeom prst="rect">
             <a:avLst/>
@@ -6921,12 +9763,12 @@
               <a:t>. </a:t>
             </a:r>
             <a:r>
-              <a:rPr lang="ko-KR" altLang="en-US" b="1" dirty="0">
-                <a:solidFill>
-                  <a:srgbClr val="FF0000"/>
-                </a:solidFill>
-              </a:rPr>
-              <a:t>실제 방 추가</a:t>
+              <a:rPr lang="ko-KR" altLang="en-US" b="1" dirty="0"/>
+              <a:t>마지막으로 실제로 촬영된 방을 보며 배운 것을 마무리한다</a:t>
+            </a:r>
+            <a:r>
+              <a:rPr lang="en-US" altLang="ko-KR" b="1" dirty="0"/>
+              <a:t>.</a:t>
             </a:r>
             <a:endParaRPr lang="en-US" altLang="ko-KR" b="1" dirty="0">
               <a:solidFill>
@@ -10043,7 +12885,7 @@
                   <a:prstClr val="white"/>
                 </a:solidFill>
               </a:rPr>
-              <a:t>- </a:t>
+              <a:t>– </a:t>
             </a:r>
             <a:r>
               <a:rPr lang="ko-KR" altLang="en-US" sz="2800" b="1" i="1" kern="0" dirty="0">
@@ -10051,39 +12893,7 @@
                   <a:prstClr val="white"/>
                 </a:solidFill>
               </a:rPr>
-              <a:t>실제 방 사진</a:t>
-            </a:r>
-            <a:r>
-              <a:rPr lang="en-US" altLang="ko-KR" sz="2400" b="1" i="1" kern="0" dirty="0">
-                <a:solidFill>
-                  <a:prstClr val="white"/>
-                </a:solidFill>
-              </a:rPr>
-              <a:t> – </a:t>
-            </a:r>
-            <a:r>
-              <a:rPr lang="ko-KR" altLang="en-US" sz="1400" b="1" i="1" kern="0" dirty="0">
-                <a:solidFill>
-                  <a:srgbClr val="FF0000"/>
-                </a:solidFill>
-              </a:rPr>
-              <a:t>하자 찾기 사진</a:t>
-            </a:r>
-            <a:r>
-              <a:rPr lang="en-US" altLang="ko-KR" sz="1400" b="1" i="1" kern="0" dirty="0">
-                <a:solidFill>
-                  <a:srgbClr val="FF0000"/>
-                </a:solidFill>
-              </a:rPr>
-              <a:t>, </a:t>
-            </a:r>
-            <a:r>
-              <a:rPr lang="ko-KR" altLang="en-US" sz="1400" b="1" i="1" kern="0" dirty="0">
-                <a:solidFill>
-                  <a:srgbClr val="FF0000"/>
-                </a:solidFill>
-              </a:rPr>
-              <a:t>퀴즈 풀이 사진 넣기</a:t>
+              <a:t>하자 찾기 방</a:t>
             </a:r>
             <a:endParaRPr lang="en-US" altLang="ko-KR" sz="1400" i="1" kern="0" dirty="0">
               <a:solidFill>
@@ -10267,7 +13077,7 @@
                   </a:srgbClr>
                 </a:solidFill>
               </a:rPr>
-              <a:t>* 360</a:t>
+              <a:t>* </a:t>
             </a:r>
             <a:r>
               <a:rPr lang="ko-KR" altLang="en-US" sz="1400" dirty="0">
@@ -10277,7 +13087,27 @@
                   </a:srgbClr>
                 </a:solidFill>
               </a:rPr>
-              <a:t>도 카메라를 통해 촬영한 실제 방의 모습</a:t>
+              <a:t>유니티로 제작한 하자 찾기 </a:t>
+            </a:r>
+            <a:r>
+              <a:rPr lang="en-US" altLang="ko-KR" sz="1400" dirty="0">
+                <a:solidFill>
+                  <a:srgbClr val="44546A">
+                    <a:lumMod val="75000"/>
+                  </a:srgbClr>
+                </a:solidFill>
+              </a:rPr>
+              <a:t>1</a:t>
+            </a:r>
+            <a:r>
+              <a:rPr lang="ko-KR" altLang="en-US" sz="1400" dirty="0">
+                <a:solidFill>
+                  <a:srgbClr val="44546A">
+                    <a:lumMod val="75000"/>
+                  </a:srgbClr>
+                </a:solidFill>
+              </a:rPr>
+              <a:t>번 방의 모습</a:t>
             </a:r>
             <a:endParaRPr lang="ko-KR" altLang="en-US" sz="1000" dirty="0">
               <a:solidFill>
@@ -10330,7 +13160,7 @@
                   </a:srgbClr>
                 </a:solidFill>
               </a:rPr>
-              <a:t>* 360</a:t>
+              <a:t>* </a:t>
             </a:r>
             <a:r>
               <a:rPr lang="ko-KR" altLang="en-US" sz="1400" dirty="0">
@@ -10340,7 +13170,27 @@
                   </a:srgbClr>
                 </a:solidFill>
               </a:rPr>
-              <a:t>도 카메라를 통해 촬영한 화장실의 모습</a:t>
+              <a:t>유니티로 제작한 하자 찾기 </a:t>
+            </a:r>
+            <a:r>
+              <a:rPr lang="en-US" altLang="ko-KR" sz="1400" dirty="0">
+                <a:solidFill>
+                  <a:srgbClr val="44546A">
+                    <a:lumMod val="75000"/>
+                  </a:srgbClr>
+                </a:solidFill>
+              </a:rPr>
+              <a:t>2</a:t>
+            </a:r>
+            <a:r>
+              <a:rPr lang="ko-KR" altLang="en-US" sz="1400" dirty="0">
+                <a:solidFill>
+                  <a:srgbClr val="44546A">
+                    <a:lumMod val="75000"/>
+                  </a:srgbClr>
+                </a:solidFill>
+              </a:rPr>
+              <a:t>번 방의 모습</a:t>
             </a:r>
             <a:endParaRPr lang="ko-KR" altLang="en-US" sz="1000" dirty="0">
               <a:solidFill>
@@ -10355,80 +13205,20 @@
       </p:sp>
       <p:pic>
         <p:nvPicPr>
-          <p:cNvPr id="4" name="그림 3"/>
+          <p:cNvPr id="11" name="그림 10">
+            <a:extLst>
+              <a:ext uri="{FF2B5EF4-FFF2-40B4-BE49-F238E27FC236}">
+                <a16:creationId xmlns:a16="http://schemas.microsoft.com/office/drawing/2014/main" id="{58CCF67D-4083-25BA-D66B-A9BD38D7A62D}"/>
+              </a:ext>
+            </a:extLst>
+          </p:cNvPr>
           <p:cNvPicPr>
             <a:picLocks noChangeAspect="1"/>
           </p:cNvPicPr>
           <p:nvPr/>
         </p:nvPicPr>
         <p:blipFill>
-          <a:blip r:embed="rId3">
-            <a:extLst>
-              <a:ext uri="{28A0092B-C50C-407E-A947-70E740481C1C}">
-                <a14:useLocalDpi xmlns:a14="http://schemas.microsoft.com/office/drawing/2010/main" val="0"/>
-              </a:ext>
-            </a:extLst>
-          </a:blip>
-          <a:stretch>
-            <a:fillRect/>
-          </a:stretch>
-        </p:blipFill>
-        <p:spPr>
-          <a:xfrm>
-            <a:off x="490297" y="1543026"/>
-            <a:ext cx="5429736" cy="4611800"/>
-          </a:xfrm>
-          <a:prstGeom prst="rect">
-            <a:avLst/>
-          </a:prstGeom>
-        </p:spPr>
-      </p:pic>
-      <p:pic>
-        <p:nvPicPr>
-          <p:cNvPr id="8" name="그림 7"/>
-          <p:cNvPicPr>
-            <a:picLocks noChangeAspect="1"/>
-          </p:cNvPicPr>
-          <p:nvPr/>
-        </p:nvPicPr>
-        <p:blipFill>
-          <a:blip r:embed="rId4">
-            <a:extLst>
-              <a:ext uri="{28A0092B-C50C-407E-A947-70E740481C1C}">
-                <a14:useLocalDpi xmlns:a14="http://schemas.microsoft.com/office/drawing/2010/main" val="0"/>
-              </a:ext>
-            </a:extLst>
-          </a:blip>
-          <a:stretch>
-            <a:fillRect/>
-          </a:stretch>
-        </p:blipFill>
-        <p:spPr>
-          <a:xfrm>
-            <a:off x="6273997" y="1543026"/>
-            <a:ext cx="5461348" cy="4611800"/>
-          </a:xfrm>
-          <a:prstGeom prst="rect">
-            <a:avLst/>
-          </a:prstGeom>
-        </p:spPr>
-      </p:pic>
-      <p:pic>
-        <p:nvPicPr>
-          <p:cNvPr id="11" name="그림 10">
-            <a:extLst>
-              <a:ext uri="{FF2B5EF4-FFF2-40B4-BE49-F238E27FC236}">
-                <a16:creationId xmlns:a16="http://schemas.microsoft.com/office/drawing/2014/main" id="{58CCF67D-4083-25BA-D66B-A9BD38D7A62D}"/>
-              </a:ext>
-            </a:extLst>
-          </p:cNvPr>
-          <p:cNvPicPr>
-            <a:picLocks noChangeAspect="1"/>
-          </p:cNvPicPr>
-          <p:nvPr/>
-        </p:nvPicPr>
-        <p:blipFill>
-          <a:blip r:embed="rId5" cstate="print">
+          <a:blip r:embed="rId3" cstate="print">
             <a:extLst>
               <a:ext uri="{28A0092B-C50C-407E-A947-70E740481C1C}">
                 <a14:useLocalDpi xmlns:a14="http://schemas.microsoft.com/office/drawing/2010/main" val="0"/>
@@ -10493,6 +13283,78 @@
           </a:fontRef>
         </p:style>
       </p:cxnSp>
+      <p:pic>
+        <p:nvPicPr>
+          <p:cNvPr id="3" name="그림 2" descr="텍스트, 벽, 실내, 천장이(가) 표시된 사진&#10;&#10;자동 생성된 설명">
+            <a:extLst>
+              <a:ext uri="{FF2B5EF4-FFF2-40B4-BE49-F238E27FC236}">
+                <a16:creationId xmlns:a16="http://schemas.microsoft.com/office/drawing/2014/main" id="{55A619C4-AC4C-9CFC-8DAE-B496FCB0E78E}"/>
+              </a:ext>
+            </a:extLst>
+          </p:cNvPr>
+          <p:cNvPicPr>
+            <a:picLocks noChangeAspect="1"/>
+          </p:cNvPicPr>
+          <p:nvPr/>
+        </p:nvPicPr>
+        <p:blipFill>
+          <a:blip r:embed="rId4" cstate="print">
+            <a:extLst>
+              <a:ext uri="{28A0092B-C50C-407E-A947-70E740481C1C}">
+                <a14:useLocalDpi xmlns:a14="http://schemas.microsoft.com/office/drawing/2010/main" val="0"/>
+              </a:ext>
+            </a:extLst>
+          </a:blip>
+          <a:stretch>
+            <a:fillRect/>
+          </a:stretch>
+        </p:blipFill>
+        <p:spPr>
+          <a:xfrm>
+            <a:off x="415932" y="2196352"/>
+            <a:ext cx="5580701" cy="2988000"/>
+          </a:xfrm>
+          <a:prstGeom prst="rect">
+            <a:avLst/>
+          </a:prstGeom>
+        </p:spPr>
+      </p:pic>
+      <p:pic>
+        <p:nvPicPr>
+          <p:cNvPr id="12" name="그림 11" descr="텍스트, 실내, 천장, 방이(가) 표시된 사진&#10;&#10;자동 생성된 설명">
+            <a:extLst>
+              <a:ext uri="{FF2B5EF4-FFF2-40B4-BE49-F238E27FC236}">
+                <a16:creationId xmlns:a16="http://schemas.microsoft.com/office/drawing/2014/main" id="{3795B991-C77A-6CC1-90ED-2F50237740B0}"/>
+              </a:ext>
+            </a:extLst>
+          </p:cNvPr>
+          <p:cNvPicPr>
+            <a:picLocks noChangeAspect="1"/>
+          </p:cNvPicPr>
+          <p:nvPr/>
+        </p:nvPicPr>
+        <p:blipFill>
+          <a:blip r:embed="rId5" cstate="print">
+            <a:extLst>
+              <a:ext uri="{28A0092B-C50C-407E-A947-70E740481C1C}">
+                <a14:useLocalDpi xmlns:a14="http://schemas.microsoft.com/office/drawing/2010/main" val="0"/>
+              </a:ext>
+            </a:extLst>
+          </a:blip>
+          <a:stretch>
+            <a:fillRect/>
+          </a:stretch>
+        </p:blipFill>
+        <p:spPr>
+          <a:xfrm>
+            <a:off x="6162237" y="2193821"/>
+            <a:ext cx="5580000" cy="2990531"/>
+          </a:xfrm>
+          <a:prstGeom prst="rect">
+            <a:avLst/>
+          </a:prstGeom>
+        </p:spPr>
+      </p:pic>
     </p:spTree>
     <p:extLst>
       <p:ext uri="{BB962C8B-B14F-4D97-AF65-F5344CB8AC3E}">
@@ -10642,29 +13504,37 @@
               <a:defRPr/>
             </a:pPr>
             <a:r>
-              <a:rPr lang="en-US" altLang="ko-KR" sz="2800" b="1" i="1" kern="0">
+              <a:rPr lang="en-US" altLang="ko-KR" sz="2800" b="1" i="1" kern="0" dirty="0">
                 <a:solidFill>
                   <a:prstClr val="white"/>
                 </a:solidFill>
               </a:rPr>
-              <a:t>3. </a:t>
-            </a:r>
-            <a:r>
-              <a:rPr lang="ko-KR" altLang="en-US" sz="2800" b="1" i="1" kern="0">
+              <a:t>2. </a:t>
+            </a:r>
+            <a:r>
+              <a:rPr lang="ko-KR" altLang="en-US" sz="2800" b="1" i="1" kern="0" dirty="0">
                 <a:solidFill>
                   <a:prstClr val="white"/>
                 </a:solidFill>
               </a:rPr>
-              <a:t>앞으로의 계획</a:t>
-            </a:r>
-            <a:endParaRPr lang="en-US" altLang="ko-KR" sz="1400" i="1" kern="0" dirty="0">
-              <a:solidFill>
-                <a:prstClr val="white"/>
-              </a:solidFill>
-            </a:endParaRPr>
-          </a:p>
-          <a:p>
-            <a:pPr algn="ctr"/>
+              <a:t>프로젝트 내용 </a:t>
+            </a:r>
+            <a:r>
+              <a:rPr lang="en-US" altLang="ko-KR" sz="2800" b="1" i="1" kern="0" dirty="0">
+                <a:solidFill>
+                  <a:prstClr val="white"/>
+                </a:solidFill>
+              </a:rPr>
+              <a:t>– </a:t>
+            </a:r>
+            <a:r>
+              <a:rPr lang="ko-KR" altLang="en-US" sz="2800" b="1" i="1" kern="0" dirty="0">
+                <a:solidFill>
+                  <a:prstClr val="white"/>
+                </a:solidFill>
+              </a:rPr>
+              <a:t>하자 찾기 방</a:t>
+            </a:r>
             <a:endParaRPr lang="ko-KR" altLang="en-US" sz="1000" dirty="0">
               <a:solidFill>
                 <a:prstClr val="white"/>
@@ -10681,7 +13551,7 @@
         </p:nvSpPr>
         <p:spPr>
           <a:xfrm>
-            <a:off x="324626" y="1068343"/>
+            <a:off x="328458" y="1068343"/>
             <a:ext cx="11556000" cy="5789657"/>
           </a:xfrm>
           <a:prstGeom prst="rect">
@@ -10813,8 +13683,8 @@
         </p:nvSpPr>
         <p:spPr>
           <a:xfrm>
-            <a:off x="420723" y="5525543"/>
-            <a:ext cx="4747625" cy="481029"/>
+            <a:off x="490297" y="6154826"/>
+            <a:ext cx="3950459" cy="373885"/>
           </a:xfrm>
           <a:prstGeom prst="rect">
             <a:avLst/>
@@ -10832,7 +13702,7 @@
               </a:lnSpc>
             </a:pPr>
             <a:r>
-              <a:rPr lang="en-US" altLang="ko-KR" sz="900" b="1">
+              <a:rPr lang="en-US" altLang="ko-KR" sz="1400" dirty="0">
                 <a:solidFill>
                   <a:srgbClr val="44546A">
                     <a:lumMod val="75000"/>
@@ -10842,48 +13712,36 @@
               <a:t>* </a:t>
             </a:r>
             <a:r>
-              <a:rPr lang="ko-KR" altLang="en-US" sz="900"/>
-              <a:t>코로나에 막힌 집구경 ‘</a:t>
-            </a:r>
-            <a:r>
-              <a:rPr lang="en-US" altLang="ko-KR" sz="900"/>
-              <a:t>VR </a:t>
-            </a:r>
-            <a:r>
-              <a:rPr lang="ko-KR" altLang="en-US" sz="900"/>
-              <a:t>발품팔이’로 대신한다 </a:t>
-            </a:r>
-            <a:r>
-              <a:rPr lang="en-US" altLang="ko-KR" sz="900"/>
-              <a:t>/ </a:t>
-            </a:r>
-            <a:r>
-              <a:rPr lang="ko-KR" altLang="en-US" sz="900"/>
-              <a:t>출처 </a:t>
-            </a:r>
-            <a:r>
-              <a:rPr lang="en-US" altLang="ko-KR" sz="900"/>
-              <a:t>: </a:t>
-            </a:r>
-            <a:r>
-              <a:rPr lang="ko-KR" altLang="en-US" sz="900"/>
-              <a:t>한국일보</a:t>
-            </a:r>
-            <a:r>
-              <a:rPr lang="en-US" altLang="ko-KR" sz="900"/>
-              <a:t>(</a:t>
-            </a:r>
-            <a:r>
-              <a:rPr lang="en-US" altLang="ko-KR" sz="900" b="1">
+              <a:rPr lang="ko-KR" altLang="en-US" sz="1400" dirty="0">
                 <a:solidFill>
                   <a:srgbClr val="44546A">
                     <a:lumMod val="75000"/>
                   </a:srgbClr>
                 </a:solidFill>
               </a:rPr>
-              <a:t>https://www.hankookilbo.com/News/Read/202004061549732280)</a:t>
-            </a:r>
-            <a:endParaRPr lang="ko-KR" altLang="en-US" sz="900" dirty="0">
+              <a:t>유니티로 제작한 하자 찾기 </a:t>
+            </a:r>
+            <a:r>
+              <a:rPr lang="en-US" altLang="ko-KR" sz="1400" dirty="0">
+                <a:solidFill>
+                  <a:srgbClr val="44546A">
+                    <a:lumMod val="75000"/>
+                  </a:srgbClr>
+                </a:solidFill>
+              </a:rPr>
+              <a:t>3</a:t>
+            </a:r>
+            <a:r>
+              <a:rPr lang="ko-KR" altLang="en-US" sz="1400" dirty="0">
+                <a:solidFill>
+                  <a:srgbClr val="44546A">
+                    <a:lumMod val="75000"/>
+                  </a:srgbClr>
+                </a:solidFill>
+              </a:rPr>
+              <a:t>번 방의 모습</a:t>
+            </a:r>
+            <a:endParaRPr lang="ko-KR" altLang="en-US" sz="1000" dirty="0">
               <a:solidFill>
                 <a:prstClr val="black">
                   <a:lumMod val="65000"/>
@@ -10908,8 +13766,8 @@
         </p:nvSpPr>
         <p:spPr>
           <a:xfrm>
-            <a:off x="6756717" y="2264097"/>
-            <a:ext cx="4469818" cy="2169825"/>
+            <a:off x="6273997" y="6142038"/>
+            <a:ext cx="4469818" cy="373885"/>
           </a:xfrm>
           <a:prstGeom prst="rect">
             <a:avLst/>
@@ -10927,88 +13785,62 @@
               </a:lnSpc>
             </a:pPr>
             <a:r>
-              <a:rPr lang="ko-KR" altLang="en-US" sz="1000">
-                <a:solidFill>
-                  <a:prstClr val="black">
-                    <a:lumMod val="65000"/>
-                    <a:lumOff val="35000"/>
-                  </a:prstClr>
-                </a:solidFill>
-              </a:rPr>
-              <a:t> </a:t>
-            </a:r>
-            <a:r>
-              <a:rPr lang="ko-KR" altLang="en-US" sz="1500" b="1">
-                <a:solidFill>
-                  <a:prstClr val="black">
-                    <a:lumMod val="65000"/>
-                    <a:lumOff val="35000"/>
-                  </a:prstClr>
-                </a:solidFill>
-              </a:rPr>
-              <a:t>실제 자취방을 구하는 단계에 있거나 구할 계획이 있는 주변 잠재적 소비자에게 직접 시뮬레이터 체험의 기회를 제공하는 등의 방식을 통해 피드백을 얻어 장점을 극대화하고 단점을 개선하는 방식을 통해 더욱 완성도 높은 시뮬레이터로 마무리 지을 것입니다</a:t>
-            </a:r>
-            <a:r>
-              <a:rPr lang="en-US" altLang="ko-KR" sz="1500" b="1">
-                <a:solidFill>
-                  <a:prstClr val="black">
-                    <a:lumMod val="65000"/>
-                    <a:lumOff val="35000"/>
-                  </a:prstClr>
-                </a:solidFill>
-              </a:rPr>
-              <a:t>.</a:t>
-            </a:r>
+              <a:rPr lang="en-US" altLang="ko-KR" sz="1400" dirty="0">
+                <a:solidFill>
+                  <a:srgbClr val="44546A">
+                    <a:lumMod val="75000"/>
+                  </a:srgbClr>
+                </a:solidFill>
+              </a:rPr>
+              <a:t>* </a:t>
+            </a:r>
+            <a:r>
+              <a:rPr lang="ko-KR" altLang="en-US" sz="1400" dirty="0">
+                <a:solidFill>
+                  <a:srgbClr val="44546A">
+                    <a:lumMod val="75000"/>
+                  </a:srgbClr>
+                </a:solidFill>
+              </a:rPr>
+              <a:t>유니티로 제작한 하자 찾기 </a:t>
+            </a:r>
+            <a:r>
+              <a:rPr lang="en-US" altLang="ko-KR" sz="1400" dirty="0">
+                <a:solidFill>
+                  <a:srgbClr val="44546A">
+                    <a:lumMod val="75000"/>
+                  </a:srgbClr>
+                </a:solidFill>
+              </a:rPr>
+              <a:t>4</a:t>
+            </a:r>
+            <a:r>
+              <a:rPr lang="ko-KR" altLang="en-US" sz="1400" dirty="0">
+                <a:solidFill>
+                  <a:srgbClr val="44546A">
+                    <a:lumMod val="75000"/>
+                  </a:srgbClr>
+                </a:solidFill>
+              </a:rPr>
+              <a:t>번 방의 모습</a:t>
+            </a:r>
+            <a:endParaRPr lang="ko-KR" altLang="en-US" sz="1000" dirty="0">
+              <a:solidFill>
+                <a:prstClr val="black">
+                  <a:lumMod val="65000"/>
+                  <a:lumOff val="35000"/>
+                </a:prstClr>
+              </a:solidFill>
+            </a:endParaRPr>
           </a:p>
         </p:txBody>
       </p:sp>
       <p:pic>
         <p:nvPicPr>
-          <p:cNvPr id="1026" name="Picture 2" descr="코로나에 막힌 집구경 'VR 발품팔이'로 대신한다"/>
-          <p:cNvPicPr>
-            <a:picLocks noChangeAspect="1" noChangeArrowheads="1"/>
-          </p:cNvPicPr>
-          <p:nvPr/>
-        </p:nvPicPr>
-        <p:blipFill>
-          <a:blip r:embed="rId2">
-            <a:extLst>
-              <a:ext uri="{28A0092B-C50C-407E-A947-70E740481C1C}">
-                <a14:useLocalDpi xmlns:a14="http://schemas.microsoft.com/office/drawing/2010/main" val="0"/>
-              </a:ext>
-            </a:extLst>
-          </a:blip>
-          <a:srcRect/>
-          <a:stretch>
-            <a:fillRect/>
-          </a:stretch>
-        </p:blipFill>
-        <p:spPr bwMode="auto">
-          <a:xfrm>
-            <a:off x="490297" y="1169283"/>
-            <a:ext cx="5612329" cy="4314826"/>
-          </a:xfrm>
-          <a:prstGeom prst="rect">
-            <a:avLst/>
-          </a:prstGeom>
-          <a:noFill/>
-          <a:extLst>
-            <a:ext uri="{909E8E84-426E-40DD-AFC4-6F175D3DCCD1}">
-              <a14:hiddenFill xmlns:a14="http://schemas.microsoft.com/office/drawing/2010/main">
-                <a:solidFill>
-                  <a:srgbClr val="FFFFFF"/>
-                </a:solidFill>
-              </a14:hiddenFill>
-            </a:ext>
-          </a:extLst>
-        </p:spPr>
-      </p:pic>
-      <p:pic>
-        <p:nvPicPr>
-          <p:cNvPr id="16" name="그림 15">
-            <a:extLst>
-              <a:ext uri="{FF2B5EF4-FFF2-40B4-BE49-F238E27FC236}">
-                <a16:creationId xmlns:a16="http://schemas.microsoft.com/office/drawing/2014/main" id="{853F44A1-2C7C-3124-823D-86D26BE28D78}"/>
+          <p:cNvPr id="11" name="그림 10">
+            <a:extLst>
+              <a:ext uri="{FF2B5EF4-FFF2-40B4-BE49-F238E27FC236}">
+                <a16:creationId xmlns:a16="http://schemas.microsoft.com/office/drawing/2014/main" id="{58CCF67D-4083-25BA-D66B-A9BD38D7A62D}"/>
               </a:ext>
             </a:extLst>
           </p:cNvPr>
@@ -11041,7 +13873,7 @@
       </p:pic>
       <p:cxnSp>
         <p:nvCxnSpPr>
-          <p:cNvPr id="11" name="직선 연결선 10">
+          <p:cNvPr id="14" name="직선 연결선 13">
             <a:extLst>
               <a:ext uri="{FF2B5EF4-FFF2-40B4-BE49-F238E27FC236}">
                 <a16:creationId xmlns:a16="http://schemas.microsoft.com/office/drawing/2014/main" id="{5C067028-2E01-47AD-8DE6-64CBF7F2E79F}"/>
@@ -11054,9 +13886,9 @@
           <p:nvPr/>
         </p:nvCxnSpPr>
         <p:spPr>
-          <a:xfrm>
-            <a:off x="6503502" y="1487129"/>
-            <a:ext cx="0" cy="3600000"/>
+          <a:xfrm flipH="1">
+            <a:off x="6062870" y="1775366"/>
+            <a:ext cx="33130" cy="4320000"/>
           </a:xfrm>
           <a:prstGeom prst="line">
             <a:avLst/>
@@ -11083,10 +13915,82 @@
           </a:fontRef>
         </p:style>
       </p:cxnSp>
+      <p:pic>
+        <p:nvPicPr>
+          <p:cNvPr id="4" name="그림 3" descr="텍스트, 벽, 실내, 천장이(가) 표시된 사진&#10;&#10;자동 생성된 설명">
+            <a:extLst>
+              <a:ext uri="{FF2B5EF4-FFF2-40B4-BE49-F238E27FC236}">
+                <a16:creationId xmlns:a16="http://schemas.microsoft.com/office/drawing/2014/main" id="{5965FCD0-EA81-43E3-A794-1ED24C24D74A}"/>
+              </a:ext>
+            </a:extLst>
+          </p:cNvPr>
+          <p:cNvPicPr>
+            <a:picLocks noChangeAspect="1"/>
+          </p:cNvPicPr>
+          <p:nvPr/>
+        </p:nvPicPr>
+        <p:blipFill>
+          <a:blip r:embed="rId4" cstate="print">
+            <a:extLst>
+              <a:ext uri="{28A0092B-C50C-407E-A947-70E740481C1C}">
+                <a14:useLocalDpi xmlns:a14="http://schemas.microsoft.com/office/drawing/2010/main" val="0"/>
+              </a:ext>
+            </a:extLst>
+          </a:blip>
+          <a:stretch>
+            <a:fillRect/>
+          </a:stretch>
+        </p:blipFill>
+        <p:spPr>
+          <a:xfrm>
+            <a:off x="392623" y="2109171"/>
+            <a:ext cx="5599949" cy="2988000"/>
+          </a:xfrm>
+          <a:prstGeom prst="rect">
+            <a:avLst/>
+          </a:prstGeom>
+        </p:spPr>
+      </p:pic>
+      <p:pic>
+        <p:nvPicPr>
+          <p:cNvPr id="9" name="그림 8">
+            <a:extLst>
+              <a:ext uri="{FF2B5EF4-FFF2-40B4-BE49-F238E27FC236}">
+                <a16:creationId xmlns:a16="http://schemas.microsoft.com/office/drawing/2014/main" id="{0AB25023-4A8F-707F-AD63-98B32B39B884}"/>
+              </a:ext>
+            </a:extLst>
+          </p:cNvPr>
+          <p:cNvPicPr>
+            <a:picLocks noChangeAspect="1"/>
+          </p:cNvPicPr>
+          <p:nvPr/>
+        </p:nvPicPr>
+        <p:blipFill>
+          <a:blip r:embed="rId5" cstate="print">
+            <a:extLst>
+              <a:ext uri="{28A0092B-C50C-407E-A947-70E740481C1C}">
+                <a14:useLocalDpi xmlns:a14="http://schemas.microsoft.com/office/drawing/2010/main" val="0"/>
+              </a:ext>
+            </a:extLst>
+          </a:blip>
+          <a:stretch>
+            <a:fillRect/>
+          </a:stretch>
+        </p:blipFill>
+        <p:spPr>
+          <a:xfrm>
+            <a:off x="6166298" y="2109050"/>
+            <a:ext cx="5597034" cy="2988000"/>
+          </a:xfrm>
+          <a:prstGeom prst="rect">
+            <a:avLst/>
+          </a:prstGeom>
+        </p:spPr>
+      </p:pic>
     </p:spTree>
     <p:extLst>
       <p:ext uri="{BB962C8B-B14F-4D97-AF65-F5344CB8AC3E}">
-        <p14:creationId xmlns:p14="http://schemas.microsoft.com/office/powerpoint/2010/main" val="3001498773"/>
+        <p14:creationId xmlns:p14="http://schemas.microsoft.com/office/powerpoint/2010/main" val="1562785097"/>
       </p:ext>
     </p:extLst>
   </p:cSld>
@@ -11129,8 +14033,8 @@
         </p:nvSpPr>
         <p:spPr>
           <a:xfrm>
-            <a:off x="3590924" y="3043917"/>
-            <a:ext cx="5318583" cy="3814083"/>
+            <a:off x="274458" y="348343"/>
+            <a:ext cx="11664000" cy="6509657"/>
           </a:xfrm>
           <a:prstGeom prst="round2SameRect">
             <a:avLst>
@@ -11192,8 +14096,8 @@
         </p:nvSpPr>
         <p:spPr>
           <a:xfrm>
-            <a:off x="3657600" y="3109574"/>
-            <a:ext cx="5197907" cy="3748426"/>
+            <a:off x="328458" y="414000"/>
+            <a:ext cx="11556000" cy="6444000"/>
           </a:xfrm>
           <a:prstGeom prst="round2SameRect">
             <a:avLst>
@@ -11228,25 +14132,55 @@
           <a:bodyPr rtlCol="0" anchor="t"/>
           <a:lstStyle/>
           <a:p>
-            <a:pPr algn="ctr">
-              <a:lnSpc>
-                <a:spcPct val="200000"/>
-              </a:lnSpc>
+            <a:pPr lvl="1" latinLnBrk="0">
+              <a:defRPr/>
             </a:pPr>
             <a:r>
-              <a:rPr lang="ko-KR" altLang="en-US" sz="1700">
+              <a:rPr lang="en-US" altLang="ko-KR" sz="2800" b="1" i="1" kern="0" dirty="0">
                 <a:solidFill>
                   <a:prstClr val="white"/>
                 </a:solidFill>
               </a:rPr>
-              <a:t>소프트웨어캡스톤디자인</a:t>
-            </a:r>
-            <a:endParaRPr lang="ko-KR" altLang="en-US" sz="1700" dirty="0">
+              <a:t>2. </a:t>
+            </a:r>
+            <a:r>
+              <a:rPr lang="ko-KR" altLang="en-US" sz="2800" b="1" i="1" kern="0" dirty="0">
+                <a:solidFill>
+                  <a:prstClr val="white"/>
+                </a:solidFill>
+              </a:rPr>
+              <a:t>프로젝트 내용 </a:t>
+            </a:r>
+            <a:r>
+              <a:rPr lang="en-US" altLang="ko-KR" sz="2800" b="1" i="1" kern="0" dirty="0">
+                <a:solidFill>
+                  <a:prstClr val="white"/>
+                </a:solidFill>
+              </a:rPr>
+              <a:t>– </a:t>
+            </a:r>
+            <a:r>
+              <a:rPr lang="ko-KR" altLang="en-US" sz="2800" b="1" i="1" kern="0" dirty="0">
+                <a:solidFill>
+                  <a:prstClr val="white"/>
+                </a:solidFill>
+              </a:rPr>
+              <a:t>하자 찾기 방</a:t>
+            </a:r>
+            <a:endParaRPr lang="en-US" altLang="ko-KR" sz="1400" i="1" kern="0" dirty="0">
               <a:solidFill>
                 <a:prstClr val="white"/>
               </a:solidFill>
             </a:endParaRPr>
           </a:p>
+          <a:p>
+            <a:pPr algn="ctr"/>
+            <a:endParaRPr lang="ko-KR" altLang="en-US" sz="1000" dirty="0">
+              <a:solidFill>
+                <a:prstClr val="white"/>
+              </a:solidFill>
+            </a:endParaRPr>
+          </a:p>
         </p:txBody>
       </p:sp>
       <p:sp>
@@ -11257,8 +14191,8 @@
         </p:nvSpPr>
         <p:spPr>
           <a:xfrm>
-            <a:off x="3657600" y="3763918"/>
-            <a:ext cx="5197907" cy="3094082"/>
+            <a:off x="328458" y="1068343"/>
+            <a:ext cx="11556000" cy="5789657"/>
           </a:xfrm>
           <a:prstGeom prst="rect">
             <a:avLst/>
@@ -11290,54 +14224,12 @@
           <a:bodyPr rtlCol="0" anchor="ctr"/>
           <a:lstStyle/>
           <a:p>
-            <a:pPr algn="ctr" latinLnBrk="0">
-              <a:lnSpc>
-                <a:spcPct val="150000"/>
-              </a:lnSpc>
-              <a:defRPr/>
-            </a:pPr>
-            <a:r>
-              <a:rPr lang="ko-KR" altLang="en-US" sz="4400" b="1" i="1" kern="0">
-                <a:solidFill>
-                  <a:prstClr val="black">
-                    <a:lumMod val="75000"/>
-                    <a:lumOff val="25000"/>
-                  </a:prstClr>
-                </a:solidFill>
-              </a:rPr>
-              <a:t>감사합니다</a:t>
-            </a:r>
-            <a:r>
-              <a:rPr lang="en-US" altLang="ko-KR" sz="4400" b="1" i="1" kern="0">
-                <a:solidFill>
-                  <a:prstClr val="black">
-                    <a:lumMod val="75000"/>
-                    <a:lumOff val="25000"/>
-                  </a:prstClr>
-                </a:solidFill>
-              </a:rPr>
-              <a:t>.</a:t>
-            </a:r>
-          </a:p>
-          <a:p>
-            <a:pPr algn="ctr" latinLnBrk="0">
-              <a:lnSpc>
-                <a:spcPct val="150000"/>
-              </a:lnSpc>
-              <a:defRPr/>
-            </a:pPr>
-            <a:r>
-              <a:rPr lang="en-US" altLang="ko-KR" sz="4400" b="1" i="1" kern="0">
-                <a:solidFill>
-                  <a:prstClr val="black">
-                    <a:lumMod val="75000"/>
-                    <a:lumOff val="25000"/>
-                  </a:prstClr>
-                </a:solidFill>
-              </a:rPr>
-              <a:t>Q&amp;A</a:t>
-            </a:r>
-            <a:endParaRPr lang="en-US" altLang="ko-KR" sz="4400"/>
+            <a:pPr algn="ctr"/>
+            <a:endParaRPr lang="ko-KR" altLang="en-US">
+              <a:solidFill>
+                <a:prstClr val="white"/>
+              </a:solidFill>
+            </a:endParaRPr>
           </a:p>
         </p:txBody>
       </p:sp>
@@ -11355,8 +14247,8 @@
         </p:nvSpPr>
         <p:spPr>
           <a:xfrm>
-            <a:off x="8402799" y="2863362"/>
-            <a:ext cx="573384" cy="573384"/>
+            <a:off x="11281274" y="215219"/>
+            <a:ext cx="720000" cy="720000"/>
           </a:xfrm>
           <a:prstGeom prst="ellipse">
             <a:avLst/>
@@ -11417,12 +14309,95 @@
           </a:p>
         </p:txBody>
       </p:sp>
+      <p:sp>
+        <p:nvSpPr>
+          <p:cNvPr id="40" name="직사각형 39">
+            <a:extLst>
+              <a:ext uri="{FF2B5EF4-FFF2-40B4-BE49-F238E27FC236}">
+                <a16:creationId xmlns:a16="http://schemas.microsoft.com/office/drawing/2014/main" id="{3FA00699-5178-465A-9F3F-130CF1431F70}"/>
+              </a:ext>
+            </a:extLst>
+          </p:cNvPr>
+          <p:cNvSpPr/>
+          <p:nvPr/>
+        </p:nvSpPr>
+        <p:spPr>
+          <a:xfrm>
+            <a:off x="4120769" y="6153104"/>
+            <a:ext cx="3950459" cy="373885"/>
+          </a:xfrm>
+          <a:prstGeom prst="rect">
+            <a:avLst/>
+          </a:prstGeom>
+        </p:spPr>
+        <p:txBody>
+          <a:bodyPr wrap="square">
+            <a:spAutoFit/>
+          </a:bodyPr>
+          <a:lstStyle/>
+          <a:p>
+            <a:pPr>
+              <a:lnSpc>
+                <a:spcPct val="150000"/>
+              </a:lnSpc>
+            </a:pPr>
+            <a:r>
+              <a:rPr lang="en-US" altLang="ko-KR" sz="1400" dirty="0">
+                <a:solidFill>
+                  <a:srgbClr val="44546A">
+                    <a:lumMod val="75000"/>
+                  </a:srgbClr>
+                </a:solidFill>
+              </a:rPr>
+              <a:t>* </a:t>
+            </a:r>
+            <a:r>
+              <a:rPr lang="ko-KR" altLang="en-US" sz="1400" dirty="0">
+                <a:solidFill>
+                  <a:srgbClr val="44546A">
+                    <a:lumMod val="75000"/>
+                  </a:srgbClr>
+                </a:solidFill>
+              </a:rPr>
+              <a:t>유니티로 제작한 하자 찾기 </a:t>
+            </a:r>
+            <a:r>
+              <a:rPr lang="en-US" altLang="ko-KR" sz="1400" dirty="0">
+                <a:solidFill>
+                  <a:srgbClr val="44546A">
+                    <a:lumMod val="75000"/>
+                  </a:srgbClr>
+                </a:solidFill>
+              </a:rPr>
+              <a:t>5</a:t>
+            </a:r>
+            <a:r>
+              <a:rPr lang="ko-KR" altLang="en-US" sz="1400" dirty="0">
+                <a:solidFill>
+                  <a:srgbClr val="44546A">
+                    <a:lumMod val="75000"/>
+                  </a:srgbClr>
+                </a:solidFill>
+              </a:rPr>
+              <a:t>번 방의 모습</a:t>
+            </a:r>
+            <a:endParaRPr lang="ko-KR" altLang="en-US" sz="1000" dirty="0">
+              <a:solidFill>
+                <a:prstClr val="black">
+                  <a:lumMod val="65000"/>
+                  <a:lumOff val="35000"/>
+                </a:prstClr>
+              </a:solidFill>
+            </a:endParaRPr>
+          </a:p>
+        </p:txBody>
+      </p:sp>
       <p:pic>
         <p:nvPicPr>
           <p:cNvPr id="11" name="그림 10">
             <a:extLst>
               <a:ext uri="{FF2B5EF4-FFF2-40B4-BE49-F238E27FC236}">
-                <a16:creationId xmlns:a16="http://schemas.microsoft.com/office/drawing/2014/main" id="{31A65D8A-4658-B64B-EDC2-DD445BE14A84}"/>
+                <a16:creationId xmlns:a16="http://schemas.microsoft.com/office/drawing/2014/main" id="{58CCF67D-4083-25BA-D66B-A9BD38D7A62D}"/>
               </a:ext>
             </a:extLst>
           </p:cNvPr>
@@ -11432,7 +14407,7 @@
           <p:nvPr/>
         </p:nvPicPr>
         <p:blipFill>
-          <a:blip r:embed="rId2" cstate="print">
+          <a:blip r:embed="rId3" cstate="print">
             <a:extLst>
               <a:ext uri="{28A0092B-C50C-407E-A947-70E740481C1C}">
                 <a14:useLocalDpi xmlns:a14="http://schemas.microsoft.com/office/drawing/2010/main" val="0"/>
@@ -11445,8 +14420,44 @@
         </p:blipFill>
         <p:spPr>
           <a:xfrm>
-            <a:off x="8402799" y="2918104"/>
-            <a:ext cx="573384" cy="463899"/>
+            <a:off x="11313108" y="311326"/>
+            <a:ext cx="652350" cy="527786"/>
+          </a:xfrm>
+          <a:prstGeom prst="rect">
+            <a:avLst/>
+          </a:prstGeom>
+        </p:spPr>
+      </p:pic>
+      <p:pic>
+        <p:nvPicPr>
+          <p:cNvPr id="4" name="그림 3" descr="텍스트, 천장, 벽, 실내이(가) 표시된 사진&#10;&#10;자동 생성된 설명">
+            <a:extLst>
+              <a:ext uri="{FF2B5EF4-FFF2-40B4-BE49-F238E27FC236}">
+                <a16:creationId xmlns:a16="http://schemas.microsoft.com/office/drawing/2014/main" id="{20BDBFE0-908A-EA39-9C47-5580694AB2C6}"/>
+              </a:ext>
+            </a:extLst>
+          </p:cNvPr>
+          <p:cNvPicPr>
+            <a:picLocks noChangeAspect="1"/>
+          </p:cNvPicPr>
+          <p:nvPr/>
+        </p:nvPicPr>
+        <p:blipFill>
+          <a:blip r:embed="rId4" cstate="print">
+            <a:extLst>
+              <a:ext uri="{28A0092B-C50C-407E-A947-70E740481C1C}">
+                <a14:useLocalDpi xmlns:a14="http://schemas.microsoft.com/office/drawing/2010/main" val="0"/>
+              </a:ext>
+            </a:extLst>
+          </a:blip>
+          <a:stretch>
+            <a:fillRect/>
+          </a:stretch>
+        </p:blipFill>
+        <p:spPr>
+          <a:xfrm>
+            <a:off x="3308361" y="2109171"/>
+            <a:ext cx="5575277" cy="2988000"/>
           </a:xfrm>
           <a:prstGeom prst="rect">
             <a:avLst/>
@@ -11456,7 +14467,7 @@
     </p:spTree>
     <p:extLst>
       <p:ext uri="{BB962C8B-B14F-4D97-AF65-F5344CB8AC3E}">
-        <p14:creationId xmlns:p14="http://schemas.microsoft.com/office/powerpoint/2010/main" val="2500178695"/>
+        <p14:creationId xmlns:p14="http://schemas.microsoft.com/office/powerpoint/2010/main" val="1006898258"/>
       </p:ext>
     </p:extLst>
   </p:cSld>
